--- a/KICS_PT/[KICS] 동향 poster.pptx
+++ b/KICS_PT/[KICS] 동향 poster.pptx
@@ -9,14 +9,16 @@
     <p:sldId id="257" r:id="rId3"/>
     <p:sldId id="265" r:id="rId4"/>
     <p:sldId id="263" r:id="rId5"/>
-    <p:sldId id="266" r:id="rId6"/>
-    <p:sldId id="267" r:id="rId7"/>
-    <p:sldId id="275" r:id="rId8"/>
-    <p:sldId id="276" r:id="rId9"/>
-    <p:sldId id="277" r:id="rId10"/>
-    <p:sldId id="278" r:id="rId11"/>
-    <p:sldId id="279" r:id="rId12"/>
-    <p:sldId id="274" r:id="rId13"/>
+    <p:sldId id="280" r:id="rId6"/>
+    <p:sldId id="281" r:id="rId7"/>
+    <p:sldId id="266" r:id="rId8"/>
+    <p:sldId id="267" r:id="rId9"/>
+    <p:sldId id="275" r:id="rId10"/>
+    <p:sldId id="276" r:id="rId11"/>
+    <p:sldId id="277" r:id="rId12"/>
+    <p:sldId id="278" r:id="rId13"/>
+    <p:sldId id="279" r:id="rId14"/>
+    <p:sldId id="274" r:id="rId15"/>
   </p:sldIdLst>
   <p:sldSz cx="12192000" cy="6858000"/>
   <p:notesSz cx="6858000" cy="9144000"/>
@@ -3817,7 +3819,7 @@
                 </a:solidFill>
                 <a:ea typeface="맑은 고딕" panose="020B0503020000020004" pitchFamily="50" charset="-127"/>
               </a:rPr>
-              <a:t>5</a:t>
+              <a:t>3</a:t>
             </a:r>
             <a:r>
               <a:rPr kumimoji="0" lang="en-US" altLang="ko-KR" sz="3200" b="1" i="0" u="none" strike="noStrike" kern="0" cap="none" spc="-25" normalizeH="0" baseline="0" noProof="0">
@@ -4060,7 +4062,7 @@
             </a:r>
             <a:r>
               <a:rPr lang="en-US" altLang="ko-KR"/>
-              <a:t>5 </a:t>
+              <a:t>3 </a:t>
             </a:r>
             <a:r>
               <a:rPr lang="ko-KR" altLang="en-US"/>
@@ -4072,7 +4074,7 @@
     </p:spTree>
     <p:extLst>
       <p:ext uri="{BB962C8B-B14F-4D97-AF65-F5344CB8AC3E}">
-        <p14:creationId xmlns:p14="http://schemas.microsoft.com/office/powerpoint/2010/main" val="2228333835"/>
+        <p14:creationId xmlns:p14="http://schemas.microsoft.com/office/powerpoint/2010/main" val="1136774762"/>
       </p:ext>
     </p:extLst>
   </p:cSld>
@@ -4213,7 +4215,7 @@
                 </a:solidFill>
                 <a:ea typeface="맑은 고딕" panose="020B0503020000020004" pitchFamily="50" charset="-127"/>
               </a:rPr>
-              <a:t>6</a:t>
+              <a:t>4</a:t>
             </a:r>
             <a:r>
               <a:rPr kumimoji="0" lang="en-US" altLang="ko-KR" sz="3200" b="1" i="0" u="none" strike="noStrike" kern="0" cap="none" spc="-25" normalizeH="0" baseline="0" noProof="0">
@@ -4456,6 +4458,798 @@
             </a:r>
             <a:r>
               <a:rPr lang="en-US" altLang="ko-KR"/>
+              <a:t>4 </a:t>
+            </a:r>
+            <a:r>
+              <a:rPr lang="ko-KR" altLang="en-US"/>
+              <a:t>내용</a:t>
+            </a:r>
+          </a:p>
+        </p:txBody>
+      </p:sp>
+    </p:spTree>
+    <p:extLst>
+      <p:ext uri="{BB962C8B-B14F-4D97-AF65-F5344CB8AC3E}">
+        <p14:creationId xmlns:p14="http://schemas.microsoft.com/office/powerpoint/2010/main" val="3627033606"/>
+      </p:ext>
+    </p:extLst>
+  </p:cSld>
+  <p:clrMapOvr>
+    <a:masterClrMapping/>
+  </p:clrMapOvr>
+</p:sld>
+</file>
+
+<file path=ppt/slides/slide12.xml><?xml version="1.0" encoding="utf-8"?>
+<p:sld xmlns:a="http://schemas.openxmlformats.org/drawingml/2006/main" xmlns:r="http://schemas.openxmlformats.org/officeDocument/2006/relationships" xmlns:p="http://schemas.openxmlformats.org/presentationml/2006/main">
+  <p:cSld>
+    <p:spTree>
+      <p:nvGrpSpPr>
+        <p:cNvPr id="1" name=""/>
+        <p:cNvGrpSpPr/>
+        <p:nvPr/>
+      </p:nvGrpSpPr>
+      <p:grpSpPr>
+        <a:xfrm>
+          <a:off x="0" y="0"/>
+          <a:ext cx="0" cy="0"/>
+          <a:chOff x="0" y="0"/>
+          <a:chExt cx="0" cy="0"/>
+        </a:xfrm>
+      </p:grpSpPr>
+      <p:sp>
+        <p:nvSpPr>
+          <p:cNvPr id="15" name="object 2">
+            <a:extLst>
+              <a:ext uri="{FF2B5EF4-FFF2-40B4-BE49-F238E27FC236}">
+                <a16:creationId xmlns:a16="http://schemas.microsoft.com/office/drawing/2014/main" id="{63B42C9C-96BB-4869-81D8-DBA87F4A50BB}"/>
+              </a:ext>
+            </a:extLst>
+          </p:cNvPr>
+          <p:cNvSpPr txBox="1">
+            <a:spLocks/>
+          </p:cNvSpPr>
+          <p:nvPr/>
+        </p:nvSpPr>
+        <p:spPr>
+          <a:xfrm>
+            <a:off x="492575" y="391668"/>
+            <a:ext cx="2391302" cy="505267"/>
+          </a:xfrm>
+          <a:prstGeom prst="rect">
+            <a:avLst/>
+          </a:prstGeom>
+        </p:spPr>
+        <p:txBody>
+          <a:bodyPr vert="horz" wrap="square" lIns="0" tIns="12700" rIns="0" bIns="0" rtlCol="0">
+            <a:spAutoFit/>
+          </a:bodyPr>
+          <a:lstStyle>
+            <a:lvl1pPr>
+              <a:defRPr sz="3600" b="1" i="0">
+                <a:solidFill>
+                  <a:schemeClr val="tx1"/>
+                </a:solidFill>
+                <a:latin typeface="Malgun Gothic"/>
+                <a:ea typeface="+mj-ea"/>
+                <a:cs typeface="Malgun Gothic"/>
+              </a:defRPr>
+            </a:lvl1pPr>
+          </a:lstStyle>
+          <a:p>
+            <a:pPr marL="12700" marR="0" lvl="0" indent="0" defTabSz="914400" eaLnBrk="1" fontAlgn="auto" latinLnBrk="0" hangingPunct="1">
+              <a:lnSpc>
+                <a:spcPct val="100000"/>
+              </a:lnSpc>
+              <a:spcBef>
+                <a:spcPts val="100"/>
+              </a:spcBef>
+              <a:spcAft>
+                <a:spcPts val="0"/>
+              </a:spcAft>
+              <a:buClrTx/>
+              <a:buSzTx/>
+              <a:buFontTx/>
+              <a:buNone/>
+              <a:tabLst>
+                <a:tab pos="967740" algn="l"/>
+              </a:tabLst>
+              <a:defRPr/>
+            </a:pPr>
+            <a:r>
+              <a:rPr kumimoji="0" lang="ko-KR" altLang="en-US" sz="3200" b="1" i="0" u="none" strike="noStrike" kern="0" cap="none" spc="-25" normalizeH="0" baseline="0" noProof="0">
+                <a:ln>
+                  <a:noFill/>
+                </a:ln>
+                <a:solidFill>
+                  <a:srgbClr val="001F60"/>
+                </a:solidFill>
+                <a:effectLst/>
+                <a:uLnTx/>
+                <a:uFillTx/>
+                <a:latin typeface="Malgun Gothic"/>
+                <a:ea typeface="맑은 고딕" panose="020B0503020000020004" pitchFamily="50" charset="-127"/>
+              </a:rPr>
+              <a:t>본론</a:t>
+            </a:r>
+            <a:r>
+              <a:rPr kumimoji="0" lang="en-US" altLang="ko-KR" sz="3200" b="1" i="0" u="none" strike="noStrike" kern="0" cap="none" spc="-25" normalizeH="0" baseline="0" noProof="0">
+                <a:ln>
+                  <a:noFill/>
+                </a:ln>
+                <a:solidFill>
+                  <a:srgbClr val="001F60"/>
+                </a:solidFill>
+                <a:effectLst/>
+                <a:uLnTx/>
+                <a:uFillTx/>
+                <a:latin typeface="Malgun Gothic"/>
+                <a:ea typeface="맑은 고딕" panose="020B0503020000020004" pitchFamily="50" charset="-127"/>
+              </a:rPr>
+              <a:t>(</a:t>
+            </a:r>
+            <a:r>
+              <a:rPr kumimoji="0" lang="ko-KR" altLang="en-US" sz="3200" b="1" i="0" u="none" strike="noStrike" kern="0" cap="none" spc="-25" normalizeH="0" baseline="0" noProof="0">
+                <a:ln>
+                  <a:noFill/>
+                </a:ln>
+                <a:solidFill>
+                  <a:srgbClr val="001F60"/>
+                </a:solidFill>
+                <a:effectLst/>
+                <a:uLnTx/>
+                <a:uFillTx/>
+                <a:latin typeface="Malgun Gothic"/>
+                <a:ea typeface="맑은 고딕" panose="020B0503020000020004" pitchFamily="50" charset="-127"/>
+              </a:rPr>
+              <a:t>논문 </a:t>
+            </a:r>
+            <a:r>
+              <a:rPr lang="en-US" altLang="ko-KR" sz="3200" kern="0" spc="-25">
+                <a:solidFill>
+                  <a:srgbClr val="001F60"/>
+                </a:solidFill>
+                <a:ea typeface="맑은 고딕" panose="020B0503020000020004" pitchFamily="50" charset="-127"/>
+              </a:rPr>
+              <a:t>5</a:t>
+            </a:r>
+            <a:r>
+              <a:rPr kumimoji="0" lang="en-US" altLang="ko-KR" sz="3200" b="1" i="0" u="none" strike="noStrike" kern="0" cap="none" spc="-25" normalizeH="0" baseline="0" noProof="0">
+                <a:ln>
+                  <a:noFill/>
+                </a:ln>
+                <a:solidFill>
+                  <a:srgbClr val="001F60"/>
+                </a:solidFill>
+                <a:effectLst/>
+                <a:uLnTx/>
+                <a:uFillTx/>
+                <a:latin typeface="Malgun Gothic"/>
+                <a:ea typeface="맑은 고딕" panose="020B0503020000020004" pitchFamily="50" charset="-127"/>
+              </a:rPr>
+              <a:t>)</a:t>
+            </a:r>
+            <a:endParaRPr kumimoji="0" lang="ko-KR" altLang="en-US" sz="3200" b="1" i="0" u="none" strike="noStrike" kern="0" cap="none" spc="0" normalizeH="0" baseline="0" noProof="0" dirty="0">
+              <a:ln>
+                <a:noFill/>
+              </a:ln>
+              <a:solidFill>
+                <a:sysClr val="windowText" lastClr="000000"/>
+              </a:solidFill>
+              <a:effectLst/>
+              <a:uLnTx/>
+              <a:uFillTx/>
+              <a:latin typeface="Malgun Gothic"/>
+              <a:ea typeface="맑은 고딕" panose="020B0503020000020004" pitchFamily="50" charset="-127"/>
+            </a:endParaRPr>
+          </a:p>
+        </p:txBody>
+      </p:sp>
+      <p:sp>
+        <p:nvSpPr>
+          <p:cNvPr id="19" name="object 6">
+            <a:extLst>
+              <a:ext uri="{FF2B5EF4-FFF2-40B4-BE49-F238E27FC236}">
+                <a16:creationId xmlns:a16="http://schemas.microsoft.com/office/drawing/2014/main" id="{C73C25E3-E198-4627-994A-E730949EA465}"/>
+              </a:ext>
+            </a:extLst>
+          </p:cNvPr>
+          <p:cNvSpPr/>
+          <p:nvPr/>
+        </p:nvSpPr>
+        <p:spPr>
+          <a:xfrm>
+            <a:off x="430250" y="985061"/>
+            <a:ext cx="11353800" cy="45720"/>
+          </a:xfrm>
+          <a:custGeom>
+            <a:avLst/>
+            <a:gdLst/>
+            <a:ahLst/>
+            <a:cxnLst/>
+            <a:rect l="l" t="t" r="r" b="b"/>
+            <a:pathLst>
+              <a:path w="11353800" h="45719">
+                <a:moveTo>
+                  <a:pt x="11353800" y="0"/>
+                </a:moveTo>
+                <a:lnTo>
+                  <a:pt x="0" y="0"/>
+                </a:lnTo>
+                <a:lnTo>
+                  <a:pt x="0" y="45718"/>
+                </a:lnTo>
+                <a:lnTo>
+                  <a:pt x="11353800" y="45718"/>
+                </a:lnTo>
+                <a:lnTo>
+                  <a:pt x="11353800" y="0"/>
+                </a:lnTo>
+                <a:close/>
+              </a:path>
+            </a:pathLst>
+          </a:custGeom>
+          <a:solidFill>
+            <a:srgbClr val="0C3F8B"/>
+          </a:solidFill>
+        </p:spPr>
+        <p:txBody>
+          <a:bodyPr wrap="square" lIns="0" tIns="0" rIns="0" bIns="0" rtlCol="0"/>
+          <a:lstStyle/>
+          <a:p>
+            <a:pPr marL="0" marR="0" lvl="0" indent="0" defTabSz="914400" eaLnBrk="1" fontAlgn="auto" latinLnBrk="0" hangingPunct="1">
+              <a:lnSpc>
+                <a:spcPct val="100000"/>
+              </a:lnSpc>
+              <a:spcBef>
+                <a:spcPts val="0"/>
+              </a:spcBef>
+              <a:spcAft>
+                <a:spcPts val="0"/>
+              </a:spcAft>
+              <a:buClrTx/>
+              <a:buSzTx/>
+              <a:buFontTx/>
+              <a:buNone/>
+              <a:tabLst/>
+              <a:defRPr/>
+            </a:pPr>
+            <a:endParaRPr kumimoji="0" sz="1800" b="0" i="0" u="none" strike="noStrike" kern="0" cap="none" spc="0" normalizeH="0" baseline="0" noProof="0">
+              <a:ln>
+                <a:noFill/>
+              </a:ln>
+              <a:solidFill>
+                <a:sysClr val="windowText" lastClr="000000"/>
+              </a:solidFill>
+              <a:effectLst/>
+              <a:uLnTx/>
+              <a:uFillTx/>
+            </a:endParaRPr>
+          </a:p>
+        </p:txBody>
+      </p:sp>
+      <p:grpSp>
+        <p:nvGrpSpPr>
+          <p:cNvPr id="4" name="그룹 3">
+            <a:extLst>
+              <a:ext uri="{FF2B5EF4-FFF2-40B4-BE49-F238E27FC236}">
+                <a16:creationId xmlns:a16="http://schemas.microsoft.com/office/drawing/2014/main" id="{A0C71B1A-3049-00DB-5A95-2A35B854AF54}"/>
+              </a:ext>
+            </a:extLst>
+          </p:cNvPr>
+          <p:cNvGrpSpPr/>
+          <p:nvPr/>
+        </p:nvGrpSpPr>
+        <p:grpSpPr>
+          <a:xfrm>
+            <a:off x="10225454" y="6479121"/>
+            <a:ext cx="1845882" cy="304214"/>
+            <a:chOff x="8473734" y="6091284"/>
+            <a:chExt cx="3553640" cy="585664"/>
+          </a:xfrm>
+        </p:grpSpPr>
+        <p:pic>
+          <p:nvPicPr>
+            <p:cNvPr id="20" name="그림 19">
+              <a:extLst>
+                <a:ext uri="{FF2B5EF4-FFF2-40B4-BE49-F238E27FC236}">
+                  <a16:creationId xmlns:a16="http://schemas.microsoft.com/office/drawing/2014/main" id="{A87EDB79-AE8E-46E3-B956-281C41A7ED3A}"/>
+                </a:ext>
+              </a:extLst>
+            </p:cNvPr>
+            <p:cNvPicPr>
+              <a:picLocks noChangeAspect="1"/>
+            </p:cNvPicPr>
+            <p:nvPr/>
+          </p:nvPicPr>
+          <p:blipFill rotWithShape="1">
+            <a:blip r:embed="rId2">
+              <a:extLst>
+                <a:ext uri="{28A0092B-C50C-407E-A947-70E740481C1C}">
+                  <a14:useLocalDpi xmlns:a14="http://schemas.microsoft.com/office/drawing/2010/main" val="0"/>
+                </a:ext>
+              </a:extLst>
+            </a:blip>
+            <a:srcRect l="74535" t="3851" r="5686" b="50143"/>
+            <a:stretch/>
+          </p:blipFill>
+          <p:spPr>
+            <a:xfrm>
+              <a:off x="8473734" y="6091284"/>
+              <a:ext cx="1353669" cy="585664"/>
+            </a:xfrm>
+            <a:prstGeom prst="rect">
+              <a:avLst/>
+            </a:prstGeom>
+          </p:spPr>
+        </p:pic>
+        <p:pic>
+          <p:nvPicPr>
+            <p:cNvPr id="21" name="그림 20">
+              <a:extLst>
+                <a:ext uri="{FF2B5EF4-FFF2-40B4-BE49-F238E27FC236}">
+                  <a16:creationId xmlns:a16="http://schemas.microsoft.com/office/drawing/2014/main" id="{25EA5F27-CB8A-4DD7-A41E-73A6B46FF164}"/>
+                </a:ext>
+              </a:extLst>
+            </p:cNvPr>
+            <p:cNvPicPr>
+              <a:picLocks noChangeAspect="1"/>
+            </p:cNvPicPr>
+            <p:nvPr/>
+          </p:nvPicPr>
+          <p:blipFill>
+            <a:blip r:embed="rId3" cstate="hqprint">
+              <a:extLst>
+                <a:ext uri="{28A0092B-C50C-407E-A947-70E740481C1C}">
+                  <a14:useLocalDpi xmlns:a14="http://schemas.microsoft.com/office/drawing/2010/main" val="0"/>
+                </a:ext>
+              </a:extLst>
+            </a:blip>
+            <a:stretch>
+              <a:fillRect/>
+            </a:stretch>
+          </p:blipFill>
+          <p:spPr>
+            <a:xfrm>
+              <a:off x="9827403" y="6172124"/>
+              <a:ext cx="2199971" cy="423985"/>
+            </a:xfrm>
+            <a:prstGeom prst="rect">
+              <a:avLst/>
+            </a:prstGeom>
+          </p:spPr>
+        </p:pic>
+      </p:grpSp>
+      <p:sp>
+        <p:nvSpPr>
+          <p:cNvPr id="5" name="TextBox 4">
+            <a:extLst>
+              <a:ext uri="{FF2B5EF4-FFF2-40B4-BE49-F238E27FC236}">
+                <a16:creationId xmlns:a16="http://schemas.microsoft.com/office/drawing/2014/main" id="{F2E7B266-169E-4100-7118-6F2682285D06}"/>
+              </a:ext>
+            </a:extLst>
+          </p:cNvPr>
+          <p:cNvSpPr txBox="1"/>
+          <p:nvPr/>
+        </p:nvSpPr>
+        <p:spPr>
+          <a:xfrm>
+            <a:off x="382785" y="1283678"/>
+            <a:ext cx="1398140" cy="369332"/>
+          </a:xfrm>
+          <a:prstGeom prst="rect">
+            <a:avLst/>
+          </a:prstGeom>
+          <a:noFill/>
+        </p:spPr>
+        <p:txBody>
+          <a:bodyPr wrap="none" rtlCol="0">
+            <a:spAutoFit/>
+          </a:bodyPr>
+          <a:lstStyle/>
+          <a:p>
+            <a:r>
+              <a:rPr lang="ko-KR" altLang="en-US"/>
+              <a:t>논문 </a:t>
+            </a:r>
+            <a:r>
+              <a:rPr lang="en-US" altLang="ko-KR"/>
+              <a:t>5 </a:t>
+            </a:r>
+            <a:r>
+              <a:rPr lang="ko-KR" altLang="en-US"/>
+              <a:t>내용</a:t>
+            </a:r>
+          </a:p>
+        </p:txBody>
+      </p:sp>
+    </p:spTree>
+    <p:extLst>
+      <p:ext uri="{BB962C8B-B14F-4D97-AF65-F5344CB8AC3E}">
+        <p14:creationId xmlns:p14="http://schemas.microsoft.com/office/powerpoint/2010/main" val="2228333835"/>
+      </p:ext>
+    </p:extLst>
+  </p:cSld>
+  <p:clrMapOvr>
+    <a:masterClrMapping/>
+  </p:clrMapOvr>
+</p:sld>
+</file>
+
+<file path=ppt/slides/slide13.xml><?xml version="1.0" encoding="utf-8"?>
+<p:sld xmlns:a="http://schemas.openxmlformats.org/drawingml/2006/main" xmlns:r="http://schemas.openxmlformats.org/officeDocument/2006/relationships" xmlns:p="http://schemas.openxmlformats.org/presentationml/2006/main">
+  <p:cSld>
+    <p:spTree>
+      <p:nvGrpSpPr>
+        <p:cNvPr id="1" name=""/>
+        <p:cNvGrpSpPr/>
+        <p:nvPr/>
+      </p:nvGrpSpPr>
+      <p:grpSpPr>
+        <a:xfrm>
+          <a:off x="0" y="0"/>
+          <a:ext cx="0" cy="0"/>
+          <a:chOff x="0" y="0"/>
+          <a:chExt cx="0" cy="0"/>
+        </a:xfrm>
+      </p:grpSpPr>
+      <p:sp>
+        <p:nvSpPr>
+          <p:cNvPr id="15" name="object 2">
+            <a:extLst>
+              <a:ext uri="{FF2B5EF4-FFF2-40B4-BE49-F238E27FC236}">
+                <a16:creationId xmlns:a16="http://schemas.microsoft.com/office/drawing/2014/main" id="{63B42C9C-96BB-4869-81D8-DBA87F4A50BB}"/>
+              </a:ext>
+            </a:extLst>
+          </p:cNvPr>
+          <p:cNvSpPr txBox="1">
+            <a:spLocks/>
+          </p:cNvSpPr>
+          <p:nvPr/>
+        </p:nvSpPr>
+        <p:spPr>
+          <a:xfrm>
+            <a:off x="492575" y="391668"/>
+            <a:ext cx="2391302" cy="505267"/>
+          </a:xfrm>
+          <a:prstGeom prst="rect">
+            <a:avLst/>
+          </a:prstGeom>
+        </p:spPr>
+        <p:txBody>
+          <a:bodyPr vert="horz" wrap="square" lIns="0" tIns="12700" rIns="0" bIns="0" rtlCol="0">
+            <a:spAutoFit/>
+          </a:bodyPr>
+          <a:lstStyle>
+            <a:lvl1pPr>
+              <a:defRPr sz="3600" b="1" i="0">
+                <a:solidFill>
+                  <a:schemeClr val="tx1"/>
+                </a:solidFill>
+                <a:latin typeface="Malgun Gothic"/>
+                <a:ea typeface="+mj-ea"/>
+                <a:cs typeface="Malgun Gothic"/>
+              </a:defRPr>
+            </a:lvl1pPr>
+          </a:lstStyle>
+          <a:p>
+            <a:pPr marL="12700" marR="0" lvl="0" indent="0" defTabSz="914400" eaLnBrk="1" fontAlgn="auto" latinLnBrk="0" hangingPunct="1">
+              <a:lnSpc>
+                <a:spcPct val="100000"/>
+              </a:lnSpc>
+              <a:spcBef>
+                <a:spcPts val="100"/>
+              </a:spcBef>
+              <a:spcAft>
+                <a:spcPts val="0"/>
+              </a:spcAft>
+              <a:buClrTx/>
+              <a:buSzTx/>
+              <a:buFontTx/>
+              <a:buNone/>
+              <a:tabLst>
+                <a:tab pos="967740" algn="l"/>
+              </a:tabLst>
+              <a:defRPr/>
+            </a:pPr>
+            <a:r>
+              <a:rPr kumimoji="0" lang="ko-KR" altLang="en-US" sz="3200" b="1" i="0" u="none" strike="noStrike" kern="0" cap="none" spc="-25" normalizeH="0" baseline="0" noProof="0">
+                <a:ln>
+                  <a:noFill/>
+                </a:ln>
+                <a:solidFill>
+                  <a:srgbClr val="001F60"/>
+                </a:solidFill>
+                <a:effectLst/>
+                <a:uLnTx/>
+                <a:uFillTx/>
+                <a:latin typeface="Malgun Gothic"/>
+                <a:ea typeface="맑은 고딕" panose="020B0503020000020004" pitchFamily="50" charset="-127"/>
+              </a:rPr>
+              <a:t>본론</a:t>
+            </a:r>
+            <a:r>
+              <a:rPr kumimoji="0" lang="en-US" altLang="ko-KR" sz="3200" b="1" i="0" u="none" strike="noStrike" kern="0" cap="none" spc="-25" normalizeH="0" baseline="0" noProof="0">
+                <a:ln>
+                  <a:noFill/>
+                </a:ln>
+                <a:solidFill>
+                  <a:srgbClr val="001F60"/>
+                </a:solidFill>
+                <a:effectLst/>
+                <a:uLnTx/>
+                <a:uFillTx/>
+                <a:latin typeface="Malgun Gothic"/>
+                <a:ea typeface="맑은 고딕" panose="020B0503020000020004" pitchFamily="50" charset="-127"/>
+              </a:rPr>
+              <a:t>(</a:t>
+            </a:r>
+            <a:r>
+              <a:rPr kumimoji="0" lang="ko-KR" altLang="en-US" sz="3200" b="1" i="0" u="none" strike="noStrike" kern="0" cap="none" spc="-25" normalizeH="0" baseline="0" noProof="0">
+                <a:ln>
+                  <a:noFill/>
+                </a:ln>
+                <a:solidFill>
+                  <a:srgbClr val="001F60"/>
+                </a:solidFill>
+                <a:effectLst/>
+                <a:uLnTx/>
+                <a:uFillTx/>
+                <a:latin typeface="Malgun Gothic"/>
+                <a:ea typeface="맑은 고딕" panose="020B0503020000020004" pitchFamily="50" charset="-127"/>
+              </a:rPr>
+              <a:t>논문 </a:t>
+            </a:r>
+            <a:r>
+              <a:rPr lang="en-US" altLang="ko-KR" sz="3200" kern="0" spc="-25">
+                <a:solidFill>
+                  <a:srgbClr val="001F60"/>
+                </a:solidFill>
+                <a:ea typeface="맑은 고딕" panose="020B0503020000020004" pitchFamily="50" charset="-127"/>
+              </a:rPr>
+              <a:t>6</a:t>
+            </a:r>
+            <a:r>
+              <a:rPr kumimoji="0" lang="en-US" altLang="ko-KR" sz="3200" b="1" i="0" u="none" strike="noStrike" kern="0" cap="none" spc="-25" normalizeH="0" baseline="0" noProof="0">
+                <a:ln>
+                  <a:noFill/>
+                </a:ln>
+                <a:solidFill>
+                  <a:srgbClr val="001F60"/>
+                </a:solidFill>
+                <a:effectLst/>
+                <a:uLnTx/>
+                <a:uFillTx/>
+                <a:latin typeface="Malgun Gothic"/>
+                <a:ea typeface="맑은 고딕" panose="020B0503020000020004" pitchFamily="50" charset="-127"/>
+              </a:rPr>
+              <a:t>)</a:t>
+            </a:r>
+            <a:endParaRPr kumimoji="0" lang="ko-KR" altLang="en-US" sz="3200" b="1" i="0" u="none" strike="noStrike" kern="0" cap="none" spc="0" normalizeH="0" baseline="0" noProof="0" dirty="0">
+              <a:ln>
+                <a:noFill/>
+              </a:ln>
+              <a:solidFill>
+                <a:sysClr val="windowText" lastClr="000000"/>
+              </a:solidFill>
+              <a:effectLst/>
+              <a:uLnTx/>
+              <a:uFillTx/>
+              <a:latin typeface="Malgun Gothic"/>
+              <a:ea typeface="맑은 고딕" panose="020B0503020000020004" pitchFamily="50" charset="-127"/>
+            </a:endParaRPr>
+          </a:p>
+        </p:txBody>
+      </p:sp>
+      <p:sp>
+        <p:nvSpPr>
+          <p:cNvPr id="19" name="object 6">
+            <a:extLst>
+              <a:ext uri="{FF2B5EF4-FFF2-40B4-BE49-F238E27FC236}">
+                <a16:creationId xmlns:a16="http://schemas.microsoft.com/office/drawing/2014/main" id="{C73C25E3-E198-4627-994A-E730949EA465}"/>
+              </a:ext>
+            </a:extLst>
+          </p:cNvPr>
+          <p:cNvSpPr/>
+          <p:nvPr/>
+        </p:nvSpPr>
+        <p:spPr>
+          <a:xfrm>
+            <a:off x="430250" y="985061"/>
+            <a:ext cx="11353800" cy="45720"/>
+          </a:xfrm>
+          <a:custGeom>
+            <a:avLst/>
+            <a:gdLst/>
+            <a:ahLst/>
+            <a:cxnLst/>
+            <a:rect l="l" t="t" r="r" b="b"/>
+            <a:pathLst>
+              <a:path w="11353800" h="45719">
+                <a:moveTo>
+                  <a:pt x="11353800" y="0"/>
+                </a:moveTo>
+                <a:lnTo>
+                  <a:pt x="0" y="0"/>
+                </a:lnTo>
+                <a:lnTo>
+                  <a:pt x="0" y="45718"/>
+                </a:lnTo>
+                <a:lnTo>
+                  <a:pt x="11353800" y="45718"/>
+                </a:lnTo>
+                <a:lnTo>
+                  <a:pt x="11353800" y="0"/>
+                </a:lnTo>
+                <a:close/>
+              </a:path>
+            </a:pathLst>
+          </a:custGeom>
+          <a:solidFill>
+            <a:srgbClr val="0C3F8B"/>
+          </a:solidFill>
+        </p:spPr>
+        <p:txBody>
+          <a:bodyPr wrap="square" lIns="0" tIns="0" rIns="0" bIns="0" rtlCol="0"/>
+          <a:lstStyle/>
+          <a:p>
+            <a:pPr marL="0" marR="0" lvl="0" indent="0" defTabSz="914400" eaLnBrk="1" fontAlgn="auto" latinLnBrk="0" hangingPunct="1">
+              <a:lnSpc>
+                <a:spcPct val="100000"/>
+              </a:lnSpc>
+              <a:spcBef>
+                <a:spcPts val="0"/>
+              </a:spcBef>
+              <a:spcAft>
+                <a:spcPts val="0"/>
+              </a:spcAft>
+              <a:buClrTx/>
+              <a:buSzTx/>
+              <a:buFontTx/>
+              <a:buNone/>
+              <a:tabLst/>
+              <a:defRPr/>
+            </a:pPr>
+            <a:endParaRPr kumimoji="0" sz="1800" b="0" i="0" u="none" strike="noStrike" kern="0" cap="none" spc="0" normalizeH="0" baseline="0" noProof="0">
+              <a:ln>
+                <a:noFill/>
+              </a:ln>
+              <a:solidFill>
+                <a:sysClr val="windowText" lastClr="000000"/>
+              </a:solidFill>
+              <a:effectLst/>
+              <a:uLnTx/>
+              <a:uFillTx/>
+            </a:endParaRPr>
+          </a:p>
+        </p:txBody>
+      </p:sp>
+      <p:grpSp>
+        <p:nvGrpSpPr>
+          <p:cNvPr id="4" name="그룹 3">
+            <a:extLst>
+              <a:ext uri="{FF2B5EF4-FFF2-40B4-BE49-F238E27FC236}">
+                <a16:creationId xmlns:a16="http://schemas.microsoft.com/office/drawing/2014/main" id="{A0C71B1A-3049-00DB-5A95-2A35B854AF54}"/>
+              </a:ext>
+            </a:extLst>
+          </p:cNvPr>
+          <p:cNvGrpSpPr/>
+          <p:nvPr/>
+        </p:nvGrpSpPr>
+        <p:grpSpPr>
+          <a:xfrm>
+            <a:off x="10225454" y="6479121"/>
+            <a:ext cx="1845882" cy="304214"/>
+            <a:chOff x="8473734" y="6091284"/>
+            <a:chExt cx="3553640" cy="585664"/>
+          </a:xfrm>
+        </p:grpSpPr>
+        <p:pic>
+          <p:nvPicPr>
+            <p:cNvPr id="20" name="그림 19">
+              <a:extLst>
+                <a:ext uri="{FF2B5EF4-FFF2-40B4-BE49-F238E27FC236}">
+                  <a16:creationId xmlns:a16="http://schemas.microsoft.com/office/drawing/2014/main" id="{A87EDB79-AE8E-46E3-B956-281C41A7ED3A}"/>
+                </a:ext>
+              </a:extLst>
+            </p:cNvPr>
+            <p:cNvPicPr>
+              <a:picLocks noChangeAspect="1"/>
+            </p:cNvPicPr>
+            <p:nvPr/>
+          </p:nvPicPr>
+          <p:blipFill rotWithShape="1">
+            <a:blip r:embed="rId2">
+              <a:extLst>
+                <a:ext uri="{28A0092B-C50C-407E-A947-70E740481C1C}">
+                  <a14:useLocalDpi xmlns:a14="http://schemas.microsoft.com/office/drawing/2010/main" val="0"/>
+                </a:ext>
+              </a:extLst>
+            </a:blip>
+            <a:srcRect l="74535" t="3851" r="5686" b="50143"/>
+            <a:stretch/>
+          </p:blipFill>
+          <p:spPr>
+            <a:xfrm>
+              <a:off x="8473734" y="6091284"/>
+              <a:ext cx="1353669" cy="585664"/>
+            </a:xfrm>
+            <a:prstGeom prst="rect">
+              <a:avLst/>
+            </a:prstGeom>
+          </p:spPr>
+        </p:pic>
+        <p:pic>
+          <p:nvPicPr>
+            <p:cNvPr id="21" name="그림 20">
+              <a:extLst>
+                <a:ext uri="{FF2B5EF4-FFF2-40B4-BE49-F238E27FC236}">
+                  <a16:creationId xmlns:a16="http://schemas.microsoft.com/office/drawing/2014/main" id="{25EA5F27-CB8A-4DD7-A41E-73A6B46FF164}"/>
+                </a:ext>
+              </a:extLst>
+            </p:cNvPr>
+            <p:cNvPicPr>
+              <a:picLocks noChangeAspect="1"/>
+            </p:cNvPicPr>
+            <p:nvPr/>
+          </p:nvPicPr>
+          <p:blipFill>
+            <a:blip r:embed="rId3" cstate="hqprint">
+              <a:extLst>
+                <a:ext uri="{28A0092B-C50C-407E-A947-70E740481C1C}">
+                  <a14:useLocalDpi xmlns:a14="http://schemas.microsoft.com/office/drawing/2010/main" val="0"/>
+                </a:ext>
+              </a:extLst>
+            </a:blip>
+            <a:stretch>
+              <a:fillRect/>
+            </a:stretch>
+          </p:blipFill>
+          <p:spPr>
+            <a:xfrm>
+              <a:off x="9827403" y="6172124"/>
+              <a:ext cx="2199971" cy="423985"/>
+            </a:xfrm>
+            <a:prstGeom prst="rect">
+              <a:avLst/>
+            </a:prstGeom>
+          </p:spPr>
+        </p:pic>
+      </p:grpSp>
+      <p:sp>
+        <p:nvSpPr>
+          <p:cNvPr id="5" name="TextBox 4">
+            <a:extLst>
+              <a:ext uri="{FF2B5EF4-FFF2-40B4-BE49-F238E27FC236}">
+                <a16:creationId xmlns:a16="http://schemas.microsoft.com/office/drawing/2014/main" id="{F2E7B266-169E-4100-7118-6F2682285D06}"/>
+              </a:ext>
+            </a:extLst>
+          </p:cNvPr>
+          <p:cNvSpPr txBox="1"/>
+          <p:nvPr/>
+        </p:nvSpPr>
+        <p:spPr>
+          <a:xfrm>
+            <a:off x="382785" y="1283678"/>
+            <a:ext cx="1398140" cy="369332"/>
+          </a:xfrm>
+          <a:prstGeom prst="rect">
+            <a:avLst/>
+          </a:prstGeom>
+          <a:noFill/>
+        </p:spPr>
+        <p:txBody>
+          <a:bodyPr wrap="none" rtlCol="0">
+            <a:spAutoFit/>
+          </a:bodyPr>
+          <a:lstStyle/>
+          <a:p>
+            <a:r>
+              <a:rPr lang="ko-KR" altLang="en-US"/>
+              <a:t>논문 </a:t>
+            </a:r>
+            <a:r>
+              <a:rPr lang="en-US" altLang="ko-KR"/>
               <a:t>6 </a:t>
             </a:r>
             <a:r>
@@ -4478,7 +5272,7 @@
 </p:sld>
 </file>
 
-<file path=ppt/slides/slide12.xml><?xml version="1.0" encoding="utf-8"?>
+<file path=ppt/slides/slide14.xml><?xml version="1.0" encoding="utf-8"?>
 <p:sld xmlns:a="http://schemas.openxmlformats.org/drawingml/2006/main" xmlns:r="http://schemas.openxmlformats.org/officeDocument/2006/relationships" xmlns:p="http://schemas.openxmlformats.org/presentationml/2006/main">
   <p:cSld>
     <p:spTree>
@@ -5460,62 +6254,6 @@
       </p:grpSp>
       <p:sp>
         <p:nvSpPr>
-          <p:cNvPr id="3" name="직사각형 2">
-            <a:extLst>
-              <a:ext uri="{FF2B5EF4-FFF2-40B4-BE49-F238E27FC236}">
-                <a16:creationId xmlns:a16="http://schemas.microsoft.com/office/drawing/2014/main" id="{66CD7C89-16D6-13F2-0D44-853D65D46684}"/>
-              </a:ext>
-            </a:extLst>
-          </p:cNvPr>
-          <p:cNvSpPr/>
-          <p:nvPr/>
-        </p:nvSpPr>
-        <p:spPr>
-          <a:xfrm>
-            <a:off x="1263404" y="4814117"/>
-            <a:ext cx="3869188" cy="2321168"/>
-          </a:xfrm>
-          <a:prstGeom prst="rect">
-            <a:avLst/>
-          </a:prstGeom>
-        </p:spPr>
-        <p:style>
-          <a:lnRef idx="2">
-            <a:schemeClr val="accent1">
-              <a:shade val="50000"/>
-            </a:schemeClr>
-          </a:lnRef>
-          <a:fillRef idx="1">
-            <a:schemeClr val="accent1"/>
-          </a:fillRef>
-          <a:effectRef idx="0">
-            <a:schemeClr val="accent1"/>
-          </a:effectRef>
-          <a:fontRef idx="minor">
-            <a:schemeClr val="lt1"/>
-          </a:fontRef>
-        </p:style>
-        <p:txBody>
-          <a:bodyPr rtlCol="0" anchor="ctr"/>
-          <a:lstStyle/>
-          <a:p>
-            <a:pPr algn="ctr"/>
-            <a:r>
-              <a:rPr lang="ko-KR" altLang="en-US"/>
-              <a:t>신 재생 에너지 관련 사업 활발</a:t>
-            </a:r>
-            <a:br>
-              <a:rPr lang="en-US" altLang="ko-KR"/>
-            </a:br>
-            <a:r>
-              <a:rPr lang="ko-KR" altLang="en-US"/>
-              <a:t>하다는 증거 자료 </a:t>
-            </a:r>
-          </a:p>
-        </p:txBody>
-      </p:sp>
-      <p:sp>
-        <p:nvSpPr>
           <p:cNvPr id="5" name="TextBox 4">
             <a:extLst>
               <a:ext uri="{FF2B5EF4-FFF2-40B4-BE49-F238E27FC236}">
@@ -5549,12 +6287,47 @@
           </a:p>
         </p:txBody>
       </p:sp>
-      <p:sp>
-        <p:nvSpPr>
-          <p:cNvPr id="6" name="TextBox 5">
-            <a:extLst>
-              <a:ext uri="{FF2B5EF4-FFF2-40B4-BE49-F238E27FC236}">
-                <a16:creationId xmlns:a16="http://schemas.microsoft.com/office/drawing/2014/main" id="{147E5DB9-3EDA-6831-3FF5-491845A81BD4}"/>
+      <p:pic>
+        <p:nvPicPr>
+          <p:cNvPr id="7" name="그림 6">
+            <a:extLst>
+              <a:ext uri="{FF2B5EF4-FFF2-40B4-BE49-F238E27FC236}">
+                <a16:creationId xmlns:a16="http://schemas.microsoft.com/office/drawing/2014/main" id="{907642FB-4E81-4AAF-3A29-B26F3FD8C222}"/>
+              </a:ext>
+            </a:extLst>
+          </p:cNvPr>
+          <p:cNvPicPr>
+            <a:picLocks noChangeAspect="1"/>
+          </p:cNvPicPr>
+          <p:nvPr/>
+        </p:nvPicPr>
+        <p:blipFill rotWithShape="1">
+          <a:blip r:embed="rId4">
+            <a:extLst>
+              <a:ext uri="{28A0092B-C50C-407E-A947-70E740481C1C}">
+                <a14:useLocalDpi xmlns:a14="http://schemas.microsoft.com/office/drawing/2010/main" val="0"/>
+              </a:ext>
+            </a:extLst>
+          </a:blip>
+          <a:srcRect b="8584"/>
+          <a:stretch/>
+        </p:blipFill>
+        <p:spPr>
+          <a:xfrm>
+            <a:off x="837206" y="2877109"/>
+            <a:ext cx="4994611" cy="2880000"/>
+          </a:xfrm>
+          <a:prstGeom prst="rect">
+            <a:avLst/>
+          </a:prstGeom>
+        </p:spPr>
+      </p:pic>
+      <p:sp>
+        <p:nvSpPr>
+          <p:cNvPr id="14" name="TextBox 13">
+            <a:extLst>
+              <a:ext uri="{FF2B5EF4-FFF2-40B4-BE49-F238E27FC236}">
+                <a16:creationId xmlns:a16="http://schemas.microsoft.com/office/drawing/2014/main" id="{962984FE-052A-3DAE-3F81-D4AC01C1462F}"/>
               </a:ext>
             </a:extLst>
           </p:cNvPr>
@@ -5563,8 +6336,8 @@
         </p:nvSpPr>
         <p:spPr>
           <a:xfrm>
-            <a:off x="5117123" y="4724400"/>
-            <a:ext cx="6147837" cy="369332"/>
+            <a:off x="1569679" y="5739172"/>
+            <a:ext cx="4353526" cy="246221"/>
           </a:xfrm>
           <a:prstGeom prst="rect">
             <a:avLst/>
@@ -5572,24 +6345,112 @@
           <a:noFill/>
         </p:spPr>
         <p:txBody>
-          <a:bodyPr wrap="none" rtlCol="0">
+          <a:bodyPr wrap="square">
             <a:spAutoFit/>
           </a:bodyPr>
           <a:lstStyle/>
           <a:p>
-            <a:r>
-              <a:rPr lang="ko-KR" altLang="en-US"/>
-              <a:t>신재생 에너지 관련 사업이 활발하게 진행하고 있다는 글</a:t>
-            </a:r>
+            <a:pPr algn="r"/>
+            <a:r>
+              <a:rPr lang="en-US" altLang="ko-KR" sz="1000" b="0" i="0">
+                <a:solidFill>
+                  <a:srgbClr val="495057"/>
+                </a:solidFill>
+                <a:effectLst/>
+                <a:latin typeface="Inter"/>
+              </a:rPr>
+              <a:t>1850</a:t>
+            </a:r>
+            <a:r>
+              <a:rPr lang="ko-KR" altLang="en-US" sz="1000" b="0" i="0">
+                <a:solidFill>
+                  <a:srgbClr val="495057"/>
+                </a:solidFill>
+                <a:effectLst/>
+                <a:latin typeface="Inter"/>
+              </a:rPr>
+              <a:t>년</a:t>
+            </a:r>
+            <a:r>
+              <a:rPr lang="en-US" altLang="ko-KR" sz="1000" b="0" i="0">
+                <a:solidFill>
+                  <a:srgbClr val="495057"/>
+                </a:solidFill>
+                <a:effectLst/>
+                <a:latin typeface="Inter"/>
+              </a:rPr>
+              <a:t>~1900</a:t>
+            </a:r>
+            <a:r>
+              <a:rPr lang="ko-KR" altLang="en-US" sz="1000" b="0" i="0">
+                <a:solidFill>
+                  <a:srgbClr val="495057"/>
+                </a:solidFill>
+                <a:effectLst/>
+                <a:latin typeface="Inter"/>
+              </a:rPr>
+              <a:t>년 대비 전 지구 연평균 기온 편차 시계열</a:t>
+            </a:r>
+            <a:r>
+              <a:rPr lang="en-US" altLang="ko-KR" sz="1000" b="0" i="0">
+                <a:solidFill>
+                  <a:srgbClr val="495057"/>
+                </a:solidFill>
+                <a:effectLst/>
+                <a:latin typeface="Inter"/>
+              </a:rPr>
+              <a:t>(</a:t>
+            </a:r>
+            <a:r>
+              <a:rPr lang="ko-KR" altLang="en-US" sz="1000" b="0" i="0">
+                <a:solidFill>
+                  <a:srgbClr val="495057"/>
+                </a:solidFill>
+                <a:effectLst/>
+                <a:latin typeface="Inter"/>
+              </a:rPr>
+              <a:t>그래프</a:t>
+            </a:r>
+            <a:r>
+              <a:rPr lang="en-US" altLang="ko-KR" sz="1000" b="0" i="0">
+                <a:solidFill>
+                  <a:srgbClr val="495057"/>
+                </a:solidFill>
+                <a:effectLst/>
+                <a:latin typeface="Inter"/>
+              </a:rPr>
+              <a:t>=</a:t>
+            </a:r>
+            <a:r>
+              <a:rPr lang="ko-KR" altLang="en-US" sz="1000" b="0" i="0">
+                <a:solidFill>
+                  <a:srgbClr val="495057"/>
+                </a:solidFill>
+                <a:effectLst/>
+                <a:latin typeface="Inter"/>
+              </a:rPr>
+              <a:t>기상청 제공</a:t>
+            </a:r>
+            <a:r>
+              <a:rPr lang="en-US" altLang="ko-KR" sz="1000" b="0" i="0">
+                <a:solidFill>
+                  <a:srgbClr val="495057"/>
+                </a:solidFill>
+                <a:effectLst/>
+                <a:latin typeface="Inter"/>
+              </a:rPr>
+              <a:t>)</a:t>
+            </a:r>
+            <a:endParaRPr lang="ko-KR" altLang="en-US" sz="1000"/>
           </a:p>
         </p:txBody>
       </p:sp>
       <p:pic>
         <p:nvPicPr>
-          <p:cNvPr id="8" name="그림 7">
-            <a:extLst>
-              <a:ext uri="{FF2B5EF4-FFF2-40B4-BE49-F238E27FC236}">
-                <a16:creationId xmlns:a16="http://schemas.microsoft.com/office/drawing/2014/main" id="{F33F6094-C9A6-4AF1-1B89-47A505D51841}"/>
+          <p:cNvPr id="11" name="그림 10">
+            <a:extLst>
+              <a:ext uri="{FF2B5EF4-FFF2-40B4-BE49-F238E27FC236}">
+                <a16:creationId xmlns:a16="http://schemas.microsoft.com/office/drawing/2014/main" id="{F3EA529A-0CAD-E48C-D148-EBD3DD4CCDC4}"/>
               </a:ext>
             </a:extLst>
           </p:cNvPr>
@@ -5599,7 +6460,7 @@
           <p:nvPr/>
         </p:nvPicPr>
         <p:blipFill>
-          <a:blip r:embed="rId4">
+          <a:blip r:embed="rId5">
             <a:extLst>
               <a:ext uri="{28A0092B-C50C-407E-A947-70E740481C1C}">
                 <a14:useLocalDpi xmlns:a14="http://schemas.microsoft.com/office/drawing/2010/main" val="0"/>
@@ -5612,25 +6473,20 @@
         </p:blipFill>
         <p:spPr>
           <a:xfrm>
-            <a:off x="492575" y="1637400"/>
-            <a:ext cx="6124712" cy="2711672"/>
+            <a:off x="6563723" y="2877109"/>
+            <a:ext cx="4813370" cy="2880000"/>
           </a:xfrm>
           <a:prstGeom prst="rect">
             <a:avLst/>
           </a:prstGeom>
-          <a:ln w="12700">
-            <a:solidFill>
-              <a:srgbClr val="0C3F8B"/>
-            </a:solidFill>
-          </a:ln>
         </p:spPr>
       </p:pic>
       <p:sp>
         <p:nvSpPr>
-          <p:cNvPr id="10" name="TextBox 9">
-            <a:extLst>
-              <a:ext uri="{FF2B5EF4-FFF2-40B4-BE49-F238E27FC236}">
-                <a16:creationId xmlns:a16="http://schemas.microsoft.com/office/drawing/2014/main" id="{94D8B341-418B-93AA-C258-85FEAE67334E}"/>
+          <p:cNvPr id="18" name="TextBox 17">
+            <a:extLst>
+              <a:ext uri="{FF2B5EF4-FFF2-40B4-BE49-F238E27FC236}">
+                <a16:creationId xmlns:a16="http://schemas.microsoft.com/office/drawing/2014/main" id="{E13F89FD-B1F8-BEDE-4A79-0CEC1581F014}"/>
               </a:ext>
             </a:extLst>
           </p:cNvPr>
@@ -5639,8 +6495,8 @@
         </p:nvSpPr>
         <p:spPr>
           <a:xfrm>
-            <a:off x="3057326" y="4005581"/>
-            <a:ext cx="3716106" cy="246221"/>
+            <a:off x="7586275" y="5654994"/>
+            <a:ext cx="3790818" cy="246221"/>
           </a:xfrm>
           <a:prstGeom prst="rect">
             <a:avLst/>
@@ -5649,61 +6505,426 @@
         </p:spPr>
         <p:txBody>
           <a:bodyPr wrap="square">
-            <a:normAutofit fontScale="77500" lnSpcReduction="20000"/>
+            <a:spAutoFit/>
           </a:bodyPr>
           <a:lstStyle/>
           <a:p>
+            <a:pPr algn="r"/>
+            <a:r>
+              <a:rPr lang="ko-KR" altLang="en-US" sz="1000" b="0" i="0">
+                <a:solidFill>
+                  <a:srgbClr val="222222"/>
+                </a:solidFill>
+                <a:effectLst/>
+                <a:latin typeface="+mj-lt"/>
+              </a:rPr>
+              <a:t>최근 </a:t>
+            </a:r>
             <a:r>
               <a:rPr lang="en-US" altLang="ko-KR" sz="1000" b="0" i="0">
                 <a:solidFill>
-                  <a:srgbClr val="333333"/>
-                </a:solidFill>
-                <a:effectLst/>
-                <a:latin typeface="Noto Sans KR"/>
-              </a:rPr>
-              <a:t>- </a:t>
+                  <a:srgbClr val="222222"/>
+                </a:solidFill>
+                <a:effectLst/>
+                <a:latin typeface="+mj-lt"/>
+              </a:rPr>
+              <a:t>30</a:t>
             </a:r>
             <a:r>
               <a:rPr lang="ko-KR" altLang="en-US" sz="1000" b="0" i="0">
                 <a:solidFill>
-                  <a:srgbClr val="333333"/>
-                </a:solidFill>
-                <a:effectLst/>
-                <a:latin typeface="Noto Sans KR"/>
-              </a:rPr>
-              <a:t>환경부 보도 온실가스종합정보센터</a:t>
+                  <a:srgbClr val="222222"/>
+                </a:solidFill>
+                <a:effectLst/>
+                <a:latin typeface="+mj-lt"/>
+              </a:rPr>
+              <a:t>년간</a:t>
             </a:r>
             <a:r>
               <a:rPr lang="en-US" altLang="ko-KR" sz="1000" b="0" i="0">
                 <a:solidFill>
-                  <a:srgbClr val="333333"/>
-                </a:solidFill>
-                <a:effectLst/>
-                <a:latin typeface="Noto Sans KR"/>
-              </a:rPr>
-              <a:t>, 2021</a:t>
+                  <a:srgbClr val="222222"/>
+                </a:solidFill>
+                <a:effectLst/>
+                <a:latin typeface="+mj-lt"/>
+              </a:rPr>
+              <a:t>(1991∼2020</a:t>
             </a:r>
             <a:r>
               <a:rPr lang="ko-KR" altLang="en-US" sz="1000" b="0" i="0">
                 <a:solidFill>
-                  <a:srgbClr val="333333"/>
-                </a:solidFill>
-                <a:effectLst/>
-                <a:latin typeface="Noto Sans KR"/>
-              </a:rPr>
-              <a:t>년 국가 온실가스 잠정배출량 공개 </a:t>
+                  <a:srgbClr val="222222"/>
+                </a:solidFill>
+                <a:effectLst/>
+                <a:latin typeface="+mj-lt"/>
+              </a:rPr>
+              <a:t>년</a:t>
             </a:r>
             <a:r>
               <a:rPr lang="en-US" altLang="ko-KR" sz="1000" b="0" i="0">
                 <a:solidFill>
-                  <a:srgbClr val="333333"/>
-                </a:solidFill>
-                <a:effectLst/>
-                <a:latin typeface="Noto Sans KR"/>
-              </a:rPr>
-              <a:t>- </a:t>
-            </a:r>
-            <a:endParaRPr lang="ko-KR" altLang="en-US" sz="1000"/>
+                  <a:srgbClr val="222222"/>
+                </a:solidFill>
+                <a:effectLst/>
+                <a:latin typeface="+mj-lt"/>
+              </a:rPr>
+              <a:t>) </a:t>
+            </a:r>
+            <a:r>
+              <a:rPr lang="ko-KR" altLang="en-US" sz="1000" b="0" i="0">
+                <a:solidFill>
+                  <a:srgbClr val="222222"/>
+                </a:solidFill>
+                <a:effectLst/>
+                <a:latin typeface="+mj-lt"/>
+              </a:rPr>
+              <a:t>해수면 높이 변화</a:t>
+            </a:r>
+            <a:r>
+              <a:rPr lang="en-US" altLang="ko-KR" sz="1000" b="0" i="0">
+                <a:solidFill>
+                  <a:srgbClr val="222222"/>
+                </a:solidFill>
+                <a:effectLst/>
+                <a:latin typeface="+mj-lt"/>
+              </a:rPr>
+              <a:t>(21</a:t>
+            </a:r>
+            <a:r>
+              <a:rPr lang="ko-KR" altLang="en-US" sz="1000" b="0" i="0">
+                <a:solidFill>
+                  <a:srgbClr val="222222"/>
+                </a:solidFill>
+                <a:effectLst/>
+                <a:latin typeface="+mj-lt"/>
+              </a:rPr>
+              <a:t>개 조위관측소</a:t>
+            </a:r>
+            <a:r>
+              <a:rPr lang="en-US" altLang="ko-KR" sz="1000" b="0" i="0">
+                <a:solidFill>
+                  <a:srgbClr val="222222"/>
+                </a:solidFill>
+                <a:effectLst/>
+                <a:latin typeface="+mj-lt"/>
+              </a:rPr>
+              <a:t>)</a:t>
+            </a:r>
+            <a:endParaRPr lang="ko-KR" altLang="en-US" sz="1000">
+              <a:latin typeface="+mj-lt"/>
+            </a:endParaRPr>
+          </a:p>
+        </p:txBody>
+      </p:sp>
+      <p:sp>
+        <p:nvSpPr>
+          <p:cNvPr id="25" name="TextBox 24">
+            <a:extLst>
+              <a:ext uri="{FF2B5EF4-FFF2-40B4-BE49-F238E27FC236}">
+                <a16:creationId xmlns:a16="http://schemas.microsoft.com/office/drawing/2014/main" id="{B310C352-3A00-9B9E-E7CA-E3E4CE938419}"/>
+              </a:ext>
+            </a:extLst>
+          </p:cNvPr>
+          <p:cNvSpPr txBox="1"/>
+          <p:nvPr/>
+        </p:nvSpPr>
+        <p:spPr>
+          <a:xfrm>
+            <a:off x="810887" y="1599908"/>
+            <a:ext cx="10407016" cy="1093441"/>
+          </a:xfrm>
+          <a:prstGeom prst="rect">
+            <a:avLst/>
+          </a:prstGeom>
+          <a:noFill/>
+        </p:spPr>
+        <p:txBody>
+          <a:bodyPr wrap="none" rtlCol="0">
+            <a:spAutoFit/>
+          </a:bodyPr>
+          <a:lstStyle/>
+          <a:p>
+            <a:pPr marL="285750" indent="-285750">
+              <a:lnSpc>
+                <a:spcPct val="150000"/>
+              </a:lnSpc>
+              <a:buFontTx/>
+              <a:buChar char="-"/>
+            </a:pPr>
+            <a:r>
+              <a:rPr lang="ko-KR" altLang="en-US" sz="1500" b="0" i="0">
+                <a:effectLst/>
+                <a:latin typeface="Inter"/>
+              </a:rPr>
+              <a:t>산업혁명 이수 인구증가와 산업화에 의해 화석연료 사용 등으로 대기 중 온실가스 농도가 높아지면서 </a:t>
+            </a:r>
+            <a:r>
+              <a:rPr lang="ko-KR" altLang="en-US" sz="1500" b="1" i="0">
+                <a:effectLst/>
+                <a:latin typeface="Inter"/>
+              </a:rPr>
+              <a:t>지구 온난화 발생</a:t>
+            </a:r>
+            <a:r>
+              <a:rPr lang="en-US" altLang="ko-KR" sz="1500" b="1" i="0">
+                <a:effectLst/>
+                <a:latin typeface="Inter"/>
+              </a:rPr>
+              <a:t>.</a:t>
+            </a:r>
+          </a:p>
+          <a:p>
+            <a:pPr marL="285750" indent="-285750">
+              <a:lnSpc>
+                <a:spcPct val="150000"/>
+              </a:lnSpc>
+              <a:buFontTx/>
+              <a:buChar char="-"/>
+            </a:pPr>
+            <a:r>
+              <a:rPr lang="ko-KR" altLang="en-US" sz="1500" b="0" i="0">
+                <a:effectLst/>
+                <a:latin typeface="Inter"/>
+              </a:rPr>
+              <a:t>산업화 이전</a:t>
+            </a:r>
+            <a:r>
+              <a:rPr lang="en-US" altLang="ko-KR" sz="1500" b="0" i="0">
+                <a:effectLst/>
+                <a:latin typeface="Inter"/>
+              </a:rPr>
+              <a:t>(1980</a:t>
+            </a:r>
+            <a:r>
+              <a:rPr lang="ko-KR" altLang="en-US" sz="1500" b="0" i="0">
+                <a:effectLst/>
+                <a:latin typeface="Inter"/>
+              </a:rPr>
+              <a:t>년</a:t>
+            </a:r>
+            <a:r>
+              <a:rPr lang="en-US" altLang="ko-KR" sz="1500" b="0" i="0">
+                <a:effectLst/>
+                <a:latin typeface="Inter"/>
+              </a:rPr>
+              <a:t>~1900</a:t>
+            </a:r>
+            <a:r>
+              <a:rPr lang="ko-KR" altLang="en-US" sz="1500" b="0" i="0">
+                <a:effectLst/>
+                <a:latin typeface="Inter"/>
+              </a:rPr>
+              <a:t>년</a:t>
+            </a:r>
+            <a:r>
+              <a:rPr lang="en-US" altLang="ko-KR" sz="1500" b="0" i="0">
+                <a:effectLst/>
+                <a:latin typeface="Inter"/>
+              </a:rPr>
+              <a:t>) </a:t>
+            </a:r>
+            <a:r>
+              <a:rPr lang="ko-KR" altLang="en-US" sz="1500" b="0" i="0">
+                <a:effectLst/>
+                <a:latin typeface="Inter"/>
+              </a:rPr>
+              <a:t>대비 </a:t>
+            </a:r>
+            <a:r>
+              <a:rPr lang="ko-KR" altLang="en-US" sz="1500" b="1" i="0">
+                <a:effectLst/>
+                <a:latin typeface="Inter"/>
+              </a:rPr>
+              <a:t>기온 </a:t>
+            </a:r>
+            <a:r>
+              <a:rPr lang="en-US" altLang="ko-KR" sz="1500" b="1" i="0">
+                <a:effectLst/>
+                <a:latin typeface="Inter"/>
+              </a:rPr>
+              <a:t>1,1°C </a:t>
+            </a:r>
+            <a:r>
+              <a:rPr lang="ko-KR" altLang="en-US" sz="1500" b="1" i="0">
+                <a:effectLst/>
+                <a:latin typeface="Inter"/>
+              </a:rPr>
+              <a:t>증가</a:t>
+            </a:r>
+            <a:r>
+              <a:rPr lang="ko-KR" altLang="en-US" sz="1500" b="0" i="0">
+                <a:effectLst/>
+                <a:latin typeface="Inter"/>
+              </a:rPr>
+              <a:t>했다</a:t>
+            </a:r>
+            <a:r>
+              <a:rPr lang="en-US" altLang="ko-KR" sz="1500" b="0" i="0">
+                <a:effectLst/>
+                <a:latin typeface="Inter"/>
+              </a:rPr>
+              <a:t>.</a:t>
+            </a:r>
+          </a:p>
+          <a:p>
+            <a:pPr marL="285750" indent="-285750">
+              <a:lnSpc>
+                <a:spcPct val="150000"/>
+              </a:lnSpc>
+              <a:buFontTx/>
+              <a:buChar char="-"/>
+            </a:pPr>
+            <a:r>
+              <a:rPr lang="ko-KR" altLang="en-US" sz="1500" b="0" i="0">
+                <a:solidFill>
+                  <a:srgbClr val="222222"/>
+                </a:solidFill>
+                <a:effectLst/>
+                <a:latin typeface="Nanum Gothic"/>
+              </a:rPr>
+              <a:t>지난 </a:t>
+            </a:r>
+            <a:r>
+              <a:rPr lang="en-US" altLang="ko-KR" sz="1500" b="0" i="0">
+                <a:solidFill>
+                  <a:srgbClr val="222222"/>
+                </a:solidFill>
+                <a:effectLst/>
+                <a:latin typeface="Nanum Gothic"/>
+              </a:rPr>
+              <a:t>30</a:t>
+            </a:r>
+            <a:r>
+              <a:rPr lang="ko-KR" altLang="en-US" sz="1500" b="0" i="0">
+                <a:solidFill>
+                  <a:srgbClr val="222222"/>
+                </a:solidFill>
+                <a:effectLst/>
+                <a:latin typeface="Nanum Gothic"/>
+              </a:rPr>
+              <a:t>년</a:t>
+            </a:r>
+            <a:r>
+              <a:rPr lang="en-US" altLang="ko-KR" sz="1500" b="0" i="0">
+                <a:solidFill>
+                  <a:srgbClr val="222222"/>
+                </a:solidFill>
+                <a:effectLst/>
+                <a:latin typeface="Nanum Gothic"/>
+              </a:rPr>
+              <a:t>(1991</a:t>
+            </a:r>
+            <a:r>
+              <a:rPr lang="ko-KR" altLang="en-US" sz="1500" b="0" i="0">
+                <a:solidFill>
+                  <a:srgbClr val="222222"/>
+                </a:solidFill>
+                <a:effectLst/>
+                <a:latin typeface="Nanum Gothic"/>
+              </a:rPr>
+              <a:t>년</a:t>
+            </a:r>
+            <a:r>
+              <a:rPr lang="en-US" altLang="ko-KR" sz="1500" b="0" i="0">
+                <a:solidFill>
+                  <a:srgbClr val="222222"/>
+                </a:solidFill>
+                <a:effectLst/>
+                <a:latin typeface="Nanum Gothic"/>
+              </a:rPr>
+              <a:t>~2020</a:t>
+            </a:r>
+            <a:r>
+              <a:rPr lang="ko-KR" altLang="en-US" sz="1500" b="0" i="0">
+                <a:solidFill>
+                  <a:srgbClr val="222222"/>
+                </a:solidFill>
+                <a:effectLst/>
+                <a:latin typeface="Nanum Gothic"/>
+              </a:rPr>
+              <a:t>년</a:t>
+            </a:r>
+            <a:r>
+              <a:rPr lang="en-US" altLang="ko-KR" sz="1500" b="0" i="0">
+                <a:solidFill>
+                  <a:srgbClr val="222222"/>
+                </a:solidFill>
+                <a:effectLst/>
+                <a:latin typeface="Nanum Gothic"/>
+              </a:rPr>
+              <a:t>)</a:t>
+            </a:r>
+            <a:r>
+              <a:rPr lang="ko-KR" altLang="en-US" sz="1500" b="0" i="0">
+                <a:solidFill>
+                  <a:srgbClr val="222222"/>
+                </a:solidFill>
+                <a:effectLst/>
+                <a:latin typeface="Nanum Gothic"/>
+              </a:rPr>
+              <a:t>간 우리나라 전 연안의 평균 </a:t>
+            </a:r>
+            <a:r>
+              <a:rPr lang="ko-KR" altLang="en-US" sz="1500" b="1" i="0">
+                <a:solidFill>
+                  <a:srgbClr val="222222"/>
+                </a:solidFill>
+                <a:effectLst/>
+                <a:latin typeface="Nanum Gothic"/>
+              </a:rPr>
+              <a:t>해수면이 매년 </a:t>
+            </a:r>
+            <a:r>
+              <a:rPr lang="en-US" altLang="ko-KR" sz="1500" b="1" i="0">
+                <a:solidFill>
+                  <a:srgbClr val="222222"/>
+                </a:solidFill>
+                <a:effectLst/>
+                <a:latin typeface="Nanum Gothic"/>
+              </a:rPr>
+              <a:t>3.03mm</a:t>
+            </a:r>
+            <a:r>
+              <a:rPr lang="ko-KR" altLang="en-US" sz="1500" b="0" i="0">
+                <a:solidFill>
+                  <a:srgbClr val="222222"/>
+                </a:solidFill>
+                <a:effectLst/>
+                <a:latin typeface="Nanum Gothic"/>
+              </a:rPr>
+              <a:t>씩 높아져 </a:t>
+            </a:r>
+            <a:r>
+              <a:rPr lang="ko-KR" altLang="en-US" sz="1500" b="1" i="0">
+                <a:solidFill>
+                  <a:srgbClr val="222222"/>
+                </a:solidFill>
+                <a:effectLst/>
+                <a:latin typeface="Nanum Gothic"/>
+              </a:rPr>
+              <a:t>평균 </a:t>
+            </a:r>
+            <a:r>
+              <a:rPr lang="en-US" altLang="ko-KR" sz="1500" b="1" i="0">
+                <a:solidFill>
+                  <a:srgbClr val="222222"/>
+                </a:solidFill>
+                <a:effectLst/>
+                <a:latin typeface="Nanum Gothic"/>
+              </a:rPr>
+              <a:t>9.1cm </a:t>
+            </a:r>
+            <a:r>
+              <a:rPr lang="ko-KR" altLang="en-US" sz="1500" b="1" i="0">
+                <a:solidFill>
+                  <a:srgbClr val="222222"/>
+                </a:solidFill>
+                <a:effectLst/>
+                <a:latin typeface="Nanum Gothic"/>
+              </a:rPr>
+              <a:t>가량 상승</a:t>
+            </a:r>
+            <a:endParaRPr lang="ko-KR" altLang="en-US" sz="1500" b="1"/>
           </a:p>
         </p:txBody>
       </p:sp>
@@ -6037,125 +7258,20 @@
       </p:grpSp>
       <p:sp>
         <p:nvSpPr>
-          <p:cNvPr id="2" name="직사각형 1">
-            <a:extLst>
-              <a:ext uri="{FF2B5EF4-FFF2-40B4-BE49-F238E27FC236}">
-                <a16:creationId xmlns:a16="http://schemas.microsoft.com/office/drawing/2014/main" id="{6CF1494E-9AF5-705C-FE6C-D5606BE96EEA}"/>
-              </a:ext>
-            </a:extLst>
-          </p:cNvPr>
-          <p:cNvSpPr/>
+          <p:cNvPr id="7" name="TextBox 6">
+            <a:extLst>
+              <a:ext uri="{FF2B5EF4-FFF2-40B4-BE49-F238E27FC236}">
+                <a16:creationId xmlns:a16="http://schemas.microsoft.com/office/drawing/2014/main" id="{C32BDAE3-8425-E8C0-3D82-A3DF9B086B90}"/>
+              </a:ext>
+            </a:extLst>
+          </p:cNvPr>
+          <p:cNvSpPr txBox="1"/>
           <p:nvPr/>
         </p:nvSpPr>
         <p:spPr>
           <a:xfrm>
-            <a:off x="430250" y="1292470"/>
-            <a:ext cx="3869188" cy="2321168"/>
-          </a:xfrm>
-          <a:prstGeom prst="rect">
-            <a:avLst/>
-          </a:prstGeom>
-        </p:spPr>
-        <p:style>
-          <a:lnRef idx="2">
-            <a:schemeClr val="accent1">
-              <a:shade val="50000"/>
-            </a:schemeClr>
-          </a:lnRef>
-          <a:fillRef idx="1">
-            <a:schemeClr val="accent1"/>
-          </a:fillRef>
-          <a:effectRef idx="0">
-            <a:schemeClr val="accent1"/>
-          </a:effectRef>
-          <a:fontRef idx="minor">
-            <a:schemeClr val="lt1"/>
-          </a:fontRef>
-        </p:style>
-        <p:txBody>
-          <a:bodyPr rtlCol="0" anchor="ctr"/>
-          <a:lstStyle/>
-          <a:p>
-            <a:pPr algn="ctr"/>
-            <a:r>
-              <a:rPr lang="ko-KR" altLang="en-US"/>
-              <a:t>태양광 사진 및 </a:t>
-            </a:r>
-            <a:br>
-              <a:rPr lang="en-US" altLang="ko-KR"/>
-            </a:br>
-            <a:r>
-              <a:rPr lang="ko-KR" altLang="en-US"/>
-              <a:t>태양광의 장점 증거</a:t>
-            </a:r>
-          </a:p>
-        </p:txBody>
-      </p:sp>
-      <p:sp>
-        <p:nvSpPr>
-          <p:cNvPr id="3" name="직사각형 2">
-            <a:extLst>
-              <a:ext uri="{FF2B5EF4-FFF2-40B4-BE49-F238E27FC236}">
-                <a16:creationId xmlns:a16="http://schemas.microsoft.com/office/drawing/2014/main" id="{66CD7C89-16D6-13F2-0D44-853D65D46684}"/>
-              </a:ext>
-            </a:extLst>
-          </p:cNvPr>
-          <p:cNvSpPr/>
-          <p:nvPr/>
-        </p:nvSpPr>
-        <p:spPr>
-          <a:xfrm>
-            <a:off x="430003" y="3850956"/>
-            <a:ext cx="3869188" cy="2321168"/>
-          </a:xfrm>
-          <a:prstGeom prst="rect">
-            <a:avLst/>
-          </a:prstGeom>
-        </p:spPr>
-        <p:style>
-          <a:lnRef idx="2">
-            <a:schemeClr val="accent1">
-              <a:shade val="50000"/>
-            </a:schemeClr>
-          </a:lnRef>
-          <a:fillRef idx="1">
-            <a:schemeClr val="accent1"/>
-          </a:fillRef>
-          <a:effectRef idx="0">
-            <a:schemeClr val="accent1"/>
-          </a:effectRef>
-          <a:fontRef idx="minor">
-            <a:schemeClr val="lt1"/>
-          </a:fontRef>
-        </p:style>
-        <p:txBody>
-          <a:bodyPr rtlCol="0" anchor="ctr"/>
-          <a:lstStyle/>
-          <a:p>
-            <a:pPr algn="ctr"/>
-            <a:r>
-              <a:rPr lang="ko-KR" altLang="en-US"/>
-              <a:t>현재 국내에서도 태양광 발전 시장이 커지고 있다는 증거</a:t>
-            </a:r>
-          </a:p>
-        </p:txBody>
-      </p:sp>
-      <p:sp>
-        <p:nvSpPr>
-          <p:cNvPr id="5" name="TextBox 4">
-            <a:extLst>
-              <a:ext uri="{FF2B5EF4-FFF2-40B4-BE49-F238E27FC236}">
-                <a16:creationId xmlns:a16="http://schemas.microsoft.com/office/drawing/2014/main" id="{F2E7B266-169E-4100-7118-6F2682285D06}"/>
-              </a:ext>
-            </a:extLst>
-          </p:cNvPr>
-          <p:cNvSpPr txBox="1"/>
-          <p:nvPr/>
-        </p:nvSpPr>
-        <p:spPr>
-          <a:xfrm>
-            <a:off x="5117123" y="2365131"/>
-            <a:ext cx="2194832" cy="369332"/>
+            <a:off x="430250" y="1178351"/>
+            <a:ext cx="4992264" cy="369332"/>
           </a:xfrm>
           <a:prstGeom prst="rect">
             <a:avLst/>
@@ -6169,18 +7285,26 @@
           <a:lstStyle/>
           <a:p>
             <a:r>
-              <a:rPr lang="ko-KR" altLang="en-US"/>
-              <a:t>태양광 발전의 장점</a:t>
-            </a:r>
-          </a:p>
-        </p:txBody>
-      </p:sp>
-      <p:sp>
-        <p:nvSpPr>
-          <p:cNvPr id="6" name="TextBox 5">
-            <a:extLst>
-              <a:ext uri="{FF2B5EF4-FFF2-40B4-BE49-F238E27FC236}">
-                <a16:creationId xmlns:a16="http://schemas.microsoft.com/office/drawing/2014/main" id="{6BCB0E24-6206-58D1-27C8-1FB8D7001587}"/>
+              <a:rPr lang="ko-KR" altLang="en-US" b="1"/>
+              <a:t>이산화 탄소</a:t>
+            </a:r>
+            <a:r>
+              <a:rPr lang="en-US" altLang="ko-KR" b="1"/>
+              <a:t>(CO2)</a:t>
+            </a:r>
+            <a:r>
+              <a:rPr lang="ko-KR" altLang="en-US" b="1"/>
+              <a:t> 배출 및 신재생 에너지 산업</a:t>
+            </a:r>
+          </a:p>
+        </p:txBody>
+      </p:sp>
+      <p:sp>
+        <p:nvSpPr>
+          <p:cNvPr id="13" name="TextBox 12">
+            <a:extLst>
+              <a:ext uri="{FF2B5EF4-FFF2-40B4-BE49-F238E27FC236}">
+                <a16:creationId xmlns:a16="http://schemas.microsoft.com/office/drawing/2014/main" id="{76F87D69-F246-ED30-D4CA-FDAB7AE7A1A1}"/>
               </a:ext>
             </a:extLst>
           </p:cNvPr>
@@ -6189,8 +7313,8 @@
         </p:nvSpPr>
         <p:spPr>
           <a:xfrm>
-            <a:off x="5117123" y="4724400"/>
-            <a:ext cx="2969083" cy="369332"/>
+            <a:off x="957788" y="1740323"/>
+            <a:ext cx="12163011" cy="833754"/>
           </a:xfrm>
           <a:prstGeom prst="rect">
             <a:avLst/>
@@ -6198,18 +7322,395 @@
           <a:noFill/>
         </p:spPr>
         <p:txBody>
-          <a:bodyPr wrap="none" rtlCol="0">
+          <a:bodyPr wrap="square" rtlCol="0">
             <a:spAutoFit/>
           </a:bodyPr>
           <a:lstStyle/>
           <a:p>
-            <a:r>
-              <a:rPr lang="ko-KR" altLang="en-US"/>
-              <a:t>시장이 커지고 있다는 증거</a:t>
-            </a:r>
-          </a:p>
-        </p:txBody>
-      </p:sp>
+            <a:pPr marL="285750" indent="-285750" fontAlgn="base">
+              <a:lnSpc>
+                <a:spcPct val="150000"/>
+              </a:lnSpc>
+              <a:buFontTx/>
+              <a:buChar char="-"/>
+            </a:pPr>
+            <a:r>
+              <a:rPr lang="en-US" altLang="ko-KR" sz="1500" b="0" i="0">
+                <a:solidFill>
+                  <a:srgbClr val="333333"/>
+                </a:solidFill>
+                <a:effectLst/>
+                <a:latin typeface="맑은고딕"/>
+              </a:rPr>
+              <a:t>IEA (</a:t>
+            </a:r>
+            <a:r>
+              <a:rPr lang="ko-KR" altLang="en-US" sz="1500" b="0" i="0">
+                <a:solidFill>
+                  <a:srgbClr val="333333"/>
+                </a:solidFill>
+                <a:effectLst/>
+                <a:latin typeface="맑은고딕"/>
+              </a:rPr>
+              <a:t>국제에너지 기구</a:t>
+            </a:r>
+            <a:r>
+              <a:rPr lang="en-US" altLang="ko-KR" sz="1500" b="0" i="0">
+                <a:solidFill>
+                  <a:srgbClr val="333333"/>
+                </a:solidFill>
+                <a:effectLst/>
+                <a:latin typeface="맑은고딕"/>
+              </a:rPr>
+              <a:t>) 1990</a:t>
+            </a:r>
+            <a:r>
+              <a:rPr lang="ko-KR" altLang="en-US" sz="1500" b="0" i="0">
+                <a:solidFill>
+                  <a:srgbClr val="333333"/>
+                </a:solidFill>
+                <a:effectLst/>
+                <a:latin typeface="맑은고딕"/>
+              </a:rPr>
+              <a:t>년 이후 지금까지 코로나 팬데믹을 제외한 </a:t>
+            </a:r>
+            <a:r>
+              <a:rPr lang="ko-KR" altLang="en-US" sz="1500" b="1" i="0">
+                <a:solidFill>
+                  <a:srgbClr val="333333"/>
+                </a:solidFill>
+                <a:effectLst/>
+                <a:latin typeface="맑은고딕"/>
+              </a:rPr>
+              <a:t>이산화 탄소 배출량 증가</a:t>
+            </a:r>
+            <a:endParaRPr lang="en-US" altLang="ko-KR" sz="1500" b="1" i="0">
+              <a:solidFill>
+                <a:srgbClr val="333333"/>
+              </a:solidFill>
+              <a:effectLst/>
+              <a:latin typeface="맑은고딕"/>
+            </a:endParaRPr>
+          </a:p>
+          <a:p>
+            <a:pPr marL="285750" indent="-285750" fontAlgn="base">
+              <a:lnSpc>
+                <a:spcPct val="200000"/>
+              </a:lnSpc>
+              <a:buFontTx/>
+              <a:buChar char="-"/>
+            </a:pPr>
+            <a:r>
+              <a:rPr lang="en-US" altLang="ko-KR" sz="1500">
+                <a:solidFill>
+                  <a:srgbClr val="333333"/>
+                </a:solidFill>
+                <a:latin typeface="맑은고딕"/>
+              </a:rPr>
+              <a:t>IRENA (</a:t>
+            </a:r>
+            <a:r>
+              <a:rPr lang="ko-KR" altLang="en-US" sz="1500">
+                <a:solidFill>
+                  <a:srgbClr val="333333"/>
+                </a:solidFill>
+                <a:latin typeface="맑은고딕"/>
+              </a:rPr>
+              <a:t>국제 재생 에너지 기구</a:t>
+            </a:r>
+            <a:r>
+              <a:rPr lang="en-US" altLang="ko-KR" sz="1500">
+                <a:solidFill>
+                  <a:srgbClr val="333333"/>
+                </a:solidFill>
+                <a:latin typeface="맑은고딕"/>
+              </a:rPr>
+              <a:t>) </a:t>
+            </a:r>
+            <a:r>
+              <a:rPr lang="ko-KR" altLang="en-US" sz="1500" b="0" i="0">
+                <a:solidFill>
+                  <a:srgbClr val="333333"/>
+                </a:solidFill>
+                <a:effectLst/>
+                <a:latin typeface="맑은고딕"/>
+              </a:rPr>
+              <a:t>신재생에너지분야 고용은 </a:t>
+            </a:r>
+            <a:r>
+              <a:rPr lang="en-US" altLang="ko-KR" sz="1500" b="0" i="0">
+                <a:solidFill>
+                  <a:srgbClr val="333333"/>
+                </a:solidFill>
+                <a:effectLst/>
+                <a:latin typeface="맑은고딕"/>
+              </a:rPr>
+              <a:t>2012</a:t>
+            </a:r>
+            <a:r>
+              <a:rPr lang="ko-KR" altLang="en-US" sz="1500" b="0" i="0">
+                <a:solidFill>
+                  <a:srgbClr val="333333"/>
+                </a:solidFill>
+                <a:effectLst/>
+                <a:latin typeface="맑은고딕"/>
+              </a:rPr>
+              <a:t>년 약 </a:t>
+            </a:r>
+            <a:r>
+              <a:rPr lang="en-US" altLang="ko-KR" sz="1500" b="1" i="0">
+                <a:solidFill>
+                  <a:srgbClr val="333333"/>
+                </a:solidFill>
+                <a:effectLst/>
+                <a:latin typeface="맑은고딕"/>
+              </a:rPr>
+              <a:t>730</a:t>
+            </a:r>
+            <a:r>
+              <a:rPr lang="ko-KR" altLang="en-US" sz="1500" b="1" i="0">
+                <a:solidFill>
+                  <a:srgbClr val="333333"/>
+                </a:solidFill>
+                <a:effectLst/>
+                <a:latin typeface="맑은고딕"/>
+              </a:rPr>
+              <a:t>만명</a:t>
+            </a:r>
+            <a:r>
+              <a:rPr lang="ko-KR" altLang="en-US" sz="1500" b="0" i="0">
+                <a:solidFill>
+                  <a:srgbClr val="333333"/>
+                </a:solidFill>
+                <a:effectLst/>
+                <a:latin typeface="맑은고딕"/>
+              </a:rPr>
+              <a:t>에서 </a:t>
+            </a:r>
+            <a:r>
+              <a:rPr lang="en-US" altLang="ko-KR" sz="1500" b="0" i="0">
+                <a:solidFill>
+                  <a:srgbClr val="333333"/>
+                </a:solidFill>
+                <a:effectLst/>
+                <a:latin typeface="맑은고딕"/>
+              </a:rPr>
+              <a:t>2020</a:t>
+            </a:r>
+            <a:r>
+              <a:rPr lang="ko-KR" altLang="en-US" sz="1500" b="0" i="0">
+                <a:solidFill>
+                  <a:srgbClr val="333333"/>
+                </a:solidFill>
+                <a:effectLst/>
+                <a:latin typeface="맑은고딕"/>
+              </a:rPr>
+              <a:t>년 약 </a:t>
+            </a:r>
+            <a:r>
+              <a:rPr lang="en-US" altLang="ko-KR" sz="1500" b="1" i="0">
+                <a:solidFill>
+                  <a:srgbClr val="333333"/>
+                </a:solidFill>
+                <a:effectLst/>
+                <a:latin typeface="맑은고딕"/>
+              </a:rPr>
+              <a:t>1,200</a:t>
+            </a:r>
+            <a:r>
+              <a:rPr lang="ko-KR" altLang="en-US" sz="1500" b="1" i="0">
+                <a:solidFill>
+                  <a:srgbClr val="333333"/>
+                </a:solidFill>
+                <a:effectLst/>
+                <a:latin typeface="맑은고딕"/>
+              </a:rPr>
+              <a:t>만명으로 증가</a:t>
+            </a:r>
+            <a:endParaRPr lang="en-US" altLang="ko-KR" sz="1500" b="1" i="0">
+              <a:solidFill>
+                <a:srgbClr val="000000"/>
+              </a:solidFill>
+              <a:effectLst/>
+              <a:latin typeface="se-nanumgothic"/>
+            </a:endParaRPr>
+          </a:p>
+        </p:txBody>
+      </p:sp>
+      <p:pic>
+        <p:nvPicPr>
+          <p:cNvPr id="11" name="그림 10">
+            <a:extLst>
+              <a:ext uri="{FF2B5EF4-FFF2-40B4-BE49-F238E27FC236}">
+                <a16:creationId xmlns:a16="http://schemas.microsoft.com/office/drawing/2014/main" id="{9E49EFAF-E36D-088E-59A0-59DE71A15E8D}"/>
+              </a:ext>
+            </a:extLst>
+          </p:cNvPr>
+          <p:cNvPicPr>
+            <a:picLocks noChangeAspect="1"/>
+          </p:cNvPicPr>
+          <p:nvPr/>
+        </p:nvPicPr>
+        <p:blipFill rotWithShape="1">
+          <a:blip r:embed="rId4">
+            <a:extLst>
+              <a:ext uri="{28A0092B-C50C-407E-A947-70E740481C1C}">
+                <a14:useLocalDpi xmlns:a14="http://schemas.microsoft.com/office/drawing/2010/main" val="0"/>
+              </a:ext>
+            </a:extLst>
+          </a:blip>
+          <a:srcRect b="20107"/>
+          <a:stretch/>
+        </p:blipFill>
+        <p:spPr>
+          <a:xfrm>
+            <a:off x="6078357" y="3106718"/>
+            <a:ext cx="5734950" cy="2520000"/>
+          </a:xfrm>
+          <a:prstGeom prst="rect">
+            <a:avLst/>
+          </a:prstGeom>
+        </p:spPr>
+      </p:pic>
+      <p:sp>
+        <p:nvSpPr>
+          <p:cNvPr id="16" name="TextBox 15">
+            <a:extLst>
+              <a:ext uri="{FF2B5EF4-FFF2-40B4-BE49-F238E27FC236}">
+                <a16:creationId xmlns:a16="http://schemas.microsoft.com/office/drawing/2014/main" id="{F777BBB8-C479-33D1-5C9A-0A225555F1ED}"/>
+              </a:ext>
+            </a:extLst>
+          </p:cNvPr>
+          <p:cNvSpPr txBox="1"/>
+          <p:nvPr/>
+        </p:nvSpPr>
+        <p:spPr>
+          <a:xfrm>
+            <a:off x="1816098" y="5468029"/>
+            <a:ext cx="3248913" cy="246221"/>
+          </a:xfrm>
+          <a:prstGeom prst="rect">
+            <a:avLst/>
+          </a:prstGeom>
+          <a:noFill/>
+        </p:spPr>
+        <p:txBody>
+          <a:bodyPr wrap="square">
+            <a:spAutoFit/>
+          </a:bodyPr>
+          <a:lstStyle/>
+          <a:p>
+            <a:pPr algn="r"/>
+            <a:r>
+              <a:rPr lang="ko-KR" altLang="en-US" sz="1000">
+                <a:solidFill>
+                  <a:srgbClr val="495057"/>
+                </a:solidFill>
+                <a:latin typeface="Inter"/>
+              </a:rPr>
+              <a:t>국제 에너지 기구 </a:t>
+            </a:r>
+            <a:r>
+              <a:rPr lang="en-US" altLang="ko-KR" sz="1000">
+                <a:solidFill>
+                  <a:srgbClr val="495057"/>
+                </a:solidFill>
+                <a:latin typeface="Inter"/>
+              </a:rPr>
+              <a:t>(IEA) </a:t>
+            </a:r>
+            <a:r>
+              <a:rPr lang="ko-KR" altLang="en-US" sz="1000">
+                <a:solidFill>
+                  <a:srgbClr val="495057"/>
+                </a:solidFill>
+                <a:latin typeface="Inter"/>
+              </a:rPr>
+              <a:t>전 세계 이산화 탄소 배출량 통계</a:t>
+            </a:r>
+            <a:endParaRPr lang="ko-KR" altLang="en-US" sz="1000"/>
+          </a:p>
+        </p:txBody>
+      </p:sp>
+      <p:sp>
+        <p:nvSpPr>
+          <p:cNvPr id="17" name="TextBox 16">
+            <a:extLst>
+              <a:ext uri="{FF2B5EF4-FFF2-40B4-BE49-F238E27FC236}">
+                <a16:creationId xmlns:a16="http://schemas.microsoft.com/office/drawing/2014/main" id="{F7E995BB-9B3A-9006-AC11-E1D2738110AF}"/>
+              </a:ext>
+            </a:extLst>
+          </p:cNvPr>
+          <p:cNvSpPr txBox="1"/>
+          <p:nvPr/>
+        </p:nvSpPr>
+        <p:spPr>
+          <a:xfrm>
+            <a:off x="8370277" y="5545598"/>
+            <a:ext cx="2886528" cy="246221"/>
+          </a:xfrm>
+          <a:prstGeom prst="rect">
+            <a:avLst/>
+          </a:prstGeom>
+          <a:noFill/>
+        </p:spPr>
+        <p:txBody>
+          <a:bodyPr wrap="square">
+            <a:spAutoFit/>
+          </a:bodyPr>
+          <a:lstStyle/>
+          <a:p>
+            <a:pPr algn="r"/>
+            <a:r>
+              <a:rPr lang="en-US" altLang="ko-KR" sz="1000">
+                <a:latin typeface="+mj-lt"/>
+              </a:rPr>
+              <a:t>2012 ~ 2020 </a:t>
+            </a:r>
+            <a:r>
+              <a:rPr lang="ko-KR" altLang="en-US" sz="1000">
+                <a:latin typeface="+mj-lt"/>
+              </a:rPr>
+              <a:t>글로벌 신재생 에너지 고용 현황</a:t>
+            </a:r>
+          </a:p>
+        </p:txBody>
+      </p:sp>
+      <p:pic>
+        <p:nvPicPr>
+          <p:cNvPr id="23" name="그림 22">
+            <a:extLst>
+              <a:ext uri="{FF2B5EF4-FFF2-40B4-BE49-F238E27FC236}">
+                <a16:creationId xmlns:a16="http://schemas.microsoft.com/office/drawing/2014/main" id="{76B9271F-6809-1810-DC6E-98087AD9097A}"/>
+              </a:ext>
+            </a:extLst>
+          </p:cNvPr>
+          <p:cNvPicPr>
+            <a:picLocks noChangeAspect="1"/>
+          </p:cNvPicPr>
+          <p:nvPr/>
+        </p:nvPicPr>
+        <p:blipFill rotWithShape="1">
+          <a:blip r:embed="rId5">
+            <a:extLst>
+              <a:ext uri="{28A0092B-C50C-407E-A947-70E740481C1C}">
+                <a14:useLocalDpi xmlns:a14="http://schemas.microsoft.com/office/drawing/2010/main" val="0"/>
+              </a:ext>
+            </a:extLst>
+          </a:blip>
+          <a:srcRect b="14629"/>
+          <a:stretch/>
+        </p:blipFill>
+        <p:spPr>
+          <a:xfrm>
+            <a:off x="1240341" y="2921834"/>
+            <a:ext cx="3824670" cy="2520000"/>
+          </a:xfrm>
+          <a:prstGeom prst="rect">
+            <a:avLst/>
+          </a:prstGeom>
+        </p:spPr>
+      </p:pic>
     </p:spTree>
     <p:extLst>
       <p:ext uri="{BB962C8B-B14F-4D97-AF65-F5344CB8AC3E}">
@@ -6313,7 +7814,39 @@
                 <a:latin typeface="Malgun Gothic"/>
                 <a:ea typeface="맑은 고딕" panose="020B0503020000020004" pitchFamily="50" charset="-127"/>
               </a:rPr>
-              <a:t>목적</a:t>
+              <a:t>연구</a:t>
+            </a:r>
+            <a:r>
+              <a:rPr kumimoji="0" lang="ko-KR" altLang="en-US" sz="3200" b="1" i="0" u="none" strike="noStrike" kern="0" cap="none" spc="0" normalizeH="0" baseline="0" noProof="0">
+                <a:ln>
+                  <a:noFill/>
+                </a:ln>
+                <a:solidFill>
+                  <a:srgbClr val="001F60"/>
+                </a:solidFill>
+                <a:effectLst/>
+                <a:uLnTx/>
+                <a:uFillTx/>
+                <a:latin typeface="Malgun Gothic"/>
+                <a:ea typeface="맑은 고딕" panose="020B0503020000020004" pitchFamily="50" charset="-127"/>
+              </a:rPr>
+              <a:t>	</a:t>
+            </a:r>
+            <a:r>
+              <a:rPr kumimoji="0" lang="ko-KR" altLang="en-US" sz="3200" b="1" i="0" u="none" strike="noStrike" kern="0" cap="none" spc="-25" normalizeH="0" baseline="0" noProof="0">
+                <a:ln>
+                  <a:noFill/>
+                </a:ln>
+                <a:solidFill>
+                  <a:srgbClr val="001F60"/>
+                </a:solidFill>
+                <a:effectLst/>
+                <a:uLnTx/>
+                <a:uFillTx/>
+                <a:latin typeface="Malgun Gothic"/>
+                <a:ea typeface="맑은 고딕" panose="020B0503020000020004" pitchFamily="50" charset="-127"/>
+              </a:rPr>
+              <a:t>배경</a:t>
             </a:r>
             <a:endParaRPr kumimoji="0" lang="ko-KR" altLang="en-US" sz="3200" b="1" i="0" u="none" strike="noStrike" kern="0" cap="none" spc="0" normalizeH="0" baseline="0" noProof="0" dirty="0">
               <a:ln>
@@ -6508,10 +8041,10 @@
       </p:grpSp>
       <p:sp>
         <p:nvSpPr>
-          <p:cNvPr id="5" name="TextBox 4">
-            <a:extLst>
-              <a:ext uri="{FF2B5EF4-FFF2-40B4-BE49-F238E27FC236}">
-                <a16:creationId xmlns:a16="http://schemas.microsoft.com/office/drawing/2014/main" id="{F2E7B266-169E-4100-7118-6F2682285D06}"/>
+          <p:cNvPr id="7" name="TextBox 6">
+            <a:extLst>
+              <a:ext uri="{FF2B5EF4-FFF2-40B4-BE49-F238E27FC236}">
+                <a16:creationId xmlns:a16="http://schemas.microsoft.com/office/drawing/2014/main" id="{C32BDAE3-8425-E8C0-3D82-A3DF9B086B90}"/>
               </a:ext>
             </a:extLst>
           </p:cNvPr>
@@ -6520,8 +8053,8 @@
         </p:nvSpPr>
         <p:spPr>
           <a:xfrm>
-            <a:off x="382785" y="1283678"/>
-            <a:ext cx="11424922" cy="2308324"/>
+            <a:off x="430250" y="1178351"/>
+            <a:ext cx="3135795" cy="369332"/>
           </a:xfrm>
           <a:prstGeom prst="rect">
             <a:avLst/>
@@ -6535,96 +8068,286 @@
           <a:lstStyle/>
           <a:p>
             <a:r>
-              <a:rPr lang="ko-KR" altLang="en-US"/>
-              <a:t>태양광 발전 시스템 운영을 위해서는 </a:t>
-            </a:r>
-            <a:r>
-              <a:rPr lang="ko-KR" altLang="en-US">
-                <a:effectLst/>
-              </a:rPr>
-              <a:t>사전에 정확한 단기 태양광 발전량을 예측하는 것이 중요</a:t>
-            </a:r>
-            <a:endParaRPr lang="en-US" altLang="ko-KR">
+              <a:rPr lang="ko-KR" altLang="en-US" b="1"/>
+              <a:t>신재생 에너지 </a:t>
+            </a:r>
+            <a:r>
+              <a:rPr lang="en-US" altLang="ko-KR" b="1"/>
+              <a:t>(</a:t>
+            </a:r>
+            <a:r>
+              <a:rPr lang="ko-KR" altLang="en-US" b="1"/>
+              <a:t>태양광 발전</a:t>
+            </a:r>
+            <a:r>
+              <a:rPr lang="en-US" altLang="ko-KR" b="1"/>
+              <a:t>)</a:t>
+            </a:r>
+            <a:endParaRPr lang="ko-KR" altLang="en-US" b="1"/>
+          </a:p>
+        </p:txBody>
+      </p:sp>
+      <p:pic>
+        <p:nvPicPr>
+          <p:cNvPr id="3" name="그림 2">
+            <a:extLst>
+              <a:ext uri="{FF2B5EF4-FFF2-40B4-BE49-F238E27FC236}">
+                <a16:creationId xmlns:a16="http://schemas.microsoft.com/office/drawing/2014/main" id="{5E52B3C9-634E-8340-6CA5-6978D6A863B4}"/>
+              </a:ext>
+            </a:extLst>
+          </p:cNvPr>
+          <p:cNvPicPr>
+            <a:picLocks noChangeAspect="1"/>
+          </p:cNvPicPr>
+          <p:nvPr/>
+        </p:nvPicPr>
+        <p:blipFill>
+          <a:blip r:embed="rId4">
+            <a:extLst>
+              <a:ext uri="{28A0092B-C50C-407E-A947-70E740481C1C}">
+                <a14:useLocalDpi xmlns:a14="http://schemas.microsoft.com/office/drawing/2010/main" val="0"/>
+              </a:ext>
+            </a:extLst>
+          </a:blip>
+          <a:stretch>
+            <a:fillRect/>
+          </a:stretch>
+        </p:blipFill>
+        <p:spPr>
+          <a:xfrm>
+            <a:off x="1018777" y="2616188"/>
+            <a:ext cx="3849287" cy="2520000"/>
+          </a:xfrm>
+          <a:prstGeom prst="rect">
+            <a:avLst/>
+          </a:prstGeom>
+        </p:spPr>
+      </p:pic>
+      <p:sp>
+        <p:nvSpPr>
+          <p:cNvPr id="5" name="TextBox 4">
+            <a:extLst>
+              <a:ext uri="{FF2B5EF4-FFF2-40B4-BE49-F238E27FC236}">
+                <a16:creationId xmlns:a16="http://schemas.microsoft.com/office/drawing/2014/main" id="{EF1A9CE4-1E68-D077-568D-ADF3CE99B191}"/>
+              </a:ext>
+            </a:extLst>
+          </p:cNvPr>
+          <p:cNvSpPr txBox="1"/>
+          <p:nvPr/>
+        </p:nvSpPr>
+        <p:spPr>
+          <a:xfrm>
+            <a:off x="1619151" y="5136188"/>
+            <a:ext cx="3248913" cy="246221"/>
+          </a:xfrm>
+          <a:prstGeom prst="rect">
+            <a:avLst/>
+          </a:prstGeom>
+          <a:noFill/>
+        </p:spPr>
+        <p:txBody>
+          <a:bodyPr wrap="square">
+            <a:spAutoFit/>
+          </a:bodyPr>
+          <a:lstStyle/>
+          <a:p>
+            <a:pPr algn="r"/>
+            <a:r>
+              <a:rPr lang="ko-KR" altLang="en-US" sz="1000"/>
+              <a:t>태양광 전문 설계 업체 ㈜ 에스디 태양광의 장점</a:t>
+            </a:r>
+          </a:p>
+        </p:txBody>
+      </p:sp>
+      <p:sp>
+        <p:nvSpPr>
+          <p:cNvPr id="6" name="TextBox 5">
+            <a:extLst>
+              <a:ext uri="{FF2B5EF4-FFF2-40B4-BE49-F238E27FC236}">
+                <a16:creationId xmlns:a16="http://schemas.microsoft.com/office/drawing/2014/main" id="{7EC606E7-5C7C-A1CE-175B-F920D43F87A5}"/>
+              </a:ext>
+            </a:extLst>
+          </p:cNvPr>
+          <p:cNvSpPr txBox="1"/>
+          <p:nvPr/>
+        </p:nvSpPr>
+        <p:spPr>
+          <a:xfrm>
+            <a:off x="5468438" y="4173810"/>
+            <a:ext cx="3959738" cy="2305311"/>
+          </a:xfrm>
+          <a:prstGeom prst="rect">
+            <a:avLst/>
+          </a:prstGeom>
+          <a:noFill/>
+        </p:spPr>
+        <p:txBody>
+          <a:bodyPr wrap="none" rtlCol="0">
+            <a:spAutoFit/>
+          </a:bodyPr>
+          <a:lstStyle/>
+          <a:p>
+            <a:pPr marL="285750" indent="-285750">
+              <a:lnSpc>
+                <a:spcPct val="250000"/>
+              </a:lnSpc>
+              <a:buFontTx/>
+              <a:buChar char="-"/>
+            </a:pPr>
+            <a:r>
+              <a:rPr lang="ko-KR" altLang="en-US" sz="1500" b="0" i="0">
+                <a:effectLst/>
+                <a:latin typeface="Inter"/>
+              </a:rPr>
+              <a:t>풍력발전 보다 설치 면적이 작다</a:t>
+            </a:r>
+            <a:endParaRPr lang="en-US" altLang="ko-KR" sz="1500" b="0" i="0">
               <a:effectLst/>
+              <a:latin typeface="Inter"/>
             </a:endParaRPr>
           </a:p>
           <a:p>
-            <a:endParaRPr lang="en-US" altLang="ko-KR"/>
-          </a:p>
-          <a:p>
-            <a:r>
-              <a:rPr lang="ko-KR" altLang="en-US">
-                <a:effectLst/>
-              </a:rPr>
-              <a:t>태양광 발전량 예측 모델의 주요 요인인 일사량 정보를 수집하는 것이 필수</a:t>
-            </a:r>
-            <a:endParaRPr lang="en-US" altLang="ko-KR">
+            <a:pPr marL="285750" indent="-285750">
+              <a:lnSpc>
+                <a:spcPct val="250000"/>
+              </a:lnSpc>
+              <a:buFontTx/>
+              <a:buChar char="-"/>
+            </a:pPr>
+            <a:r>
+              <a:rPr lang="ko-KR" altLang="en-US" sz="1500" b="0" i="0">
+                <a:effectLst/>
+                <a:latin typeface="Inter"/>
+              </a:rPr>
+              <a:t>유지 보수 비용과 소음이 적다</a:t>
+            </a:r>
+            <a:endParaRPr lang="en-US" altLang="ko-KR" sz="1500" b="0" i="0">
               <a:effectLst/>
+              <a:latin typeface="Inter"/>
             </a:endParaRPr>
           </a:p>
           <a:p>
-            <a:endParaRPr lang="en-US" altLang="ko-KR"/>
-          </a:p>
-          <a:p>
-            <a:r>
-              <a:rPr lang="ko-KR" altLang="en-US">
-                <a:effectLst/>
-              </a:rPr>
-              <a:t>기상청의 동네예보는 기온</a:t>
-            </a:r>
-            <a:r>
-              <a:rPr lang="en-US" altLang="ko-KR">
-                <a:effectLst/>
-              </a:rPr>
-              <a:t>, </a:t>
-            </a:r>
-            <a:r>
-              <a:rPr lang="ko-KR" altLang="en-US">
-                <a:effectLst/>
-              </a:rPr>
-              <a:t>습도와 같은 요인의 예측값은 제공하나</a:t>
-            </a:r>
-            <a:r>
-              <a:rPr lang="en-US" altLang="ko-KR">
-                <a:effectLst/>
-              </a:rPr>
-              <a:t>, </a:t>
-            </a:r>
-            <a:r>
-              <a:rPr lang="ko-KR" altLang="en-US">
-                <a:effectLst/>
-              </a:rPr>
-              <a:t>일사량에 대한 예측값은 제공하지 않는다</a:t>
-            </a:r>
-            <a:endParaRPr lang="en-US" altLang="ko-KR">
-              <a:effectLst/>
+            <a:pPr marL="285750" indent="-285750">
+              <a:lnSpc>
+                <a:spcPct val="250000"/>
+              </a:lnSpc>
+              <a:buFontTx/>
+              <a:buChar char="-"/>
+            </a:pPr>
+            <a:r>
+              <a:rPr lang="ko-KR" altLang="en-US" sz="1500">
+                <a:latin typeface="Inter"/>
+              </a:rPr>
+              <a:t>무한한 자원 태양광을 이용 한다</a:t>
+            </a:r>
+            <a:endParaRPr lang="en-US" altLang="ko-KR" sz="1500">
+              <a:latin typeface="Inter"/>
             </a:endParaRPr>
           </a:p>
           <a:p>
-            <a:endParaRPr lang="en-US" altLang="ko-KR"/>
-          </a:p>
-          <a:p>
-            <a:r>
-              <a:rPr lang="ko-KR" altLang="en-US"/>
-              <a:t>따라서 정확한 단기 일사량 예측 모델이 요구 </a:t>
-            </a:r>
-            <a:endParaRPr lang="en-US" altLang="ko-KR"/>
-          </a:p>
-          <a:p>
-            <a:r>
-              <a:rPr lang="ko-KR" altLang="en-US">
-                <a:effectLst/>
-              </a:rPr>
-              <a:t>국내 여러 기관에서 기계학습을 기반으로 일사량 예측 모델들을 보고</a:t>
-            </a:r>
-            <a:endParaRPr lang="ko-KR" altLang="en-US"/>
+            <a:pPr marL="285750" indent="-285750">
+              <a:lnSpc>
+                <a:spcPct val="250000"/>
+              </a:lnSpc>
+              <a:buFontTx/>
+              <a:buChar char="-"/>
+            </a:pPr>
+            <a:r>
+              <a:rPr lang="ko-KR" altLang="en-US" sz="1500">
+                <a:latin typeface="Inter"/>
+              </a:rPr>
+              <a:t>매월 자동 정산되어 수익 계산이 편리하다</a:t>
+            </a:r>
+            <a:endParaRPr lang="en-US" altLang="ko-KR" sz="1500">
+              <a:latin typeface="Inter"/>
+            </a:endParaRPr>
+          </a:p>
+        </p:txBody>
+      </p:sp>
+      <p:pic>
+        <p:nvPicPr>
+          <p:cNvPr id="9" name="그림 8">
+            <a:extLst>
+              <a:ext uri="{FF2B5EF4-FFF2-40B4-BE49-F238E27FC236}">
+                <a16:creationId xmlns:a16="http://schemas.microsoft.com/office/drawing/2014/main" id="{53357C23-CB22-1BBF-6A5D-7A19654E76EA}"/>
+              </a:ext>
+            </a:extLst>
+          </p:cNvPr>
+          <p:cNvPicPr>
+            <a:picLocks noChangeAspect="1"/>
+          </p:cNvPicPr>
+          <p:nvPr/>
+        </p:nvPicPr>
+        <p:blipFill>
+          <a:blip r:embed="rId5">
+            <a:extLst>
+              <a:ext uri="{28A0092B-C50C-407E-A947-70E740481C1C}">
+                <a14:useLocalDpi xmlns:a14="http://schemas.microsoft.com/office/drawing/2010/main" val="0"/>
+              </a:ext>
+            </a:extLst>
+          </a:blip>
+          <a:stretch>
+            <a:fillRect/>
+          </a:stretch>
+        </p:blipFill>
+        <p:spPr>
+          <a:xfrm>
+            <a:off x="6338197" y="2515946"/>
+            <a:ext cx="4431496" cy="2520000"/>
+          </a:xfrm>
+          <a:prstGeom prst="rect">
+            <a:avLst/>
+          </a:prstGeom>
+        </p:spPr>
+      </p:pic>
+      <p:sp>
+        <p:nvSpPr>
+          <p:cNvPr id="10" name="TextBox 9">
+            <a:extLst>
+              <a:ext uri="{FF2B5EF4-FFF2-40B4-BE49-F238E27FC236}">
+                <a16:creationId xmlns:a16="http://schemas.microsoft.com/office/drawing/2014/main" id="{852A9612-8F37-B585-E3AF-1F4CD4720C06}"/>
+              </a:ext>
+            </a:extLst>
+          </p:cNvPr>
+          <p:cNvSpPr txBox="1"/>
+          <p:nvPr/>
+        </p:nvSpPr>
+        <p:spPr>
+          <a:xfrm>
+            <a:off x="6976541" y="5049763"/>
+            <a:ext cx="3248913" cy="246221"/>
+          </a:xfrm>
+          <a:prstGeom prst="rect">
+            <a:avLst/>
+          </a:prstGeom>
+          <a:noFill/>
+        </p:spPr>
+        <p:txBody>
+          <a:bodyPr wrap="square">
+            <a:spAutoFit/>
+          </a:bodyPr>
+          <a:lstStyle/>
+          <a:p>
+            <a:pPr algn="r"/>
+            <a:r>
+              <a:rPr lang="ko-KR" altLang="en-US" sz="1000"/>
+              <a:t>풍력 </a:t>
+            </a:r>
+            <a:r>
+              <a:rPr lang="en-US" altLang="ko-KR" sz="1000"/>
+              <a:t>VS </a:t>
+            </a:r>
+            <a:r>
+              <a:rPr lang="ko-KR" altLang="en-US" sz="1000"/>
+              <a:t>태양광 발전 설비 비교</a:t>
+            </a:r>
           </a:p>
         </p:txBody>
       </p:sp>
     </p:spTree>
     <p:extLst>
       <p:ext uri="{BB962C8B-B14F-4D97-AF65-F5344CB8AC3E}">
-        <p14:creationId xmlns:p14="http://schemas.microsoft.com/office/powerpoint/2010/main" val="3002335022"/>
+        <p14:creationId xmlns:p14="http://schemas.microsoft.com/office/powerpoint/2010/main" val="2356219939"/>
       </p:ext>
     </p:extLst>
   </p:cSld>
@@ -6668,7 +8391,7 @@
         <p:spPr>
           <a:xfrm>
             <a:off x="492575" y="391668"/>
-            <a:ext cx="2391302" cy="505267"/>
+            <a:ext cx="1793875" cy="513080"/>
           </a:xfrm>
           <a:prstGeom prst="rect">
             <a:avLst/>
@@ -6724,10 +8447,10 @@
                 <a:latin typeface="Malgun Gothic"/>
                 <a:ea typeface="맑은 고딕" panose="020B0503020000020004" pitchFamily="50" charset="-127"/>
               </a:rPr>
-              <a:t>본론</a:t>
-            </a:r>
-            <a:r>
-              <a:rPr kumimoji="0" lang="en-US" altLang="ko-KR" sz="3200" b="1" i="0" u="none" strike="noStrike" kern="0" cap="none" spc="-25" normalizeH="0" baseline="0" noProof="0">
+              <a:t>연구</a:t>
+            </a:r>
+            <a:r>
+              <a:rPr kumimoji="0" lang="ko-KR" altLang="en-US" sz="3200" b="1" i="0" u="none" strike="noStrike" kern="0" cap="none" spc="0" normalizeH="0" baseline="0" noProof="0">
                 <a:ln>
                   <a:noFill/>
                 </a:ln>
@@ -6740,7 +8463,7 @@
                 <a:latin typeface="Malgun Gothic"/>
                 <a:ea typeface="맑은 고딕" panose="020B0503020000020004" pitchFamily="50" charset="-127"/>
               </a:rPr>
-              <a:t>(</a:t>
+              <a:t>	</a:t>
             </a:r>
             <a:r>
               <a:rPr kumimoji="0" lang="ko-KR" altLang="en-US" sz="3200" b="1" i="0" u="none" strike="noStrike" kern="0" cap="none" spc="-25" normalizeH="0" baseline="0" noProof="0">
@@ -6756,23 +8479,7 @@
                 <a:latin typeface="Malgun Gothic"/>
                 <a:ea typeface="맑은 고딕" panose="020B0503020000020004" pitchFamily="50" charset="-127"/>
               </a:rPr>
-              <a:t>논문 </a:t>
-            </a:r>
-            <a:r>
-              <a:rPr kumimoji="0" lang="en-US" altLang="ko-KR" sz="3200" b="1" i="0" u="none" strike="noStrike" kern="0" cap="none" spc="-25" normalizeH="0" baseline="0" noProof="0">
-                <a:ln>
-                  <a:noFill/>
-                </a:ln>
-                <a:solidFill>
-                  <a:srgbClr val="001F60"/>
-                </a:solidFill>
-                <a:effectLst/>
-                <a:uLnTx/>
-                <a:uFillTx/>
-                <a:latin typeface="Malgun Gothic"/>
-                <a:ea typeface="맑은 고딕" panose="020B0503020000020004" pitchFamily="50" charset="-127"/>
-              </a:rPr>
-              <a:t>1)</a:t>
+              <a:t>배경</a:t>
             </a:r>
             <a:endParaRPr kumimoji="0" lang="ko-KR" altLang="en-US" sz="3200" b="1" i="0" u="none" strike="noStrike" kern="0" cap="none" spc="0" normalizeH="0" baseline="0" noProof="0" dirty="0">
               <a:ln>
@@ -6967,10 +8674,10 @@
       </p:grpSp>
       <p:sp>
         <p:nvSpPr>
-          <p:cNvPr id="5" name="TextBox 4">
-            <a:extLst>
-              <a:ext uri="{FF2B5EF4-FFF2-40B4-BE49-F238E27FC236}">
-                <a16:creationId xmlns:a16="http://schemas.microsoft.com/office/drawing/2014/main" id="{F2E7B266-169E-4100-7118-6F2682285D06}"/>
+          <p:cNvPr id="7" name="TextBox 6">
+            <a:extLst>
+              <a:ext uri="{FF2B5EF4-FFF2-40B4-BE49-F238E27FC236}">
+                <a16:creationId xmlns:a16="http://schemas.microsoft.com/office/drawing/2014/main" id="{C32BDAE3-8425-E8C0-3D82-A3DF9B086B90}"/>
               </a:ext>
             </a:extLst>
           </p:cNvPr>
@@ -6979,8 +8686,8 @@
         </p:nvSpPr>
         <p:spPr>
           <a:xfrm>
-            <a:off x="382785" y="1283678"/>
-            <a:ext cx="1398140" cy="369332"/>
+            <a:off x="430250" y="1178351"/>
+            <a:ext cx="4847802" cy="369332"/>
           </a:xfrm>
           <a:prstGeom prst="rect">
             <a:avLst/>
@@ -6994,24 +8701,29 @@
           <a:lstStyle/>
           <a:p>
             <a:r>
-              <a:rPr lang="ko-KR" altLang="en-US"/>
-              <a:t>논문 </a:t>
-            </a:r>
-            <a:r>
-              <a:rPr lang="en-US" altLang="ko-KR"/>
-              <a:t>1 </a:t>
-            </a:r>
-            <a:r>
-              <a:rPr lang="ko-KR" altLang="en-US"/>
-              <a:t>내용</a:t>
-            </a:r>
+              <a:rPr lang="ko-KR" altLang="en-US" b="1"/>
+              <a:t>신재생 에너지 </a:t>
+            </a:r>
+            <a:r>
+              <a:rPr lang="en-US" altLang="ko-KR" b="1"/>
+              <a:t>(</a:t>
+            </a:r>
+            <a:r>
+              <a:rPr lang="ko-KR" altLang="en-US" b="1"/>
+              <a:t>태양광 발전 풍력 발전 비교</a:t>
+            </a:r>
+            <a:r>
+              <a:rPr lang="en-US" altLang="ko-KR" b="1"/>
+              <a:t>)</a:t>
+            </a:r>
+            <a:endParaRPr lang="ko-KR" altLang="en-US" b="1"/>
           </a:p>
         </p:txBody>
       </p:sp>
     </p:spTree>
     <p:extLst>
       <p:ext uri="{BB962C8B-B14F-4D97-AF65-F5344CB8AC3E}">
-        <p14:creationId xmlns:p14="http://schemas.microsoft.com/office/powerpoint/2010/main" val="755595868"/>
+        <p14:creationId xmlns:p14="http://schemas.microsoft.com/office/powerpoint/2010/main" val="2833178517"/>
       </p:ext>
     </p:extLst>
   </p:cSld>
@@ -7055,7 +8767,7 @@
         <p:spPr>
           <a:xfrm>
             <a:off x="492575" y="391668"/>
-            <a:ext cx="2391302" cy="505267"/>
+            <a:ext cx="1793875" cy="513080"/>
           </a:xfrm>
           <a:prstGeom prst="rect">
             <a:avLst/>
@@ -7111,64 +8823,7 @@
                 <a:latin typeface="Malgun Gothic"/>
                 <a:ea typeface="맑은 고딕" panose="020B0503020000020004" pitchFamily="50" charset="-127"/>
               </a:rPr>
-              <a:t>본론</a:t>
-            </a:r>
-            <a:r>
-              <a:rPr kumimoji="0" lang="en-US" altLang="ko-KR" sz="3200" b="1" i="0" u="none" strike="noStrike" kern="0" cap="none" spc="-25" normalizeH="0" baseline="0" noProof="0">
-                <a:ln>
-                  <a:noFill/>
-                </a:ln>
-                <a:solidFill>
-                  <a:srgbClr val="001F60"/>
-                </a:solidFill>
-                <a:effectLst/>
-                <a:uLnTx/>
-                <a:uFillTx/>
-                <a:latin typeface="Malgun Gothic"/>
-                <a:ea typeface="맑은 고딕" panose="020B0503020000020004" pitchFamily="50" charset="-127"/>
-              </a:rPr>
-              <a:t>(</a:t>
-            </a:r>
-            <a:r>
-              <a:rPr kumimoji="0" lang="ko-KR" altLang="en-US" sz="3200" b="1" i="0" u="none" strike="noStrike" kern="0" cap="none" spc="-25" normalizeH="0" baseline="0" noProof="0">
-                <a:ln>
-                  <a:noFill/>
-                </a:ln>
-                <a:solidFill>
-                  <a:srgbClr val="001F60"/>
-                </a:solidFill>
-                <a:effectLst/>
-                <a:uLnTx/>
-                <a:uFillTx/>
-                <a:latin typeface="Malgun Gothic"/>
-                <a:ea typeface="맑은 고딕" panose="020B0503020000020004" pitchFamily="50" charset="-127"/>
-              </a:rPr>
-              <a:t>논문 </a:t>
-            </a:r>
-            <a:r>
-              <a:rPr lang="en-US" altLang="ko-KR" sz="3200" kern="0" spc="-25">
-                <a:solidFill>
-                  <a:srgbClr val="001F60"/>
-                </a:solidFill>
-                <a:ea typeface="맑은 고딕" panose="020B0503020000020004" pitchFamily="50" charset="-127"/>
-              </a:rPr>
-              <a:t>2</a:t>
-            </a:r>
-            <a:r>
-              <a:rPr kumimoji="0" lang="en-US" altLang="ko-KR" sz="3200" b="1" i="0" u="none" strike="noStrike" kern="0" cap="none" spc="-25" normalizeH="0" baseline="0" noProof="0">
-                <a:ln>
-                  <a:noFill/>
-                </a:ln>
-                <a:solidFill>
-                  <a:srgbClr val="001F60"/>
-                </a:solidFill>
-                <a:effectLst/>
-                <a:uLnTx/>
-                <a:uFillTx/>
-                <a:latin typeface="Malgun Gothic"/>
-                <a:ea typeface="맑은 고딕" panose="020B0503020000020004" pitchFamily="50" charset="-127"/>
-              </a:rPr>
-              <a:t>)</a:t>
+              <a:t>목적</a:t>
             </a:r>
             <a:endParaRPr kumimoji="0" lang="ko-KR" altLang="en-US" sz="3200" b="1" i="0" u="none" strike="noStrike" kern="0" cap="none" spc="0" normalizeH="0" baseline="0" noProof="0" dirty="0">
               <a:ln>
@@ -7376,7 +9031,7 @@
         <p:spPr>
           <a:xfrm>
             <a:off x="382785" y="1283678"/>
-            <a:ext cx="1398140" cy="369332"/>
+            <a:ext cx="11424922" cy="2308324"/>
           </a:xfrm>
           <a:prstGeom prst="rect">
             <a:avLst/>
@@ -7391,23 +9046,95 @@
           <a:p>
             <a:r>
               <a:rPr lang="ko-KR" altLang="en-US"/>
-              <a:t>논문 </a:t>
-            </a:r>
-            <a:r>
-              <a:rPr lang="en-US" altLang="ko-KR"/>
-              <a:t>2 </a:t>
-            </a:r>
+              <a:t>태양광 발전 시스템 운영을 위해서는 </a:t>
+            </a:r>
+            <a:r>
+              <a:rPr lang="ko-KR" altLang="en-US">
+                <a:effectLst/>
+              </a:rPr>
+              <a:t>사전에 정확한 단기 태양광 발전량을 예측하는 것이 중요</a:t>
+            </a:r>
+            <a:endParaRPr lang="en-US" altLang="ko-KR">
+              <a:effectLst/>
+            </a:endParaRPr>
+          </a:p>
+          <a:p>
+            <a:endParaRPr lang="en-US" altLang="ko-KR"/>
+          </a:p>
+          <a:p>
+            <a:r>
+              <a:rPr lang="ko-KR" altLang="en-US">
+                <a:effectLst/>
+              </a:rPr>
+              <a:t>태양광 발전량 예측 모델의 주요 요인인 일사량 정보를 수집하는 것이 필수</a:t>
+            </a:r>
+            <a:endParaRPr lang="en-US" altLang="ko-KR">
+              <a:effectLst/>
+            </a:endParaRPr>
+          </a:p>
+          <a:p>
+            <a:endParaRPr lang="en-US" altLang="ko-KR"/>
+          </a:p>
+          <a:p>
+            <a:r>
+              <a:rPr lang="ko-KR" altLang="en-US">
+                <a:effectLst/>
+              </a:rPr>
+              <a:t>기상청의 동네예보는 기온</a:t>
+            </a:r>
+            <a:r>
+              <a:rPr lang="en-US" altLang="ko-KR">
+                <a:effectLst/>
+              </a:rPr>
+              <a:t>, </a:t>
+            </a:r>
+            <a:r>
+              <a:rPr lang="ko-KR" altLang="en-US">
+                <a:effectLst/>
+              </a:rPr>
+              <a:t>습도와 같은 요인의 예측값은 제공하나</a:t>
+            </a:r>
+            <a:r>
+              <a:rPr lang="en-US" altLang="ko-KR">
+                <a:effectLst/>
+              </a:rPr>
+              <a:t>, </a:t>
+            </a:r>
+            <a:r>
+              <a:rPr lang="ko-KR" altLang="en-US">
+                <a:effectLst/>
+              </a:rPr>
+              <a:t>일사량에 대한 예측값은 제공하지 않는다</a:t>
+            </a:r>
+            <a:endParaRPr lang="en-US" altLang="ko-KR">
+              <a:effectLst/>
+            </a:endParaRPr>
+          </a:p>
+          <a:p>
+            <a:endParaRPr lang="en-US" altLang="ko-KR"/>
+          </a:p>
+          <a:p>
             <a:r>
               <a:rPr lang="ko-KR" altLang="en-US"/>
-              <a:t>내용</a:t>
-            </a:r>
+              <a:t>따라서 정확한 단기 일사량 예측 모델이 요구 </a:t>
+            </a:r>
+            <a:endParaRPr lang="en-US" altLang="ko-KR"/>
+          </a:p>
+          <a:p>
+            <a:r>
+              <a:rPr lang="ko-KR" altLang="en-US">
+                <a:effectLst/>
+              </a:rPr>
+              <a:t>국내 여러 기관에서 기계학습을 기반으로 일사량 예측 모델들을 보고</a:t>
+            </a:r>
+            <a:endParaRPr lang="ko-KR" altLang="en-US"/>
           </a:p>
         </p:txBody>
       </p:sp>
     </p:spTree>
     <p:extLst>
       <p:ext uri="{BB962C8B-B14F-4D97-AF65-F5344CB8AC3E}">
-        <p14:creationId xmlns:p14="http://schemas.microsoft.com/office/powerpoint/2010/main" val="3690033273"/>
+        <p14:creationId xmlns:p14="http://schemas.microsoft.com/office/powerpoint/2010/main" val="3002335022"/>
       </p:ext>
     </p:extLst>
   </p:cSld>
@@ -7542,15 +9269,6 @@
               <a:t>논문 </a:t>
             </a:r>
             <a:r>
-              <a:rPr lang="en-US" altLang="ko-KR" sz="3200" kern="0" spc="-25">
-                <a:solidFill>
-                  <a:srgbClr val="001F60"/>
-                </a:solidFill>
-                <a:ea typeface="맑은 고딕" panose="020B0503020000020004" pitchFamily="50" charset="-127"/>
-              </a:rPr>
-              <a:t>3</a:t>
-            </a:r>
-            <a:r>
               <a:rPr kumimoji="0" lang="en-US" altLang="ko-KR" sz="3200" b="1" i="0" u="none" strike="noStrike" kern="0" cap="none" spc="-25" normalizeH="0" baseline="0" noProof="0">
                 <a:ln>
                   <a:noFill/>
@@ -7564,7 +9282,7 @@
                 <a:latin typeface="Malgun Gothic"/>
                 <a:ea typeface="맑은 고딕" panose="020B0503020000020004" pitchFamily="50" charset="-127"/>
               </a:rPr>
-              <a:t>)</a:t>
+              <a:t>1)</a:t>
             </a:r>
             <a:endParaRPr kumimoji="0" lang="ko-KR" altLang="en-US" sz="3200" b="1" i="0" u="none" strike="noStrike" kern="0" cap="none" spc="0" normalizeH="0" baseline="0" noProof="0" dirty="0">
               <a:ln>
@@ -7791,7 +9509,7 @@
             </a:r>
             <a:r>
               <a:rPr lang="en-US" altLang="ko-KR"/>
-              <a:t>3 </a:t>
+              <a:t>1 </a:t>
             </a:r>
             <a:r>
               <a:rPr lang="ko-KR" altLang="en-US"/>
@@ -7803,7 +9521,7 @@
     </p:spTree>
     <p:extLst>
       <p:ext uri="{BB962C8B-B14F-4D97-AF65-F5344CB8AC3E}">
-        <p14:creationId xmlns:p14="http://schemas.microsoft.com/office/powerpoint/2010/main" val="1136774762"/>
+        <p14:creationId xmlns:p14="http://schemas.microsoft.com/office/powerpoint/2010/main" val="755595868"/>
       </p:ext>
     </p:extLst>
   </p:cSld>
@@ -7944,7 +9662,7 @@
                 </a:solidFill>
                 <a:ea typeface="맑은 고딕" panose="020B0503020000020004" pitchFamily="50" charset="-127"/>
               </a:rPr>
-              <a:t>4</a:t>
+              <a:t>2</a:t>
             </a:r>
             <a:r>
               <a:rPr kumimoji="0" lang="en-US" altLang="ko-KR" sz="3200" b="1" i="0" u="none" strike="noStrike" kern="0" cap="none" spc="-25" normalizeH="0" baseline="0" noProof="0">
@@ -8187,7 +9905,7 @@
             </a:r>
             <a:r>
               <a:rPr lang="en-US" altLang="ko-KR"/>
-              <a:t>4 </a:t>
+              <a:t>2 </a:t>
             </a:r>
             <a:r>
               <a:rPr lang="ko-KR" altLang="en-US"/>
@@ -8199,7 +9917,7 @@
     </p:spTree>
     <p:extLst>
       <p:ext uri="{BB962C8B-B14F-4D97-AF65-F5344CB8AC3E}">
-        <p14:creationId xmlns:p14="http://schemas.microsoft.com/office/powerpoint/2010/main" val="3627033606"/>
+        <p14:creationId xmlns:p14="http://schemas.microsoft.com/office/powerpoint/2010/main" val="3690033273"/>
       </p:ext>
     </p:extLst>
   </p:cSld>

--- a/KICS_PT/[KICS] 동향 poster.pptx
+++ b/KICS_PT/[KICS] 동향 poster.pptx
@@ -9,16 +9,15 @@
     <p:sldId id="257" r:id="rId3"/>
     <p:sldId id="265" r:id="rId4"/>
     <p:sldId id="263" r:id="rId5"/>
-    <p:sldId id="280" r:id="rId6"/>
-    <p:sldId id="281" r:id="rId7"/>
+    <p:sldId id="281" r:id="rId6"/>
+    <p:sldId id="280" r:id="rId7"/>
     <p:sldId id="266" r:id="rId8"/>
     <p:sldId id="267" r:id="rId9"/>
-    <p:sldId id="275" r:id="rId10"/>
-    <p:sldId id="276" r:id="rId11"/>
-    <p:sldId id="277" r:id="rId12"/>
-    <p:sldId id="278" r:id="rId13"/>
-    <p:sldId id="279" r:id="rId14"/>
-    <p:sldId id="274" r:id="rId15"/>
+    <p:sldId id="282" r:id="rId10"/>
+    <p:sldId id="283" r:id="rId11"/>
+    <p:sldId id="284" r:id="rId12"/>
+    <p:sldId id="285" r:id="rId13"/>
+    <p:sldId id="286" r:id="rId14"/>
   </p:sldIdLst>
   <p:sldSz cx="12192000" cy="6858000"/>
   <p:notesSz cx="6858000" cy="9144000"/>
@@ -3722,7 +3721,7 @@
         <p:spPr>
           <a:xfrm>
             <a:off x="492575" y="391668"/>
-            <a:ext cx="2391302" cy="505267"/>
+            <a:ext cx="12678302" cy="505267"/>
           </a:xfrm>
           <a:prstGeom prst="rect">
             <a:avLst/>
@@ -3765,7 +3764,34 @@
               <a:defRPr/>
             </a:pPr>
             <a:r>
-              <a:rPr kumimoji="0" lang="ko-KR" altLang="en-US" sz="3200" b="1" i="0" u="none" strike="noStrike" kern="0" cap="none" spc="-25" normalizeH="0" baseline="0" noProof="0">
+              <a:rPr lang="ko-KR" altLang="en-US" sz="3200" kern="0" spc="-25">
+                <a:solidFill>
+                  <a:srgbClr val="001F60"/>
+                </a:solidFill>
+                <a:ea typeface="맑은 고딕" panose="020B0503020000020004" pitchFamily="50" charset="-127"/>
+              </a:rPr>
+              <a:t>논문</a:t>
+            </a:r>
+            <a:r>
+              <a:rPr lang="en-US" altLang="ko-KR" sz="3200" kern="0" spc="-25">
+                <a:solidFill>
+                  <a:srgbClr val="001F60"/>
+                </a:solidFill>
+                <a:ea typeface="맑은 고딕" panose="020B0503020000020004" pitchFamily="50" charset="-127"/>
+              </a:rPr>
+              <a:t>3</a:t>
+            </a:r>
+            <a:r>
+              <a:rPr lang="ko-KR" altLang="en-US" sz="3200" kern="0" spc="-25">
+                <a:solidFill>
+                  <a:srgbClr val="001F60"/>
+                </a:solidFill>
+                <a:ea typeface="맑은 고딕" panose="020B0503020000020004" pitchFamily="50" charset="-127"/>
+              </a:rPr>
+              <a:t> </a:t>
+            </a:r>
+            <a:r>
+              <a:rPr kumimoji="0" lang="en-US" altLang="ko-KR" sz="1500" b="1" i="0" u="none" strike="noStrike" kern="0" cap="none" spc="-25" normalizeH="0" baseline="0" noProof="0">
                 <a:ln>
                   <a:noFill/>
                 </a:ln>
@@ -3778,10 +3804,19 @@
                 <a:latin typeface="Malgun Gothic"/>
                 <a:ea typeface="맑은 고딕" panose="020B0503020000020004" pitchFamily="50" charset="-127"/>
               </a:rPr>
-              <a:t>본론</a:t>
-            </a:r>
-            <a:r>
-              <a:rPr kumimoji="0" lang="en-US" altLang="ko-KR" sz="3200" b="1" i="0" u="none" strike="noStrike" kern="0" cap="none" spc="-25" normalizeH="0" baseline="0" noProof="0">
+              <a:t>(</a:t>
+            </a:r>
+            <a:r>
+              <a:rPr lang="ko-KR" altLang="en-US" sz="1500" kern="0" spc="-25">
+                <a:solidFill>
+                  <a:srgbClr val="001F60"/>
+                </a:solidFill>
+                <a:ea typeface="맑은 고딕" panose="020B0503020000020004" pitchFamily="50" charset="-127"/>
+              </a:rPr>
+              <a:t>조건부 랜덤 포레스트 기반의 설명 가능한 일사량 예측</a:t>
+            </a:r>
+            <a:r>
+              <a:rPr kumimoji="0" lang="en-US" altLang="ko-KR" sz="1500" b="1" i="0" u="none" strike="noStrike" kern="0" cap="none" spc="-25" normalizeH="0" baseline="0" noProof="0">
                 <a:ln>
                   <a:noFill/>
                 </a:ln>
@@ -3794,10 +3829,529 @@
                 <a:latin typeface="Malgun Gothic"/>
                 <a:ea typeface="맑은 고딕" panose="020B0503020000020004" pitchFamily="50" charset="-127"/>
               </a:rPr>
-              <a:t>(</a:t>
-            </a:r>
-            <a:r>
-              <a:rPr kumimoji="0" lang="ko-KR" altLang="en-US" sz="3200" b="1" i="0" u="none" strike="noStrike" kern="0" cap="none" spc="-25" normalizeH="0" baseline="0" noProof="0">
+              <a:t>)</a:t>
+            </a:r>
+            <a:endParaRPr kumimoji="0" lang="ko-KR" altLang="en-US" sz="1500" b="1" i="0" u="none" strike="noStrike" kern="0" cap="none" spc="0" normalizeH="0" baseline="0" noProof="0" dirty="0">
+              <a:ln>
+                <a:noFill/>
+              </a:ln>
+              <a:solidFill>
+                <a:sysClr val="windowText" lastClr="000000"/>
+              </a:solidFill>
+              <a:effectLst/>
+              <a:uLnTx/>
+              <a:uFillTx/>
+              <a:latin typeface="Malgun Gothic"/>
+              <a:ea typeface="맑은 고딕" panose="020B0503020000020004" pitchFamily="50" charset="-127"/>
+            </a:endParaRPr>
+          </a:p>
+        </p:txBody>
+      </p:sp>
+      <p:sp>
+        <p:nvSpPr>
+          <p:cNvPr id="19" name="object 6">
+            <a:extLst>
+              <a:ext uri="{FF2B5EF4-FFF2-40B4-BE49-F238E27FC236}">
+                <a16:creationId xmlns:a16="http://schemas.microsoft.com/office/drawing/2014/main" id="{C73C25E3-E198-4627-994A-E730949EA465}"/>
+              </a:ext>
+            </a:extLst>
+          </p:cNvPr>
+          <p:cNvSpPr/>
+          <p:nvPr/>
+        </p:nvSpPr>
+        <p:spPr>
+          <a:xfrm>
+            <a:off x="430250" y="985061"/>
+            <a:ext cx="11353800" cy="45720"/>
+          </a:xfrm>
+          <a:custGeom>
+            <a:avLst/>
+            <a:gdLst/>
+            <a:ahLst/>
+            <a:cxnLst/>
+            <a:rect l="l" t="t" r="r" b="b"/>
+            <a:pathLst>
+              <a:path w="11353800" h="45719">
+                <a:moveTo>
+                  <a:pt x="11353800" y="0"/>
+                </a:moveTo>
+                <a:lnTo>
+                  <a:pt x="0" y="0"/>
+                </a:lnTo>
+                <a:lnTo>
+                  <a:pt x="0" y="45718"/>
+                </a:lnTo>
+                <a:lnTo>
+                  <a:pt x="11353800" y="45718"/>
+                </a:lnTo>
+                <a:lnTo>
+                  <a:pt x="11353800" y="0"/>
+                </a:lnTo>
+                <a:close/>
+              </a:path>
+            </a:pathLst>
+          </a:custGeom>
+          <a:solidFill>
+            <a:srgbClr val="0C3F8B"/>
+          </a:solidFill>
+        </p:spPr>
+        <p:txBody>
+          <a:bodyPr wrap="square" lIns="0" tIns="0" rIns="0" bIns="0" rtlCol="0"/>
+          <a:lstStyle/>
+          <a:p>
+            <a:pPr marL="0" marR="0" lvl="0" indent="0" defTabSz="914400" eaLnBrk="1" fontAlgn="auto" latinLnBrk="0" hangingPunct="1">
+              <a:lnSpc>
+                <a:spcPct val="100000"/>
+              </a:lnSpc>
+              <a:spcBef>
+                <a:spcPts val="0"/>
+              </a:spcBef>
+              <a:spcAft>
+                <a:spcPts val="0"/>
+              </a:spcAft>
+              <a:buClrTx/>
+              <a:buSzTx/>
+              <a:buFontTx/>
+              <a:buNone/>
+              <a:tabLst/>
+              <a:defRPr/>
+            </a:pPr>
+            <a:endParaRPr kumimoji="0" sz="1800" b="0" i="0" u="none" strike="noStrike" kern="0" cap="none" spc="0" normalizeH="0" baseline="0" noProof="0">
+              <a:ln>
+                <a:noFill/>
+              </a:ln>
+              <a:solidFill>
+                <a:sysClr val="windowText" lastClr="000000"/>
+              </a:solidFill>
+              <a:effectLst/>
+              <a:uLnTx/>
+              <a:uFillTx/>
+            </a:endParaRPr>
+          </a:p>
+        </p:txBody>
+      </p:sp>
+      <p:pic>
+        <p:nvPicPr>
+          <p:cNvPr id="20" name="그림 19">
+            <a:extLst>
+              <a:ext uri="{FF2B5EF4-FFF2-40B4-BE49-F238E27FC236}">
+                <a16:creationId xmlns:a16="http://schemas.microsoft.com/office/drawing/2014/main" id="{A87EDB79-AE8E-46E3-B956-281C41A7ED3A}"/>
+              </a:ext>
+            </a:extLst>
+          </p:cNvPr>
+          <p:cNvPicPr>
+            <a:picLocks noChangeAspect="1"/>
+          </p:cNvPicPr>
+          <p:nvPr/>
+        </p:nvPicPr>
+        <p:blipFill rotWithShape="1">
+          <a:blip r:embed="rId2">
+            <a:extLst>
+              <a:ext uri="{28A0092B-C50C-407E-A947-70E740481C1C}">
+                <a14:useLocalDpi xmlns:a14="http://schemas.microsoft.com/office/drawing/2010/main" val="0"/>
+              </a:ext>
+            </a:extLst>
+          </a:blip>
+          <a:srcRect l="74535" t="3851" r="5686" b="50143"/>
+          <a:stretch/>
+        </p:blipFill>
+        <p:spPr>
+          <a:xfrm>
+            <a:off x="10225454" y="6479121"/>
+            <a:ext cx="703142" cy="304214"/>
+          </a:xfrm>
+          <a:prstGeom prst="rect">
+            <a:avLst/>
+          </a:prstGeom>
+        </p:spPr>
+      </p:pic>
+      <p:pic>
+        <p:nvPicPr>
+          <p:cNvPr id="21" name="그림 20">
+            <a:extLst>
+              <a:ext uri="{FF2B5EF4-FFF2-40B4-BE49-F238E27FC236}">
+                <a16:creationId xmlns:a16="http://schemas.microsoft.com/office/drawing/2014/main" id="{25EA5F27-CB8A-4DD7-A41E-73A6B46FF164}"/>
+              </a:ext>
+            </a:extLst>
+          </p:cNvPr>
+          <p:cNvPicPr>
+            <a:picLocks noChangeAspect="1"/>
+          </p:cNvPicPr>
+          <p:nvPr/>
+        </p:nvPicPr>
+        <p:blipFill>
+          <a:blip r:embed="rId3" cstate="hqprint">
+            <a:extLst>
+              <a:ext uri="{28A0092B-C50C-407E-A947-70E740481C1C}">
+                <a14:useLocalDpi xmlns:a14="http://schemas.microsoft.com/office/drawing/2010/main" val="0"/>
+              </a:ext>
+            </a:extLst>
+          </a:blip>
+          <a:stretch>
+            <a:fillRect/>
+          </a:stretch>
+        </p:blipFill>
+        <p:spPr>
+          <a:xfrm>
+            <a:off x="10928596" y="6521112"/>
+            <a:ext cx="1142740" cy="220232"/>
+          </a:xfrm>
+          <a:prstGeom prst="rect">
+            <a:avLst/>
+          </a:prstGeom>
+        </p:spPr>
+      </p:pic>
+      <p:sp>
+        <p:nvSpPr>
+          <p:cNvPr id="3" name="TextBox 2">
+            <a:extLst>
+              <a:ext uri="{FF2B5EF4-FFF2-40B4-BE49-F238E27FC236}">
+                <a16:creationId xmlns:a16="http://schemas.microsoft.com/office/drawing/2014/main" id="{715256BA-C9F5-C9BB-8E4F-24578961A48D}"/>
+              </a:ext>
+            </a:extLst>
+          </p:cNvPr>
+          <p:cNvSpPr txBox="1"/>
+          <p:nvPr/>
+        </p:nvSpPr>
+        <p:spPr>
+          <a:xfrm>
+            <a:off x="430250" y="1233120"/>
+            <a:ext cx="2589170" cy="369332"/>
+          </a:xfrm>
+          <a:prstGeom prst="rect">
+            <a:avLst/>
+          </a:prstGeom>
+          <a:noFill/>
+        </p:spPr>
+        <p:txBody>
+          <a:bodyPr wrap="none" rtlCol="0">
+            <a:spAutoFit/>
+          </a:bodyPr>
+          <a:lstStyle/>
+          <a:p>
+            <a:r>
+              <a:rPr lang="ko-KR" altLang="en-US" b="1"/>
+              <a:t>일사량 예측 모델 구성</a:t>
+            </a:r>
+          </a:p>
+        </p:txBody>
+      </p:sp>
+      <p:sp>
+        <p:nvSpPr>
+          <p:cNvPr id="7" name="TextBox 6">
+            <a:extLst>
+              <a:ext uri="{FF2B5EF4-FFF2-40B4-BE49-F238E27FC236}">
+                <a16:creationId xmlns:a16="http://schemas.microsoft.com/office/drawing/2014/main" id="{365A4A72-4240-F524-11FD-37957BE0E68C}"/>
+              </a:ext>
+            </a:extLst>
+          </p:cNvPr>
+          <p:cNvSpPr txBox="1"/>
+          <p:nvPr/>
+        </p:nvSpPr>
+        <p:spPr>
+          <a:xfrm>
+            <a:off x="792487" y="1598434"/>
+            <a:ext cx="6757427" cy="1700787"/>
+          </a:xfrm>
+          <a:prstGeom prst="rect">
+            <a:avLst/>
+          </a:prstGeom>
+          <a:noFill/>
+        </p:spPr>
+        <p:txBody>
+          <a:bodyPr wrap="none" rtlCol="0">
+            <a:spAutoFit/>
+          </a:bodyPr>
+          <a:lstStyle/>
+          <a:p>
+            <a:pPr marL="285750" indent="-285750">
+              <a:lnSpc>
+                <a:spcPct val="150000"/>
+              </a:lnSpc>
+              <a:buFontTx/>
+              <a:buChar char="-"/>
+            </a:pPr>
+            <a:r>
+              <a:rPr lang="ko-KR" altLang="en-US" b="1"/>
+              <a:t>조건부 랜덤 포레스트 </a:t>
+            </a:r>
+            <a:r>
+              <a:rPr lang="en-US" altLang="ko-KR" b="1"/>
+              <a:t>( Conditional Random Forests CRF )</a:t>
+            </a:r>
+          </a:p>
+          <a:p>
+            <a:pPr marL="285750" indent="-285750">
+              <a:lnSpc>
+                <a:spcPct val="150000"/>
+              </a:lnSpc>
+              <a:buFontTx/>
+              <a:buChar char="-"/>
+            </a:pPr>
+            <a:r>
+              <a:rPr lang="ko-KR" altLang="en-US"/>
+              <a:t>랜덤 포레스트 </a:t>
+            </a:r>
+            <a:r>
+              <a:rPr lang="en-US" altLang="ko-KR"/>
+              <a:t>( Random Forest RF )</a:t>
+            </a:r>
+          </a:p>
+          <a:p>
+            <a:pPr marL="285750" indent="-285750">
+              <a:lnSpc>
+                <a:spcPct val="150000"/>
+              </a:lnSpc>
+              <a:buFontTx/>
+              <a:buChar char="-"/>
+            </a:pPr>
+            <a:r>
+              <a:rPr lang="ko-KR" altLang="en-US"/>
+              <a:t>의사결정 나무</a:t>
+            </a:r>
+            <a:r>
+              <a:rPr lang="en-US" altLang="ko-KR"/>
+              <a:t> ( </a:t>
+            </a:r>
+            <a:r>
+              <a:rPr lang="en-US" altLang="ko-KR">
+                <a:solidFill>
+                  <a:srgbClr val="000000"/>
+                </a:solidFill>
+                <a:latin typeface="noto"/>
+              </a:rPr>
+              <a:t>D</a:t>
+            </a:r>
+            <a:r>
+              <a:rPr lang="en-US" altLang="ko-KR" b="0" i="0">
+                <a:solidFill>
+                  <a:srgbClr val="000000"/>
+                </a:solidFill>
+                <a:effectLst/>
+                <a:latin typeface="noto"/>
+              </a:rPr>
+              <a:t>ecision Tree</a:t>
+            </a:r>
+            <a:r>
+              <a:rPr lang="en-US" altLang="ko-KR"/>
+              <a:t> )</a:t>
+            </a:r>
+          </a:p>
+          <a:p>
+            <a:pPr marL="285750" indent="-285750">
+              <a:lnSpc>
+                <a:spcPct val="150000"/>
+              </a:lnSpc>
+              <a:buFontTx/>
+              <a:buChar char="-"/>
+            </a:pPr>
+            <a:r>
+              <a:rPr lang="en-US" altLang="ko-KR"/>
+              <a:t>GBM ( Gradient Boosting Machine )</a:t>
+            </a:r>
+          </a:p>
+        </p:txBody>
+      </p:sp>
+      <p:sp>
+        <p:nvSpPr>
+          <p:cNvPr id="2" name="TextBox 1">
+            <a:extLst>
+              <a:ext uri="{FF2B5EF4-FFF2-40B4-BE49-F238E27FC236}">
+                <a16:creationId xmlns:a16="http://schemas.microsoft.com/office/drawing/2014/main" id="{2754F44E-6980-FA8E-0CD6-3F2C5865C512}"/>
+              </a:ext>
+            </a:extLst>
+          </p:cNvPr>
+          <p:cNvSpPr txBox="1"/>
+          <p:nvPr/>
+        </p:nvSpPr>
+        <p:spPr>
+          <a:xfrm>
+            <a:off x="430250" y="3600637"/>
+            <a:ext cx="1420582" cy="369332"/>
+          </a:xfrm>
+          <a:prstGeom prst="rect">
+            <a:avLst/>
+          </a:prstGeom>
+          <a:noFill/>
+        </p:spPr>
+        <p:txBody>
+          <a:bodyPr wrap="none" rtlCol="0">
+            <a:spAutoFit/>
+          </a:bodyPr>
+          <a:lstStyle/>
+          <a:p>
+            <a:r>
+              <a:rPr lang="ko-KR" altLang="en-US" b="1"/>
+              <a:t>변수 중요도</a:t>
+            </a:r>
+          </a:p>
+        </p:txBody>
+      </p:sp>
+      <p:sp>
+        <p:nvSpPr>
+          <p:cNvPr id="5" name="TextBox 4">
+            <a:extLst>
+              <a:ext uri="{FF2B5EF4-FFF2-40B4-BE49-F238E27FC236}">
+                <a16:creationId xmlns:a16="http://schemas.microsoft.com/office/drawing/2014/main" id="{FBBEC2FB-B4C2-11C2-F337-BF7D6BBA7245}"/>
+              </a:ext>
+            </a:extLst>
+          </p:cNvPr>
+          <p:cNvSpPr txBox="1"/>
+          <p:nvPr/>
+        </p:nvSpPr>
+        <p:spPr>
+          <a:xfrm>
+            <a:off x="798349" y="4059057"/>
+            <a:ext cx="6205545" cy="454292"/>
+          </a:xfrm>
+          <a:prstGeom prst="rect">
+            <a:avLst/>
+          </a:prstGeom>
+          <a:noFill/>
+        </p:spPr>
+        <p:txBody>
+          <a:bodyPr wrap="none" rtlCol="0">
+            <a:spAutoFit/>
+          </a:bodyPr>
+          <a:lstStyle/>
+          <a:p>
+            <a:pPr marL="285750" indent="-285750">
+              <a:lnSpc>
+                <a:spcPct val="150000"/>
+              </a:lnSpc>
+              <a:buFontTx/>
+              <a:buChar char="-"/>
+            </a:pPr>
+            <a:r>
+              <a:rPr lang="ko-KR" altLang="en-US" b="1"/>
+              <a:t>강수량</a:t>
+            </a:r>
+            <a:r>
+              <a:rPr lang="ko-KR" altLang="en-US"/>
+              <a:t>의 학습 유무에 따라 변수 중요도가 달라짐 확인</a:t>
+            </a:r>
+            <a:endParaRPr lang="en-US" altLang="ko-KR"/>
+          </a:p>
+        </p:txBody>
+      </p:sp>
+    </p:spTree>
+    <p:extLst>
+      <p:ext uri="{BB962C8B-B14F-4D97-AF65-F5344CB8AC3E}">
+        <p14:creationId xmlns:p14="http://schemas.microsoft.com/office/powerpoint/2010/main" val="488849886"/>
+      </p:ext>
+    </p:extLst>
+  </p:cSld>
+  <p:clrMapOvr>
+    <a:masterClrMapping/>
+  </p:clrMapOvr>
+</p:sld>
+</file>
+
+<file path=ppt/slides/slide11.xml><?xml version="1.0" encoding="utf-8"?>
+<p:sld xmlns:a="http://schemas.openxmlformats.org/drawingml/2006/main" xmlns:r="http://schemas.openxmlformats.org/officeDocument/2006/relationships" xmlns:p="http://schemas.openxmlformats.org/presentationml/2006/main">
+  <p:cSld>
+    <p:spTree>
+      <p:nvGrpSpPr>
+        <p:cNvPr id="1" name=""/>
+        <p:cNvGrpSpPr/>
+        <p:nvPr/>
+      </p:nvGrpSpPr>
+      <p:grpSpPr>
+        <a:xfrm>
+          <a:off x="0" y="0"/>
+          <a:ext cx="0" cy="0"/>
+          <a:chOff x="0" y="0"/>
+          <a:chExt cx="0" cy="0"/>
+        </a:xfrm>
+      </p:grpSpPr>
+      <p:sp>
+        <p:nvSpPr>
+          <p:cNvPr id="15" name="object 2">
+            <a:extLst>
+              <a:ext uri="{FF2B5EF4-FFF2-40B4-BE49-F238E27FC236}">
+                <a16:creationId xmlns:a16="http://schemas.microsoft.com/office/drawing/2014/main" id="{63B42C9C-96BB-4869-81D8-DBA87F4A50BB}"/>
+              </a:ext>
+            </a:extLst>
+          </p:cNvPr>
+          <p:cNvSpPr txBox="1">
+            <a:spLocks/>
+          </p:cNvSpPr>
+          <p:nvPr/>
+        </p:nvSpPr>
+        <p:spPr>
+          <a:xfrm>
+            <a:off x="492575" y="391668"/>
+            <a:ext cx="12678302" cy="505267"/>
+          </a:xfrm>
+          <a:prstGeom prst="rect">
+            <a:avLst/>
+          </a:prstGeom>
+        </p:spPr>
+        <p:txBody>
+          <a:bodyPr vert="horz" wrap="square" lIns="0" tIns="12700" rIns="0" bIns="0" rtlCol="0">
+            <a:spAutoFit/>
+          </a:bodyPr>
+          <a:lstStyle>
+            <a:lvl1pPr>
+              <a:defRPr sz="3600" b="1" i="0">
+                <a:solidFill>
+                  <a:schemeClr val="tx1"/>
+                </a:solidFill>
+                <a:latin typeface="Malgun Gothic"/>
+                <a:ea typeface="+mj-ea"/>
+                <a:cs typeface="Malgun Gothic"/>
+              </a:defRPr>
+            </a:lvl1pPr>
+          </a:lstStyle>
+          <a:p>
+            <a:pPr marL="12700" marR="0" lvl="0" indent="0" defTabSz="914400" eaLnBrk="1" fontAlgn="auto" latinLnBrk="0" hangingPunct="1">
+              <a:lnSpc>
+                <a:spcPct val="100000"/>
+              </a:lnSpc>
+              <a:spcBef>
+                <a:spcPts val="100"/>
+              </a:spcBef>
+              <a:spcAft>
+                <a:spcPts val="0"/>
+              </a:spcAft>
+              <a:buClrTx/>
+              <a:buSzTx/>
+              <a:buFontTx/>
+              <a:buNone/>
+              <a:tabLst>
+                <a:tab pos="967740" algn="l"/>
+              </a:tabLst>
+              <a:defRPr/>
+            </a:pPr>
+            <a:r>
+              <a:rPr lang="ko-KR" altLang="en-US" sz="3200" kern="0" spc="-25">
+                <a:solidFill>
+                  <a:srgbClr val="001F60"/>
+                </a:solidFill>
+                <a:ea typeface="맑은 고딕" panose="020B0503020000020004" pitchFamily="50" charset="-127"/>
+              </a:rPr>
+              <a:t>논문</a:t>
+            </a:r>
+            <a:r>
+              <a:rPr lang="en-US" altLang="ko-KR" sz="3200" kern="0" spc="-25">
+                <a:solidFill>
+                  <a:srgbClr val="001F60"/>
+                </a:solidFill>
+                <a:ea typeface="맑은 고딕" panose="020B0503020000020004" pitchFamily="50" charset="-127"/>
+              </a:rPr>
+              <a:t>4</a:t>
+            </a:r>
+            <a:r>
+              <a:rPr lang="ko-KR" altLang="en-US" sz="3200" kern="0" spc="-25">
+                <a:solidFill>
+                  <a:srgbClr val="001F60"/>
+                </a:solidFill>
+                <a:ea typeface="맑은 고딕" panose="020B0503020000020004" pitchFamily="50" charset="-127"/>
+              </a:rPr>
+              <a:t> </a:t>
+            </a:r>
+            <a:r>
+              <a:rPr kumimoji="0" lang="en-US" altLang="ko-KR" sz="1500" b="1" i="0" u="none" strike="noStrike" kern="0" cap="none" spc="-25" normalizeH="0" baseline="0" noProof="0">
                 <a:ln>
                   <a:noFill/>
                 </a:ln>
@@ -3810,19 +4364,10 @@
                 <a:latin typeface="Malgun Gothic"/>
                 <a:ea typeface="맑은 고딕" panose="020B0503020000020004" pitchFamily="50" charset="-127"/>
               </a:rPr>
-              <a:t>논문 </a:t>
-            </a:r>
-            <a:r>
-              <a:rPr lang="en-US" altLang="ko-KR" sz="3200" kern="0" spc="-25">
-                <a:solidFill>
-                  <a:srgbClr val="001F60"/>
-                </a:solidFill>
-                <a:ea typeface="맑은 고딕" panose="020B0503020000020004" pitchFamily="50" charset="-127"/>
-              </a:rPr>
-              <a:t>3</a:t>
-            </a:r>
-            <a:r>
-              <a:rPr kumimoji="0" lang="en-US" altLang="ko-KR" sz="3200" b="1" i="0" u="none" strike="noStrike" kern="0" cap="none" spc="-25" normalizeH="0" baseline="0" noProof="0">
+              <a:t>(RNN-LSTM</a:t>
+            </a:r>
+            <a:r>
+              <a:rPr kumimoji="0" lang="ko-KR" altLang="en-US" sz="1500" b="1" i="0" u="none" strike="noStrike" kern="0" cap="none" spc="-25" normalizeH="0" baseline="0" noProof="0">
                 <a:ln>
                   <a:noFill/>
                 </a:ln>
@@ -3835,7 +4380,1587 @@
                 <a:latin typeface="Malgun Gothic"/>
                 <a:ea typeface="맑은 고딕" panose="020B0503020000020004" pitchFamily="50" charset="-127"/>
               </a:rPr>
+              <a:t>을 이용한 태양광 발전량 단기 예측 모델</a:t>
+            </a:r>
+            <a:r>
+              <a:rPr kumimoji="0" lang="en-US" altLang="ko-KR" sz="1500" b="1" i="0" u="none" strike="noStrike" kern="0" cap="none" spc="-25" normalizeH="0" baseline="0" noProof="0">
+                <a:ln>
+                  <a:noFill/>
+                </a:ln>
+                <a:solidFill>
+                  <a:srgbClr val="001F60"/>
+                </a:solidFill>
+                <a:effectLst/>
+                <a:uLnTx/>
+                <a:uFillTx/>
+                <a:latin typeface="Malgun Gothic"/>
+                <a:ea typeface="맑은 고딕" panose="020B0503020000020004" pitchFamily="50" charset="-127"/>
+              </a:rPr>
               <a:t>)</a:t>
+            </a:r>
+            <a:endParaRPr kumimoji="0" lang="ko-KR" altLang="en-US" sz="1500" b="1" i="0" u="none" strike="noStrike" kern="0" cap="none" spc="0" normalizeH="0" baseline="0" noProof="0" dirty="0">
+              <a:ln>
+                <a:noFill/>
+              </a:ln>
+              <a:solidFill>
+                <a:sysClr val="windowText" lastClr="000000"/>
+              </a:solidFill>
+              <a:effectLst/>
+              <a:uLnTx/>
+              <a:uFillTx/>
+              <a:latin typeface="Malgun Gothic"/>
+              <a:ea typeface="맑은 고딕" panose="020B0503020000020004" pitchFamily="50" charset="-127"/>
+            </a:endParaRPr>
+          </a:p>
+        </p:txBody>
+      </p:sp>
+      <p:sp>
+        <p:nvSpPr>
+          <p:cNvPr id="19" name="object 6">
+            <a:extLst>
+              <a:ext uri="{FF2B5EF4-FFF2-40B4-BE49-F238E27FC236}">
+                <a16:creationId xmlns:a16="http://schemas.microsoft.com/office/drawing/2014/main" id="{C73C25E3-E198-4627-994A-E730949EA465}"/>
+              </a:ext>
+            </a:extLst>
+          </p:cNvPr>
+          <p:cNvSpPr/>
+          <p:nvPr/>
+        </p:nvSpPr>
+        <p:spPr>
+          <a:xfrm>
+            <a:off x="430250" y="985061"/>
+            <a:ext cx="11353800" cy="45720"/>
+          </a:xfrm>
+          <a:custGeom>
+            <a:avLst/>
+            <a:gdLst/>
+            <a:ahLst/>
+            <a:cxnLst/>
+            <a:rect l="l" t="t" r="r" b="b"/>
+            <a:pathLst>
+              <a:path w="11353800" h="45719">
+                <a:moveTo>
+                  <a:pt x="11353800" y="0"/>
+                </a:moveTo>
+                <a:lnTo>
+                  <a:pt x="0" y="0"/>
+                </a:lnTo>
+                <a:lnTo>
+                  <a:pt x="0" y="45718"/>
+                </a:lnTo>
+                <a:lnTo>
+                  <a:pt x="11353800" y="45718"/>
+                </a:lnTo>
+                <a:lnTo>
+                  <a:pt x="11353800" y="0"/>
+                </a:lnTo>
+                <a:close/>
+              </a:path>
+            </a:pathLst>
+          </a:custGeom>
+          <a:solidFill>
+            <a:srgbClr val="0C3F8B"/>
+          </a:solidFill>
+        </p:spPr>
+        <p:txBody>
+          <a:bodyPr wrap="square" lIns="0" tIns="0" rIns="0" bIns="0" rtlCol="0"/>
+          <a:lstStyle/>
+          <a:p>
+            <a:pPr marL="0" marR="0" lvl="0" indent="0" defTabSz="914400" eaLnBrk="1" fontAlgn="auto" latinLnBrk="0" hangingPunct="1">
+              <a:lnSpc>
+                <a:spcPct val="100000"/>
+              </a:lnSpc>
+              <a:spcBef>
+                <a:spcPts val="0"/>
+              </a:spcBef>
+              <a:spcAft>
+                <a:spcPts val="0"/>
+              </a:spcAft>
+              <a:buClrTx/>
+              <a:buSzTx/>
+              <a:buFontTx/>
+              <a:buNone/>
+              <a:tabLst/>
+              <a:defRPr/>
+            </a:pPr>
+            <a:endParaRPr kumimoji="0" sz="1800" b="0" i="0" u="none" strike="noStrike" kern="0" cap="none" spc="0" normalizeH="0" baseline="0" noProof="0">
+              <a:ln>
+                <a:noFill/>
+              </a:ln>
+              <a:solidFill>
+                <a:sysClr val="windowText" lastClr="000000"/>
+              </a:solidFill>
+              <a:effectLst/>
+              <a:uLnTx/>
+              <a:uFillTx/>
+            </a:endParaRPr>
+          </a:p>
+        </p:txBody>
+      </p:sp>
+      <p:pic>
+        <p:nvPicPr>
+          <p:cNvPr id="20" name="그림 19">
+            <a:extLst>
+              <a:ext uri="{FF2B5EF4-FFF2-40B4-BE49-F238E27FC236}">
+                <a16:creationId xmlns:a16="http://schemas.microsoft.com/office/drawing/2014/main" id="{A87EDB79-AE8E-46E3-B956-281C41A7ED3A}"/>
+              </a:ext>
+            </a:extLst>
+          </p:cNvPr>
+          <p:cNvPicPr>
+            <a:picLocks noChangeAspect="1"/>
+          </p:cNvPicPr>
+          <p:nvPr/>
+        </p:nvPicPr>
+        <p:blipFill rotWithShape="1">
+          <a:blip r:embed="rId2">
+            <a:extLst>
+              <a:ext uri="{28A0092B-C50C-407E-A947-70E740481C1C}">
+                <a14:useLocalDpi xmlns:a14="http://schemas.microsoft.com/office/drawing/2010/main" val="0"/>
+              </a:ext>
+            </a:extLst>
+          </a:blip>
+          <a:srcRect l="74535" t="3851" r="5686" b="50143"/>
+          <a:stretch/>
+        </p:blipFill>
+        <p:spPr>
+          <a:xfrm>
+            <a:off x="10225454" y="6479121"/>
+            <a:ext cx="703142" cy="304214"/>
+          </a:xfrm>
+          <a:prstGeom prst="rect">
+            <a:avLst/>
+          </a:prstGeom>
+        </p:spPr>
+      </p:pic>
+      <p:pic>
+        <p:nvPicPr>
+          <p:cNvPr id="21" name="그림 20">
+            <a:extLst>
+              <a:ext uri="{FF2B5EF4-FFF2-40B4-BE49-F238E27FC236}">
+                <a16:creationId xmlns:a16="http://schemas.microsoft.com/office/drawing/2014/main" id="{25EA5F27-CB8A-4DD7-A41E-73A6B46FF164}"/>
+              </a:ext>
+            </a:extLst>
+          </p:cNvPr>
+          <p:cNvPicPr>
+            <a:picLocks noChangeAspect="1"/>
+          </p:cNvPicPr>
+          <p:nvPr/>
+        </p:nvPicPr>
+        <p:blipFill>
+          <a:blip r:embed="rId3" cstate="hqprint">
+            <a:extLst>
+              <a:ext uri="{28A0092B-C50C-407E-A947-70E740481C1C}">
+                <a14:useLocalDpi xmlns:a14="http://schemas.microsoft.com/office/drawing/2010/main" val="0"/>
+              </a:ext>
+            </a:extLst>
+          </a:blip>
+          <a:stretch>
+            <a:fillRect/>
+          </a:stretch>
+        </p:blipFill>
+        <p:spPr>
+          <a:xfrm>
+            <a:off x="10928596" y="6521112"/>
+            <a:ext cx="1142740" cy="220232"/>
+          </a:xfrm>
+          <a:prstGeom prst="rect">
+            <a:avLst/>
+          </a:prstGeom>
+        </p:spPr>
+      </p:pic>
+      <p:sp>
+        <p:nvSpPr>
+          <p:cNvPr id="3" name="TextBox 2">
+            <a:extLst>
+              <a:ext uri="{FF2B5EF4-FFF2-40B4-BE49-F238E27FC236}">
+                <a16:creationId xmlns:a16="http://schemas.microsoft.com/office/drawing/2014/main" id="{715256BA-C9F5-C9BB-8E4F-24578961A48D}"/>
+              </a:ext>
+            </a:extLst>
+          </p:cNvPr>
+          <p:cNvSpPr txBox="1"/>
+          <p:nvPr/>
+        </p:nvSpPr>
+        <p:spPr>
+          <a:xfrm>
+            <a:off x="430250" y="1233120"/>
+            <a:ext cx="2589170" cy="369332"/>
+          </a:xfrm>
+          <a:prstGeom prst="rect">
+            <a:avLst/>
+          </a:prstGeom>
+          <a:noFill/>
+        </p:spPr>
+        <p:txBody>
+          <a:bodyPr wrap="none" rtlCol="0">
+            <a:spAutoFit/>
+          </a:bodyPr>
+          <a:lstStyle/>
+          <a:p>
+            <a:r>
+              <a:rPr lang="ko-KR" altLang="en-US" b="1"/>
+              <a:t>일사량 예측 모델 구성</a:t>
+            </a:r>
+          </a:p>
+        </p:txBody>
+      </p:sp>
+      <p:sp>
+        <p:nvSpPr>
+          <p:cNvPr id="7" name="TextBox 6">
+            <a:extLst>
+              <a:ext uri="{FF2B5EF4-FFF2-40B4-BE49-F238E27FC236}">
+                <a16:creationId xmlns:a16="http://schemas.microsoft.com/office/drawing/2014/main" id="{365A4A72-4240-F524-11FD-37957BE0E68C}"/>
+              </a:ext>
+            </a:extLst>
+          </p:cNvPr>
+          <p:cNvSpPr txBox="1"/>
+          <p:nvPr/>
+        </p:nvSpPr>
+        <p:spPr>
+          <a:xfrm>
+            <a:off x="792487" y="1598434"/>
+            <a:ext cx="4832028" cy="1285288"/>
+          </a:xfrm>
+          <a:prstGeom prst="rect">
+            <a:avLst/>
+          </a:prstGeom>
+          <a:noFill/>
+        </p:spPr>
+        <p:txBody>
+          <a:bodyPr wrap="none" rtlCol="0">
+            <a:spAutoFit/>
+          </a:bodyPr>
+          <a:lstStyle/>
+          <a:p>
+            <a:pPr marL="285750" indent="-285750">
+              <a:lnSpc>
+                <a:spcPct val="150000"/>
+              </a:lnSpc>
+              <a:buFontTx/>
+              <a:buChar char="-"/>
+            </a:pPr>
+            <a:r>
+              <a:rPr lang="ko-KR" altLang="en-US"/>
+              <a:t>심층 학습 </a:t>
+            </a:r>
+            <a:r>
+              <a:rPr lang="en-US" altLang="ko-KR"/>
+              <a:t>( Deep neural networks )</a:t>
+            </a:r>
+          </a:p>
+          <a:p>
+            <a:pPr marL="285750" indent="-285750">
+              <a:lnSpc>
+                <a:spcPct val="150000"/>
+              </a:lnSpc>
+              <a:buFontTx/>
+              <a:buChar char="-"/>
+            </a:pPr>
+            <a:r>
+              <a:rPr lang="ko-KR" altLang="en-US"/>
+              <a:t>순환 신경망 </a:t>
+            </a:r>
+            <a:r>
+              <a:rPr lang="en-US" altLang="ko-KR"/>
+              <a:t>( Recurrent Neural Network )</a:t>
+            </a:r>
+          </a:p>
+          <a:p>
+            <a:pPr marL="285750" indent="-285750">
+              <a:lnSpc>
+                <a:spcPct val="150000"/>
+              </a:lnSpc>
+              <a:buFontTx/>
+              <a:buChar char="-"/>
+            </a:pPr>
+            <a:r>
+              <a:rPr lang="en-US" altLang="ko-KR" b="1"/>
+              <a:t>LSTM ( Long Short – Term Memory )</a:t>
+            </a:r>
+          </a:p>
+        </p:txBody>
+      </p:sp>
+    </p:spTree>
+    <p:extLst>
+      <p:ext uri="{BB962C8B-B14F-4D97-AF65-F5344CB8AC3E}">
+        <p14:creationId xmlns:p14="http://schemas.microsoft.com/office/powerpoint/2010/main" val="3387278628"/>
+      </p:ext>
+    </p:extLst>
+  </p:cSld>
+  <p:clrMapOvr>
+    <a:masterClrMapping/>
+  </p:clrMapOvr>
+</p:sld>
+</file>
+
+<file path=ppt/slides/slide12.xml><?xml version="1.0" encoding="utf-8"?>
+<p:sld xmlns:a="http://schemas.openxmlformats.org/drawingml/2006/main" xmlns:r="http://schemas.openxmlformats.org/officeDocument/2006/relationships" xmlns:p="http://schemas.openxmlformats.org/presentationml/2006/main">
+  <p:cSld>
+    <p:spTree>
+      <p:nvGrpSpPr>
+        <p:cNvPr id="1" name=""/>
+        <p:cNvGrpSpPr/>
+        <p:nvPr/>
+      </p:nvGrpSpPr>
+      <p:grpSpPr>
+        <a:xfrm>
+          <a:off x="0" y="0"/>
+          <a:ext cx="0" cy="0"/>
+          <a:chOff x="0" y="0"/>
+          <a:chExt cx="0" cy="0"/>
+        </a:xfrm>
+      </p:grpSpPr>
+      <p:sp>
+        <p:nvSpPr>
+          <p:cNvPr id="15" name="object 2">
+            <a:extLst>
+              <a:ext uri="{FF2B5EF4-FFF2-40B4-BE49-F238E27FC236}">
+                <a16:creationId xmlns:a16="http://schemas.microsoft.com/office/drawing/2014/main" id="{63B42C9C-96BB-4869-81D8-DBA87F4A50BB}"/>
+              </a:ext>
+            </a:extLst>
+          </p:cNvPr>
+          <p:cNvSpPr txBox="1">
+            <a:spLocks/>
+          </p:cNvSpPr>
+          <p:nvPr/>
+        </p:nvSpPr>
+        <p:spPr>
+          <a:xfrm>
+            <a:off x="492575" y="391668"/>
+            <a:ext cx="12678302" cy="505267"/>
+          </a:xfrm>
+          <a:prstGeom prst="rect">
+            <a:avLst/>
+          </a:prstGeom>
+        </p:spPr>
+        <p:txBody>
+          <a:bodyPr vert="horz" wrap="square" lIns="0" tIns="12700" rIns="0" bIns="0" rtlCol="0">
+            <a:spAutoFit/>
+          </a:bodyPr>
+          <a:lstStyle>
+            <a:lvl1pPr>
+              <a:defRPr sz="3600" b="1" i="0">
+                <a:solidFill>
+                  <a:schemeClr val="tx1"/>
+                </a:solidFill>
+                <a:latin typeface="Malgun Gothic"/>
+                <a:ea typeface="+mj-ea"/>
+                <a:cs typeface="Malgun Gothic"/>
+              </a:defRPr>
+            </a:lvl1pPr>
+          </a:lstStyle>
+          <a:p>
+            <a:pPr marL="12700" marR="0" lvl="0" indent="0" defTabSz="914400" eaLnBrk="1" fontAlgn="auto" latinLnBrk="0" hangingPunct="1">
+              <a:lnSpc>
+                <a:spcPct val="100000"/>
+              </a:lnSpc>
+              <a:spcBef>
+                <a:spcPts val="100"/>
+              </a:spcBef>
+              <a:spcAft>
+                <a:spcPts val="0"/>
+              </a:spcAft>
+              <a:buClrTx/>
+              <a:buSzTx/>
+              <a:buFontTx/>
+              <a:buNone/>
+              <a:tabLst>
+                <a:tab pos="967740" algn="l"/>
+              </a:tabLst>
+              <a:defRPr/>
+            </a:pPr>
+            <a:r>
+              <a:rPr lang="ko-KR" altLang="en-US" sz="3200" kern="0" spc="-25">
+                <a:solidFill>
+                  <a:srgbClr val="001F60"/>
+                </a:solidFill>
+                <a:ea typeface="맑은 고딕" panose="020B0503020000020004" pitchFamily="50" charset="-127"/>
+              </a:rPr>
+              <a:t>논문</a:t>
+            </a:r>
+            <a:r>
+              <a:rPr lang="en-US" altLang="ko-KR" sz="3200" kern="0" spc="-25">
+                <a:solidFill>
+                  <a:srgbClr val="001F60"/>
+                </a:solidFill>
+                <a:ea typeface="맑은 고딕" panose="020B0503020000020004" pitchFamily="50" charset="-127"/>
+              </a:rPr>
+              <a:t>5</a:t>
+            </a:r>
+            <a:r>
+              <a:rPr lang="ko-KR" altLang="en-US" sz="3200" kern="0" spc="-25">
+                <a:solidFill>
+                  <a:srgbClr val="001F60"/>
+                </a:solidFill>
+                <a:ea typeface="맑은 고딕" panose="020B0503020000020004" pitchFamily="50" charset="-127"/>
+              </a:rPr>
+              <a:t> </a:t>
+            </a:r>
+            <a:r>
+              <a:rPr kumimoji="0" lang="en-US" altLang="ko-KR" sz="1500" b="1" i="0" u="none" strike="noStrike" kern="0" cap="none" spc="-25" normalizeH="0" baseline="0" noProof="0">
+                <a:ln>
+                  <a:noFill/>
+                </a:ln>
+                <a:solidFill>
+                  <a:srgbClr val="001F60"/>
+                </a:solidFill>
+                <a:effectLst/>
+                <a:uLnTx/>
+                <a:uFillTx/>
+                <a:latin typeface="Malgun Gothic"/>
+                <a:ea typeface="맑은 고딕" panose="020B0503020000020004" pitchFamily="50" charset="-127"/>
+              </a:rPr>
+              <a:t>(</a:t>
+            </a:r>
+            <a:r>
+              <a:rPr kumimoji="0" lang="ko-KR" altLang="en-US" sz="1500" b="1" i="0" u="none" strike="noStrike" kern="0" cap="none" spc="-25" normalizeH="0" baseline="0" noProof="0">
+                <a:ln>
+                  <a:noFill/>
+                </a:ln>
+                <a:solidFill>
+                  <a:srgbClr val="001F60"/>
+                </a:solidFill>
+                <a:effectLst/>
+                <a:uLnTx/>
+                <a:uFillTx/>
+                <a:latin typeface="Malgun Gothic"/>
+                <a:ea typeface="맑은 고딕" panose="020B0503020000020004" pitchFamily="50" charset="-127"/>
+              </a:rPr>
+              <a:t>기상 위성을 이용한 태양광 발전 일사량 예측</a:t>
+            </a:r>
+            <a:r>
+              <a:rPr kumimoji="0" lang="en-US" altLang="ko-KR" sz="1500" b="1" i="0" u="none" strike="noStrike" kern="0" cap="none" spc="-25" normalizeH="0" baseline="0" noProof="0">
+                <a:ln>
+                  <a:noFill/>
+                </a:ln>
+                <a:solidFill>
+                  <a:srgbClr val="001F60"/>
+                </a:solidFill>
+                <a:effectLst/>
+                <a:uLnTx/>
+                <a:uFillTx/>
+                <a:latin typeface="Malgun Gothic"/>
+                <a:ea typeface="맑은 고딕" panose="020B0503020000020004" pitchFamily="50" charset="-127"/>
+              </a:rPr>
+              <a:t>)</a:t>
+            </a:r>
+            <a:endParaRPr kumimoji="0" lang="ko-KR" altLang="en-US" sz="1500" b="1" i="0" u="none" strike="noStrike" kern="0" cap="none" spc="0" normalizeH="0" baseline="0" noProof="0" dirty="0">
+              <a:ln>
+                <a:noFill/>
+              </a:ln>
+              <a:solidFill>
+                <a:sysClr val="windowText" lastClr="000000"/>
+              </a:solidFill>
+              <a:effectLst/>
+              <a:uLnTx/>
+              <a:uFillTx/>
+              <a:latin typeface="Malgun Gothic"/>
+              <a:ea typeface="맑은 고딕" panose="020B0503020000020004" pitchFamily="50" charset="-127"/>
+            </a:endParaRPr>
+          </a:p>
+        </p:txBody>
+      </p:sp>
+      <p:sp>
+        <p:nvSpPr>
+          <p:cNvPr id="19" name="object 6">
+            <a:extLst>
+              <a:ext uri="{FF2B5EF4-FFF2-40B4-BE49-F238E27FC236}">
+                <a16:creationId xmlns:a16="http://schemas.microsoft.com/office/drawing/2014/main" id="{C73C25E3-E198-4627-994A-E730949EA465}"/>
+              </a:ext>
+            </a:extLst>
+          </p:cNvPr>
+          <p:cNvSpPr/>
+          <p:nvPr/>
+        </p:nvSpPr>
+        <p:spPr>
+          <a:xfrm>
+            <a:off x="430250" y="985061"/>
+            <a:ext cx="11353800" cy="45720"/>
+          </a:xfrm>
+          <a:custGeom>
+            <a:avLst/>
+            <a:gdLst/>
+            <a:ahLst/>
+            <a:cxnLst/>
+            <a:rect l="l" t="t" r="r" b="b"/>
+            <a:pathLst>
+              <a:path w="11353800" h="45719">
+                <a:moveTo>
+                  <a:pt x="11353800" y="0"/>
+                </a:moveTo>
+                <a:lnTo>
+                  <a:pt x="0" y="0"/>
+                </a:lnTo>
+                <a:lnTo>
+                  <a:pt x="0" y="45718"/>
+                </a:lnTo>
+                <a:lnTo>
+                  <a:pt x="11353800" y="45718"/>
+                </a:lnTo>
+                <a:lnTo>
+                  <a:pt x="11353800" y="0"/>
+                </a:lnTo>
+                <a:close/>
+              </a:path>
+            </a:pathLst>
+          </a:custGeom>
+          <a:solidFill>
+            <a:srgbClr val="0C3F8B"/>
+          </a:solidFill>
+        </p:spPr>
+        <p:txBody>
+          <a:bodyPr wrap="square" lIns="0" tIns="0" rIns="0" bIns="0" rtlCol="0"/>
+          <a:lstStyle/>
+          <a:p>
+            <a:pPr marL="0" marR="0" lvl="0" indent="0" defTabSz="914400" eaLnBrk="1" fontAlgn="auto" latinLnBrk="0" hangingPunct="1">
+              <a:lnSpc>
+                <a:spcPct val="100000"/>
+              </a:lnSpc>
+              <a:spcBef>
+                <a:spcPts val="0"/>
+              </a:spcBef>
+              <a:spcAft>
+                <a:spcPts val="0"/>
+              </a:spcAft>
+              <a:buClrTx/>
+              <a:buSzTx/>
+              <a:buFontTx/>
+              <a:buNone/>
+              <a:tabLst/>
+              <a:defRPr/>
+            </a:pPr>
+            <a:endParaRPr kumimoji="0" sz="1800" b="0" i="0" u="none" strike="noStrike" kern="0" cap="none" spc="0" normalizeH="0" baseline="0" noProof="0">
+              <a:ln>
+                <a:noFill/>
+              </a:ln>
+              <a:solidFill>
+                <a:sysClr val="windowText" lastClr="000000"/>
+              </a:solidFill>
+              <a:effectLst/>
+              <a:uLnTx/>
+              <a:uFillTx/>
+            </a:endParaRPr>
+          </a:p>
+        </p:txBody>
+      </p:sp>
+      <p:pic>
+        <p:nvPicPr>
+          <p:cNvPr id="20" name="그림 19">
+            <a:extLst>
+              <a:ext uri="{FF2B5EF4-FFF2-40B4-BE49-F238E27FC236}">
+                <a16:creationId xmlns:a16="http://schemas.microsoft.com/office/drawing/2014/main" id="{A87EDB79-AE8E-46E3-B956-281C41A7ED3A}"/>
+              </a:ext>
+            </a:extLst>
+          </p:cNvPr>
+          <p:cNvPicPr>
+            <a:picLocks noChangeAspect="1"/>
+          </p:cNvPicPr>
+          <p:nvPr/>
+        </p:nvPicPr>
+        <p:blipFill rotWithShape="1">
+          <a:blip r:embed="rId2">
+            <a:extLst>
+              <a:ext uri="{28A0092B-C50C-407E-A947-70E740481C1C}">
+                <a14:useLocalDpi xmlns:a14="http://schemas.microsoft.com/office/drawing/2010/main" val="0"/>
+              </a:ext>
+            </a:extLst>
+          </a:blip>
+          <a:srcRect l="74535" t="3851" r="5686" b="50143"/>
+          <a:stretch/>
+        </p:blipFill>
+        <p:spPr>
+          <a:xfrm>
+            <a:off x="10225454" y="6479121"/>
+            <a:ext cx="703142" cy="304214"/>
+          </a:xfrm>
+          <a:prstGeom prst="rect">
+            <a:avLst/>
+          </a:prstGeom>
+        </p:spPr>
+      </p:pic>
+      <p:pic>
+        <p:nvPicPr>
+          <p:cNvPr id="21" name="그림 20">
+            <a:extLst>
+              <a:ext uri="{FF2B5EF4-FFF2-40B4-BE49-F238E27FC236}">
+                <a16:creationId xmlns:a16="http://schemas.microsoft.com/office/drawing/2014/main" id="{25EA5F27-CB8A-4DD7-A41E-73A6B46FF164}"/>
+              </a:ext>
+            </a:extLst>
+          </p:cNvPr>
+          <p:cNvPicPr>
+            <a:picLocks noChangeAspect="1"/>
+          </p:cNvPicPr>
+          <p:nvPr/>
+        </p:nvPicPr>
+        <p:blipFill>
+          <a:blip r:embed="rId3" cstate="hqprint">
+            <a:extLst>
+              <a:ext uri="{28A0092B-C50C-407E-A947-70E740481C1C}">
+                <a14:useLocalDpi xmlns:a14="http://schemas.microsoft.com/office/drawing/2010/main" val="0"/>
+              </a:ext>
+            </a:extLst>
+          </a:blip>
+          <a:stretch>
+            <a:fillRect/>
+          </a:stretch>
+        </p:blipFill>
+        <p:spPr>
+          <a:xfrm>
+            <a:off x="10928596" y="6521112"/>
+            <a:ext cx="1142740" cy="220232"/>
+          </a:xfrm>
+          <a:prstGeom prst="rect">
+            <a:avLst/>
+          </a:prstGeom>
+        </p:spPr>
+      </p:pic>
+      <p:sp>
+        <p:nvSpPr>
+          <p:cNvPr id="3" name="TextBox 2">
+            <a:extLst>
+              <a:ext uri="{FF2B5EF4-FFF2-40B4-BE49-F238E27FC236}">
+                <a16:creationId xmlns:a16="http://schemas.microsoft.com/office/drawing/2014/main" id="{715256BA-C9F5-C9BB-8E4F-24578961A48D}"/>
+              </a:ext>
+            </a:extLst>
+          </p:cNvPr>
+          <p:cNvSpPr txBox="1"/>
+          <p:nvPr/>
+        </p:nvSpPr>
+        <p:spPr>
+          <a:xfrm>
+            <a:off x="364936" y="2281957"/>
+            <a:ext cx="2589170" cy="369332"/>
+          </a:xfrm>
+          <a:prstGeom prst="rect">
+            <a:avLst/>
+          </a:prstGeom>
+          <a:noFill/>
+        </p:spPr>
+        <p:txBody>
+          <a:bodyPr wrap="none" rtlCol="0">
+            <a:spAutoFit/>
+          </a:bodyPr>
+          <a:lstStyle/>
+          <a:p>
+            <a:r>
+              <a:rPr lang="ko-KR" altLang="en-US" b="1"/>
+              <a:t>일사량 예측 모델 구성</a:t>
+            </a:r>
+          </a:p>
+        </p:txBody>
+      </p:sp>
+      <p:sp>
+        <p:nvSpPr>
+          <p:cNvPr id="7" name="TextBox 6">
+            <a:extLst>
+              <a:ext uri="{FF2B5EF4-FFF2-40B4-BE49-F238E27FC236}">
+                <a16:creationId xmlns:a16="http://schemas.microsoft.com/office/drawing/2014/main" id="{365A4A72-4240-F524-11FD-37957BE0E68C}"/>
+              </a:ext>
+            </a:extLst>
+          </p:cNvPr>
+          <p:cNvSpPr txBox="1"/>
+          <p:nvPr/>
+        </p:nvSpPr>
+        <p:spPr>
+          <a:xfrm>
+            <a:off x="727173" y="2647271"/>
+            <a:ext cx="4290983" cy="454292"/>
+          </a:xfrm>
+          <a:prstGeom prst="rect">
+            <a:avLst/>
+          </a:prstGeom>
+          <a:noFill/>
+        </p:spPr>
+        <p:txBody>
+          <a:bodyPr wrap="none" rtlCol="0">
+            <a:spAutoFit/>
+          </a:bodyPr>
+          <a:lstStyle/>
+          <a:p>
+            <a:pPr marL="285750" indent="-285750">
+              <a:lnSpc>
+                <a:spcPct val="150000"/>
+              </a:lnSpc>
+              <a:buFontTx/>
+              <a:buChar char="-"/>
+            </a:pPr>
+            <a:r>
+              <a:rPr lang="en-US" altLang="ko-KR"/>
+              <a:t>CNN(Convolutional Neural Network)</a:t>
+            </a:r>
+          </a:p>
+        </p:txBody>
+      </p:sp>
+      <p:sp>
+        <p:nvSpPr>
+          <p:cNvPr id="2" name="TextBox 1">
+            <a:extLst>
+              <a:ext uri="{FF2B5EF4-FFF2-40B4-BE49-F238E27FC236}">
+                <a16:creationId xmlns:a16="http://schemas.microsoft.com/office/drawing/2014/main" id="{82CB5852-17AB-1A9F-34DC-605DEE4B829E}"/>
+              </a:ext>
+            </a:extLst>
+          </p:cNvPr>
+          <p:cNvSpPr txBox="1"/>
+          <p:nvPr/>
+        </p:nvSpPr>
+        <p:spPr>
+          <a:xfrm>
+            <a:off x="427261" y="3446693"/>
+            <a:ext cx="1712328" cy="369332"/>
+          </a:xfrm>
+          <a:prstGeom prst="rect">
+            <a:avLst/>
+          </a:prstGeom>
+          <a:noFill/>
+        </p:spPr>
+        <p:txBody>
+          <a:bodyPr wrap="none" rtlCol="0">
+            <a:spAutoFit/>
+          </a:bodyPr>
+          <a:lstStyle/>
+          <a:p>
+            <a:r>
+              <a:rPr lang="ko-KR" altLang="en-US" b="1"/>
+              <a:t>오차율</a:t>
+            </a:r>
+            <a:r>
+              <a:rPr lang="en-US" altLang="ko-KR" b="1"/>
+              <a:t>, </a:t>
+            </a:r>
+            <a:r>
+              <a:rPr lang="ko-KR" altLang="en-US" b="1"/>
+              <a:t>적중률</a:t>
+            </a:r>
+            <a:endParaRPr lang="en-US" altLang="ko-KR" b="1"/>
+          </a:p>
+        </p:txBody>
+      </p:sp>
+      <p:sp>
+        <p:nvSpPr>
+          <p:cNvPr id="4" name="TextBox 3">
+            <a:extLst>
+              <a:ext uri="{FF2B5EF4-FFF2-40B4-BE49-F238E27FC236}">
+                <a16:creationId xmlns:a16="http://schemas.microsoft.com/office/drawing/2014/main" id="{0A200CAA-87C4-9BA3-69D9-A1E0961B048B}"/>
+              </a:ext>
+            </a:extLst>
+          </p:cNvPr>
+          <p:cNvSpPr txBox="1"/>
+          <p:nvPr/>
+        </p:nvSpPr>
+        <p:spPr>
+          <a:xfrm>
+            <a:off x="727172" y="3896967"/>
+            <a:ext cx="2004075" cy="869790"/>
+          </a:xfrm>
+          <a:prstGeom prst="rect">
+            <a:avLst/>
+          </a:prstGeom>
+          <a:noFill/>
+        </p:spPr>
+        <p:txBody>
+          <a:bodyPr wrap="none" rtlCol="0">
+            <a:spAutoFit/>
+          </a:bodyPr>
+          <a:lstStyle/>
+          <a:p>
+            <a:pPr marL="285750" indent="-285750">
+              <a:lnSpc>
+                <a:spcPct val="150000"/>
+              </a:lnSpc>
+              <a:buFontTx/>
+              <a:buChar char="-"/>
+            </a:pPr>
+            <a:r>
+              <a:rPr lang="ko-KR" altLang="en-US"/>
+              <a:t>오차율 </a:t>
+            </a:r>
+            <a:r>
+              <a:rPr lang="en-US" altLang="ko-KR"/>
+              <a:t>: 0.58%</a:t>
+            </a:r>
+          </a:p>
+          <a:p>
+            <a:pPr marL="285750" indent="-285750">
+              <a:lnSpc>
+                <a:spcPct val="150000"/>
+              </a:lnSpc>
+              <a:buFontTx/>
+              <a:buChar char="-"/>
+            </a:pPr>
+            <a:r>
+              <a:rPr lang="ko-KR" altLang="en-US"/>
+              <a:t>적중률 </a:t>
+            </a:r>
+            <a:r>
+              <a:rPr lang="en-US" altLang="ko-KR"/>
+              <a:t>: 98%</a:t>
+            </a:r>
+          </a:p>
+        </p:txBody>
+      </p:sp>
+      <p:sp>
+        <p:nvSpPr>
+          <p:cNvPr id="5" name="TextBox 4">
+            <a:extLst>
+              <a:ext uri="{FF2B5EF4-FFF2-40B4-BE49-F238E27FC236}">
+                <a16:creationId xmlns:a16="http://schemas.microsoft.com/office/drawing/2014/main" id="{CF63EB62-FE78-5BAB-6ABC-7EBB3D0B4BD8}"/>
+              </a:ext>
+            </a:extLst>
+          </p:cNvPr>
+          <p:cNvSpPr txBox="1"/>
+          <p:nvPr/>
+        </p:nvSpPr>
+        <p:spPr>
+          <a:xfrm>
+            <a:off x="434624" y="1242065"/>
+            <a:ext cx="877163" cy="369332"/>
+          </a:xfrm>
+          <a:prstGeom prst="rect">
+            <a:avLst/>
+          </a:prstGeom>
+          <a:noFill/>
+        </p:spPr>
+        <p:txBody>
+          <a:bodyPr wrap="none" rtlCol="0">
+            <a:spAutoFit/>
+          </a:bodyPr>
+          <a:lstStyle/>
+          <a:p>
+            <a:r>
+              <a:rPr lang="ko-KR" altLang="en-US" b="1"/>
+              <a:t>데이터</a:t>
+            </a:r>
+          </a:p>
+        </p:txBody>
+      </p:sp>
+      <p:sp>
+        <p:nvSpPr>
+          <p:cNvPr id="6" name="TextBox 5">
+            <a:extLst>
+              <a:ext uri="{FF2B5EF4-FFF2-40B4-BE49-F238E27FC236}">
+                <a16:creationId xmlns:a16="http://schemas.microsoft.com/office/drawing/2014/main" id="{AB691F72-DF64-A8A0-E6BA-43D1B13ECEE1}"/>
+              </a:ext>
+            </a:extLst>
+          </p:cNvPr>
+          <p:cNvSpPr txBox="1"/>
+          <p:nvPr/>
+        </p:nvSpPr>
+        <p:spPr>
+          <a:xfrm>
+            <a:off x="727172" y="1570427"/>
+            <a:ext cx="9132628" cy="454292"/>
+          </a:xfrm>
+          <a:prstGeom prst="rect">
+            <a:avLst/>
+          </a:prstGeom>
+          <a:noFill/>
+        </p:spPr>
+        <p:txBody>
+          <a:bodyPr wrap="none" rtlCol="0">
+            <a:spAutoFit/>
+          </a:bodyPr>
+          <a:lstStyle/>
+          <a:p>
+            <a:pPr marL="285750" indent="-285750">
+              <a:lnSpc>
+                <a:spcPct val="150000"/>
+              </a:lnSpc>
+              <a:buFontTx/>
+              <a:buChar char="-"/>
+            </a:pPr>
+            <a:r>
+              <a:rPr lang="en-US" altLang="ko-KR"/>
+              <a:t>2011</a:t>
+            </a:r>
+            <a:r>
+              <a:rPr lang="ko-KR" altLang="en-US"/>
+              <a:t>년 </a:t>
+            </a:r>
+            <a:r>
+              <a:rPr lang="en-US" altLang="ko-KR"/>
+              <a:t>2017</a:t>
+            </a:r>
+            <a:r>
+              <a:rPr lang="ko-KR" altLang="en-US"/>
+              <a:t>년 까지의 국가기상위성센터에서 제공하는 표면도달일사량 이미지 사용</a:t>
+            </a:r>
+            <a:endParaRPr lang="en-US" altLang="ko-KR"/>
+          </a:p>
+        </p:txBody>
+      </p:sp>
+    </p:spTree>
+    <p:extLst>
+      <p:ext uri="{BB962C8B-B14F-4D97-AF65-F5344CB8AC3E}">
+        <p14:creationId xmlns:p14="http://schemas.microsoft.com/office/powerpoint/2010/main" val="1935979045"/>
+      </p:ext>
+    </p:extLst>
+  </p:cSld>
+  <p:clrMapOvr>
+    <a:masterClrMapping/>
+  </p:clrMapOvr>
+</p:sld>
+</file>
+
+<file path=ppt/slides/slide13.xml><?xml version="1.0" encoding="utf-8"?>
+<p:sld xmlns:a="http://schemas.openxmlformats.org/drawingml/2006/main" xmlns:r="http://schemas.openxmlformats.org/officeDocument/2006/relationships" xmlns:p="http://schemas.openxmlformats.org/presentationml/2006/main">
+  <p:cSld>
+    <p:spTree>
+      <p:nvGrpSpPr>
+        <p:cNvPr id="1" name=""/>
+        <p:cNvGrpSpPr/>
+        <p:nvPr/>
+      </p:nvGrpSpPr>
+      <p:grpSpPr>
+        <a:xfrm>
+          <a:off x="0" y="0"/>
+          <a:ext cx="0" cy="0"/>
+          <a:chOff x="0" y="0"/>
+          <a:chExt cx="0" cy="0"/>
+        </a:xfrm>
+      </p:grpSpPr>
+      <p:sp>
+        <p:nvSpPr>
+          <p:cNvPr id="15" name="object 2">
+            <a:extLst>
+              <a:ext uri="{FF2B5EF4-FFF2-40B4-BE49-F238E27FC236}">
+                <a16:creationId xmlns:a16="http://schemas.microsoft.com/office/drawing/2014/main" id="{63B42C9C-96BB-4869-81D8-DBA87F4A50BB}"/>
+              </a:ext>
+            </a:extLst>
+          </p:cNvPr>
+          <p:cNvSpPr txBox="1">
+            <a:spLocks/>
+          </p:cNvSpPr>
+          <p:nvPr/>
+        </p:nvSpPr>
+        <p:spPr>
+          <a:xfrm>
+            <a:off x="492575" y="391668"/>
+            <a:ext cx="12678302" cy="505267"/>
+          </a:xfrm>
+          <a:prstGeom prst="rect">
+            <a:avLst/>
+          </a:prstGeom>
+        </p:spPr>
+        <p:txBody>
+          <a:bodyPr vert="horz" wrap="square" lIns="0" tIns="12700" rIns="0" bIns="0" rtlCol="0">
+            <a:spAutoFit/>
+          </a:bodyPr>
+          <a:lstStyle>
+            <a:lvl1pPr>
+              <a:defRPr sz="3600" b="1" i="0">
+                <a:solidFill>
+                  <a:schemeClr val="tx1"/>
+                </a:solidFill>
+                <a:latin typeface="Malgun Gothic"/>
+                <a:ea typeface="+mj-ea"/>
+                <a:cs typeface="Malgun Gothic"/>
+              </a:defRPr>
+            </a:lvl1pPr>
+          </a:lstStyle>
+          <a:p>
+            <a:pPr marL="12700" marR="0" lvl="0" indent="0" defTabSz="914400" eaLnBrk="1" fontAlgn="auto" latinLnBrk="0" hangingPunct="1">
+              <a:lnSpc>
+                <a:spcPct val="100000"/>
+              </a:lnSpc>
+              <a:spcBef>
+                <a:spcPts val="100"/>
+              </a:spcBef>
+              <a:spcAft>
+                <a:spcPts val="0"/>
+              </a:spcAft>
+              <a:buClrTx/>
+              <a:buSzTx/>
+              <a:buFontTx/>
+              <a:buNone/>
+              <a:tabLst>
+                <a:tab pos="967740" algn="l"/>
+              </a:tabLst>
+              <a:defRPr/>
+            </a:pPr>
+            <a:r>
+              <a:rPr lang="ko-KR" altLang="en-US" sz="3200" kern="0" spc="-25">
+                <a:solidFill>
+                  <a:srgbClr val="001F60"/>
+                </a:solidFill>
+                <a:ea typeface="맑은 고딕" panose="020B0503020000020004" pitchFamily="50" charset="-127"/>
+              </a:rPr>
+              <a:t>논문</a:t>
+            </a:r>
+            <a:r>
+              <a:rPr lang="en-US" altLang="ko-KR" sz="3200" kern="0" spc="-25">
+                <a:solidFill>
+                  <a:srgbClr val="001F60"/>
+                </a:solidFill>
+                <a:ea typeface="맑은 고딕" panose="020B0503020000020004" pitchFamily="50" charset="-127"/>
+              </a:rPr>
+              <a:t>6</a:t>
+            </a:r>
+            <a:r>
+              <a:rPr lang="ko-KR" altLang="en-US" sz="3200" kern="0" spc="-25">
+                <a:solidFill>
+                  <a:srgbClr val="001F60"/>
+                </a:solidFill>
+                <a:ea typeface="맑은 고딕" panose="020B0503020000020004" pitchFamily="50" charset="-127"/>
+              </a:rPr>
+              <a:t> </a:t>
+            </a:r>
+            <a:r>
+              <a:rPr kumimoji="0" lang="en-US" altLang="ko-KR" sz="1500" b="1" i="0" u="none" strike="noStrike" kern="0" cap="none" spc="-25" normalizeH="0" baseline="0" noProof="0">
+                <a:ln>
+                  <a:noFill/>
+                </a:ln>
+                <a:solidFill>
+                  <a:srgbClr val="001F60"/>
+                </a:solidFill>
+                <a:effectLst/>
+                <a:uLnTx/>
+                <a:uFillTx/>
+                <a:latin typeface="Malgun Gothic"/>
+                <a:ea typeface="맑은 고딕" panose="020B0503020000020004" pitchFamily="50" charset="-127"/>
+              </a:rPr>
+              <a:t>(</a:t>
+            </a:r>
+            <a:r>
+              <a:rPr kumimoji="0" lang="ko-KR" altLang="en-US" sz="1500" b="1" i="0" u="none" strike="noStrike" kern="0" cap="none" spc="-25" normalizeH="0" baseline="0" noProof="0">
+                <a:ln>
+                  <a:noFill/>
+                </a:ln>
+                <a:solidFill>
+                  <a:srgbClr val="001F60"/>
+                </a:solidFill>
+                <a:effectLst/>
+                <a:uLnTx/>
+                <a:uFillTx/>
+                <a:latin typeface="Malgun Gothic"/>
+                <a:ea typeface="맑은 고딕" panose="020B0503020000020004" pitchFamily="50" charset="-127"/>
+              </a:rPr>
+              <a:t>스마트 아일랜드를 위한 주의 집중 메커니즘 기반의 확률론적 단기 일사량 예측 기법</a:t>
+            </a:r>
+            <a:r>
+              <a:rPr kumimoji="0" lang="en-US" altLang="ko-KR" sz="1500" b="1" i="0" u="none" strike="noStrike" kern="0" cap="none" spc="-25" normalizeH="0" baseline="0" noProof="0">
+                <a:ln>
+                  <a:noFill/>
+                </a:ln>
+                <a:solidFill>
+                  <a:srgbClr val="001F60"/>
+                </a:solidFill>
+                <a:effectLst/>
+                <a:uLnTx/>
+                <a:uFillTx/>
+                <a:latin typeface="Malgun Gothic"/>
+                <a:ea typeface="맑은 고딕" panose="020B0503020000020004" pitchFamily="50" charset="-127"/>
+              </a:rPr>
+              <a:t>)</a:t>
+            </a:r>
+            <a:endParaRPr kumimoji="0" lang="ko-KR" altLang="en-US" sz="1500" b="1" i="0" u="none" strike="noStrike" kern="0" cap="none" spc="0" normalizeH="0" baseline="0" noProof="0" dirty="0">
+              <a:ln>
+                <a:noFill/>
+              </a:ln>
+              <a:solidFill>
+                <a:sysClr val="windowText" lastClr="000000"/>
+              </a:solidFill>
+              <a:effectLst/>
+              <a:uLnTx/>
+              <a:uFillTx/>
+              <a:latin typeface="Malgun Gothic"/>
+              <a:ea typeface="맑은 고딕" panose="020B0503020000020004" pitchFamily="50" charset="-127"/>
+            </a:endParaRPr>
+          </a:p>
+        </p:txBody>
+      </p:sp>
+      <p:sp>
+        <p:nvSpPr>
+          <p:cNvPr id="19" name="object 6">
+            <a:extLst>
+              <a:ext uri="{FF2B5EF4-FFF2-40B4-BE49-F238E27FC236}">
+                <a16:creationId xmlns:a16="http://schemas.microsoft.com/office/drawing/2014/main" id="{C73C25E3-E198-4627-994A-E730949EA465}"/>
+              </a:ext>
+            </a:extLst>
+          </p:cNvPr>
+          <p:cNvSpPr/>
+          <p:nvPr/>
+        </p:nvSpPr>
+        <p:spPr>
+          <a:xfrm>
+            <a:off x="430250" y="985061"/>
+            <a:ext cx="11353800" cy="45720"/>
+          </a:xfrm>
+          <a:custGeom>
+            <a:avLst/>
+            <a:gdLst/>
+            <a:ahLst/>
+            <a:cxnLst/>
+            <a:rect l="l" t="t" r="r" b="b"/>
+            <a:pathLst>
+              <a:path w="11353800" h="45719">
+                <a:moveTo>
+                  <a:pt x="11353800" y="0"/>
+                </a:moveTo>
+                <a:lnTo>
+                  <a:pt x="0" y="0"/>
+                </a:lnTo>
+                <a:lnTo>
+                  <a:pt x="0" y="45718"/>
+                </a:lnTo>
+                <a:lnTo>
+                  <a:pt x="11353800" y="45718"/>
+                </a:lnTo>
+                <a:lnTo>
+                  <a:pt x="11353800" y="0"/>
+                </a:lnTo>
+                <a:close/>
+              </a:path>
+            </a:pathLst>
+          </a:custGeom>
+          <a:solidFill>
+            <a:srgbClr val="0C3F8B"/>
+          </a:solidFill>
+        </p:spPr>
+        <p:txBody>
+          <a:bodyPr wrap="square" lIns="0" tIns="0" rIns="0" bIns="0" rtlCol="0"/>
+          <a:lstStyle/>
+          <a:p>
+            <a:pPr marL="0" marR="0" lvl="0" indent="0" defTabSz="914400" eaLnBrk="1" fontAlgn="auto" latinLnBrk="0" hangingPunct="1">
+              <a:lnSpc>
+                <a:spcPct val="100000"/>
+              </a:lnSpc>
+              <a:spcBef>
+                <a:spcPts val="0"/>
+              </a:spcBef>
+              <a:spcAft>
+                <a:spcPts val="0"/>
+              </a:spcAft>
+              <a:buClrTx/>
+              <a:buSzTx/>
+              <a:buFontTx/>
+              <a:buNone/>
+              <a:tabLst/>
+              <a:defRPr/>
+            </a:pPr>
+            <a:endParaRPr kumimoji="0" sz="1800" b="0" i="0" u="none" strike="noStrike" kern="0" cap="none" spc="0" normalizeH="0" baseline="0" noProof="0">
+              <a:ln>
+                <a:noFill/>
+              </a:ln>
+              <a:solidFill>
+                <a:sysClr val="windowText" lastClr="000000"/>
+              </a:solidFill>
+              <a:effectLst/>
+              <a:uLnTx/>
+              <a:uFillTx/>
+            </a:endParaRPr>
+          </a:p>
+        </p:txBody>
+      </p:sp>
+      <p:pic>
+        <p:nvPicPr>
+          <p:cNvPr id="20" name="그림 19">
+            <a:extLst>
+              <a:ext uri="{FF2B5EF4-FFF2-40B4-BE49-F238E27FC236}">
+                <a16:creationId xmlns:a16="http://schemas.microsoft.com/office/drawing/2014/main" id="{A87EDB79-AE8E-46E3-B956-281C41A7ED3A}"/>
+              </a:ext>
+            </a:extLst>
+          </p:cNvPr>
+          <p:cNvPicPr>
+            <a:picLocks noChangeAspect="1"/>
+          </p:cNvPicPr>
+          <p:nvPr/>
+        </p:nvPicPr>
+        <p:blipFill rotWithShape="1">
+          <a:blip r:embed="rId2">
+            <a:extLst>
+              <a:ext uri="{28A0092B-C50C-407E-A947-70E740481C1C}">
+                <a14:useLocalDpi xmlns:a14="http://schemas.microsoft.com/office/drawing/2010/main" val="0"/>
+              </a:ext>
+            </a:extLst>
+          </a:blip>
+          <a:srcRect l="74535" t="3851" r="5686" b="50143"/>
+          <a:stretch/>
+        </p:blipFill>
+        <p:spPr>
+          <a:xfrm>
+            <a:off x="10225454" y="6479121"/>
+            <a:ext cx="703142" cy="304214"/>
+          </a:xfrm>
+          <a:prstGeom prst="rect">
+            <a:avLst/>
+          </a:prstGeom>
+        </p:spPr>
+      </p:pic>
+      <p:pic>
+        <p:nvPicPr>
+          <p:cNvPr id="21" name="그림 20">
+            <a:extLst>
+              <a:ext uri="{FF2B5EF4-FFF2-40B4-BE49-F238E27FC236}">
+                <a16:creationId xmlns:a16="http://schemas.microsoft.com/office/drawing/2014/main" id="{25EA5F27-CB8A-4DD7-A41E-73A6B46FF164}"/>
+              </a:ext>
+            </a:extLst>
+          </p:cNvPr>
+          <p:cNvPicPr>
+            <a:picLocks noChangeAspect="1"/>
+          </p:cNvPicPr>
+          <p:nvPr/>
+        </p:nvPicPr>
+        <p:blipFill>
+          <a:blip r:embed="rId3" cstate="hqprint">
+            <a:extLst>
+              <a:ext uri="{28A0092B-C50C-407E-A947-70E740481C1C}">
+                <a14:useLocalDpi xmlns:a14="http://schemas.microsoft.com/office/drawing/2010/main" val="0"/>
+              </a:ext>
+            </a:extLst>
+          </a:blip>
+          <a:stretch>
+            <a:fillRect/>
+          </a:stretch>
+        </p:blipFill>
+        <p:spPr>
+          <a:xfrm>
+            <a:off x="10928596" y="6521112"/>
+            <a:ext cx="1142740" cy="220232"/>
+          </a:xfrm>
+          <a:prstGeom prst="rect">
+            <a:avLst/>
+          </a:prstGeom>
+        </p:spPr>
+      </p:pic>
+      <p:sp>
+        <p:nvSpPr>
+          <p:cNvPr id="3" name="TextBox 2">
+            <a:extLst>
+              <a:ext uri="{FF2B5EF4-FFF2-40B4-BE49-F238E27FC236}">
+                <a16:creationId xmlns:a16="http://schemas.microsoft.com/office/drawing/2014/main" id="{715256BA-C9F5-C9BB-8E4F-24578961A48D}"/>
+              </a:ext>
+            </a:extLst>
+          </p:cNvPr>
+          <p:cNvSpPr txBox="1"/>
+          <p:nvPr/>
+        </p:nvSpPr>
+        <p:spPr>
+          <a:xfrm>
+            <a:off x="514227" y="2617853"/>
+            <a:ext cx="2589170" cy="369332"/>
+          </a:xfrm>
+          <a:prstGeom prst="rect">
+            <a:avLst/>
+          </a:prstGeom>
+          <a:noFill/>
+        </p:spPr>
+        <p:txBody>
+          <a:bodyPr wrap="none" rtlCol="0">
+            <a:spAutoFit/>
+          </a:bodyPr>
+          <a:lstStyle/>
+          <a:p>
+            <a:r>
+              <a:rPr lang="ko-KR" altLang="en-US" b="1"/>
+              <a:t>일사량 예측 모델 구성</a:t>
+            </a:r>
+          </a:p>
+        </p:txBody>
+      </p:sp>
+      <p:sp>
+        <p:nvSpPr>
+          <p:cNvPr id="7" name="TextBox 6">
+            <a:extLst>
+              <a:ext uri="{FF2B5EF4-FFF2-40B4-BE49-F238E27FC236}">
+                <a16:creationId xmlns:a16="http://schemas.microsoft.com/office/drawing/2014/main" id="{365A4A72-4240-F524-11FD-37957BE0E68C}"/>
+              </a:ext>
+            </a:extLst>
+          </p:cNvPr>
+          <p:cNvSpPr txBox="1"/>
+          <p:nvPr/>
+        </p:nvSpPr>
+        <p:spPr>
+          <a:xfrm>
+            <a:off x="876464" y="2983167"/>
+            <a:ext cx="5070555" cy="1700787"/>
+          </a:xfrm>
+          <a:prstGeom prst="rect">
+            <a:avLst/>
+          </a:prstGeom>
+          <a:noFill/>
+        </p:spPr>
+        <p:txBody>
+          <a:bodyPr wrap="none" rtlCol="0">
+            <a:spAutoFit/>
+          </a:bodyPr>
+          <a:lstStyle/>
+          <a:p>
+            <a:pPr marL="285750" indent="-285750">
+              <a:lnSpc>
+                <a:spcPct val="150000"/>
+              </a:lnSpc>
+              <a:buFontTx/>
+              <a:buChar char="-"/>
+            </a:pPr>
+            <a:r>
+              <a:rPr lang="en-US" altLang="ko-KR" b="1"/>
+              <a:t>ATT-LSTM ( Long Short – Term Memory )</a:t>
+            </a:r>
+          </a:p>
+          <a:p>
+            <a:pPr marL="285750" indent="-285750">
+              <a:lnSpc>
+                <a:spcPct val="150000"/>
+              </a:lnSpc>
+              <a:buFontTx/>
+              <a:buChar char="-"/>
+            </a:pPr>
+            <a:r>
+              <a:rPr lang="en-US" altLang="ko-KR"/>
+              <a:t>LSTM ( Long Short – Term Memory )</a:t>
+            </a:r>
+          </a:p>
+          <a:p>
+            <a:pPr marL="285750" indent="-285750">
+              <a:lnSpc>
+                <a:spcPct val="150000"/>
+              </a:lnSpc>
+              <a:buFontTx/>
+              <a:buChar char="-"/>
+            </a:pPr>
+            <a:r>
+              <a:rPr lang="en-US" altLang="ko-KR"/>
+              <a:t>SNN ( Spiking neural network )</a:t>
+            </a:r>
+          </a:p>
+          <a:p>
+            <a:pPr marL="285750" indent="-285750">
+              <a:lnSpc>
+                <a:spcPct val="150000"/>
+              </a:lnSpc>
+              <a:buFontTx/>
+              <a:buChar char="-"/>
+            </a:pPr>
+            <a:r>
+              <a:rPr lang="en-US" altLang="ko-KR"/>
+              <a:t>DNN ( Deep Neural Network )</a:t>
+            </a:r>
+          </a:p>
+        </p:txBody>
+      </p:sp>
+      <p:sp>
+        <p:nvSpPr>
+          <p:cNvPr id="5" name="TextBox 4">
+            <a:extLst>
+              <a:ext uri="{FF2B5EF4-FFF2-40B4-BE49-F238E27FC236}">
+                <a16:creationId xmlns:a16="http://schemas.microsoft.com/office/drawing/2014/main" id="{CF63EB62-FE78-5BAB-6ABC-7EBB3D0B4BD8}"/>
+              </a:ext>
+            </a:extLst>
+          </p:cNvPr>
+          <p:cNvSpPr txBox="1"/>
+          <p:nvPr/>
+        </p:nvSpPr>
+        <p:spPr>
+          <a:xfrm>
+            <a:off x="434624" y="1242065"/>
+            <a:ext cx="877163" cy="369332"/>
+          </a:xfrm>
+          <a:prstGeom prst="rect">
+            <a:avLst/>
+          </a:prstGeom>
+          <a:noFill/>
+        </p:spPr>
+        <p:txBody>
+          <a:bodyPr wrap="none" rtlCol="0">
+            <a:spAutoFit/>
+          </a:bodyPr>
+          <a:lstStyle/>
+          <a:p>
+            <a:r>
+              <a:rPr lang="ko-KR" altLang="en-US" b="1"/>
+              <a:t>데이터</a:t>
+            </a:r>
+          </a:p>
+        </p:txBody>
+      </p:sp>
+      <p:sp>
+        <p:nvSpPr>
+          <p:cNvPr id="6" name="TextBox 5">
+            <a:extLst>
+              <a:ext uri="{FF2B5EF4-FFF2-40B4-BE49-F238E27FC236}">
+                <a16:creationId xmlns:a16="http://schemas.microsoft.com/office/drawing/2014/main" id="{AB691F72-DF64-A8A0-E6BA-43D1B13ECEE1}"/>
+              </a:ext>
+            </a:extLst>
+          </p:cNvPr>
+          <p:cNvSpPr txBox="1"/>
+          <p:nvPr/>
+        </p:nvSpPr>
+        <p:spPr>
+          <a:xfrm>
+            <a:off x="727172" y="1570427"/>
+            <a:ext cx="6093335" cy="869790"/>
+          </a:xfrm>
+          <a:prstGeom prst="rect">
+            <a:avLst/>
+          </a:prstGeom>
+          <a:noFill/>
+        </p:spPr>
+        <p:txBody>
+          <a:bodyPr wrap="none" rtlCol="0">
+            <a:spAutoFit/>
+          </a:bodyPr>
+          <a:lstStyle/>
+          <a:p>
+            <a:pPr marL="285750" indent="-285750">
+              <a:lnSpc>
+                <a:spcPct val="150000"/>
+              </a:lnSpc>
+              <a:buFontTx/>
+              <a:buChar char="-"/>
+            </a:pPr>
+            <a:r>
+              <a:rPr lang="ko-KR" altLang="en-US"/>
+              <a:t>제주도 두 지역</a:t>
+            </a:r>
+            <a:r>
+              <a:rPr lang="en-US" altLang="ko-KR"/>
+              <a:t>, </a:t>
+            </a:r>
+            <a:r>
+              <a:rPr lang="ko-KR" altLang="en-US"/>
+              <a:t>기상자료개방포털의 기상요인 데이터</a:t>
+            </a:r>
+            <a:endParaRPr lang="en-US" altLang="ko-KR"/>
+          </a:p>
+          <a:p>
+            <a:pPr marL="285750" indent="-285750">
+              <a:lnSpc>
+                <a:spcPct val="150000"/>
+              </a:lnSpc>
+              <a:buFontTx/>
+              <a:buChar char="-"/>
+            </a:pPr>
+            <a:r>
+              <a:rPr lang="en-US" altLang="ko-KR"/>
+              <a:t>2011</a:t>
+            </a:r>
+            <a:r>
+              <a:rPr lang="ko-KR" altLang="en-US"/>
+              <a:t>년 </a:t>
+            </a:r>
+            <a:r>
+              <a:rPr lang="en-US" altLang="ko-KR"/>
+              <a:t>2018</a:t>
+            </a:r>
+            <a:r>
+              <a:rPr lang="ko-KR" altLang="en-US"/>
+              <a:t>년 총 </a:t>
+            </a:r>
+            <a:r>
+              <a:rPr lang="en-US" altLang="ko-KR"/>
+              <a:t>8</a:t>
+            </a:r>
+            <a:r>
+              <a:rPr lang="ko-KR" altLang="en-US"/>
+              <a:t>년</a:t>
+            </a:r>
+            <a:endParaRPr lang="en-US" altLang="ko-KR"/>
+          </a:p>
+        </p:txBody>
+      </p:sp>
+    </p:spTree>
+    <p:extLst>
+      <p:ext uri="{BB962C8B-B14F-4D97-AF65-F5344CB8AC3E}">
+        <p14:creationId xmlns:p14="http://schemas.microsoft.com/office/powerpoint/2010/main" val="3167491661"/>
+      </p:ext>
+    </p:extLst>
+  </p:cSld>
+  <p:clrMapOvr>
+    <a:masterClrMapping/>
+  </p:clrMapOvr>
+</p:sld>
+</file>
+
+<file path=ppt/slides/slide2.xml><?xml version="1.0" encoding="utf-8"?>
+<p:sld xmlns:a="http://schemas.openxmlformats.org/drawingml/2006/main" xmlns:r="http://schemas.openxmlformats.org/officeDocument/2006/relationships" xmlns:p="http://schemas.openxmlformats.org/presentationml/2006/main">
+  <p:cSld>
+    <p:spTree>
+      <p:nvGrpSpPr>
+        <p:cNvPr id="1" name=""/>
+        <p:cNvGrpSpPr/>
+        <p:nvPr/>
+      </p:nvGrpSpPr>
+      <p:grpSpPr>
+        <a:xfrm>
+          <a:off x="0" y="0"/>
+          <a:ext cx="0" cy="0"/>
+          <a:chOff x="0" y="0"/>
+          <a:chExt cx="0" cy="0"/>
+        </a:xfrm>
+      </p:grpSpPr>
+      <p:sp>
+        <p:nvSpPr>
+          <p:cNvPr id="15" name="object 2">
+            <a:extLst>
+              <a:ext uri="{FF2B5EF4-FFF2-40B4-BE49-F238E27FC236}">
+                <a16:creationId xmlns:a16="http://schemas.microsoft.com/office/drawing/2014/main" id="{63B42C9C-96BB-4869-81D8-DBA87F4A50BB}"/>
+              </a:ext>
+            </a:extLst>
+          </p:cNvPr>
+          <p:cNvSpPr txBox="1">
+            <a:spLocks/>
+          </p:cNvSpPr>
+          <p:nvPr/>
+        </p:nvSpPr>
+        <p:spPr>
+          <a:xfrm>
+            <a:off x="492575" y="391668"/>
+            <a:ext cx="1793875" cy="513080"/>
+          </a:xfrm>
+          <a:prstGeom prst="rect">
+            <a:avLst/>
+          </a:prstGeom>
+        </p:spPr>
+        <p:txBody>
+          <a:bodyPr vert="horz" wrap="square" lIns="0" tIns="12700" rIns="0" bIns="0" rtlCol="0">
+            <a:spAutoFit/>
+          </a:bodyPr>
+          <a:lstStyle>
+            <a:lvl1pPr>
+              <a:defRPr sz="3600" b="1" i="0">
+                <a:solidFill>
+                  <a:schemeClr val="tx1"/>
+                </a:solidFill>
+                <a:latin typeface="Malgun Gothic"/>
+                <a:ea typeface="+mj-ea"/>
+                <a:cs typeface="Malgun Gothic"/>
+              </a:defRPr>
+            </a:lvl1pPr>
+          </a:lstStyle>
+          <a:p>
+            <a:pPr marL="12700" marR="0" lvl="0" indent="0" defTabSz="914400" eaLnBrk="1" fontAlgn="auto" latinLnBrk="0" hangingPunct="1">
+              <a:lnSpc>
+                <a:spcPct val="100000"/>
+              </a:lnSpc>
+              <a:spcBef>
+                <a:spcPts val="100"/>
+              </a:spcBef>
+              <a:spcAft>
+                <a:spcPts val="0"/>
+              </a:spcAft>
+              <a:buClrTx/>
+              <a:buSzTx/>
+              <a:buFontTx/>
+              <a:buNone/>
+              <a:tabLst>
+                <a:tab pos="967740" algn="l"/>
+              </a:tabLst>
+              <a:defRPr/>
+            </a:pPr>
+            <a:r>
+              <a:rPr kumimoji="0" lang="ko-KR" altLang="en-US" sz="3200" b="1" i="0" u="none" strike="noStrike" kern="0" cap="none" spc="-25" normalizeH="0" baseline="0" noProof="0">
+                <a:ln>
+                  <a:noFill/>
+                </a:ln>
+                <a:solidFill>
+                  <a:srgbClr val="001F60"/>
+                </a:solidFill>
+                <a:effectLst/>
+                <a:uLnTx/>
+                <a:uFillTx/>
+                <a:latin typeface="Malgun Gothic"/>
+                <a:ea typeface="맑은 고딕" panose="020B0503020000020004" pitchFamily="50" charset="-127"/>
+              </a:rPr>
+              <a:t>목차</a:t>
             </a:r>
             <a:endParaRPr kumimoji="0" lang="ko-KR" altLang="en-US" sz="3200" b="1" i="0" u="none" strike="noStrike" kern="0" cap="none" spc="0" normalizeH="0" baseline="0" noProof="0" dirty="0">
               <a:ln>
@@ -4030,10 +6155,10 @@
       </p:grpSp>
       <p:sp>
         <p:nvSpPr>
-          <p:cNvPr id="5" name="TextBox 4">
-            <a:extLst>
-              <a:ext uri="{FF2B5EF4-FFF2-40B4-BE49-F238E27FC236}">
-                <a16:creationId xmlns:a16="http://schemas.microsoft.com/office/drawing/2014/main" id="{F2E7B266-169E-4100-7118-6F2682285D06}"/>
+          <p:cNvPr id="7" name="TextBox 6">
+            <a:extLst>
+              <a:ext uri="{FF2B5EF4-FFF2-40B4-BE49-F238E27FC236}">
+                <a16:creationId xmlns:a16="http://schemas.microsoft.com/office/drawing/2014/main" id="{6B96BE26-2017-014E-5014-687C9E2461D1}"/>
               </a:ext>
             </a:extLst>
           </p:cNvPr>
@@ -4042,8 +6167,8 @@
         </p:nvSpPr>
         <p:spPr>
           <a:xfrm>
-            <a:off x="382785" y="1283678"/>
-            <a:ext cx="1398140" cy="369332"/>
+            <a:off x="430249" y="1371599"/>
+            <a:ext cx="1635943" cy="3033651"/>
           </a:xfrm>
           <a:prstGeom prst="rect">
             <a:avLst/>
@@ -4051,22 +6176,59 @@
           <a:noFill/>
         </p:spPr>
         <p:txBody>
-          <a:bodyPr wrap="none" rtlCol="0">
+          <a:bodyPr wrap="square" rtlCol="0">
             <a:spAutoFit/>
           </a:bodyPr>
           <a:lstStyle/>
           <a:p>
-            <a:r>
-              <a:rPr lang="ko-KR" altLang="en-US"/>
-              <a:t>논문 </a:t>
-            </a:r>
-            <a:r>
-              <a:rPr lang="en-US" altLang="ko-KR"/>
-              <a:t>3 </a:t>
-            </a:r>
-            <a:r>
-              <a:rPr lang="ko-KR" altLang="en-US"/>
-              <a:t>내용</a:t>
+            <a:pPr marL="342900" indent="-342900">
+              <a:lnSpc>
+                <a:spcPct val="250000"/>
+              </a:lnSpc>
+              <a:buAutoNum type="arabicPeriod"/>
+            </a:pPr>
+            <a:r>
+              <a:rPr lang="ko-KR" altLang="en-US" sz="2000"/>
+              <a:t>연구 배경</a:t>
+            </a:r>
+            <a:endParaRPr lang="en-US" altLang="ko-KR" sz="2000"/>
+          </a:p>
+          <a:p>
+            <a:pPr marL="342900" indent="-342900">
+              <a:lnSpc>
+                <a:spcPct val="250000"/>
+              </a:lnSpc>
+              <a:buAutoNum type="arabicPeriod"/>
+            </a:pPr>
+            <a:r>
+              <a:rPr lang="ko-KR" altLang="en-US" sz="2000"/>
+              <a:t>목적</a:t>
+            </a:r>
+            <a:endParaRPr lang="en-US" altLang="ko-KR" sz="2000"/>
+          </a:p>
+          <a:p>
+            <a:pPr marL="342900" indent="-342900">
+              <a:lnSpc>
+                <a:spcPct val="250000"/>
+              </a:lnSpc>
+              <a:buAutoNum type="arabicPeriod"/>
+            </a:pPr>
+            <a:r>
+              <a:rPr lang="ko-KR" altLang="en-US" sz="2000"/>
+              <a:t>본론</a:t>
+            </a:r>
+            <a:endParaRPr lang="en-US" altLang="ko-KR" sz="2000"/>
+          </a:p>
+          <a:p>
+            <a:pPr marL="342900" indent="-342900">
+              <a:lnSpc>
+                <a:spcPct val="250000"/>
+              </a:lnSpc>
+              <a:buAutoNum type="arabicPeriod"/>
+            </a:pPr>
+            <a:r>
+              <a:rPr lang="ko-KR" altLang="en-US" sz="2000"/>
+              <a:t>결론</a:t>
             </a:r>
           </a:p>
         </p:txBody>
@@ -4074,7 +6236,7 @@
     </p:spTree>
     <p:extLst>
       <p:ext uri="{BB962C8B-B14F-4D97-AF65-F5344CB8AC3E}">
-        <p14:creationId xmlns:p14="http://schemas.microsoft.com/office/powerpoint/2010/main" val="1136774762"/>
+        <p14:creationId xmlns:p14="http://schemas.microsoft.com/office/powerpoint/2010/main" val="250787861"/>
       </p:ext>
     </p:extLst>
   </p:cSld>
@@ -4084,7 +6246,7 @@
 </p:sld>
 </file>
 
-<file path=ppt/slides/slide11.xml><?xml version="1.0" encoding="utf-8"?>
+<file path=ppt/slides/slide3.xml><?xml version="1.0" encoding="utf-8"?>
 <p:sld xmlns:a="http://schemas.openxmlformats.org/drawingml/2006/main" xmlns:r="http://schemas.openxmlformats.org/officeDocument/2006/relationships" xmlns:p="http://schemas.openxmlformats.org/presentationml/2006/main">
   <p:cSld>
     <p:spTree>
@@ -4118,7 +6280,7 @@
         <p:spPr>
           <a:xfrm>
             <a:off x="492575" y="391668"/>
-            <a:ext cx="2391302" cy="505267"/>
+            <a:ext cx="1793875" cy="513080"/>
           </a:xfrm>
           <a:prstGeom prst="rect">
             <a:avLst/>
@@ -4174,10 +6336,10 @@
                 <a:latin typeface="Malgun Gothic"/>
                 <a:ea typeface="맑은 고딕" panose="020B0503020000020004" pitchFamily="50" charset="-127"/>
               </a:rPr>
-              <a:t>본론</a:t>
-            </a:r>
-            <a:r>
-              <a:rPr kumimoji="0" lang="en-US" altLang="ko-KR" sz="3200" b="1" i="0" u="none" strike="noStrike" kern="0" cap="none" spc="-25" normalizeH="0" baseline="0" noProof="0">
+              <a:t>연구</a:t>
+            </a:r>
+            <a:r>
+              <a:rPr kumimoji="0" lang="ko-KR" altLang="en-US" sz="3200" b="1" i="0" u="none" strike="noStrike" kern="0" cap="none" spc="0" normalizeH="0" baseline="0" noProof="0">
                 <a:ln>
                   <a:noFill/>
                 </a:ln>
@@ -4190,7 +6352,7 @@
                 <a:latin typeface="Malgun Gothic"/>
                 <a:ea typeface="맑은 고딕" panose="020B0503020000020004" pitchFamily="50" charset="-127"/>
               </a:rPr>
-              <a:t>(</a:t>
+              <a:t>	</a:t>
             </a:r>
             <a:r>
               <a:rPr kumimoji="0" lang="ko-KR" altLang="en-US" sz="3200" b="1" i="0" u="none" strike="noStrike" kern="0" cap="none" spc="-25" normalizeH="0" baseline="0" noProof="0">
@@ -4206,32 +6368,7 @@
                 <a:latin typeface="Malgun Gothic"/>
                 <a:ea typeface="맑은 고딕" panose="020B0503020000020004" pitchFamily="50" charset="-127"/>
               </a:rPr>
-              <a:t>논문 </a:t>
-            </a:r>
-            <a:r>
-              <a:rPr lang="en-US" altLang="ko-KR" sz="3200" kern="0" spc="-25">
-                <a:solidFill>
-                  <a:srgbClr val="001F60"/>
-                </a:solidFill>
-                <a:ea typeface="맑은 고딕" panose="020B0503020000020004" pitchFamily="50" charset="-127"/>
-              </a:rPr>
-              <a:t>4</a:t>
-            </a:r>
-            <a:r>
-              <a:rPr kumimoji="0" lang="en-US" altLang="ko-KR" sz="3200" b="1" i="0" u="none" strike="noStrike" kern="0" cap="none" spc="-25" normalizeH="0" baseline="0" noProof="0">
-                <a:ln>
-                  <a:noFill/>
-                </a:ln>
-                <a:solidFill>
-                  <a:srgbClr val="001F60"/>
-                </a:solidFill>
-                <a:effectLst/>
-                <a:uLnTx/>
-                <a:uFillTx/>
-                <a:latin typeface="Malgun Gothic"/>
-                <a:ea typeface="맑은 고딕" panose="020B0503020000020004" pitchFamily="50" charset="-127"/>
-              </a:rPr>
-              <a:t>)</a:t>
+              <a:t>배경</a:t>
             </a:r>
             <a:endParaRPr kumimoji="0" lang="ko-KR" altLang="en-US" sz="3200" b="1" i="0" u="none" strike="noStrike" kern="0" cap="none" spc="0" normalizeH="0" baseline="0" noProof="0" dirty="0">
               <a:ln>
@@ -4429,7 +6566,7 @@
           <p:cNvPr id="5" name="TextBox 4">
             <a:extLst>
               <a:ext uri="{FF2B5EF4-FFF2-40B4-BE49-F238E27FC236}">
-                <a16:creationId xmlns:a16="http://schemas.microsoft.com/office/drawing/2014/main" id="{F2E7B266-169E-4100-7118-6F2682285D06}"/>
+                <a16:creationId xmlns:a16="http://schemas.microsoft.com/office/drawing/2014/main" id="{F29C2551-88E7-CCA4-FAA9-F5DC4BF0941D}"/>
               </a:ext>
             </a:extLst>
           </p:cNvPr>
@@ -4438,8 +6575,8 @@
         </p:nvSpPr>
         <p:spPr>
           <a:xfrm>
-            <a:off x="382785" y="1283678"/>
-            <a:ext cx="1398140" cy="369332"/>
+            <a:off x="430250" y="1178351"/>
+            <a:ext cx="3363421" cy="369332"/>
           </a:xfrm>
           <a:prstGeom prst="rect">
             <a:avLst/>
@@ -4453,24 +6590,657 @@
           <a:lstStyle/>
           <a:p>
             <a:r>
-              <a:rPr lang="ko-KR" altLang="en-US"/>
-              <a:t>논문 </a:t>
-            </a:r>
-            <a:r>
-              <a:rPr lang="en-US" altLang="ko-KR"/>
-              <a:t>4 </a:t>
-            </a:r>
-            <a:r>
-              <a:rPr lang="ko-KR" altLang="en-US"/>
-              <a:t>내용</a:t>
-            </a:r>
+              <a:rPr lang="ko-KR" altLang="en-US" b="1"/>
+              <a:t>기후 변화 및 에너지 위기 문제</a:t>
+            </a:r>
+          </a:p>
+        </p:txBody>
+      </p:sp>
+      <p:pic>
+        <p:nvPicPr>
+          <p:cNvPr id="7" name="그림 6">
+            <a:extLst>
+              <a:ext uri="{FF2B5EF4-FFF2-40B4-BE49-F238E27FC236}">
+                <a16:creationId xmlns:a16="http://schemas.microsoft.com/office/drawing/2014/main" id="{907642FB-4E81-4AAF-3A29-B26F3FD8C222}"/>
+              </a:ext>
+            </a:extLst>
+          </p:cNvPr>
+          <p:cNvPicPr>
+            <a:picLocks noChangeAspect="1"/>
+          </p:cNvPicPr>
+          <p:nvPr/>
+        </p:nvPicPr>
+        <p:blipFill rotWithShape="1">
+          <a:blip r:embed="rId4">
+            <a:extLst>
+              <a:ext uri="{28A0092B-C50C-407E-A947-70E740481C1C}">
+                <a14:useLocalDpi xmlns:a14="http://schemas.microsoft.com/office/drawing/2010/main" val="0"/>
+              </a:ext>
+            </a:extLst>
+          </a:blip>
+          <a:srcRect b="8584"/>
+          <a:stretch/>
+        </p:blipFill>
+        <p:spPr>
+          <a:xfrm>
+            <a:off x="837206" y="2877109"/>
+            <a:ext cx="4994611" cy="2880000"/>
+          </a:xfrm>
+          <a:prstGeom prst="rect">
+            <a:avLst/>
+          </a:prstGeom>
+        </p:spPr>
+      </p:pic>
+      <p:sp>
+        <p:nvSpPr>
+          <p:cNvPr id="14" name="TextBox 13">
+            <a:extLst>
+              <a:ext uri="{FF2B5EF4-FFF2-40B4-BE49-F238E27FC236}">
+                <a16:creationId xmlns:a16="http://schemas.microsoft.com/office/drawing/2014/main" id="{962984FE-052A-3DAE-3F81-D4AC01C1462F}"/>
+              </a:ext>
+            </a:extLst>
+          </p:cNvPr>
+          <p:cNvSpPr txBox="1"/>
+          <p:nvPr/>
+        </p:nvSpPr>
+        <p:spPr>
+          <a:xfrm>
+            <a:off x="1569679" y="5739172"/>
+            <a:ext cx="4353526" cy="246221"/>
+          </a:xfrm>
+          <a:prstGeom prst="rect">
+            <a:avLst/>
+          </a:prstGeom>
+          <a:noFill/>
+        </p:spPr>
+        <p:txBody>
+          <a:bodyPr wrap="square">
+            <a:spAutoFit/>
+          </a:bodyPr>
+          <a:lstStyle/>
+          <a:p>
+            <a:pPr algn="r"/>
+            <a:r>
+              <a:rPr lang="en-US" altLang="ko-KR" sz="1000" b="0" i="0">
+                <a:solidFill>
+                  <a:srgbClr val="495057"/>
+                </a:solidFill>
+                <a:effectLst/>
+                <a:latin typeface="Inter"/>
+              </a:rPr>
+              <a:t>1850</a:t>
+            </a:r>
+            <a:r>
+              <a:rPr lang="ko-KR" altLang="en-US" sz="1000" b="0" i="0">
+                <a:solidFill>
+                  <a:srgbClr val="495057"/>
+                </a:solidFill>
+                <a:effectLst/>
+                <a:latin typeface="Inter"/>
+              </a:rPr>
+              <a:t>년</a:t>
+            </a:r>
+            <a:r>
+              <a:rPr lang="en-US" altLang="ko-KR" sz="1000" b="0" i="0">
+                <a:solidFill>
+                  <a:srgbClr val="495057"/>
+                </a:solidFill>
+                <a:effectLst/>
+                <a:latin typeface="Inter"/>
+              </a:rPr>
+              <a:t>~1900</a:t>
+            </a:r>
+            <a:r>
+              <a:rPr lang="ko-KR" altLang="en-US" sz="1000" b="0" i="0">
+                <a:solidFill>
+                  <a:srgbClr val="495057"/>
+                </a:solidFill>
+                <a:effectLst/>
+                <a:latin typeface="Inter"/>
+              </a:rPr>
+              <a:t>년 대비 전 지구 연평균 기온 편차 시계열</a:t>
+            </a:r>
+            <a:r>
+              <a:rPr lang="en-US" altLang="ko-KR" sz="1000" b="0" i="0">
+                <a:solidFill>
+                  <a:srgbClr val="495057"/>
+                </a:solidFill>
+                <a:effectLst/>
+                <a:latin typeface="Inter"/>
+              </a:rPr>
+              <a:t>(</a:t>
+            </a:r>
+            <a:r>
+              <a:rPr lang="ko-KR" altLang="en-US" sz="1000" b="0" i="0">
+                <a:solidFill>
+                  <a:srgbClr val="495057"/>
+                </a:solidFill>
+                <a:effectLst/>
+                <a:latin typeface="Inter"/>
+              </a:rPr>
+              <a:t>그래프</a:t>
+            </a:r>
+            <a:r>
+              <a:rPr lang="en-US" altLang="ko-KR" sz="1000" b="0" i="0">
+                <a:solidFill>
+                  <a:srgbClr val="495057"/>
+                </a:solidFill>
+                <a:effectLst/>
+                <a:latin typeface="Inter"/>
+              </a:rPr>
+              <a:t>=</a:t>
+            </a:r>
+            <a:r>
+              <a:rPr lang="ko-KR" altLang="en-US" sz="1000" b="0" i="0">
+                <a:solidFill>
+                  <a:srgbClr val="495057"/>
+                </a:solidFill>
+                <a:effectLst/>
+                <a:latin typeface="Inter"/>
+              </a:rPr>
+              <a:t>기상청 제공</a:t>
+            </a:r>
+            <a:r>
+              <a:rPr lang="en-US" altLang="ko-KR" sz="1000" b="0" i="0">
+                <a:solidFill>
+                  <a:srgbClr val="495057"/>
+                </a:solidFill>
+                <a:effectLst/>
+                <a:latin typeface="Inter"/>
+              </a:rPr>
+              <a:t>)</a:t>
+            </a:r>
+            <a:endParaRPr lang="ko-KR" altLang="en-US" sz="1000"/>
+          </a:p>
+        </p:txBody>
+      </p:sp>
+      <p:pic>
+        <p:nvPicPr>
+          <p:cNvPr id="11" name="그림 10">
+            <a:extLst>
+              <a:ext uri="{FF2B5EF4-FFF2-40B4-BE49-F238E27FC236}">
+                <a16:creationId xmlns:a16="http://schemas.microsoft.com/office/drawing/2014/main" id="{F3EA529A-0CAD-E48C-D148-EBD3DD4CCDC4}"/>
+              </a:ext>
+            </a:extLst>
+          </p:cNvPr>
+          <p:cNvPicPr>
+            <a:picLocks noChangeAspect="1"/>
+          </p:cNvPicPr>
+          <p:nvPr/>
+        </p:nvPicPr>
+        <p:blipFill>
+          <a:blip r:embed="rId5">
+            <a:extLst>
+              <a:ext uri="{28A0092B-C50C-407E-A947-70E740481C1C}">
+                <a14:useLocalDpi xmlns:a14="http://schemas.microsoft.com/office/drawing/2010/main" val="0"/>
+              </a:ext>
+            </a:extLst>
+          </a:blip>
+          <a:stretch>
+            <a:fillRect/>
+          </a:stretch>
+        </p:blipFill>
+        <p:spPr>
+          <a:xfrm>
+            <a:off x="6563723" y="2877109"/>
+            <a:ext cx="4813370" cy="2880000"/>
+          </a:xfrm>
+          <a:prstGeom prst="rect">
+            <a:avLst/>
+          </a:prstGeom>
+        </p:spPr>
+      </p:pic>
+      <p:sp>
+        <p:nvSpPr>
+          <p:cNvPr id="18" name="TextBox 17">
+            <a:extLst>
+              <a:ext uri="{FF2B5EF4-FFF2-40B4-BE49-F238E27FC236}">
+                <a16:creationId xmlns:a16="http://schemas.microsoft.com/office/drawing/2014/main" id="{E13F89FD-B1F8-BEDE-4A79-0CEC1581F014}"/>
+              </a:ext>
+            </a:extLst>
+          </p:cNvPr>
+          <p:cNvSpPr txBox="1"/>
+          <p:nvPr/>
+        </p:nvSpPr>
+        <p:spPr>
+          <a:xfrm>
+            <a:off x="7586275" y="5654994"/>
+            <a:ext cx="3790818" cy="246221"/>
+          </a:xfrm>
+          <a:prstGeom prst="rect">
+            <a:avLst/>
+          </a:prstGeom>
+          <a:noFill/>
+        </p:spPr>
+        <p:txBody>
+          <a:bodyPr wrap="square">
+            <a:spAutoFit/>
+          </a:bodyPr>
+          <a:lstStyle/>
+          <a:p>
+            <a:pPr algn="r"/>
+            <a:r>
+              <a:rPr lang="ko-KR" altLang="en-US" sz="1000" b="0" i="0">
+                <a:solidFill>
+                  <a:srgbClr val="222222"/>
+                </a:solidFill>
+                <a:effectLst/>
+                <a:latin typeface="+mj-lt"/>
+              </a:rPr>
+              <a:t>최근 </a:t>
+            </a:r>
+            <a:r>
+              <a:rPr lang="en-US" altLang="ko-KR" sz="1000" b="0" i="0">
+                <a:solidFill>
+                  <a:srgbClr val="222222"/>
+                </a:solidFill>
+                <a:effectLst/>
+                <a:latin typeface="+mj-lt"/>
+              </a:rPr>
+              <a:t>30</a:t>
+            </a:r>
+            <a:r>
+              <a:rPr lang="ko-KR" altLang="en-US" sz="1000" b="0" i="0">
+                <a:solidFill>
+                  <a:srgbClr val="222222"/>
+                </a:solidFill>
+                <a:effectLst/>
+                <a:latin typeface="+mj-lt"/>
+              </a:rPr>
+              <a:t>년간</a:t>
+            </a:r>
+            <a:r>
+              <a:rPr lang="en-US" altLang="ko-KR" sz="1000" b="0" i="0">
+                <a:solidFill>
+                  <a:srgbClr val="222222"/>
+                </a:solidFill>
+                <a:effectLst/>
+                <a:latin typeface="+mj-lt"/>
+              </a:rPr>
+              <a:t>(1991∼2020</a:t>
+            </a:r>
+            <a:r>
+              <a:rPr lang="ko-KR" altLang="en-US" sz="1000" b="0" i="0">
+                <a:solidFill>
+                  <a:srgbClr val="222222"/>
+                </a:solidFill>
+                <a:effectLst/>
+                <a:latin typeface="+mj-lt"/>
+              </a:rPr>
+              <a:t>년</a:t>
+            </a:r>
+            <a:r>
+              <a:rPr lang="en-US" altLang="ko-KR" sz="1000" b="0" i="0">
+                <a:solidFill>
+                  <a:srgbClr val="222222"/>
+                </a:solidFill>
+                <a:effectLst/>
+                <a:latin typeface="+mj-lt"/>
+              </a:rPr>
+              <a:t>) </a:t>
+            </a:r>
+            <a:r>
+              <a:rPr lang="ko-KR" altLang="en-US" sz="1000" b="0" i="0">
+                <a:solidFill>
+                  <a:srgbClr val="222222"/>
+                </a:solidFill>
+                <a:effectLst/>
+                <a:latin typeface="+mj-lt"/>
+              </a:rPr>
+              <a:t>해수면 높이 변화</a:t>
+            </a:r>
+            <a:r>
+              <a:rPr lang="en-US" altLang="ko-KR" sz="1000" b="0" i="0">
+                <a:solidFill>
+                  <a:srgbClr val="222222"/>
+                </a:solidFill>
+                <a:effectLst/>
+                <a:latin typeface="+mj-lt"/>
+              </a:rPr>
+              <a:t>(21</a:t>
+            </a:r>
+            <a:r>
+              <a:rPr lang="ko-KR" altLang="en-US" sz="1000" b="0" i="0">
+                <a:solidFill>
+                  <a:srgbClr val="222222"/>
+                </a:solidFill>
+                <a:effectLst/>
+                <a:latin typeface="+mj-lt"/>
+              </a:rPr>
+              <a:t>개 조위관측소</a:t>
+            </a:r>
+            <a:r>
+              <a:rPr lang="en-US" altLang="ko-KR" sz="1000" b="0" i="0">
+                <a:solidFill>
+                  <a:srgbClr val="222222"/>
+                </a:solidFill>
+                <a:effectLst/>
+                <a:latin typeface="+mj-lt"/>
+              </a:rPr>
+              <a:t>)</a:t>
+            </a:r>
+            <a:endParaRPr lang="ko-KR" altLang="en-US" sz="1000">
+              <a:latin typeface="+mj-lt"/>
+            </a:endParaRPr>
+          </a:p>
+        </p:txBody>
+      </p:sp>
+      <p:sp>
+        <p:nvSpPr>
+          <p:cNvPr id="25" name="TextBox 24">
+            <a:extLst>
+              <a:ext uri="{FF2B5EF4-FFF2-40B4-BE49-F238E27FC236}">
+                <a16:creationId xmlns:a16="http://schemas.microsoft.com/office/drawing/2014/main" id="{B310C352-3A00-9B9E-E7CA-E3E4CE938419}"/>
+              </a:ext>
+            </a:extLst>
+          </p:cNvPr>
+          <p:cNvSpPr txBox="1"/>
+          <p:nvPr/>
+        </p:nvSpPr>
+        <p:spPr>
+          <a:xfrm>
+            <a:off x="810887" y="1599908"/>
+            <a:ext cx="10407016" cy="1093441"/>
+          </a:xfrm>
+          <a:prstGeom prst="rect">
+            <a:avLst/>
+          </a:prstGeom>
+          <a:noFill/>
+        </p:spPr>
+        <p:txBody>
+          <a:bodyPr wrap="none" rtlCol="0">
+            <a:spAutoFit/>
+          </a:bodyPr>
+          <a:lstStyle/>
+          <a:p>
+            <a:pPr marL="285750" indent="-285750">
+              <a:lnSpc>
+                <a:spcPct val="150000"/>
+              </a:lnSpc>
+              <a:buFontTx/>
+              <a:buChar char="-"/>
+            </a:pPr>
+            <a:r>
+              <a:rPr lang="ko-KR" altLang="en-US" sz="1500" b="0" i="0">
+                <a:effectLst/>
+                <a:latin typeface="Inter"/>
+              </a:rPr>
+              <a:t>산업혁명 이수 인구증가와 산업화에 의해 화석연료 사용 등으로 대기 중 온실가스 농도가 높아지면서 </a:t>
+            </a:r>
+            <a:r>
+              <a:rPr lang="ko-KR" altLang="en-US" sz="1500" b="1" i="0">
+                <a:effectLst/>
+                <a:latin typeface="Inter"/>
+              </a:rPr>
+              <a:t>지구 온난화 발생</a:t>
+            </a:r>
+            <a:r>
+              <a:rPr lang="en-US" altLang="ko-KR" sz="1500" b="1" i="0">
+                <a:effectLst/>
+                <a:latin typeface="Inter"/>
+              </a:rPr>
+              <a:t>.</a:t>
+            </a:r>
+          </a:p>
+          <a:p>
+            <a:pPr marL="285750" indent="-285750">
+              <a:lnSpc>
+                <a:spcPct val="150000"/>
+              </a:lnSpc>
+              <a:buFontTx/>
+              <a:buChar char="-"/>
+            </a:pPr>
+            <a:r>
+              <a:rPr lang="ko-KR" altLang="en-US" sz="1500" b="0" i="0">
+                <a:effectLst/>
+                <a:latin typeface="Inter"/>
+              </a:rPr>
+              <a:t>산업화 이전</a:t>
+            </a:r>
+            <a:r>
+              <a:rPr lang="en-US" altLang="ko-KR" sz="1500" b="0" i="0">
+                <a:effectLst/>
+                <a:latin typeface="Inter"/>
+              </a:rPr>
+              <a:t>(1980</a:t>
+            </a:r>
+            <a:r>
+              <a:rPr lang="ko-KR" altLang="en-US" sz="1500" b="0" i="0">
+                <a:effectLst/>
+                <a:latin typeface="Inter"/>
+              </a:rPr>
+              <a:t>년</a:t>
+            </a:r>
+            <a:r>
+              <a:rPr lang="en-US" altLang="ko-KR" sz="1500" b="0" i="0">
+                <a:effectLst/>
+                <a:latin typeface="Inter"/>
+              </a:rPr>
+              <a:t>~1900</a:t>
+            </a:r>
+            <a:r>
+              <a:rPr lang="ko-KR" altLang="en-US" sz="1500" b="0" i="0">
+                <a:effectLst/>
+                <a:latin typeface="Inter"/>
+              </a:rPr>
+              <a:t>년</a:t>
+            </a:r>
+            <a:r>
+              <a:rPr lang="en-US" altLang="ko-KR" sz="1500" b="0" i="0">
+                <a:effectLst/>
+                <a:latin typeface="Inter"/>
+              </a:rPr>
+              <a:t>) </a:t>
+            </a:r>
+            <a:r>
+              <a:rPr lang="ko-KR" altLang="en-US" sz="1500" b="0" i="0">
+                <a:effectLst/>
+                <a:latin typeface="Inter"/>
+              </a:rPr>
+              <a:t>대비 </a:t>
+            </a:r>
+            <a:r>
+              <a:rPr lang="ko-KR" altLang="en-US" sz="1500" b="1" i="0">
+                <a:effectLst/>
+                <a:latin typeface="Inter"/>
+              </a:rPr>
+              <a:t>기온 </a:t>
+            </a:r>
+            <a:r>
+              <a:rPr lang="en-US" altLang="ko-KR" sz="1500" b="1" i="0">
+                <a:effectLst/>
+                <a:latin typeface="Inter"/>
+              </a:rPr>
+              <a:t>1,1°C </a:t>
+            </a:r>
+            <a:r>
+              <a:rPr lang="ko-KR" altLang="en-US" sz="1500" b="1" i="0">
+                <a:effectLst/>
+                <a:latin typeface="Inter"/>
+              </a:rPr>
+              <a:t>증가</a:t>
+            </a:r>
+            <a:r>
+              <a:rPr lang="ko-KR" altLang="en-US" sz="1500" b="0" i="0">
+                <a:effectLst/>
+                <a:latin typeface="Inter"/>
+              </a:rPr>
+              <a:t>했다</a:t>
+            </a:r>
+            <a:r>
+              <a:rPr lang="en-US" altLang="ko-KR" sz="1500" b="0" i="0">
+                <a:effectLst/>
+                <a:latin typeface="Inter"/>
+              </a:rPr>
+              <a:t>.</a:t>
+            </a:r>
+          </a:p>
+          <a:p>
+            <a:pPr marL="285750" indent="-285750">
+              <a:lnSpc>
+                <a:spcPct val="150000"/>
+              </a:lnSpc>
+              <a:buFontTx/>
+              <a:buChar char="-"/>
+            </a:pPr>
+            <a:r>
+              <a:rPr lang="ko-KR" altLang="en-US" sz="1500" b="0" i="0">
+                <a:solidFill>
+                  <a:srgbClr val="222222"/>
+                </a:solidFill>
+                <a:effectLst/>
+                <a:latin typeface="Nanum Gothic"/>
+              </a:rPr>
+              <a:t>지난 </a:t>
+            </a:r>
+            <a:r>
+              <a:rPr lang="en-US" altLang="ko-KR" sz="1500" b="0" i="0">
+                <a:solidFill>
+                  <a:srgbClr val="222222"/>
+                </a:solidFill>
+                <a:effectLst/>
+                <a:latin typeface="Nanum Gothic"/>
+              </a:rPr>
+              <a:t>30</a:t>
+            </a:r>
+            <a:r>
+              <a:rPr lang="ko-KR" altLang="en-US" sz="1500" b="0" i="0">
+                <a:solidFill>
+                  <a:srgbClr val="222222"/>
+                </a:solidFill>
+                <a:effectLst/>
+                <a:latin typeface="Nanum Gothic"/>
+              </a:rPr>
+              <a:t>년</a:t>
+            </a:r>
+            <a:r>
+              <a:rPr lang="en-US" altLang="ko-KR" sz="1500" b="0" i="0">
+                <a:solidFill>
+                  <a:srgbClr val="222222"/>
+                </a:solidFill>
+                <a:effectLst/>
+                <a:latin typeface="Nanum Gothic"/>
+              </a:rPr>
+              <a:t>(1991</a:t>
+            </a:r>
+            <a:r>
+              <a:rPr lang="ko-KR" altLang="en-US" sz="1500" b="0" i="0">
+                <a:solidFill>
+                  <a:srgbClr val="222222"/>
+                </a:solidFill>
+                <a:effectLst/>
+                <a:latin typeface="Nanum Gothic"/>
+              </a:rPr>
+              <a:t>년</a:t>
+            </a:r>
+            <a:r>
+              <a:rPr lang="en-US" altLang="ko-KR" sz="1500" b="0" i="0">
+                <a:solidFill>
+                  <a:srgbClr val="222222"/>
+                </a:solidFill>
+                <a:effectLst/>
+                <a:latin typeface="Nanum Gothic"/>
+              </a:rPr>
+              <a:t>~2020</a:t>
+            </a:r>
+            <a:r>
+              <a:rPr lang="ko-KR" altLang="en-US" sz="1500" b="0" i="0">
+                <a:solidFill>
+                  <a:srgbClr val="222222"/>
+                </a:solidFill>
+                <a:effectLst/>
+                <a:latin typeface="Nanum Gothic"/>
+              </a:rPr>
+              <a:t>년</a:t>
+            </a:r>
+            <a:r>
+              <a:rPr lang="en-US" altLang="ko-KR" sz="1500" b="0" i="0">
+                <a:solidFill>
+                  <a:srgbClr val="222222"/>
+                </a:solidFill>
+                <a:effectLst/>
+                <a:latin typeface="Nanum Gothic"/>
+              </a:rPr>
+              <a:t>)</a:t>
+            </a:r>
+            <a:r>
+              <a:rPr lang="ko-KR" altLang="en-US" sz="1500" b="0" i="0">
+                <a:solidFill>
+                  <a:srgbClr val="222222"/>
+                </a:solidFill>
+                <a:effectLst/>
+                <a:latin typeface="Nanum Gothic"/>
+              </a:rPr>
+              <a:t>간 우리나라 전 연안의 평균 </a:t>
+            </a:r>
+            <a:r>
+              <a:rPr lang="ko-KR" altLang="en-US" sz="1500" b="1" i="0">
+                <a:solidFill>
+                  <a:srgbClr val="222222"/>
+                </a:solidFill>
+                <a:effectLst/>
+                <a:latin typeface="Nanum Gothic"/>
+              </a:rPr>
+              <a:t>해수면이 매년 </a:t>
+            </a:r>
+            <a:r>
+              <a:rPr lang="en-US" altLang="ko-KR" sz="1500" b="1" i="0">
+                <a:solidFill>
+                  <a:srgbClr val="222222"/>
+                </a:solidFill>
+                <a:effectLst/>
+                <a:latin typeface="Nanum Gothic"/>
+              </a:rPr>
+              <a:t>3.03mm</a:t>
+            </a:r>
+            <a:r>
+              <a:rPr lang="ko-KR" altLang="en-US" sz="1500" b="0" i="0">
+                <a:solidFill>
+                  <a:srgbClr val="222222"/>
+                </a:solidFill>
+                <a:effectLst/>
+                <a:latin typeface="Nanum Gothic"/>
+              </a:rPr>
+              <a:t>씩 높아져 </a:t>
+            </a:r>
+            <a:r>
+              <a:rPr lang="ko-KR" altLang="en-US" sz="1500" b="1" i="0">
+                <a:solidFill>
+                  <a:srgbClr val="222222"/>
+                </a:solidFill>
+                <a:effectLst/>
+                <a:latin typeface="Nanum Gothic"/>
+              </a:rPr>
+              <a:t>평균 </a:t>
+            </a:r>
+            <a:r>
+              <a:rPr lang="en-US" altLang="ko-KR" sz="1500" b="1" i="0">
+                <a:solidFill>
+                  <a:srgbClr val="222222"/>
+                </a:solidFill>
+                <a:effectLst/>
+                <a:latin typeface="Nanum Gothic"/>
+              </a:rPr>
+              <a:t>9.1cm </a:t>
+            </a:r>
+            <a:r>
+              <a:rPr lang="ko-KR" altLang="en-US" sz="1500" b="1" i="0">
+                <a:solidFill>
+                  <a:srgbClr val="222222"/>
+                </a:solidFill>
+                <a:effectLst/>
+                <a:latin typeface="Nanum Gothic"/>
+              </a:rPr>
+              <a:t>가량 상승</a:t>
+            </a:r>
+            <a:endParaRPr lang="ko-KR" altLang="en-US" sz="1500" b="1"/>
           </a:p>
         </p:txBody>
       </p:sp>
     </p:spTree>
     <p:extLst>
       <p:ext uri="{BB962C8B-B14F-4D97-AF65-F5344CB8AC3E}">
-        <p14:creationId xmlns:p14="http://schemas.microsoft.com/office/powerpoint/2010/main" val="3627033606"/>
+        <p14:creationId xmlns:p14="http://schemas.microsoft.com/office/powerpoint/2010/main" val="2813023700"/>
       </p:ext>
     </p:extLst>
   </p:cSld>
@@ -4480,7 +7250,7 @@
 </p:sld>
 </file>
 
-<file path=ppt/slides/slide12.xml><?xml version="1.0" encoding="utf-8"?>
+<file path=ppt/slides/slide4.xml><?xml version="1.0" encoding="utf-8"?>
 <p:sld xmlns:a="http://schemas.openxmlformats.org/drawingml/2006/main" xmlns:r="http://schemas.openxmlformats.org/officeDocument/2006/relationships" xmlns:p="http://schemas.openxmlformats.org/presentationml/2006/main">
   <p:cSld>
     <p:spTree>
@@ -4514,7 +7284,7 @@
         <p:spPr>
           <a:xfrm>
             <a:off x="492575" y="391668"/>
-            <a:ext cx="2391302" cy="505267"/>
+            <a:ext cx="1793875" cy="513080"/>
           </a:xfrm>
           <a:prstGeom prst="rect">
             <a:avLst/>
@@ -4570,10 +7340,10 @@
                 <a:latin typeface="Malgun Gothic"/>
                 <a:ea typeface="맑은 고딕" panose="020B0503020000020004" pitchFamily="50" charset="-127"/>
               </a:rPr>
-              <a:t>본론</a:t>
-            </a:r>
-            <a:r>
-              <a:rPr kumimoji="0" lang="en-US" altLang="ko-KR" sz="3200" b="1" i="0" u="none" strike="noStrike" kern="0" cap="none" spc="-25" normalizeH="0" baseline="0" noProof="0">
+              <a:t>연구</a:t>
+            </a:r>
+            <a:r>
+              <a:rPr kumimoji="0" lang="ko-KR" altLang="en-US" sz="3200" b="1" i="0" u="none" strike="noStrike" kern="0" cap="none" spc="0" normalizeH="0" baseline="0" noProof="0">
                 <a:ln>
                   <a:noFill/>
                 </a:ln>
@@ -4586,7 +7356,7 @@
                 <a:latin typeface="Malgun Gothic"/>
                 <a:ea typeface="맑은 고딕" panose="020B0503020000020004" pitchFamily="50" charset="-127"/>
               </a:rPr>
-              <a:t>(</a:t>
+              <a:t>	</a:t>
             </a:r>
             <a:r>
               <a:rPr kumimoji="0" lang="ko-KR" altLang="en-US" sz="3200" b="1" i="0" u="none" strike="noStrike" kern="0" cap="none" spc="-25" normalizeH="0" baseline="0" noProof="0">
@@ -4602,32 +7372,7 @@
                 <a:latin typeface="Malgun Gothic"/>
                 <a:ea typeface="맑은 고딕" panose="020B0503020000020004" pitchFamily="50" charset="-127"/>
               </a:rPr>
-              <a:t>논문 </a:t>
-            </a:r>
-            <a:r>
-              <a:rPr lang="en-US" altLang="ko-KR" sz="3200" kern="0" spc="-25">
-                <a:solidFill>
-                  <a:srgbClr val="001F60"/>
-                </a:solidFill>
-                <a:ea typeface="맑은 고딕" panose="020B0503020000020004" pitchFamily="50" charset="-127"/>
-              </a:rPr>
-              <a:t>5</a:t>
-            </a:r>
-            <a:r>
-              <a:rPr kumimoji="0" lang="en-US" altLang="ko-KR" sz="3200" b="1" i="0" u="none" strike="noStrike" kern="0" cap="none" spc="-25" normalizeH="0" baseline="0" noProof="0">
-                <a:ln>
-                  <a:noFill/>
-                </a:ln>
-                <a:solidFill>
-                  <a:srgbClr val="001F60"/>
-                </a:solidFill>
-                <a:effectLst/>
-                <a:uLnTx/>
-                <a:uFillTx/>
-                <a:latin typeface="Malgun Gothic"/>
-                <a:ea typeface="맑은 고딕" panose="020B0503020000020004" pitchFamily="50" charset="-127"/>
-              </a:rPr>
-              <a:t>)</a:t>
+              <a:t>배경</a:t>
             </a:r>
             <a:endParaRPr kumimoji="0" lang="ko-KR" altLang="en-US" sz="3200" b="1" i="0" u="none" strike="noStrike" kern="0" cap="none" spc="0" normalizeH="0" baseline="0" noProof="0" dirty="0">
               <a:ln>
@@ -4822,10 +7567,10 @@
       </p:grpSp>
       <p:sp>
         <p:nvSpPr>
-          <p:cNvPr id="5" name="TextBox 4">
-            <a:extLst>
-              <a:ext uri="{FF2B5EF4-FFF2-40B4-BE49-F238E27FC236}">
-                <a16:creationId xmlns:a16="http://schemas.microsoft.com/office/drawing/2014/main" id="{F2E7B266-169E-4100-7118-6F2682285D06}"/>
+          <p:cNvPr id="7" name="TextBox 6">
+            <a:extLst>
+              <a:ext uri="{FF2B5EF4-FFF2-40B4-BE49-F238E27FC236}">
+                <a16:creationId xmlns:a16="http://schemas.microsoft.com/office/drawing/2014/main" id="{C32BDAE3-8425-E8C0-3D82-A3DF9B086B90}"/>
               </a:ext>
             </a:extLst>
           </p:cNvPr>
@@ -4834,8 +7579,8 @@
         </p:nvSpPr>
         <p:spPr>
           <a:xfrm>
-            <a:off x="382785" y="1283678"/>
-            <a:ext cx="1398140" cy="369332"/>
+            <a:off x="430250" y="1178351"/>
+            <a:ext cx="4992264" cy="369332"/>
           </a:xfrm>
           <a:prstGeom prst="rect">
             <a:avLst/>
@@ -4849,24 +7594,436 @@
           <a:lstStyle/>
           <a:p>
             <a:r>
-              <a:rPr lang="ko-KR" altLang="en-US"/>
-              <a:t>논문 </a:t>
-            </a:r>
-            <a:r>
-              <a:rPr lang="en-US" altLang="ko-KR"/>
-              <a:t>5 </a:t>
-            </a:r>
-            <a:r>
-              <a:rPr lang="ko-KR" altLang="en-US"/>
-              <a:t>내용</a:t>
-            </a:r>
-          </a:p>
-        </p:txBody>
-      </p:sp>
+              <a:rPr lang="ko-KR" altLang="en-US" b="1"/>
+              <a:t>이산화 탄소</a:t>
+            </a:r>
+            <a:r>
+              <a:rPr lang="en-US" altLang="ko-KR" b="1"/>
+              <a:t>(CO2)</a:t>
+            </a:r>
+            <a:r>
+              <a:rPr lang="ko-KR" altLang="en-US" b="1"/>
+              <a:t> 배출 및 신재생 에너지 산업</a:t>
+            </a:r>
+          </a:p>
+        </p:txBody>
+      </p:sp>
+      <p:sp>
+        <p:nvSpPr>
+          <p:cNvPr id="13" name="TextBox 12">
+            <a:extLst>
+              <a:ext uri="{FF2B5EF4-FFF2-40B4-BE49-F238E27FC236}">
+                <a16:creationId xmlns:a16="http://schemas.microsoft.com/office/drawing/2014/main" id="{76F87D69-F246-ED30-D4CA-FDAB7AE7A1A1}"/>
+              </a:ext>
+            </a:extLst>
+          </p:cNvPr>
+          <p:cNvSpPr txBox="1"/>
+          <p:nvPr/>
+        </p:nvSpPr>
+        <p:spPr>
+          <a:xfrm>
+            <a:off x="957788" y="1740323"/>
+            <a:ext cx="12163011" cy="833754"/>
+          </a:xfrm>
+          <a:prstGeom prst="rect">
+            <a:avLst/>
+          </a:prstGeom>
+          <a:noFill/>
+        </p:spPr>
+        <p:txBody>
+          <a:bodyPr wrap="square" rtlCol="0">
+            <a:spAutoFit/>
+          </a:bodyPr>
+          <a:lstStyle/>
+          <a:p>
+            <a:pPr marL="285750" indent="-285750" fontAlgn="base">
+              <a:lnSpc>
+                <a:spcPct val="150000"/>
+              </a:lnSpc>
+              <a:buFontTx/>
+              <a:buChar char="-"/>
+            </a:pPr>
+            <a:r>
+              <a:rPr lang="en-US" altLang="ko-KR" sz="1500" b="0" i="0">
+                <a:solidFill>
+                  <a:srgbClr val="333333"/>
+                </a:solidFill>
+                <a:effectLst/>
+                <a:latin typeface="맑은고딕"/>
+              </a:rPr>
+              <a:t>IEA (</a:t>
+            </a:r>
+            <a:r>
+              <a:rPr lang="ko-KR" altLang="en-US" sz="1500" b="0" i="0">
+                <a:solidFill>
+                  <a:srgbClr val="333333"/>
+                </a:solidFill>
+                <a:effectLst/>
+                <a:latin typeface="맑은고딕"/>
+              </a:rPr>
+              <a:t>국제에너지 기구</a:t>
+            </a:r>
+            <a:r>
+              <a:rPr lang="en-US" altLang="ko-KR" sz="1500" b="0" i="0">
+                <a:solidFill>
+                  <a:srgbClr val="333333"/>
+                </a:solidFill>
+                <a:effectLst/>
+                <a:latin typeface="맑은고딕"/>
+              </a:rPr>
+              <a:t>) 1990</a:t>
+            </a:r>
+            <a:r>
+              <a:rPr lang="ko-KR" altLang="en-US" sz="1500" b="0" i="0">
+                <a:solidFill>
+                  <a:srgbClr val="333333"/>
+                </a:solidFill>
+                <a:effectLst/>
+                <a:latin typeface="맑은고딕"/>
+              </a:rPr>
+              <a:t>년 이후 지금까지 코로나 팬데믹을 제외한 </a:t>
+            </a:r>
+            <a:r>
+              <a:rPr lang="ko-KR" altLang="en-US" sz="1500" b="1" i="0">
+                <a:solidFill>
+                  <a:srgbClr val="333333"/>
+                </a:solidFill>
+                <a:effectLst/>
+                <a:latin typeface="맑은고딕"/>
+              </a:rPr>
+              <a:t>이산화 탄소 배출량 증가</a:t>
+            </a:r>
+            <a:endParaRPr lang="en-US" altLang="ko-KR" sz="1500" b="1" i="0">
+              <a:solidFill>
+                <a:srgbClr val="333333"/>
+              </a:solidFill>
+              <a:effectLst/>
+              <a:latin typeface="맑은고딕"/>
+            </a:endParaRPr>
+          </a:p>
+          <a:p>
+            <a:pPr marL="285750" indent="-285750" fontAlgn="base">
+              <a:lnSpc>
+                <a:spcPct val="200000"/>
+              </a:lnSpc>
+              <a:buFontTx/>
+              <a:buChar char="-"/>
+            </a:pPr>
+            <a:r>
+              <a:rPr lang="en-US" altLang="ko-KR" sz="1500">
+                <a:solidFill>
+                  <a:srgbClr val="333333"/>
+                </a:solidFill>
+                <a:latin typeface="맑은고딕"/>
+              </a:rPr>
+              <a:t>IRENA (</a:t>
+            </a:r>
+            <a:r>
+              <a:rPr lang="ko-KR" altLang="en-US" sz="1500">
+                <a:solidFill>
+                  <a:srgbClr val="333333"/>
+                </a:solidFill>
+                <a:latin typeface="맑은고딕"/>
+              </a:rPr>
+              <a:t>국제 재생 에너지 기구</a:t>
+            </a:r>
+            <a:r>
+              <a:rPr lang="en-US" altLang="ko-KR" sz="1500">
+                <a:solidFill>
+                  <a:srgbClr val="333333"/>
+                </a:solidFill>
+                <a:latin typeface="맑은고딕"/>
+              </a:rPr>
+              <a:t>) </a:t>
+            </a:r>
+            <a:r>
+              <a:rPr lang="ko-KR" altLang="en-US" sz="1500" b="0" i="0">
+                <a:solidFill>
+                  <a:srgbClr val="333333"/>
+                </a:solidFill>
+                <a:effectLst/>
+                <a:latin typeface="맑은고딕"/>
+              </a:rPr>
+              <a:t>신재생에너지분야 고용은 </a:t>
+            </a:r>
+            <a:r>
+              <a:rPr lang="en-US" altLang="ko-KR" sz="1500" b="0" i="0">
+                <a:solidFill>
+                  <a:srgbClr val="333333"/>
+                </a:solidFill>
+                <a:effectLst/>
+                <a:latin typeface="맑은고딕"/>
+              </a:rPr>
+              <a:t>2012</a:t>
+            </a:r>
+            <a:r>
+              <a:rPr lang="ko-KR" altLang="en-US" sz="1500" b="0" i="0">
+                <a:solidFill>
+                  <a:srgbClr val="333333"/>
+                </a:solidFill>
+                <a:effectLst/>
+                <a:latin typeface="맑은고딕"/>
+              </a:rPr>
+              <a:t>년 약 </a:t>
+            </a:r>
+            <a:r>
+              <a:rPr lang="en-US" altLang="ko-KR" sz="1500" b="1" i="0">
+                <a:solidFill>
+                  <a:srgbClr val="333333"/>
+                </a:solidFill>
+                <a:effectLst/>
+                <a:latin typeface="맑은고딕"/>
+              </a:rPr>
+              <a:t>730</a:t>
+            </a:r>
+            <a:r>
+              <a:rPr lang="ko-KR" altLang="en-US" sz="1500" b="1" i="0">
+                <a:solidFill>
+                  <a:srgbClr val="333333"/>
+                </a:solidFill>
+                <a:effectLst/>
+                <a:latin typeface="맑은고딕"/>
+              </a:rPr>
+              <a:t>만명</a:t>
+            </a:r>
+            <a:r>
+              <a:rPr lang="ko-KR" altLang="en-US" sz="1500" b="0" i="0">
+                <a:solidFill>
+                  <a:srgbClr val="333333"/>
+                </a:solidFill>
+                <a:effectLst/>
+                <a:latin typeface="맑은고딕"/>
+              </a:rPr>
+              <a:t>에서 </a:t>
+            </a:r>
+            <a:r>
+              <a:rPr lang="en-US" altLang="ko-KR" sz="1500" b="0" i="0">
+                <a:solidFill>
+                  <a:srgbClr val="333333"/>
+                </a:solidFill>
+                <a:effectLst/>
+                <a:latin typeface="맑은고딕"/>
+              </a:rPr>
+              <a:t>2020</a:t>
+            </a:r>
+            <a:r>
+              <a:rPr lang="ko-KR" altLang="en-US" sz="1500" b="0" i="0">
+                <a:solidFill>
+                  <a:srgbClr val="333333"/>
+                </a:solidFill>
+                <a:effectLst/>
+                <a:latin typeface="맑은고딕"/>
+              </a:rPr>
+              <a:t>년 약 </a:t>
+            </a:r>
+            <a:r>
+              <a:rPr lang="en-US" altLang="ko-KR" sz="1500" b="1" i="0">
+                <a:solidFill>
+                  <a:srgbClr val="333333"/>
+                </a:solidFill>
+                <a:effectLst/>
+                <a:latin typeface="맑은고딕"/>
+              </a:rPr>
+              <a:t>1,200</a:t>
+            </a:r>
+            <a:r>
+              <a:rPr lang="ko-KR" altLang="en-US" sz="1500" b="1" i="0">
+                <a:solidFill>
+                  <a:srgbClr val="333333"/>
+                </a:solidFill>
+                <a:effectLst/>
+                <a:latin typeface="맑은고딕"/>
+              </a:rPr>
+              <a:t>만명으로 증가</a:t>
+            </a:r>
+            <a:endParaRPr lang="en-US" altLang="ko-KR" sz="1500" b="1" i="0">
+              <a:solidFill>
+                <a:srgbClr val="000000"/>
+              </a:solidFill>
+              <a:effectLst/>
+              <a:latin typeface="se-nanumgothic"/>
+            </a:endParaRPr>
+          </a:p>
+        </p:txBody>
+      </p:sp>
+      <p:pic>
+        <p:nvPicPr>
+          <p:cNvPr id="11" name="그림 10">
+            <a:extLst>
+              <a:ext uri="{FF2B5EF4-FFF2-40B4-BE49-F238E27FC236}">
+                <a16:creationId xmlns:a16="http://schemas.microsoft.com/office/drawing/2014/main" id="{9E49EFAF-E36D-088E-59A0-59DE71A15E8D}"/>
+              </a:ext>
+            </a:extLst>
+          </p:cNvPr>
+          <p:cNvPicPr>
+            <a:picLocks noChangeAspect="1"/>
+          </p:cNvPicPr>
+          <p:nvPr/>
+        </p:nvPicPr>
+        <p:blipFill rotWithShape="1">
+          <a:blip r:embed="rId4">
+            <a:extLst>
+              <a:ext uri="{28A0092B-C50C-407E-A947-70E740481C1C}">
+                <a14:useLocalDpi xmlns:a14="http://schemas.microsoft.com/office/drawing/2010/main" val="0"/>
+              </a:ext>
+            </a:extLst>
+          </a:blip>
+          <a:srcRect b="20107"/>
+          <a:stretch/>
+        </p:blipFill>
+        <p:spPr>
+          <a:xfrm>
+            <a:off x="6078357" y="3106718"/>
+            <a:ext cx="5734950" cy="2520000"/>
+          </a:xfrm>
+          <a:prstGeom prst="rect">
+            <a:avLst/>
+          </a:prstGeom>
+        </p:spPr>
+      </p:pic>
+      <p:sp>
+        <p:nvSpPr>
+          <p:cNvPr id="16" name="TextBox 15">
+            <a:extLst>
+              <a:ext uri="{FF2B5EF4-FFF2-40B4-BE49-F238E27FC236}">
+                <a16:creationId xmlns:a16="http://schemas.microsoft.com/office/drawing/2014/main" id="{F777BBB8-C479-33D1-5C9A-0A225555F1ED}"/>
+              </a:ext>
+            </a:extLst>
+          </p:cNvPr>
+          <p:cNvSpPr txBox="1"/>
+          <p:nvPr/>
+        </p:nvSpPr>
+        <p:spPr>
+          <a:xfrm>
+            <a:off x="1816098" y="5468029"/>
+            <a:ext cx="3248913" cy="246221"/>
+          </a:xfrm>
+          <a:prstGeom prst="rect">
+            <a:avLst/>
+          </a:prstGeom>
+          <a:noFill/>
+        </p:spPr>
+        <p:txBody>
+          <a:bodyPr wrap="square">
+            <a:spAutoFit/>
+          </a:bodyPr>
+          <a:lstStyle/>
+          <a:p>
+            <a:pPr algn="r"/>
+            <a:r>
+              <a:rPr lang="ko-KR" altLang="en-US" sz="1000">
+                <a:solidFill>
+                  <a:srgbClr val="495057"/>
+                </a:solidFill>
+                <a:latin typeface="Inter"/>
+              </a:rPr>
+              <a:t>국제 에너지 기구 </a:t>
+            </a:r>
+            <a:r>
+              <a:rPr lang="en-US" altLang="ko-KR" sz="1000">
+                <a:solidFill>
+                  <a:srgbClr val="495057"/>
+                </a:solidFill>
+                <a:latin typeface="Inter"/>
+              </a:rPr>
+              <a:t>(IEA) </a:t>
+            </a:r>
+            <a:r>
+              <a:rPr lang="ko-KR" altLang="en-US" sz="1000">
+                <a:solidFill>
+                  <a:srgbClr val="495057"/>
+                </a:solidFill>
+                <a:latin typeface="Inter"/>
+              </a:rPr>
+              <a:t>전 세계 이산화 탄소 배출량 통계</a:t>
+            </a:r>
+            <a:endParaRPr lang="ko-KR" altLang="en-US" sz="1000"/>
+          </a:p>
+        </p:txBody>
+      </p:sp>
+      <p:sp>
+        <p:nvSpPr>
+          <p:cNvPr id="17" name="TextBox 16">
+            <a:extLst>
+              <a:ext uri="{FF2B5EF4-FFF2-40B4-BE49-F238E27FC236}">
+                <a16:creationId xmlns:a16="http://schemas.microsoft.com/office/drawing/2014/main" id="{F7E995BB-9B3A-9006-AC11-E1D2738110AF}"/>
+              </a:ext>
+            </a:extLst>
+          </p:cNvPr>
+          <p:cNvSpPr txBox="1"/>
+          <p:nvPr/>
+        </p:nvSpPr>
+        <p:spPr>
+          <a:xfrm>
+            <a:off x="8370277" y="5545598"/>
+            <a:ext cx="2886528" cy="246221"/>
+          </a:xfrm>
+          <a:prstGeom prst="rect">
+            <a:avLst/>
+          </a:prstGeom>
+          <a:noFill/>
+        </p:spPr>
+        <p:txBody>
+          <a:bodyPr wrap="square">
+            <a:spAutoFit/>
+          </a:bodyPr>
+          <a:lstStyle/>
+          <a:p>
+            <a:pPr algn="r"/>
+            <a:r>
+              <a:rPr lang="en-US" altLang="ko-KR" sz="1000">
+                <a:latin typeface="+mj-lt"/>
+              </a:rPr>
+              <a:t>2012 ~ 2020 </a:t>
+            </a:r>
+            <a:r>
+              <a:rPr lang="ko-KR" altLang="en-US" sz="1000">
+                <a:latin typeface="+mj-lt"/>
+              </a:rPr>
+              <a:t>글로벌 신재생 에너지 고용 현황</a:t>
+            </a:r>
+          </a:p>
+        </p:txBody>
+      </p:sp>
+      <p:pic>
+        <p:nvPicPr>
+          <p:cNvPr id="23" name="그림 22">
+            <a:extLst>
+              <a:ext uri="{FF2B5EF4-FFF2-40B4-BE49-F238E27FC236}">
+                <a16:creationId xmlns:a16="http://schemas.microsoft.com/office/drawing/2014/main" id="{76B9271F-6809-1810-DC6E-98087AD9097A}"/>
+              </a:ext>
+            </a:extLst>
+          </p:cNvPr>
+          <p:cNvPicPr>
+            <a:picLocks noChangeAspect="1"/>
+          </p:cNvPicPr>
+          <p:nvPr/>
+        </p:nvPicPr>
+        <p:blipFill rotWithShape="1">
+          <a:blip r:embed="rId5">
+            <a:extLst>
+              <a:ext uri="{28A0092B-C50C-407E-A947-70E740481C1C}">
+                <a14:useLocalDpi xmlns:a14="http://schemas.microsoft.com/office/drawing/2010/main" val="0"/>
+              </a:ext>
+            </a:extLst>
+          </a:blip>
+          <a:srcRect b="14629"/>
+          <a:stretch/>
+        </p:blipFill>
+        <p:spPr>
+          <a:xfrm>
+            <a:off x="1240341" y="2921834"/>
+            <a:ext cx="3824670" cy="2520000"/>
+          </a:xfrm>
+          <a:prstGeom prst="rect">
+            <a:avLst/>
+          </a:prstGeom>
+        </p:spPr>
+      </p:pic>
     </p:spTree>
     <p:extLst>
       <p:ext uri="{BB962C8B-B14F-4D97-AF65-F5344CB8AC3E}">
-        <p14:creationId xmlns:p14="http://schemas.microsoft.com/office/powerpoint/2010/main" val="2228333835"/>
+        <p14:creationId xmlns:p14="http://schemas.microsoft.com/office/powerpoint/2010/main" val="3051756231"/>
       </p:ext>
     </p:extLst>
   </p:cSld>
@@ -4876,7 +8033,7 @@
 </p:sld>
 </file>
 
-<file path=ppt/slides/slide13.xml><?xml version="1.0" encoding="utf-8"?>
+<file path=ppt/slides/slide5.xml><?xml version="1.0" encoding="utf-8"?>
 <p:sld xmlns:a="http://schemas.openxmlformats.org/drawingml/2006/main" xmlns:r="http://schemas.openxmlformats.org/officeDocument/2006/relationships" xmlns:p="http://schemas.openxmlformats.org/presentationml/2006/main">
   <p:cSld>
     <p:spTree>
@@ -4910,7 +8067,7 @@
         <p:spPr>
           <a:xfrm>
             <a:off x="492575" y="391668"/>
-            <a:ext cx="2391302" cy="505267"/>
+            <a:ext cx="1793875" cy="513080"/>
           </a:xfrm>
           <a:prstGeom prst="rect">
             <a:avLst/>
@@ -4966,10 +8123,10 @@
                 <a:latin typeface="Malgun Gothic"/>
                 <a:ea typeface="맑은 고딕" panose="020B0503020000020004" pitchFamily="50" charset="-127"/>
               </a:rPr>
-              <a:t>본론</a:t>
-            </a:r>
-            <a:r>
-              <a:rPr kumimoji="0" lang="en-US" altLang="ko-KR" sz="3200" b="1" i="0" u="none" strike="noStrike" kern="0" cap="none" spc="-25" normalizeH="0" baseline="0" noProof="0">
+              <a:t>연구</a:t>
+            </a:r>
+            <a:r>
+              <a:rPr kumimoji="0" lang="ko-KR" altLang="en-US" sz="3200" b="1" i="0" u="none" strike="noStrike" kern="0" cap="none" spc="0" normalizeH="0" baseline="0" noProof="0">
                 <a:ln>
                   <a:noFill/>
                 </a:ln>
@@ -4982,7 +8139,7 @@
                 <a:latin typeface="Malgun Gothic"/>
                 <a:ea typeface="맑은 고딕" panose="020B0503020000020004" pitchFamily="50" charset="-127"/>
               </a:rPr>
-              <a:t>(</a:t>
+              <a:t>	</a:t>
             </a:r>
             <a:r>
               <a:rPr kumimoji="0" lang="ko-KR" altLang="en-US" sz="3200" b="1" i="0" u="none" strike="noStrike" kern="0" cap="none" spc="-25" normalizeH="0" baseline="0" noProof="0">
@@ -4998,32 +8155,7 @@
                 <a:latin typeface="Malgun Gothic"/>
                 <a:ea typeface="맑은 고딕" panose="020B0503020000020004" pitchFamily="50" charset="-127"/>
               </a:rPr>
-              <a:t>논문 </a:t>
-            </a:r>
-            <a:r>
-              <a:rPr lang="en-US" altLang="ko-KR" sz="3200" kern="0" spc="-25">
-                <a:solidFill>
-                  <a:srgbClr val="001F60"/>
-                </a:solidFill>
-                <a:ea typeface="맑은 고딕" panose="020B0503020000020004" pitchFamily="50" charset="-127"/>
-              </a:rPr>
-              <a:t>6</a:t>
-            </a:r>
-            <a:r>
-              <a:rPr kumimoji="0" lang="en-US" altLang="ko-KR" sz="3200" b="1" i="0" u="none" strike="noStrike" kern="0" cap="none" spc="-25" normalizeH="0" baseline="0" noProof="0">
-                <a:ln>
-                  <a:noFill/>
-                </a:ln>
-                <a:solidFill>
-                  <a:srgbClr val="001F60"/>
-                </a:solidFill>
-                <a:effectLst/>
-                <a:uLnTx/>
-                <a:uFillTx/>
-                <a:latin typeface="Malgun Gothic"/>
-                <a:ea typeface="맑은 고딕" panose="020B0503020000020004" pitchFamily="50" charset="-127"/>
-              </a:rPr>
-              <a:t>)</a:t>
+              <a:t>배경</a:t>
             </a:r>
             <a:endParaRPr kumimoji="0" lang="ko-KR" altLang="en-US" sz="3200" b="1" i="0" u="none" strike="noStrike" kern="0" cap="none" spc="0" normalizeH="0" baseline="0" noProof="0" dirty="0">
               <a:ln>
@@ -5218,10 +8350,10 @@
       </p:grpSp>
       <p:sp>
         <p:nvSpPr>
-          <p:cNvPr id="5" name="TextBox 4">
-            <a:extLst>
-              <a:ext uri="{FF2B5EF4-FFF2-40B4-BE49-F238E27FC236}">
-                <a16:creationId xmlns:a16="http://schemas.microsoft.com/office/drawing/2014/main" id="{F2E7B266-169E-4100-7118-6F2682285D06}"/>
+          <p:cNvPr id="7" name="TextBox 6">
+            <a:extLst>
+              <a:ext uri="{FF2B5EF4-FFF2-40B4-BE49-F238E27FC236}">
+                <a16:creationId xmlns:a16="http://schemas.microsoft.com/office/drawing/2014/main" id="{C32BDAE3-8425-E8C0-3D82-A3DF9B086B90}"/>
               </a:ext>
             </a:extLst>
           </p:cNvPr>
@@ -5230,8 +8362,8 @@
         </p:nvSpPr>
         <p:spPr>
           <a:xfrm>
-            <a:off x="382785" y="1283678"/>
-            <a:ext cx="1398140" cy="369332"/>
+            <a:off x="430250" y="1178351"/>
+            <a:ext cx="2820003" cy="369332"/>
           </a:xfrm>
           <a:prstGeom prst="rect">
             <a:avLst/>
@@ -5245,16 +8377,604 @@
           <a:lstStyle/>
           <a:p>
             <a:r>
-              <a:rPr lang="ko-KR" altLang="en-US"/>
-              <a:t>논문 </a:t>
-            </a:r>
-            <a:r>
-              <a:rPr lang="en-US" altLang="ko-KR"/>
-              <a:t>6 </a:t>
-            </a:r>
-            <a:r>
-              <a:rPr lang="ko-KR" altLang="en-US"/>
-              <a:t>내용</a:t>
+              <a:rPr lang="ko-KR" altLang="en-US" b="1"/>
+              <a:t>신재생 에너지 발전 비중</a:t>
+            </a:r>
+          </a:p>
+        </p:txBody>
+      </p:sp>
+      <p:pic>
+        <p:nvPicPr>
+          <p:cNvPr id="23" name="그림 22">
+            <a:extLst>
+              <a:ext uri="{FF2B5EF4-FFF2-40B4-BE49-F238E27FC236}">
+                <a16:creationId xmlns:a16="http://schemas.microsoft.com/office/drawing/2014/main" id="{53A6CDCF-2C8B-803A-BE59-68B77980E7D7}"/>
+              </a:ext>
+            </a:extLst>
+          </p:cNvPr>
+          <p:cNvPicPr>
+            <a:picLocks noChangeAspect="1"/>
+          </p:cNvPicPr>
+          <p:nvPr/>
+        </p:nvPicPr>
+        <p:blipFill rotWithShape="1">
+          <a:blip r:embed="rId4">
+            <a:extLst>
+              <a:ext uri="{28A0092B-C50C-407E-A947-70E740481C1C}">
+                <a14:useLocalDpi xmlns:a14="http://schemas.microsoft.com/office/drawing/2010/main" val="0"/>
+              </a:ext>
+            </a:extLst>
+          </a:blip>
+          <a:srcRect r="68195" b="10254"/>
+          <a:stretch/>
+        </p:blipFill>
+        <p:spPr>
+          <a:xfrm>
+            <a:off x="1308782" y="2442562"/>
+            <a:ext cx="2563030" cy="3307267"/>
+          </a:xfrm>
+          <a:prstGeom prst="rect">
+            <a:avLst/>
+          </a:prstGeom>
+        </p:spPr>
+      </p:pic>
+      <p:sp>
+        <p:nvSpPr>
+          <p:cNvPr id="38" name="TextBox 37">
+            <a:extLst>
+              <a:ext uri="{FF2B5EF4-FFF2-40B4-BE49-F238E27FC236}">
+                <a16:creationId xmlns:a16="http://schemas.microsoft.com/office/drawing/2014/main" id="{5071EE2C-88A2-38E9-0AD7-B4B08E9DA334}"/>
+              </a:ext>
+            </a:extLst>
+          </p:cNvPr>
+          <p:cNvSpPr txBox="1"/>
+          <p:nvPr/>
+        </p:nvSpPr>
+        <p:spPr>
+          <a:xfrm>
+            <a:off x="1099038" y="5626718"/>
+            <a:ext cx="3007613" cy="246221"/>
+          </a:xfrm>
+          <a:prstGeom prst="rect">
+            <a:avLst/>
+          </a:prstGeom>
+          <a:noFill/>
+        </p:spPr>
+        <p:txBody>
+          <a:bodyPr wrap="square">
+            <a:spAutoFit/>
+          </a:bodyPr>
+          <a:lstStyle/>
+          <a:p>
+            <a:pPr algn="r"/>
+            <a:r>
+              <a:rPr lang="en-US" altLang="ko-KR" sz="1000">
+                <a:solidFill>
+                  <a:srgbClr val="495057"/>
+                </a:solidFill>
+                <a:latin typeface="Inter"/>
+              </a:rPr>
+              <a:t>2022</a:t>
+            </a:r>
+            <a:r>
+              <a:rPr lang="ko-KR" altLang="en-US" sz="1000">
+                <a:solidFill>
+                  <a:srgbClr val="495057"/>
+                </a:solidFill>
+                <a:latin typeface="Inter"/>
+              </a:rPr>
+              <a:t>년</a:t>
+            </a:r>
+            <a:r>
+              <a:rPr lang="en-US" altLang="ko-KR" sz="1000">
+                <a:solidFill>
+                  <a:srgbClr val="495057"/>
+                </a:solidFill>
+                <a:latin typeface="Inter"/>
+              </a:rPr>
+              <a:t> Electric Power Journal </a:t>
+            </a:r>
+            <a:r>
+              <a:rPr lang="ko-KR" altLang="en-US" sz="1000">
+                <a:solidFill>
+                  <a:srgbClr val="495057"/>
+                </a:solidFill>
+                <a:latin typeface="Inter"/>
+              </a:rPr>
+              <a:t>기사 정부 통계 자료</a:t>
+            </a:r>
+            <a:endParaRPr lang="ko-KR" altLang="en-US" sz="1000"/>
+          </a:p>
+        </p:txBody>
+      </p:sp>
+      <p:sp>
+        <p:nvSpPr>
+          <p:cNvPr id="28" name="직사각형 27">
+            <a:extLst>
+              <a:ext uri="{FF2B5EF4-FFF2-40B4-BE49-F238E27FC236}">
+                <a16:creationId xmlns:a16="http://schemas.microsoft.com/office/drawing/2014/main" id="{99EFACDC-A9D0-EBBF-6B1D-1C27A4A166CF}"/>
+              </a:ext>
+            </a:extLst>
+          </p:cNvPr>
+          <p:cNvSpPr/>
+          <p:nvPr/>
+        </p:nvSpPr>
+        <p:spPr>
+          <a:xfrm>
+            <a:off x="4620831" y="2788782"/>
+            <a:ext cx="2880000" cy="1440000"/>
+          </a:xfrm>
+          <a:prstGeom prst="rect">
+            <a:avLst/>
+          </a:prstGeom>
+          <a:blipFill dpi="0" rotWithShape="1">
+            <a:blip r:embed="rId5">
+              <a:extLst>
+                <a:ext uri="{28A0092B-C50C-407E-A947-70E740481C1C}">
+                  <a14:useLocalDpi xmlns:a14="http://schemas.microsoft.com/office/drawing/2010/main" val="0"/>
+                </a:ext>
+              </a:extLst>
+            </a:blip>
+            <a:srcRect/>
+            <a:stretch>
+              <a:fillRect/>
+            </a:stretch>
+          </a:blipFill>
+          <a:ln>
+            <a:noFill/>
+          </a:ln>
+        </p:spPr>
+        <p:style>
+          <a:lnRef idx="2">
+            <a:schemeClr val="accent1">
+              <a:shade val="50000"/>
+            </a:schemeClr>
+          </a:lnRef>
+          <a:fillRef idx="1">
+            <a:schemeClr val="accent1"/>
+          </a:fillRef>
+          <a:effectRef idx="0">
+            <a:schemeClr val="accent1"/>
+          </a:effectRef>
+          <a:fontRef idx="minor">
+            <a:schemeClr val="lt1"/>
+          </a:fontRef>
+        </p:style>
+        <p:txBody>
+          <a:bodyPr rtlCol="0" anchor="ctr"/>
+          <a:lstStyle/>
+          <a:p>
+            <a:pPr algn="ctr"/>
+            <a:endParaRPr lang="ko-KR" altLang="en-US"/>
+          </a:p>
+        </p:txBody>
+      </p:sp>
+      <p:sp>
+        <p:nvSpPr>
+          <p:cNvPr id="39" name="TextBox 38">
+            <a:extLst>
+              <a:ext uri="{FF2B5EF4-FFF2-40B4-BE49-F238E27FC236}">
+                <a16:creationId xmlns:a16="http://schemas.microsoft.com/office/drawing/2014/main" id="{203E8A0A-443D-5074-5423-79422D776ED5}"/>
+              </a:ext>
+            </a:extLst>
+          </p:cNvPr>
+          <p:cNvSpPr txBox="1"/>
+          <p:nvPr/>
+        </p:nvSpPr>
+        <p:spPr>
+          <a:xfrm>
+            <a:off x="5856027" y="4228782"/>
+            <a:ext cx="1715142" cy="246221"/>
+          </a:xfrm>
+          <a:prstGeom prst="rect">
+            <a:avLst/>
+          </a:prstGeom>
+          <a:noFill/>
+        </p:spPr>
+        <p:txBody>
+          <a:bodyPr wrap="square">
+            <a:spAutoFit/>
+          </a:bodyPr>
+          <a:lstStyle/>
+          <a:p>
+            <a:pPr algn="r"/>
+            <a:r>
+              <a:rPr lang="en-US" altLang="ko-KR" sz="1000">
+                <a:solidFill>
+                  <a:srgbClr val="495057"/>
+                </a:solidFill>
+                <a:latin typeface="Inter"/>
+              </a:rPr>
+              <a:t>[</a:t>
+            </a:r>
+            <a:r>
+              <a:rPr lang="ko-KR" altLang="en-US" sz="1000">
+                <a:solidFill>
+                  <a:srgbClr val="495057"/>
+                </a:solidFill>
+                <a:latin typeface="Inter"/>
+              </a:rPr>
+              <a:t>사진</a:t>
+            </a:r>
+            <a:r>
+              <a:rPr lang="en-US" altLang="ko-KR" sz="1000">
+                <a:solidFill>
+                  <a:srgbClr val="495057"/>
+                </a:solidFill>
+                <a:latin typeface="Inter"/>
+              </a:rPr>
+              <a:t>] </a:t>
+            </a:r>
+            <a:r>
+              <a:rPr lang="ko-KR" altLang="en-US" sz="1000">
+                <a:solidFill>
+                  <a:srgbClr val="495057"/>
+                </a:solidFill>
+                <a:latin typeface="Inter"/>
+              </a:rPr>
+              <a:t>게티이미지뱅크</a:t>
+            </a:r>
+            <a:endParaRPr lang="ko-KR" altLang="en-US" sz="1000"/>
+          </a:p>
+        </p:txBody>
+      </p:sp>
+      <p:grpSp>
+        <p:nvGrpSpPr>
+          <p:cNvPr id="46" name="그룹 45">
+            <a:extLst>
+              <a:ext uri="{FF2B5EF4-FFF2-40B4-BE49-F238E27FC236}">
+                <a16:creationId xmlns:a16="http://schemas.microsoft.com/office/drawing/2014/main" id="{FE1A3572-87A4-69E1-3A5A-63897855578E}"/>
+              </a:ext>
+            </a:extLst>
+          </p:cNvPr>
+          <p:cNvGrpSpPr/>
+          <p:nvPr/>
+        </p:nvGrpSpPr>
+        <p:grpSpPr>
+          <a:xfrm>
+            <a:off x="8003704" y="2788782"/>
+            <a:ext cx="2882347" cy="1686220"/>
+            <a:chOff x="8000872" y="3376195"/>
+            <a:chExt cx="2882347" cy="1686220"/>
+          </a:xfrm>
+        </p:grpSpPr>
+        <p:sp>
+          <p:nvSpPr>
+            <p:cNvPr id="29" name="직사각형 28">
+              <a:extLst>
+                <a:ext uri="{FF2B5EF4-FFF2-40B4-BE49-F238E27FC236}">
+                  <a16:creationId xmlns:a16="http://schemas.microsoft.com/office/drawing/2014/main" id="{CC6E22D4-ABF6-B2B2-46A9-EA75251B0610}"/>
+                </a:ext>
+              </a:extLst>
+            </p:cNvPr>
+            <p:cNvSpPr/>
+            <p:nvPr/>
+          </p:nvSpPr>
+          <p:spPr>
+            <a:xfrm>
+              <a:off x="8000872" y="3376195"/>
+              <a:ext cx="2880000" cy="1440000"/>
+            </a:xfrm>
+            <a:prstGeom prst="rect">
+              <a:avLst/>
+            </a:prstGeom>
+            <a:blipFill dpi="0" rotWithShape="1">
+              <a:blip r:embed="rId6">
+                <a:extLst>
+                  <a:ext uri="{28A0092B-C50C-407E-A947-70E740481C1C}">
+                    <a14:useLocalDpi xmlns:a14="http://schemas.microsoft.com/office/drawing/2010/main" val="0"/>
+                  </a:ext>
+                </a:extLst>
+              </a:blip>
+              <a:srcRect/>
+              <a:stretch>
+                <a:fillRect/>
+              </a:stretch>
+            </a:blipFill>
+            <a:ln>
+              <a:noFill/>
+            </a:ln>
+          </p:spPr>
+          <p:style>
+            <a:lnRef idx="2">
+              <a:schemeClr val="accent1">
+                <a:shade val="50000"/>
+              </a:schemeClr>
+            </a:lnRef>
+            <a:fillRef idx="1">
+              <a:schemeClr val="accent1"/>
+            </a:fillRef>
+            <a:effectRef idx="0">
+              <a:schemeClr val="accent1"/>
+            </a:effectRef>
+            <a:fontRef idx="minor">
+              <a:schemeClr val="lt1"/>
+            </a:fontRef>
+          </p:style>
+          <p:txBody>
+            <a:bodyPr rtlCol="0" anchor="ctr"/>
+            <a:lstStyle/>
+            <a:p>
+              <a:pPr algn="ctr"/>
+              <a:endParaRPr lang="ko-KR" altLang="en-US"/>
+            </a:p>
+          </p:txBody>
+        </p:sp>
+        <p:sp>
+          <p:nvSpPr>
+            <p:cNvPr id="40" name="TextBox 39">
+              <a:extLst>
+                <a:ext uri="{FF2B5EF4-FFF2-40B4-BE49-F238E27FC236}">
+                  <a16:creationId xmlns:a16="http://schemas.microsoft.com/office/drawing/2014/main" id="{71D64AB4-0663-F5A2-1CDD-49E11E765CEB}"/>
+                </a:ext>
+              </a:extLst>
+            </p:cNvPr>
+            <p:cNvSpPr txBox="1"/>
+            <p:nvPr/>
+          </p:nvSpPr>
+          <p:spPr>
+            <a:xfrm>
+              <a:off x="8958189" y="4816194"/>
+              <a:ext cx="1925030" cy="246221"/>
+            </a:xfrm>
+            <a:prstGeom prst="rect">
+              <a:avLst/>
+            </a:prstGeom>
+            <a:noFill/>
+          </p:spPr>
+          <p:txBody>
+            <a:bodyPr wrap="square">
+              <a:spAutoFit/>
+            </a:bodyPr>
+            <a:lstStyle/>
+            <a:p>
+              <a:pPr algn="r"/>
+              <a:r>
+                <a:rPr lang="ko-KR" altLang="en-US" sz="1000" b="0" i="0">
+                  <a:solidFill>
+                    <a:srgbClr val="222222"/>
+                  </a:solidFill>
+                  <a:effectLst/>
+                  <a:latin typeface="-apple-system"/>
+                </a:rPr>
+                <a:t>태백귀네미풍력 발전단지 전경</a:t>
+              </a:r>
+              <a:endParaRPr lang="ko-KR" altLang="en-US" sz="1000"/>
+            </a:p>
+          </p:txBody>
+        </p:sp>
+      </p:grpSp>
+      <p:sp>
+        <p:nvSpPr>
+          <p:cNvPr id="43" name="TextBox 42">
+            <a:extLst>
+              <a:ext uri="{FF2B5EF4-FFF2-40B4-BE49-F238E27FC236}">
+                <a16:creationId xmlns:a16="http://schemas.microsoft.com/office/drawing/2014/main" id="{2E3B7E35-41B3-D35D-EACA-7DE0C77237CA}"/>
+              </a:ext>
+            </a:extLst>
+          </p:cNvPr>
+          <p:cNvSpPr txBox="1"/>
+          <p:nvPr/>
+        </p:nvSpPr>
+        <p:spPr>
+          <a:xfrm>
+            <a:off x="957789" y="1740323"/>
+            <a:ext cx="6849780" cy="487506"/>
+          </a:xfrm>
+          <a:prstGeom prst="rect">
+            <a:avLst/>
+          </a:prstGeom>
+          <a:noFill/>
+        </p:spPr>
+        <p:txBody>
+          <a:bodyPr wrap="square" rtlCol="0">
+            <a:spAutoFit/>
+          </a:bodyPr>
+          <a:lstStyle/>
+          <a:p>
+            <a:pPr fontAlgn="base">
+              <a:lnSpc>
+                <a:spcPct val="200000"/>
+              </a:lnSpc>
+            </a:pPr>
+            <a:r>
+              <a:rPr lang="en-US" altLang="ko-KR" sz="1500">
+                <a:solidFill>
+                  <a:srgbClr val="333333"/>
+                </a:solidFill>
+                <a:latin typeface="맑은고딕"/>
+              </a:rPr>
+              <a:t>-</a:t>
+            </a:r>
+            <a:r>
+              <a:rPr lang="ko-KR" altLang="en-US" sz="1500">
+                <a:solidFill>
+                  <a:srgbClr val="333333"/>
+                </a:solidFill>
+                <a:latin typeface="맑은고딕"/>
+              </a:rPr>
+              <a:t> </a:t>
+            </a:r>
+            <a:r>
+              <a:rPr lang="en-US" altLang="ko-KR" sz="1500">
+                <a:solidFill>
+                  <a:srgbClr val="333333"/>
+                </a:solidFill>
+                <a:latin typeface="맑은고딕"/>
+              </a:rPr>
+              <a:t>2022</a:t>
+            </a:r>
+            <a:r>
+              <a:rPr lang="ko-KR" altLang="en-US" sz="1500">
+                <a:solidFill>
+                  <a:srgbClr val="333333"/>
+                </a:solidFill>
+                <a:latin typeface="맑은고딕"/>
+              </a:rPr>
+              <a:t>년 신재생 에너지 비중 </a:t>
+            </a:r>
+            <a:r>
+              <a:rPr lang="ko-KR" altLang="en-US" sz="1500" b="1">
+                <a:solidFill>
+                  <a:srgbClr val="333333"/>
+                </a:solidFill>
+                <a:latin typeface="맑은고딕"/>
+              </a:rPr>
+              <a:t>태양광</a:t>
+            </a:r>
+            <a:r>
+              <a:rPr lang="en-US" altLang="ko-KR" sz="1500">
+                <a:solidFill>
+                  <a:srgbClr val="333333"/>
+                </a:solidFill>
+                <a:latin typeface="맑은고딕"/>
+              </a:rPr>
+              <a:t>, </a:t>
+            </a:r>
+            <a:r>
+              <a:rPr lang="ko-KR" altLang="en-US" sz="1500" b="1">
+                <a:solidFill>
+                  <a:srgbClr val="333333"/>
+                </a:solidFill>
+                <a:latin typeface="맑은고딕"/>
+              </a:rPr>
+              <a:t>바이오</a:t>
+            </a:r>
+            <a:r>
+              <a:rPr lang="en-US" altLang="ko-KR" sz="1500">
+                <a:solidFill>
+                  <a:srgbClr val="333333"/>
+                </a:solidFill>
+                <a:latin typeface="맑은고딕"/>
+              </a:rPr>
+              <a:t>, </a:t>
+            </a:r>
+            <a:r>
+              <a:rPr lang="ko-KR" altLang="en-US" sz="1500" b="1">
+                <a:solidFill>
+                  <a:srgbClr val="333333"/>
+                </a:solidFill>
+                <a:latin typeface="맑은고딕"/>
+              </a:rPr>
+              <a:t>풍력</a:t>
+            </a:r>
+            <a:r>
+              <a:rPr lang="ko-KR" altLang="en-US" sz="1500">
+                <a:solidFill>
+                  <a:srgbClr val="333333"/>
+                </a:solidFill>
+                <a:latin typeface="맑은고딕"/>
+              </a:rPr>
+              <a:t> 순으로 비율이 가장 높음</a:t>
+            </a:r>
+            <a:endParaRPr lang="en-US" altLang="ko-KR" sz="1500" i="0">
+              <a:solidFill>
+                <a:srgbClr val="000000"/>
+              </a:solidFill>
+              <a:effectLst/>
+              <a:latin typeface="se-nanumgothic"/>
+            </a:endParaRPr>
+          </a:p>
+        </p:txBody>
+      </p:sp>
+      <p:sp>
+        <p:nvSpPr>
+          <p:cNvPr id="44" name="직사각형 43">
+            <a:extLst>
+              <a:ext uri="{FF2B5EF4-FFF2-40B4-BE49-F238E27FC236}">
+                <a16:creationId xmlns:a16="http://schemas.microsoft.com/office/drawing/2014/main" id="{6A24A9D5-8CF4-4418-A2A0-35D5E9316A76}"/>
+              </a:ext>
+            </a:extLst>
+          </p:cNvPr>
+          <p:cNvSpPr/>
+          <p:nvPr/>
+        </p:nvSpPr>
+        <p:spPr>
+          <a:xfrm>
+            <a:off x="6563704" y="4596423"/>
+            <a:ext cx="2880000" cy="1440000"/>
+          </a:xfrm>
+          <a:prstGeom prst="rect">
+            <a:avLst/>
+          </a:prstGeom>
+          <a:blipFill dpi="0" rotWithShape="1">
+            <a:blip r:embed="rId7">
+              <a:extLst>
+                <a:ext uri="{28A0092B-C50C-407E-A947-70E740481C1C}">
+                  <a14:useLocalDpi xmlns:a14="http://schemas.microsoft.com/office/drawing/2010/main" val="0"/>
+                </a:ext>
+              </a:extLst>
+            </a:blip>
+            <a:srcRect/>
+            <a:stretch>
+              <a:fillRect/>
+            </a:stretch>
+          </a:blipFill>
+          <a:ln>
+            <a:noFill/>
+          </a:ln>
+        </p:spPr>
+        <p:style>
+          <a:lnRef idx="2">
+            <a:schemeClr val="accent1">
+              <a:shade val="50000"/>
+            </a:schemeClr>
+          </a:lnRef>
+          <a:fillRef idx="1">
+            <a:schemeClr val="accent1"/>
+          </a:fillRef>
+          <a:effectRef idx="0">
+            <a:schemeClr val="accent1"/>
+          </a:effectRef>
+          <a:fontRef idx="minor">
+            <a:schemeClr val="lt1"/>
+          </a:fontRef>
+        </p:style>
+        <p:txBody>
+          <a:bodyPr rtlCol="0" anchor="ctr"/>
+          <a:lstStyle/>
+          <a:p>
+            <a:pPr algn="ctr"/>
+            <a:endParaRPr lang="ko-KR" altLang="en-US"/>
+          </a:p>
+        </p:txBody>
+      </p:sp>
+      <p:sp>
+        <p:nvSpPr>
+          <p:cNvPr id="47" name="TextBox 46">
+            <a:extLst>
+              <a:ext uri="{FF2B5EF4-FFF2-40B4-BE49-F238E27FC236}">
+                <a16:creationId xmlns:a16="http://schemas.microsoft.com/office/drawing/2014/main" id="{17EAA69C-DD40-3A28-BE18-C6C94F00D946}"/>
+              </a:ext>
+            </a:extLst>
+          </p:cNvPr>
+          <p:cNvSpPr txBox="1"/>
+          <p:nvPr/>
+        </p:nvSpPr>
+        <p:spPr>
+          <a:xfrm>
+            <a:off x="7571169" y="6043261"/>
+            <a:ext cx="1872535" cy="246221"/>
+          </a:xfrm>
+          <a:prstGeom prst="rect">
+            <a:avLst/>
+          </a:prstGeom>
+          <a:noFill/>
+        </p:spPr>
+        <p:txBody>
+          <a:bodyPr wrap="square">
+            <a:spAutoFit/>
+          </a:bodyPr>
+          <a:lstStyle/>
+          <a:p>
+            <a:pPr algn="r"/>
+            <a:r>
+              <a:rPr lang="en-US" altLang="ko-KR" sz="1000"/>
+              <a:t>Bauman </a:t>
+            </a:r>
+            <a:r>
+              <a:rPr lang="ko-KR" altLang="en-US" sz="1000"/>
+              <a:t>바이오가스 정제소</a:t>
             </a:r>
           </a:p>
         </p:txBody>
@@ -5262,7 +8982,7 @@
     </p:spTree>
     <p:extLst>
       <p:ext uri="{BB962C8B-B14F-4D97-AF65-F5344CB8AC3E}">
-        <p14:creationId xmlns:p14="http://schemas.microsoft.com/office/powerpoint/2010/main" val="2842383393"/>
+        <p14:creationId xmlns:p14="http://schemas.microsoft.com/office/powerpoint/2010/main" val="2833178517"/>
       </p:ext>
     </p:extLst>
   </p:cSld>
@@ -5272,7 +8992,7 @@
 </p:sld>
 </file>
 
-<file path=ppt/slides/slide14.xml><?xml version="1.0" encoding="utf-8"?>
+<file path=ppt/slides/slide6.xml><?xml version="1.0" encoding="utf-8"?>
 <p:sld xmlns:a="http://schemas.openxmlformats.org/drawingml/2006/main" xmlns:r="http://schemas.openxmlformats.org/officeDocument/2006/relationships" xmlns:p="http://schemas.openxmlformats.org/presentationml/2006/main">
   <p:cSld>
     <p:spTree>
@@ -5349,13 +9069,52 @@
               <a:defRPr/>
             </a:pPr>
             <a:r>
-              <a:rPr lang="ko-KR" altLang="en-US" sz="3200" kern="0" spc="-25">
+              <a:rPr kumimoji="0" lang="ko-KR" altLang="en-US" sz="3200" b="1" i="0" u="none" strike="noStrike" kern="0" cap="none" spc="-25" normalizeH="0" baseline="0" noProof="0">
+                <a:ln>
+                  <a:noFill/>
+                </a:ln>
                 <a:solidFill>
                   <a:srgbClr val="001F60"/>
                 </a:solidFill>
+                <a:effectLst/>
+                <a:uLnTx/>
+                <a:uFillTx/>
+                <a:latin typeface="Malgun Gothic"/>
                 <a:ea typeface="맑은 고딕" panose="020B0503020000020004" pitchFamily="50" charset="-127"/>
               </a:rPr>
-              <a:t>결론</a:t>
+              <a:t>연구</a:t>
+            </a:r>
+            <a:r>
+              <a:rPr kumimoji="0" lang="ko-KR" altLang="en-US" sz="3200" b="1" i="0" u="none" strike="noStrike" kern="0" cap="none" spc="0" normalizeH="0" baseline="0" noProof="0">
+                <a:ln>
+                  <a:noFill/>
+                </a:ln>
+                <a:solidFill>
+                  <a:srgbClr val="001F60"/>
+                </a:solidFill>
+                <a:effectLst/>
+                <a:uLnTx/>
+                <a:uFillTx/>
+                <a:latin typeface="Malgun Gothic"/>
+                <a:ea typeface="맑은 고딕" panose="020B0503020000020004" pitchFamily="50" charset="-127"/>
+              </a:rPr>
+              <a:t>	</a:t>
+            </a:r>
+            <a:r>
+              <a:rPr kumimoji="0" lang="ko-KR" altLang="en-US" sz="3200" b="1" i="0" u="none" strike="noStrike" kern="0" cap="none" spc="-25" normalizeH="0" baseline="0" noProof="0">
+                <a:ln>
+                  <a:noFill/>
+                </a:ln>
+                <a:solidFill>
+                  <a:srgbClr val="001F60"/>
+                </a:solidFill>
+                <a:effectLst/>
+                <a:uLnTx/>
+                <a:uFillTx/>
+                <a:latin typeface="Malgun Gothic"/>
+                <a:ea typeface="맑은 고딕" panose="020B0503020000020004" pitchFamily="50" charset="-127"/>
+              </a:rPr>
+              <a:t>배경</a:t>
             </a:r>
             <a:endParaRPr kumimoji="0" lang="ko-KR" altLang="en-US" sz="3200" b="1" i="0" u="none" strike="noStrike" kern="0" cap="none" spc="0" normalizeH="0" baseline="0" noProof="0" dirty="0">
               <a:ln>
@@ -5548,10 +9307,435 @@
           </p:spPr>
         </p:pic>
       </p:grpSp>
+      <p:sp>
+        <p:nvSpPr>
+          <p:cNvPr id="7" name="TextBox 6">
+            <a:extLst>
+              <a:ext uri="{FF2B5EF4-FFF2-40B4-BE49-F238E27FC236}">
+                <a16:creationId xmlns:a16="http://schemas.microsoft.com/office/drawing/2014/main" id="{C32BDAE3-8425-E8C0-3D82-A3DF9B086B90}"/>
+              </a:ext>
+            </a:extLst>
+          </p:cNvPr>
+          <p:cNvSpPr txBox="1"/>
+          <p:nvPr/>
+        </p:nvSpPr>
+        <p:spPr>
+          <a:xfrm>
+            <a:off x="430250" y="1178351"/>
+            <a:ext cx="3910045" cy="369332"/>
+          </a:xfrm>
+          <a:prstGeom prst="rect">
+            <a:avLst/>
+          </a:prstGeom>
+          <a:noFill/>
+        </p:spPr>
+        <p:txBody>
+          <a:bodyPr wrap="none" rtlCol="0">
+            <a:spAutoFit/>
+          </a:bodyPr>
+          <a:lstStyle/>
+          <a:p>
+            <a:r>
+              <a:rPr lang="ko-KR" altLang="en-US" b="1"/>
+              <a:t>신재생 에너지 </a:t>
+            </a:r>
+            <a:r>
+              <a:rPr lang="en-US" altLang="ko-KR" b="1"/>
+              <a:t>(</a:t>
+            </a:r>
+            <a:r>
+              <a:rPr lang="ko-KR" altLang="en-US" b="1"/>
+              <a:t>태양광 발전의 장점</a:t>
+            </a:r>
+            <a:r>
+              <a:rPr lang="en-US" altLang="ko-KR" b="1"/>
+              <a:t>)</a:t>
+            </a:r>
+            <a:endParaRPr lang="ko-KR" altLang="en-US" b="1"/>
+          </a:p>
+        </p:txBody>
+      </p:sp>
+      <p:grpSp>
+        <p:nvGrpSpPr>
+          <p:cNvPr id="12" name="그룹 11">
+            <a:extLst>
+              <a:ext uri="{FF2B5EF4-FFF2-40B4-BE49-F238E27FC236}">
+                <a16:creationId xmlns:a16="http://schemas.microsoft.com/office/drawing/2014/main" id="{EF4A069E-535E-26C0-4C60-862280B85724}"/>
+              </a:ext>
+            </a:extLst>
+          </p:cNvPr>
+          <p:cNvGrpSpPr/>
+          <p:nvPr/>
+        </p:nvGrpSpPr>
+        <p:grpSpPr>
+          <a:xfrm>
+            <a:off x="1365572" y="2983766"/>
+            <a:ext cx="9483155" cy="2766221"/>
+            <a:chOff x="864508" y="2045889"/>
+            <a:chExt cx="9483155" cy="2766221"/>
+          </a:xfrm>
+        </p:grpSpPr>
+        <p:grpSp>
+          <p:nvGrpSpPr>
+            <p:cNvPr id="2" name="그룹 1">
+              <a:extLst>
+                <a:ext uri="{FF2B5EF4-FFF2-40B4-BE49-F238E27FC236}">
+                  <a16:creationId xmlns:a16="http://schemas.microsoft.com/office/drawing/2014/main" id="{DCC727DF-A7F1-5845-6CC3-97A684CB2FE7}"/>
+                </a:ext>
+              </a:extLst>
+            </p:cNvPr>
+            <p:cNvGrpSpPr/>
+            <p:nvPr/>
+          </p:nvGrpSpPr>
+          <p:grpSpPr>
+            <a:xfrm>
+              <a:off x="864508" y="2045889"/>
+              <a:ext cx="3849287" cy="2766221"/>
+              <a:chOff x="1018777" y="2616188"/>
+              <a:chExt cx="3849287" cy="2766221"/>
+            </a:xfrm>
+          </p:grpSpPr>
+          <p:pic>
+            <p:nvPicPr>
+              <p:cNvPr id="3" name="그림 2">
+                <a:extLst>
+                  <a:ext uri="{FF2B5EF4-FFF2-40B4-BE49-F238E27FC236}">
+                    <a16:creationId xmlns:a16="http://schemas.microsoft.com/office/drawing/2014/main" id="{5E52B3C9-634E-8340-6CA5-6978D6A863B4}"/>
+                  </a:ext>
+                </a:extLst>
+              </p:cNvPr>
+              <p:cNvPicPr>
+                <a:picLocks noChangeAspect="1"/>
+              </p:cNvPicPr>
+              <p:nvPr/>
+            </p:nvPicPr>
+            <p:blipFill>
+              <a:blip r:embed="rId4">
+                <a:extLst>
+                  <a:ext uri="{28A0092B-C50C-407E-A947-70E740481C1C}">
+                    <a14:useLocalDpi xmlns:a14="http://schemas.microsoft.com/office/drawing/2010/main" val="0"/>
+                  </a:ext>
+                </a:extLst>
+              </a:blip>
+              <a:stretch>
+                <a:fillRect/>
+              </a:stretch>
+            </p:blipFill>
+            <p:spPr>
+              <a:xfrm>
+                <a:off x="1018777" y="2616188"/>
+                <a:ext cx="3849287" cy="2520000"/>
+              </a:xfrm>
+              <a:prstGeom prst="rect">
+                <a:avLst/>
+              </a:prstGeom>
+            </p:spPr>
+          </p:pic>
+          <p:sp>
+            <p:nvSpPr>
+              <p:cNvPr id="5" name="TextBox 4">
+                <a:extLst>
+                  <a:ext uri="{FF2B5EF4-FFF2-40B4-BE49-F238E27FC236}">
+                    <a16:creationId xmlns:a16="http://schemas.microsoft.com/office/drawing/2014/main" id="{EF1A9CE4-1E68-D077-568D-ADF3CE99B191}"/>
+                  </a:ext>
+                </a:extLst>
+              </p:cNvPr>
+              <p:cNvSpPr txBox="1"/>
+              <p:nvPr/>
+            </p:nvSpPr>
+            <p:spPr>
+              <a:xfrm>
+                <a:off x="1619151" y="5136188"/>
+                <a:ext cx="3248913" cy="246221"/>
+              </a:xfrm>
+              <a:prstGeom prst="rect">
+                <a:avLst/>
+              </a:prstGeom>
+              <a:noFill/>
+            </p:spPr>
+            <p:txBody>
+              <a:bodyPr wrap="square">
+                <a:spAutoFit/>
+              </a:bodyPr>
+              <a:lstStyle/>
+              <a:p>
+                <a:pPr algn="r"/>
+                <a:r>
+                  <a:rPr lang="ko-KR" altLang="en-US" sz="1000"/>
+                  <a:t>태양광 전문 설계 업체 ㈜ 에스디 태양광의 장점</a:t>
+                </a:r>
+              </a:p>
+            </p:txBody>
+          </p:sp>
+        </p:grpSp>
+        <p:grpSp>
+          <p:nvGrpSpPr>
+            <p:cNvPr id="8" name="그룹 7">
+              <a:extLst>
+                <a:ext uri="{FF2B5EF4-FFF2-40B4-BE49-F238E27FC236}">
+                  <a16:creationId xmlns:a16="http://schemas.microsoft.com/office/drawing/2014/main" id="{CF290D89-69C1-5D65-1829-7022B8626C93}"/>
+                </a:ext>
+              </a:extLst>
+            </p:cNvPr>
+            <p:cNvGrpSpPr/>
+            <p:nvPr/>
+          </p:nvGrpSpPr>
+          <p:grpSpPr>
+            <a:xfrm>
+              <a:off x="5916167" y="2045889"/>
+              <a:ext cx="4431496" cy="2766220"/>
+              <a:chOff x="5916167" y="2045889"/>
+              <a:chExt cx="4431496" cy="2766220"/>
+            </a:xfrm>
+          </p:grpSpPr>
+          <p:pic>
+            <p:nvPicPr>
+              <p:cNvPr id="9" name="그림 8">
+                <a:extLst>
+                  <a:ext uri="{FF2B5EF4-FFF2-40B4-BE49-F238E27FC236}">
+                    <a16:creationId xmlns:a16="http://schemas.microsoft.com/office/drawing/2014/main" id="{53357C23-CB22-1BBF-6A5D-7A19654E76EA}"/>
+                  </a:ext>
+                </a:extLst>
+              </p:cNvPr>
+              <p:cNvPicPr>
+                <a:picLocks noChangeAspect="1"/>
+              </p:cNvPicPr>
+              <p:nvPr/>
+            </p:nvPicPr>
+            <p:blipFill>
+              <a:blip r:embed="rId5">
+                <a:extLst>
+                  <a:ext uri="{28A0092B-C50C-407E-A947-70E740481C1C}">
+                    <a14:useLocalDpi xmlns:a14="http://schemas.microsoft.com/office/drawing/2010/main" val="0"/>
+                  </a:ext>
+                </a:extLst>
+              </a:blip>
+              <a:stretch>
+                <a:fillRect/>
+              </a:stretch>
+            </p:blipFill>
+            <p:spPr>
+              <a:xfrm>
+                <a:off x="5916167" y="2045889"/>
+                <a:ext cx="4431496" cy="2520000"/>
+              </a:xfrm>
+              <a:prstGeom prst="rect">
+                <a:avLst/>
+              </a:prstGeom>
+            </p:spPr>
+          </p:pic>
+          <p:sp>
+            <p:nvSpPr>
+              <p:cNvPr id="10" name="TextBox 9">
+                <a:extLst>
+                  <a:ext uri="{FF2B5EF4-FFF2-40B4-BE49-F238E27FC236}">
+                    <a16:creationId xmlns:a16="http://schemas.microsoft.com/office/drawing/2014/main" id="{852A9612-8F37-B585-E3AF-1F4CD4720C06}"/>
+                  </a:ext>
+                </a:extLst>
+              </p:cNvPr>
+              <p:cNvSpPr txBox="1"/>
+              <p:nvPr/>
+            </p:nvSpPr>
+            <p:spPr>
+              <a:xfrm>
+                <a:off x="6572095" y="4565888"/>
+                <a:ext cx="3248913" cy="246221"/>
+              </a:xfrm>
+              <a:prstGeom prst="rect">
+                <a:avLst/>
+              </a:prstGeom>
+              <a:noFill/>
+            </p:spPr>
+            <p:txBody>
+              <a:bodyPr wrap="square">
+                <a:spAutoFit/>
+              </a:bodyPr>
+              <a:lstStyle/>
+              <a:p>
+                <a:pPr algn="r"/>
+                <a:r>
+                  <a:rPr lang="ko-KR" altLang="en-US" sz="1000"/>
+                  <a:t>풍력</a:t>
+                </a:r>
+                <a:r>
+                  <a:rPr lang="en-US" altLang="ko-KR" sz="1000"/>
+                  <a:t>, </a:t>
+                </a:r>
+                <a:r>
+                  <a:rPr lang="ko-KR" altLang="en-US" sz="1000"/>
+                  <a:t>태양광 발전 설비 비교</a:t>
+                </a:r>
+              </a:p>
+            </p:txBody>
+          </p:sp>
+        </p:grpSp>
+      </p:grpSp>
+      <p:sp>
+        <p:nvSpPr>
+          <p:cNvPr id="13" name="TextBox 12">
+            <a:extLst>
+              <a:ext uri="{FF2B5EF4-FFF2-40B4-BE49-F238E27FC236}">
+                <a16:creationId xmlns:a16="http://schemas.microsoft.com/office/drawing/2014/main" id="{BE7337DA-6719-480D-FB36-EBE4F0B73233}"/>
+              </a:ext>
+            </a:extLst>
+          </p:cNvPr>
+          <p:cNvSpPr txBox="1"/>
+          <p:nvPr/>
+        </p:nvSpPr>
+        <p:spPr>
+          <a:xfrm>
+            <a:off x="991654" y="1654508"/>
+            <a:ext cx="6226832" cy="1095300"/>
+          </a:xfrm>
+          <a:prstGeom prst="rect">
+            <a:avLst/>
+          </a:prstGeom>
+          <a:noFill/>
+        </p:spPr>
+        <p:txBody>
+          <a:bodyPr wrap="square" rtlCol="0">
+            <a:spAutoFit/>
+          </a:bodyPr>
+          <a:lstStyle/>
+          <a:p>
+            <a:pPr marL="285750" indent="-285750" fontAlgn="base">
+              <a:lnSpc>
+                <a:spcPct val="150000"/>
+              </a:lnSpc>
+              <a:buFontTx/>
+              <a:buChar char="-"/>
+            </a:pPr>
+            <a:r>
+              <a:rPr lang="ko-KR" altLang="en-US" sz="1500">
+                <a:solidFill>
+                  <a:srgbClr val="333333"/>
+                </a:solidFill>
+                <a:latin typeface="맑은고딕"/>
+              </a:rPr>
+              <a:t>풍력발전 보다 </a:t>
+            </a:r>
+            <a:r>
+              <a:rPr lang="ko-KR" altLang="en-US" sz="1500" b="1">
+                <a:solidFill>
+                  <a:srgbClr val="333333"/>
+                </a:solidFill>
+                <a:latin typeface="맑은고딕"/>
+              </a:rPr>
+              <a:t>설치 면적이 작다</a:t>
+            </a:r>
+            <a:endParaRPr lang="en-US" altLang="ko-KR" sz="1500" b="1">
+              <a:solidFill>
+                <a:srgbClr val="333333"/>
+              </a:solidFill>
+              <a:latin typeface="맑은고딕"/>
+            </a:endParaRPr>
+          </a:p>
+          <a:p>
+            <a:pPr marL="285750" indent="-285750" fontAlgn="base">
+              <a:lnSpc>
+                <a:spcPct val="150000"/>
+              </a:lnSpc>
+              <a:buFontTx/>
+              <a:buChar char="-"/>
+            </a:pPr>
+            <a:r>
+              <a:rPr lang="ko-KR" altLang="en-US" sz="1500" b="1" i="0">
+                <a:solidFill>
+                  <a:srgbClr val="000000"/>
+                </a:solidFill>
+                <a:effectLst/>
+                <a:latin typeface="se-nanumgothic"/>
+              </a:rPr>
+              <a:t>유지 보수 비용</a:t>
+            </a:r>
+            <a:r>
+              <a:rPr lang="ko-KR" altLang="en-US" sz="1500" i="0">
+                <a:solidFill>
+                  <a:srgbClr val="000000"/>
+                </a:solidFill>
+                <a:effectLst/>
+                <a:latin typeface="se-nanumgothic"/>
+              </a:rPr>
+              <a:t>과 </a:t>
+            </a:r>
+            <a:r>
+              <a:rPr lang="ko-KR" altLang="en-US" sz="1500" b="1" i="0">
+                <a:solidFill>
+                  <a:srgbClr val="000000"/>
+                </a:solidFill>
+                <a:effectLst/>
+                <a:latin typeface="se-nanumgothic"/>
+              </a:rPr>
+              <a:t>소음</a:t>
+            </a:r>
+            <a:r>
+              <a:rPr lang="ko-KR" altLang="en-US" sz="1500" i="0">
+                <a:solidFill>
+                  <a:srgbClr val="000000"/>
+                </a:solidFill>
+                <a:effectLst/>
+                <a:latin typeface="se-nanumgothic"/>
+              </a:rPr>
+              <a:t>이 </a:t>
+            </a:r>
+            <a:r>
+              <a:rPr lang="ko-KR" altLang="en-US" sz="1500" b="1" i="0">
+                <a:solidFill>
+                  <a:srgbClr val="000000"/>
+                </a:solidFill>
+                <a:effectLst/>
+                <a:latin typeface="se-nanumgothic"/>
+              </a:rPr>
+              <a:t>적다</a:t>
+            </a:r>
+            <a:endParaRPr lang="en-US" altLang="ko-KR" sz="1500" b="1" i="0">
+              <a:solidFill>
+                <a:srgbClr val="000000"/>
+              </a:solidFill>
+              <a:effectLst/>
+              <a:latin typeface="se-nanumgothic"/>
+            </a:endParaRPr>
+          </a:p>
+          <a:p>
+            <a:pPr marL="285750" indent="-285750" fontAlgn="base">
+              <a:lnSpc>
+                <a:spcPct val="150000"/>
+              </a:lnSpc>
+              <a:buFontTx/>
+              <a:buChar char="-"/>
+            </a:pPr>
+            <a:r>
+              <a:rPr lang="ko-KR" altLang="en-US" sz="1500">
+                <a:solidFill>
+                  <a:srgbClr val="000000"/>
+                </a:solidFill>
+                <a:latin typeface="se-nanumgothic"/>
+              </a:rPr>
+              <a:t>풍력 발전보다 </a:t>
+            </a:r>
+            <a:r>
+              <a:rPr lang="ko-KR" altLang="en-US" sz="1500" b="1">
+                <a:solidFill>
+                  <a:srgbClr val="000000"/>
+                </a:solidFill>
+                <a:latin typeface="se-nanumgothic"/>
+              </a:rPr>
+              <a:t>국내 설비량이 많다</a:t>
+            </a:r>
+            <a:endParaRPr lang="en-US" altLang="ko-KR" sz="1500" b="1" i="0">
+              <a:solidFill>
+                <a:srgbClr val="000000"/>
+              </a:solidFill>
+              <a:effectLst/>
+              <a:latin typeface="se-nanumgothic"/>
+            </a:endParaRPr>
+          </a:p>
+        </p:txBody>
+      </p:sp>
     </p:spTree>
     <p:extLst>
       <p:ext uri="{BB962C8B-B14F-4D97-AF65-F5344CB8AC3E}">
-        <p14:creationId xmlns:p14="http://schemas.microsoft.com/office/powerpoint/2010/main" val="4248251202"/>
+        <p14:creationId xmlns:p14="http://schemas.microsoft.com/office/powerpoint/2010/main" val="2356219939"/>
       </p:ext>
     </p:extLst>
   </p:cSld>
@@ -5561,7 +9745,7 @@
 </p:sld>
 </file>
 
-<file path=ppt/slides/slide2.xml><?xml version="1.0" encoding="utf-8"?>
+<file path=ppt/slides/slide7.xml><?xml version="1.0" encoding="utf-8"?>
 <p:sld xmlns:a="http://schemas.openxmlformats.org/drawingml/2006/main" xmlns:r="http://schemas.openxmlformats.org/officeDocument/2006/relationships" xmlns:p="http://schemas.openxmlformats.org/presentationml/2006/main">
   <p:cSld>
     <p:spTree>
@@ -5651,7 +9835,7 @@
                 <a:latin typeface="Malgun Gothic"/>
                 <a:ea typeface="맑은 고딕" panose="020B0503020000020004" pitchFamily="50" charset="-127"/>
               </a:rPr>
-              <a:t>목차</a:t>
+              <a:t>목적</a:t>
             </a:r>
             <a:endParaRPr kumimoji="0" lang="ko-KR" altLang="en-US" sz="3200" b="1" i="0" u="none" strike="noStrike" kern="0" cap="none" spc="0" normalizeH="0" baseline="0" noProof="0" dirty="0">
               <a:ln>
@@ -5846,10 +10030,10 @@
       </p:grpSp>
       <p:sp>
         <p:nvSpPr>
-          <p:cNvPr id="7" name="TextBox 6">
-            <a:extLst>
-              <a:ext uri="{FF2B5EF4-FFF2-40B4-BE49-F238E27FC236}">
-                <a16:creationId xmlns:a16="http://schemas.microsoft.com/office/drawing/2014/main" id="{6B96BE26-2017-014E-5014-687C9E2461D1}"/>
+          <p:cNvPr id="5" name="TextBox 4">
+            <a:extLst>
+              <a:ext uri="{FF2B5EF4-FFF2-40B4-BE49-F238E27FC236}">
+                <a16:creationId xmlns:a16="http://schemas.microsoft.com/office/drawing/2014/main" id="{F2E7B266-169E-4100-7118-6F2682285D06}"/>
               </a:ext>
             </a:extLst>
           </p:cNvPr>
@@ -5858,8 +10042,8 @@
         </p:nvSpPr>
         <p:spPr>
           <a:xfrm>
-            <a:off x="430249" y="1371599"/>
-            <a:ext cx="1635943" cy="3033651"/>
+            <a:off x="753414" y="1801619"/>
+            <a:ext cx="9451626" cy="869790"/>
           </a:xfrm>
           <a:prstGeom prst="rect">
             <a:avLst/>
@@ -5867,59 +10051,249 @@
           <a:noFill/>
         </p:spPr>
         <p:txBody>
-          <a:bodyPr wrap="square" rtlCol="0">
+          <a:bodyPr wrap="none" rtlCol="0">
             <a:spAutoFit/>
           </a:bodyPr>
           <a:lstStyle/>
           <a:p>
-            <a:pPr marL="342900" indent="-342900">
+            <a:pPr marL="285750" indent="-285750">
               <a:lnSpc>
-                <a:spcPct val="250000"/>
+                <a:spcPct val="150000"/>
               </a:lnSpc>
-              <a:buAutoNum type="arabicPeriod"/>
+              <a:buFontTx/>
+              <a:buChar char="-"/>
             </a:pPr>
             <a:r>
-              <a:rPr lang="ko-KR" altLang="en-US" sz="2000"/>
-              <a:t>연구 배경</a:t>
-            </a:r>
-            <a:endParaRPr lang="en-US" altLang="ko-KR" sz="2000"/>
-          </a:p>
-          <a:p>
-            <a:pPr marL="342900" indent="-342900">
+              <a:rPr lang="ko-KR" altLang="en-US"/>
+              <a:t>태양광 발전 시스템 운영을 위해서는 </a:t>
+            </a:r>
+            <a:r>
+              <a:rPr lang="ko-KR" altLang="en-US" b="1">
+                <a:effectLst/>
+              </a:rPr>
+              <a:t>사전에 정확한 단기 태양광 발전량을 예측</a:t>
+            </a:r>
+            <a:r>
+              <a:rPr lang="ko-KR" altLang="en-US">
+                <a:effectLst/>
+              </a:rPr>
+              <a:t>하는 것</a:t>
+            </a:r>
+            <a:endParaRPr lang="en-US" altLang="ko-KR">
+              <a:effectLst/>
+            </a:endParaRPr>
+          </a:p>
+          <a:p>
+            <a:pPr marL="285750" indent="-285750">
               <a:lnSpc>
-                <a:spcPct val="250000"/>
+                <a:spcPct val="150000"/>
               </a:lnSpc>
-              <a:buAutoNum type="arabicPeriod"/>
+              <a:buFontTx/>
+              <a:buChar char="-"/>
             </a:pPr>
             <a:r>
-              <a:rPr lang="ko-KR" altLang="en-US" sz="2000"/>
-              <a:t>목적</a:t>
-            </a:r>
-            <a:endParaRPr lang="en-US" altLang="ko-KR" sz="2000"/>
-          </a:p>
-          <a:p>
-            <a:pPr marL="342900" indent="-342900">
+              <a:rPr lang="ko-KR" altLang="en-US">
+                <a:effectLst/>
+              </a:rPr>
+              <a:t>태양광 발전량 예측 모델의 주요 요인인 </a:t>
+            </a:r>
+            <a:r>
+              <a:rPr lang="ko-KR" altLang="en-US" b="1">
+                <a:effectLst/>
+              </a:rPr>
+              <a:t>일사량 정보를 수집하는 것이 필수</a:t>
+            </a:r>
+            <a:endParaRPr lang="en-US" altLang="ko-KR" b="1"/>
+          </a:p>
+        </p:txBody>
+      </p:sp>
+      <p:sp>
+        <p:nvSpPr>
+          <p:cNvPr id="2" name="TextBox 1">
+            <a:extLst>
+              <a:ext uri="{FF2B5EF4-FFF2-40B4-BE49-F238E27FC236}">
+                <a16:creationId xmlns:a16="http://schemas.microsoft.com/office/drawing/2014/main" id="{A6CAE00C-DCDD-BEE6-20CA-B1FCFED2EC83}"/>
+              </a:ext>
+            </a:extLst>
+          </p:cNvPr>
+          <p:cNvSpPr txBox="1"/>
+          <p:nvPr/>
+        </p:nvSpPr>
+        <p:spPr>
+          <a:xfrm>
+            <a:off x="430250" y="1432287"/>
+            <a:ext cx="646331" cy="369332"/>
+          </a:xfrm>
+          <a:prstGeom prst="rect">
+            <a:avLst/>
+          </a:prstGeom>
+          <a:noFill/>
+        </p:spPr>
+        <p:txBody>
+          <a:bodyPr wrap="none" rtlCol="0">
+            <a:spAutoFit/>
+          </a:bodyPr>
+          <a:lstStyle/>
+          <a:p>
+            <a:r>
+              <a:rPr lang="ko-KR" altLang="en-US" b="1"/>
+              <a:t>중요</a:t>
+            </a:r>
+          </a:p>
+        </p:txBody>
+      </p:sp>
+      <p:sp>
+        <p:nvSpPr>
+          <p:cNvPr id="6" name="TextBox 5">
+            <a:extLst>
+              <a:ext uri="{FF2B5EF4-FFF2-40B4-BE49-F238E27FC236}">
+                <a16:creationId xmlns:a16="http://schemas.microsoft.com/office/drawing/2014/main" id="{FD4C6D37-62A8-7D63-B571-1EBA73F59AF1}"/>
+              </a:ext>
+            </a:extLst>
+          </p:cNvPr>
+          <p:cNvSpPr txBox="1"/>
+          <p:nvPr/>
+        </p:nvSpPr>
+        <p:spPr>
+          <a:xfrm>
+            <a:off x="753414" y="3724927"/>
+            <a:ext cx="10663873" cy="1700787"/>
+          </a:xfrm>
+          <a:prstGeom prst="rect">
+            <a:avLst/>
+          </a:prstGeom>
+          <a:noFill/>
+        </p:spPr>
+        <p:txBody>
+          <a:bodyPr wrap="square">
+            <a:spAutoFit/>
+          </a:bodyPr>
+          <a:lstStyle/>
+          <a:p>
+            <a:pPr marL="285750" indent="-285750">
               <a:lnSpc>
-                <a:spcPct val="250000"/>
+                <a:spcPct val="150000"/>
               </a:lnSpc>
-              <a:buAutoNum type="arabicPeriod"/>
+              <a:buFontTx/>
+              <a:buChar char="-"/>
             </a:pPr>
             <a:r>
-              <a:rPr lang="ko-KR" altLang="en-US" sz="2000"/>
-              <a:t>본론</a:t>
-            </a:r>
-            <a:endParaRPr lang="en-US" altLang="ko-KR" sz="2000"/>
-          </a:p>
-          <a:p>
-            <a:pPr marL="342900" indent="-342900">
+              <a:rPr lang="ko-KR" altLang="en-US" b="1">
+                <a:effectLst/>
+              </a:rPr>
+              <a:t>기상청</a:t>
+            </a:r>
+            <a:r>
+              <a:rPr lang="ko-KR" altLang="en-US">
+                <a:effectLst/>
+              </a:rPr>
+              <a:t>의 </a:t>
+            </a:r>
+            <a:r>
+              <a:rPr lang="ko-KR" altLang="en-US" b="1">
+                <a:effectLst/>
+              </a:rPr>
+              <a:t>동네예보</a:t>
+            </a:r>
+            <a:r>
+              <a:rPr lang="ko-KR" altLang="en-US">
+                <a:effectLst/>
+              </a:rPr>
+              <a:t>는 기온</a:t>
+            </a:r>
+            <a:r>
+              <a:rPr lang="en-US" altLang="ko-KR">
+                <a:effectLst/>
+              </a:rPr>
+              <a:t>, </a:t>
+            </a:r>
+            <a:r>
+              <a:rPr lang="ko-KR" altLang="en-US">
+                <a:effectLst/>
+              </a:rPr>
+              <a:t>습도와 같은 요인의 예측값은 제공하나</a:t>
+            </a:r>
+            <a:r>
+              <a:rPr lang="en-US" altLang="ko-KR">
+                <a:effectLst/>
+              </a:rPr>
+              <a:t>, </a:t>
+            </a:r>
+            <a:r>
+              <a:rPr lang="ko-KR" altLang="en-US" b="1">
+                <a:effectLst/>
+              </a:rPr>
+              <a:t>일사량에 대한 예측값은 제공하지 않는다</a:t>
+            </a:r>
+            <a:endParaRPr lang="en-US" altLang="ko-KR" b="1">
+              <a:effectLst/>
+            </a:endParaRPr>
+          </a:p>
+          <a:p>
+            <a:pPr marL="285750" indent="-285750">
               <a:lnSpc>
-                <a:spcPct val="250000"/>
+                <a:spcPct val="150000"/>
               </a:lnSpc>
-              <a:buAutoNum type="arabicPeriod"/>
+              <a:buFontTx/>
+              <a:buChar char="-"/>
             </a:pPr>
             <a:r>
-              <a:rPr lang="ko-KR" altLang="en-US" sz="2000"/>
-              <a:t>결론</a:t>
+              <a:rPr lang="ko-KR" altLang="en-US"/>
+              <a:t>따라서 정확한 단기 일사량 예측 모델이 요구 </a:t>
+            </a:r>
+            <a:r>
+              <a:rPr lang="ko-KR" altLang="en-US" b="1">
+                <a:effectLst/>
+              </a:rPr>
+              <a:t>국내 여러 기관</a:t>
+            </a:r>
+            <a:r>
+              <a:rPr lang="ko-KR" altLang="en-US">
+                <a:effectLst/>
+              </a:rPr>
+              <a:t>에서 </a:t>
+            </a:r>
+            <a:r>
+              <a:rPr lang="ko-KR" altLang="en-US" b="1">
+                <a:effectLst/>
+              </a:rPr>
+              <a:t>기계학습을 기반으로 일사량 예측 모델들을 보고</a:t>
+            </a:r>
+            <a:endParaRPr lang="ko-KR" altLang="en-US" b="1"/>
+          </a:p>
+        </p:txBody>
+      </p:sp>
+      <p:sp>
+        <p:nvSpPr>
+          <p:cNvPr id="7" name="TextBox 6">
+            <a:extLst>
+              <a:ext uri="{FF2B5EF4-FFF2-40B4-BE49-F238E27FC236}">
+                <a16:creationId xmlns:a16="http://schemas.microsoft.com/office/drawing/2014/main" id="{D1C3B947-87DC-5EEA-EB26-82990C6B28E4}"/>
+              </a:ext>
+            </a:extLst>
+          </p:cNvPr>
+          <p:cNvSpPr txBox="1"/>
+          <p:nvPr/>
+        </p:nvSpPr>
+        <p:spPr>
+          <a:xfrm>
+            <a:off x="430249" y="3313604"/>
+            <a:ext cx="1502334" cy="369332"/>
+          </a:xfrm>
+          <a:prstGeom prst="rect">
+            <a:avLst/>
+          </a:prstGeom>
+          <a:noFill/>
+        </p:spPr>
+        <p:txBody>
+          <a:bodyPr wrap="none" rtlCol="0">
+            <a:spAutoFit/>
+          </a:bodyPr>
+          <a:lstStyle/>
+          <a:p>
+            <a:r>
+              <a:rPr lang="ko-KR" altLang="en-US" b="1"/>
+              <a:t>문제 및 목적</a:t>
             </a:r>
           </a:p>
         </p:txBody>
@@ -5927,7 +10301,7 @@
     </p:spTree>
     <p:extLst>
       <p:ext uri="{BB962C8B-B14F-4D97-AF65-F5344CB8AC3E}">
-        <p14:creationId xmlns:p14="http://schemas.microsoft.com/office/powerpoint/2010/main" val="250787861"/>
+        <p14:creationId xmlns:p14="http://schemas.microsoft.com/office/powerpoint/2010/main" val="3002335022"/>
       </p:ext>
     </p:extLst>
   </p:cSld>
@@ -5937,7 +10311,7 @@
 </p:sld>
 </file>
 
-<file path=ppt/slides/slide3.xml><?xml version="1.0" encoding="utf-8"?>
+<file path=ppt/slides/slide8.xml><?xml version="1.0" encoding="utf-8"?>
 <p:sld xmlns:a="http://schemas.openxmlformats.org/drawingml/2006/main" xmlns:r="http://schemas.openxmlformats.org/officeDocument/2006/relationships" xmlns:p="http://schemas.openxmlformats.org/presentationml/2006/main">
   <p:cSld>
     <p:spTree>
@@ -5971,7 +10345,7 @@
         <p:spPr>
           <a:xfrm>
             <a:off x="492575" y="391668"/>
-            <a:ext cx="1793875" cy="513080"/>
+            <a:ext cx="11353800" cy="505267"/>
           </a:xfrm>
           <a:prstGeom prst="rect">
             <a:avLst/>
@@ -6014,7 +10388,34 @@
               <a:defRPr/>
             </a:pPr>
             <a:r>
-              <a:rPr kumimoji="0" lang="ko-KR" altLang="en-US" sz="3200" b="1" i="0" u="none" strike="noStrike" kern="0" cap="none" spc="-25" normalizeH="0" baseline="0" noProof="0">
+              <a:rPr lang="ko-KR" altLang="en-US" sz="3200" kern="0" spc="-25">
+                <a:solidFill>
+                  <a:srgbClr val="001F60"/>
+                </a:solidFill>
+                <a:ea typeface="맑은 고딕" panose="020B0503020000020004" pitchFamily="50" charset="-127"/>
+              </a:rPr>
+              <a:t>논문</a:t>
+            </a:r>
+            <a:r>
+              <a:rPr lang="en-US" altLang="ko-KR" sz="3200" kern="0" spc="-25">
+                <a:solidFill>
+                  <a:srgbClr val="001F60"/>
+                </a:solidFill>
+                <a:ea typeface="맑은 고딕" panose="020B0503020000020004" pitchFamily="50" charset="-127"/>
+              </a:rPr>
+              <a:t>1</a:t>
+            </a:r>
+            <a:r>
+              <a:rPr lang="ko-KR" altLang="en-US" sz="3200" kern="0" spc="-25">
+                <a:solidFill>
+                  <a:srgbClr val="001F60"/>
+                </a:solidFill>
+                <a:ea typeface="맑은 고딕" panose="020B0503020000020004" pitchFamily="50" charset="-127"/>
+              </a:rPr>
+              <a:t> </a:t>
+            </a:r>
+            <a:r>
+              <a:rPr kumimoji="0" lang="en-US" altLang="ko-KR" sz="2000" b="1" i="0" u="none" strike="noStrike" kern="0" cap="none" spc="-25" normalizeH="0" baseline="0" noProof="0">
                 <a:ln>
                   <a:noFill/>
                 </a:ln>
@@ -6027,10 +10428,28 @@
                 <a:latin typeface="Malgun Gothic"/>
                 <a:ea typeface="맑은 고딕" panose="020B0503020000020004" pitchFamily="50" charset="-127"/>
               </a:rPr>
-              <a:t>연구</a:t>
-            </a:r>
-            <a:r>
-              <a:rPr kumimoji="0" lang="ko-KR" altLang="en-US" sz="3200" b="1" i="0" u="none" strike="noStrike" kern="0" cap="none" spc="0" normalizeH="0" baseline="0" noProof="0">
+              <a:t>(</a:t>
+            </a:r>
+            <a:r>
+              <a:rPr lang="ko-KR" altLang="en-US" sz="2000" kern="0" spc="-25">
+                <a:solidFill>
+                  <a:srgbClr val="001F60"/>
+                </a:solidFill>
+                <a:ea typeface="맑은 고딕" panose="020B0503020000020004" pitchFamily="50" charset="-127"/>
+              </a:rPr>
+              <a:t>기계학습을 활용한 기상예측 자료 기반 태양광 발전량 예측 향상 기법 </a:t>
+            </a:r>
+            <a:r>
+              <a:rPr lang="en-US" altLang="ko-KR" sz="2000" kern="0" spc="-25">
+                <a:solidFill>
+                  <a:srgbClr val="001F60"/>
+                </a:solidFill>
+                <a:ea typeface="맑은 고딕" panose="020B0503020000020004" pitchFamily="50" charset="-127"/>
+              </a:rPr>
+              <a:t>KCI</a:t>
+            </a:r>
+            <a:r>
+              <a:rPr kumimoji="0" lang="en-US" altLang="ko-KR" sz="2000" b="1" i="0" u="none" strike="noStrike" kern="0" cap="none" spc="-25" normalizeH="0" baseline="0" noProof="0">
                 <a:ln>
                   <a:noFill/>
                 </a:ln>
@@ -6043,25 +10462,9 @@
                 <a:latin typeface="Malgun Gothic"/>
                 <a:ea typeface="맑은 고딕" panose="020B0503020000020004" pitchFamily="50" charset="-127"/>
               </a:rPr>
-              <a:t>	</a:t>
-            </a:r>
-            <a:r>
-              <a:rPr kumimoji="0" lang="ko-KR" altLang="en-US" sz="3200" b="1" i="0" u="none" strike="noStrike" kern="0" cap="none" spc="-25" normalizeH="0" baseline="0" noProof="0">
-                <a:ln>
-                  <a:noFill/>
-                </a:ln>
-                <a:solidFill>
-                  <a:srgbClr val="001F60"/>
-                </a:solidFill>
-                <a:effectLst/>
-                <a:uLnTx/>
-                <a:uFillTx/>
-                <a:latin typeface="Malgun Gothic"/>
-                <a:ea typeface="맑은 고딕" panose="020B0503020000020004" pitchFamily="50" charset="-127"/>
-              </a:rPr>
-              <a:t>배경</a:t>
-            </a:r>
-            <a:endParaRPr kumimoji="0" lang="ko-KR" altLang="en-US" sz="3200" b="1" i="0" u="none" strike="noStrike" kern="0" cap="none" spc="0" normalizeH="0" baseline="0" noProof="0" dirty="0">
+              <a:t>)</a:t>
+            </a:r>
+            <a:endParaRPr kumimoji="0" lang="ko-KR" altLang="en-US" sz="2000" b="1" i="0" u="none" strike="noStrike" kern="0" cap="none" spc="0" normalizeH="0" baseline="0" noProof="0" dirty="0">
               <a:ln>
                 <a:noFill/>
               </a:ln>
@@ -6254,10 +10657,10 @@
       </p:grpSp>
       <p:sp>
         <p:nvSpPr>
-          <p:cNvPr id="5" name="TextBox 4">
-            <a:extLst>
-              <a:ext uri="{FF2B5EF4-FFF2-40B4-BE49-F238E27FC236}">
-                <a16:creationId xmlns:a16="http://schemas.microsoft.com/office/drawing/2014/main" id="{F29C2551-88E7-CCA4-FAA9-F5DC4BF0941D}"/>
+          <p:cNvPr id="3" name="TextBox 2">
+            <a:extLst>
+              <a:ext uri="{FF2B5EF4-FFF2-40B4-BE49-F238E27FC236}">
+                <a16:creationId xmlns:a16="http://schemas.microsoft.com/office/drawing/2014/main" id="{715256BA-C9F5-C9BB-8E4F-24578961A48D}"/>
               </a:ext>
             </a:extLst>
           </p:cNvPr>
@@ -6266,8 +10669,8 @@
         </p:nvSpPr>
         <p:spPr>
           <a:xfrm>
-            <a:off x="430250" y="1178351"/>
-            <a:ext cx="3363421" cy="369332"/>
+            <a:off x="430250" y="1233120"/>
+            <a:ext cx="2589170" cy="369332"/>
           </a:xfrm>
           <a:prstGeom prst="rect">
             <a:avLst/>
@@ -6282,52 +10685,17 @@
           <a:p>
             <a:r>
               <a:rPr lang="ko-KR" altLang="en-US" b="1"/>
-              <a:t>기후 변화 및 에너지 위기 문제</a:t>
-            </a:r>
-          </a:p>
-        </p:txBody>
-      </p:sp>
-      <p:pic>
-        <p:nvPicPr>
-          <p:cNvPr id="7" name="그림 6">
-            <a:extLst>
-              <a:ext uri="{FF2B5EF4-FFF2-40B4-BE49-F238E27FC236}">
-                <a16:creationId xmlns:a16="http://schemas.microsoft.com/office/drawing/2014/main" id="{907642FB-4E81-4AAF-3A29-B26F3FD8C222}"/>
-              </a:ext>
-            </a:extLst>
-          </p:cNvPr>
-          <p:cNvPicPr>
-            <a:picLocks noChangeAspect="1"/>
-          </p:cNvPicPr>
-          <p:nvPr/>
-        </p:nvPicPr>
-        <p:blipFill rotWithShape="1">
-          <a:blip r:embed="rId4">
-            <a:extLst>
-              <a:ext uri="{28A0092B-C50C-407E-A947-70E740481C1C}">
-                <a14:useLocalDpi xmlns:a14="http://schemas.microsoft.com/office/drawing/2010/main" val="0"/>
-              </a:ext>
-            </a:extLst>
-          </a:blip>
-          <a:srcRect b="8584"/>
-          <a:stretch/>
-        </p:blipFill>
-        <p:spPr>
-          <a:xfrm>
-            <a:off x="837206" y="2877109"/>
-            <a:ext cx="4994611" cy="2880000"/>
-          </a:xfrm>
-          <a:prstGeom prst="rect">
-            <a:avLst/>
-          </a:prstGeom>
-        </p:spPr>
-      </p:pic>
-      <p:sp>
-        <p:nvSpPr>
-          <p:cNvPr id="14" name="TextBox 13">
-            <a:extLst>
-              <a:ext uri="{FF2B5EF4-FFF2-40B4-BE49-F238E27FC236}">
-                <a16:creationId xmlns:a16="http://schemas.microsoft.com/office/drawing/2014/main" id="{962984FE-052A-3DAE-3F81-D4AC01C1462F}"/>
+              <a:t>일사량 예측 모델 구성</a:t>
+            </a:r>
+          </a:p>
+        </p:txBody>
+      </p:sp>
+      <p:sp>
+        <p:nvSpPr>
+          <p:cNvPr id="7" name="TextBox 6">
+            <a:extLst>
+              <a:ext uri="{FF2B5EF4-FFF2-40B4-BE49-F238E27FC236}">
+                <a16:creationId xmlns:a16="http://schemas.microsoft.com/office/drawing/2014/main" id="{365A4A72-4240-F524-11FD-37957BE0E68C}"/>
               </a:ext>
             </a:extLst>
           </p:cNvPr>
@@ -6336,302 +10704,8 @@
         </p:nvSpPr>
         <p:spPr>
           <a:xfrm>
-            <a:off x="1569679" y="5739172"/>
-            <a:ext cx="4353526" cy="246221"/>
-          </a:xfrm>
-          <a:prstGeom prst="rect">
-            <a:avLst/>
-          </a:prstGeom>
-          <a:noFill/>
-        </p:spPr>
-        <p:txBody>
-          <a:bodyPr wrap="square">
-            <a:spAutoFit/>
-          </a:bodyPr>
-          <a:lstStyle/>
-          <a:p>
-            <a:pPr algn="r"/>
-            <a:r>
-              <a:rPr lang="en-US" altLang="ko-KR" sz="1000" b="0" i="0">
-                <a:solidFill>
-                  <a:srgbClr val="495057"/>
-                </a:solidFill>
-                <a:effectLst/>
-                <a:latin typeface="Inter"/>
-              </a:rPr>
-              <a:t>1850</a:t>
-            </a:r>
-            <a:r>
-              <a:rPr lang="ko-KR" altLang="en-US" sz="1000" b="0" i="0">
-                <a:solidFill>
-                  <a:srgbClr val="495057"/>
-                </a:solidFill>
-                <a:effectLst/>
-                <a:latin typeface="Inter"/>
-              </a:rPr>
-              <a:t>년</a:t>
-            </a:r>
-            <a:r>
-              <a:rPr lang="en-US" altLang="ko-KR" sz="1000" b="0" i="0">
-                <a:solidFill>
-                  <a:srgbClr val="495057"/>
-                </a:solidFill>
-                <a:effectLst/>
-                <a:latin typeface="Inter"/>
-              </a:rPr>
-              <a:t>~1900</a:t>
-            </a:r>
-            <a:r>
-              <a:rPr lang="ko-KR" altLang="en-US" sz="1000" b="0" i="0">
-                <a:solidFill>
-                  <a:srgbClr val="495057"/>
-                </a:solidFill>
-                <a:effectLst/>
-                <a:latin typeface="Inter"/>
-              </a:rPr>
-              <a:t>년 대비 전 지구 연평균 기온 편차 시계열</a:t>
-            </a:r>
-            <a:r>
-              <a:rPr lang="en-US" altLang="ko-KR" sz="1000" b="0" i="0">
-                <a:solidFill>
-                  <a:srgbClr val="495057"/>
-                </a:solidFill>
-                <a:effectLst/>
-                <a:latin typeface="Inter"/>
-              </a:rPr>
-              <a:t>(</a:t>
-            </a:r>
-            <a:r>
-              <a:rPr lang="ko-KR" altLang="en-US" sz="1000" b="0" i="0">
-                <a:solidFill>
-                  <a:srgbClr val="495057"/>
-                </a:solidFill>
-                <a:effectLst/>
-                <a:latin typeface="Inter"/>
-              </a:rPr>
-              <a:t>그래프</a:t>
-            </a:r>
-            <a:r>
-              <a:rPr lang="en-US" altLang="ko-KR" sz="1000" b="0" i="0">
-                <a:solidFill>
-                  <a:srgbClr val="495057"/>
-                </a:solidFill>
-                <a:effectLst/>
-                <a:latin typeface="Inter"/>
-              </a:rPr>
-              <a:t>=</a:t>
-            </a:r>
-            <a:r>
-              <a:rPr lang="ko-KR" altLang="en-US" sz="1000" b="0" i="0">
-                <a:solidFill>
-                  <a:srgbClr val="495057"/>
-                </a:solidFill>
-                <a:effectLst/>
-                <a:latin typeface="Inter"/>
-              </a:rPr>
-              <a:t>기상청 제공</a:t>
-            </a:r>
-            <a:r>
-              <a:rPr lang="en-US" altLang="ko-KR" sz="1000" b="0" i="0">
-                <a:solidFill>
-                  <a:srgbClr val="495057"/>
-                </a:solidFill>
-                <a:effectLst/>
-                <a:latin typeface="Inter"/>
-              </a:rPr>
-              <a:t>)</a:t>
-            </a:r>
-            <a:endParaRPr lang="ko-KR" altLang="en-US" sz="1000"/>
-          </a:p>
-        </p:txBody>
-      </p:sp>
-      <p:pic>
-        <p:nvPicPr>
-          <p:cNvPr id="11" name="그림 10">
-            <a:extLst>
-              <a:ext uri="{FF2B5EF4-FFF2-40B4-BE49-F238E27FC236}">
-                <a16:creationId xmlns:a16="http://schemas.microsoft.com/office/drawing/2014/main" id="{F3EA529A-0CAD-E48C-D148-EBD3DD4CCDC4}"/>
-              </a:ext>
-            </a:extLst>
-          </p:cNvPr>
-          <p:cNvPicPr>
-            <a:picLocks noChangeAspect="1"/>
-          </p:cNvPicPr>
-          <p:nvPr/>
-        </p:nvPicPr>
-        <p:blipFill>
-          <a:blip r:embed="rId5">
-            <a:extLst>
-              <a:ext uri="{28A0092B-C50C-407E-A947-70E740481C1C}">
-                <a14:useLocalDpi xmlns:a14="http://schemas.microsoft.com/office/drawing/2010/main" val="0"/>
-              </a:ext>
-            </a:extLst>
-          </a:blip>
-          <a:stretch>
-            <a:fillRect/>
-          </a:stretch>
-        </p:blipFill>
-        <p:spPr>
-          <a:xfrm>
-            <a:off x="6563723" y="2877109"/>
-            <a:ext cx="4813370" cy="2880000"/>
-          </a:xfrm>
-          <a:prstGeom prst="rect">
-            <a:avLst/>
-          </a:prstGeom>
-        </p:spPr>
-      </p:pic>
-      <p:sp>
-        <p:nvSpPr>
-          <p:cNvPr id="18" name="TextBox 17">
-            <a:extLst>
-              <a:ext uri="{FF2B5EF4-FFF2-40B4-BE49-F238E27FC236}">
-                <a16:creationId xmlns:a16="http://schemas.microsoft.com/office/drawing/2014/main" id="{E13F89FD-B1F8-BEDE-4A79-0CEC1581F014}"/>
-              </a:ext>
-            </a:extLst>
-          </p:cNvPr>
-          <p:cNvSpPr txBox="1"/>
-          <p:nvPr/>
-        </p:nvSpPr>
-        <p:spPr>
-          <a:xfrm>
-            <a:off x="7586275" y="5654994"/>
-            <a:ext cx="3790818" cy="246221"/>
-          </a:xfrm>
-          <a:prstGeom prst="rect">
-            <a:avLst/>
-          </a:prstGeom>
-          <a:noFill/>
-        </p:spPr>
-        <p:txBody>
-          <a:bodyPr wrap="square">
-            <a:spAutoFit/>
-          </a:bodyPr>
-          <a:lstStyle/>
-          <a:p>
-            <a:pPr algn="r"/>
-            <a:r>
-              <a:rPr lang="ko-KR" altLang="en-US" sz="1000" b="0" i="0">
-                <a:solidFill>
-                  <a:srgbClr val="222222"/>
-                </a:solidFill>
-                <a:effectLst/>
-                <a:latin typeface="+mj-lt"/>
-              </a:rPr>
-              <a:t>최근 </a:t>
-            </a:r>
-            <a:r>
-              <a:rPr lang="en-US" altLang="ko-KR" sz="1000" b="0" i="0">
-                <a:solidFill>
-                  <a:srgbClr val="222222"/>
-                </a:solidFill>
-                <a:effectLst/>
-                <a:latin typeface="+mj-lt"/>
-              </a:rPr>
-              <a:t>30</a:t>
-            </a:r>
-            <a:r>
-              <a:rPr lang="ko-KR" altLang="en-US" sz="1000" b="0" i="0">
-                <a:solidFill>
-                  <a:srgbClr val="222222"/>
-                </a:solidFill>
-                <a:effectLst/>
-                <a:latin typeface="+mj-lt"/>
-              </a:rPr>
-              <a:t>년간</a:t>
-            </a:r>
-            <a:r>
-              <a:rPr lang="en-US" altLang="ko-KR" sz="1000" b="0" i="0">
-                <a:solidFill>
-                  <a:srgbClr val="222222"/>
-                </a:solidFill>
-                <a:effectLst/>
-                <a:latin typeface="+mj-lt"/>
-              </a:rPr>
-              <a:t>(1991∼2020</a:t>
-            </a:r>
-            <a:r>
-              <a:rPr lang="ko-KR" altLang="en-US" sz="1000" b="0" i="0">
-                <a:solidFill>
-                  <a:srgbClr val="222222"/>
-                </a:solidFill>
-                <a:effectLst/>
-                <a:latin typeface="+mj-lt"/>
-              </a:rPr>
-              <a:t>년</a:t>
-            </a:r>
-            <a:r>
-              <a:rPr lang="en-US" altLang="ko-KR" sz="1000" b="0" i="0">
-                <a:solidFill>
-                  <a:srgbClr val="222222"/>
-                </a:solidFill>
-                <a:effectLst/>
-                <a:latin typeface="+mj-lt"/>
-              </a:rPr>
-              <a:t>) </a:t>
-            </a:r>
-            <a:r>
-              <a:rPr lang="ko-KR" altLang="en-US" sz="1000" b="0" i="0">
-                <a:solidFill>
-                  <a:srgbClr val="222222"/>
-                </a:solidFill>
-                <a:effectLst/>
-                <a:latin typeface="+mj-lt"/>
-              </a:rPr>
-              <a:t>해수면 높이 변화</a:t>
-            </a:r>
-            <a:r>
-              <a:rPr lang="en-US" altLang="ko-KR" sz="1000" b="0" i="0">
-                <a:solidFill>
-                  <a:srgbClr val="222222"/>
-                </a:solidFill>
-                <a:effectLst/>
-                <a:latin typeface="+mj-lt"/>
-              </a:rPr>
-              <a:t>(21</a:t>
-            </a:r>
-            <a:r>
-              <a:rPr lang="ko-KR" altLang="en-US" sz="1000" b="0" i="0">
-                <a:solidFill>
-                  <a:srgbClr val="222222"/>
-                </a:solidFill>
-                <a:effectLst/>
-                <a:latin typeface="+mj-lt"/>
-              </a:rPr>
-              <a:t>개 조위관측소</a:t>
-            </a:r>
-            <a:r>
-              <a:rPr lang="en-US" altLang="ko-KR" sz="1000" b="0" i="0">
-                <a:solidFill>
-                  <a:srgbClr val="222222"/>
-                </a:solidFill>
-                <a:effectLst/>
-                <a:latin typeface="+mj-lt"/>
-              </a:rPr>
-              <a:t>)</a:t>
-            </a:r>
-            <a:endParaRPr lang="ko-KR" altLang="en-US" sz="1000">
-              <a:latin typeface="+mj-lt"/>
-            </a:endParaRPr>
-          </a:p>
-        </p:txBody>
-      </p:sp>
-      <p:sp>
-        <p:nvSpPr>
-          <p:cNvPr id="25" name="TextBox 24">
-            <a:extLst>
-              <a:ext uri="{FF2B5EF4-FFF2-40B4-BE49-F238E27FC236}">
-                <a16:creationId xmlns:a16="http://schemas.microsoft.com/office/drawing/2014/main" id="{B310C352-3A00-9B9E-E7CA-E3E4CE938419}"/>
-              </a:ext>
-            </a:extLst>
-          </p:cNvPr>
-          <p:cNvSpPr txBox="1"/>
-          <p:nvPr/>
-        </p:nvSpPr>
-        <p:spPr>
-          <a:xfrm>
-            <a:off x="810887" y="1599908"/>
-            <a:ext cx="10407016" cy="1093441"/>
+            <a:off x="792487" y="1598434"/>
+            <a:ext cx="5754396" cy="1285288"/>
           </a:xfrm>
           <a:prstGeom prst="rect">
             <a:avLst/>
@@ -6652,25 +10726,12 @@
               <a:buChar char="-"/>
             </a:pPr>
             <a:r>
-              <a:rPr lang="ko-KR" altLang="en-US" sz="1500" b="0" i="0">
-                <a:effectLst/>
-                <a:latin typeface="Inter"/>
-              </a:rPr>
-              <a:t>산업혁명 이수 인구증가와 산업화에 의해 화석연료 사용 등으로 대기 중 온실가스 농도가 높아지면서 </a:t>
-            </a:r>
-            <a:r>
-              <a:rPr lang="ko-KR" altLang="en-US" sz="1500" b="1" i="0">
-                <a:effectLst/>
-                <a:latin typeface="Inter"/>
-              </a:rPr>
-              <a:t>지구 온난화 발생</a:t>
-            </a:r>
-            <a:r>
-              <a:rPr lang="en-US" altLang="ko-KR" sz="1500" b="1" i="0">
-                <a:effectLst/>
-                <a:latin typeface="Inter"/>
-              </a:rPr>
-              <a:t>.</a:t>
+              <a:rPr lang="ko-KR" altLang="en-US" b="1"/>
+              <a:t>랜덤 포레스트 </a:t>
+            </a:r>
+            <a:r>
+              <a:rPr lang="en-US" altLang="ko-KR" b="1"/>
+              <a:t>( Random Forest RF )</a:t>
             </a:r>
           </a:p>
           <a:p>
@@ -6682,88 +10743,12 @@
               <a:buChar char="-"/>
             </a:pPr>
             <a:r>
-              <a:rPr lang="ko-KR" altLang="en-US" sz="1500" b="0" i="0">
-                <a:effectLst/>
-                <a:latin typeface="Inter"/>
-              </a:rPr>
-              <a:t>산업화 이전</a:t>
-            </a:r>
-            <a:r>
-              <a:rPr lang="en-US" altLang="ko-KR" sz="1500" b="0" i="0">
-                <a:effectLst/>
-                <a:latin typeface="Inter"/>
-              </a:rPr>
-              <a:t>(1980</a:t>
-            </a:r>
-            <a:r>
-              <a:rPr lang="ko-KR" altLang="en-US" sz="1500" b="0" i="0">
-                <a:effectLst/>
-                <a:latin typeface="Inter"/>
-              </a:rPr>
-              <a:t>년</a:t>
-            </a:r>
-            <a:r>
-              <a:rPr lang="en-US" altLang="ko-KR" sz="1500" b="0" i="0">
-                <a:effectLst/>
-                <a:latin typeface="Inter"/>
-              </a:rPr>
-              <a:t>~1900</a:t>
-            </a:r>
-            <a:r>
-              <a:rPr lang="ko-KR" altLang="en-US" sz="1500" b="0" i="0">
-                <a:effectLst/>
-                <a:latin typeface="Inter"/>
-              </a:rPr>
-              <a:t>년</a:t>
-            </a:r>
-            <a:r>
-              <a:rPr lang="en-US" altLang="ko-KR" sz="1500" b="0" i="0">
-                <a:effectLst/>
-                <a:latin typeface="Inter"/>
-              </a:rPr>
-              <a:t>) </a:t>
-            </a:r>
-            <a:r>
-              <a:rPr lang="ko-KR" altLang="en-US" sz="1500" b="0" i="0">
-                <a:effectLst/>
-                <a:latin typeface="Inter"/>
-              </a:rPr>
-              <a:t>대비 </a:t>
-            </a:r>
-            <a:r>
-              <a:rPr lang="ko-KR" altLang="en-US" sz="1500" b="1" i="0">
-                <a:effectLst/>
-                <a:latin typeface="Inter"/>
-              </a:rPr>
-              <a:t>기온 </a:t>
-            </a:r>
-            <a:r>
-              <a:rPr lang="en-US" altLang="ko-KR" sz="1500" b="1" i="0">
-                <a:effectLst/>
-                <a:latin typeface="Inter"/>
-              </a:rPr>
-              <a:t>1,1°C </a:t>
-            </a:r>
-            <a:r>
-              <a:rPr lang="ko-KR" altLang="en-US" sz="1500" b="1" i="0">
-                <a:effectLst/>
-                <a:latin typeface="Inter"/>
-              </a:rPr>
-              <a:t>증가</a:t>
-            </a:r>
-            <a:r>
-              <a:rPr lang="ko-KR" altLang="en-US" sz="1500" b="0" i="0">
-                <a:effectLst/>
-                <a:latin typeface="Inter"/>
-              </a:rPr>
-              <a:t>했다</a:t>
-            </a:r>
-            <a:r>
-              <a:rPr lang="en-US" altLang="ko-KR" sz="1500" b="0" i="0">
-                <a:effectLst/>
-                <a:latin typeface="Inter"/>
-              </a:rPr>
-              <a:t>.</a:t>
+              <a:rPr lang="ko-KR" altLang="en-US"/>
+              <a:t>서포트 벡터 머신 </a:t>
+            </a:r>
+            <a:r>
+              <a:rPr lang="en-US" altLang="ko-KR"/>
+              <a:t>( Support Vector Machine SVM )</a:t>
             </a:r>
           </a:p>
           <a:p>
@@ -6775,163 +10760,121 @@
               <a:buChar char="-"/>
             </a:pPr>
             <a:r>
-              <a:rPr lang="ko-KR" altLang="en-US" sz="1500" b="0" i="0">
-                <a:solidFill>
-                  <a:srgbClr val="222222"/>
-                </a:solidFill>
-                <a:effectLst/>
-                <a:latin typeface="Nanum Gothic"/>
-              </a:rPr>
-              <a:t>지난 </a:t>
-            </a:r>
-            <a:r>
-              <a:rPr lang="en-US" altLang="ko-KR" sz="1500" b="0" i="0">
-                <a:solidFill>
-                  <a:srgbClr val="222222"/>
-                </a:solidFill>
-                <a:effectLst/>
-                <a:latin typeface="Nanum Gothic"/>
-              </a:rPr>
-              <a:t>30</a:t>
-            </a:r>
-            <a:r>
-              <a:rPr lang="ko-KR" altLang="en-US" sz="1500" b="0" i="0">
-                <a:solidFill>
-                  <a:srgbClr val="222222"/>
-                </a:solidFill>
-                <a:effectLst/>
-                <a:latin typeface="Nanum Gothic"/>
-              </a:rPr>
-              <a:t>년</a:t>
-            </a:r>
-            <a:r>
-              <a:rPr lang="en-US" altLang="ko-KR" sz="1500" b="0" i="0">
-                <a:solidFill>
-                  <a:srgbClr val="222222"/>
-                </a:solidFill>
-                <a:effectLst/>
-                <a:latin typeface="Nanum Gothic"/>
-              </a:rPr>
-              <a:t>(1991</a:t>
-            </a:r>
-            <a:r>
-              <a:rPr lang="ko-KR" altLang="en-US" sz="1500" b="0" i="0">
-                <a:solidFill>
-                  <a:srgbClr val="222222"/>
-                </a:solidFill>
-                <a:effectLst/>
-                <a:latin typeface="Nanum Gothic"/>
-              </a:rPr>
-              <a:t>년</a:t>
-            </a:r>
-            <a:r>
-              <a:rPr lang="en-US" altLang="ko-KR" sz="1500" b="0" i="0">
-                <a:solidFill>
-                  <a:srgbClr val="222222"/>
-                </a:solidFill>
-                <a:effectLst/>
-                <a:latin typeface="Nanum Gothic"/>
-              </a:rPr>
-              <a:t>~2020</a:t>
-            </a:r>
-            <a:r>
-              <a:rPr lang="ko-KR" altLang="en-US" sz="1500" b="0" i="0">
-                <a:solidFill>
-                  <a:srgbClr val="222222"/>
-                </a:solidFill>
-                <a:effectLst/>
-                <a:latin typeface="Nanum Gothic"/>
-              </a:rPr>
-              <a:t>년</a:t>
-            </a:r>
-            <a:r>
-              <a:rPr lang="en-US" altLang="ko-KR" sz="1500" b="0" i="0">
-                <a:solidFill>
-                  <a:srgbClr val="222222"/>
-                </a:solidFill>
-                <a:effectLst/>
-                <a:latin typeface="Nanum Gothic"/>
-              </a:rPr>
-              <a:t>)</a:t>
-            </a:r>
-            <a:r>
-              <a:rPr lang="ko-KR" altLang="en-US" sz="1500" b="0" i="0">
-                <a:solidFill>
-                  <a:srgbClr val="222222"/>
-                </a:solidFill>
-                <a:effectLst/>
-                <a:latin typeface="Nanum Gothic"/>
-              </a:rPr>
-              <a:t>간 우리나라 전 연안의 평균 </a:t>
-            </a:r>
-            <a:r>
-              <a:rPr lang="ko-KR" altLang="en-US" sz="1500" b="1" i="0">
-                <a:solidFill>
-                  <a:srgbClr val="222222"/>
-                </a:solidFill>
-                <a:effectLst/>
-                <a:latin typeface="Nanum Gothic"/>
-              </a:rPr>
-              <a:t>해수면이 매년 </a:t>
-            </a:r>
-            <a:r>
-              <a:rPr lang="en-US" altLang="ko-KR" sz="1500" b="1" i="0">
-                <a:solidFill>
-                  <a:srgbClr val="222222"/>
-                </a:solidFill>
-                <a:effectLst/>
-                <a:latin typeface="Nanum Gothic"/>
-              </a:rPr>
-              <a:t>3.03mm</a:t>
-            </a:r>
-            <a:r>
-              <a:rPr lang="ko-KR" altLang="en-US" sz="1500" b="0" i="0">
-                <a:solidFill>
-                  <a:srgbClr val="222222"/>
-                </a:solidFill>
-                <a:effectLst/>
-                <a:latin typeface="Nanum Gothic"/>
-              </a:rPr>
-              <a:t>씩 높아져 </a:t>
-            </a:r>
-            <a:r>
-              <a:rPr lang="ko-KR" altLang="en-US" sz="1500" b="1" i="0">
-                <a:solidFill>
-                  <a:srgbClr val="222222"/>
-                </a:solidFill>
-                <a:effectLst/>
-                <a:latin typeface="Nanum Gothic"/>
-              </a:rPr>
-              <a:t>평균 </a:t>
-            </a:r>
-            <a:r>
-              <a:rPr lang="en-US" altLang="ko-KR" sz="1500" b="1" i="0">
-                <a:solidFill>
-                  <a:srgbClr val="222222"/>
-                </a:solidFill>
-                <a:effectLst/>
-                <a:latin typeface="Nanum Gothic"/>
-              </a:rPr>
-              <a:t>9.1cm </a:t>
-            </a:r>
-            <a:r>
-              <a:rPr lang="ko-KR" altLang="en-US" sz="1500" b="1" i="0">
-                <a:solidFill>
-                  <a:srgbClr val="222222"/>
-                </a:solidFill>
-                <a:effectLst/>
-                <a:latin typeface="Nanum Gothic"/>
-              </a:rPr>
-              <a:t>가량 상승</a:t>
-            </a:r>
-            <a:endParaRPr lang="ko-KR" altLang="en-US" sz="1500" b="1"/>
+              <a:rPr lang="ko-KR" altLang="en-US"/>
+              <a:t>인공 신경망</a:t>
+            </a:r>
+            <a:r>
+              <a:rPr lang="en-US" altLang="ko-KR"/>
+              <a:t> ( Artificial Neural Network ANN )</a:t>
+            </a:r>
+            <a:endParaRPr lang="en-US" altLang="ko-KR">
+              <a:effectLst/>
+            </a:endParaRPr>
+          </a:p>
+        </p:txBody>
+      </p:sp>
+      <p:sp>
+        <p:nvSpPr>
+          <p:cNvPr id="18" name="TextBox 17">
+            <a:extLst>
+              <a:ext uri="{FF2B5EF4-FFF2-40B4-BE49-F238E27FC236}">
+                <a16:creationId xmlns:a16="http://schemas.microsoft.com/office/drawing/2014/main" id="{15740D47-B26C-122D-09E1-2FD808378E90}"/>
+              </a:ext>
+            </a:extLst>
+          </p:cNvPr>
+          <p:cNvSpPr txBox="1"/>
+          <p:nvPr/>
+        </p:nvSpPr>
+        <p:spPr>
+          <a:xfrm>
+            <a:off x="424388" y="3059668"/>
+            <a:ext cx="1420582" cy="369332"/>
+          </a:xfrm>
+          <a:prstGeom prst="rect">
+            <a:avLst/>
+          </a:prstGeom>
+          <a:noFill/>
+        </p:spPr>
+        <p:txBody>
+          <a:bodyPr wrap="none" rtlCol="0">
+            <a:spAutoFit/>
+          </a:bodyPr>
+          <a:lstStyle/>
+          <a:p>
+            <a:r>
+              <a:rPr lang="ko-KR" altLang="en-US" b="1"/>
+              <a:t>변수 중요도</a:t>
+            </a:r>
+          </a:p>
+        </p:txBody>
+      </p:sp>
+      <p:sp>
+        <p:nvSpPr>
+          <p:cNvPr id="28" name="TextBox 27">
+            <a:extLst>
+              <a:ext uri="{FF2B5EF4-FFF2-40B4-BE49-F238E27FC236}">
+                <a16:creationId xmlns:a16="http://schemas.microsoft.com/office/drawing/2014/main" id="{19D9883C-4D9A-5E4E-8C6B-EDCC771A4792}"/>
+              </a:ext>
+            </a:extLst>
+          </p:cNvPr>
+          <p:cNvSpPr txBox="1"/>
+          <p:nvPr/>
+        </p:nvSpPr>
+        <p:spPr>
+          <a:xfrm>
+            <a:off x="792487" y="3518088"/>
+            <a:ext cx="6639959" cy="454292"/>
+          </a:xfrm>
+          <a:prstGeom prst="rect">
+            <a:avLst/>
+          </a:prstGeom>
+          <a:noFill/>
+        </p:spPr>
+        <p:txBody>
+          <a:bodyPr wrap="none" rtlCol="0">
+            <a:spAutoFit/>
+          </a:bodyPr>
+          <a:lstStyle/>
+          <a:p>
+            <a:pPr marL="285750" indent="-285750">
+              <a:lnSpc>
+                <a:spcPct val="150000"/>
+              </a:lnSpc>
+              <a:buFontTx/>
+              <a:buChar char="-"/>
+            </a:pPr>
+            <a:r>
+              <a:rPr lang="ko-KR" altLang="en-US" b="1"/>
+              <a:t>습도</a:t>
+            </a:r>
+            <a:r>
+              <a:rPr lang="en-US" altLang="ko-KR" b="1"/>
+              <a:t>, </a:t>
+            </a:r>
+            <a:r>
+              <a:rPr lang="ko-KR" altLang="en-US" b="1"/>
+              <a:t>풍속</a:t>
+            </a:r>
+            <a:r>
+              <a:rPr lang="en-US" altLang="ko-KR" b="1"/>
+              <a:t>, </a:t>
+            </a:r>
+            <a:r>
+              <a:rPr lang="ko-KR" altLang="en-US" b="1"/>
+              <a:t>기온</a:t>
+            </a:r>
+            <a:r>
+              <a:rPr lang="ko-KR" altLang="en-US"/>
+              <a:t> 등이 일사량 예측 모델 구성에 중요한 변수</a:t>
+            </a:r>
+            <a:endParaRPr lang="en-US" altLang="ko-KR"/>
           </a:p>
         </p:txBody>
       </p:sp>
     </p:spTree>
     <p:extLst>
       <p:ext uri="{BB962C8B-B14F-4D97-AF65-F5344CB8AC3E}">
-        <p14:creationId xmlns:p14="http://schemas.microsoft.com/office/powerpoint/2010/main" val="2813023700"/>
+        <p14:creationId xmlns:p14="http://schemas.microsoft.com/office/powerpoint/2010/main" val="755595868"/>
       </p:ext>
     </p:extLst>
   </p:cSld>
@@ -6941,7 +10884,7 @@
 </p:sld>
 </file>
 
-<file path=ppt/slides/slide4.xml><?xml version="1.0" encoding="utf-8"?>
+<file path=ppt/slides/slide9.xml><?xml version="1.0" encoding="utf-8"?>
 <p:sld xmlns:a="http://schemas.openxmlformats.org/drawingml/2006/main" xmlns:r="http://schemas.openxmlformats.org/officeDocument/2006/relationships" xmlns:p="http://schemas.openxmlformats.org/presentationml/2006/main">
   <p:cSld>
     <p:spTree>
@@ -6975,7 +10918,7 @@
         <p:spPr>
           <a:xfrm>
             <a:off x="492575" y="391668"/>
-            <a:ext cx="1793875" cy="513080"/>
+            <a:ext cx="12678302" cy="505267"/>
           </a:xfrm>
           <a:prstGeom prst="rect">
             <a:avLst/>
@@ -7018,7 +10961,34 @@
               <a:defRPr/>
             </a:pPr>
             <a:r>
-              <a:rPr kumimoji="0" lang="ko-KR" altLang="en-US" sz="3200" b="1" i="0" u="none" strike="noStrike" kern="0" cap="none" spc="-25" normalizeH="0" baseline="0" noProof="0">
+              <a:rPr lang="ko-KR" altLang="en-US" sz="3200" kern="0" spc="-25">
+                <a:solidFill>
+                  <a:srgbClr val="001F60"/>
+                </a:solidFill>
+                <a:ea typeface="맑은 고딕" panose="020B0503020000020004" pitchFamily="50" charset="-127"/>
+              </a:rPr>
+              <a:t>논문</a:t>
+            </a:r>
+            <a:r>
+              <a:rPr lang="en-US" altLang="ko-KR" sz="3200" kern="0" spc="-25">
+                <a:solidFill>
+                  <a:srgbClr val="001F60"/>
+                </a:solidFill>
+                <a:ea typeface="맑은 고딕" panose="020B0503020000020004" pitchFamily="50" charset="-127"/>
+              </a:rPr>
+              <a:t>2</a:t>
+            </a:r>
+            <a:r>
+              <a:rPr lang="ko-KR" altLang="en-US" sz="3200" kern="0" spc="-25">
+                <a:solidFill>
+                  <a:srgbClr val="001F60"/>
+                </a:solidFill>
+                <a:ea typeface="맑은 고딕" panose="020B0503020000020004" pitchFamily="50" charset="-127"/>
+              </a:rPr>
+              <a:t> </a:t>
+            </a:r>
+            <a:r>
+              <a:rPr kumimoji="0" lang="en-US" altLang="ko-KR" sz="1000" b="1" i="0" u="none" strike="noStrike" kern="0" cap="none" spc="-25" normalizeH="0" baseline="0" noProof="0">
                 <a:ln>
                   <a:noFill/>
                 </a:ln>
@@ -7031,10 +11001,19 @@
                 <a:latin typeface="Malgun Gothic"/>
                 <a:ea typeface="맑은 고딕" panose="020B0503020000020004" pitchFamily="50" charset="-127"/>
               </a:rPr>
-              <a:t>연구</a:t>
-            </a:r>
-            <a:r>
-              <a:rPr kumimoji="0" lang="ko-KR" altLang="en-US" sz="3200" b="1" i="0" u="none" strike="noStrike" kern="0" cap="none" spc="0" normalizeH="0" baseline="0" noProof="0">
+              <a:t>(</a:t>
+            </a:r>
+            <a:r>
+              <a:rPr lang="en-US" altLang="ko-KR" sz="1000" kern="0" spc="-25">
+                <a:solidFill>
+                  <a:srgbClr val="001F60"/>
+                </a:solidFill>
+                <a:ea typeface="맑은 고딕" panose="020B0503020000020004" pitchFamily="50" charset="-127"/>
+              </a:rPr>
+              <a:t>Multistep-Ahead Solar Radiation Forecasting Scheme Based on the Light Gradient Boosting Machine: A Case Study of Jeju Island</a:t>
+            </a:r>
+            <a:r>
+              <a:rPr kumimoji="0" lang="en-US" altLang="ko-KR" sz="1000" b="1" i="0" u="none" strike="noStrike" kern="0" cap="none" spc="-25" normalizeH="0" baseline="0" noProof="0">
                 <a:ln>
                   <a:noFill/>
                 </a:ln>
@@ -7047,25 +11026,9 @@
                 <a:latin typeface="Malgun Gothic"/>
                 <a:ea typeface="맑은 고딕" panose="020B0503020000020004" pitchFamily="50" charset="-127"/>
               </a:rPr>
-              <a:t>	</a:t>
-            </a:r>
-            <a:r>
-              <a:rPr kumimoji="0" lang="ko-KR" altLang="en-US" sz="3200" b="1" i="0" u="none" strike="noStrike" kern="0" cap="none" spc="-25" normalizeH="0" baseline="0" noProof="0">
-                <a:ln>
-                  <a:noFill/>
-                </a:ln>
-                <a:solidFill>
-                  <a:srgbClr val="001F60"/>
-                </a:solidFill>
-                <a:effectLst/>
-                <a:uLnTx/>
-                <a:uFillTx/>
-                <a:latin typeface="Malgun Gothic"/>
-                <a:ea typeface="맑은 고딕" panose="020B0503020000020004" pitchFamily="50" charset="-127"/>
-              </a:rPr>
-              <a:t>배경</a:t>
-            </a:r>
-            <a:endParaRPr kumimoji="0" lang="ko-KR" altLang="en-US" sz="3200" b="1" i="0" u="none" strike="noStrike" kern="0" cap="none" spc="0" normalizeH="0" baseline="0" noProof="0" dirty="0">
+              <a:t>)</a:t>
+            </a:r>
+            <a:endParaRPr kumimoji="0" lang="ko-KR" altLang="en-US" sz="1000" b="1" i="0" u="none" strike="noStrike" kern="0" cap="none" spc="0" normalizeH="0" baseline="0" noProof="0" dirty="0">
               <a:ln>
                 <a:noFill/>
               </a:ln>
@@ -7164,104 +11127,83 @@
           </a:p>
         </p:txBody>
       </p:sp>
-      <p:grpSp>
-        <p:nvGrpSpPr>
-          <p:cNvPr id="4" name="그룹 3">
-            <a:extLst>
-              <a:ext uri="{FF2B5EF4-FFF2-40B4-BE49-F238E27FC236}">
-                <a16:creationId xmlns:a16="http://schemas.microsoft.com/office/drawing/2014/main" id="{A0C71B1A-3049-00DB-5A95-2A35B854AF54}"/>
-              </a:ext>
-            </a:extLst>
-          </p:cNvPr>
-          <p:cNvGrpSpPr/>
+      <p:pic>
+        <p:nvPicPr>
+          <p:cNvPr id="20" name="그림 19">
+            <a:extLst>
+              <a:ext uri="{FF2B5EF4-FFF2-40B4-BE49-F238E27FC236}">
+                <a16:creationId xmlns:a16="http://schemas.microsoft.com/office/drawing/2014/main" id="{A87EDB79-AE8E-46E3-B956-281C41A7ED3A}"/>
+              </a:ext>
+            </a:extLst>
+          </p:cNvPr>
+          <p:cNvPicPr>
+            <a:picLocks noChangeAspect="1"/>
+          </p:cNvPicPr>
           <p:nvPr/>
-        </p:nvGrpSpPr>
-        <p:grpSpPr>
+        </p:nvPicPr>
+        <p:blipFill rotWithShape="1">
+          <a:blip r:embed="rId2">
+            <a:extLst>
+              <a:ext uri="{28A0092B-C50C-407E-A947-70E740481C1C}">
+                <a14:useLocalDpi xmlns:a14="http://schemas.microsoft.com/office/drawing/2010/main" val="0"/>
+              </a:ext>
+            </a:extLst>
+          </a:blip>
+          <a:srcRect l="74535" t="3851" r="5686" b="50143"/>
+          <a:stretch/>
+        </p:blipFill>
+        <p:spPr>
           <a:xfrm>
             <a:off x="10225454" y="6479121"/>
-            <a:ext cx="1845882" cy="304214"/>
-            <a:chOff x="8473734" y="6091284"/>
-            <a:chExt cx="3553640" cy="585664"/>
-          </a:xfrm>
-        </p:grpSpPr>
-        <p:pic>
-          <p:nvPicPr>
-            <p:cNvPr id="20" name="그림 19">
-              <a:extLst>
-                <a:ext uri="{FF2B5EF4-FFF2-40B4-BE49-F238E27FC236}">
-                  <a16:creationId xmlns:a16="http://schemas.microsoft.com/office/drawing/2014/main" id="{A87EDB79-AE8E-46E3-B956-281C41A7ED3A}"/>
-                </a:ext>
-              </a:extLst>
-            </p:cNvPr>
-            <p:cNvPicPr>
-              <a:picLocks noChangeAspect="1"/>
-            </p:cNvPicPr>
-            <p:nvPr/>
-          </p:nvPicPr>
-          <p:blipFill rotWithShape="1">
-            <a:blip r:embed="rId2">
-              <a:extLst>
-                <a:ext uri="{28A0092B-C50C-407E-A947-70E740481C1C}">
-                  <a14:useLocalDpi xmlns:a14="http://schemas.microsoft.com/office/drawing/2010/main" val="0"/>
-                </a:ext>
-              </a:extLst>
-            </a:blip>
-            <a:srcRect l="74535" t="3851" r="5686" b="50143"/>
-            <a:stretch/>
-          </p:blipFill>
-          <p:spPr>
-            <a:xfrm>
-              <a:off x="8473734" y="6091284"/>
-              <a:ext cx="1353669" cy="585664"/>
-            </a:xfrm>
-            <a:prstGeom prst="rect">
-              <a:avLst/>
-            </a:prstGeom>
-          </p:spPr>
-        </p:pic>
-        <p:pic>
-          <p:nvPicPr>
-            <p:cNvPr id="21" name="그림 20">
-              <a:extLst>
-                <a:ext uri="{FF2B5EF4-FFF2-40B4-BE49-F238E27FC236}">
-                  <a16:creationId xmlns:a16="http://schemas.microsoft.com/office/drawing/2014/main" id="{25EA5F27-CB8A-4DD7-A41E-73A6B46FF164}"/>
-                </a:ext>
-              </a:extLst>
-            </p:cNvPr>
-            <p:cNvPicPr>
-              <a:picLocks noChangeAspect="1"/>
-            </p:cNvPicPr>
-            <p:nvPr/>
-          </p:nvPicPr>
-          <p:blipFill>
-            <a:blip r:embed="rId3" cstate="hqprint">
-              <a:extLst>
-                <a:ext uri="{28A0092B-C50C-407E-A947-70E740481C1C}">
-                  <a14:useLocalDpi xmlns:a14="http://schemas.microsoft.com/office/drawing/2010/main" val="0"/>
-                </a:ext>
-              </a:extLst>
-            </a:blip>
-            <a:stretch>
-              <a:fillRect/>
-            </a:stretch>
-          </p:blipFill>
-          <p:spPr>
-            <a:xfrm>
-              <a:off x="9827403" y="6172124"/>
-              <a:ext cx="2199971" cy="423985"/>
-            </a:xfrm>
-            <a:prstGeom prst="rect">
-              <a:avLst/>
-            </a:prstGeom>
-          </p:spPr>
-        </p:pic>
-      </p:grpSp>
-      <p:sp>
-        <p:nvSpPr>
-          <p:cNvPr id="7" name="TextBox 6">
-            <a:extLst>
-              <a:ext uri="{FF2B5EF4-FFF2-40B4-BE49-F238E27FC236}">
-                <a16:creationId xmlns:a16="http://schemas.microsoft.com/office/drawing/2014/main" id="{C32BDAE3-8425-E8C0-3D82-A3DF9B086B90}"/>
+            <a:ext cx="703142" cy="304214"/>
+          </a:xfrm>
+          <a:prstGeom prst="rect">
+            <a:avLst/>
+          </a:prstGeom>
+        </p:spPr>
+      </p:pic>
+      <p:pic>
+        <p:nvPicPr>
+          <p:cNvPr id="21" name="그림 20">
+            <a:extLst>
+              <a:ext uri="{FF2B5EF4-FFF2-40B4-BE49-F238E27FC236}">
+                <a16:creationId xmlns:a16="http://schemas.microsoft.com/office/drawing/2014/main" id="{25EA5F27-CB8A-4DD7-A41E-73A6B46FF164}"/>
+              </a:ext>
+            </a:extLst>
+          </p:cNvPr>
+          <p:cNvPicPr>
+            <a:picLocks noChangeAspect="1"/>
+          </p:cNvPicPr>
+          <p:nvPr/>
+        </p:nvPicPr>
+        <p:blipFill>
+          <a:blip r:embed="rId3" cstate="hqprint">
+            <a:extLst>
+              <a:ext uri="{28A0092B-C50C-407E-A947-70E740481C1C}">
+                <a14:useLocalDpi xmlns:a14="http://schemas.microsoft.com/office/drawing/2010/main" val="0"/>
+              </a:ext>
+            </a:extLst>
+          </a:blip>
+          <a:stretch>
+            <a:fillRect/>
+          </a:stretch>
+        </p:blipFill>
+        <p:spPr>
+          <a:xfrm>
+            <a:off x="10928596" y="6521112"/>
+            <a:ext cx="1142740" cy="220232"/>
+          </a:xfrm>
+          <a:prstGeom prst="rect">
+            <a:avLst/>
+          </a:prstGeom>
+        </p:spPr>
+      </p:pic>
+      <p:sp>
+        <p:nvSpPr>
+          <p:cNvPr id="3" name="TextBox 2">
+            <a:extLst>
+              <a:ext uri="{FF2B5EF4-FFF2-40B4-BE49-F238E27FC236}">
+                <a16:creationId xmlns:a16="http://schemas.microsoft.com/office/drawing/2014/main" id="{715256BA-C9F5-C9BB-8E4F-24578961A48D}"/>
               </a:ext>
             </a:extLst>
           </p:cNvPr>
@@ -7270,8 +11212,8 @@
         </p:nvSpPr>
         <p:spPr>
           <a:xfrm>
-            <a:off x="430250" y="1178351"/>
-            <a:ext cx="4992264" cy="369332"/>
+            <a:off x="430250" y="1233120"/>
+            <a:ext cx="2589170" cy="369332"/>
           </a:xfrm>
           <a:prstGeom prst="rect">
             <a:avLst/>
@@ -7286,25 +11228,17 @@
           <a:p>
             <a:r>
               <a:rPr lang="ko-KR" altLang="en-US" b="1"/>
-              <a:t>이산화 탄소</a:t>
-            </a:r>
-            <a:r>
-              <a:rPr lang="en-US" altLang="ko-KR" b="1"/>
-              <a:t>(CO2)</a:t>
-            </a:r>
-            <a:r>
-              <a:rPr lang="ko-KR" altLang="en-US" b="1"/>
-              <a:t> 배출 및 신재생 에너지 산업</a:t>
-            </a:r>
-          </a:p>
-        </p:txBody>
-      </p:sp>
-      <p:sp>
-        <p:nvSpPr>
-          <p:cNvPr id="13" name="TextBox 12">
-            <a:extLst>
-              <a:ext uri="{FF2B5EF4-FFF2-40B4-BE49-F238E27FC236}">
-                <a16:creationId xmlns:a16="http://schemas.microsoft.com/office/drawing/2014/main" id="{76F87D69-F246-ED30-D4CA-FDAB7AE7A1A1}"/>
+              <a:t>일사량 예측 모델 구성</a:t>
+            </a:r>
+          </a:p>
+        </p:txBody>
+      </p:sp>
+      <p:sp>
+        <p:nvSpPr>
+          <p:cNvPr id="7" name="TextBox 6">
+            <a:extLst>
+              <a:ext uri="{FF2B5EF4-FFF2-40B4-BE49-F238E27FC236}">
+                <a16:creationId xmlns:a16="http://schemas.microsoft.com/office/drawing/2014/main" id="{365A4A72-4240-F524-11FD-37957BE0E68C}"/>
               </a:ext>
             </a:extLst>
           </p:cNvPr>
@@ -7313,8 +11247,8 @@
         </p:nvSpPr>
         <p:spPr>
           <a:xfrm>
-            <a:off x="957788" y="1740323"/>
-            <a:ext cx="12163011" cy="833754"/>
+            <a:off x="792487" y="1598434"/>
+            <a:ext cx="4598054" cy="1700787"/>
           </a:xfrm>
           <a:prstGeom prst="rect">
             <a:avLst/>
@@ -7322,12 +11256,12 @@
           <a:noFill/>
         </p:spPr>
         <p:txBody>
-          <a:bodyPr wrap="square" rtlCol="0">
+          <a:bodyPr wrap="none" rtlCol="0">
             <a:spAutoFit/>
           </a:bodyPr>
           <a:lstStyle/>
           <a:p>
-            <a:pPr marL="285750" indent="-285750" fontAlgn="base">
+            <a:pPr marL="285750" indent="-285750">
               <a:lnSpc>
                 <a:spcPct val="150000"/>
               </a:lnSpc>
@@ -7335,249 +11269,61 @@
               <a:buChar char="-"/>
             </a:pPr>
             <a:r>
-              <a:rPr lang="en-US" altLang="ko-KR" sz="1500" b="0" i="0">
-                <a:solidFill>
-                  <a:srgbClr val="333333"/>
-                </a:solidFill>
-                <a:effectLst/>
-                <a:latin typeface="맑은고딕"/>
-              </a:rPr>
-              <a:t>IEA (</a:t>
-            </a:r>
-            <a:r>
-              <a:rPr lang="ko-KR" altLang="en-US" sz="1500" b="0" i="0">
-                <a:solidFill>
-                  <a:srgbClr val="333333"/>
-                </a:solidFill>
-                <a:effectLst/>
-                <a:latin typeface="맑은고딕"/>
-              </a:rPr>
-              <a:t>국제에너지 기구</a:t>
-            </a:r>
-            <a:r>
-              <a:rPr lang="en-US" altLang="ko-KR" sz="1500" b="0" i="0">
-                <a:solidFill>
-                  <a:srgbClr val="333333"/>
-                </a:solidFill>
-                <a:effectLst/>
-                <a:latin typeface="맑은고딕"/>
-              </a:rPr>
-              <a:t>) 1990</a:t>
-            </a:r>
-            <a:r>
-              <a:rPr lang="ko-KR" altLang="en-US" sz="1500" b="0" i="0">
-                <a:solidFill>
-                  <a:srgbClr val="333333"/>
-                </a:solidFill>
-                <a:effectLst/>
-                <a:latin typeface="맑은고딕"/>
-              </a:rPr>
-              <a:t>년 이후 지금까지 코로나 팬데믹을 제외한 </a:t>
-            </a:r>
-            <a:r>
-              <a:rPr lang="ko-KR" altLang="en-US" sz="1500" b="1" i="0">
-                <a:solidFill>
-                  <a:srgbClr val="333333"/>
-                </a:solidFill>
-                <a:effectLst/>
-                <a:latin typeface="맑은고딕"/>
-              </a:rPr>
-              <a:t>이산화 탄소 배출량 증가</a:t>
-            </a:r>
-            <a:endParaRPr lang="en-US" altLang="ko-KR" sz="1500" b="1" i="0">
-              <a:solidFill>
-                <a:srgbClr val="333333"/>
-              </a:solidFill>
-              <a:effectLst/>
-              <a:latin typeface="맑은고딕"/>
-            </a:endParaRPr>
-          </a:p>
-          <a:p>
-            <a:pPr marL="285750" indent="-285750" fontAlgn="base">
+              <a:rPr lang="ko-KR" altLang="en-US"/>
+              <a:t>랜덤 포레스트 </a:t>
+            </a:r>
+            <a:r>
+              <a:rPr lang="en-US" altLang="ko-KR"/>
+              <a:t>( Random Forest RF )</a:t>
+            </a:r>
+          </a:p>
+          <a:p>
+            <a:pPr marL="285750" indent="-285750">
               <a:lnSpc>
-                <a:spcPct val="200000"/>
+                <a:spcPct val="150000"/>
               </a:lnSpc>
               <a:buFontTx/>
               <a:buChar char="-"/>
             </a:pPr>
             <a:r>
-              <a:rPr lang="en-US" altLang="ko-KR" sz="1500">
-                <a:solidFill>
-                  <a:srgbClr val="333333"/>
-                </a:solidFill>
-                <a:latin typeface="맑은고딕"/>
-              </a:rPr>
-              <a:t>IRENA (</a:t>
-            </a:r>
-            <a:r>
-              <a:rPr lang="ko-KR" altLang="en-US" sz="1500">
-                <a:solidFill>
-                  <a:srgbClr val="333333"/>
-                </a:solidFill>
-                <a:latin typeface="맑은고딕"/>
-              </a:rPr>
-              <a:t>국제 재생 에너지 기구</a:t>
-            </a:r>
-            <a:r>
-              <a:rPr lang="en-US" altLang="ko-KR" sz="1500">
-                <a:solidFill>
-                  <a:srgbClr val="333333"/>
-                </a:solidFill>
-                <a:latin typeface="맑은고딕"/>
-              </a:rPr>
-              <a:t>) </a:t>
-            </a:r>
-            <a:r>
-              <a:rPr lang="ko-KR" altLang="en-US" sz="1500" b="0" i="0">
-                <a:solidFill>
-                  <a:srgbClr val="333333"/>
-                </a:solidFill>
-                <a:effectLst/>
-                <a:latin typeface="맑은고딕"/>
-              </a:rPr>
-              <a:t>신재생에너지분야 고용은 </a:t>
-            </a:r>
-            <a:r>
-              <a:rPr lang="en-US" altLang="ko-KR" sz="1500" b="0" i="0">
-                <a:solidFill>
-                  <a:srgbClr val="333333"/>
-                </a:solidFill>
-                <a:effectLst/>
-                <a:latin typeface="맑은고딕"/>
-              </a:rPr>
-              <a:t>2012</a:t>
-            </a:r>
-            <a:r>
-              <a:rPr lang="ko-KR" altLang="en-US" sz="1500" b="0" i="0">
-                <a:solidFill>
-                  <a:srgbClr val="333333"/>
-                </a:solidFill>
-                <a:effectLst/>
-                <a:latin typeface="맑은고딕"/>
-              </a:rPr>
-              <a:t>년 약 </a:t>
-            </a:r>
-            <a:r>
-              <a:rPr lang="en-US" altLang="ko-KR" sz="1500" b="1" i="0">
-                <a:solidFill>
-                  <a:srgbClr val="333333"/>
-                </a:solidFill>
-                <a:effectLst/>
-                <a:latin typeface="맑은고딕"/>
-              </a:rPr>
-              <a:t>730</a:t>
-            </a:r>
-            <a:r>
-              <a:rPr lang="ko-KR" altLang="en-US" sz="1500" b="1" i="0">
-                <a:solidFill>
-                  <a:srgbClr val="333333"/>
-                </a:solidFill>
-                <a:effectLst/>
-                <a:latin typeface="맑은고딕"/>
-              </a:rPr>
-              <a:t>만명</a:t>
-            </a:r>
-            <a:r>
-              <a:rPr lang="ko-KR" altLang="en-US" sz="1500" b="0" i="0">
-                <a:solidFill>
-                  <a:srgbClr val="333333"/>
-                </a:solidFill>
-                <a:effectLst/>
-                <a:latin typeface="맑은고딕"/>
-              </a:rPr>
-              <a:t>에서 </a:t>
-            </a:r>
-            <a:r>
-              <a:rPr lang="en-US" altLang="ko-KR" sz="1500" b="0" i="0">
-                <a:solidFill>
-                  <a:srgbClr val="333333"/>
-                </a:solidFill>
-                <a:effectLst/>
-                <a:latin typeface="맑은고딕"/>
-              </a:rPr>
-              <a:t>2020</a:t>
-            </a:r>
-            <a:r>
-              <a:rPr lang="ko-KR" altLang="en-US" sz="1500" b="0" i="0">
-                <a:solidFill>
-                  <a:srgbClr val="333333"/>
-                </a:solidFill>
-                <a:effectLst/>
-                <a:latin typeface="맑은고딕"/>
-              </a:rPr>
-              <a:t>년 약 </a:t>
-            </a:r>
-            <a:r>
-              <a:rPr lang="en-US" altLang="ko-KR" sz="1500" b="1" i="0">
-                <a:solidFill>
-                  <a:srgbClr val="333333"/>
-                </a:solidFill>
-                <a:effectLst/>
-                <a:latin typeface="맑은고딕"/>
-              </a:rPr>
-              <a:t>1,200</a:t>
-            </a:r>
-            <a:r>
-              <a:rPr lang="ko-KR" altLang="en-US" sz="1500" b="1" i="0">
-                <a:solidFill>
-                  <a:srgbClr val="333333"/>
-                </a:solidFill>
-                <a:effectLst/>
-                <a:latin typeface="맑은고딕"/>
-              </a:rPr>
-              <a:t>만명으로 증가</a:t>
-            </a:r>
-            <a:endParaRPr lang="en-US" altLang="ko-KR" sz="1500" b="1" i="0">
-              <a:solidFill>
-                <a:srgbClr val="000000"/>
-              </a:solidFill>
-              <a:effectLst/>
-              <a:latin typeface="se-nanumgothic"/>
-            </a:endParaRPr>
-          </a:p>
-        </p:txBody>
-      </p:sp>
-      <p:pic>
-        <p:nvPicPr>
-          <p:cNvPr id="11" name="그림 10">
-            <a:extLst>
-              <a:ext uri="{FF2B5EF4-FFF2-40B4-BE49-F238E27FC236}">
-                <a16:creationId xmlns:a16="http://schemas.microsoft.com/office/drawing/2014/main" id="{9E49EFAF-E36D-088E-59A0-59DE71A15E8D}"/>
-              </a:ext>
-            </a:extLst>
-          </p:cNvPr>
-          <p:cNvPicPr>
-            <a:picLocks noChangeAspect="1"/>
-          </p:cNvPicPr>
-          <p:nvPr/>
-        </p:nvPicPr>
-        <p:blipFill rotWithShape="1">
-          <a:blip r:embed="rId4">
-            <a:extLst>
-              <a:ext uri="{28A0092B-C50C-407E-A947-70E740481C1C}">
-                <a14:useLocalDpi xmlns:a14="http://schemas.microsoft.com/office/drawing/2010/main" val="0"/>
-              </a:ext>
-            </a:extLst>
-          </a:blip>
-          <a:srcRect b="20107"/>
-          <a:stretch/>
-        </p:blipFill>
-        <p:spPr>
-          <a:xfrm>
-            <a:off x="6078357" y="3106718"/>
-            <a:ext cx="5734950" cy="2520000"/>
-          </a:xfrm>
-          <a:prstGeom prst="rect">
-            <a:avLst/>
-          </a:prstGeom>
-        </p:spPr>
-      </p:pic>
-      <p:sp>
-        <p:nvSpPr>
-          <p:cNvPr id="16" name="TextBox 15">
-            <a:extLst>
-              <a:ext uri="{FF2B5EF4-FFF2-40B4-BE49-F238E27FC236}">
-                <a16:creationId xmlns:a16="http://schemas.microsoft.com/office/drawing/2014/main" id="{F777BBB8-C479-33D1-5C9A-0A225555F1ED}"/>
+              <a:rPr lang="en-US" altLang="ko-KR"/>
+              <a:t>GBM ( Gradient Boosting Machine )</a:t>
+            </a:r>
+          </a:p>
+          <a:p>
+            <a:pPr marL="285750" indent="-285750">
+              <a:lnSpc>
+                <a:spcPct val="150000"/>
+              </a:lnSpc>
+              <a:buFontTx/>
+              <a:buChar char="-"/>
+            </a:pPr>
+            <a:r>
+              <a:rPr lang="en-US" altLang="ko-KR"/>
+              <a:t>XGBoost ( eXtreme Gradient Boosting )</a:t>
+            </a:r>
+          </a:p>
+          <a:p>
+            <a:pPr marL="285750" indent="-285750">
+              <a:lnSpc>
+                <a:spcPct val="150000"/>
+              </a:lnSpc>
+              <a:buFontTx/>
+              <a:buChar char="-"/>
+            </a:pPr>
+            <a:r>
+              <a:rPr lang="en-US" altLang="ko-KR" b="1"/>
+              <a:t>LightGBM ( Light GBM ) </a:t>
+            </a:r>
+          </a:p>
+        </p:txBody>
+      </p:sp>
+      <p:sp>
+        <p:nvSpPr>
+          <p:cNvPr id="2" name="TextBox 1">
+            <a:extLst>
+              <a:ext uri="{FF2B5EF4-FFF2-40B4-BE49-F238E27FC236}">
+                <a16:creationId xmlns:a16="http://schemas.microsoft.com/office/drawing/2014/main" id="{2754F44E-6980-FA8E-0CD6-3F2C5865C512}"/>
               </a:ext>
             </a:extLst>
           </p:cNvPr>
@@ -7586,8 +11332,8 @@
         </p:nvSpPr>
         <p:spPr>
           <a:xfrm>
-            <a:off x="1816098" y="5468029"/>
-            <a:ext cx="3248913" cy="246221"/>
+            <a:off x="430250" y="3600637"/>
+            <a:ext cx="1420582" cy="369332"/>
           </a:xfrm>
           <a:prstGeom prst="rect">
             <a:avLst/>
@@ -7595,49 +11341,24 @@
           <a:noFill/>
         </p:spPr>
         <p:txBody>
-          <a:bodyPr wrap="square">
+          <a:bodyPr wrap="none" rtlCol="0">
             <a:spAutoFit/>
           </a:bodyPr>
           <a:lstStyle/>
           <a:p>
-            <a:pPr algn="r"/>
-            <a:r>
-              <a:rPr lang="ko-KR" altLang="en-US" sz="1000">
-                <a:solidFill>
-                  <a:srgbClr val="495057"/>
-                </a:solidFill>
-                <a:latin typeface="Inter"/>
-              </a:rPr>
-              <a:t>국제 에너지 기구 </a:t>
-            </a:r>
-            <a:r>
-              <a:rPr lang="en-US" altLang="ko-KR" sz="1000">
-                <a:solidFill>
-                  <a:srgbClr val="495057"/>
-                </a:solidFill>
-                <a:latin typeface="Inter"/>
-              </a:rPr>
-              <a:t>(IEA) </a:t>
-            </a:r>
-            <a:r>
-              <a:rPr lang="ko-KR" altLang="en-US" sz="1000">
-                <a:solidFill>
-                  <a:srgbClr val="495057"/>
-                </a:solidFill>
-                <a:latin typeface="Inter"/>
-              </a:rPr>
-              <a:t>전 세계 이산화 탄소 배출량 통계</a:t>
-            </a:r>
-            <a:endParaRPr lang="ko-KR" altLang="en-US" sz="1000"/>
-          </a:p>
-        </p:txBody>
-      </p:sp>
-      <p:sp>
-        <p:nvSpPr>
-          <p:cNvPr id="17" name="TextBox 16">
-            <a:extLst>
-              <a:ext uri="{FF2B5EF4-FFF2-40B4-BE49-F238E27FC236}">
-                <a16:creationId xmlns:a16="http://schemas.microsoft.com/office/drawing/2014/main" id="{F7E995BB-9B3A-9006-AC11-E1D2738110AF}"/>
+            <a:r>
+              <a:rPr lang="ko-KR" altLang="en-US" b="1"/>
+              <a:t>변수 중요도</a:t>
+            </a:r>
+          </a:p>
+        </p:txBody>
+      </p:sp>
+      <p:sp>
+        <p:nvSpPr>
+          <p:cNvPr id="5" name="TextBox 4">
+            <a:extLst>
+              <a:ext uri="{FF2B5EF4-FFF2-40B4-BE49-F238E27FC236}">
+                <a16:creationId xmlns:a16="http://schemas.microsoft.com/office/drawing/2014/main" id="{FBBEC2FB-B4C2-11C2-F337-BF7D6BBA7245}"/>
               </a:ext>
             </a:extLst>
           </p:cNvPr>
@@ -7646,8 +11367,8 @@
         </p:nvSpPr>
         <p:spPr>
           <a:xfrm>
-            <a:off x="8370277" y="5545598"/>
-            <a:ext cx="2886528" cy="246221"/>
+            <a:off x="798349" y="4059057"/>
+            <a:ext cx="4113627" cy="454292"/>
           </a:xfrm>
           <a:prstGeom prst="rect">
             <a:avLst/>
@@ -7655,2269 +11376,34 @@
           <a:noFill/>
         </p:spPr>
         <p:txBody>
-          <a:bodyPr wrap="square">
-            <a:spAutoFit/>
-          </a:bodyPr>
-          <a:lstStyle/>
-          <a:p>
-            <a:pPr algn="r"/>
-            <a:r>
-              <a:rPr lang="en-US" altLang="ko-KR" sz="1000">
-                <a:latin typeface="+mj-lt"/>
-              </a:rPr>
-              <a:t>2012 ~ 2020 </a:t>
-            </a:r>
-            <a:r>
-              <a:rPr lang="ko-KR" altLang="en-US" sz="1000">
-                <a:latin typeface="+mj-lt"/>
-              </a:rPr>
-              <a:t>글로벌 신재생 에너지 고용 현황</a:t>
-            </a:r>
-          </a:p>
-        </p:txBody>
-      </p:sp>
-      <p:pic>
-        <p:nvPicPr>
-          <p:cNvPr id="23" name="그림 22">
-            <a:extLst>
-              <a:ext uri="{FF2B5EF4-FFF2-40B4-BE49-F238E27FC236}">
-                <a16:creationId xmlns:a16="http://schemas.microsoft.com/office/drawing/2014/main" id="{76B9271F-6809-1810-DC6E-98087AD9097A}"/>
-              </a:ext>
-            </a:extLst>
-          </p:cNvPr>
-          <p:cNvPicPr>
-            <a:picLocks noChangeAspect="1"/>
-          </p:cNvPicPr>
-          <p:nvPr/>
-        </p:nvPicPr>
-        <p:blipFill rotWithShape="1">
-          <a:blip r:embed="rId5">
-            <a:extLst>
-              <a:ext uri="{28A0092B-C50C-407E-A947-70E740481C1C}">
-                <a14:useLocalDpi xmlns:a14="http://schemas.microsoft.com/office/drawing/2010/main" val="0"/>
-              </a:ext>
-            </a:extLst>
-          </a:blip>
-          <a:srcRect b="14629"/>
-          <a:stretch/>
-        </p:blipFill>
-        <p:spPr>
-          <a:xfrm>
-            <a:off x="1240341" y="2921834"/>
-            <a:ext cx="3824670" cy="2520000"/>
-          </a:xfrm>
-          <a:prstGeom prst="rect">
-            <a:avLst/>
-          </a:prstGeom>
-        </p:spPr>
-      </p:pic>
-    </p:spTree>
-    <p:extLst>
-      <p:ext uri="{BB962C8B-B14F-4D97-AF65-F5344CB8AC3E}">
-        <p14:creationId xmlns:p14="http://schemas.microsoft.com/office/powerpoint/2010/main" val="3051756231"/>
-      </p:ext>
-    </p:extLst>
-  </p:cSld>
-  <p:clrMapOvr>
-    <a:masterClrMapping/>
-  </p:clrMapOvr>
-</p:sld>
-</file>
-
-<file path=ppt/slides/slide5.xml><?xml version="1.0" encoding="utf-8"?>
-<p:sld xmlns:a="http://schemas.openxmlformats.org/drawingml/2006/main" xmlns:r="http://schemas.openxmlformats.org/officeDocument/2006/relationships" xmlns:p="http://schemas.openxmlformats.org/presentationml/2006/main">
-  <p:cSld>
-    <p:spTree>
-      <p:nvGrpSpPr>
-        <p:cNvPr id="1" name=""/>
-        <p:cNvGrpSpPr/>
-        <p:nvPr/>
-      </p:nvGrpSpPr>
-      <p:grpSpPr>
-        <a:xfrm>
-          <a:off x="0" y="0"/>
-          <a:ext cx="0" cy="0"/>
-          <a:chOff x="0" y="0"/>
-          <a:chExt cx="0" cy="0"/>
-        </a:xfrm>
-      </p:grpSpPr>
-      <p:sp>
-        <p:nvSpPr>
-          <p:cNvPr id="15" name="object 2">
-            <a:extLst>
-              <a:ext uri="{FF2B5EF4-FFF2-40B4-BE49-F238E27FC236}">
-                <a16:creationId xmlns:a16="http://schemas.microsoft.com/office/drawing/2014/main" id="{63B42C9C-96BB-4869-81D8-DBA87F4A50BB}"/>
-              </a:ext>
-            </a:extLst>
-          </p:cNvPr>
-          <p:cNvSpPr txBox="1">
-            <a:spLocks/>
-          </p:cNvSpPr>
-          <p:nvPr/>
-        </p:nvSpPr>
-        <p:spPr>
-          <a:xfrm>
-            <a:off x="492575" y="391668"/>
-            <a:ext cx="1793875" cy="513080"/>
-          </a:xfrm>
-          <a:prstGeom prst="rect">
-            <a:avLst/>
-          </a:prstGeom>
-        </p:spPr>
-        <p:txBody>
-          <a:bodyPr vert="horz" wrap="square" lIns="0" tIns="12700" rIns="0" bIns="0" rtlCol="0">
-            <a:spAutoFit/>
-          </a:bodyPr>
-          <a:lstStyle>
-            <a:lvl1pPr>
-              <a:defRPr sz="3600" b="1" i="0">
-                <a:solidFill>
-                  <a:schemeClr val="tx1"/>
-                </a:solidFill>
-                <a:latin typeface="Malgun Gothic"/>
-                <a:ea typeface="+mj-ea"/>
-                <a:cs typeface="Malgun Gothic"/>
-              </a:defRPr>
-            </a:lvl1pPr>
-          </a:lstStyle>
-          <a:p>
-            <a:pPr marL="12700" marR="0" lvl="0" indent="0" defTabSz="914400" eaLnBrk="1" fontAlgn="auto" latinLnBrk="0" hangingPunct="1">
-              <a:lnSpc>
-                <a:spcPct val="100000"/>
-              </a:lnSpc>
-              <a:spcBef>
-                <a:spcPts val="100"/>
-              </a:spcBef>
-              <a:spcAft>
-                <a:spcPts val="0"/>
-              </a:spcAft>
-              <a:buClrTx/>
-              <a:buSzTx/>
-              <a:buFontTx/>
-              <a:buNone/>
-              <a:tabLst>
-                <a:tab pos="967740" algn="l"/>
-              </a:tabLst>
-              <a:defRPr/>
-            </a:pPr>
-            <a:r>
-              <a:rPr kumimoji="0" lang="ko-KR" altLang="en-US" sz="3200" b="1" i="0" u="none" strike="noStrike" kern="0" cap="none" spc="-25" normalizeH="0" baseline="0" noProof="0">
-                <a:ln>
-                  <a:noFill/>
-                </a:ln>
-                <a:solidFill>
-                  <a:srgbClr val="001F60"/>
-                </a:solidFill>
-                <a:effectLst/>
-                <a:uLnTx/>
-                <a:uFillTx/>
-                <a:latin typeface="Malgun Gothic"/>
-                <a:ea typeface="맑은 고딕" panose="020B0503020000020004" pitchFamily="50" charset="-127"/>
-              </a:rPr>
-              <a:t>연구</a:t>
-            </a:r>
-            <a:r>
-              <a:rPr kumimoji="0" lang="ko-KR" altLang="en-US" sz="3200" b="1" i="0" u="none" strike="noStrike" kern="0" cap="none" spc="0" normalizeH="0" baseline="0" noProof="0">
-                <a:ln>
-                  <a:noFill/>
-                </a:ln>
-                <a:solidFill>
-                  <a:srgbClr val="001F60"/>
-                </a:solidFill>
-                <a:effectLst/>
-                <a:uLnTx/>
-                <a:uFillTx/>
-                <a:latin typeface="Malgun Gothic"/>
-                <a:ea typeface="맑은 고딕" panose="020B0503020000020004" pitchFamily="50" charset="-127"/>
-              </a:rPr>
-              <a:t>	</a:t>
-            </a:r>
-            <a:r>
-              <a:rPr kumimoji="0" lang="ko-KR" altLang="en-US" sz="3200" b="1" i="0" u="none" strike="noStrike" kern="0" cap="none" spc="-25" normalizeH="0" baseline="0" noProof="0">
-                <a:ln>
-                  <a:noFill/>
-                </a:ln>
-                <a:solidFill>
-                  <a:srgbClr val="001F60"/>
-                </a:solidFill>
-                <a:effectLst/>
-                <a:uLnTx/>
-                <a:uFillTx/>
-                <a:latin typeface="Malgun Gothic"/>
-                <a:ea typeface="맑은 고딕" panose="020B0503020000020004" pitchFamily="50" charset="-127"/>
-              </a:rPr>
-              <a:t>배경</a:t>
-            </a:r>
-            <a:endParaRPr kumimoji="0" lang="ko-KR" altLang="en-US" sz="3200" b="1" i="0" u="none" strike="noStrike" kern="0" cap="none" spc="0" normalizeH="0" baseline="0" noProof="0" dirty="0">
-              <a:ln>
-                <a:noFill/>
-              </a:ln>
-              <a:solidFill>
-                <a:sysClr val="windowText" lastClr="000000"/>
-              </a:solidFill>
-              <a:effectLst/>
-              <a:uLnTx/>
-              <a:uFillTx/>
-              <a:latin typeface="Malgun Gothic"/>
-              <a:ea typeface="맑은 고딕" panose="020B0503020000020004" pitchFamily="50" charset="-127"/>
-            </a:endParaRPr>
-          </a:p>
-        </p:txBody>
-      </p:sp>
-      <p:sp>
-        <p:nvSpPr>
-          <p:cNvPr id="19" name="object 6">
-            <a:extLst>
-              <a:ext uri="{FF2B5EF4-FFF2-40B4-BE49-F238E27FC236}">
-                <a16:creationId xmlns:a16="http://schemas.microsoft.com/office/drawing/2014/main" id="{C73C25E3-E198-4627-994A-E730949EA465}"/>
-              </a:ext>
-            </a:extLst>
-          </p:cNvPr>
-          <p:cNvSpPr/>
-          <p:nvPr/>
-        </p:nvSpPr>
-        <p:spPr>
-          <a:xfrm>
-            <a:off x="430250" y="985061"/>
-            <a:ext cx="11353800" cy="45720"/>
-          </a:xfrm>
-          <a:custGeom>
-            <a:avLst/>
-            <a:gdLst/>
-            <a:ahLst/>
-            <a:cxnLst/>
-            <a:rect l="l" t="t" r="r" b="b"/>
-            <a:pathLst>
-              <a:path w="11353800" h="45719">
-                <a:moveTo>
-                  <a:pt x="11353800" y="0"/>
-                </a:moveTo>
-                <a:lnTo>
-                  <a:pt x="0" y="0"/>
-                </a:lnTo>
-                <a:lnTo>
-                  <a:pt x="0" y="45718"/>
-                </a:lnTo>
-                <a:lnTo>
-                  <a:pt x="11353800" y="45718"/>
-                </a:lnTo>
-                <a:lnTo>
-                  <a:pt x="11353800" y="0"/>
-                </a:lnTo>
-                <a:close/>
-              </a:path>
-            </a:pathLst>
-          </a:custGeom>
-          <a:solidFill>
-            <a:srgbClr val="0C3F8B"/>
-          </a:solidFill>
-        </p:spPr>
-        <p:txBody>
-          <a:bodyPr wrap="square" lIns="0" tIns="0" rIns="0" bIns="0" rtlCol="0"/>
-          <a:lstStyle/>
-          <a:p>
-            <a:pPr marL="0" marR="0" lvl="0" indent="0" defTabSz="914400" eaLnBrk="1" fontAlgn="auto" latinLnBrk="0" hangingPunct="1">
-              <a:lnSpc>
-                <a:spcPct val="100000"/>
-              </a:lnSpc>
-              <a:spcBef>
-                <a:spcPts val="0"/>
-              </a:spcBef>
-              <a:spcAft>
-                <a:spcPts val="0"/>
-              </a:spcAft>
-              <a:buClrTx/>
-              <a:buSzTx/>
-              <a:buFontTx/>
-              <a:buNone/>
-              <a:tabLst/>
-              <a:defRPr/>
-            </a:pPr>
-            <a:endParaRPr kumimoji="0" sz="1800" b="0" i="0" u="none" strike="noStrike" kern="0" cap="none" spc="0" normalizeH="0" baseline="0" noProof="0">
-              <a:ln>
-                <a:noFill/>
-              </a:ln>
-              <a:solidFill>
-                <a:sysClr val="windowText" lastClr="000000"/>
-              </a:solidFill>
-              <a:effectLst/>
-              <a:uLnTx/>
-              <a:uFillTx/>
-            </a:endParaRPr>
-          </a:p>
-        </p:txBody>
-      </p:sp>
-      <p:grpSp>
-        <p:nvGrpSpPr>
-          <p:cNvPr id="4" name="그룹 3">
-            <a:extLst>
-              <a:ext uri="{FF2B5EF4-FFF2-40B4-BE49-F238E27FC236}">
-                <a16:creationId xmlns:a16="http://schemas.microsoft.com/office/drawing/2014/main" id="{A0C71B1A-3049-00DB-5A95-2A35B854AF54}"/>
-              </a:ext>
-            </a:extLst>
-          </p:cNvPr>
-          <p:cNvGrpSpPr/>
-          <p:nvPr/>
-        </p:nvGrpSpPr>
-        <p:grpSpPr>
-          <a:xfrm>
-            <a:off x="10225454" y="6479121"/>
-            <a:ext cx="1845882" cy="304214"/>
-            <a:chOff x="8473734" y="6091284"/>
-            <a:chExt cx="3553640" cy="585664"/>
-          </a:xfrm>
-        </p:grpSpPr>
-        <p:pic>
-          <p:nvPicPr>
-            <p:cNvPr id="20" name="그림 19">
-              <a:extLst>
-                <a:ext uri="{FF2B5EF4-FFF2-40B4-BE49-F238E27FC236}">
-                  <a16:creationId xmlns:a16="http://schemas.microsoft.com/office/drawing/2014/main" id="{A87EDB79-AE8E-46E3-B956-281C41A7ED3A}"/>
-                </a:ext>
-              </a:extLst>
-            </p:cNvPr>
-            <p:cNvPicPr>
-              <a:picLocks noChangeAspect="1"/>
-            </p:cNvPicPr>
-            <p:nvPr/>
-          </p:nvPicPr>
-          <p:blipFill rotWithShape="1">
-            <a:blip r:embed="rId2">
-              <a:extLst>
-                <a:ext uri="{28A0092B-C50C-407E-A947-70E740481C1C}">
-                  <a14:useLocalDpi xmlns:a14="http://schemas.microsoft.com/office/drawing/2010/main" val="0"/>
-                </a:ext>
-              </a:extLst>
-            </a:blip>
-            <a:srcRect l="74535" t="3851" r="5686" b="50143"/>
-            <a:stretch/>
-          </p:blipFill>
-          <p:spPr>
-            <a:xfrm>
-              <a:off x="8473734" y="6091284"/>
-              <a:ext cx="1353669" cy="585664"/>
-            </a:xfrm>
-            <a:prstGeom prst="rect">
-              <a:avLst/>
-            </a:prstGeom>
-          </p:spPr>
-        </p:pic>
-        <p:pic>
-          <p:nvPicPr>
-            <p:cNvPr id="21" name="그림 20">
-              <a:extLst>
-                <a:ext uri="{FF2B5EF4-FFF2-40B4-BE49-F238E27FC236}">
-                  <a16:creationId xmlns:a16="http://schemas.microsoft.com/office/drawing/2014/main" id="{25EA5F27-CB8A-4DD7-A41E-73A6B46FF164}"/>
-                </a:ext>
-              </a:extLst>
-            </p:cNvPr>
-            <p:cNvPicPr>
-              <a:picLocks noChangeAspect="1"/>
-            </p:cNvPicPr>
-            <p:nvPr/>
-          </p:nvPicPr>
-          <p:blipFill>
-            <a:blip r:embed="rId3" cstate="hqprint">
-              <a:extLst>
-                <a:ext uri="{28A0092B-C50C-407E-A947-70E740481C1C}">
-                  <a14:useLocalDpi xmlns:a14="http://schemas.microsoft.com/office/drawing/2010/main" val="0"/>
-                </a:ext>
-              </a:extLst>
-            </a:blip>
-            <a:stretch>
-              <a:fillRect/>
-            </a:stretch>
-          </p:blipFill>
-          <p:spPr>
-            <a:xfrm>
-              <a:off x="9827403" y="6172124"/>
-              <a:ext cx="2199971" cy="423985"/>
-            </a:xfrm>
-            <a:prstGeom prst="rect">
-              <a:avLst/>
-            </a:prstGeom>
-          </p:spPr>
-        </p:pic>
-      </p:grpSp>
-      <p:sp>
-        <p:nvSpPr>
-          <p:cNvPr id="7" name="TextBox 6">
-            <a:extLst>
-              <a:ext uri="{FF2B5EF4-FFF2-40B4-BE49-F238E27FC236}">
-                <a16:creationId xmlns:a16="http://schemas.microsoft.com/office/drawing/2014/main" id="{C32BDAE3-8425-E8C0-3D82-A3DF9B086B90}"/>
-              </a:ext>
-            </a:extLst>
-          </p:cNvPr>
-          <p:cNvSpPr txBox="1"/>
-          <p:nvPr/>
-        </p:nvSpPr>
-        <p:spPr>
-          <a:xfrm>
-            <a:off x="430250" y="1178351"/>
-            <a:ext cx="3135795" cy="369332"/>
-          </a:xfrm>
-          <a:prstGeom prst="rect">
-            <a:avLst/>
-          </a:prstGeom>
-          <a:noFill/>
-        </p:spPr>
-        <p:txBody>
           <a:bodyPr wrap="none" rtlCol="0">
             <a:spAutoFit/>
           </a:bodyPr>
           <a:lstStyle/>
           <a:p>
-            <a:r>
-              <a:rPr lang="ko-KR" altLang="en-US" b="1"/>
-              <a:t>신재생 에너지 </a:t>
-            </a:r>
-            <a:r>
-              <a:rPr lang="en-US" altLang="ko-KR" b="1"/>
-              <a:t>(</a:t>
-            </a:r>
-            <a:r>
-              <a:rPr lang="ko-KR" altLang="en-US" b="1"/>
-              <a:t>태양광 발전</a:t>
-            </a:r>
-            <a:r>
-              <a:rPr lang="en-US" altLang="ko-KR" b="1"/>
-              <a:t>)</a:t>
-            </a:r>
-            <a:endParaRPr lang="ko-KR" altLang="en-US" b="1"/>
-          </a:p>
-        </p:txBody>
-      </p:sp>
-      <p:pic>
-        <p:nvPicPr>
-          <p:cNvPr id="3" name="그림 2">
-            <a:extLst>
-              <a:ext uri="{FF2B5EF4-FFF2-40B4-BE49-F238E27FC236}">
-                <a16:creationId xmlns:a16="http://schemas.microsoft.com/office/drawing/2014/main" id="{5E52B3C9-634E-8340-6CA5-6978D6A863B4}"/>
-              </a:ext>
-            </a:extLst>
-          </p:cNvPr>
-          <p:cNvPicPr>
-            <a:picLocks noChangeAspect="1"/>
-          </p:cNvPicPr>
-          <p:nvPr/>
-        </p:nvPicPr>
-        <p:blipFill>
-          <a:blip r:embed="rId4">
-            <a:extLst>
-              <a:ext uri="{28A0092B-C50C-407E-A947-70E740481C1C}">
-                <a14:useLocalDpi xmlns:a14="http://schemas.microsoft.com/office/drawing/2010/main" val="0"/>
-              </a:ext>
-            </a:extLst>
-          </a:blip>
-          <a:stretch>
-            <a:fillRect/>
-          </a:stretch>
-        </p:blipFill>
-        <p:spPr>
-          <a:xfrm>
-            <a:off x="1018777" y="2616188"/>
-            <a:ext cx="3849287" cy="2520000"/>
-          </a:xfrm>
-          <a:prstGeom prst="rect">
-            <a:avLst/>
-          </a:prstGeom>
-        </p:spPr>
-      </p:pic>
-      <p:sp>
-        <p:nvSpPr>
-          <p:cNvPr id="5" name="TextBox 4">
-            <a:extLst>
-              <a:ext uri="{FF2B5EF4-FFF2-40B4-BE49-F238E27FC236}">
-                <a16:creationId xmlns:a16="http://schemas.microsoft.com/office/drawing/2014/main" id="{EF1A9CE4-1E68-D077-568D-ADF3CE99B191}"/>
-              </a:ext>
-            </a:extLst>
-          </p:cNvPr>
-          <p:cNvSpPr txBox="1"/>
-          <p:nvPr/>
-        </p:nvSpPr>
-        <p:spPr>
-          <a:xfrm>
-            <a:off x="1619151" y="5136188"/>
-            <a:ext cx="3248913" cy="246221"/>
-          </a:xfrm>
-          <a:prstGeom prst="rect">
-            <a:avLst/>
-          </a:prstGeom>
-          <a:noFill/>
-        </p:spPr>
-        <p:txBody>
-          <a:bodyPr wrap="square">
-            <a:spAutoFit/>
-          </a:bodyPr>
-          <a:lstStyle/>
-          <a:p>
-            <a:pPr algn="r"/>
-            <a:r>
-              <a:rPr lang="ko-KR" altLang="en-US" sz="1000"/>
-              <a:t>태양광 전문 설계 업체 ㈜ 에스디 태양광의 장점</a:t>
-            </a:r>
-          </a:p>
-        </p:txBody>
-      </p:sp>
-      <p:sp>
-        <p:nvSpPr>
-          <p:cNvPr id="6" name="TextBox 5">
-            <a:extLst>
-              <a:ext uri="{FF2B5EF4-FFF2-40B4-BE49-F238E27FC236}">
-                <a16:creationId xmlns:a16="http://schemas.microsoft.com/office/drawing/2014/main" id="{7EC606E7-5C7C-A1CE-175B-F920D43F87A5}"/>
-              </a:ext>
-            </a:extLst>
-          </p:cNvPr>
-          <p:cNvSpPr txBox="1"/>
-          <p:nvPr/>
-        </p:nvSpPr>
-        <p:spPr>
-          <a:xfrm>
-            <a:off x="5468438" y="4173810"/>
-            <a:ext cx="3959738" cy="2305311"/>
-          </a:xfrm>
-          <a:prstGeom prst="rect">
-            <a:avLst/>
-          </a:prstGeom>
-          <a:noFill/>
-        </p:spPr>
-        <p:txBody>
-          <a:bodyPr wrap="none" rtlCol="0">
-            <a:spAutoFit/>
-          </a:bodyPr>
-          <a:lstStyle/>
-          <a:p>
             <a:pPr marL="285750" indent="-285750">
               <a:lnSpc>
-                <a:spcPct val="250000"/>
+                <a:spcPct val="150000"/>
               </a:lnSpc>
               <a:buFontTx/>
               <a:buChar char="-"/>
             </a:pPr>
             <a:r>
-              <a:rPr lang="ko-KR" altLang="en-US" sz="1500" b="0" i="0">
-                <a:effectLst/>
-                <a:latin typeface="Inter"/>
-              </a:rPr>
-              <a:t>풍력발전 보다 설치 면적이 작다</a:t>
-            </a:r>
-            <a:endParaRPr lang="en-US" altLang="ko-KR" sz="1500" b="0" i="0">
-              <a:effectLst/>
-              <a:latin typeface="Inter"/>
-            </a:endParaRPr>
-          </a:p>
-          <a:p>
-            <a:pPr marL="285750" indent="-285750">
-              <a:lnSpc>
-                <a:spcPct val="250000"/>
-              </a:lnSpc>
-              <a:buFontTx/>
-              <a:buChar char="-"/>
-            </a:pPr>
-            <a:r>
-              <a:rPr lang="ko-KR" altLang="en-US" sz="1500" b="0" i="0">
-                <a:effectLst/>
-                <a:latin typeface="Inter"/>
-              </a:rPr>
-              <a:t>유지 보수 비용과 소음이 적다</a:t>
-            </a:r>
-            <a:endParaRPr lang="en-US" altLang="ko-KR" sz="1500" b="0" i="0">
-              <a:effectLst/>
-              <a:latin typeface="Inter"/>
-            </a:endParaRPr>
-          </a:p>
-          <a:p>
-            <a:pPr marL="285750" indent="-285750">
-              <a:lnSpc>
-                <a:spcPct val="250000"/>
-              </a:lnSpc>
-              <a:buFontTx/>
-              <a:buChar char="-"/>
-            </a:pPr>
-            <a:r>
-              <a:rPr lang="ko-KR" altLang="en-US" sz="1500">
-                <a:latin typeface="Inter"/>
-              </a:rPr>
-              <a:t>무한한 자원 태양광을 이용 한다</a:t>
-            </a:r>
-            <a:endParaRPr lang="en-US" altLang="ko-KR" sz="1500">
-              <a:latin typeface="Inter"/>
-            </a:endParaRPr>
-          </a:p>
-          <a:p>
-            <a:pPr marL="285750" indent="-285750">
-              <a:lnSpc>
-                <a:spcPct val="250000"/>
-              </a:lnSpc>
-              <a:buFontTx/>
-              <a:buChar char="-"/>
-            </a:pPr>
-            <a:r>
-              <a:rPr lang="ko-KR" altLang="en-US" sz="1500">
-                <a:latin typeface="Inter"/>
-              </a:rPr>
-              <a:t>매월 자동 정산되어 수익 계산이 편리하다</a:t>
-            </a:r>
-            <a:endParaRPr lang="en-US" altLang="ko-KR" sz="1500">
-              <a:latin typeface="Inter"/>
-            </a:endParaRPr>
-          </a:p>
-        </p:txBody>
-      </p:sp>
-      <p:pic>
-        <p:nvPicPr>
-          <p:cNvPr id="9" name="그림 8">
-            <a:extLst>
-              <a:ext uri="{FF2B5EF4-FFF2-40B4-BE49-F238E27FC236}">
-                <a16:creationId xmlns:a16="http://schemas.microsoft.com/office/drawing/2014/main" id="{53357C23-CB22-1BBF-6A5D-7A19654E76EA}"/>
-              </a:ext>
-            </a:extLst>
-          </p:cNvPr>
-          <p:cNvPicPr>
-            <a:picLocks noChangeAspect="1"/>
-          </p:cNvPicPr>
-          <p:nvPr/>
-        </p:nvPicPr>
-        <p:blipFill>
-          <a:blip r:embed="rId5">
-            <a:extLst>
-              <a:ext uri="{28A0092B-C50C-407E-A947-70E740481C1C}">
-                <a14:useLocalDpi xmlns:a14="http://schemas.microsoft.com/office/drawing/2010/main" val="0"/>
-              </a:ext>
-            </a:extLst>
-          </a:blip>
-          <a:stretch>
-            <a:fillRect/>
-          </a:stretch>
-        </p:blipFill>
-        <p:spPr>
-          <a:xfrm>
-            <a:off x="6338197" y="2515946"/>
-            <a:ext cx="4431496" cy="2520000"/>
-          </a:xfrm>
-          <a:prstGeom prst="rect">
-            <a:avLst/>
-          </a:prstGeom>
-        </p:spPr>
-      </p:pic>
-      <p:sp>
-        <p:nvSpPr>
-          <p:cNvPr id="10" name="TextBox 9">
-            <a:extLst>
-              <a:ext uri="{FF2B5EF4-FFF2-40B4-BE49-F238E27FC236}">
-                <a16:creationId xmlns:a16="http://schemas.microsoft.com/office/drawing/2014/main" id="{852A9612-8F37-B585-E3AF-1F4CD4720C06}"/>
-              </a:ext>
-            </a:extLst>
-          </p:cNvPr>
-          <p:cNvSpPr txBox="1"/>
-          <p:nvPr/>
-        </p:nvSpPr>
-        <p:spPr>
-          <a:xfrm>
-            <a:off x="6976541" y="5049763"/>
-            <a:ext cx="3248913" cy="246221"/>
-          </a:xfrm>
-          <a:prstGeom prst="rect">
-            <a:avLst/>
-          </a:prstGeom>
-          <a:noFill/>
-        </p:spPr>
-        <p:txBody>
-          <a:bodyPr wrap="square">
-            <a:spAutoFit/>
-          </a:bodyPr>
-          <a:lstStyle/>
-          <a:p>
-            <a:pPr algn="r"/>
-            <a:r>
-              <a:rPr lang="ko-KR" altLang="en-US" sz="1000"/>
-              <a:t>풍력 </a:t>
-            </a:r>
-            <a:r>
-              <a:rPr lang="en-US" altLang="ko-KR" sz="1000"/>
-              <a:t>VS </a:t>
-            </a:r>
-            <a:r>
-              <a:rPr lang="ko-KR" altLang="en-US" sz="1000"/>
-              <a:t>태양광 발전 설비 비교</a:t>
-            </a:r>
+              <a:rPr lang="ko-KR" altLang="en-US" b="1"/>
+              <a:t>습도 </a:t>
+            </a:r>
+            <a:r>
+              <a:rPr lang="ko-KR" altLang="en-US"/>
+              <a:t>예측 모델 구성에 중요한 변수</a:t>
+            </a:r>
+            <a:endParaRPr lang="en-US" altLang="ko-KR"/>
           </a:p>
         </p:txBody>
       </p:sp>
     </p:spTree>
     <p:extLst>
       <p:ext uri="{BB962C8B-B14F-4D97-AF65-F5344CB8AC3E}">
-        <p14:creationId xmlns:p14="http://schemas.microsoft.com/office/powerpoint/2010/main" val="2356219939"/>
-      </p:ext>
-    </p:extLst>
-  </p:cSld>
-  <p:clrMapOvr>
-    <a:masterClrMapping/>
-  </p:clrMapOvr>
-</p:sld>
-</file>
-
-<file path=ppt/slides/slide6.xml><?xml version="1.0" encoding="utf-8"?>
-<p:sld xmlns:a="http://schemas.openxmlformats.org/drawingml/2006/main" xmlns:r="http://schemas.openxmlformats.org/officeDocument/2006/relationships" xmlns:p="http://schemas.openxmlformats.org/presentationml/2006/main">
-  <p:cSld>
-    <p:spTree>
-      <p:nvGrpSpPr>
-        <p:cNvPr id="1" name=""/>
-        <p:cNvGrpSpPr/>
-        <p:nvPr/>
-      </p:nvGrpSpPr>
-      <p:grpSpPr>
-        <a:xfrm>
-          <a:off x="0" y="0"/>
-          <a:ext cx="0" cy="0"/>
-          <a:chOff x="0" y="0"/>
-          <a:chExt cx="0" cy="0"/>
-        </a:xfrm>
-      </p:grpSpPr>
-      <p:sp>
-        <p:nvSpPr>
-          <p:cNvPr id="15" name="object 2">
-            <a:extLst>
-              <a:ext uri="{FF2B5EF4-FFF2-40B4-BE49-F238E27FC236}">
-                <a16:creationId xmlns:a16="http://schemas.microsoft.com/office/drawing/2014/main" id="{63B42C9C-96BB-4869-81D8-DBA87F4A50BB}"/>
-              </a:ext>
-            </a:extLst>
-          </p:cNvPr>
-          <p:cNvSpPr txBox="1">
-            <a:spLocks/>
-          </p:cNvSpPr>
-          <p:nvPr/>
-        </p:nvSpPr>
-        <p:spPr>
-          <a:xfrm>
-            <a:off x="492575" y="391668"/>
-            <a:ext cx="1793875" cy="513080"/>
-          </a:xfrm>
-          <a:prstGeom prst="rect">
-            <a:avLst/>
-          </a:prstGeom>
-        </p:spPr>
-        <p:txBody>
-          <a:bodyPr vert="horz" wrap="square" lIns="0" tIns="12700" rIns="0" bIns="0" rtlCol="0">
-            <a:spAutoFit/>
-          </a:bodyPr>
-          <a:lstStyle>
-            <a:lvl1pPr>
-              <a:defRPr sz="3600" b="1" i="0">
-                <a:solidFill>
-                  <a:schemeClr val="tx1"/>
-                </a:solidFill>
-                <a:latin typeface="Malgun Gothic"/>
-                <a:ea typeface="+mj-ea"/>
-                <a:cs typeface="Malgun Gothic"/>
-              </a:defRPr>
-            </a:lvl1pPr>
-          </a:lstStyle>
-          <a:p>
-            <a:pPr marL="12700" marR="0" lvl="0" indent="0" defTabSz="914400" eaLnBrk="1" fontAlgn="auto" latinLnBrk="0" hangingPunct="1">
-              <a:lnSpc>
-                <a:spcPct val="100000"/>
-              </a:lnSpc>
-              <a:spcBef>
-                <a:spcPts val="100"/>
-              </a:spcBef>
-              <a:spcAft>
-                <a:spcPts val="0"/>
-              </a:spcAft>
-              <a:buClrTx/>
-              <a:buSzTx/>
-              <a:buFontTx/>
-              <a:buNone/>
-              <a:tabLst>
-                <a:tab pos="967740" algn="l"/>
-              </a:tabLst>
-              <a:defRPr/>
-            </a:pPr>
-            <a:r>
-              <a:rPr kumimoji="0" lang="ko-KR" altLang="en-US" sz="3200" b="1" i="0" u="none" strike="noStrike" kern="0" cap="none" spc="-25" normalizeH="0" baseline="0" noProof="0">
-                <a:ln>
-                  <a:noFill/>
-                </a:ln>
-                <a:solidFill>
-                  <a:srgbClr val="001F60"/>
-                </a:solidFill>
-                <a:effectLst/>
-                <a:uLnTx/>
-                <a:uFillTx/>
-                <a:latin typeface="Malgun Gothic"/>
-                <a:ea typeface="맑은 고딕" panose="020B0503020000020004" pitchFamily="50" charset="-127"/>
-              </a:rPr>
-              <a:t>연구</a:t>
-            </a:r>
-            <a:r>
-              <a:rPr kumimoji="0" lang="ko-KR" altLang="en-US" sz="3200" b="1" i="0" u="none" strike="noStrike" kern="0" cap="none" spc="0" normalizeH="0" baseline="0" noProof="0">
-                <a:ln>
-                  <a:noFill/>
-                </a:ln>
-                <a:solidFill>
-                  <a:srgbClr val="001F60"/>
-                </a:solidFill>
-                <a:effectLst/>
-                <a:uLnTx/>
-                <a:uFillTx/>
-                <a:latin typeface="Malgun Gothic"/>
-                <a:ea typeface="맑은 고딕" panose="020B0503020000020004" pitchFamily="50" charset="-127"/>
-              </a:rPr>
-              <a:t>	</a:t>
-            </a:r>
-            <a:r>
-              <a:rPr kumimoji="0" lang="ko-KR" altLang="en-US" sz="3200" b="1" i="0" u="none" strike="noStrike" kern="0" cap="none" spc="-25" normalizeH="0" baseline="0" noProof="0">
-                <a:ln>
-                  <a:noFill/>
-                </a:ln>
-                <a:solidFill>
-                  <a:srgbClr val="001F60"/>
-                </a:solidFill>
-                <a:effectLst/>
-                <a:uLnTx/>
-                <a:uFillTx/>
-                <a:latin typeface="Malgun Gothic"/>
-                <a:ea typeface="맑은 고딕" panose="020B0503020000020004" pitchFamily="50" charset="-127"/>
-              </a:rPr>
-              <a:t>배경</a:t>
-            </a:r>
-            <a:endParaRPr kumimoji="0" lang="ko-KR" altLang="en-US" sz="3200" b="1" i="0" u="none" strike="noStrike" kern="0" cap="none" spc="0" normalizeH="0" baseline="0" noProof="0" dirty="0">
-              <a:ln>
-                <a:noFill/>
-              </a:ln>
-              <a:solidFill>
-                <a:sysClr val="windowText" lastClr="000000"/>
-              </a:solidFill>
-              <a:effectLst/>
-              <a:uLnTx/>
-              <a:uFillTx/>
-              <a:latin typeface="Malgun Gothic"/>
-              <a:ea typeface="맑은 고딕" panose="020B0503020000020004" pitchFamily="50" charset="-127"/>
-            </a:endParaRPr>
-          </a:p>
-        </p:txBody>
-      </p:sp>
-      <p:sp>
-        <p:nvSpPr>
-          <p:cNvPr id="19" name="object 6">
-            <a:extLst>
-              <a:ext uri="{FF2B5EF4-FFF2-40B4-BE49-F238E27FC236}">
-                <a16:creationId xmlns:a16="http://schemas.microsoft.com/office/drawing/2014/main" id="{C73C25E3-E198-4627-994A-E730949EA465}"/>
-              </a:ext>
-            </a:extLst>
-          </p:cNvPr>
-          <p:cNvSpPr/>
-          <p:nvPr/>
-        </p:nvSpPr>
-        <p:spPr>
-          <a:xfrm>
-            <a:off x="430250" y="985061"/>
-            <a:ext cx="11353800" cy="45720"/>
-          </a:xfrm>
-          <a:custGeom>
-            <a:avLst/>
-            <a:gdLst/>
-            <a:ahLst/>
-            <a:cxnLst/>
-            <a:rect l="l" t="t" r="r" b="b"/>
-            <a:pathLst>
-              <a:path w="11353800" h="45719">
-                <a:moveTo>
-                  <a:pt x="11353800" y="0"/>
-                </a:moveTo>
-                <a:lnTo>
-                  <a:pt x="0" y="0"/>
-                </a:lnTo>
-                <a:lnTo>
-                  <a:pt x="0" y="45718"/>
-                </a:lnTo>
-                <a:lnTo>
-                  <a:pt x="11353800" y="45718"/>
-                </a:lnTo>
-                <a:lnTo>
-                  <a:pt x="11353800" y="0"/>
-                </a:lnTo>
-                <a:close/>
-              </a:path>
-            </a:pathLst>
-          </a:custGeom>
-          <a:solidFill>
-            <a:srgbClr val="0C3F8B"/>
-          </a:solidFill>
-        </p:spPr>
-        <p:txBody>
-          <a:bodyPr wrap="square" lIns="0" tIns="0" rIns="0" bIns="0" rtlCol="0"/>
-          <a:lstStyle/>
-          <a:p>
-            <a:pPr marL="0" marR="0" lvl="0" indent="0" defTabSz="914400" eaLnBrk="1" fontAlgn="auto" latinLnBrk="0" hangingPunct="1">
-              <a:lnSpc>
-                <a:spcPct val="100000"/>
-              </a:lnSpc>
-              <a:spcBef>
-                <a:spcPts val="0"/>
-              </a:spcBef>
-              <a:spcAft>
-                <a:spcPts val="0"/>
-              </a:spcAft>
-              <a:buClrTx/>
-              <a:buSzTx/>
-              <a:buFontTx/>
-              <a:buNone/>
-              <a:tabLst/>
-              <a:defRPr/>
-            </a:pPr>
-            <a:endParaRPr kumimoji="0" sz="1800" b="0" i="0" u="none" strike="noStrike" kern="0" cap="none" spc="0" normalizeH="0" baseline="0" noProof="0">
-              <a:ln>
-                <a:noFill/>
-              </a:ln>
-              <a:solidFill>
-                <a:sysClr val="windowText" lastClr="000000"/>
-              </a:solidFill>
-              <a:effectLst/>
-              <a:uLnTx/>
-              <a:uFillTx/>
-            </a:endParaRPr>
-          </a:p>
-        </p:txBody>
-      </p:sp>
-      <p:grpSp>
-        <p:nvGrpSpPr>
-          <p:cNvPr id="4" name="그룹 3">
-            <a:extLst>
-              <a:ext uri="{FF2B5EF4-FFF2-40B4-BE49-F238E27FC236}">
-                <a16:creationId xmlns:a16="http://schemas.microsoft.com/office/drawing/2014/main" id="{A0C71B1A-3049-00DB-5A95-2A35B854AF54}"/>
-              </a:ext>
-            </a:extLst>
-          </p:cNvPr>
-          <p:cNvGrpSpPr/>
-          <p:nvPr/>
-        </p:nvGrpSpPr>
-        <p:grpSpPr>
-          <a:xfrm>
-            <a:off x="10225454" y="6479121"/>
-            <a:ext cx="1845882" cy="304214"/>
-            <a:chOff x="8473734" y="6091284"/>
-            <a:chExt cx="3553640" cy="585664"/>
-          </a:xfrm>
-        </p:grpSpPr>
-        <p:pic>
-          <p:nvPicPr>
-            <p:cNvPr id="20" name="그림 19">
-              <a:extLst>
-                <a:ext uri="{FF2B5EF4-FFF2-40B4-BE49-F238E27FC236}">
-                  <a16:creationId xmlns:a16="http://schemas.microsoft.com/office/drawing/2014/main" id="{A87EDB79-AE8E-46E3-B956-281C41A7ED3A}"/>
-                </a:ext>
-              </a:extLst>
-            </p:cNvPr>
-            <p:cNvPicPr>
-              <a:picLocks noChangeAspect="1"/>
-            </p:cNvPicPr>
-            <p:nvPr/>
-          </p:nvPicPr>
-          <p:blipFill rotWithShape="1">
-            <a:blip r:embed="rId2">
-              <a:extLst>
-                <a:ext uri="{28A0092B-C50C-407E-A947-70E740481C1C}">
-                  <a14:useLocalDpi xmlns:a14="http://schemas.microsoft.com/office/drawing/2010/main" val="0"/>
-                </a:ext>
-              </a:extLst>
-            </a:blip>
-            <a:srcRect l="74535" t="3851" r="5686" b="50143"/>
-            <a:stretch/>
-          </p:blipFill>
-          <p:spPr>
-            <a:xfrm>
-              <a:off x="8473734" y="6091284"/>
-              <a:ext cx="1353669" cy="585664"/>
-            </a:xfrm>
-            <a:prstGeom prst="rect">
-              <a:avLst/>
-            </a:prstGeom>
-          </p:spPr>
-        </p:pic>
-        <p:pic>
-          <p:nvPicPr>
-            <p:cNvPr id="21" name="그림 20">
-              <a:extLst>
-                <a:ext uri="{FF2B5EF4-FFF2-40B4-BE49-F238E27FC236}">
-                  <a16:creationId xmlns:a16="http://schemas.microsoft.com/office/drawing/2014/main" id="{25EA5F27-CB8A-4DD7-A41E-73A6B46FF164}"/>
-                </a:ext>
-              </a:extLst>
-            </p:cNvPr>
-            <p:cNvPicPr>
-              <a:picLocks noChangeAspect="1"/>
-            </p:cNvPicPr>
-            <p:nvPr/>
-          </p:nvPicPr>
-          <p:blipFill>
-            <a:blip r:embed="rId3" cstate="hqprint">
-              <a:extLst>
-                <a:ext uri="{28A0092B-C50C-407E-A947-70E740481C1C}">
-                  <a14:useLocalDpi xmlns:a14="http://schemas.microsoft.com/office/drawing/2010/main" val="0"/>
-                </a:ext>
-              </a:extLst>
-            </a:blip>
-            <a:stretch>
-              <a:fillRect/>
-            </a:stretch>
-          </p:blipFill>
-          <p:spPr>
-            <a:xfrm>
-              <a:off x="9827403" y="6172124"/>
-              <a:ext cx="2199971" cy="423985"/>
-            </a:xfrm>
-            <a:prstGeom prst="rect">
-              <a:avLst/>
-            </a:prstGeom>
-          </p:spPr>
-        </p:pic>
-      </p:grpSp>
-      <p:sp>
-        <p:nvSpPr>
-          <p:cNvPr id="7" name="TextBox 6">
-            <a:extLst>
-              <a:ext uri="{FF2B5EF4-FFF2-40B4-BE49-F238E27FC236}">
-                <a16:creationId xmlns:a16="http://schemas.microsoft.com/office/drawing/2014/main" id="{C32BDAE3-8425-E8C0-3D82-A3DF9B086B90}"/>
-              </a:ext>
-            </a:extLst>
-          </p:cNvPr>
-          <p:cNvSpPr txBox="1"/>
-          <p:nvPr/>
-        </p:nvSpPr>
-        <p:spPr>
-          <a:xfrm>
-            <a:off x="430250" y="1178351"/>
-            <a:ext cx="4847802" cy="369332"/>
-          </a:xfrm>
-          <a:prstGeom prst="rect">
-            <a:avLst/>
-          </a:prstGeom>
-          <a:noFill/>
-        </p:spPr>
-        <p:txBody>
-          <a:bodyPr wrap="none" rtlCol="0">
-            <a:spAutoFit/>
-          </a:bodyPr>
-          <a:lstStyle/>
-          <a:p>
-            <a:r>
-              <a:rPr lang="ko-KR" altLang="en-US" b="1"/>
-              <a:t>신재생 에너지 </a:t>
-            </a:r>
-            <a:r>
-              <a:rPr lang="en-US" altLang="ko-KR" b="1"/>
-              <a:t>(</a:t>
-            </a:r>
-            <a:r>
-              <a:rPr lang="ko-KR" altLang="en-US" b="1"/>
-              <a:t>태양광 발전 풍력 발전 비교</a:t>
-            </a:r>
-            <a:r>
-              <a:rPr lang="en-US" altLang="ko-KR" b="1"/>
-              <a:t>)</a:t>
-            </a:r>
-            <a:endParaRPr lang="ko-KR" altLang="en-US" b="1"/>
-          </a:p>
-        </p:txBody>
-      </p:sp>
-    </p:spTree>
-    <p:extLst>
-      <p:ext uri="{BB962C8B-B14F-4D97-AF65-F5344CB8AC3E}">
-        <p14:creationId xmlns:p14="http://schemas.microsoft.com/office/powerpoint/2010/main" val="2833178517"/>
-      </p:ext>
-    </p:extLst>
-  </p:cSld>
-  <p:clrMapOvr>
-    <a:masterClrMapping/>
-  </p:clrMapOvr>
-</p:sld>
-</file>
-
-<file path=ppt/slides/slide7.xml><?xml version="1.0" encoding="utf-8"?>
-<p:sld xmlns:a="http://schemas.openxmlformats.org/drawingml/2006/main" xmlns:r="http://schemas.openxmlformats.org/officeDocument/2006/relationships" xmlns:p="http://schemas.openxmlformats.org/presentationml/2006/main">
-  <p:cSld>
-    <p:spTree>
-      <p:nvGrpSpPr>
-        <p:cNvPr id="1" name=""/>
-        <p:cNvGrpSpPr/>
-        <p:nvPr/>
-      </p:nvGrpSpPr>
-      <p:grpSpPr>
-        <a:xfrm>
-          <a:off x="0" y="0"/>
-          <a:ext cx="0" cy="0"/>
-          <a:chOff x="0" y="0"/>
-          <a:chExt cx="0" cy="0"/>
-        </a:xfrm>
-      </p:grpSpPr>
-      <p:sp>
-        <p:nvSpPr>
-          <p:cNvPr id="15" name="object 2">
-            <a:extLst>
-              <a:ext uri="{FF2B5EF4-FFF2-40B4-BE49-F238E27FC236}">
-                <a16:creationId xmlns:a16="http://schemas.microsoft.com/office/drawing/2014/main" id="{63B42C9C-96BB-4869-81D8-DBA87F4A50BB}"/>
-              </a:ext>
-            </a:extLst>
-          </p:cNvPr>
-          <p:cNvSpPr txBox="1">
-            <a:spLocks/>
-          </p:cNvSpPr>
-          <p:nvPr/>
-        </p:nvSpPr>
-        <p:spPr>
-          <a:xfrm>
-            <a:off x="492575" y="391668"/>
-            <a:ext cx="1793875" cy="513080"/>
-          </a:xfrm>
-          <a:prstGeom prst="rect">
-            <a:avLst/>
-          </a:prstGeom>
-        </p:spPr>
-        <p:txBody>
-          <a:bodyPr vert="horz" wrap="square" lIns="0" tIns="12700" rIns="0" bIns="0" rtlCol="0">
-            <a:spAutoFit/>
-          </a:bodyPr>
-          <a:lstStyle>
-            <a:lvl1pPr>
-              <a:defRPr sz="3600" b="1" i="0">
-                <a:solidFill>
-                  <a:schemeClr val="tx1"/>
-                </a:solidFill>
-                <a:latin typeface="Malgun Gothic"/>
-                <a:ea typeface="+mj-ea"/>
-                <a:cs typeface="Malgun Gothic"/>
-              </a:defRPr>
-            </a:lvl1pPr>
-          </a:lstStyle>
-          <a:p>
-            <a:pPr marL="12700" marR="0" lvl="0" indent="0" defTabSz="914400" eaLnBrk="1" fontAlgn="auto" latinLnBrk="0" hangingPunct="1">
-              <a:lnSpc>
-                <a:spcPct val="100000"/>
-              </a:lnSpc>
-              <a:spcBef>
-                <a:spcPts val="100"/>
-              </a:spcBef>
-              <a:spcAft>
-                <a:spcPts val="0"/>
-              </a:spcAft>
-              <a:buClrTx/>
-              <a:buSzTx/>
-              <a:buFontTx/>
-              <a:buNone/>
-              <a:tabLst>
-                <a:tab pos="967740" algn="l"/>
-              </a:tabLst>
-              <a:defRPr/>
-            </a:pPr>
-            <a:r>
-              <a:rPr kumimoji="0" lang="ko-KR" altLang="en-US" sz="3200" b="1" i="0" u="none" strike="noStrike" kern="0" cap="none" spc="-25" normalizeH="0" baseline="0" noProof="0">
-                <a:ln>
-                  <a:noFill/>
-                </a:ln>
-                <a:solidFill>
-                  <a:srgbClr val="001F60"/>
-                </a:solidFill>
-                <a:effectLst/>
-                <a:uLnTx/>
-                <a:uFillTx/>
-                <a:latin typeface="Malgun Gothic"/>
-                <a:ea typeface="맑은 고딕" panose="020B0503020000020004" pitchFamily="50" charset="-127"/>
-              </a:rPr>
-              <a:t>목적</a:t>
-            </a:r>
-            <a:endParaRPr kumimoji="0" lang="ko-KR" altLang="en-US" sz="3200" b="1" i="0" u="none" strike="noStrike" kern="0" cap="none" spc="0" normalizeH="0" baseline="0" noProof="0" dirty="0">
-              <a:ln>
-                <a:noFill/>
-              </a:ln>
-              <a:solidFill>
-                <a:sysClr val="windowText" lastClr="000000"/>
-              </a:solidFill>
-              <a:effectLst/>
-              <a:uLnTx/>
-              <a:uFillTx/>
-              <a:latin typeface="Malgun Gothic"/>
-              <a:ea typeface="맑은 고딕" panose="020B0503020000020004" pitchFamily="50" charset="-127"/>
-            </a:endParaRPr>
-          </a:p>
-        </p:txBody>
-      </p:sp>
-      <p:sp>
-        <p:nvSpPr>
-          <p:cNvPr id="19" name="object 6">
-            <a:extLst>
-              <a:ext uri="{FF2B5EF4-FFF2-40B4-BE49-F238E27FC236}">
-                <a16:creationId xmlns:a16="http://schemas.microsoft.com/office/drawing/2014/main" id="{C73C25E3-E198-4627-994A-E730949EA465}"/>
-              </a:ext>
-            </a:extLst>
-          </p:cNvPr>
-          <p:cNvSpPr/>
-          <p:nvPr/>
-        </p:nvSpPr>
-        <p:spPr>
-          <a:xfrm>
-            <a:off x="430250" y="985061"/>
-            <a:ext cx="11353800" cy="45720"/>
-          </a:xfrm>
-          <a:custGeom>
-            <a:avLst/>
-            <a:gdLst/>
-            <a:ahLst/>
-            <a:cxnLst/>
-            <a:rect l="l" t="t" r="r" b="b"/>
-            <a:pathLst>
-              <a:path w="11353800" h="45719">
-                <a:moveTo>
-                  <a:pt x="11353800" y="0"/>
-                </a:moveTo>
-                <a:lnTo>
-                  <a:pt x="0" y="0"/>
-                </a:lnTo>
-                <a:lnTo>
-                  <a:pt x="0" y="45718"/>
-                </a:lnTo>
-                <a:lnTo>
-                  <a:pt x="11353800" y="45718"/>
-                </a:lnTo>
-                <a:lnTo>
-                  <a:pt x="11353800" y="0"/>
-                </a:lnTo>
-                <a:close/>
-              </a:path>
-            </a:pathLst>
-          </a:custGeom>
-          <a:solidFill>
-            <a:srgbClr val="0C3F8B"/>
-          </a:solidFill>
-        </p:spPr>
-        <p:txBody>
-          <a:bodyPr wrap="square" lIns="0" tIns="0" rIns="0" bIns="0" rtlCol="0"/>
-          <a:lstStyle/>
-          <a:p>
-            <a:pPr marL="0" marR="0" lvl="0" indent="0" defTabSz="914400" eaLnBrk="1" fontAlgn="auto" latinLnBrk="0" hangingPunct="1">
-              <a:lnSpc>
-                <a:spcPct val="100000"/>
-              </a:lnSpc>
-              <a:spcBef>
-                <a:spcPts val="0"/>
-              </a:spcBef>
-              <a:spcAft>
-                <a:spcPts val="0"/>
-              </a:spcAft>
-              <a:buClrTx/>
-              <a:buSzTx/>
-              <a:buFontTx/>
-              <a:buNone/>
-              <a:tabLst/>
-              <a:defRPr/>
-            </a:pPr>
-            <a:endParaRPr kumimoji="0" sz="1800" b="0" i="0" u="none" strike="noStrike" kern="0" cap="none" spc="0" normalizeH="0" baseline="0" noProof="0">
-              <a:ln>
-                <a:noFill/>
-              </a:ln>
-              <a:solidFill>
-                <a:sysClr val="windowText" lastClr="000000"/>
-              </a:solidFill>
-              <a:effectLst/>
-              <a:uLnTx/>
-              <a:uFillTx/>
-            </a:endParaRPr>
-          </a:p>
-        </p:txBody>
-      </p:sp>
-      <p:grpSp>
-        <p:nvGrpSpPr>
-          <p:cNvPr id="4" name="그룹 3">
-            <a:extLst>
-              <a:ext uri="{FF2B5EF4-FFF2-40B4-BE49-F238E27FC236}">
-                <a16:creationId xmlns:a16="http://schemas.microsoft.com/office/drawing/2014/main" id="{A0C71B1A-3049-00DB-5A95-2A35B854AF54}"/>
-              </a:ext>
-            </a:extLst>
-          </p:cNvPr>
-          <p:cNvGrpSpPr/>
-          <p:nvPr/>
-        </p:nvGrpSpPr>
-        <p:grpSpPr>
-          <a:xfrm>
-            <a:off x="10225454" y="6479121"/>
-            <a:ext cx="1845882" cy="304214"/>
-            <a:chOff x="8473734" y="6091284"/>
-            <a:chExt cx="3553640" cy="585664"/>
-          </a:xfrm>
-        </p:grpSpPr>
-        <p:pic>
-          <p:nvPicPr>
-            <p:cNvPr id="20" name="그림 19">
-              <a:extLst>
-                <a:ext uri="{FF2B5EF4-FFF2-40B4-BE49-F238E27FC236}">
-                  <a16:creationId xmlns:a16="http://schemas.microsoft.com/office/drawing/2014/main" id="{A87EDB79-AE8E-46E3-B956-281C41A7ED3A}"/>
-                </a:ext>
-              </a:extLst>
-            </p:cNvPr>
-            <p:cNvPicPr>
-              <a:picLocks noChangeAspect="1"/>
-            </p:cNvPicPr>
-            <p:nvPr/>
-          </p:nvPicPr>
-          <p:blipFill rotWithShape="1">
-            <a:blip r:embed="rId2">
-              <a:extLst>
-                <a:ext uri="{28A0092B-C50C-407E-A947-70E740481C1C}">
-                  <a14:useLocalDpi xmlns:a14="http://schemas.microsoft.com/office/drawing/2010/main" val="0"/>
-                </a:ext>
-              </a:extLst>
-            </a:blip>
-            <a:srcRect l="74535" t="3851" r="5686" b="50143"/>
-            <a:stretch/>
-          </p:blipFill>
-          <p:spPr>
-            <a:xfrm>
-              <a:off x="8473734" y="6091284"/>
-              <a:ext cx="1353669" cy="585664"/>
-            </a:xfrm>
-            <a:prstGeom prst="rect">
-              <a:avLst/>
-            </a:prstGeom>
-          </p:spPr>
-        </p:pic>
-        <p:pic>
-          <p:nvPicPr>
-            <p:cNvPr id="21" name="그림 20">
-              <a:extLst>
-                <a:ext uri="{FF2B5EF4-FFF2-40B4-BE49-F238E27FC236}">
-                  <a16:creationId xmlns:a16="http://schemas.microsoft.com/office/drawing/2014/main" id="{25EA5F27-CB8A-4DD7-A41E-73A6B46FF164}"/>
-                </a:ext>
-              </a:extLst>
-            </p:cNvPr>
-            <p:cNvPicPr>
-              <a:picLocks noChangeAspect="1"/>
-            </p:cNvPicPr>
-            <p:nvPr/>
-          </p:nvPicPr>
-          <p:blipFill>
-            <a:blip r:embed="rId3" cstate="hqprint">
-              <a:extLst>
-                <a:ext uri="{28A0092B-C50C-407E-A947-70E740481C1C}">
-                  <a14:useLocalDpi xmlns:a14="http://schemas.microsoft.com/office/drawing/2010/main" val="0"/>
-                </a:ext>
-              </a:extLst>
-            </a:blip>
-            <a:stretch>
-              <a:fillRect/>
-            </a:stretch>
-          </p:blipFill>
-          <p:spPr>
-            <a:xfrm>
-              <a:off x="9827403" y="6172124"/>
-              <a:ext cx="2199971" cy="423985"/>
-            </a:xfrm>
-            <a:prstGeom prst="rect">
-              <a:avLst/>
-            </a:prstGeom>
-          </p:spPr>
-        </p:pic>
-      </p:grpSp>
-      <p:sp>
-        <p:nvSpPr>
-          <p:cNvPr id="5" name="TextBox 4">
-            <a:extLst>
-              <a:ext uri="{FF2B5EF4-FFF2-40B4-BE49-F238E27FC236}">
-                <a16:creationId xmlns:a16="http://schemas.microsoft.com/office/drawing/2014/main" id="{F2E7B266-169E-4100-7118-6F2682285D06}"/>
-              </a:ext>
-            </a:extLst>
-          </p:cNvPr>
-          <p:cNvSpPr txBox="1"/>
-          <p:nvPr/>
-        </p:nvSpPr>
-        <p:spPr>
-          <a:xfrm>
-            <a:off x="382785" y="1283678"/>
-            <a:ext cx="11424922" cy="2308324"/>
-          </a:xfrm>
-          <a:prstGeom prst="rect">
-            <a:avLst/>
-          </a:prstGeom>
-          <a:noFill/>
-        </p:spPr>
-        <p:txBody>
-          <a:bodyPr wrap="none" rtlCol="0">
-            <a:spAutoFit/>
-          </a:bodyPr>
-          <a:lstStyle/>
-          <a:p>
-            <a:r>
-              <a:rPr lang="ko-KR" altLang="en-US"/>
-              <a:t>태양광 발전 시스템 운영을 위해서는 </a:t>
-            </a:r>
-            <a:r>
-              <a:rPr lang="ko-KR" altLang="en-US">
-                <a:effectLst/>
-              </a:rPr>
-              <a:t>사전에 정확한 단기 태양광 발전량을 예측하는 것이 중요</a:t>
-            </a:r>
-            <a:endParaRPr lang="en-US" altLang="ko-KR">
-              <a:effectLst/>
-            </a:endParaRPr>
-          </a:p>
-          <a:p>
-            <a:endParaRPr lang="en-US" altLang="ko-KR"/>
-          </a:p>
-          <a:p>
-            <a:r>
-              <a:rPr lang="ko-KR" altLang="en-US">
-                <a:effectLst/>
-              </a:rPr>
-              <a:t>태양광 발전량 예측 모델의 주요 요인인 일사량 정보를 수집하는 것이 필수</a:t>
-            </a:r>
-            <a:endParaRPr lang="en-US" altLang="ko-KR">
-              <a:effectLst/>
-            </a:endParaRPr>
-          </a:p>
-          <a:p>
-            <a:endParaRPr lang="en-US" altLang="ko-KR"/>
-          </a:p>
-          <a:p>
-            <a:r>
-              <a:rPr lang="ko-KR" altLang="en-US">
-                <a:effectLst/>
-              </a:rPr>
-              <a:t>기상청의 동네예보는 기온</a:t>
-            </a:r>
-            <a:r>
-              <a:rPr lang="en-US" altLang="ko-KR">
-                <a:effectLst/>
-              </a:rPr>
-              <a:t>, </a:t>
-            </a:r>
-            <a:r>
-              <a:rPr lang="ko-KR" altLang="en-US">
-                <a:effectLst/>
-              </a:rPr>
-              <a:t>습도와 같은 요인의 예측값은 제공하나</a:t>
-            </a:r>
-            <a:r>
-              <a:rPr lang="en-US" altLang="ko-KR">
-                <a:effectLst/>
-              </a:rPr>
-              <a:t>, </a:t>
-            </a:r>
-            <a:r>
-              <a:rPr lang="ko-KR" altLang="en-US">
-                <a:effectLst/>
-              </a:rPr>
-              <a:t>일사량에 대한 예측값은 제공하지 않는다</a:t>
-            </a:r>
-            <a:endParaRPr lang="en-US" altLang="ko-KR">
-              <a:effectLst/>
-            </a:endParaRPr>
-          </a:p>
-          <a:p>
-            <a:endParaRPr lang="en-US" altLang="ko-KR"/>
-          </a:p>
-          <a:p>
-            <a:r>
-              <a:rPr lang="ko-KR" altLang="en-US"/>
-              <a:t>따라서 정확한 단기 일사량 예측 모델이 요구 </a:t>
-            </a:r>
-            <a:endParaRPr lang="en-US" altLang="ko-KR"/>
-          </a:p>
-          <a:p>
-            <a:r>
-              <a:rPr lang="ko-KR" altLang="en-US">
-                <a:effectLst/>
-              </a:rPr>
-              <a:t>국내 여러 기관에서 기계학습을 기반으로 일사량 예측 모델들을 보고</a:t>
-            </a:r>
-            <a:endParaRPr lang="ko-KR" altLang="en-US"/>
-          </a:p>
-        </p:txBody>
-      </p:sp>
-    </p:spTree>
-    <p:extLst>
-      <p:ext uri="{BB962C8B-B14F-4D97-AF65-F5344CB8AC3E}">
-        <p14:creationId xmlns:p14="http://schemas.microsoft.com/office/powerpoint/2010/main" val="3002335022"/>
-      </p:ext>
-    </p:extLst>
-  </p:cSld>
-  <p:clrMapOvr>
-    <a:masterClrMapping/>
-  </p:clrMapOvr>
-</p:sld>
-</file>
-
-<file path=ppt/slides/slide8.xml><?xml version="1.0" encoding="utf-8"?>
-<p:sld xmlns:a="http://schemas.openxmlformats.org/drawingml/2006/main" xmlns:r="http://schemas.openxmlformats.org/officeDocument/2006/relationships" xmlns:p="http://schemas.openxmlformats.org/presentationml/2006/main">
-  <p:cSld>
-    <p:spTree>
-      <p:nvGrpSpPr>
-        <p:cNvPr id="1" name=""/>
-        <p:cNvGrpSpPr/>
-        <p:nvPr/>
-      </p:nvGrpSpPr>
-      <p:grpSpPr>
-        <a:xfrm>
-          <a:off x="0" y="0"/>
-          <a:ext cx="0" cy="0"/>
-          <a:chOff x="0" y="0"/>
-          <a:chExt cx="0" cy="0"/>
-        </a:xfrm>
-      </p:grpSpPr>
-      <p:sp>
-        <p:nvSpPr>
-          <p:cNvPr id="15" name="object 2">
-            <a:extLst>
-              <a:ext uri="{FF2B5EF4-FFF2-40B4-BE49-F238E27FC236}">
-                <a16:creationId xmlns:a16="http://schemas.microsoft.com/office/drawing/2014/main" id="{63B42C9C-96BB-4869-81D8-DBA87F4A50BB}"/>
-              </a:ext>
-            </a:extLst>
-          </p:cNvPr>
-          <p:cNvSpPr txBox="1">
-            <a:spLocks/>
-          </p:cNvSpPr>
-          <p:nvPr/>
-        </p:nvSpPr>
-        <p:spPr>
-          <a:xfrm>
-            <a:off x="492575" y="391668"/>
-            <a:ext cx="2391302" cy="505267"/>
-          </a:xfrm>
-          <a:prstGeom prst="rect">
-            <a:avLst/>
-          </a:prstGeom>
-        </p:spPr>
-        <p:txBody>
-          <a:bodyPr vert="horz" wrap="square" lIns="0" tIns="12700" rIns="0" bIns="0" rtlCol="0">
-            <a:spAutoFit/>
-          </a:bodyPr>
-          <a:lstStyle>
-            <a:lvl1pPr>
-              <a:defRPr sz="3600" b="1" i="0">
-                <a:solidFill>
-                  <a:schemeClr val="tx1"/>
-                </a:solidFill>
-                <a:latin typeface="Malgun Gothic"/>
-                <a:ea typeface="+mj-ea"/>
-                <a:cs typeface="Malgun Gothic"/>
-              </a:defRPr>
-            </a:lvl1pPr>
-          </a:lstStyle>
-          <a:p>
-            <a:pPr marL="12700" marR="0" lvl="0" indent="0" defTabSz="914400" eaLnBrk="1" fontAlgn="auto" latinLnBrk="0" hangingPunct="1">
-              <a:lnSpc>
-                <a:spcPct val="100000"/>
-              </a:lnSpc>
-              <a:spcBef>
-                <a:spcPts val="100"/>
-              </a:spcBef>
-              <a:spcAft>
-                <a:spcPts val="0"/>
-              </a:spcAft>
-              <a:buClrTx/>
-              <a:buSzTx/>
-              <a:buFontTx/>
-              <a:buNone/>
-              <a:tabLst>
-                <a:tab pos="967740" algn="l"/>
-              </a:tabLst>
-              <a:defRPr/>
-            </a:pPr>
-            <a:r>
-              <a:rPr kumimoji="0" lang="ko-KR" altLang="en-US" sz="3200" b="1" i="0" u="none" strike="noStrike" kern="0" cap="none" spc="-25" normalizeH="0" baseline="0" noProof="0">
-                <a:ln>
-                  <a:noFill/>
-                </a:ln>
-                <a:solidFill>
-                  <a:srgbClr val="001F60"/>
-                </a:solidFill>
-                <a:effectLst/>
-                <a:uLnTx/>
-                <a:uFillTx/>
-                <a:latin typeface="Malgun Gothic"/>
-                <a:ea typeface="맑은 고딕" panose="020B0503020000020004" pitchFamily="50" charset="-127"/>
-              </a:rPr>
-              <a:t>본론</a:t>
-            </a:r>
-            <a:r>
-              <a:rPr kumimoji="0" lang="en-US" altLang="ko-KR" sz="3200" b="1" i="0" u="none" strike="noStrike" kern="0" cap="none" spc="-25" normalizeH="0" baseline="0" noProof="0">
-                <a:ln>
-                  <a:noFill/>
-                </a:ln>
-                <a:solidFill>
-                  <a:srgbClr val="001F60"/>
-                </a:solidFill>
-                <a:effectLst/>
-                <a:uLnTx/>
-                <a:uFillTx/>
-                <a:latin typeface="Malgun Gothic"/>
-                <a:ea typeface="맑은 고딕" panose="020B0503020000020004" pitchFamily="50" charset="-127"/>
-              </a:rPr>
-              <a:t>(</a:t>
-            </a:r>
-            <a:r>
-              <a:rPr kumimoji="0" lang="ko-KR" altLang="en-US" sz="3200" b="1" i="0" u="none" strike="noStrike" kern="0" cap="none" spc="-25" normalizeH="0" baseline="0" noProof="0">
-                <a:ln>
-                  <a:noFill/>
-                </a:ln>
-                <a:solidFill>
-                  <a:srgbClr val="001F60"/>
-                </a:solidFill>
-                <a:effectLst/>
-                <a:uLnTx/>
-                <a:uFillTx/>
-                <a:latin typeface="Malgun Gothic"/>
-                <a:ea typeface="맑은 고딕" panose="020B0503020000020004" pitchFamily="50" charset="-127"/>
-              </a:rPr>
-              <a:t>논문 </a:t>
-            </a:r>
-            <a:r>
-              <a:rPr kumimoji="0" lang="en-US" altLang="ko-KR" sz="3200" b="1" i="0" u="none" strike="noStrike" kern="0" cap="none" spc="-25" normalizeH="0" baseline="0" noProof="0">
-                <a:ln>
-                  <a:noFill/>
-                </a:ln>
-                <a:solidFill>
-                  <a:srgbClr val="001F60"/>
-                </a:solidFill>
-                <a:effectLst/>
-                <a:uLnTx/>
-                <a:uFillTx/>
-                <a:latin typeface="Malgun Gothic"/>
-                <a:ea typeface="맑은 고딕" panose="020B0503020000020004" pitchFamily="50" charset="-127"/>
-              </a:rPr>
-              <a:t>1)</a:t>
-            </a:r>
-            <a:endParaRPr kumimoji="0" lang="ko-KR" altLang="en-US" sz="3200" b="1" i="0" u="none" strike="noStrike" kern="0" cap="none" spc="0" normalizeH="0" baseline="0" noProof="0" dirty="0">
-              <a:ln>
-                <a:noFill/>
-              </a:ln>
-              <a:solidFill>
-                <a:sysClr val="windowText" lastClr="000000"/>
-              </a:solidFill>
-              <a:effectLst/>
-              <a:uLnTx/>
-              <a:uFillTx/>
-              <a:latin typeface="Malgun Gothic"/>
-              <a:ea typeface="맑은 고딕" panose="020B0503020000020004" pitchFamily="50" charset="-127"/>
-            </a:endParaRPr>
-          </a:p>
-        </p:txBody>
-      </p:sp>
-      <p:sp>
-        <p:nvSpPr>
-          <p:cNvPr id="19" name="object 6">
-            <a:extLst>
-              <a:ext uri="{FF2B5EF4-FFF2-40B4-BE49-F238E27FC236}">
-                <a16:creationId xmlns:a16="http://schemas.microsoft.com/office/drawing/2014/main" id="{C73C25E3-E198-4627-994A-E730949EA465}"/>
-              </a:ext>
-            </a:extLst>
-          </p:cNvPr>
-          <p:cNvSpPr/>
-          <p:nvPr/>
-        </p:nvSpPr>
-        <p:spPr>
-          <a:xfrm>
-            <a:off x="430250" y="985061"/>
-            <a:ext cx="11353800" cy="45720"/>
-          </a:xfrm>
-          <a:custGeom>
-            <a:avLst/>
-            <a:gdLst/>
-            <a:ahLst/>
-            <a:cxnLst/>
-            <a:rect l="l" t="t" r="r" b="b"/>
-            <a:pathLst>
-              <a:path w="11353800" h="45719">
-                <a:moveTo>
-                  <a:pt x="11353800" y="0"/>
-                </a:moveTo>
-                <a:lnTo>
-                  <a:pt x="0" y="0"/>
-                </a:lnTo>
-                <a:lnTo>
-                  <a:pt x="0" y="45718"/>
-                </a:lnTo>
-                <a:lnTo>
-                  <a:pt x="11353800" y="45718"/>
-                </a:lnTo>
-                <a:lnTo>
-                  <a:pt x="11353800" y="0"/>
-                </a:lnTo>
-                <a:close/>
-              </a:path>
-            </a:pathLst>
-          </a:custGeom>
-          <a:solidFill>
-            <a:srgbClr val="0C3F8B"/>
-          </a:solidFill>
-        </p:spPr>
-        <p:txBody>
-          <a:bodyPr wrap="square" lIns="0" tIns="0" rIns="0" bIns="0" rtlCol="0"/>
-          <a:lstStyle/>
-          <a:p>
-            <a:pPr marL="0" marR="0" lvl="0" indent="0" defTabSz="914400" eaLnBrk="1" fontAlgn="auto" latinLnBrk="0" hangingPunct="1">
-              <a:lnSpc>
-                <a:spcPct val="100000"/>
-              </a:lnSpc>
-              <a:spcBef>
-                <a:spcPts val="0"/>
-              </a:spcBef>
-              <a:spcAft>
-                <a:spcPts val="0"/>
-              </a:spcAft>
-              <a:buClrTx/>
-              <a:buSzTx/>
-              <a:buFontTx/>
-              <a:buNone/>
-              <a:tabLst/>
-              <a:defRPr/>
-            </a:pPr>
-            <a:endParaRPr kumimoji="0" sz="1800" b="0" i="0" u="none" strike="noStrike" kern="0" cap="none" spc="0" normalizeH="0" baseline="0" noProof="0">
-              <a:ln>
-                <a:noFill/>
-              </a:ln>
-              <a:solidFill>
-                <a:sysClr val="windowText" lastClr="000000"/>
-              </a:solidFill>
-              <a:effectLst/>
-              <a:uLnTx/>
-              <a:uFillTx/>
-            </a:endParaRPr>
-          </a:p>
-        </p:txBody>
-      </p:sp>
-      <p:grpSp>
-        <p:nvGrpSpPr>
-          <p:cNvPr id="4" name="그룹 3">
-            <a:extLst>
-              <a:ext uri="{FF2B5EF4-FFF2-40B4-BE49-F238E27FC236}">
-                <a16:creationId xmlns:a16="http://schemas.microsoft.com/office/drawing/2014/main" id="{A0C71B1A-3049-00DB-5A95-2A35B854AF54}"/>
-              </a:ext>
-            </a:extLst>
-          </p:cNvPr>
-          <p:cNvGrpSpPr/>
-          <p:nvPr/>
-        </p:nvGrpSpPr>
-        <p:grpSpPr>
-          <a:xfrm>
-            <a:off x="10225454" y="6479121"/>
-            <a:ext cx="1845882" cy="304214"/>
-            <a:chOff x="8473734" y="6091284"/>
-            <a:chExt cx="3553640" cy="585664"/>
-          </a:xfrm>
-        </p:grpSpPr>
-        <p:pic>
-          <p:nvPicPr>
-            <p:cNvPr id="20" name="그림 19">
-              <a:extLst>
-                <a:ext uri="{FF2B5EF4-FFF2-40B4-BE49-F238E27FC236}">
-                  <a16:creationId xmlns:a16="http://schemas.microsoft.com/office/drawing/2014/main" id="{A87EDB79-AE8E-46E3-B956-281C41A7ED3A}"/>
-                </a:ext>
-              </a:extLst>
-            </p:cNvPr>
-            <p:cNvPicPr>
-              <a:picLocks noChangeAspect="1"/>
-            </p:cNvPicPr>
-            <p:nvPr/>
-          </p:nvPicPr>
-          <p:blipFill rotWithShape="1">
-            <a:blip r:embed="rId2">
-              <a:extLst>
-                <a:ext uri="{28A0092B-C50C-407E-A947-70E740481C1C}">
-                  <a14:useLocalDpi xmlns:a14="http://schemas.microsoft.com/office/drawing/2010/main" val="0"/>
-                </a:ext>
-              </a:extLst>
-            </a:blip>
-            <a:srcRect l="74535" t="3851" r="5686" b="50143"/>
-            <a:stretch/>
-          </p:blipFill>
-          <p:spPr>
-            <a:xfrm>
-              <a:off x="8473734" y="6091284"/>
-              <a:ext cx="1353669" cy="585664"/>
-            </a:xfrm>
-            <a:prstGeom prst="rect">
-              <a:avLst/>
-            </a:prstGeom>
-          </p:spPr>
-        </p:pic>
-        <p:pic>
-          <p:nvPicPr>
-            <p:cNvPr id="21" name="그림 20">
-              <a:extLst>
-                <a:ext uri="{FF2B5EF4-FFF2-40B4-BE49-F238E27FC236}">
-                  <a16:creationId xmlns:a16="http://schemas.microsoft.com/office/drawing/2014/main" id="{25EA5F27-CB8A-4DD7-A41E-73A6B46FF164}"/>
-                </a:ext>
-              </a:extLst>
-            </p:cNvPr>
-            <p:cNvPicPr>
-              <a:picLocks noChangeAspect="1"/>
-            </p:cNvPicPr>
-            <p:nvPr/>
-          </p:nvPicPr>
-          <p:blipFill>
-            <a:blip r:embed="rId3" cstate="hqprint">
-              <a:extLst>
-                <a:ext uri="{28A0092B-C50C-407E-A947-70E740481C1C}">
-                  <a14:useLocalDpi xmlns:a14="http://schemas.microsoft.com/office/drawing/2010/main" val="0"/>
-                </a:ext>
-              </a:extLst>
-            </a:blip>
-            <a:stretch>
-              <a:fillRect/>
-            </a:stretch>
-          </p:blipFill>
-          <p:spPr>
-            <a:xfrm>
-              <a:off x="9827403" y="6172124"/>
-              <a:ext cx="2199971" cy="423985"/>
-            </a:xfrm>
-            <a:prstGeom prst="rect">
-              <a:avLst/>
-            </a:prstGeom>
-          </p:spPr>
-        </p:pic>
-      </p:grpSp>
-      <p:sp>
-        <p:nvSpPr>
-          <p:cNvPr id="5" name="TextBox 4">
-            <a:extLst>
-              <a:ext uri="{FF2B5EF4-FFF2-40B4-BE49-F238E27FC236}">
-                <a16:creationId xmlns:a16="http://schemas.microsoft.com/office/drawing/2014/main" id="{F2E7B266-169E-4100-7118-6F2682285D06}"/>
-              </a:ext>
-            </a:extLst>
-          </p:cNvPr>
-          <p:cNvSpPr txBox="1"/>
-          <p:nvPr/>
-        </p:nvSpPr>
-        <p:spPr>
-          <a:xfrm>
-            <a:off x="382785" y="1283678"/>
-            <a:ext cx="1398140" cy="369332"/>
-          </a:xfrm>
-          <a:prstGeom prst="rect">
-            <a:avLst/>
-          </a:prstGeom>
-          <a:noFill/>
-        </p:spPr>
-        <p:txBody>
-          <a:bodyPr wrap="none" rtlCol="0">
-            <a:spAutoFit/>
-          </a:bodyPr>
-          <a:lstStyle/>
-          <a:p>
-            <a:r>
-              <a:rPr lang="ko-KR" altLang="en-US"/>
-              <a:t>논문 </a:t>
-            </a:r>
-            <a:r>
-              <a:rPr lang="en-US" altLang="ko-KR"/>
-              <a:t>1 </a:t>
-            </a:r>
-            <a:r>
-              <a:rPr lang="ko-KR" altLang="en-US"/>
-              <a:t>내용</a:t>
-            </a:r>
-          </a:p>
-        </p:txBody>
-      </p:sp>
-    </p:spTree>
-    <p:extLst>
-      <p:ext uri="{BB962C8B-B14F-4D97-AF65-F5344CB8AC3E}">
-        <p14:creationId xmlns:p14="http://schemas.microsoft.com/office/powerpoint/2010/main" val="755595868"/>
-      </p:ext>
-    </p:extLst>
-  </p:cSld>
-  <p:clrMapOvr>
-    <a:masterClrMapping/>
-  </p:clrMapOvr>
-</p:sld>
-</file>
-
-<file path=ppt/slides/slide9.xml><?xml version="1.0" encoding="utf-8"?>
-<p:sld xmlns:a="http://schemas.openxmlformats.org/drawingml/2006/main" xmlns:r="http://schemas.openxmlformats.org/officeDocument/2006/relationships" xmlns:p="http://schemas.openxmlformats.org/presentationml/2006/main">
-  <p:cSld>
-    <p:spTree>
-      <p:nvGrpSpPr>
-        <p:cNvPr id="1" name=""/>
-        <p:cNvGrpSpPr/>
-        <p:nvPr/>
-      </p:nvGrpSpPr>
-      <p:grpSpPr>
-        <a:xfrm>
-          <a:off x="0" y="0"/>
-          <a:ext cx="0" cy="0"/>
-          <a:chOff x="0" y="0"/>
-          <a:chExt cx="0" cy="0"/>
-        </a:xfrm>
-      </p:grpSpPr>
-      <p:sp>
-        <p:nvSpPr>
-          <p:cNvPr id="15" name="object 2">
-            <a:extLst>
-              <a:ext uri="{FF2B5EF4-FFF2-40B4-BE49-F238E27FC236}">
-                <a16:creationId xmlns:a16="http://schemas.microsoft.com/office/drawing/2014/main" id="{63B42C9C-96BB-4869-81D8-DBA87F4A50BB}"/>
-              </a:ext>
-            </a:extLst>
-          </p:cNvPr>
-          <p:cNvSpPr txBox="1">
-            <a:spLocks/>
-          </p:cNvSpPr>
-          <p:nvPr/>
-        </p:nvSpPr>
-        <p:spPr>
-          <a:xfrm>
-            <a:off x="492575" y="391668"/>
-            <a:ext cx="2391302" cy="505267"/>
-          </a:xfrm>
-          <a:prstGeom prst="rect">
-            <a:avLst/>
-          </a:prstGeom>
-        </p:spPr>
-        <p:txBody>
-          <a:bodyPr vert="horz" wrap="square" lIns="0" tIns="12700" rIns="0" bIns="0" rtlCol="0">
-            <a:spAutoFit/>
-          </a:bodyPr>
-          <a:lstStyle>
-            <a:lvl1pPr>
-              <a:defRPr sz="3600" b="1" i="0">
-                <a:solidFill>
-                  <a:schemeClr val="tx1"/>
-                </a:solidFill>
-                <a:latin typeface="Malgun Gothic"/>
-                <a:ea typeface="+mj-ea"/>
-                <a:cs typeface="Malgun Gothic"/>
-              </a:defRPr>
-            </a:lvl1pPr>
-          </a:lstStyle>
-          <a:p>
-            <a:pPr marL="12700" marR="0" lvl="0" indent="0" defTabSz="914400" eaLnBrk="1" fontAlgn="auto" latinLnBrk="0" hangingPunct="1">
-              <a:lnSpc>
-                <a:spcPct val="100000"/>
-              </a:lnSpc>
-              <a:spcBef>
-                <a:spcPts val="100"/>
-              </a:spcBef>
-              <a:spcAft>
-                <a:spcPts val="0"/>
-              </a:spcAft>
-              <a:buClrTx/>
-              <a:buSzTx/>
-              <a:buFontTx/>
-              <a:buNone/>
-              <a:tabLst>
-                <a:tab pos="967740" algn="l"/>
-              </a:tabLst>
-              <a:defRPr/>
-            </a:pPr>
-            <a:r>
-              <a:rPr kumimoji="0" lang="ko-KR" altLang="en-US" sz="3200" b="1" i="0" u="none" strike="noStrike" kern="0" cap="none" spc="-25" normalizeH="0" baseline="0" noProof="0">
-                <a:ln>
-                  <a:noFill/>
-                </a:ln>
-                <a:solidFill>
-                  <a:srgbClr val="001F60"/>
-                </a:solidFill>
-                <a:effectLst/>
-                <a:uLnTx/>
-                <a:uFillTx/>
-                <a:latin typeface="Malgun Gothic"/>
-                <a:ea typeface="맑은 고딕" panose="020B0503020000020004" pitchFamily="50" charset="-127"/>
-              </a:rPr>
-              <a:t>본론</a:t>
-            </a:r>
-            <a:r>
-              <a:rPr kumimoji="0" lang="en-US" altLang="ko-KR" sz="3200" b="1" i="0" u="none" strike="noStrike" kern="0" cap="none" spc="-25" normalizeH="0" baseline="0" noProof="0">
-                <a:ln>
-                  <a:noFill/>
-                </a:ln>
-                <a:solidFill>
-                  <a:srgbClr val="001F60"/>
-                </a:solidFill>
-                <a:effectLst/>
-                <a:uLnTx/>
-                <a:uFillTx/>
-                <a:latin typeface="Malgun Gothic"/>
-                <a:ea typeface="맑은 고딕" panose="020B0503020000020004" pitchFamily="50" charset="-127"/>
-              </a:rPr>
-              <a:t>(</a:t>
-            </a:r>
-            <a:r>
-              <a:rPr kumimoji="0" lang="ko-KR" altLang="en-US" sz="3200" b="1" i="0" u="none" strike="noStrike" kern="0" cap="none" spc="-25" normalizeH="0" baseline="0" noProof="0">
-                <a:ln>
-                  <a:noFill/>
-                </a:ln>
-                <a:solidFill>
-                  <a:srgbClr val="001F60"/>
-                </a:solidFill>
-                <a:effectLst/>
-                <a:uLnTx/>
-                <a:uFillTx/>
-                <a:latin typeface="Malgun Gothic"/>
-                <a:ea typeface="맑은 고딕" panose="020B0503020000020004" pitchFamily="50" charset="-127"/>
-              </a:rPr>
-              <a:t>논문 </a:t>
-            </a:r>
-            <a:r>
-              <a:rPr lang="en-US" altLang="ko-KR" sz="3200" kern="0" spc="-25">
-                <a:solidFill>
-                  <a:srgbClr val="001F60"/>
-                </a:solidFill>
-                <a:ea typeface="맑은 고딕" panose="020B0503020000020004" pitchFamily="50" charset="-127"/>
-              </a:rPr>
-              <a:t>2</a:t>
-            </a:r>
-            <a:r>
-              <a:rPr kumimoji="0" lang="en-US" altLang="ko-KR" sz="3200" b="1" i="0" u="none" strike="noStrike" kern="0" cap="none" spc="-25" normalizeH="0" baseline="0" noProof="0">
-                <a:ln>
-                  <a:noFill/>
-                </a:ln>
-                <a:solidFill>
-                  <a:srgbClr val="001F60"/>
-                </a:solidFill>
-                <a:effectLst/>
-                <a:uLnTx/>
-                <a:uFillTx/>
-                <a:latin typeface="Malgun Gothic"/>
-                <a:ea typeface="맑은 고딕" panose="020B0503020000020004" pitchFamily="50" charset="-127"/>
-              </a:rPr>
-              <a:t>)</a:t>
-            </a:r>
-            <a:endParaRPr kumimoji="0" lang="ko-KR" altLang="en-US" sz="3200" b="1" i="0" u="none" strike="noStrike" kern="0" cap="none" spc="0" normalizeH="0" baseline="0" noProof="0" dirty="0">
-              <a:ln>
-                <a:noFill/>
-              </a:ln>
-              <a:solidFill>
-                <a:sysClr val="windowText" lastClr="000000"/>
-              </a:solidFill>
-              <a:effectLst/>
-              <a:uLnTx/>
-              <a:uFillTx/>
-              <a:latin typeface="Malgun Gothic"/>
-              <a:ea typeface="맑은 고딕" panose="020B0503020000020004" pitchFamily="50" charset="-127"/>
-            </a:endParaRPr>
-          </a:p>
-        </p:txBody>
-      </p:sp>
-      <p:sp>
-        <p:nvSpPr>
-          <p:cNvPr id="19" name="object 6">
-            <a:extLst>
-              <a:ext uri="{FF2B5EF4-FFF2-40B4-BE49-F238E27FC236}">
-                <a16:creationId xmlns:a16="http://schemas.microsoft.com/office/drawing/2014/main" id="{C73C25E3-E198-4627-994A-E730949EA465}"/>
-              </a:ext>
-            </a:extLst>
-          </p:cNvPr>
-          <p:cNvSpPr/>
-          <p:nvPr/>
-        </p:nvSpPr>
-        <p:spPr>
-          <a:xfrm>
-            <a:off x="430250" y="985061"/>
-            <a:ext cx="11353800" cy="45720"/>
-          </a:xfrm>
-          <a:custGeom>
-            <a:avLst/>
-            <a:gdLst/>
-            <a:ahLst/>
-            <a:cxnLst/>
-            <a:rect l="l" t="t" r="r" b="b"/>
-            <a:pathLst>
-              <a:path w="11353800" h="45719">
-                <a:moveTo>
-                  <a:pt x="11353800" y="0"/>
-                </a:moveTo>
-                <a:lnTo>
-                  <a:pt x="0" y="0"/>
-                </a:lnTo>
-                <a:lnTo>
-                  <a:pt x="0" y="45718"/>
-                </a:lnTo>
-                <a:lnTo>
-                  <a:pt x="11353800" y="45718"/>
-                </a:lnTo>
-                <a:lnTo>
-                  <a:pt x="11353800" y="0"/>
-                </a:lnTo>
-                <a:close/>
-              </a:path>
-            </a:pathLst>
-          </a:custGeom>
-          <a:solidFill>
-            <a:srgbClr val="0C3F8B"/>
-          </a:solidFill>
-        </p:spPr>
-        <p:txBody>
-          <a:bodyPr wrap="square" lIns="0" tIns="0" rIns="0" bIns="0" rtlCol="0"/>
-          <a:lstStyle/>
-          <a:p>
-            <a:pPr marL="0" marR="0" lvl="0" indent="0" defTabSz="914400" eaLnBrk="1" fontAlgn="auto" latinLnBrk="0" hangingPunct="1">
-              <a:lnSpc>
-                <a:spcPct val="100000"/>
-              </a:lnSpc>
-              <a:spcBef>
-                <a:spcPts val="0"/>
-              </a:spcBef>
-              <a:spcAft>
-                <a:spcPts val="0"/>
-              </a:spcAft>
-              <a:buClrTx/>
-              <a:buSzTx/>
-              <a:buFontTx/>
-              <a:buNone/>
-              <a:tabLst/>
-              <a:defRPr/>
-            </a:pPr>
-            <a:endParaRPr kumimoji="0" sz="1800" b="0" i="0" u="none" strike="noStrike" kern="0" cap="none" spc="0" normalizeH="0" baseline="0" noProof="0">
-              <a:ln>
-                <a:noFill/>
-              </a:ln>
-              <a:solidFill>
-                <a:sysClr val="windowText" lastClr="000000"/>
-              </a:solidFill>
-              <a:effectLst/>
-              <a:uLnTx/>
-              <a:uFillTx/>
-            </a:endParaRPr>
-          </a:p>
-        </p:txBody>
-      </p:sp>
-      <p:grpSp>
-        <p:nvGrpSpPr>
-          <p:cNvPr id="4" name="그룹 3">
-            <a:extLst>
-              <a:ext uri="{FF2B5EF4-FFF2-40B4-BE49-F238E27FC236}">
-                <a16:creationId xmlns:a16="http://schemas.microsoft.com/office/drawing/2014/main" id="{A0C71B1A-3049-00DB-5A95-2A35B854AF54}"/>
-              </a:ext>
-            </a:extLst>
-          </p:cNvPr>
-          <p:cNvGrpSpPr/>
-          <p:nvPr/>
-        </p:nvGrpSpPr>
-        <p:grpSpPr>
-          <a:xfrm>
-            <a:off x="10225454" y="6479121"/>
-            <a:ext cx="1845882" cy="304214"/>
-            <a:chOff x="8473734" y="6091284"/>
-            <a:chExt cx="3553640" cy="585664"/>
-          </a:xfrm>
-        </p:grpSpPr>
-        <p:pic>
-          <p:nvPicPr>
-            <p:cNvPr id="20" name="그림 19">
-              <a:extLst>
-                <a:ext uri="{FF2B5EF4-FFF2-40B4-BE49-F238E27FC236}">
-                  <a16:creationId xmlns:a16="http://schemas.microsoft.com/office/drawing/2014/main" id="{A87EDB79-AE8E-46E3-B956-281C41A7ED3A}"/>
-                </a:ext>
-              </a:extLst>
-            </p:cNvPr>
-            <p:cNvPicPr>
-              <a:picLocks noChangeAspect="1"/>
-            </p:cNvPicPr>
-            <p:nvPr/>
-          </p:nvPicPr>
-          <p:blipFill rotWithShape="1">
-            <a:blip r:embed="rId2">
-              <a:extLst>
-                <a:ext uri="{28A0092B-C50C-407E-A947-70E740481C1C}">
-                  <a14:useLocalDpi xmlns:a14="http://schemas.microsoft.com/office/drawing/2010/main" val="0"/>
-                </a:ext>
-              </a:extLst>
-            </a:blip>
-            <a:srcRect l="74535" t="3851" r="5686" b="50143"/>
-            <a:stretch/>
-          </p:blipFill>
-          <p:spPr>
-            <a:xfrm>
-              <a:off x="8473734" y="6091284"/>
-              <a:ext cx="1353669" cy="585664"/>
-            </a:xfrm>
-            <a:prstGeom prst="rect">
-              <a:avLst/>
-            </a:prstGeom>
-          </p:spPr>
-        </p:pic>
-        <p:pic>
-          <p:nvPicPr>
-            <p:cNvPr id="21" name="그림 20">
-              <a:extLst>
-                <a:ext uri="{FF2B5EF4-FFF2-40B4-BE49-F238E27FC236}">
-                  <a16:creationId xmlns:a16="http://schemas.microsoft.com/office/drawing/2014/main" id="{25EA5F27-CB8A-4DD7-A41E-73A6B46FF164}"/>
-                </a:ext>
-              </a:extLst>
-            </p:cNvPr>
-            <p:cNvPicPr>
-              <a:picLocks noChangeAspect="1"/>
-            </p:cNvPicPr>
-            <p:nvPr/>
-          </p:nvPicPr>
-          <p:blipFill>
-            <a:blip r:embed="rId3" cstate="hqprint">
-              <a:extLst>
-                <a:ext uri="{28A0092B-C50C-407E-A947-70E740481C1C}">
-                  <a14:useLocalDpi xmlns:a14="http://schemas.microsoft.com/office/drawing/2010/main" val="0"/>
-                </a:ext>
-              </a:extLst>
-            </a:blip>
-            <a:stretch>
-              <a:fillRect/>
-            </a:stretch>
-          </p:blipFill>
-          <p:spPr>
-            <a:xfrm>
-              <a:off x="9827403" y="6172124"/>
-              <a:ext cx="2199971" cy="423985"/>
-            </a:xfrm>
-            <a:prstGeom prst="rect">
-              <a:avLst/>
-            </a:prstGeom>
-          </p:spPr>
-        </p:pic>
-      </p:grpSp>
-      <p:sp>
-        <p:nvSpPr>
-          <p:cNvPr id="5" name="TextBox 4">
-            <a:extLst>
-              <a:ext uri="{FF2B5EF4-FFF2-40B4-BE49-F238E27FC236}">
-                <a16:creationId xmlns:a16="http://schemas.microsoft.com/office/drawing/2014/main" id="{F2E7B266-169E-4100-7118-6F2682285D06}"/>
-              </a:ext>
-            </a:extLst>
-          </p:cNvPr>
-          <p:cNvSpPr txBox="1"/>
-          <p:nvPr/>
-        </p:nvSpPr>
-        <p:spPr>
-          <a:xfrm>
-            <a:off x="382785" y="1283678"/>
-            <a:ext cx="1398140" cy="369332"/>
-          </a:xfrm>
-          <a:prstGeom prst="rect">
-            <a:avLst/>
-          </a:prstGeom>
-          <a:noFill/>
-        </p:spPr>
-        <p:txBody>
-          <a:bodyPr wrap="none" rtlCol="0">
-            <a:spAutoFit/>
-          </a:bodyPr>
-          <a:lstStyle/>
-          <a:p>
-            <a:r>
-              <a:rPr lang="ko-KR" altLang="en-US"/>
-              <a:t>논문 </a:t>
-            </a:r>
-            <a:r>
-              <a:rPr lang="en-US" altLang="ko-KR"/>
-              <a:t>2 </a:t>
-            </a:r>
-            <a:r>
-              <a:rPr lang="ko-KR" altLang="en-US"/>
-              <a:t>내용</a:t>
-            </a:r>
-          </a:p>
-        </p:txBody>
-      </p:sp>
-    </p:spTree>
-    <p:extLst>
-      <p:ext uri="{BB962C8B-B14F-4D97-AF65-F5344CB8AC3E}">
-        <p14:creationId xmlns:p14="http://schemas.microsoft.com/office/powerpoint/2010/main" val="3690033273"/>
+        <p14:creationId xmlns:p14="http://schemas.microsoft.com/office/powerpoint/2010/main" val="2128898647"/>
       </p:ext>
     </p:extLst>
   </p:cSld>

--- a/KICS_PT/[KICS] 동향 poster.pptx
+++ b/KICS_PT/[KICS] 동향 poster.pptx
@@ -18,6 +18,9 @@
     <p:sldId id="284" r:id="rId12"/>
     <p:sldId id="285" r:id="rId13"/>
     <p:sldId id="286" r:id="rId14"/>
+    <p:sldId id="287" r:id="rId15"/>
+    <p:sldId id="288" r:id="rId16"/>
+    <p:sldId id="289" r:id="rId17"/>
   </p:sldIdLst>
   <p:sldSz cx="12192000" cy="6858000"/>
   <p:notesSz cx="6858000" cy="9144000"/>
@@ -4001,239 +4004,385 @@
           </a:prstGeom>
         </p:spPr>
       </p:pic>
-      <p:sp>
-        <p:nvSpPr>
-          <p:cNvPr id="3" name="TextBox 2">
-            <a:extLst>
-              <a:ext uri="{FF2B5EF4-FFF2-40B4-BE49-F238E27FC236}">
-                <a16:creationId xmlns:a16="http://schemas.microsoft.com/office/drawing/2014/main" id="{715256BA-C9F5-C9BB-8E4F-24578961A48D}"/>
-              </a:ext>
-            </a:extLst>
-          </p:cNvPr>
-          <p:cNvSpPr txBox="1"/>
+      <p:grpSp>
+        <p:nvGrpSpPr>
+          <p:cNvPr id="8" name="그룹 7">
+            <a:extLst>
+              <a:ext uri="{FF2B5EF4-FFF2-40B4-BE49-F238E27FC236}">
+                <a16:creationId xmlns:a16="http://schemas.microsoft.com/office/drawing/2014/main" id="{CCA46AE7-3116-D3F3-7E32-B197A71993A9}"/>
+              </a:ext>
+            </a:extLst>
+          </p:cNvPr>
+          <p:cNvGrpSpPr/>
           <p:nvPr/>
-        </p:nvSpPr>
-        <p:spPr>
-          <a:xfrm>
-            <a:off x="430250" y="1233120"/>
-            <a:ext cx="2589170" cy="369332"/>
-          </a:xfrm>
-          <a:prstGeom prst="rect">
-            <a:avLst/>
-          </a:prstGeom>
-          <a:noFill/>
-        </p:spPr>
-        <p:txBody>
-          <a:bodyPr wrap="none" rtlCol="0">
-            <a:spAutoFit/>
-          </a:bodyPr>
-          <a:lstStyle/>
-          <a:p>
-            <a:r>
-              <a:rPr lang="ko-KR" altLang="en-US" b="1"/>
-              <a:t>일사량 예측 모델 구성</a:t>
-            </a:r>
-          </a:p>
-        </p:txBody>
-      </p:sp>
-      <p:sp>
-        <p:nvSpPr>
-          <p:cNvPr id="7" name="TextBox 6">
-            <a:extLst>
-              <a:ext uri="{FF2B5EF4-FFF2-40B4-BE49-F238E27FC236}">
-                <a16:creationId xmlns:a16="http://schemas.microsoft.com/office/drawing/2014/main" id="{365A4A72-4240-F524-11FD-37957BE0E68C}"/>
-              </a:ext>
-            </a:extLst>
-          </p:cNvPr>
-          <p:cNvSpPr txBox="1"/>
+        </p:nvGrpSpPr>
+        <p:grpSpPr>
+          <a:xfrm>
+            <a:off x="430250" y="1269591"/>
+            <a:ext cx="7119664" cy="2066101"/>
+            <a:chOff x="430250" y="2707356"/>
+            <a:chExt cx="7119664" cy="2066101"/>
+          </a:xfrm>
+        </p:grpSpPr>
+        <p:sp>
+          <p:nvSpPr>
+            <p:cNvPr id="3" name="TextBox 2">
+              <a:extLst>
+                <a:ext uri="{FF2B5EF4-FFF2-40B4-BE49-F238E27FC236}">
+                  <a16:creationId xmlns:a16="http://schemas.microsoft.com/office/drawing/2014/main" id="{715256BA-C9F5-C9BB-8E4F-24578961A48D}"/>
+                </a:ext>
+              </a:extLst>
+            </p:cNvPr>
+            <p:cNvSpPr txBox="1"/>
+            <p:nvPr/>
+          </p:nvSpPr>
+          <p:spPr>
+            <a:xfrm>
+              <a:off x="430250" y="2707356"/>
+              <a:ext cx="2589170" cy="369332"/>
+            </a:xfrm>
+            <a:prstGeom prst="rect">
+              <a:avLst/>
+            </a:prstGeom>
+            <a:noFill/>
+          </p:spPr>
+          <p:txBody>
+            <a:bodyPr wrap="none" rtlCol="0">
+              <a:spAutoFit/>
+            </a:bodyPr>
+            <a:lstStyle/>
+            <a:p>
+              <a:r>
+                <a:rPr lang="ko-KR" altLang="en-US" b="1"/>
+                <a:t>일사량 예측 모델 구성</a:t>
+              </a:r>
+            </a:p>
+          </p:txBody>
+        </p:sp>
+        <p:sp>
+          <p:nvSpPr>
+            <p:cNvPr id="7" name="TextBox 6">
+              <a:extLst>
+                <a:ext uri="{FF2B5EF4-FFF2-40B4-BE49-F238E27FC236}">
+                  <a16:creationId xmlns:a16="http://schemas.microsoft.com/office/drawing/2014/main" id="{365A4A72-4240-F524-11FD-37957BE0E68C}"/>
+                </a:ext>
+              </a:extLst>
+            </p:cNvPr>
+            <p:cNvSpPr txBox="1"/>
+            <p:nvPr/>
+          </p:nvSpPr>
+          <p:spPr>
+            <a:xfrm>
+              <a:off x="792487" y="3072670"/>
+              <a:ext cx="6757427" cy="1700787"/>
+            </a:xfrm>
+            <a:prstGeom prst="rect">
+              <a:avLst/>
+            </a:prstGeom>
+            <a:noFill/>
+          </p:spPr>
+          <p:txBody>
+            <a:bodyPr wrap="none" rtlCol="0">
+              <a:spAutoFit/>
+            </a:bodyPr>
+            <a:lstStyle/>
+            <a:p>
+              <a:pPr marL="285750" indent="-285750">
+                <a:lnSpc>
+                  <a:spcPct val="150000"/>
+                </a:lnSpc>
+                <a:buFontTx/>
+                <a:buChar char="-"/>
+              </a:pPr>
+              <a:r>
+                <a:rPr lang="ko-KR" altLang="en-US" b="1"/>
+                <a:t>조건부 랜덤 포레스트 </a:t>
+              </a:r>
+              <a:r>
+                <a:rPr lang="en-US" altLang="ko-KR" b="1"/>
+                <a:t>( Conditional Random Forests CRF )</a:t>
+              </a:r>
+            </a:p>
+            <a:p>
+              <a:pPr marL="285750" indent="-285750">
+                <a:lnSpc>
+                  <a:spcPct val="150000"/>
+                </a:lnSpc>
+                <a:buFontTx/>
+                <a:buChar char="-"/>
+              </a:pPr>
+              <a:r>
+                <a:rPr lang="ko-KR" altLang="en-US"/>
+                <a:t>랜덤 포레스트 </a:t>
+              </a:r>
+              <a:r>
+                <a:rPr lang="en-US" altLang="ko-KR"/>
+                <a:t>( Random Forest RF )</a:t>
+              </a:r>
+            </a:p>
+            <a:p>
+              <a:pPr marL="285750" indent="-285750">
+                <a:lnSpc>
+                  <a:spcPct val="150000"/>
+                </a:lnSpc>
+                <a:buFontTx/>
+                <a:buChar char="-"/>
+              </a:pPr>
+              <a:r>
+                <a:rPr lang="ko-KR" altLang="en-US"/>
+                <a:t>의사결정 나무</a:t>
+              </a:r>
+              <a:r>
+                <a:rPr lang="en-US" altLang="ko-KR"/>
+                <a:t> ( </a:t>
+              </a:r>
+              <a:r>
+                <a:rPr lang="en-US" altLang="ko-KR">
+                  <a:solidFill>
+                    <a:srgbClr val="000000"/>
+                  </a:solidFill>
+                  <a:latin typeface="noto"/>
+                </a:rPr>
+                <a:t>D</a:t>
+              </a:r>
+              <a:r>
+                <a:rPr lang="en-US" altLang="ko-KR" b="0" i="0">
+                  <a:solidFill>
+                    <a:srgbClr val="000000"/>
+                  </a:solidFill>
+                  <a:effectLst/>
+                  <a:latin typeface="noto"/>
+                </a:rPr>
+                <a:t>ecision Tree</a:t>
+              </a:r>
+              <a:r>
+                <a:rPr lang="en-US" altLang="ko-KR"/>
+                <a:t> )</a:t>
+              </a:r>
+            </a:p>
+            <a:p>
+              <a:pPr marL="285750" indent="-285750">
+                <a:lnSpc>
+                  <a:spcPct val="150000"/>
+                </a:lnSpc>
+                <a:buFontTx/>
+                <a:buChar char="-"/>
+              </a:pPr>
+              <a:r>
+                <a:rPr lang="en-US" altLang="ko-KR"/>
+                <a:t>GBM ( Gradient Boosting Machine )</a:t>
+              </a:r>
+            </a:p>
+          </p:txBody>
+        </p:sp>
+      </p:grpSp>
+      <p:grpSp>
+        <p:nvGrpSpPr>
+          <p:cNvPr id="9" name="그룹 8">
+            <a:extLst>
+              <a:ext uri="{FF2B5EF4-FFF2-40B4-BE49-F238E27FC236}">
+                <a16:creationId xmlns:a16="http://schemas.microsoft.com/office/drawing/2014/main" id="{20D8B479-A6A6-4F1D-99DF-A355DDA43520}"/>
+              </a:ext>
+            </a:extLst>
+          </p:cNvPr>
+          <p:cNvGrpSpPr/>
           <p:nvPr/>
-        </p:nvSpPr>
-        <p:spPr>
-          <a:xfrm>
-            <a:off x="792487" y="1598434"/>
-            <a:ext cx="6757427" cy="1700787"/>
-          </a:xfrm>
-          <a:prstGeom prst="rect">
-            <a:avLst/>
-          </a:prstGeom>
-          <a:noFill/>
-        </p:spPr>
-        <p:txBody>
-          <a:bodyPr wrap="none" rtlCol="0">
-            <a:spAutoFit/>
-          </a:bodyPr>
-          <a:lstStyle/>
-          <a:p>
-            <a:pPr marL="285750" indent="-285750">
-              <a:lnSpc>
-                <a:spcPct val="150000"/>
-              </a:lnSpc>
-              <a:buFontTx/>
-              <a:buChar char="-"/>
-            </a:pPr>
-            <a:r>
-              <a:rPr lang="ko-KR" altLang="en-US" b="1"/>
-              <a:t>조건부 랜덤 포레스트 </a:t>
-            </a:r>
-            <a:r>
-              <a:rPr lang="en-US" altLang="ko-KR" b="1"/>
-              <a:t>( Conditional Random Forests CRF )</a:t>
-            </a:r>
-          </a:p>
-          <a:p>
-            <a:pPr marL="285750" indent="-285750">
-              <a:lnSpc>
-                <a:spcPct val="150000"/>
-              </a:lnSpc>
-              <a:buFontTx/>
-              <a:buChar char="-"/>
-            </a:pPr>
-            <a:r>
-              <a:rPr lang="ko-KR" altLang="en-US"/>
-              <a:t>랜덤 포레스트 </a:t>
-            </a:r>
-            <a:r>
-              <a:rPr lang="en-US" altLang="ko-KR"/>
-              <a:t>( Random Forest RF )</a:t>
-            </a:r>
-          </a:p>
-          <a:p>
-            <a:pPr marL="285750" indent="-285750">
-              <a:lnSpc>
-                <a:spcPct val="150000"/>
-              </a:lnSpc>
-              <a:buFontTx/>
-              <a:buChar char="-"/>
-            </a:pPr>
-            <a:r>
-              <a:rPr lang="ko-KR" altLang="en-US"/>
-              <a:t>의사결정 나무</a:t>
-            </a:r>
-            <a:r>
-              <a:rPr lang="en-US" altLang="ko-KR"/>
-              <a:t> ( </a:t>
-            </a:r>
-            <a:r>
-              <a:rPr lang="en-US" altLang="ko-KR">
-                <a:solidFill>
-                  <a:srgbClr val="000000"/>
-                </a:solidFill>
-                <a:latin typeface="noto"/>
-              </a:rPr>
-              <a:t>D</a:t>
-            </a:r>
-            <a:r>
-              <a:rPr lang="en-US" altLang="ko-KR" b="0" i="0">
-                <a:solidFill>
-                  <a:srgbClr val="000000"/>
-                </a:solidFill>
-                <a:effectLst/>
-                <a:latin typeface="noto"/>
-              </a:rPr>
-              <a:t>ecision Tree</a:t>
-            </a:r>
-            <a:r>
-              <a:rPr lang="en-US" altLang="ko-KR"/>
-              <a:t> )</a:t>
-            </a:r>
-          </a:p>
-          <a:p>
-            <a:pPr marL="285750" indent="-285750">
-              <a:lnSpc>
-                <a:spcPct val="150000"/>
-              </a:lnSpc>
-              <a:buFontTx/>
-              <a:buChar char="-"/>
-            </a:pPr>
-            <a:r>
-              <a:rPr lang="en-US" altLang="ko-KR"/>
-              <a:t>GBM ( Gradient Boosting Machine )</a:t>
-            </a:r>
-          </a:p>
-        </p:txBody>
-      </p:sp>
-      <p:sp>
-        <p:nvSpPr>
-          <p:cNvPr id="2" name="TextBox 1">
-            <a:extLst>
-              <a:ext uri="{FF2B5EF4-FFF2-40B4-BE49-F238E27FC236}">
-                <a16:creationId xmlns:a16="http://schemas.microsoft.com/office/drawing/2014/main" id="{2754F44E-6980-FA8E-0CD6-3F2C5865C512}"/>
-              </a:ext>
-            </a:extLst>
-          </p:cNvPr>
-          <p:cNvSpPr txBox="1"/>
+        </p:nvGrpSpPr>
+        <p:grpSpPr>
+          <a:xfrm>
+            <a:off x="430250" y="4703472"/>
+            <a:ext cx="6573644" cy="912712"/>
+            <a:chOff x="430250" y="5074873"/>
+            <a:chExt cx="6573644" cy="912712"/>
+          </a:xfrm>
+        </p:grpSpPr>
+        <p:sp>
+          <p:nvSpPr>
+            <p:cNvPr id="2" name="TextBox 1">
+              <a:extLst>
+                <a:ext uri="{FF2B5EF4-FFF2-40B4-BE49-F238E27FC236}">
+                  <a16:creationId xmlns:a16="http://schemas.microsoft.com/office/drawing/2014/main" id="{2754F44E-6980-FA8E-0CD6-3F2C5865C512}"/>
+                </a:ext>
+              </a:extLst>
+            </p:cNvPr>
+            <p:cNvSpPr txBox="1"/>
+            <p:nvPr/>
+          </p:nvSpPr>
+          <p:spPr>
+            <a:xfrm>
+              <a:off x="430250" y="5074873"/>
+              <a:ext cx="1420582" cy="369332"/>
+            </a:xfrm>
+            <a:prstGeom prst="rect">
+              <a:avLst/>
+            </a:prstGeom>
+            <a:noFill/>
+          </p:spPr>
+          <p:txBody>
+            <a:bodyPr wrap="none" rtlCol="0">
+              <a:spAutoFit/>
+            </a:bodyPr>
+            <a:lstStyle/>
+            <a:p>
+              <a:r>
+                <a:rPr lang="ko-KR" altLang="en-US" b="1"/>
+                <a:t>변수 중요도</a:t>
+              </a:r>
+            </a:p>
+          </p:txBody>
+        </p:sp>
+        <p:sp>
+          <p:nvSpPr>
+            <p:cNvPr id="5" name="TextBox 4">
+              <a:extLst>
+                <a:ext uri="{FF2B5EF4-FFF2-40B4-BE49-F238E27FC236}">
+                  <a16:creationId xmlns:a16="http://schemas.microsoft.com/office/drawing/2014/main" id="{FBBEC2FB-B4C2-11C2-F337-BF7D6BBA7245}"/>
+                </a:ext>
+              </a:extLst>
+            </p:cNvPr>
+            <p:cNvSpPr txBox="1"/>
+            <p:nvPr/>
+          </p:nvSpPr>
+          <p:spPr>
+            <a:xfrm>
+              <a:off x="798349" y="5533293"/>
+              <a:ext cx="6205545" cy="454292"/>
+            </a:xfrm>
+            <a:prstGeom prst="rect">
+              <a:avLst/>
+            </a:prstGeom>
+            <a:noFill/>
+          </p:spPr>
+          <p:txBody>
+            <a:bodyPr wrap="none" rtlCol="0">
+              <a:spAutoFit/>
+            </a:bodyPr>
+            <a:lstStyle/>
+            <a:p>
+              <a:pPr marL="285750" indent="-285750">
+                <a:lnSpc>
+                  <a:spcPct val="150000"/>
+                </a:lnSpc>
+                <a:buFontTx/>
+                <a:buChar char="-"/>
+              </a:pPr>
+              <a:r>
+                <a:rPr lang="ko-KR" altLang="en-US" b="1"/>
+                <a:t>강수량</a:t>
+              </a:r>
+              <a:r>
+                <a:rPr lang="ko-KR" altLang="en-US"/>
+                <a:t>의 학습 유무에 따라 변수 중요도가 달라짐 확인</a:t>
+              </a:r>
+              <a:endParaRPr lang="en-US" altLang="ko-KR"/>
+            </a:p>
+          </p:txBody>
+        </p:sp>
+      </p:grpSp>
+      <p:grpSp>
+        <p:nvGrpSpPr>
+          <p:cNvPr id="11" name="그룹 10">
+            <a:extLst>
+              <a:ext uri="{FF2B5EF4-FFF2-40B4-BE49-F238E27FC236}">
+                <a16:creationId xmlns:a16="http://schemas.microsoft.com/office/drawing/2014/main" id="{9A702C2A-F23F-7C3D-EF1C-6DCF585490CA}"/>
+              </a:ext>
+            </a:extLst>
+          </p:cNvPr>
+          <p:cNvGrpSpPr/>
           <p:nvPr/>
-        </p:nvSpPr>
-        <p:spPr>
-          <a:xfrm>
-            <a:off x="430250" y="3600637"/>
-            <a:ext cx="1420582" cy="369332"/>
-          </a:xfrm>
-          <a:prstGeom prst="rect">
-            <a:avLst/>
-          </a:prstGeom>
-          <a:noFill/>
-        </p:spPr>
-        <p:txBody>
-          <a:bodyPr wrap="none" rtlCol="0">
-            <a:spAutoFit/>
-          </a:bodyPr>
-          <a:lstStyle/>
-          <a:p>
-            <a:r>
-              <a:rPr lang="ko-KR" altLang="en-US" b="1"/>
-              <a:t>변수 중요도</a:t>
-            </a:r>
-          </a:p>
-        </p:txBody>
-      </p:sp>
-      <p:sp>
-        <p:nvSpPr>
-          <p:cNvPr id="5" name="TextBox 4">
-            <a:extLst>
-              <a:ext uri="{FF2B5EF4-FFF2-40B4-BE49-F238E27FC236}">
-                <a16:creationId xmlns:a16="http://schemas.microsoft.com/office/drawing/2014/main" id="{FBBEC2FB-B4C2-11C2-F337-BF7D6BBA7245}"/>
-              </a:ext>
-            </a:extLst>
-          </p:cNvPr>
-          <p:cNvSpPr txBox="1"/>
-          <p:nvPr/>
-        </p:nvSpPr>
-        <p:spPr>
-          <a:xfrm>
-            <a:off x="798349" y="4059057"/>
-            <a:ext cx="6205545" cy="454292"/>
-          </a:xfrm>
-          <a:prstGeom prst="rect">
-            <a:avLst/>
-          </a:prstGeom>
-          <a:noFill/>
-        </p:spPr>
-        <p:txBody>
-          <a:bodyPr wrap="none" rtlCol="0">
-            <a:spAutoFit/>
-          </a:bodyPr>
-          <a:lstStyle/>
-          <a:p>
-            <a:pPr marL="285750" indent="-285750">
-              <a:lnSpc>
-                <a:spcPct val="150000"/>
-              </a:lnSpc>
-              <a:buFontTx/>
-              <a:buChar char="-"/>
-            </a:pPr>
-            <a:r>
-              <a:rPr lang="ko-KR" altLang="en-US" b="1"/>
-              <a:t>강수량</a:t>
-            </a:r>
-            <a:r>
-              <a:rPr lang="ko-KR" altLang="en-US"/>
-              <a:t>의 학습 유무에 따라 변수 중요도가 달라짐 확인</a:t>
-            </a:r>
-            <a:endParaRPr lang="en-US" altLang="ko-KR"/>
-          </a:p>
-        </p:txBody>
-      </p:sp>
+        </p:nvGrpSpPr>
+        <p:grpSpPr>
+          <a:xfrm>
+            <a:off x="430250" y="3609273"/>
+            <a:ext cx="10520786" cy="820619"/>
+            <a:chOff x="430250" y="1242317"/>
+            <a:chExt cx="10520786" cy="820619"/>
+          </a:xfrm>
+        </p:grpSpPr>
+        <p:sp>
+          <p:nvSpPr>
+            <p:cNvPr id="12" name="TextBox 11">
+              <a:extLst>
+                <a:ext uri="{FF2B5EF4-FFF2-40B4-BE49-F238E27FC236}">
+                  <a16:creationId xmlns:a16="http://schemas.microsoft.com/office/drawing/2014/main" id="{34D37E41-800A-7426-2939-9A4161F57B9A}"/>
+                </a:ext>
+              </a:extLst>
+            </p:cNvPr>
+            <p:cNvSpPr txBox="1"/>
+            <p:nvPr/>
+          </p:nvSpPr>
+          <p:spPr>
+            <a:xfrm>
+              <a:off x="430250" y="1242317"/>
+              <a:ext cx="2927404" cy="369332"/>
+            </a:xfrm>
+            <a:prstGeom prst="rect">
+              <a:avLst/>
+            </a:prstGeom>
+            <a:noFill/>
+          </p:spPr>
+          <p:txBody>
+            <a:bodyPr wrap="none" rtlCol="0">
+              <a:spAutoFit/>
+            </a:bodyPr>
+            <a:lstStyle/>
+            <a:p>
+              <a:r>
+                <a:rPr lang="ko-KR" altLang="en-US" b="1"/>
+                <a:t>조건부 랜덤 포레스트 </a:t>
+              </a:r>
+              <a:r>
+                <a:rPr lang="en-US" altLang="ko-KR" b="1"/>
+                <a:t>CRF</a:t>
+              </a:r>
+              <a:endParaRPr lang="ko-KR" altLang="en-US" b="1"/>
+            </a:p>
+          </p:txBody>
+        </p:sp>
+        <p:sp>
+          <p:nvSpPr>
+            <p:cNvPr id="13" name="TextBox 12">
+              <a:extLst>
+                <a:ext uri="{FF2B5EF4-FFF2-40B4-BE49-F238E27FC236}">
+                  <a16:creationId xmlns:a16="http://schemas.microsoft.com/office/drawing/2014/main" id="{A261D9AD-A678-01E3-E2D2-139FE0816697}"/>
+                </a:ext>
+              </a:extLst>
+            </p:cNvPr>
+            <p:cNvSpPr txBox="1"/>
+            <p:nvPr/>
+          </p:nvSpPr>
+          <p:spPr>
+            <a:xfrm>
+              <a:off x="792486" y="1608644"/>
+              <a:ext cx="10158550" cy="454292"/>
+            </a:xfrm>
+            <a:prstGeom prst="rect">
+              <a:avLst/>
+            </a:prstGeom>
+            <a:noFill/>
+          </p:spPr>
+          <p:txBody>
+            <a:bodyPr wrap="none" rtlCol="0">
+              <a:spAutoFit/>
+            </a:bodyPr>
+            <a:lstStyle/>
+            <a:p>
+              <a:pPr marL="285750" indent="-285750">
+                <a:lnSpc>
+                  <a:spcPct val="150000"/>
+                </a:lnSpc>
+                <a:buFontTx/>
+                <a:buChar char="-"/>
+              </a:pPr>
+              <a:r>
+                <a:rPr lang="ko-KR" altLang="en-US"/>
+                <a:t>데이터 부족 문제 해결하기 위해 시계열 교차 검증 을 적용한 조건부 랜덤 포레스트 모델 구성</a:t>
+              </a:r>
+              <a:endParaRPr lang="en-US" altLang="ko-KR"/>
+            </a:p>
+          </p:txBody>
+        </p:sp>
+      </p:grpSp>
     </p:spTree>
     <p:extLst>
       <p:ext uri="{BB962C8B-B14F-4D97-AF65-F5344CB8AC3E}">
@@ -4679,6 +4828,42 @@
           </a:p>
         </p:txBody>
       </p:sp>
+      <p:pic>
+        <p:nvPicPr>
+          <p:cNvPr id="6" name="그림 5">
+            <a:extLst>
+              <a:ext uri="{FF2B5EF4-FFF2-40B4-BE49-F238E27FC236}">
+                <a16:creationId xmlns:a16="http://schemas.microsoft.com/office/drawing/2014/main" id="{94B1B00D-EAD5-422E-741C-93D3FE749CD5}"/>
+              </a:ext>
+            </a:extLst>
+          </p:cNvPr>
+          <p:cNvPicPr>
+            <a:picLocks noChangeAspect="1"/>
+          </p:cNvPicPr>
+          <p:nvPr/>
+        </p:nvPicPr>
+        <p:blipFill>
+          <a:blip r:embed="rId4">
+            <a:extLst>
+              <a:ext uri="{28A0092B-C50C-407E-A947-70E740481C1C}">
+                <a14:useLocalDpi xmlns:a14="http://schemas.microsoft.com/office/drawing/2010/main" val="0"/>
+              </a:ext>
+            </a:extLst>
+          </a:blip>
+          <a:stretch>
+            <a:fillRect/>
+          </a:stretch>
+        </p:blipFill>
+        <p:spPr>
+          <a:xfrm>
+            <a:off x="3228975" y="3249036"/>
+            <a:ext cx="5734050" cy="2209800"/>
+          </a:xfrm>
+          <a:prstGeom prst="rect">
+            <a:avLst/>
+          </a:prstGeom>
+        </p:spPr>
+      </p:pic>
     </p:spTree>
     <p:extLst>
       <p:ext uri="{BB962C8B-B14F-4D97-AF65-F5344CB8AC3E}">
@@ -5287,6 +5472,36 @@
           </a:p>
         </p:txBody>
       </p:sp>
+      <p:pic>
+        <p:nvPicPr>
+          <p:cNvPr id="11" name="그림 10">
+            <a:extLst>
+              <a:ext uri="{FF2B5EF4-FFF2-40B4-BE49-F238E27FC236}">
+                <a16:creationId xmlns:a16="http://schemas.microsoft.com/office/drawing/2014/main" id="{BE785C64-9432-86BB-9A43-CADA6E0A1E7B}"/>
+              </a:ext>
+            </a:extLst>
+          </p:cNvPr>
+          <p:cNvPicPr>
+            <a:picLocks noChangeAspect="1"/>
+          </p:cNvPicPr>
+          <p:nvPr/>
+        </p:nvPicPr>
+        <p:blipFill>
+          <a:blip r:embed="rId4"/>
+          <a:stretch>
+            <a:fillRect/>
+          </a:stretch>
+        </p:blipFill>
+        <p:spPr>
+          <a:xfrm>
+            <a:off x="3976298" y="3268338"/>
+            <a:ext cx="7019925" cy="2486025"/>
+          </a:xfrm>
+          <a:prstGeom prst="rect">
+            <a:avLst/>
+          </a:prstGeom>
+        </p:spPr>
+      </p:pic>
     </p:spTree>
     <p:extLst>
       <p:ext uri="{BB962C8B-B14F-4D97-AF65-F5344CB8AC3E}">
@@ -5383,7 +5598,7 @@
                 </a:solidFill>
                 <a:ea typeface="맑은 고딕" panose="020B0503020000020004" pitchFamily="50" charset="-127"/>
               </a:rPr>
-              <a:t>논문</a:t>
+              <a:t>특허</a:t>
             </a:r>
             <a:r>
               <a:rPr lang="en-US" altLang="ko-KR" sz="3200" kern="0" spc="-25">
@@ -5621,12 +5836,670 @@
           </a:prstGeom>
         </p:spPr>
       </p:pic>
+      <p:grpSp>
+        <p:nvGrpSpPr>
+          <p:cNvPr id="10" name="그룹 9">
+            <a:extLst>
+              <a:ext uri="{FF2B5EF4-FFF2-40B4-BE49-F238E27FC236}">
+                <a16:creationId xmlns:a16="http://schemas.microsoft.com/office/drawing/2014/main" id="{38EEEEB1-4BA0-445C-38DE-AB6A6EC6D0C7}"/>
+              </a:ext>
+            </a:extLst>
+          </p:cNvPr>
+          <p:cNvGrpSpPr/>
+          <p:nvPr/>
+        </p:nvGrpSpPr>
+        <p:grpSpPr>
+          <a:xfrm>
+            <a:off x="430250" y="2625690"/>
+            <a:ext cx="5432792" cy="2066101"/>
+            <a:chOff x="514227" y="2617853"/>
+            <a:chExt cx="5432792" cy="2066101"/>
+          </a:xfrm>
+        </p:grpSpPr>
+        <p:sp>
+          <p:nvSpPr>
+            <p:cNvPr id="3" name="TextBox 2">
+              <a:extLst>
+                <a:ext uri="{FF2B5EF4-FFF2-40B4-BE49-F238E27FC236}">
+                  <a16:creationId xmlns:a16="http://schemas.microsoft.com/office/drawing/2014/main" id="{715256BA-C9F5-C9BB-8E4F-24578961A48D}"/>
+                </a:ext>
+              </a:extLst>
+            </p:cNvPr>
+            <p:cNvSpPr txBox="1"/>
+            <p:nvPr/>
+          </p:nvSpPr>
+          <p:spPr>
+            <a:xfrm>
+              <a:off x="514227" y="2617853"/>
+              <a:ext cx="2589170" cy="369332"/>
+            </a:xfrm>
+            <a:prstGeom prst="rect">
+              <a:avLst/>
+            </a:prstGeom>
+            <a:noFill/>
+          </p:spPr>
+          <p:txBody>
+            <a:bodyPr wrap="none" rtlCol="0">
+              <a:spAutoFit/>
+            </a:bodyPr>
+            <a:lstStyle/>
+            <a:p>
+              <a:r>
+                <a:rPr lang="ko-KR" altLang="en-US" b="1"/>
+                <a:t>일사량 예측 모델 구성</a:t>
+              </a:r>
+            </a:p>
+          </p:txBody>
+        </p:sp>
+        <p:sp>
+          <p:nvSpPr>
+            <p:cNvPr id="7" name="TextBox 6">
+              <a:extLst>
+                <a:ext uri="{FF2B5EF4-FFF2-40B4-BE49-F238E27FC236}">
+                  <a16:creationId xmlns:a16="http://schemas.microsoft.com/office/drawing/2014/main" id="{365A4A72-4240-F524-11FD-37957BE0E68C}"/>
+                </a:ext>
+              </a:extLst>
+            </p:cNvPr>
+            <p:cNvSpPr txBox="1"/>
+            <p:nvPr/>
+          </p:nvSpPr>
+          <p:spPr>
+            <a:xfrm>
+              <a:off x="876464" y="2983167"/>
+              <a:ext cx="5070555" cy="1700787"/>
+            </a:xfrm>
+            <a:prstGeom prst="rect">
+              <a:avLst/>
+            </a:prstGeom>
+            <a:noFill/>
+          </p:spPr>
+          <p:txBody>
+            <a:bodyPr wrap="none" rtlCol="0">
+              <a:spAutoFit/>
+            </a:bodyPr>
+            <a:lstStyle/>
+            <a:p>
+              <a:pPr marL="285750" indent="-285750">
+                <a:lnSpc>
+                  <a:spcPct val="150000"/>
+                </a:lnSpc>
+                <a:buFontTx/>
+                <a:buChar char="-"/>
+              </a:pPr>
+              <a:r>
+                <a:rPr lang="en-US" altLang="ko-KR" b="1"/>
+                <a:t>ATT-LSTM ( Long Short – Term Memory )</a:t>
+              </a:r>
+            </a:p>
+            <a:p>
+              <a:pPr marL="285750" indent="-285750">
+                <a:lnSpc>
+                  <a:spcPct val="150000"/>
+                </a:lnSpc>
+                <a:buFontTx/>
+                <a:buChar char="-"/>
+              </a:pPr>
+              <a:r>
+                <a:rPr lang="en-US" altLang="ko-KR"/>
+                <a:t>LSTM ( Long Short – Term Memory )</a:t>
+              </a:r>
+            </a:p>
+            <a:p>
+              <a:pPr marL="285750" indent="-285750">
+                <a:lnSpc>
+                  <a:spcPct val="150000"/>
+                </a:lnSpc>
+                <a:buFontTx/>
+                <a:buChar char="-"/>
+              </a:pPr>
+              <a:r>
+                <a:rPr lang="en-US" altLang="ko-KR"/>
+                <a:t>SNN ( Spiking neural network )</a:t>
+              </a:r>
+            </a:p>
+            <a:p>
+              <a:pPr marL="285750" indent="-285750">
+                <a:lnSpc>
+                  <a:spcPct val="150000"/>
+                </a:lnSpc>
+                <a:buFontTx/>
+                <a:buChar char="-"/>
+              </a:pPr>
+              <a:r>
+                <a:rPr lang="en-US" altLang="ko-KR"/>
+                <a:t>DNN ( Deep Neural Network )</a:t>
+              </a:r>
+            </a:p>
+          </p:txBody>
+        </p:sp>
+      </p:grpSp>
+      <p:grpSp>
+        <p:nvGrpSpPr>
+          <p:cNvPr id="11" name="그룹 10">
+            <a:extLst>
+              <a:ext uri="{FF2B5EF4-FFF2-40B4-BE49-F238E27FC236}">
+                <a16:creationId xmlns:a16="http://schemas.microsoft.com/office/drawing/2014/main" id="{B3EAEB56-7D7E-D8D5-3BFD-02726D4A5128}"/>
+              </a:ext>
+            </a:extLst>
+          </p:cNvPr>
+          <p:cNvGrpSpPr/>
+          <p:nvPr/>
+        </p:nvGrpSpPr>
+        <p:grpSpPr>
+          <a:xfrm>
+            <a:off x="430250" y="1242065"/>
+            <a:ext cx="6385883" cy="1198152"/>
+            <a:chOff x="434624" y="1242065"/>
+            <a:chExt cx="6385883" cy="1198152"/>
+          </a:xfrm>
+        </p:grpSpPr>
+        <p:sp>
+          <p:nvSpPr>
+            <p:cNvPr id="5" name="TextBox 4">
+              <a:extLst>
+                <a:ext uri="{FF2B5EF4-FFF2-40B4-BE49-F238E27FC236}">
+                  <a16:creationId xmlns:a16="http://schemas.microsoft.com/office/drawing/2014/main" id="{CF63EB62-FE78-5BAB-6ABC-7EBB3D0B4BD8}"/>
+                </a:ext>
+              </a:extLst>
+            </p:cNvPr>
+            <p:cNvSpPr txBox="1"/>
+            <p:nvPr/>
+          </p:nvSpPr>
+          <p:spPr>
+            <a:xfrm>
+              <a:off x="434624" y="1242065"/>
+              <a:ext cx="877163" cy="369332"/>
+            </a:xfrm>
+            <a:prstGeom prst="rect">
+              <a:avLst/>
+            </a:prstGeom>
+            <a:noFill/>
+          </p:spPr>
+          <p:txBody>
+            <a:bodyPr wrap="none" rtlCol="0">
+              <a:spAutoFit/>
+            </a:bodyPr>
+            <a:lstStyle/>
+            <a:p>
+              <a:r>
+                <a:rPr lang="ko-KR" altLang="en-US" b="1"/>
+                <a:t>데이터</a:t>
+              </a:r>
+            </a:p>
+          </p:txBody>
+        </p:sp>
+        <p:sp>
+          <p:nvSpPr>
+            <p:cNvPr id="6" name="TextBox 5">
+              <a:extLst>
+                <a:ext uri="{FF2B5EF4-FFF2-40B4-BE49-F238E27FC236}">
+                  <a16:creationId xmlns:a16="http://schemas.microsoft.com/office/drawing/2014/main" id="{AB691F72-DF64-A8A0-E6BA-43D1B13ECEE1}"/>
+                </a:ext>
+              </a:extLst>
+            </p:cNvPr>
+            <p:cNvSpPr txBox="1"/>
+            <p:nvPr/>
+          </p:nvSpPr>
+          <p:spPr>
+            <a:xfrm>
+              <a:off x="727172" y="1570427"/>
+              <a:ext cx="6093335" cy="869790"/>
+            </a:xfrm>
+            <a:prstGeom prst="rect">
+              <a:avLst/>
+            </a:prstGeom>
+            <a:noFill/>
+          </p:spPr>
+          <p:txBody>
+            <a:bodyPr wrap="none" rtlCol="0">
+              <a:spAutoFit/>
+            </a:bodyPr>
+            <a:lstStyle/>
+            <a:p>
+              <a:pPr marL="285750" indent="-285750">
+                <a:lnSpc>
+                  <a:spcPct val="150000"/>
+                </a:lnSpc>
+                <a:buFontTx/>
+                <a:buChar char="-"/>
+              </a:pPr>
+              <a:r>
+                <a:rPr lang="ko-KR" altLang="en-US"/>
+                <a:t>제주도 두 지역</a:t>
+              </a:r>
+              <a:r>
+                <a:rPr lang="en-US" altLang="ko-KR"/>
+                <a:t>, </a:t>
+              </a:r>
+              <a:r>
+                <a:rPr lang="ko-KR" altLang="en-US"/>
+                <a:t>기상자료개방포털의 기상요인 데이터</a:t>
+              </a:r>
+              <a:endParaRPr lang="en-US" altLang="ko-KR"/>
+            </a:p>
+            <a:p>
+              <a:pPr marL="285750" indent="-285750">
+                <a:lnSpc>
+                  <a:spcPct val="150000"/>
+                </a:lnSpc>
+                <a:buFontTx/>
+                <a:buChar char="-"/>
+              </a:pPr>
+              <a:r>
+                <a:rPr lang="en-US" altLang="ko-KR"/>
+                <a:t>2011</a:t>
+              </a:r>
+              <a:r>
+                <a:rPr lang="ko-KR" altLang="en-US"/>
+                <a:t>년 </a:t>
+              </a:r>
+              <a:r>
+                <a:rPr lang="en-US" altLang="ko-KR"/>
+                <a:t>2018</a:t>
+              </a:r>
+              <a:r>
+                <a:rPr lang="ko-KR" altLang="en-US"/>
+                <a:t>년 총 </a:t>
+              </a:r>
+              <a:r>
+                <a:rPr lang="en-US" altLang="ko-KR"/>
+                <a:t>8</a:t>
+              </a:r>
+              <a:r>
+                <a:rPr lang="ko-KR" altLang="en-US"/>
+                <a:t>년</a:t>
+              </a:r>
+              <a:endParaRPr lang="en-US" altLang="ko-KR"/>
+            </a:p>
+          </p:txBody>
+        </p:sp>
+      </p:grpSp>
+      <p:grpSp>
+        <p:nvGrpSpPr>
+          <p:cNvPr id="2" name="그룹 1">
+            <a:extLst>
+              <a:ext uri="{FF2B5EF4-FFF2-40B4-BE49-F238E27FC236}">
+                <a16:creationId xmlns:a16="http://schemas.microsoft.com/office/drawing/2014/main" id="{2402060B-1C2A-64A0-1733-A63ADCFB72A9}"/>
+              </a:ext>
+            </a:extLst>
+          </p:cNvPr>
+          <p:cNvGrpSpPr/>
+          <p:nvPr/>
+        </p:nvGrpSpPr>
+        <p:grpSpPr>
+          <a:xfrm>
+            <a:off x="430250" y="4877263"/>
+            <a:ext cx="7779266" cy="820619"/>
+            <a:chOff x="430250" y="1242317"/>
+            <a:chExt cx="7779266" cy="820619"/>
+          </a:xfrm>
+        </p:grpSpPr>
+        <p:sp>
+          <p:nvSpPr>
+            <p:cNvPr id="4" name="TextBox 3">
+              <a:extLst>
+                <a:ext uri="{FF2B5EF4-FFF2-40B4-BE49-F238E27FC236}">
+                  <a16:creationId xmlns:a16="http://schemas.microsoft.com/office/drawing/2014/main" id="{066C8D4D-964C-95B9-3F25-3632D8C6CCBC}"/>
+                </a:ext>
+              </a:extLst>
+            </p:cNvPr>
+            <p:cNvSpPr txBox="1"/>
+            <p:nvPr/>
+          </p:nvSpPr>
+          <p:spPr>
+            <a:xfrm>
+              <a:off x="430250" y="1242317"/>
+              <a:ext cx="1305422" cy="369332"/>
+            </a:xfrm>
+            <a:prstGeom prst="rect">
+              <a:avLst/>
+            </a:prstGeom>
+            <a:noFill/>
+          </p:spPr>
+          <p:txBody>
+            <a:bodyPr wrap="none" rtlCol="0">
+              <a:spAutoFit/>
+            </a:bodyPr>
+            <a:lstStyle/>
+            <a:p>
+              <a:r>
+                <a:rPr lang="en-US" altLang="ko-KR" b="1"/>
+                <a:t>ATT-LSTM</a:t>
+              </a:r>
+              <a:endParaRPr lang="ko-KR" altLang="en-US" b="1"/>
+            </a:p>
+          </p:txBody>
+        </p:sp>
+        <p:sp>
+          <p:nvSpPr>
+            <p:cNvPr id="8" name="TextBox 7">
+              <a:extLst>
+                <a:ext uri="{FF2B5EF4-FFF2-40B4-BE49-F238E27FC236}">
+                  <a16:creationId xmlns:a16="http://schemas.microsoft.com/office/drawing/2014/main" id="{8029577F-7F52-88A6-A383-D347BF7491F4}"/>
+                </a:ext>
+              </a:extLst>
+            </p:cNvPr>
+            <p:cNvSpPr txBox="1"/>
+            <p:nvPr/>
+          </p:nvSpPr>
+          <p:spPr>
+            <a:xfrm>
+              <a:off x="792486" y="1608644"/>
+              <a:ext cx="7417030" cy="454292"/>
+            </a:xfrm>
+            <a:prstGeom prst="rect">
+              <a:avLst/>
+            </a:prstGeom>
+            <a:noFill/>
+          </p:spPr>
+          <p:txBody>
+            <a:bodyPr wrap="none" rtlCol="0">
+              <a:spAutoFit/>
+            </a:bodyPr>
+            <a:lstStyle/>
+            <a:p>
+              <a:pPr>
+                <a:lnSpc>
+                  <a:spcPct val="150000"/>
+                </a:lnSpc>
+              </a:pPr>
+              <a:r>
+                <a:rPr lang="en-US" altLang="ko-KR"/>
+                <a:t>-</a:t>
+              </a:r>
+              <a:r>
+                <a:rPr lang="ko-KR" altLang="en-US"/>
+                <a:t> 주의 집중 메커니즘</a:t>
+              </a:r>
+              <a:r>
+                <a:rPr lang="en-US" altLang="ko-KR"/>
+                <a:t>(Attention Mechanism)</a:t>
+              </a:r>
+              <a:r>
+                <a:rPr lang="ko-KR" altLang="en-US"/>
+                <a:t>을 적용한 </a:t>
+              </a:r>
+              <a:r>
+                <a:rPr lang="en-US" altLang="ko-KR"/>
+                <a:t>LSTM</a:t>
+              </a:r>
+              <a:r>
+                <a:rPr lang="ko-KR" altLang="en-US"/>
+                <a:t>모델 구성</a:t>
+              </a:r>
+              <a:endParaRPr lang="en-US" altLang="ko-KR"/>
+            </a:p>
+          </p:txBody>
+        </p:sp>
+      </p:grpSp>
+      <p:pic>
+        <p:nvPicPr>
+          <p:cNvPr id="14" name="그림 13">
+            <a:extLst>
+              <a:ext uri="{FF2B5EF4-FFF2-40B4-BE49-F238E27FC236}">
+                <a16:creationId xmlns:a16="http://schemas.microsoft.com/office/drawing/2014/main" id="{550DB94C-12CD-AC35-537E-4B37B126C567}"/>
+              </a:ext>
+            </a:extLst>
+          </p:cNvPr>
+          <p:cNvPicPr>
+            <a:picLocks noChangeAspect="1"/>
+          </p:cNvPicPr>
+          <p:nvPr/>
+        </p:nvPicPr>
+        <p:blipFill>
+          <a:blip r:embed="rId4"/>
+          <a:stretch>
+            <a:fillRect/>
+          </a:stretch>
+        </p:blipFill>
+        <p:spPr>
+          <a:xfrm>
+            <a:off x="6225279" y="2482208"/>
+            <a:ext cx="5467349" cy="1947862"/>
+          </a:xfrm>
+          <a:prstGeom prst="rect">
+            <a:avLst/>
+          </a:prstGeom>
+        </p:spPr>
+      </p:pic>
+    </p:spTree>
+    <p:extLst>
+      <p:ext uri="{BB962C8B-B14F-4D97-AF65-F5344CB8AC3E}">
+        <p14:creationId xmlns:p14="http://schemas.microsoft.com/office/powerpoint/2010/main" val="3167491661"/>
+      </p:ext>
+    </p:extLst>
+  </p:cSld>
+  <p:clrMapOvr>
+    <a:masterClrMapping/>
+  </p:clrMapOvr>
+</p:sld>
+</file>
+
+<file path=ppt/slides/slide14.xml><?xml version="1.0" encoding="utf-8"?>
+<p:sld xmlns:a="http://schemas.openxmlformats.org/drawingml/2006/main" xmlns:r="http://schemas.openxmlformats.org/officeDocument/2006/relationships" xmlns:p="http://schemas.openxmlformats.org/presentationml/2006/main">
+  <p:cSld>
+    <p:spTree>
+      <p:nvGrpSpPr>
+        <p:cNvPr id="1" name=""/>
+        <p:cNvGrpSpPr/>
+        <p:nvPr/>
+      </p:nvGrpSpPr>
+      <p:grpSpPr>
+        <a:xfrm>
+          <a:off x="0" y="0"/>
+          <a:ext cx="0" cy="0"/>
+          <a:chOff x="0" y="0"/>
+          <a:chExt cx="0" cy="0"/>
+        </a:xfrm>
+      </p:grpSpPr>
       <p:sp>
         <p:nvSpPr>
-          <p:cNvPr id="3" name="TextBox 2">
-            <a:extLst>
-              <a:ext uri="{FF2B5EF4-FFF2-40B4-BE49-F238E27FC236}">
-                <a16:creationId xmlns:a16="http://schemas.microsoft.com/office/drawing/2014/main" id="{715256BA-C9F5-C9BB-8E4F-24578961A48D}"/>
+          <p:cNvPr id="15" name="object 2">
+            <a:extLst>
+              <a:ext uri="{FF2B5EF4-FFF2-40B4-BE49-F238E27FC236}">
+                <a16:creationId xmlns:a16="http://schemas.microsoft.com/office/drawing/2014/main" id="{63B42C9C-96BB-4869-81D8-DBA87F4A50BB}"/>
+              </a:ext>
+            </a:extLst>
+          </p:cNvPr>
+          <p:cNvSpPr txBox="1">
+            <a:spLocks/>
+          </p:cNvSpPr>
+          <p:nvPr/>
+        </p:nvSpPr>
+        <p:spPr>
+          <a:xfrm>
+            <a:off x="492575" y="391668"/>
+            <a:ext cx="12678302" cy="505267"/>
+          </a:xfrm>
+          <a:prstGeom prst="rect">
+            <a:avLst/>
+          </a:prstGeom>
+        </p:spPr>
+        <p:txBody>
+          <a:bodyPr vert="horz" wrap="square" lIns="0" tIns="12700" rIns="0" bIns="0" rtlCol="0">
+            <a:spAutoFit/>
+          </a:bodyPr>
+          <a:lstStyle>
+            <a:lvl1pPr>
+              <a:defRPr sz="3600" b="1" i="0">
+                <a:solidFill>
+                  <a:schemeClr val="tx1"/>
+                </a:solidFill>
+                <a:latin typeface="Malgun Gothic"/>
+                <a:ea typeface="+mj-ea"/>
+                <a:cs typeface="Malgun Gothic"/>
+              </a:defRPr>
+            </a:lvl1pPr>
+          </a:lstStyle>
+          <a:p>
+            <a:pPr marL="12700" marR="0" lvl="0" indent="0" defTabSz="914400" eaLnBrk="1" fontAlgn="auto" latinLnBrk="0" hangingPunct="1">
+              <a:lnSpc>
+                <a:spcPct val="100000"/>
+              </a:lnSpc>
+              <a:spcBef>
+                <a:spcPts val="100"/>
+              </a:spcBef>
+              <a:spcAft>
+                <a:spcPts val="0"/>
+              </a:spcAft>
+              <a:buClrTx/>
+              <a:buSzTx/>
+              <a:buFontTx/>
+              <a:buNone/>
+              <a:tabLst>
+                <a:tab pos="967740" algn="l"/>
+              </a:tabLst>
+              <a:defRPr/>
+            </a:pPr>
+            <a:r>
+              <a:rPr lang="ko-KR" altLang="en-US" sz="3200" kern="0" spc="-25">
+                <a:solidFill>
+                  <a:srgbClr val="001F60"/>
+                </a:solidFill>
+                <a:ea typeface="맑은 고딕" panose="020B0503020000020004" pitchFamily="50" charset="-127"/>
+              </a:rPr>
+              <a:t>결론</a:t>
+            </a:r>
+            <a:endParaRPr kumimoji="0" lang="ko-KR" altLang="en-US" sz="1500" b="1" i="0" u="none" strike="noStrike" kern="0" cap="none" spc="0" normalizeH="0" baseline="0" noProof="0" dirty="0">
+              <a:ln>
+                <a:noFill/>
+              </a:ln>
+              <a:solidFill>
+                <a:sysClr val="windowText" lastClr="000000"/>
+              </a:solidFill>
+              <a:effectLst/>
+              <a:uLnTx/>
+              <a:uFillTx/>
+              <a:latin typeface="Malgun Gothic"/>
+              <a:ea typeface="맑은 고딕" panose="020B0503020000020004" pitchFamily="50" charset="-127"/>
+            </a:endParaRPr>
+          </a:p>
+        </p:txBody>
+      </p:sp>
+      <p:sp>
+        <p:nvSpPr>
+          <p:cNvPr id="19" name="object 6">
+            <a:extLst>
+              <a:ext uri="{FF2B5EF4-FFF2-40B4-BE49-F238E27FC236}">
+                <a16:creationId xmlns:a16="http://schemas.microsoft.com/office/drawing/2014/main" id="{C73C25E3-E198-4627-994A-E730949EA465}"/>
+              </a:ext>
+            </a:extLst>
+          </p:cNvPr>
+          <p:cNvSpPr/>
+          <p:nvPr/>
+        </p:nvSpPr>
+        <p:spPr>
+          <a:xfrm>
+            <a:off x="430250" y="985061"/>
+            <a:ext cx="11353800" cy="45720"/>
+          </a:xfrm>
+          <a:custGeom>
+            <a:avLst/>
+            <a:gdLst/>
+            <a:ahLst/>
+            <a:cxnLst/>
+            <a:rect l="l" t="t" r="r" b="b"/>
+            <a:pathLst>
+              <a:path w="11353800" h="45719">
+                <a:moveTo>
+                  <a:pt x="11353800" y="0"/>
+                </a:moveTo>
+                <a:lnTo>
+                  <a:pt x="0" y="0"/>
+                </a:lnTo>
+                <a:lnTo>
+                  <a:pt x="0" y="45718"/>
+                </a:lnTo>
+                <a:lnTo>
+                  <a:pt x="11353800" y="45718"/>
+                </a:lnTo>
+                <a:lnTo>
+                  <a:pt x="11353800" y="0"/>
+                </a:lnTo>
+                <a:close/>
+              </a:path>
+            </a:pathLst>
+          </a:custGeom>
+          <a:solidFill>
+            <a:srgbClr val="0C3F8B"/>
+          </a:solidFill>
+        </p:spPr>
+        <p:txBody>
+          <a:bodyPr wrap="square" lIns="0" tIns="0" rIns="0" bIns="0" rtlCol="0"/>
+          <a:lstStyle/>
+          <a:p>
+            <a:pPr marL="0" marR="0" lvl="0" indent="0" defTabSz="914400" eaLnBrk="1" fontAlgn="auto" latinLnBrk="0" hangingPunct="1">
+              <a:lnSpc>
+                <a:spcPct val="100000"/>
+              </a:lnSpc>
+              <a:spcBef>
+                <a:spcPts val="0"/>
+              </a:spcBef>
+              <a:spcAft>
+                <a:spcPts val="0"/>
+              </a:spcAft>
+              <a:buClrTx/>
+              <a:buSzTx/>
+              <a:buFontTx/>
+              <a:buNone/>
+              <a:tabLst/>
+              <a:defRPr/>
+            </a:pPr>
+            <a:endParaRPr kumimoji="0" sz="1800" b="0" i="0" u="none" strike="noStrike" kern="0" cap="none" spc="0" normalizeH="0" baseline="0" noProof="0">
+              <a:ln>
+                <a:noFill/>
+              </a:ln>
+              <a:solidFill>
+                <a:sysClr val="windowText" lastClr="000000"/>
+              </a:solidFill>
+              <a:effectLst/>
+              <a:uLnTx/>
+              <a:uFillTx/>
+            </a:endParaRPr>
+          </a:p>
+        </p:txBody>
+      </p:sp>
+      <p:pic>
+        <p:nvPicPr>
+          <p:cNvPr id="20" name="그림 19">
+            <a:extLst>
+              <a:ext uri="{FF2B5EF4-FFF2-40B4-BE49-F238E27FC236}">
+                <a16:creationId xmlns:a16="http://schemas.microsoft.com/office/drawing/2014/main" id="{A87EDB79-AE8E-46E3-B956-281C41A7ED3A}"/>
+              </a:ext>
+            </a:extLst>
+          </p:cNvPr>
+          <p:cNvPicPr>
+            <a:picLocks noChangeAspect="1"/>
+          </p:cNvPicPr>
+          <p:nvPr/>
+        </p:nvPicPr>
+        <p:blipFill rotWithShape="1">
+          <a:blip r:embed="rId2">
+            <a:extLst>
+              <a:ext uri="{28A0092B-C50C-407E-A947-70E740481C1C}">
+                <a14:useLocalDpi xmlns:a14="http://schemas.microsoft.com/office/drawing/2010/main" val="0"/>
+              </a:ext>
+            </a:extLst>
+          </a:blip>
+          <a:srcRect l="74535" t="3851" r="5686" b="50143"/>
+          <a:stretch/>
+        </p:blipFill>
+        <p:spPr>
+          <a:xfrm>
+            <a:off x="10225454" y="6479121"/>
+            <a:ext cx="703142" cy="304214"/>
+          </a:xfrm>
+          <a:prstGeom prst="rect">
+            <a:avLst/>
+          </a:prstGeom>
+        </p:spPr>
+      </p:pic>
+      <p:sp>
+        <p:nvSpPr>
+          <p:cNvPr id="13" name="TextBox 12">
+            <a:extLst>
+              <a:ext uri="{FF2B5EF4-FFF2-40B4-BE49-F238E27FC236}">
+                <a16:creationId xmlns:a16="http://schemas.microsoft.com/office/drawing/2014/main" id="{55B229C4-D60A-E3E6-E983-CFF5F9667609}"/>
               </a:ext>
             </a:extLst>
           </p:cNvPr>
@@ -5635,8 +6508,8 @@
         </p:nvSpPr>
         <p:spPr>
           <a:xfrm>
-            <a:off x="514227" y="2617853"/>
-            <a:ext cx="2589170" cy="369332"/>
+            <a:off x="430249" y="1371599"/>
+            <a:ext cx="11195694" cy="3726148"/>
           </a:xfrm>
           <a:prstGeom prst="rect">
             <a:avLst/>
@@ -5644,24 +6517,428 @@
           <a:noFill/>
         </p:spPr>
         <p:txBody>
-          <a:bodyPr wrap="none" rtlCol="0">
+          <a:bodyPr wrap="square" rtlCol="0">
             <a:spAutoFit/>
           </a:bodyPr>
           <a:lstStyle/>
           <a:p>
-            <a:r>
-              <a:rPr lang="ko-KR" altLang="en-US" b="1"/>
-              <a:t>일사량 예측 모델 구성</a:t>
-            </a:r>
+            <a:pPr marL="342900" indent="-342900">
+              <a:lnSpc>
+                <a:spcPct val="150000"/>
+              </a:lnSpc>
+              <a:buFontTx/>
+              <a:buChar char="-"/>
+            </a:pPr>
+            <a:r>
+              <a:rPr lang="ko-KR" altLang="en-US" sz="2000">
+                <a:effectLst/>
+              </a:rPr>
+              <a:t>시스템의 효과적인 운영 계획을 수립하기 위해 기계학습 기반의 </a:t>
+            </a:r>
+            <a:r>
+              <a:rPr lang="ko-KR" altLang="en-US" sz="2000" b="1">
+                <a:effectLst/>
+              </a:rPr>
+              <a:t>일사량 예측 모델 구성에 관한 사례를 소개</a:t>
+            </a:r>
+            <a:endParaRPr lang="en-US" altLang="ko-KR" sz="2000" b="1">
+              <a:effectLst/>
+            </a:endParaRPr>
+          </a:p>
+          <a:p>
+            <a:pPr marL="342900" indent="-342900">
+              <a:lnSpc>
+                <a:spcPct val="150000"/>
+              </a:lnSpc>
+              <a:buFontTx/>
+              <a:buChar char="-"/>
+            </a:pPr>
+            <a:endParaRPr lang="en-US" altLang="ko-KR" sz="2000">
+              <a:effectLst/>
+            </a:endParaRPr>
+          </a:p>
+          <a:p>
+            <a:pPr marL="342900" indent="-342900">
+              <a:lnSpc>
+                <a:spcPct val="150000"/>
+              </a:lnSpc>
+              <a:buFontTx/>
+              <a:buChar char="-"/>
+            </a:pPr>
+            <a:r>
+              <a:rPr lang="ko-KR" altLang="en-US" sz="2000" b="1">
+                <a:effectLst/>
+              </a:rPr>
+              <a:t>앙상블 학습 기법은 우수한 예측 성능</a:t>
+            </a:r>
+            <a:r>
+              <a:rPr lang="ko-KR" altLang="en-US" sz="2000">
+                <a:effectLst/>
+              </a:rPr>
+              <a:t>을 도출할 수 있을 뿐만 아니라 </a:t>
+            </a:r>
+            <a:r>
+              <a:rPr lang="ko-KR" altLang="en-US" sz="2000" b="1">
+                <a:effectLst/>
+              </a:rPr>
+              <a:t>변수 중요도</a:t>
+            </a:r>
+            <a:r>
+              <a:rPr lang="ko-KR" altLang="en-US" sz="2000">
+                <a:effectLst/>
+              </a:rPr>
+              <a:t>를 통해 어떤 독립변수가 모델 구성에 중요한지를 </a:t>
+            </a:r>
+            <a:r>
+              <a:rPr lang="ko-KR" altLang="en-US" sz="2000" b="1">
+                <a:effectLst/>
+              </a:rPr>
+              <a:t>해석</a:t>
+            </a:r>
+            <a:r>
+              <a:rPr lang="ko-KR" altLang="en-US" sz="2000">
+                <a:effectLst/>
+              </a:rPr>
+              <a:t>할 수 있다는 </a:t>
+            </a:r>
+            <a:r>
+              <a:rPr lang="ko-KR" altLang="en-US" sz="2000" b="1">
+                <a:effectLst/>
+              </a:rPr>
+              <a:t>장점</a:t>
+            </a:r>
+            <a:endParaRPr lang="en-US" altLang="ko-KR" sz="2000" b="1">
+              <a:effectLst/>
+            </a:endParaRPr>
+          </a:p>
+          <a:p>
+            <a:pPr marL="342900" indent="-342900">
+              <a:lnSpc>
+                <a:spcPct val="150000"/>
+              </a:lnSpc>
+              <a:buFontTx/>
+              <a:buChar char="-"/>
+            </a:pPr>
+            <a:endParaRPr lang="en-US" altLang="ko-KR" sz="2000">
+              <a:effectLst/>
+            </a:endParaRPr>
+          </a:p>
+          <a:p>
+            <a:pPr marL="342900" indent="-342900">
+              <a:lnSpc>
+                <a:spcPct val="150000"/>
+              </a:lnSpc>
+              <a:buFontTx/>
+              <a:buChar char="-"/>
+            </a:pPr>
+            <a:r>
+              <a:rPr lang="ko-KR" altLang="en-US" sz="2000" b="1">
+                <a:effectLst/>
+              </a:rPr>
+              <a:t>심층 학습</a:t>
+            </a:r>
+            <a:r>
+              <a:rPr lang="ko-KR" altLang="en-US" sz="2000">
+                <a:effectLst/>
+              </a:rPr>
+              <a:t>은 이미지와 같이 테이블형식이 아닌 데이터에서도 </a:t>
+            </a:r>
+            <a:r>
+              <a:rPr lang="ko-KR" altLang="en-US" sz="2000" b="1">
+                <a:effectLst/>
+              </a:rPr>
+              <a:t>특징을 추출하여 정확한 일사량 예측을 수행</a:t>
+            </a:r>
+            <a:r>
+              <a:rPr lang="ko-KR" altLang="en-US" sz="2000">
+                <a:effectLst/>
+              </a:rPr>
+              <a:t>할 수 있음을 </a:t>
+            </a:r>
+            <a:r>
+              <a:rPr lang="ko-KR" altLang="en-US" sz="2000" b="1">
+                <a:effectLst/>
+              </a:rPr>
+              <a:t>확인</a:t>
+            </a:r>
+            <a:endParaRPr lang="ko-KR" altLang="en-US" sz="2000" b="1"/>
+          </a:p>
+        </p:txBody>
+      </p:sp>
+      <p:pic>
+        <p:nvPicPr>
+          <p:cNvPr id="16" name="그림 15">
+            <a:extLst>
+              <a:ext uri="{FF2B5EF4-FFF2-40B4-BE49-F238E27FC236}">
+                <a16:creationId xmlns:a16="http://schemas.microsoft.com/office/drawing/2014/main" id="{6EFD75F5-0893-44A2-F8EA-A90875C8747B}"/>
+              </a:ext>
+            </a:extLst>
+          </p:cNvPr>
+          <p:cNvPicPr>
+            <a:picLocks noChangeAspect="1"/>
+          </p:cNvPicPr>
+          <p:nvPr/>
+        </p:nvPicPr>
+        <p:blipFill>
+          <a:blip r:embed="rId3" cstate="hqprint">
+            <a:extLst>
+              <a:ext uri="{28A0092B-C50C-407E-A947-70E740481C1C}">
+                <a14:useLocalDpi xmlns:a14="http://schemas.microsoft.com/office/drawing/2010/main" val="0"/>
+              </a:ext>
+            </a:extLst>
+          </a:blip>
+          <a:stretch>
+            <a:fillRect/>
+          </a:stretch>
+        </p:blipFill>
+        <p:spPr>
+          <a:xfrm>
+            <a:off x="10928596" y="6521112"/>
+            <a:ext cx="1142740" cy="220232"/>
+          </a:xfrm>
+          <a:prstGeom prst="rect">
+            <a:avLst/>
+          </a:prstGeom>
+        </p:spPr>
+      </p:pic>
+    </p:spTree>
+    <p:extLst>
+      <p:ext uri="{BB962C8B-B14F-4D97-AF65-F5344CB8AC3E}">
+        <p14:creationId xmlns:p14="http://schemas.microsoft.com/office/powerpoint/2010/main" val="385842044"/>
+      </p:ext>
+    </p:extLst>
+  </p:cSld>
+  <p:clrMapOvr>
+    <a:masterClrMapping/>
+  </p:clrMapOvr>
+</p:sld>
+</file>
+
+<file path=ppt/slides/slide15.xml><?xml version="1.0" encoding="utf-8"?>
+<p:sld xmlns:a="http://schemas.openxmlformats.org/drawingml/2006/main" xmlns:r="http://schemas.openxmlformats.org/officeDocument/2006/relationships" xmlns:p="http://schemas.openxmlformats.org/presentationml/2006/main">
+  <p:cSld>
+    <p:spTree>
+      <p:nvGrpSpPr>
+        <p:cNvPr id="1" name=""/>
+        <p:cNvGrpSpPr/>
+        <p:nvPr/>
+      </p:nvGrpSpPr>
+      <p:grpSpPr>
+        <a:xfrm>
+          <a:off x="0" y="0"/>
+          <a:ext cx="0" cy="0"/>
+          <a:chOff x="0" y="0"/>
+          <a:chExt cx="0" cy="0"/>
+        </a:xfrm>
+      </p:grpSpPr>
+      <p:sp>
+        <p:nvSpPr>
+          <p:cNvPr id="15" name="object 2">
+            <a:extLst>
+              <a:ext uri="{FF2B5EF4-FFF2-40B4-BE49-F238E27FC236}">
+                <a16:creationId xmlns:a16="http://schemas.microsoft.com/office/drawing/2014/main" id="{63B42C9C-96BB-4869-81D8-DBA87F4A50BB}"/>
+              </a:ext>
+            </a:extLst>
+          </p:cNvPr>
+          <p:cNvSpPr txBox="1">
+            <a:spLocks/>
+          </p:cNvSpPr>
+          <p:nvPr/>
+        </p:nvSpPr>
+        <p:spPr>
+          <a:xfrm>
+            <a:off x="492575" y="391668"/>
+            <a:ext cx="12678302" cy="505267"/>
+          </a:xfrm>
+          <a:prstGeom prst="rect">
+            <a:avLst/>
+          </a:prstGeom>
+        </p:spPr>
+        <p:txBody>
+          <a:bodyPr vert="horz" wrap="square" lIns="0" tIns="12700" rIns="0" bIns="0" rtlCol="0">
+            <a:spAutoFit/>
+          </a:bodyPr>
+          <a:lstStyle>
+            <a:lvl1pPr>
+              <a:defRPr sz="3600" b="1" i="0">
+                <a:solidFill>
+                  <a:schemeClr val="tx1"/>
+                </a:solidFill>
+                <a:latin typeface="Malgun Gothic"/>
+                <a:ea typeface="+mj-ea"/>
+                <a:cs typeface="Malgun Gothic"/>
+              </a:defRPr>
+            </a:lvl1pPr>
+          </a:lstStyle>
+          <a:p>
+            <a:pPr marL="12700" marR="0" lvl="0" indent="0" defTabSz="914400" eaLnBrk="1" fontAlgn="auto" latinLnBrk="0" hangingPunct="1">
+              <a:lnSpc>
+                <a:spcPct val="100000"/>
+              </a:lnSpc>
+              <a:spcBef>
+                <a:spcPts val="100"/>
+              </a:spcBef>
+              <a:spcAft>
+                <a:spcPts val="0"/>
+              </a:spcAft>
+              <a:buClrTx/>
+              <a:buSzTx/>
+              <a:buFontTx/>
+              <a:buNone/>
+              <a:tabLst>
+                <a:tab pos="967740" algn="l"/>
+              </a:tabLst>
+              <a:defRPr/>
+            </a:pPr>
+            <a:r>
+              <a:rPr lang="ko-KR" altLang="en-US" sz="3200" kern="0" spc="-25">
+                <a:solidFill>
+                  <a:srgbClr val="001F60"/>
+                </a:solidFill>
+                <a:ea typeface="맑은 고딕" panose="020B0503020000020004" pitchFamily="50" charset="-127"/>
+              </a:rPr>
+              <a:t>결론</a:t>
+            </a:r>
+            <a:endParaRPr kumimoji="0" lang="ko-KR" altLang="en-US" sz="1500" b="1" i="0" u="none" strike="noStrike" kern="0" cap="none" spc="0" normalizeH="0" baseline="0" noProof="0" dirty="0">
+              <a:ln>
+                <a:noFill/>
+              </a:ln>
+              <a:solidFill>
+                <a:sysClr val="windowText" lastClr="000000"/>
+              </a:solidFill>
+              <a:effectLst/>
+              <a:uLnTx/>
+              <a:uFillTx/>
+              <a:latin typeface="Malgun Gothic"/>
+              <a:ea typeface="맑은 고딕" panose="020B0503020000020004" pitchFamily="50" charset="-127"/>
+            </a:endParaRPr>
           </a:p>
         </p:txBody>
       </p:sp>
       <p:sp>
         <p:nvSpPr>
-          <p:cNvPr id="7" name="TextBox 6">
-            <a:extLst>
-              <a:ext uri="{FF2B5EF4-FFF2-40B4-BE49-F238E27FC236}">
-                <a16:creationId xmlns:a16="http://schemas.microsoft.com/office/drawing/2014/main" id="{365A4A72-4240-F524-11FD-37957BE0E68C}"/>
+          <p:cNvPr id="19" name="object 6">
+            <a:extLst>
+              <a:ext uri="{FF2B5EF4-FFF2-40B4-BE49-F238E27FC236}">
+                <a16:creationId xmlns:a16="http://schemas.microsoft.com/office/drawing/2014/main" id="{C73C25E3-E198-4627-994A-E730949EA465}"/>
+              </a:ext>
+            </a:extLst>
+          </p:cNvPr>
+          <p:cNvSpPr/>
+          <p:nvPr/>
+        </p:nvSpPr>
+        <p:spPr>
+          <a:xfrm>
+            <a:off x="430250" y="985061"/>
+            <a:ext cx="11353800" cy="45720"/>
+          </a:xfrm>
+          <a:custGeom>
+            <a:avLst/>
+            <a:gdLst/>
+            <a:ahLst/>
+            <a:cxnLst/>
+            <a:rect l="l" t="t" r="r" b="b"/>
+            <a:pathLst>
+              <a:path w="11353800" h="45719">
+                <a:moveTo>
+                  <a:pt x="11353800" y="0"/>
+                </a:moveTo>
+                <a:lnTo>
+                  <a:pt x="0" y="0"/>
+                </a:lnTo>
+                <a:lnTo>
+                  <a:pt x="0" y="45718"/>
+                </a:lnTo>
+                <a:lnTo>
+                  <a:pt x="11353800" y="45718"/>
+                </a:lnTo>
+                <a:lnTo>
+                  <a:pt x="11353800" y="0"/>
+                </a:lnTo>
+                <a:close/>
+              </a:path>
+            </a:pathLst>
+          </a:custGeom>
+          <a:solidFill>
+            <a:srgbClr val="0C3F8B"/>
+          </a:solidFill>
+        </p:spPr>
+        <p:txBody>
+          <a:bodyPr wrap="square" lIns="0" tIns="0" rIns="0" bIns="0" rtlCol="0"/>
+          <a:lstStyle/>
+          <a:p>
+            <a:pPr marL="0" marR="0" lvl="0" indent="0" defTabSz="914400" eaLnBrk="1" fontAlgn="auto" latinLnBrk="0" hangingPunct="1">
+              <a:lnSpc>
+                <a:spcPct val="100000"/>
+              </a:lnSpc>
+              <a:spcBef>
+                <a:spcPts val="0"/>
+              </a:spcBef>
+              <a:spcAft>
+                <a:spcPts val="0"/>
+              </a:spcAft>
+              <a:buClrTx/>
+              <a:buSzTx/>
+              <a:buFontTx/>
+              <a:buNone/>
+              <a:tabLst/>
+              <a:defRPr/>
+            </a:pPr>
+            <a:endParaRPr kumimoji="0" sz="1800" b="0" i="0" u="none" strike="noStrike" kern="0" cap="none" spc="0" normalizeH="0" baseline="0" noProof="0">
+              <a:ln>
+                <a:noFill/>
+              </a:ln>
+              <a:solidFill>
+                <a:sysClr val="windowText" lastClr="000000"/>
+              </a:solidFill>
+              <a:effectLst/>
+              <a:uLnTx/>
+              <a:uFillTx/>
+            </a:endParaRPr>
+          </a:p>
+        </p:txBody>
+      </p:sp>
+      <p:pic>
+        <p:nvPicPr>
+          <p:cNvPr id="20" name="그림 19">
+            <a:extLst>
+              <a:ext uri="{FF2B5EF4-FFF2-40B4-BE49-F238E27FC236}">
+                <a16:creationId xmlns:a16="http://schemas.microsoft.com/office/drawing/2014/main" id="{A87EDB79-AE8E-46E3-B956-281C41A7ED3A}"/>
+              </a:ext>
+            </a:extLst>
+          </p:cNvPr>
+          <p:cNvPicPr>
+            <a:picLocks noChangeAspect="1"/>
+          </p:cNvPicPr>
+          <p:nvPr/>
+        </p:nvPicPr>
+        <p:blipFill rotWithShape="1">
+          <a:blip r:embed="rId2">
+            <a:extLst>
+              <a:ext uri="{28A0092B-C50C-407E-A947-70E740481C1C}">
+                <a14:useLocalDpi xmlns:a14="http://schemas.microsoft.com/office/drawing/2010/main" val="0"/>
+              </a:ext>
+            </a:extLst>
+          </a:blip>
+          <a:srcRect l="74535" t="3851" r="5686" b="50143"/>
+          <a:stretch/>
+        </p:blipFill>
+        <p:spPr>
+          <a:xfrm>
+            <a:off x="10225454" y="6479121"/>
+            <a:ext cx="703142" cy="304214"/>
+          </a:xfrm>
+          <a:prstGeom prst="rect">
+            <a:avLst/>
+          </a:prstGeom>
+        </p:spPr>
+      </p:pic>
+      <p:sp>
+        <p:nvSpPr>
+          <p:cNvPr id="13" name="TextBox 12">
+            <a:extLst>
+              <a:ext uri="{FF2B5EF4-FFF2-40B4-BE49-F238E27FC236}">
+                <a16:creationId xmlns:a16="http://schemas.microsoft.com/office/drawing/2014/main" id="{55B229C4-D60A-E3E6-E983-CFF5F9667609}"/>
               </a:ext>
             </a:extLst>
           </p:cNvPr>
@@ -5670,8 +6947,8 @@
         </p:nvSpPr>
         <p:spPr>
           <a:xfrm>
-            <a:off x="876464" y="2983167"/>
-            <a:ext cx="5070555" cy="1700787"/>
+            <a:off x="430249" y="1371599"/>
+            <a:ext cx="11195694" cy="3726148"/>
           </a:xfrm>
           <a:prstGeom prst="rect">
             <a:avLst/>
@@ -5679,12 +6956,12 @@
           <a:noFill/>
         </p:spPr>
         <p:txBody>
-          <a:bodyPr wrap="none" rtlCol="0">
+          <a:bodyPr wrap="square" rtlCol="0">
             <a:spAutoFit/>
           </a:bodyPr>
           <a:lstStyle/>
           <a:p>
-            <a:pPr marL="285750" indent="-285750">
+            <a:pPr marL="342900" indent="-342900">
               <a:lnSpc>
                 <a:spcPct val="150000"/>
               </a:lnSpc>
@@ -5692,25 +6969,35 @@
               <a:buChar char="-"/>
             </a:pPr>
             <a:r>
-              <a:rPr lang="en-US" altLang="ko-KR" b="1"/>
-              <a:t>ATT-LSTM ( Long Short – Term Memory )</a:t>
-            </a:r>
-          </a:p>
-          <a:p>
-            <a:pPr marL="285750" indent="-285750">
+              <a:rPr lang="ko-KR" altLang="en-US" sz="2000">
+                <a:effectLst/>
+              </a:rPr>
+              <a:t>시스템의 효과적인 운영 계획을 수립하기 위해 기계학습 기반의 </a:t>
+            </a:r>
+            <a:r>
+              <a:rPr lang="ko-KR" altLang="en-US" sz="2000" b="1">
+                <a:effectLst/>
+              </a:rPr>
+              <a:t>일사량 예측 모델 구성에 관한 사례를 소개</a:t>
+            </a:r>
+            <a:endParaRPr lang="en-US" altLang="ko-KR" sz="2000" b="1">
+              <a:effectLst/>
+            </a:endParaRPr>
+          </a:p>
+          <a:p>
+            <a:pPr marL="342900" indent="-342900">
               <a:lnSpc>
                 <a:spcPct val="150000"/>
               </a:lnSpc>
               <a:buFontTx/>
               <a:buChar char="-"/>
             </a:pPr>
-            <a:r>
-              <a:rPr lang="en-US" altLang="ko-KR"/>
-              <a:t>LSTM ( Long Short – Term Memory )</a:t>
-            </a:r>
-          </a:p>
-          <a:p>
-            <a:pPr marL="285750" indent="-285750">
+            <a:endParaRPr lang="en-US" altLang="ko-KR" sz="2000">
+              <a:effectLst/>
+            </a:endParaRPr>
+          </a:p>
+          <a:p>
+            <a:pPr marL="342900" indent="-342900">
               <a:lnSpc>
                 <a:spcPct val="150000"/>
               </a:lnSpc>
@@ -5718,89 +7005,65 @@
               <a:buChar char="-"/>
             </a:pPr>
             <a:r>
-              <a:rPr lang="en-US" altLang="ko-KR"/>
-              <a:t>SNN ( Spiking neural network )</a:t>
-            </a:r>
-          </a:p>
-          <a:p>
-            <a:pPr marL="285750" indent="-285750">
+              <a:rPr lang="ko-KR" altLang="en-US" sz="2000" b="1">
+                <a:effectLst/>
+              </a:rPr>
+              <a:t>앙상블 학습 기법은 우수한 예측 성능</a:t>
+            </a:r>
+            <a:r>
+              <a:rPr lang="ko-KR" altLang="en-US" sz="2000">
+                <a:effectLst/>
+              </a:rPr>
+              <a:t>을 도출할 수 있을 뿐만 아니라 </a:t>
+            </a:r>
+            <a:r>
+              <a:rPr lang="ko-KR" altLang="en-US" sz="2000" b="1">
+                <a:effectLst/>
+              </a:rPr>
+              <a:t>변수 중요도</a:t>
+            </a:r>
+            <a:r>
+              <a:rPr lang="ko-KR" altLang="en-US" sz="2000">
+                <a:effectLst/>
+              </a:rPr>
+              <a:t>를 통해 어떤 독립변수가 모델 구성에 중요한지를 </a:t>
+            </a:r>
+            <a:r>
+              <a:rPr lang="ko-KR" altLang="en-US" sz="2000" b="1">
+                <a:effectLst/>
+              </a:rPr>
+              <a:t>해석</a:t>
+            </a:r>
+            <a:r>
+              <a:rPr lang="ko-KR" altLang="en-US" sz="2000">
+                <a:effectLst/>
+              </a:rPr>
+              <a:t>할 수 있다는 </a:t>
+            </a:r>
+            <a:r>
+              <a:rPr lang="ko-KR" altLang="en-US" sz="2000" b="1">
+                <a:effectLst/>
+              </a:rPr>
+              <a:t>장점</a:t>
+            </a:r>
+            <a:endParaRPr lang="en-US" altLang="ko-KR" sz="2000" b="1">
+              <a:effectLst/>
+            </a:endParaRPr>
+          </a:p>
+          <a:p>
+            <a:pPr marL="342900" indent="-342900">
               <a:lnSpc>
                 <a:spcPct val="150000"/>
               </a:lnSpc>
               <a:buFontTx/>
               <a:buChar char="-"/>
             </a:pPr>
-            <a:r>
-              <a:rPr lang="en-US" altLang="ko-KR"/>
-              <a:t>DNN ( Deep Neural Network )</a:t>
-            </a:r>
-          </a:p>
-        </p:txBody>
-      </p:sp>
-      <p:sp>
-        <p:nvSpPr>
-          <p:cNvPr id="5" name="TextBox 4">
-            <a:extLst>
-              <a:ext uri="{FF2B5EF4-FFF2-40B4-BE49-F238E27FC236}">
-                <a16:creationId xmlns:a16="http://schemas.microsoft.com/office/drawing/2014/main" id="{CF63EB62-FE78-5BAB-6ABC-7EBB3D0B4BD8}"/>
-              </a:ext>
-            </a:extLst>
-          </p:cNvPr>
-          <p:cNvSpPr txBox="1"/>
-          <p:nvPr/>
-        </p:nvSpPr>
-        <p:spPr>
-          <a:xfrm>
-            <a:off x="434624" y="1242065"/>
-            <a:ext cx="877163" cy="369332"/>
-          </a:xfrm>
-          <a:prstGeom prst="rect">
-            <a:avLst/>
-          </a:prstGeom>
-          <a:noFill/>
-        </p:spPr>
-        <p:txBody>
-          <a:bodyPr wrap="none" rtlCol="0">
-            <a:spAutoFit/>
-          </a:bodyPr>
-          <a:lstStyle/>
-          <a:p>
-            <a:r>
-              <a:rPr lang="ko-KR" altLang="en-US" b="1"/>
-              <a:t>데이터</a:t>
-            </a:r>
-          </a:p>
-        </p:txBody>
-      </p:sp>
-      <p:sp>
-        <p:nvSpPr>
-          <p:cNvPr id="6" name="TextBox 5">
-            <a:extLst>
-              <a:ext uri="{FF2B5EF4-FFF2-40B4-BE49-F238E27FC236}">
-                <a16:creationId xmlns:a16="http://schemas.microsoft.com/office/drawing/2014/main" id="{AB691F72-DF64-A8A0-E6BA-43D1B13ECEE1}"/>
-              </a:ext>
-            </a:extLst>
-          </p:cNvPr>
-          <p:cNvSpPr txBox="1"/>
-          <p:nvPr/>
-        </p:nvSpPr>
-        <p:spPr>
-          <a:xfrm>
-            <a:off x="727172" y="1570427"/>
-            <a:ext cx="6093335" cy="869790"/>
-          </a:xfrm>
-          <a:prstGeom prst="rect">
-            <a:avLst/>
-          </a:prstGeom>
-          <a:noFill/>
-        </p:spPr>
-        <p:txBody>
-          <a:bodyPr wrap="none" rtlCol="0">
-            <a:spAutoFit/>
-          </a:bodyPr>
-          <a:lstStyle/>
-          <a:p>
-            <a:pPr marL="285750" indent="-285750">
+            <a:endParaRPr lang="en-US" altLang="ko-KR" sz="2000">
+              <a:effectLst/>
+            </a:endParaRPr>
+          </a:p>
+          <a:p>
+            <a:pPr marL="342900" indent="-342900">
               <a:lnSpc>
                 <a:spcPct val="150000"/>
               </a:lnSpc>
@@ -5808,59 +7071,358 @@
               <a:buChar char="-"/>
             </a:pPr>
             <a:r>
-              <a:rPr lang="ko-KR" altLang="en-US"/>
-              <a:t>제주도 두 지역</a:t>
-            </a:r>
-            <a:r>
-              <a:rPr lang="en-US" altLang="ko-KR"/>
-              <a:t>, </a:t>
-            </a:r>
-            <a:r>
-              <a:rPr lang="ko-KR" altLang="en-US"/>
-              <a:t>기상자료개방포털의 기상요인 데이터</a:t>
-            </a:r>
-            <a:endParaRPr lang="en-US" altLang="ko-KR"/>
-          </a:p>
-          <a:p>
-            <a:pPr marL="285750" indent="-285750">
-              <a:lnSpc>
-                <a:spcPct val="150000"/>
-              </a:lnSpc>
-              <a:buFontTx/>
-              <a:buChar char="-"/>
-            </a:pPr>
-            <a:r>
-              <a:rPr lang="en-US" altLang="ko-KR"/>
-              <a:t>2011</a:t>
-            </a:r>
-            <a:r>
-              <a:rPr lang="ko-KR" altLang="en-US"/>
-              <a:t>년 </a:t>
-            </a:r>
-            <a:r>
-              <a:rPr lang="en-US" altLang="ko-KR"/>
-              <a:t>2018</a:t>
-            </a:r>
-            <a:r>
-              <a:rPr lang="ko-KR" altLang="en-US"/>
-              <a:t>년 총 </a:t>
-            </a:r>
-            <a:r>
-              <a:rPr lang="en-US" altLang="ko-KR"/>
-              <a:t>8</a:t>
-            </a:r>
-            <a:r>
-              <a:rPr lang="ko-KR" altLang="en-US"/>
-              <a:t>년</a:t>
-            </a:r>
-            <a:endParaRPr lang="en-US" altLang="ko-KR"/>
+              <a:rPr lang="ko-KR" altLang="en-US" sz="2000" b="1">
+                <a:effectLst/>
+              </a:rPr>
+              <a:t>심층 학습</a:t>
+            </a:r>
+            <a:r>
+              <a:rPr lang="ko-KR" altLang="en-US" sz="2000">
+                <a:effectLst/>
+              </a:rPr>
+              <a:t>은 이미지와 같이 테이블형식이 아닌 데이터에서도 </a:t>
+            </a:r>
+            <a:r>
+              <a:rPr lang="ko-KR" altLang="en-US" sz="2000" b="1">
+                <a:effectLst/>
+              </a:rPr>
+              <a:t>특징을 추출하여 정확한 일사량 예측을 수행</a:t>
+            </a:r>
+            <a:r>
+              <a:rPr lang="ko-KR" altLang="en-US" sz="2000">
+                <a:effectLst/>
+              </a:rPr>
+              <a:t>할 수 있음을 </a:t>
+            </a:r>
+            <a:r>
+              <a:rPr lang="ko-KR" altLang="en-US" sz="2000" b="1">
+                <a:effectLst/>
+              </a:rPr>
+              <a:t>확인</a:t>
+            </a:r>
+            <a:endParaRPr lang="ko-KR" altLang="en-US" sz="2000" b="1"/>
           </a:p>
         </p:txBody>
       </p:sp>
+      <p:pic>
+        <p:nvPicPr>
+          <p:cNvPr id="2" name="그림 1">
+            <a:extLst>
+              <a:ext uri="{FF2B5EF4-FFF2-40B4-BE49-F238E27FC236}">
+                <a16:creationId xmlns:a16="http://schemas.microsoft.com/office/drawing/2014/main" id="{77EA85B4-4F8D-1FC3-F5FE-16B12D0B23CF}"/>
+              </a:ext>
+            </a:extLst>
+          </p:cNvPr>
+          <p:cNvPicPr>
+            <a:picLocks noChangeAspect="1"/>
+          </p:cNvPicPr>
+          <p:nvPr/>
+        </p:nvPicPr>
+        <p:blipFill>
+          <a:blip r:embed="rId3" cstate="hqprint">
+            <a:extLst>
+              <a:ext uri="{28A0092B-C50C-407E-A947-70E740481C1C}">
+                <a14:useLocalDpi xmlns:a14="http://schemas.microsoft.com/office/drawing/2010/main" val="0"/>
+              </a:ext>
+            </a:extLst>
+          </a:blip>
+          <a:stretch>
+            <a:fillRect/>
+          </a:stretch>
+        </p:blipFill>
+        <p:spPr>
+          <a:xfrm>
+            <a:off x="10928596" y="6521112"/>
+            <a:ext cx="1142740" cy="220232"/>
+          </a:xfrm>
+          <a:prstGeom prst="rect">
+            <a:avLst/>
+          </a:prstGeom>
+        </p:spPr>
+      </p:pic>
     </p:spTree>
     <p:extLst>
       <p:ext uri="{BB962C8B-B14F-4D97-AF65-F5344CB8AC3E}">
-        <p14:creationId xmlns:p14="http://schemas.microsoft.com/office/powerpoint/2010/main" val="3167491661"/>
+        <p14:creationId xmlns:p14="http://schemas.microsoft.com/office/powerpoint/2010/main" val="4126836440"/>
+      </p:ext>
+    </p:extLst>
+  </p:cSld>
+  <p:clrMapOvr>
+    <a:masterClrMapping/>
+  </p:clrMapOvr>
+</p:sld>
+</file>
+
+<file path=ppt/slides/slide16.xml><?xml version="1.0" encoding="utf-8"?>
+<p:sld xmlns:a="http://schemas.openxmlformats.org/drawingml/2006/main" xmlns:r="http://schemas.openxmlformats.org/officeDocument/2006/relationships" xmlns:p="http://schemas.openxmlformats.org/presentationml/2006/main">
+  <p:cSld>
+    <p:spTree>
+      <p:nvGrpSpPr>
+        <p:cNvPr id="1" name=""/>
+        <p:cNvGrpSpPr/>
+        <p:nvPr/>
+      </p:nvGrpSpPr>
+      <p:grpSpPr>
+        <a:xfrm>
+          <a:off x="0" y="0"/>
+          <a:ext cx="0" cy="0"/>
+          <a:chOff x="0" y="0"/>
+          <a:chExt cx="0" cy="0"/>
+        </a:xfrm>
+      </p:grpSpPr>
+      <p:sp>
+        <p:nvSpPr>
+          <p:cNvPr id="15" name="object 2">
+            <a:extLst>
+              <a:ext uri="{FF2B5EF4-FFF2-40B4-BE49-F238E27FC236}">
+                <a16:creationId xmlns:a16="http://schemas.microsoft.com/office/drawing/2014/main" id="{63B42C9C-96BB-4869-81D8-DBA87F4A50BB}"/>
+              </a:ext>
+            </a:extLst>
+          </p:cNvPr>
+          <p:cNvSpPr txBox="1">
+            <a:spLocks/>
+          </p:cNvSpPr>
+          <p:nvPr/>
+        </p:nvSpPr>
+        <p:spPr>
+          <a:xfrm>
+            <a:off x="492575" y="391668"/>
+            <a:ext cx="12678302" cy="505267"/>
+          </a:xfrm>
+          <a:prstGeom prst="rect">
+            <a:avLst/>
+          </a:prstGeom>
+        </p:spPr>
+        <p:txBody>
+          <a:bodyPr vert="horz" wrap="square" lIns="0" tIns="12700" rIns="0" bIns="0" rtlCol="0">
+            <a:spAutoFit/>
+          </a:bodyPr>
+          <a:lstStyle>
+            <a:lvl1pPr>
+              <a:defRPr sz="3600" b="1" i="0">
+                <a:solidFill>
+                  <a:schemeClr val="tx1"/>
+                </a:solidFill>
+                <a:latin typeface="Malgun Gothic"/>
+                <a:ea typeface="+mj-ea"/>
+                <a:cs typeface="Malgun Gothic"/>
+              </a:defRPr>
+            </a:lvl1pPr>
+          </a:lstStyle>
+          <a:p>
+            <a:pPr marL="12700" marR="0" lvl="0" indent="0" defTabSz="914400" eaLnBrk="1" fontAlgn="auto" latinLnBrk="0" hangingPunct="1">
+              <a:lnSpc>
+                <a:spcPct val="100000"/>
+              </a:lnSpc>
+              <a:spcBef>
+                <a:spcPts val="100"/>
+              </a:spcBef>
+              <a:spcAft>
+                <a:spcPts val="0"/>
+              </a:spcAft>
+              <a:buClrTx/>
+              <a:buSzTx/>
+              <a:buFontTx/>
+              <a:buNone/>
+              <a:tabLst>
+                <a:tab pos="967740" algn="l"/>
+              </a:tabLst>
+              <a:defRPr/>
+            </a:pPr>
+            <a:r>
+              <a:rPr lang="ko-KR" altLang="en-US" sz="3200" kern="0" spc="-25">
+                <a:solidFill>
+                  <a:srgbClr val="001F60"/>
+                </a:solidFill>
+                <a:latin typeface="맑은 고딕" panose="020B0503020000020004" pitchFamily="50" charset="-127"/>
+                <a:ea typeface="맑은 고딕" panose="020B0503020000020004" pitchFamily="50" charset="-127"/>
+              </a:rPr>
+              <a:t>감사합니다</a:t>
+            </a:r>
+            <a:r>
+              <a:rPr lang="en-US" altLang="ko-KR" sz="3200" kern="0" spc="-25">
+                <a:solidFill>
+                  <a:srgbClr val="001F60"/>
+                </a:solidFill>
+                <a:latin typeface="맑은 고딕" panose="020B0503020000020004" pitchFamily="50" charset="-127"/>
+                <a:ea typeface="맑은 고딕" panose="020B0503020000020004" pitchFamily="50" charset="-127"/>
+              </a:rPr>
+              <a:t>.</a:t>
+            </a:r>
+            <a:endParaRPr kumimoji="0" lang="ko-KR" altLang="en-US" sz="1500" b="1" i="0" u="none" strike="noStrike" kern="0" cap="none" spc="0" normalizeH="0" baseline="0" noProof="0" dirty="0">
+              <a:ln>
+                <a:noFill/>
+              </a:ln>
+              <a:solidFill>
+                <a:sysClr val="windowText" lastClr="000000"/>
+              </a:solidFill>
+              <a:effectLst/>
+              <a:uLnTx/>
+              <a:uFillTx/>
+              <a:latin typeface="Malgun Gothic"/>
+              <a:ea typeface="맑은 고딕" panose="020B0503020000020004" pitchFamily="50" charset="-127"/>
+            </a:endParaRPr>
+          </a:p>
+        </p:txBody>
+      </p:sp>
+      <p:sp>
+        <p:nvSpPr>
+          <p:cNvPr id="19" name="object 6">
+            <a:extLst>
+              <a:ext uri="{FF2B5EF4-FFF2-40B4-BE49-F238E27FC236}">
+                <a16:creationId xmlns:a16="http://schemas.microsoft.com/office/drawing/2014/main" id="{C73C25E3-E198-4627-994A-E730949EA465}"/>
+              </a:ext>
+            </a:extLst>
+          </p:cNvPr>
+          <p:cNvSpPr/>
+          <p:nvPr/>
+        </p:nvSpPr>
+        <p:spPr>
+          <a:xfrm>
+            <a:off x="430250" y="985061"/>
+            <a:ext cx="11353800" cy="45720"/>
+          </a:xfrm>
+          <a:custGeom>
+            <a:avLst/>
+            <a:gdLst/>
+            <a:ahLst/>
+            <a:cxnLst/>
+            <a:rect l="l" t="t" r="r" b="b"/>
+            <a:pathLst>
+              <a:path w="11353800" h="45719">
+                <a:moveTo>
+                  <a:pt x="11353800" y="0"/>
+                </a:moveTo>
+                <a:lnTo>
+                  <a:pt x="0" y="0"/>
+                </a:lnTo>
+                <a:lnTo>
+                  <a:pt x="0" y="45718"/>
+                </a:lnTo>
+                <a:lnTo>
+                  <a:pt x="11353800" y="45718"/>
+                </a:lnTo>
+                <a:lnTo>
+                  <a:pt x="11353800" y="0"/>
+                </a:lnTo>
+                <a:close/>
+              </a:path>
+            </a:pathLst>
+          </a:custGeom>
+          <a:solidFill>
+            <a:srgbClr val="0C3F8B"/>
+          </a:solidFill>
+        </p:spPr>
+        <p:txBody>
+          <a:bodyPr wrap="square" lIns="0" tIns="0" rIns="0" bIns="0" rtlCol="0"/>
+          <a:lstStyle/>
+          <a:p>
+            <a:pPr marL="0" marR="0" lvl="0" indent="0" defTabSz="914400" eaLnBrk="1" fontAlgn="auto" latinLnBrk="0" hangingPunct="1">
+              <a:lnSpc>
+                <a:spcPct val="100000"/>
+              </a:lnSpc>
+              <a:spcBef>
+                <a:spcPts val="0"/>
+              </a:spcBef>
+              <a:spcAft>
+                <a:spcPts val="0"/>
+              </a:spcAft>
+              <a:buClrTx/>
+              <a:buSzTx/>
+              <a:buFontTx/>
+              <a:buNone/>
+              <a:tabLst/>
+              <a:defRPr/>
+            </a:pPr>
+            <a:endParaRPr kumimoji="0" sz="1800" b="0" i="0" u="none" strike="noStrike" kern="0" cap="none" spc="0" normalizeH="0" baseline="0" noProof="0">
+              <a:ln>
+                <a:noFill/>
+              </a:ln>
+              <a:solidFill>
+                <a:sysClr val="windowText" lastClr="000000"/>
+              </a:solidFill>
+              <a:effectLst/>
+              <a:uLnTx/>
+              <a:uFillTx/>
+            </a:endParaRPr>
+          </a:p>
+        </p:txBody>
+      </p:sp>
+      <p:pic>
+        <p:nvPicPr>
+          <p:cNvPr id="20" name="그림 19">
+            <a:extLst>
+              <a:ext uri="{FF2B5EF4-FFF2-40B4-BE49-F238E27FC236}">
+                <a16:creationId xmlns:a16="http://schemas.microsoft.com/office/drawing/2014/main" id="{A87EDB79-AE8E-46E3-B956-281C41A7ED3A}"/>
+              </a:ext>
+            </a:extLst>
+          </p:cNvPr>
+          <p:cNvPicPr>
+            <a:picLocks noChangeAspect="1"/>
+          </p:cNvPicPr>
+          <p:nvPr/>
+        </p:nvPicPr>
+        <p:blipFill rotWithShape="1">
+          <a:blip r:embed="rId2">
+            <a:extLst>
+              <a:ext uri="{28A0092B-C50C-407E-A947-70E740481C1C}">
+                <a14:useLocalDpi xmlns:a14="http://schemas.microsoft.com/office/drawing/2010/main" val="0"/>
+              </a:ext>
+            </a:extLst>
+          </a:blip>
+          <a:srcRect l="74535" t="3851" r="5686" b="50143"/>
+          <a:stretch/>
+        </p:blipFill>
+        <p:spPr>
+          <a:xfrm>
+            <a:off x="10225454" y="6479121"/>
+            <a:ext cx="703142" cy="304214"/>
+          </a:xfrm>
+          <a:prstGeom prst="rect">
+            <a:avLst/>
+          </a:prstGeom>
+        </p:spPr>
+      </p:pic>
+      <p:pic>
+        <p:nvPicPr>
+          <p:cNvPr id="2" name="그림 1">
+            <a:extLst>
+              <a:ext uri="{FF2B5EF4-FFF2-40B4-BE49-F238E27FC236}">
+                <a16:creationId xmlns:a16="http://schemas.microsoft.com/office/drawing/2014/main" id="{1F5ED937-718D-ECF2-E331-FDACBA9D96B6}"/>
+              </a:ext>
+            </a:extLst>
+          </p:cNvPr>
+          <p:cNvPicPr>
+            <a:picLocks noChangeAspect="1"/>
+          </p:cNvPicPr>
+          <p:nvPr/>
+        </p:nvPicPr>
+        <p:blipFill>
+          <a:blip r:embed="rId3" cstate="hqprint">
+            <a:extLst>
+              <a:ext uri="{28A0092B-C50C-407E-A947-70E740481C1C}">
+                <a14:useLocalDpi xmlns:a14="http://schemas.microsoft.com/office/drawing/2010/main" val="0"/>
+              </a:ext>
+            </a:extLst>
+          </a:blip>
+          <a:stretch>
+            <a:fillRect/>
+          </a:stretch>
+        </p:blipFill>
+        <p:spPr>
+          <a:xfrm>
+            <a:off x="10928596" y="6521112"/>
+            <a:ext cx="1142740" cy="220232"/>
+          </a:xfrm>
+          <a:prstGeom prst="rect">
+            <a:avLst/>
+          </a:prstGeom>
+        </p:spPr>
+      </p:pic>
+    </p:spTree>
+    <p:extLst>
+      <p:ext uri="{BB962C8B-B14F-4D97-AF65-F5344CB8AC3E}">
+        <p14:creationId xmlns:p14="http://schemas.microsoft.com/office/powerpoint/2010/main" val="2018463552"/>
       </p:ext>
     </p:extLst>
   </p:cSld>
@@ -6168,7 +7730,7 @@
         <p:spPr>
           <a:xfrm>
             <a:off x="430249" y="1371599"/>
-            <a:ext cx="1635943" cy="3033651"/>
+            <a:ext cx="3983131" cy="4649478"/>
           </a:xfrm>
           <a:prstGeom prst="rect">
             <a:avLst/>
@@ -6183,7 +7745,7 @@
           <a:p>
             <a:pPr marL="342900" indent="-342900">
               <a:lnSpc>
-                <a:spcPct val="250000"/>
+                <a:spcPct val="150000"/>
               </a:lnSpc>
               <a:buAutoNum type="arabicPeriod"/>
             </a:pPr>
@@ -6196,7 +7758,7 @@
           <a:p>
             <a:pPr marL="342900" indent="-342900">
               <a:lnSpc>
-                <a:spcPct val="250000"/>
+                <a:spcPct val="150000"/>
               </a:lnSpc>
               <a:buAutoNum type="arabicPeriod"/>
             </a:pPr>
@@ -6209,7 +7771,7 @@
           <a:p>
             <a:pPr marL="342900" indent="-342900">
               <a:lnSpc>
-                <a:spcPct val="250000"/>
+                <a:spcPct val="150000"/>
               </a:lnSpc>
               <a:buAutoNum type="arabicPeriod"/>
             </a:pPr>
@@ -6220,9 +7782,110 @@
             <a:endParaRPr lang="en-US" altLang="ko-KR" sz="2000"/>
           </a:p>
           <a:p>
+            <a:pPr marL="800100" lvl="1" indent="-342900">
+              <a:lnSpc>
+                <a:spcPct val="150000"/>
+              </a:lnSpc>
+              <a:buAutoNum type="arabicPeriod"/>
+            </a:pPr>
+            <a:r>
+              <a:rPr lang="ko-KR" altLang="en-US" sz="2000"/>
+              <a:t>논문</a:t>
+            </a:r>
+            <a:r>
+              <a:rPr lang="en-US" altLang="ko-KR" sz="2000"/>
+              <a:t>1</a:t>
+            </a:r>
+          </a:p>
+          <a:p>
+            <a:pPr marL="800100" lvl="1" indent="-342900">
+              <a:lnSpc>
+                <a:spcPct val="150000"/>
+              </a:lnSpc>
+              <a:buFontTx/>
+              <a:buAutoNum type="arabicPeriod"/>
+            </a:pPr>
+            <a:r>
+              <a:rPr lang="ko-KR" altLang="en-US" sz="2000"/>
+              <a:t>논문</a:t>
+            </a:r>
+            <a:r>
+              <a:rPr lang="en-US" altLang="ko-KR" sz="2000"/>
+              <a:t>2</a:t>
+            </a:r>
+          </a:p>
+          <a:p>
+            <a:pPr marL="800100" lvl="1" indent="-342900">
+              <a:lnSpc>
+                <a:spcPct val="150000"/>
+              </a:lnSpc>
+              <a:buFontTx/>
+              <a:buAutoNum type="arabicPeriod"/>
+            </a:pPr>
+            <a:r>
+              <a:rPr lang="ko-KR" altLang="en-US" sz="2000"/>
+              <a:t>특허</a:t>
+            </a:r>
+            <a:r>
+              <a:rPr lang="en-US" altLang="ko-KR" sz="2000"/>
+              <a:t>3</a:t>
+            </a:r>
+          </a:p>
+          <a:p>
+            <a:pPr marL="800100" lvl="1" indent="-342900">
+              <a:lnSpc>
+                <a:spcPct val="150000"/>
+              </a:lnSpc>
+              <a:buFontTx/>
+              <a:buAutoNum type="arabicPeriod"/>
+            </a:pPr>
+            <a:r>
+              <a:rPr lang="ko-KR" altLang="en-US" sz="2000"/>
+              <a:t>논문</a:t>
+            </a:r>
+            <a:r>
+              <a:rPr lang="en-US" altLang="ko-KR" sz="2000"/>
+              <a:t>4</a:t>
+            </a:r>
+          </a:p>
+          <a:p>
+            <a:pPr marL="800100" lvl="1" indent="-342900">
+              <a:lnSpc>
+                <a:spcPct val="150000"/>
+              </a:lnSpc>
+              <a:buFontTx/>
+              <a:buAutoNum type="arabicPeriod"/>
+            </a:pPr>
+            <a:r>
+              <a:rPr lang="ko-KR" altLang="en-US" sz="2000"/>
+              <a:t>논문</a:t>
+            </a:r>
+            <a:r>
+              <a:rPr lang="en-US" altLang="ko-KR" sz="2000"/>
+              <a:t>5</a:t>
+            </a:r>
+          </a:p>
+          <a:p>
+            <a:pPr marL="800100" lvl="1" indent="-342900">
+              <a:lnSpc>
+                <a:spcPct val="150000"/>
+              </a:lnSpc>
+              <a:buFontTx/>
+              <a:buAutoNum type="arabicPeriod"/>
+            </a:pPr>
+            <a:r>
+              <a:rPr lang="ko-KR" altLang="en-US" sz="2000"/>
+              <a:t>특허</a:t>
+            </a:r>
+            <a:r>
+              <a:rPr lang="en-US" altLang="ko-KR" sz="2000"/>
+              <a:t>6</a:t>
+            </a:r>
+          </a:p>
+          <a:p>
             <a:pPr marL="342900" indent="-342900">
               <a:lnSpc>
-                <a:spcPct val="250000"/>
+                <a:spcPct val="150000"/>
               </a:lnSpc>
               <a:buAutoNum type="arabicPeriod"/>
             </a:pPr>
@@ -8758,8 +10421,8 @@
         </p:nvSpPr>
         <p:spPr>
           <a:xfrm>
-            <a:off x="957789" y="1740323"/>
-            <a:ext cx="6849780" cy="487506"/>
+            <a:off x="957789" y="1715948"/>
+            <a:ext cx="6849780" cy="536257"/>
           </a:xfrm>
           <a:prstGeom prst="rect">
             <a:avLst/>
@@ -10655,222 +12318,300 @@
           </p:spPr>
         </p:pic>
       </p:grpSp>
-      <p:sp>
-        <p:nvSpPr>
-          <p:cNvPr id="3" name="TextBox 2">
-            <a:extLst>
-              <a:ext uri="{FF2B5EF4-FFF2-40B4-BE49-F238E27FC236}">
-                <a16:creationId xmlns:a16="http://schemas.microsoft.com/office/drawing/2014/main" id="{715256BA-C9F5-C9BB-8E4F-24578961A48D}"/>
-              </a:ext>
-            </a:extLst>
-          </p:cNvPr>
-          <p:cNvSpPr txBox="1"/>
+      <p:grpSp>
+        <p:nvGrpSpPr>
+          <p:cNvPr id="8" name="그룹 7">
+            <a:extLst>
+              <a:ext uri="{FF2B5EF4-FFF2-40B4-BE49-F238E27FC236}">
+                <a16:creationId xmlns:a16="http://schemas.microsoft.com/office/drawing/2014/main" id="{62E07B1E-B177-9AFC-E7BE-5B7D817BAC18}"/>
+              </a:ext>
+            </a:extLst>
+          </p:cNvPr>
+          <p:cNvGrpSpPr/>
           <p:nvPr/>
-        </p:nvSpPr>
+        </p:nvGrpSpPr>
+        <p:grpSpPr>
+          <a:xfrm>
+            <a:off x="430250" y="1233120"/>
+            <a:ext cx="6116633" cy="1650602"/>
+            <a:chOff x="430250" y="1233120"/>
+            <a:chExt cx="6116633" cy="1650602"/>
+          </a:xfrm>
+        </p:grpSpPr>
+        <p:sp>
+          <p:nvSpPr>
+            <p:cNvPr id="3" name="TextBox 2">
+              <a:extLst>
+                <a:ext uri="{FF2B5EF4-FFF2-40B4-BE49-F238E27FC236}">
+                  <a16:creationId xmlns:a16="http://schemas.microsoft.com/office/drawing/2014/main" id="{715256BA-C9F5-C9BB-8E4F-24578961A48D}"/>
+                </a:ext>
+              </a:extLst>
+            </p:cNvPr>
+            <p:cNvSpPr txBox="1"/>
+            <p:nvPr/>
+          </p:nvSpPr>
+          <p:spPr>
+            <a:xfrm>
+              <a:off x="430250" y="1233120"/>
+              <a:ext cx="2589170" cy="369332"/>
+            </a:xfrm>
+            <a:prstGeom prst="rect">
+              <a:avLst/>
+            </a:prstGeom>
+            <a:noFill/>
+          </p:spPr>
+          <p:txBody>
+            <a:bodyPr wrap="none" rtlCol="0">
+              <a:spAutoFit/>
+            </a:bodyPr>
+            <a:lstStyle/>
+            <a:p>
+              <a:r>
+                <a:rPr lang="ko-KR" altLang="en-US" b="1"/>
+                <a:t>일사량 예측 모델 구성</a:t>
+              </a:r>
+            </a:p>
+          </p:txBody>
+        </p:sp>
+        <p:sp>
+          <p:nvSpPr>
+            <p:cNvPr id="7" name="TextBox 6">
+              <a:extLst>
+                <a:ext uri="{FF2B5EF4-FFF2-40B4-BE49-F238E27FC236}">
+                  <a16:creationId xmlns:a16="http://schemas.microsoft.com/office/drawing/2014/main" id="{365A4A72-4240-F524-11FD-37957BE0E68C}"/>
+                </a:ext>
+              </a:extLst>
+            </p:cNvPr>
+            <p:cNvSpPr txBox="1"/>
+            <p:nvPr/>
+          </p:nvSpPr>
+          <p:spPr>
+            <a:xfrm>
+              <a:off x="792487" y="1598434"/>
+              <a:ext cx="5754396" cy="1285288"/>
+            </a:xfrm>
+            <a:prstGeom prst="rect">
+              <a:avLst/>
+            </a:prstGeom>
+            <a:noFill/>
+          </p:spPr>
+          <p:txBody>
+            <a:bodyPr wrap="none" rtlCol="0">
+              <a:spAutoFit/>
+            </a:bodyPr>
+            <a:lstStyle/>
+            <a:p>
+              <a:pPr marL="285750" indent="-285750">
+                <a:lnSpc>
+                  <a:spcPct val="150000"/>
+                </a:lnSpc>
+                <a:buFontTx/>
+                <a:buChar char="-"/>
+              </a:pPr>
+              <a:r>
+                <a:rPr lang="ko-KR" altLang="en-US" b="1"/>
+                <a:t>랜덤 포레스트 </a:t>
+              </a:r>
+              <a:r>
+                <a:rPr lang="en-US" altLang="ko-KR" b="1"/>
+                <a:t>( Random Forest RF )</a:t>
+              </a:r>
+            </a:p>
+            <a:p>
+              <a:pPr marL="285750" indent="-285750">
+                <a:lnSpc>
+                  <a:spcPct val="150000"/>
+                </a:lnSpc>
+                <a:buFontTx/>
+                <a:buChar char="-"/>
+              </a:pPr>
+              <a:r>
+                <a:rPr lang="ko-KR" altLang="en-US"/>
+                <a:t>서포트 벡터 머신 </a:t>
+              </a:r>
+              <a:r>
+                <a:rPr lang="en-US" altLang="ko-KR"/>
+                <a:t>( Support Vector Machine SVM )</a:t>
+              </a:r>
+            </a:p>
+            <a:p>
+              <a:pPr marL="285750" indent="-285750">
+                <a:lnSpc>
+                  <a:spcPct val="150000"/>
+                </a:lnSpc>
+                <a:buFontTx/>
+                <a:buChar char="-"/>
+              </a:pPr>
+              <a:r>
+                <a:rPr lang="ko-KR" altLang="en-US"/>
+                <a:t>인공 신경망</a:t>
+              </a:r>
+              <a:r>
+                <a:rPr lang="en-US" altLang="ko-KR"/>
+                <a:t> ( Artificial Neural Network ANN )</a:t>
+              </a:r>
+              <a:endParaRPr lang="en-US" altLang="ko-KR">
+                <a:effectLst/>
+              </a:endParaRPr>
+            </a:p>
+          </p:txBody>
+        </p:sp>
+      </p:grpSp>
+      <p:grpSp>
+        <p:nvGrpSpPr>
+          <p:cNvPr id="9" name="그룹 8">
+            <a:extLst>
+              <a:ext uri="{FF2B5EF4-FFF2-40B4-BE49-F238E27FC236}">
+                <a16:creationId xmlns:a16="http://schemas.microsoft.com/office/drawing/2014/main" id="{F8FFB5B7-133C-3261-9F7B-8727350DB27E}"/>
+              </a:ext>
+            </a:extLst>
+          </p:cNvPr>
+          <p:cNvGrpSpPr/>
+          <p:nvPr/>
+        </p:nvGrpSpPr>
+        <p:grpSpPr>
+          <a:xfrm>
+            <a:off x="492575" y="3634284"/>
+            <a:ext cx="7008058" cy="912712"/>
+            <a:chOff x="492575" y="4496793"/>
+            <a:chExt cx="7008058" cy="912712"/>
+          </a:xfrm>
+        </p:grpSpPr>
+        <p:sp>
+          <p:nvSpPr>
+            <p:cNvPr id="18" name="TextBox 17">
+              <a:extLst>
+                <a:ext uri="{FF2B5EF4-FFF2-40B4-BE49-F238E27FC236}">
+                  <a16:creationId xmlns:a16="http://schemas.microsoft.com/office/drawing/2014/main" id="{15740D47-B26C-122D-09E1-2FD808378E90}"/>
+                </a:ext>
+              </a:extLst>
+            </p:cNvPr>
+            <p:cNvSpPr txBox="1"/>
+            <p:nvPr/>
+          </p:nvSpPr>
+          <p:spPr>
+            <a:xfrm>
+              <a:off x="492575" y="4496793"/>
+              <a:ext cx="1420582" cy="369332"/>
+            </a:xfrm>
+            <a:prstGeom prst="rect">
+              <a:avLst/>
+            </a:prstGeom>
+            <a:noFill/>
+          </p:spPr>
+          <p:txBody>
+            <a:bodyPr wrap="none" rtlCol="0">
+              <a:spAutoFit/>
+            </a:bodyPr>
+            <a:lstStyle/>
+            <a:p>
+              <a:r>
+                <a:rPr lang="ko-KR" altLang="en-US" b="1"/>
+                <a:t>변수 중요도</a:t>
+              </a:r>
+            </a:p>
+          </p:txBody>
+        </p:sp>
+        <p:sp>
+          <p:nvSpPr>
+            <p:cNvPr id="28" name="TextBox 27">
+              <a:extLst>
+                <a:ext uri="{FF2B5EF4-FFF2-40B4-BE49-F238E27FC236}">
+                  <a16:creationId xmlns:a16="http://schemas.microsoft.com/office/drawing/2014/main" id="{19D9883C-4D9A-5E4E-8C6B-EDCC771A4792}"/>
+                </a:ext>
+              </a:extLst>
+            </p:cNvPr>
+            <p:cNvSpPr txBox="1"/>
+            <p:nvPr/>
+          </p:nvSpPr>
+          <p:spPr>
+            <a:xfrm>
+              <a:off x="860674" y="4955213"/>
+              <a:ext cx="6639959" cy="454292"/>
+            </a:xfrm>
+            <a:prstGeom prst="rect">
+              <a:avLst/>
+            </a:prstGeom>
+            <a:noFill/>
+          </p:spPr>
+          <p:txBody>
+            <a:bodyPr wrap="none" rtlCol="0">
+              <a:spAutoFit/>
+            </a:bodyPr>
+            <a:lstStyle/>
+            <a:p>
+              <a:pPr marL="285750" indent="-285750">
+                <a:lnSpc>
+                  <a:spcPct val="150000"/>
+                </a:lnSpc>
+                <a:buFontTx/>
+                <a:buChar char="-"/>
+              </a:pPr>
+              <a:r>
+                <a:rPr lang="ko-KR" altLang="en-US" b="1"/>
+                <a:t>습도</a:t>
+              </a:r>
+              <a:r>
+                <a:rPr lang="en-US" altLang="ko-KR" b="1"/>
+                <a:t>, </a:t>
+              </a:r>
+              <a:r>
+                <a:rPr lang="ko-KR" altLang="en-US" b="1"/>
+                <a:t>풍속</a:t>
+              </a:r>
+              <a:r>
+                <a:rPr lang="en-US" altLang="ko-KR" b="1"/>
+                <a:t>, </a:t>
+              </a:r>
+              <a:r>
+                <a:rPr lang="ko-KR" altLang="en-US" b="1"/>
+                <a:t>기온</a:t>
+              </a:r>
+              <a:r>
+                <a:rPr lang="ko-KR" altLang="en-US"/>
+                <a:t> 등이 일사량 예측 모델 구성에 중요한 변수</a:t>
+              </a:r>
+              <a:endParaRPr lang="en-US" altLang="ko-KR"/>
+            </a:p>
+          </p:txBody>
+        </p:sp>
+      </p:grpSp>
+      <p:pic>
+        <p:nvPicPr>
+          <p:cNvPr id="11" name="그림 10">
+            <a:extLst>
+              <a:ext uri="{FF2B5EF4-FFF2-40B4-BE49-F238E27FC236}">
+                <a16:creationId xmlns:a16="http://schemas.microsoft.com/office/drawing/2014/main" id="{8CC5C0E6-F0A1-A438-8E39-E124A8A1ABCE}"/>
+              </a:ext>
+            </a:extLst>
+          </p:cNvPr>
+          <p:cNvPicPr>
+            <a:picLocks noChangeAspect="1"/>
+          </p:cNvPicPr>
+          <p:nvPr/>
+        </p:nvPicPr>
+        <p:blipFill>
+          <a:blip r:embed="rId4">
+            <a:extLst>
+              <a:ext uri="{28A0092B-C50C-407E-A947-70E740481C1C}">
+                <a14:useLocalDpi xmlns:a14="http://schemas.microsoft.com/office/drawing/2010/main" val="0"/>
+              </a:ext>
+            </a:extLst>
+          </a:blip>
+          <a:stretch>
+            <a:fillRect/>
+          </a:stretch>
+        </p:blipFill>
         <p:spPr>
           <a:xfrm>
-            <a:off x="430250" y="1233120"/>
-            <a:ext cx="2589170" cy="369332"/>
+            <a:off x="7228785" y="2258684"/>
+            <a:ext cx="3955710" cy="2288312"/>
           </a:xfrm>
           <a:prstGeom prst="rect">
             <a:avLst/>
           </a:prstGeom>
-          <a:noFill/>
         </p:spPr>
-        <p:txBody>
-          <a:bodyPr wrap="none" rtlCol="0">
-            <a:spAutoFit/>
-          </a:bodyPr>
-          <a:lstStyle/>
-          <a:p>
-            <a:r>
-              <a:rPr lang="ko-KR" altLang="en-US" b="1"/>
-              <a:t>일사량 예측 모델 구성</a:t>
-            </a:r>
-          </a:p>
-        </p:txBody>
-      </p:sp>
-      <p:sp>
-        <p:nvSpPr>
-          <p:cNvPr id="7" name="TextBox 6">
-            <a:extLst>
-              <a:ext uri="{FF2B5EF4-FFF2-40B4-BE49-F238E27FC236}">
-                <a16:creationId xmlns:a16="http://schemas.microsoft.com/office/drawing/2014/main" id="{365A4A72-4240-F524-11FD-37957BE0E68C}"/>
-              </a:ext>
-            </a:extLst>
-          </p:cNvPr>
-          <p:cNvSpPr txBox="1"/>
-          <p:nvPr/>
-        </p:nvSpPr>
-        <p:spPr>
-          <a:xfrm>
-            <a:off x="792487" y="1598434"/>
-            <a:ext cx="5754396" cy="1285288"/>
-          </a:xfrm>
-          <a:prstGeom prst="rect">
-            <a:avLst/>
-          </a:prstGeom>
-          <a:noFill/>
-        </p:spPr>
-        <p:txBody>
-          <a:bodyPr wrap="none" rtlCol="0">
-            <a:spAutoFit/>
-          </a:bodyPr>
-          <a:lstStyle/>
-          <a:p>
-            <a:pPr marL="285750" indent="-285750">
-              <a:lnSpc>
-                <a:spcPct val="150000"/>
-              </a:lnSpc>
-              <a:buFontTx/>
-              <a:buChar char="-"/>
-            </a:pPr>
-            <a:r>
-              <a:rPr lang="ko-KR" altLang="en-US" b="1"/>
-              <a:t>랜덤 포레스트 </a:t>
-            </a:r>
-            <a:r>
-              <a:rPr lang="en-US" altLang="ko-KR" b="1"/>
-              <a:t>( Random Forest RF )</a:t>
-            </a:r>
-          </a:p>
-          <a:p>
-            <a:pPr marL="285750" indent="-285750">
-              <a:lnSpc>
-                <a:spcPct val="150000"/>
-              </a:lnSpc>
-              <a:buFontTx/>
-              <a:buChar char="-"/>
-            </a:pPr>
-            <a:r>
-              <a:rPr lang="ko-KR" altLang="en-US"/>
-              <a:t>서포트 벡터 머신 </a:t>
-            </a:r>
-            <a:r>
-              <a:rPr lang="en-US" altLang="ko-KR"/>
-              <a:t>( Support Vector Machine SVM )</a:t>
-            </a:r>
-          </a:p>
-          <a:p>
-            <a:pPr marL="285750" indent="-285750">
-              <a:lnSpc>
-                <a:spcPct val="150000"/>
-              </a:lnSpc>
-              <a:buFontTx/>
-              <a:buChar char="-"/>
-            </a:pPr>
-            <a:r>
-              <a:rPr lang="ko-KR" altLang="en-US"/>
-              <a:t>인공 신경망</a:t>
-            </a:r>
-            <a:r>
-              <a:rPr lang="en-US" altLang="ko-KR"/>
-              <a:t> ( Artificial Neural Network ANN )</a:t>
-            </a:r>
-            <a:endParaRPr lang="en-US" altLang="ko-KR">
-              <a:effectLst/>
-            </a:endParaRPr>
-          </a:p>
-        </p:txBody>
-      </p:sp>
-      <p:sp>
-        <p:nvSpPr>
-          <p:cNvPr id="18" name="TextBox 17">
-            <a:extLst>
-              <a:ext uri="{FF2B5EF4-FFF2-40B4-BE49-F238E27FC236}">
-                <a16:creationId xmlns:a16="http://schemas.microsoft.com/office/drawing/2014/main" id="{15740D47-B26C-122D-09E1-2FD808378E90}"/>
-              </a:ext>
-            </a:extLst>
-          </p:cNvPr>
-          <p:cNvSpPr txBox="1"/>
-          <p:nvPr/>
-        </p:nvSpPr>
-        <p:spPr>
-          <a:xfrm>
-            <a:off x="424388" y="3059668"/>
-            <a:ext cx="1420582" cy="369332"/>
-          </a:xfrm>
-          <a:prstGeom prst="rect">
-            <a:avLst/>
-          </a:prstGeom>
-          <a:noFill/>
-        </p:spPr>
-        <p:txBody>
-          <a:bodyPr wrap="none" rtlCol="0">
-            <a:spAutoFit/>
-          </a:bodyPr>
-          <a:lstStyle/>
-          <a:p>
-            <a:r>
-              <a:rPr lang="ko-KR" altLang="en-US" b="1"/>
-              <a:t>변수 중요도</a:t>
-            </a:r>
-          </a:p>
-        </p:txBody>
-      </p:sp>
-      <p:sp>
-        <p:nvSpPr>
-          <p:cNvPr id="28" name="TextBox 27">
-            <a:extLst>
-              <a:ext uri="{FF2B5EF4-FFF2-40B4-BE49-F238E27FC236}">
-                <a16:creationId xmlns:a16="http://schemas.microsoft.com/office/drawing/2014/main" id="{19D9883C-4D9A-5E4E-8C6B-EDCC771A4792}"/>
-              </a:ext>
-            </a:extLst>
-          </p:cNvPr>
-          <p:cNvSpPr txBox="1"/>
-          <p:nvPr/>
-        </p:nvSpPr>
-        <p:spPr>
-          <a:xfrm>
-            <a:off x="792487" y="3518088"/>
-            <a:ext cx="6639959" cy="454292"/>
-          </a:xfrm>
-          <a:prstGeom prst="rect">
-            <a:avLst/>
-          </a:prstGeom>
-          <a:noFill/>
-        </p:spPr>
-        <p:txBody>
-          <a:bodyPr wrap="none" rtlCol="0">
-            <a:spAutoFit/>
-          </a:bodyPr>
-          <a:lstStyle/>
-          <a:p>
-            <a:pPr marL="285750" indent="-285750">
-              <a:lnSpc>
-                <a:spcPct val="150000"/>
-              </a:lnSpc>
-              <a:buFontTx/>
-              <a:buChar char="-"/>
-            </a:pPr>
-            <a:r>
-              <a:rPr lang="ko-KR" altLang="en-US" b="1"/>
-              <a:t>습도</a:t>
-            </a:r>
-            <a:r>
-              <a:rPr lang="en-US" altLang="ko-KR" b="1"/>
-              <a:t>, </a:t>
-            </a:r>
-            <a:r>
-              <a:rPr lang="ko-KR" altLang="en-US" b="1"/>
-              <a:t>풍속</a:t>
-            </a:r>
-            <a:r>
-              <a:rPr lang="en-US" altLang="ko-KR" b="1"/>
-              <a:t>, </a:t>
-            </a:r>
-            <a:r>
-              <a:rPr lang="ko-KR" altLang="en-US" b="1"/>
-              <a:t>기온</a:t>
-            </a:r>
-            <a:r>
-              <a:rPr lang="ko-KR" altLang="en-US"/>
-              <a:t> 등이 일사량 예측 모델 구성에 중요한 변수</a:t>
-            </a:r>
-            <a:endParaRPr lang="en-US" altLang="ko-KR"/>
-          </a:p>
-        </p:txBody>
-      </p:sp>
+      </p:pic>
     </p:spTree>
     <p:extLst>
       <p:ext uri="{BB962C8B-B14F-4D97-AF65-F5344CB8AC3E}">
@@ -11400,6 +13141,42 @@
           </a:p>
         </p:txBody>
       </p:sp>
+      <p:pic>
+        <p:nvPicPr>
+          <p:cNvPr id="9" name="그림 8">
+            <a:extLst>
+              <a:ext uri="{FF2B5EF4-FFF2-40B4-BE49-F238E27FC236}">
+                <a16:creationId xmlns:a16="http://schemas.microsoft.com/office/drawing/2014/main" id="{79F0A642-3030-ABE9-D9F9-72EA46AE5635}"/>
+              </a:ext>
+            </a:extLst>
+          </p:cNvPr>
+          <p:cNvPicPr>
+            <a:picLocks noChangeAspect="1"/>
+          </p:cNvPicPr>
+          <p:nvPr/>
+        </p:nvPicPr>
+        <p:blipFill>
+          <a:blip r:embed="rId4">
+            <a:extLst>
+              <a:ext uri="{28A0092B-C50C-407E-A947-70E740481C1C}">
+                <a14:useLocalDpi xmlns:a14="http://schemas.microsoft.com/office/drawing/2010/main" val="0"/>
+              </a:ext>
+            </a:extLst>
+          </a:blip>
+          <a:stretch>
+            <a:fillRect/>
+          </a:stretch>
+        </p:blipFill>
+        <p:spPr>
+          <a:xfrm>
+            <a:off x="5752778" y="2632892"/>
+            <a:ext cx="5893837" cy="1592216"/>
+          </a:xfrm>
+          <a:prstGeom prst="rect">
+            <a:avLst/>
+          </a:prstGeom>
+        </p:spPr>
+      </p:pic>
     </p:spTree>
     <p:extLst>
       <p:ext uri="{BB962C8B-B14F-4D97-AF65-F5344CB8AC3E}">

--- a/KICS_PT/[KICS] 동향 poster.pptx
+++ b/KICS_PT/[KICS] 동향 poster.pptx
@@ -19,8 +19,7 @@
     <p:sldId id="285" r:id="rId13"/>
     <p:sldId id="286" r:id="rId14"/>
     <p:sldId id="287" r:id="rId15"/>
-    <p:sldId id="288" r:id="rId16"/>
-    <p:sldId id="289" r:id="rId17"/>
+    <p:sldId id="289" r:id="rId16"/>
   </p:sldIdLst>
   <p:sldSz cx="12192000" cy="6858000"/>
   <p:notesSz cx="6858000" cy="9144000"/>
@@ -4191,9 +4190,9 @@
         <p:grpSpPr>
           <a:xfrm>
             <a:off x="430250" y="4703472"/>
-            <a:ext cx="6573644" cy="912712"/>
+            <a:ext cx="6722724" cy="912712"/>
             <a:chOff x="430250" y="5074873"/>
-            <a:chExt cx="6573644" cy="912712"/>
+            <a:chExt cx="6722724" cy="912712"/>
           </a:xfrm>
         </p:grpSpPr>
         <p:sp>
@@ -4246,7 +4245,7 @@
           <p:spPr>
             <a:xfrm>
               <a:off x="798349" y="5533293"/>
-              <a:ext cx="6205545" cy="454292"/>
+              <a:ext cx="6354625" cy="454292"/>
             </a:xfrm>
             <a:prstGeom prst="rect">
               <a:avLst/>
@@ -4272,9 +4271,12 @@
               </a:r>
               <a:r>
                 <a:rPr lang="ko-KR" altLang="en-US"/>
-                <a:t>의 학습 유무에 따라 변수 중요도가 달라짐 확인</a:t>
+                <a:t>의 학습 유무에 따라 변수 중요도가 달라짐 확인함</a:t>
               </a:r>
-              <a:endParaRPr lang="en-US" altLang="ko-KR"/>
+              <a:r>
+                <a:rPr lang="en-US" altLang="ko-KR"/>
+                <a:t>.</a:t>
+              </a:r>
             </a:p>
           </p:txBody>
         </p:sp>
@@ -4294,9 +4296,9 @@
         <p:grpSpPr>
           <a:xfrm>
             <a:off x="430250" y="3609273"/>
-            <a:ext cx="10520786" cy="820619"/>
+            <a:ext cx="10751619" cy="820619"/>
             <a:chOff x="430250" y="1242317"/>
-            <a:chExt cx="10520786" cy="820619"/>
+            <a:chExt cx="10751619" cy="820619"/>
           </a:xfrm>
         </p:grpSpPr>
         <p:sp>
@@ -4354,7 +4356,7 @@
           <p:spPr>
             <a:xfrm>
               <a:off x="792486" y="1608644"/>
-              <a:ext cx="10158550" cy="454292"/>
+              <a:ext cx="10389383" cy="454292"/>
             </a:xfrm>
             <a:prstGeom prst="rect">
               <a:avLst/>
@@ -4376,9 +4378,28 @@
               </a:pPr>
               <a:r>
                 <a:rPr lang="ko-KR" altLang="en-US"/>
-                <a:t>데이터 부족 문제 해결하기 위해 시계열 교차 검증 을 적용한 조건부 랜덤 포레스트 모델 구성</a:t>
+                <a:t>데이터 부족 문제 해결하기 위해 </a:t>
               </a:r>
-              <a:endParaRPr lang="en-US" altLang="ko-KR"/>
+              <a:r>
+                <a:rPr lang="ko-KR" altLang="en-US" b="1"/>
+                <a:t>시계열 교차 검증 </a:t>
+              </a:r>
+              <a:r>
+                <a:rPr lang="ko-KR" altLang="en-US"/>
+                <a:t>을 적용한 </a:t>
+              </a:r>
+              <a:r>
+                <a:rPr lang="ko-KR" altLang="en-US" b="1"/>
+                <a:t>조건부 랜덤 포레스트</a:t>
+              </a:r>
+              <a:r>
+                <a:rPr lang="ko-KR" altLang="en-US"/>
+                <a:t> 모델 구성함</a:t>
+              </a:r>
+              <a:r>
+                <a:rPr lang="en-US" altLang="ko-KR"/>
+                <a:t>.</a:t>
+              </a:r>
             </a:p>
           </p:txBody>
         </p:sp>
@@ -5432,7 +5453,7 @@
         <p:spPr>
           <a:xfrm>
             <a:off x="727172" y="1570427"/>
-            <a:ext cx="9132628" cy="454292"/>
+            <a:ext cx="9445214" cy="454292"/>
           </a:xfrm>
           <a:prstGeom prst="rect">
             <a:avLst/>
@@ -5466,9 +5487,12 @@
             </a:r>
             <a:r>
               <a:rPr lang="ko-KR" altLang="en-US"/>
-              <a:t>년 까지의 국가기상위성센터에서 제공하는 표면도달일사량 이미지 사용</a:t>
-            </a:r>
-            <a:endParaRPr lang="en-US" altLang="ko-KR"/>
+              <a:t>년 까지의 국가기상위성센터에서 제공하는 표면도달일사량 이미지 사용함</a:t>
+            </a:r>
+            <a:r>
+              <a:rPr lang="en-US" altLang="ko-KR"/>
+              <a:t>.</a:t>
+            </a:r>
           </a:p>
         </p:txBody>
       </p:sp>
@@ -6129,9 +6153,9 @@
         <p:grpSpPr>
           <a:xfrm>
             <a:off x="430250" y="4877263"/>
-            <a:ext cx="7779266" cy="820619"/>
+            <a:ext cx="8010099" cy="820619"/>
             <a:chOff x="430250" y="1242317"/>
-            <a:chExt cx="7779266" cy="820619"/>
+            <a:chExt cx="8010099" cy="820619"/>
           </a:xfrm>
         </p:grpSpPr>
         <p:sp>
@@ -6185,7 +6209,7 @@
           <p:spPr>
             <a:xfrm>
               <a:off x="792486" y="1608644"/>
-              <a:ext cx="7417030" cy="454292"/>
+              <a:ext cx="7647863" cy="454292"/>
             </a:xfrm>
             <a:prstGeom prst="rect">
               <a:avLst/>
@@ -6225,9 +6249,12 @@
               </a:r>
               <a:r>
                 <a:rPr lang="ko-KR" altLang="en-US"/>
-                <a:t>모델 구성</a:t>
+                <a:t>모델 구성함</a:t>
               </a:r>
-              <a:endParaRPr lang="en-US" altLang="ko-KR"/>
+              <a:r>
+                <a:rPr lang="en-US" altLang="ko-KR"/>
+                <a:t>.</a:t>
+              </a:r>
             </a:p>
           </p:txBody>
         </p:sp>
@@ -6541,9 +6568,18 @@
               </a:rPr>
               <a:t>일사량 예측 모델 구성에 관한 사례를 소개</a:t>
             </a:r>
-            <a:endParaRPr lang="en-US" altLang="ko-KR" sz="2000" b="1">
-              <a:effectLst/>
-            </a:endParaRPr>
+            <a:r>
+              <a:rPr lang="ko-KR" altLang="en-US" sz="2000">
+                <a:effectLst/>
+              </a:rPr>
+              <a:t>함</a:t>
+            </a:r>
+            <a:r>
+              <a:rPr lang="en-US" altLang="ko-KR" sz="2000">
+                <a:effectLst/>
+              </a:rPr>
+              <a:t>.</a:t>
+            </a:r>
           </a:p>
           <a:p>
             <a:pPr marL="342900" indent="-342900">
@@ -6607,9 +6643,18 @@
               </a:rPr>
               <a:t>장점</a:t>
             </a:r>
-            <a:endParaRPr lang="en-US" altLang="ko-KR" sz="2000" b="1">
-              <a:effectLst/>
-            </a:endParaRPr>
+            <a:r>
+              <a:rPr lang="ko-KR" altLang="en-US" sz="2000">
+                <a:effectLst/>
+              </a:rPr>
+              <a:t>이 있음</a:t>
+            </a:r>
+            <a:r>
+              <a:rPr lang="en-US" altLang="ko-KR" sz="2000">
+                <a:effectLst/>
+              </a:rPr>
+              <a:t>.</a:t>
+            </a:r>
           </a:p>
           <a:p>
             <a:pPr marL="342900" indent="-342900">
@@ -6661,7 +6706,19 @@
               </a:rPr>
               <a:t>확인</a:t>
             </a:r>
-            <a:endParaRPr lang="ko-KR" altLang="en-US" sz="2000" b="1"/>
+            <a:r>
+              <a:rPr lang="ko-KR" altLang="en-US" sz="2000">
+                <a:effectLst/>
+              </a:rPr>
+              <a:t>함</a:t>
+            </a:r>
+            <a:r>
+              <a:rPr lang="en-US" altLang="ko-KR" sz="2000">
+                <a:effectLst/>
+              </a:rPr>
+              <a:t>.</a:t>
+            </a:r>
+            <a:endParaRPr lang="ko-KR" altLang="en-US" sz="2000"/>
           </a:p>
         </p:txBody>
       </p:sp>
@@ -6715,445 +6772,6 @@
 </file>
 
 <file path=ppt/slides/slide15.xml><?xml version="1.0" encoding="utf-8"?>
-<p:sld xmlns:a="http://schemas.openxmlformats.org/drawingml/2006/main" xmlns:r="http://schemas.openxmlformats.org/officeDocument/2006/relationships" xmlns:p="http://schemas.openxmlformats.org/presentationml/2006/main">
-  <p:cSld>
-    <p:spTree>
-      <p:nvGrpSpPr>
-        <p:cNvPr id="1" name=""/>
-        <p:cNvGrpSpPr/>
-        <p:nvPr/>
-      </p:nvGrpSpPr>
-      <p:grpSpPr>
-        <a:xfrm>
-          <a:off x="0" y="0"/>
-          <a:ext cx="0" cy="0"/>
-          <a:chOff x="0" y="0"/>
-          <a:chExt cx="0" cy="0"/>
-        </a:xfrm>
-      </p:grpSpPr>
-      <p:sp>
-        <p:nvSpPr>
-          <p:cNvPr id="15" name="object 2">
-            <a:extLst>
-              <a:ext uri="{FF2B5EF4-FFF2-40B4-BE49-F238E27FC236}">
-                <a16:creationId xmlns:a16="http://schemas.microsoft.com/office/drawing/2014/main" id="{63B42C9C-96BB-4869-81D8-DBA87F4A50BB}"/>
-              </a:ext>
-            </a:extLst>
-          </p:cNvPr>
-          <p:cNvSpPr txBox="1">
-            <a:spLocks/>
-          </p:cNvSpPr>
-          <p:nvPr/>
-        </p:nvSpPr>
-        <p:spPr>
-          <a:xfrm>
-            <a:off x="492575" y="391668"/>
-            <a:ext cx="12678302" cy="505267"/>
-          </a:xfrm>
-          <a:prstGeom prst="rect">
-            <a:avLst/>
-          </a:prstGeom>
-        </p:spPr>
-        <p:txBody>
-          <a:bodyPr vert="horz" wrap="square" lIns="0" tIns="12700" rIns="0" bIns="0" rtlCol="0">
-            <a:spAutoFit/>
-          </a:bodyPr>
-          <a:lstStyle>
-            <a:lvl1pPr>
-              <a:defRPr sz="3600" b="1" i="0">
-                <a:solidFill>
-                  <a:schemeClr val="tx1"/>
-                </a:solidFill>
-                <a:latin typeface="Malgun Gothic"/>
-                <a:ea typeface="+mj-ea"/>
-                <a:cs typeface="Malgun Gothic"/>
-              </a:defRPr>
-            </a:lvl1pPr>
-          </a:lstStyle>
-          <a:p>
-            <a:pPr marL="12700" marR="0" lvl="0" indent="0" defTabSz="914400" eaLnBrk="1" fontAlgn="auto" latinLnBrk="0" hangingPunct="1">
-              <a:lnSpc>
-                <a:spcPct val="100000"/>
-              </a:lnSpc>
-              <a:spcBef>
-                <a:spcPts val="100"/>
-              </a:spcBef>
-              <a:spcAft>
-                <a:spcPts val="0"/>
-              </a:spcAft>
-              <a:buClrTx/>
-              <a:buSzTx/>
-              <a:buFontTx/>
-              <a:buNone/>
-              <a:tabLst>
-                <a:tab pos="967740" algn="l"/>
-              </a:tabLst>
-              <a:defRPr/>
-            </a:pPr>
-            <a:r>
-              <a:rPr lang="ko-KR" altLang="en-US" sz="3200" kern="0" spc="-25">
-                <a:solidFill>
-                  <a:srgbClr val="001F60"/>
-                </a:solidFill>
-                <a:ea typeface="맑은 고딕" panose="020B0503020000020004" pitchFamily="50" charset="-127"/>
-              </a:rPr>
-              <a:t>결론</a:t>
-            </a:r>
-            <a:endParaRPr kumimoji="0" lang="ko-KR" altLang="en-US" sz="1500" b="1" i="0" u="none" strike="noStrike" kern="0" cap="none" spc="0" normalizeH="0" baseline="0" noProof="0" dirty="0">
-              <a:ln>
-                <a:noFill/>
-              </a:ln>
-              <a:solidFill>
-                <a:sysClr val="windowText" lastClr="000000"/>
-              </a:solidFill>
-              <a:effectLst/>
-              <a:uLnTx/>
-              <a:uFillTx/>
-              <a:latin typeface="Malgun Gothic"/>
-              <a:ea typeface="맑은 고딕" panose="020B0503020000020004" pitchFamily="50" charset="-127"/>
-            </a:endParaRPr>
-          </a:p>
-        </p:txBody>
-      </p:sp>
-      <p:sp>
-        <p:nvSpPr>
-          <p:cNvPr id="19" name="object 6">
-            <a:extLst>
-              <a:ext uri="{FF2B5EF4-FFF2-40B4-BE49-F238E27FC236}">
-                <a16:creationId xmlns:a16="http://schemas.microsoft.com/office/drawing/2014/main" id="{C73C25E3-E198-4627-994A-E730949EA465}"/>
-              </a:ext>
-            </a:extLst>
-          </p:cNvPr>
-          <p:cNvSpPr/>
-          <p:nvPr/>
-        </p:nvSpPr>
-        <p:spPr>
-          <a:xfrm>
-            <a:off x="430250" y="985061"/>
-            <a:ext cx="11353800" cy="45720"/>
-          </a:xfrm>
-          <a:custGeom>
-            <a:avLst/>
-            <a:gdLst/>
-            <a:ahLst/>
-            <a:cxnLst/>
-            <a:rect l="l" t="t" r="r" b="b"/>
-            <a:pathLst>
-              <a:path w="11353800" h="45719">
-                <a:moveTo>
-                  <a:pt x="11353800" y="0"/>
-                </a:moveTo>
-                <a:lnTo>
-                  <a:pt x="0" y="0"/>
-                </a:lnTo>
-                <a:lnTo>
-                  <a:pt x="0" y="45718"/>
-                </a:lnTo>
-                <a:lnTo>
-                  <a:pt x="11353800" y="45718"/>
-                </a:lnTo>
-                <a:lnTo>
-                  <a:pt x="11353800" y="0"/>
-                </a:lnTo>
-                <a:close/>
-              </a:path>
-            </a:pathLst>
-          </a:custGeom>
-          <a:solidFill>
-            <a:srgbClr val="0C3F8B"/>
-          </a:solidFill>
-        </p:spPr>
-        <p:txBody>
-          <a:bodyPr wrap="square" lIns="0" tIns="0" rIns="0" bIns="0" rtlCol="0"/>
-          <a:lstStyle/>
-          <a:p>
-            <a:pPr marL="0" marR="0" lvl="0" indent="0" defTabSz="914400" eaLnBrk="1" fontAlgn="auto" latinLnBrk="0" hangingPunct="1">
-              <a:lnSpc>
-                <a:spcPct val="100000"/>
-              </a:lnSpc>
-              <a:spcBef>
-                <a:spcPts val="0"/>
-              </a:spcBef>
-              <a:spcAft>
-                <a:spcPts val="0"/>
-              </a:spcAft>
-              <a:buClrTx/>
-              <a:buSzTx/>
-              <a:buFontTx/>
-              <a:buNone/>
-              <a:tabLst/>
-              <a:defRPr/>
-            </a:pPr>
-            <a:endParaRPr kumimoji="0" sz="1800" b="0" i="0" u="none" strike="noStrike" kern="0" cap="none" spc="0" normalizeH="0" baseline="0" noProof="0">
-              <a:ln>
-                <a:noFill/>
-              </a:ln>
-              <a:solidFill>
-                <a:sysClr val="windowText" lastClr="000000"/>
-              </a:solidFill>
-              <a:effectLst/>
-              <a:uLnTx/>
-              <a:uFillTx/>
-            </a:endParaRPr>
-          </a:p>
-        </p:txBody>
-      </p:sp>
-      <p:pic>
-        <p:nvPicPr>
-          <p:cNvPr id="20" name="그림 19">
-            <a:extLst>
-              <a:ext uri="{FF2B5EF4-FFF2-40B4-BE49-F238E27FC236}">
-                <a16:creationId xmlns:a16="http://schemas.microsoft.com/office/drawing/2014/main" id="{A87EDB79-AE8E-46E3-B956-281C41A7ED3A}"/>
-              </a:ext>
-            </a:extLst>
-          </p:cNvPr>
-          <p:cNvPicPr>
-            <a:picLocks noChangeAspect="1"/>
-          </p:cNvPicPr>
-          <p:nvPr/>
-        </p:nvPicPr>
-        <p:blipFill rotWithShape="1">
-          <a:blip r:embed="rId2">
-            <a:extLst>
-              <a:ext uri="{28A0092B-C50C-407E-A947-70E740481C1C}">
-                <a14:useLocalDpi xmlns:a14="http://schemas.microsoft.com/office/drawing/2010/main" val="0"/>
-              </a:ext>
-            </a:extLst>
-          </a:blip>
-          <a:srcRect l="74535" t="3851" r="5686" b="50143"/>
-          <a:stretch/>
-        </p:blipFill>
-        <p:spPr>
-          <a:xfrm>
-            <a:off x="10225454" y="6479121"/>
-            <a:ext cx="703142" cy="304214"/>
-          </a:xfrm>
-          <a:prstGeom prst="rect">
-            <a:avLst/>
-          </a:prstGeom>
-        </p:spPr>
-      </p:pic>
-      <p:sp>
-        <p:nvSpPr>
-          <p:cNvPr id="13" name="TextBox 12">
-            <a:extLst>
-              <a:ext uri="{FF2B5EF4-FFF2-40B4-BE49-F238E27FC236}">
-                <a16:creationId xmlns:a16="http://schemas.microsoft.com/office/drawing/2014/main" id="{55B229C4-D60A-E3E6-E983-CFF5F9667609}"/>
-              </a:ext>
-            </a:extLst>
-          </p:cNvPr>
-          <p:cNvSpPr txBox="1"/>
-          <p:nvPr/>
-        </p:nvSpPr>
-        <p:spPr>
-          <a:xfrm>
-            <a:off x="430249" y="1371599"/>
-            <a:ext cx="11195694" cy="3726148"/>
-          </a:xfrm>
-          <a:prstGeom prst="rect">
-            <a:avLst/>
-          </a:prstGeom>
-          <a:noFill/>
-        </p:spPr>
-        <p:txBody>
-          <a:bodyPr wrap="square" rtlCol="0">
-            <a:spAutoFit/>
-          </a:bodyPr>
-          <a:lstStyle/>
-          <a:p>
-            <a:pPr marL="342900" indent="-342900">
-              <a:lnSpc>
-                <a:spcPct val="150000"/>
-              </a:lnSpc>
-              <a:buFontTx/>
-              <a:buChar char="-"/>
-            </a:pPr>
-            <a:r>
-              <a:rPr lang="ko-KR" altLang="en-US" sz="2000">
-                <a:effectLst/>
-              </a:rPr>
-              <a:t>시스템의 효과적인 운영 계획을 수립하기 위해 기계학습 기반의 </a:t>
-            </a:r>
-            <a:r>
-              <a:rPr lang="ko-KR" altLang="en-US" sz="2000" b="1">
-                <a:effectLst/>
-              </a:rPr>
-              <a:t>일사량 예측 모델 구성에 관한 사례를 소개</a:t>
-            </a:r>
-            <a:endParaRPr lang="en-US" altLang="ko-KR" sz="2000" b="1">
-              <a:effectLst/>
-            </a:endParaRPr>
-          </a:p>
-          <a:p>
-            <a:pPr marL="342900" indent="-342900">
-              <a:lnSpc>
-                <a:spcPct val="150000"/>
-              </a:lnSpc>
-              <a:buFontTx/>
-              <a:buChar char="-"/>
-            </a:pPr>
-            <a:endParaRPr lang="en-US" altLang="ko-KR" sz="2000">
-              <a:effectLst/>
-            </a:endParaRPr>
-          </a:p>
-          <a:p>
-            <a:pPr marL="342900" indent="-342900">
-              <a:lnSpc>
-                <a:spcPct val="150000"/>
-              </a:lnSpc>
-              <a:buFontTx/>
-              <a:buChar char="-"/>
-            </a:pPr>
-            <a:r>
-              <a:rPr lang="ko-KR" altLang="en-US" sz="2000" b="1">
-                <a:effectLst/>
-              </a:rPr>
-              <a:t>앙상블 학습 기법은 우수한 예측 성능</a:t>
-            </a:r>
-            <a:r>
-              <a:rPr lang="ko-KR" altLang="en-US" sz="2000">
-                <a:effectLst/>
-              </a:rPr>
-              <a:t>을 도출할 수 있을 뿐만 아니라 </a:t>
-            </a:r>
-            <a:r>
-              <a:rPr lang="ko-KR" altLang="en-US" sz="2000" b="1">
-                <a:effectLst/>
-              </a:rPr>
-              <a:t>변수 중요도</a:t>
-            </a:r>
-            <a:r>
-              <a:rPr lang="ko-KR" altLang="en-US" sz="2000">
-                <a:effectLst/>
-              </a:rPr>
-              <a:t>를 통해 어떤 독립변수가 모델 구성에 중요한지를 </a:t>
-            </a:r>
-            <a:r>
-              <a:rPr lang="ko-KR" altLang="en-US" sz="2000" b="1">
-                <a:effectLst/>
-              </a:rPr>
-              <a:t>해석</a:t>
-            </a:r>
-            <a:r>
-              <a:rPr lang="ko-KR" altLang="en-US" sz="2000">
-                <a:effectLst/>
-              </a:rPr>
-              <a:t>할 수 있다는 </a:t>
-            </a:r>
-            <a:r>
-              <a:rPr lang="ko-KR" altLang="en-US" sz="2000" b="1">
-                <a:effectLst/>
-              </a:rPr>
-              <a:t>장점</a:t>
-            </a:r>
-            <a:endParaRPr lang="en-US" altLang="ko-KR" sz="2000" b="1">
-              <a:effectLst/>
-            </a:endParaRPr>
-          </a:p>
-          <a:p>
-            <a:pPr marL="342900" indent="-342900">
-              <a:lnSpc>
-                <a:spcPct val="150000"/>
-              </a:lnSpc>
-              <a:buFontTx/>
-              <a:buChar char="-"/>
-            </a:pPr>
-            <a:endParaRPr lang="en-US" altLang="ko-KR" sz="2000">
-              <a:effectLst/>
-            </a:endParaRPr>
-          </a:p>
-          <a:p>
-            <a:pPr marL="342900" indent="-342900">
-              <a:lnSpc>
-                <a:spcPct val="150000"/>
-              </a:lnSpc>
-              <a:buFontTx/>
-              <a:buChar char="-"/>
-            </a:pPr>
-            <a:r>
-              <a:rPr lang="ko-KR" altLang="en-US" sz="2000" b="1">
-                <a:effectLst/>
-              </a:rPr>
-              <a:t>심층 학습</a:t>
-            </a:r>
-            <a:r>
-              <a:rPr lang="ko-KR" altLang="en-US" sz="2000">
-                <a:effectLst/>
-              </a:rPr>
-              <a:t>은 이미지와 같이 테이블형식이 아닌 데이터에서도 </a:t>
-            </a:r>
-            <a:r>
-              <a:rPr lang="ko-KR" altLang="en-US" sz="2000" b="1">
-                <a:effectLst/>
-              </a:rPr>
-              <a:t>특징을 추출하여 정확한 일사량 예측을 수행</a:t>
-            </a:r>
-            <a:r>
-              <a:rPr lang="ko-KR" altLang="en-US" sz="2000">
-                <a:effectLst/>
-              </a:rPr>
-              <a:t>할 수 있음을 </a:t>
-            </a:r>
-            <a:r>
-              <a:rPr lang="ko-KR" altLang="en-US" sz="2000" b="1">
-                <a:effectLst/>
-              </a:rPr>
-              <a:t>확인</a:t>
-            </a:r>
-            <a:endParaRPr lang="ko-KR" altLang="en-US" sz="2000" b="1"/>
-          </a:p>
-        </p:txBody>
-      </p:sp>
-      <p:pic>
-        <p:nvPicPr>
-          <p:cNvPr id="2" name="그림 1">
-            <a:extLst>
-              <a:ext uri="{FF2B5EF4-FFF2-40B4-BE49-F238E27FC236}">
-                <a16:creationId xmlns:a16="http://schemas.microsoft.com/office/drawing/2014/main" id="{77EA85B4-4F8D-1FC3-F5FE-16B12D0B23CF}"/>
-              </a:ext>
-            </a:extLst>
-          </p:cNvPr>
-          <p:cNvPicPr>
-            <a:picLocks noChangeAspect="1"/>
-          </p:cNvPicPr>
-          <p:nvPr/>
-        </p:nvPicPr>
-        <p:blipFill>
-          <a:blip r:embed="rId3" cstate="hqprint">
-            <a:extLst>
-              <a:ext uri="{28A0092B-C50C-407E-A947-70E740481C1C}">
-                <a14:useLocalDpi xmlns:a14="http://schemas.microsoft.com/office/drawing/2010/main" val="0"/>
-              </a:ext>
-            </a:extLst>
-          </a:blip>
-          <a:stretch>
-            <a:fillRect/>
-          </a:stretch>
-        </p:blipFill>
-        <p:spPr>
-          <a:xfrm>
-            <a:off x="10928596" y="6521112"/>
-            <a:ext cx="1142740" cy="220232"/>
-          </a:xfrm>
-          <a:prstGeom prst="rect">
-            <a:avLst/>
-          </a:prstGeom>
-        </p:spPr>
-      </p:pic>
-    </p:spTree>
-    <p:extLst>
-      <p:ext uri="{BB962C8B-B14F-4D97-AF65-F5344CB8AC3E}">
-        <p14:creationId xmlns:p14="http://schemas.microsoft.com/office/powerpoint/2010/main" val="4126836440"/>
-      </p:ext>
-    </p:extLst>
-  </p:cSld>
-  <p:clrMapOvr>
-    <a:masterClrMapping/>
-  </p:clrMapOvr>
-</p:sld>
-</file>
-
-<file path=ppt/slides/slide16.xml><?xml version="1.0" encoding="utf-8"?>
 <p:sld xmlns:a="http://schemas.openxmlformats.org/drawingml/2006/main" xmlns:r="http://schemas.openxmlformats.org/officeDocument/2006/relationships" xmlns:p="http://schemas.openxmlformats.org/presentationml/2006/main">
   <p:cSld>
     <p:spTree>
@@ -7824,7 +7442,7 @@
             </a:pPr>
             <a:r>
               <a:rPr lang="ko-KR" altLang="en-US" sz="2000"/>
-              <a:t>특허</a:t>
+              <a:t>논문</a:t>
             </a:r>
             <a:r>
               <a:rPr lang="en-US" altLang="ko-KR" sz="2000"/>
@@ -8603,7 +8221,7 @@
         <p:spPr>
           <a:xfrm>
             <a:off x="810887" y="1599908"/>
-            <a:ext cx="10407016" cy="1093441"/>
+            <a:ext cx="10599376" cy="1093441"/>
           </a:xfrm>
           <a:prstGeom prst="rect">
             <a:avLst/>
@@ -8638,6 +8256,13 @@
               <a:t>지구 온난화 발생</a:t>
             </a:r>
             <a:r>
+              <a:rPr lang="ko-KR" altLang="en-US" sz="1500" i="0">
+                <a:effectLst/>
+                <a:latin typeface="Inter"/>
+              </a:rPr>
+              <a:t>함</a:t>
+            </a:r>
+            <a:r>
               <a:rPr lang="en-US" altLang="ko-KR" sz="1500" b="1" i="0">
                 <a:effectLst/>
                 <a:latin typeface="Inter"/>
@@ -8724,11 +8349,11 @@
               <a:t>증가</a:t>
             </a:r>
             <a:r>
-              <a:rPr lang="ko-KR" altLang="en-US" sz="1500" b="0" i="0">
+              <a:rPr lang="ko-KR" altLang="en-US" sz="1500" i="0">
                 <a:effectLst/>
                 <a:latin typeface="Inter"/>
               </a:rPr>
-              <a:t>했다</a:t>
+              <a:t>함</a:t>
             </a:r>
             <a:r>
               <a:rPr lang="en-US" altLang="ko-KR" sz="1500" b="0" i="0">
@@ -8896,7 +8521,27 @@
               </a:rPr>
               <a:t>가량 상승</a:t>
             </a:r>
-            <a:endParaRPr lang="ko-KR" altLang="en-US" sz="1500" b="1"/>
+            <a:r>
+              <a:rPr lang="ko-KR" altLang="en-US" sz="1500" i="0">
+                <a:solidFill>
+                  <a:srgbClr val="222222"/>
+                </a:solidFill>
+                <a:effectLst/>
+                <a:latin typeface="Nanum Gothic"/>
+              </a:rPr>
+              <a:t>함</a:t>
+            </a:r>
+            <a:r>
+              <a:rPr lang="en-US" altLang="ko-KR" sz="1500" i="0">
+                <a:solidFill>
+                  <a:srgbClr val="222222"/>
+                </a:solidFill>
+                <a:effectLst/>
+                <a:latin typeface="Nanum Gothic"/>
+              </a:rPr>
+              <a:t>.</a:t>
+            </a:r>
+            <a:endParaRPr lang="ko-KR" altLang="en-US" sz="1500"/>
           </a:p>
         </p:txBody>
       </p:sp>
@@ -9356,13 +9001,26 @@
               </a:rPr>
               <a:t>이산화 탄소 배출량 증가</a:t>
             </a:r>
-            <a:endParaRPr lang="en-US" altLang="ko-KR" sz="1500" b="1" i="0">
-              <a:solidFill>
-                <a:srgbClr val="333333"/>
-              </a:solidFill>
-              <a:effectLst/>
-              <a:latin typeface="맑은고딕"/>
-            </a:endParaRPr>
+            <a:r>
+              <a:rPr lang="ko-KR" altLang="en-US" sz="1500" i="0">
+                <a:solidFill>
+                  <a:srgbClr val="333333"/>
+                </a:solidFill>
+                <a:effectLst/>
+                <a:latin typeface="맑은고딕"/>
+              </a:rPr>
+              <a:t>함</a:t>
+            </a:r>
+            <a:r>
+              <a:rPr lang="en-US" altLang="ko-KR" sz="1500" i="0">
+                <a:solidFill>
+                  <a:srgbClr val="333333"/>
+                </a:solidFill>
+                <a:effectLst/>
+                <a:latin typeface="맑은고딕"/>
+              </a:rPr>
+              <a:t>.</a:t>
+            </a:r>
           </a:p>
           <a:p>
             <a:pPr marL="285750" indent="-285750" fontAlgn="base">
@@ -9499,7 +9157,27 @@
               </a:rPr>
               <a:t>만명으로 증가</a:t>
             </a:r>
-            <a:endParaRPr lang="en-US" altLang="ko-KR" sz="1500" b="1" i="0">
+            <a:r>
+              <a:rPr lang="ko-KR" altLang="en-US" sz="1500" i="0">
+                <a:solidFill>
+                  <a:srgbClr val="333333"/>
+                </a:solidFill>
+                <a:effectLst/>
+                <a:latin typeface="맑은고딕"/>
+              </a:rPr>
+              <a:t>함</a:t>
+            </a:r>
+            <a:r>
+              <a:rPr lang="en-US" altLang="ko-KR" sz="1500" i="0">
+                <a:solidFill>
+                  <a:srgbClr val="333333"/>
+                </a:solidFill>
+                <a:effectLst/>
+                <a:latin typeface="맑은고딕"/>
+              </a:rPr>
+              <a:t>.</a:t>
+            </a:r>
+            <a:endParaRPr lang="en-US" altLang="ko-KR" sz="1500" i="0">
               <a:solidFill>
                 <a:srgbClr val="000000"/>
               </a:solidFill>
@@ -10422,7 +10100,7 @@
         <p:spPr>
           <a:xfrm>
             <a:off x="957789" y="1715948"/>
-            <a:ext cx="6849780" cy="536257"/>
+            <a:ext cx="6849780" cy="487506"/>
           </a:xfrm>
           <a:prstGeom prst="rect">
             <a:avLst/>
@@ -10529,6 +10207,15 @@
                 <a:latin typeface="맑은고딕"/>
               </a:rPr>
               <a:t> 순으로 비율이 가장 높음</a:t>
+            </a:r>
+            <a:r>
+              <a:rPr lang="en-US" altLang="ko-KR" sz="1500">
+                <a:solidFill>
+                  <a:srgbClr val="333333"/>
+                </a:solidFill>
+                <a:latin typeface="맑은고딕"/>
+              </a:rPr>
+              <a:t>.</a:t>
             </a:r>
             <a:endParaRPr lang="en-US" altLang="ko-KR" sz="1500" i="0">
               <a:solidFill>
@@ -11284,14 +10971,17 @@
                 </a:solidFill>
                 <a:latin typeface="맑은고딕"/>
               </a:rPr>
-              <a:t>설치 면적이 작다</a:t>
-            </a:r>
-            <a:endParaRPr lang="en-US" altLang="ko-KR" sz="1500" b="1">
-              <a:solidFill>
-                <a:srgbClr val="333333"/>
-              </a:solidFill>
-              <a:latin typeface="맑은고딕"/>
-            </a:endParaRPr>
+              <a:t>설치 면적이 작음</a:t>
+            </a:r>
+            <a:r>
+              <a:rPr lang="en-US" altLang="ko-KR" sz="1500" b="1">
+                <a:solidFill>
+                  <a:srgbClr val="333333"/>
+                </a:solidFill>
+                <a:latin typeface="맑은고딕"/>
+              </a:rPr>
+              <a:t>.</a:t>
+            </a:r>
           </a:p>
           <a:p>
             <a:pPr marL="285750" indent="-285750" fontAlgn="base">
@@ -11349,15 +11039,18 @@
                 <a:effectLst/>
                 <a:latin typeface="se-nanumgothic"/>
               </a:rPr>
-              <a:t>적다</a:t>
-            </a:r>
-            <a:endParaRPr lang="en-US" altLang="ko-KR" sz="1500" b="1" i="0">
-              <a:solidFill>
-                <a:srgbClr val="000000"/>
-              </a:solidFill>
-              <a:effectLst/>
-              <a:latin typeface="se-nanumgothic"/>
-            </a:endParaRPr>
+              <a:t>적음</a:t>
+            </a:r>
+            <a:r>
+              <a:rPr lang="en-US" altLang="ko-KR" sz="1500" b="1" i="0">
+                <a:solidFill>
+                  <a:srgbClr val="000000"/>
+                </a:solidFill>
+                <a:effectLst/>
+                <a:latin typeface="se-nanumgothic"/>
+              </a:rPr>
+              <a:t>.</a:t>
+            </a:r>
           </a:p>
           <a:p>
             <a:pPr marL="285750" indent="-285750" fontAlgn="base">
@@ -11383,7 +11076,16 @@
                 </a:solidFill>
                 <a:latin typeface="se-nanumgothic"/>
               </a:rPr>
-              <a:t>국내 설비량이 많다</a:t>
+              <a:t>국내 설비량이 많음</a:t>
+            </a:r>
+            <a:r>
+              <a:rPr lang="en-US" altLang="ko-KR" sz="1500" b="1">
+                <a:solidFill>
+                  <a:srgbClr val="000000"/>
+                </a:solidFill>
+                <a:latin typeface="se-nanumgothic"/>
+              </a:rPr>
+              <a:t>.</a:t>
             </a:r>
             <a:endParaRPr lang="en-US" altLang="ko-KR" sz="1500" b="1" i="0">
               <a:solidFill>
@@ -11706,7 +11408,7 @@
         <p:spPr>
           <a:xfrm>
             <a:off x="753414" y="1801619"/>
-            <a:ext cx="9451626" cy="869790"/>
+            <a:ext cx="10456709" cy="869790"/>
           </a:xfrm>
           <a:prstGeom prst="rect">
             <a:avLst/>
@@ -11740,11 +11442,26 @@
               <a:rPr lang="ko-KR" altLang="en-US">
                 <a:effectLst/>
               </a:rPr>
-              <a:t>하는 것</a:t>
-            </a:r>
-            <a:endParaRPr lang="en-US" altLang="ko-KR">
-              <a:effectLst/>
-            </a:endParaRPr>
+              <a:t>하는 것이 </a:t>
+            </a:r>
+            <a:r>
+              <a:rPr lang="ko-KR" altLang="en-US" b="1">
+                <a:effectLst/>
+              </a:rPr>
+              <a:t>중요</a:t>
+            </a:r>
+            <a:r>
+              <a:rPr lang="ko-KR" altLang="en-US">
+                <a:effectLst/>
+              </a:rPr>
+              <a:t>함</a:t>
+            </a:r>
+            <a:r>
+              <a:rPr lang="en-US" altLang="ko-KR">
+                <a:effectLst/>
+              </a:rPr>
+              <a:t>.</a:t>
+            </a:r>
           </a:p>
           <a:p>
             <a:pPr marL="285750" indent="-285750">
@@ -11764,9 +11481,18 @@
               <a:rPr lang="ko-KR" altLang="en-US" b="1">
                 <a:effectLst/>
               </a:rPr>
-              <a:t>일사량 정보를 수집하는 것이 필수</a:t>
-            </a:r>
-            <a:endParaRPr lang="en-US" altLang="ko-KR" b="1"/>
+              <a:t>일사량 정보를 수집하는 것이 필수요소</a:t>
+            </a:r>
+            <a:r>
+              <a:rPr lang="ko-KR" altLang="en-US">
+                <a:effectLst/>
+              </a:rPr>
+              <a:t>임</a:t>
+            </a:r>
+            <a:r>
+              <a:rPr lang="en-US" altLang="ko-KR" b="1"/>
+              <a:t>.</a:t>
+            </a:r>
           </a:p>
         </p:txBody>
       </p:sp>
@@ -11886,11 +11612,14 @@
               <a:rPr lang="ko-KR" altLang="en-US" b="1">
                 <a:effectLst/>
               </a:rPr>
-              <a:t>일사량에 대한 예측값은 제공하지 않는다</a:t>
-            </a:r>
-            <a:endParaRPr lang="en-US" altLang="ko-KR" b="1">
-              <a:effectLst/>
-            </a:endParaRPr>
+              <a:t>일사량에 대한 예측값은 제공하지 않음</a:t>
+            </a:r>
+            <a:r>
+              <a:rPr lang="en-US" altLang="ko-KR">
+                <a:effectLst/>
+              </a:rPr>
+              <a:t>.</a:t>
+            </a:r>
           </a:p>
           <a:p>
             <a:pPr marL="285750" indent="-285750">
@@ -11921,6 +11650,30 @@
                 <a:effectLst/>
               </a:rPr>
               <a:t>기계학습을 기반으로 일사량 예측 모델들을 보고</a:t>
+            </a:r>
+            <a:r>
+              <a:rPr lang="ko-KR" altLang="en-US">
+                <a:effectLst/>
+              </a:rPr>
+              <a:t>를</a:t>
+            </a:r>
+            <a:r>
+              <a:rPr lang="ko-KR" altLang="en-US" b="1">
+                <a:effectLst/>
+              </a:rPr>
+              <a:t> 진행</a:t>
+            </a:r>
+            <a:r>
+              <a:rPr lang="ko-KR" altLang="en-US">
+                <a:effectLst/>
+              </a:rPr>
+              <a:t>함</a:t>
+            </a:r>
+            <a:r>
+              <a:rPr lang="en-US" altLang="ko-KR" b="1">
+                <a:effectLst/>
+              </a:rPr>
+              <a:t>.</a:t>
             </a:r>
             <a:endParaRPr lang="ko-KR" altLang="en-US" b="1"/>
           </a:p>
@@ -12472,9 +12225,9 @@
         <p:grpSpPr>
           <a:xfrm>
             <a:off x="492575" y="3634284"/>
-            <a:ext cx="7008058" cy="912712"/>
+            <a:ext cx="7320643" cy="912712"/>
             <a:chOff x="492575" y="4496793"/>
-            <a:chExt cx="7008058" cy="912712"/>
+            <a:chExt cx="7320643" cy="912712"/>
           </a:xfrm>
         </p:grpSpPr>
         <p:sp>
@@ -12527,7 +12280,7 @@
           <p:spPr>
             <a:xfrm>
               <a:off x="860674" y="4955213"/>
-              <a:ext cx="6639959" cy="454292"/>
+              <a:ext cx="6952544" cy="454292"/>
             </a:xfrm>
             <a:prstGeom prst="rect">
               <a:avLst/>
@@ -12569,9 +12322,12 @@
               </a:r>
               <a:r>
                 <a:rPr lang="ko-KR" altLang="en-US"/>
-                <a:t> 등이 일사량 예측 모델 구성에 중요한 변수</a:t>
+                <a:t> 등이 일사량 예측 모델 구성에 중요한 변수임</a:t>
               </a:r>
-              <a:endParaRPr lang="en-US" altLang="ko-KR"/>
+              <a:r>
+                <a:rPr lang="en-US" altLang="ko-KR"/>
+                <a:t>.</a:t>
+              </a:r>
             </a:p>
           </p:txBody>
         </p:sp>
@@ -13109,7 +12865,7 @@
         <p:spPr>
           <a:xfrm>
             <a:off x="798349" y="4059057"/>
-            <a:ext cx="4113627" cy="454292"/>
+            <a:ext cx="4395755" cy="454292"/>
           </a:xfrm>
           <a:prstGeom prst="rect">
             <a:avLst/>
@@ -13135,9 +12891,12 @@
             </a:r>
             <a:r>
               <a:rPr lang="ko-KR" altLang="en-US"/>
-              <a:t>예측 모델 구성에 중요한 변수</a:t>
-            </a:r>
-            <a:endParaRPr lang="en-US" altLang="ko-KR"/>
+              <a:t>예측 모델 구성에 중요한 변수임</a:t>
+            </a:r>
+            <a:r>
+              <a:rPr lang="en-US" altLang="ko-KR"/>
+              <a:t>.</a:t>
+            </a:r>
           </a:p>
         </p:txBody>
       </p:sp>

--- a/KICS_PT/[KICS] 동향 poster.pptx
+++ b/KICS_PT/[KICS] 동향 poster.pptx
@@ -4271,12 +4271,9 @@
               </a:r>
               <a:r>
                 <a:rPr lang="ko-KR" altLang="en-US"/>
-                <a:t>의 학습 유무에 따라 변수 중요도가 달라짐 확인함</a:t>
+                <a:t>의 학습 유무에 따라 변수 중요도가 달라짐 확인</a:t>
               </a:r>
-              <a:r>
-                <a:rPr lang="en-US" altLang="ko-KR"/>
-                <a:t>.</a:t>
-              </a:r>
+              <a:endParaRPr lang="en-US" altLang="ko-KR"/>
             </a:p>
           </p:txBody>
         </p:sp>
@@ -4394,12 +4391,9 @@
               </a:r>
               <a:r>
                 <a:rPr lang="ko-KR" altLang="en-US"/>
-                <a:t> 모델 구성함</a:t>
+                <a:t> 모델 구성</a:t>
               </a:r>
-              <a:r>
-                <a:rPr lang="en-US" altLang="ko-KR"/>
-                <a:t>.</a:t>
-              </a:r>
+              <a:endParaRPr lang="en-US" altLang="ko-KR"/>
             </a:p>
           </p:txBody>
         </p:sp>
@@ -5487,12 +5481,9 @@
             </a:r>
             <a:r>
               <a:rPr lang="ko-KR" altLang="en-US"/>
-              <a:t>년 까지의 국가기상위성센터에서 제공하는 표면도달일사량 이미지 사용함</a:t>
-            </a:r>
-            <a:r>
-              <a:rPr lang="en-US" altLang="ko-KR"/>
-              <a:t>.</a:t>
-            </a:r>
+              <a:t>년 까지의 국가기상위성센터에서 제공하는 표면도달일사량 이미지 사용</a:t>
+            </a:r>
+            <a:endParaRPr lang="en-US" altLang="ko-KR"/>
           </a:p>
         </p:txBody>
       </p:sp>
@@ -6249,12 +6240,9 @@
               </a:r>
               <a:r>
                 <a:rPr lang="ko-KR" altLang="en-US"/>
-                <a:t>모델 구성함</a:t>
+                <a:t>모델 구성</a:t>
               </a:r>
-              <a:r>
-                <a:rPr lang="en-US" altLang="ko-KR"/>
-                <a:t>.</a:t>
-              </a:r>
+              <a:endParaRPr lang="en-US" altLang="ko-KR"/>
             </a:p>
           </p:txBody>
         </p:sp>
@@ -6568,18 +6556,9 @@
               </a:rPr>
               <a:t>일사량 예측 모델 구성에 관한 사례를 소개</a:t>
             </a:r>
-            <a:r>
-              <a:rPr lang="ko-KR" altLang="en-US" sz="2000">
-                <a:effectLst/>
-              </a:rPr>
-              <a:t>함</a:t>
-            </a:r>
-            <a:r>
-              <a:rPr lang="en-US" altLang="ko-KR" sz="2000">
-                <a:effectLst/>
-              </a:rPr>
-              <a:t>.</a:t>
-            </a:r>
+            <a:endParaRPr lang="en-US" altLang="ko-KR" sz="2000">
+              <a:effectLst/>
+            </a:endParaRPr>
           </a:p>
           <a:p>
             <a:pPr marL="342900" indent="-342900">
@@ -6649,12 +6628,9 @@
               </a:rPr>
               <a:t>이 있음</a:t>
             </a:r>
-            <a:r>
-              <a:rPr lang="en-US" altLang="ko-KR" sz="2000">
-                <a:effectLst/>
-              </a:rPr>
-              <a:t>.</a:t>
-            </a:r>
+            <a:endParaRPr lang="en-US" altLang="ko-KR" sz="2000">
+              <a:effectLst/>
+            </a:endParaRPr>
           </a:p>
           <a:p>
             <a:pPr marL="342900" indent="-342900">
@@ -6705,18 +6681,6 @@
                 <a:effectLst/>
               </a:rPr>
               <a:t>확인</a:t>
-            </a:r>
-            <a:r>
-              <a:rPr lang="ko-KR" altLang="en-US" sz="2000">
-                <a:effectLst/>
-              </a:rPr>
-              <a:t>함</a:t>
-            </a:r>
-            <a:r>
-              <a:rPr lang="en-US" altLang="ko-KR" sz="2000">
-                <a:effectLst/>
-              </a:rPr>
-              <a:t>.</a:t>
             </a:r>
             <a:endParaRPr lang="ko-KR" altLang="en-US" sz="2000"/>
           </a:p>
@@ -8255,20 +8219,10 @@
               </a:rPr>
               <a:t>지구 온난화 발생</a:t>
             </a:r>
-            <a:r>
-              <a:rPr lang="ko-KR" altLang="en-US" sz="1500" i="0">
-                <a:effectLst/>
-                <a:latin typeface="Inter"/>
-              </a:rPr>
-              <a:t>함</a:t>
-            </a:r>
-            <a:r>
-              <a:rPr lang="en-US" altLang="ko-KR" sz="1500" b="1" i="0">
-                <a:effectLst/>
-                <a:latin typeface="Inter"/>
-              </a:rPr>
-              <a:t>.</a:t>
-            </a:r>
+            <a:endParaRPr lang="en-US" altLang="ko-KR" sz="1500" b="1" i="0">
+              <a:effectLst/>
+              <a:latin typeface="Inter"/>
+            </a:endParaRPr>
           </a:p>
           <a:p>
             <a:pPr marL="285750" indent="-285750">
@@ -8348,20 +8302,10 @@
               </a:rPr>
               <a:t>증가</a:t>
             </a:r>
-            <a:r>
-              <a:rPr lang="ko-KR" altLang="en-US" sz="1500" i="0">
-                <a:effectLst/>
-                <a:latin typeface="Inter"/>
-              </a:rPr>
-              <a:t>함</a:t>
-            </a:r>
-            <a:r>
-              <a:rPr lang="en-US" altLang="ko-KR" sz="1500" b="0" i="0">
-                <a:effectLst/>
-                <a:latin typeface="Inter"/>
-              </a:rPr>
-              <a:t>.</a:t>
-            </a:r>
+            <a:endParaRPr lang="en-US" altLang="ko-KR" sz="1500" b="0" i="0">
+              <a:effectLst/>
+              <a:latin typeface="Inter"/>
+            </a:endParaRPr>
           </a:p>
           <a:p>
             <a:pPr marL="285750" indent="-285750">
@@ -8520,26 +8464,6 @@
                 <a:latin typeface="Nanum Gothic"/>
               </a:rPr>
               <a:t>가량 상승</a:t>
-            </a:r>
-            <a:r>
-              <a:rPr lang="ko-KR" altLang="en-US" sz="1500" i="0">
-                <a:solidFill>
-                  <a:srgbClr val="222222"/>
-                </a:solidFill>
-                <a:effectLst/>
-                <a:latin typeface="Nanum Gothic"/>
-              </a:rPr>
-              <a:t>함</a:t>
-            </a:r>
-            <a:r>
-              <a:rPr lang="en-US" altLang="ko-KR" sz="1500" i="0">
-                <a:solidFill>
-                  <a:srgbClr val="222222"/>
-                </a:solidFill>
-                <a:effectLst/>
-                <a:latin typeface="Nanum Gothic"/>
-              </a:rPr>
-              <a:t>.</a:t>
             </a:r>
             <a:endParaRPr lang="ko-KR" altLang="en-US" sz="1500"/>
           </a:p>
@@ -9001,26 +8925,13 @@
               </a:rPr>
               <a:t>이산화 탄소 배출량 증가</a:t>
             </a:r>
-            <a:r>
-              <a:rPr lang="ko-KR" altLang="en-US" sz="1500" i="0">
-                <a:solidFill>
-                  <a:srgbClr val="333333"/>
-                </a:solidFill>
-                <a:effectLst/>
-                <a:latin typeface="맑은고딕"/>
-              </a:rPr>
-              <a:t>함</a:t>
-            </a:r>
-            <a:r>
-              <a:rPr lang="en-US" altLang="ko-KR" sz="1500" i="0">
-                <a:solidFill>
-                  <a:srgbClr val="333333"/>
-                </a:solidFill>
-                <a:effectLst/>
-                <a:latin typeface="맑은고딕"/>
-              </a:rPr>
-              <a:t>.</a:t>
-            </a:r>
+            <a:endParaRPr lang="en-US" altLang="ko-KR" sz="1500" i="0">
+              <a:solidFill>
+                <a:srgbClr val="333333"/>
+              </a:solidFill>
+              <a:effectLst/>
+              <a:latin typeface="맑은고딕"/>
+            </a:endParaRPr>
           </a:p>
           <a:p>
             <a:pPr marL="285750" indent="-285750" fontAlgn="base">
@@ -9156,26 +9067,6 @@
                 <a:latin typeface="맑은고딕"/>
               </a:rPr>
               <a:t>만명으로 증가</a:t>
-            </a:r>
-            <a:r>
-              <a:rPr lang="ko-KR" altLang="en-US" sz="1500" i="0">
-                <a:solidFill>
-                  <a:srgbClr val="333333"/>
-                </a:solidFill>
-                <a:effectLst/>
-                <a:latin typeface="맑은고딕"/>
-              </a:rPr>
-              <a:t>함</a:t>
-            </a:r>
-            <a:r>
-              <a:rPr lang="en-US" altLang="ko-KR" sz="1500" i="0">
-                <a:solidFill>
-                  <a:srgbClr val="333333"/>
-                </a:solidFill>
-                <a:effectLst/>
-                <a:latin typeface="맑은고딕"/>
-              </a:rPr>
-              <a:t>.</a:t>
             </a:r>
             <a:endParaRPr lang="en-US" altLang="ko-KR" sz="1500" i="0">
               <a:solidFill>
@@ -10207,15 +10098,6 @@
                 <a:latin typeface="맑은고딕"/>
               </a:rPr>
               <a:t> 순으로 비율이 가장 높음</a:t>
-            </a:r>
-            <a:r>
-              <a:rPr lang="en-US" altLang="ko-KR" sz="1500">
-                <a:solidFill>
-                  <a:srgbClr val="333333"/>
-                </a:solidFill>
-                <a:latin typeface="맑은고딕"/>
-              </a:rPr>
-              <a:t>.</a:t>
             </a:r>
             <a:endParaRPr lang="en-US" altLang="ko-KR" sz="1500" i="0">
               <a:solidFill>
@@ -10973,15 +10855,12 @@
               </a:rPr>
               <a:t>설치 면적이 작음</a:t>
             </a:r>
-            <a:r>
-              <a:rPr lang="en-US" altLang="ko-KR" sz="1500" b="1">
-                <a:solidFill>
-                  <a:srgbClr val="333333"/>
-                </a:solidFill>
-                <a:latin typeface="맑은고딕"/>
-              </a:rPr>
-              <a:t>.</a:t>
-            </a:r>
+            <a:endParaRPr lang="en-US" altLang="ko-KR" sz="1500" b="1">
+              <a:solidFill>
+                <a:srgbClr val="333333"/>
+              </a:solidFill>
+              <a:latin typeface="맑은고딕"/>
+            </a:endParaRPr>
           </a:p>
           <a:p>
             <a:pPr marL="285750" indent="-285750" fontAlgn="base">
@@ -11041,16 +10920,13 @@
               </a:rPr>
               <a:t>적음</a:t>
             </a:r>
-            <a:r>
-              <a:rPr lang="en-US" altLang="ko-KR" sz="1500" b="1" i="0">
-                <a:solidFill>
-                  <a:srgbClr val="000000"/>
-                </a:solidFill>
-                <a:effectLst/>
-                <a:latin typeface="se-nanumgothic"/>
-              </a:rPr>
-              <a:t>.</a:t>
-            </a:r>
+            <a:endParaRPr lang="en-US" altLang="ko-KR" sz="1500" b="1" i="0">
+              <a:solidFill>
+                <a:srgbClr val="000000"/>
+              </a:solidFill>
+              <a:effectLst/>
+              <a:latin typeface="se-nanumgothic"/>
+            </a:endParaRPr>
           </a:p>
           <a:p>
             <a:pPr marL="285750" indent="-285750" fontAlgn="base">
@@ -11077,15 +10953,6 @@
                 <a:latin typeface="se-nanumgothic"/>
               </a:rPr>
               <a:t>국내 설비량이 많음</a:t>
-            </a:r>
-            <a:r>
-              <a:rPr lang="en-US" altLang="ko-KR" sz="1500" b="1">
-                <a:solidFill>
-                  <a:srgbClr val="000000"/>
-                </a:solidFill>
-                <a:latin typeface="se-nanumgothic"/>
-              </a:rPr>
-              <a:t>.</a:t>
             </a:r>
             <a:endParaRPr lang="en-US" altLang="ko-KR" sz="1500" b="1" i="0">
               <a:solidFill>
@@ -11450,18 +11317,9 @@
               </a:rPr>
               <a:t>중요</a:t>
             </a:r>
-            <a:r>
-              <a:rPr lang="ko-KR" altLang="en-US">
-                <a:effectLst/>
-              </a:rPr>
-              <a:t>함</a:t>
-            </a:r>
-            <a:r>
-              <a:rPr lang="en-US" altLang="ko-KR">
-                <a:effectLst/>
-              </a:rPr>
-              <a:t>.</a:t>
-            </a:r>
+            <a:endParaRPr lang="en-US" altLang="ko-KR">
+              <a:effectLst/>
+            </a:endParaRPr>
           </a:p>
           <a:p>
             <a:pPr marL="285750" indent="-285750">
@@ -11483,16 +11341,7 @@
               </a:rPr>
               <a:t>일사량 정보를 수집하는 것이 필수요소</a:t>
             </a:r>
-            <a:r>
-              <a:rPr lang="ko-KR" altLang="en-US">
-                <a:effectLst/>
-              </a:rPr>
-              <a:t>임</a:t>
-            </a:r>
-            <a:r>
-              <a:rPr lang="en-US" altLang="ko-KR" b="1"/>
-              <a:t>.</a:t>
-            </a:r>
+            <a:endParaRPr lang="en-US" altLang="ko-KR" b="1"/>
           </a:p>
         </p:txBody>
       </p:sp>
@@ -11614,12 +11463,9 @@
               </a:rPr>
               <a:t>일사량에 대한 예측값은 제공하지 않음</a:t>
             </a:r>
-            <a:r>
-              <a:rPr lang="en-US" altLang="ko-KR">
-                <a:effectLst/>
-              </a:rPr>
-              <a:t>.</a:t>
-            </a:r>
+            <a:endParaRPr lang="en-US" altLang="ko-KR">
+              <a:effectLst/>
+            </a:endParaRPr>
           </a:p>
           <a:p>
             <a:pPr marL="285750" indent="-285750">
@@ -11662,18 +11508,6 @@
                 <a:effectLst/>
               </a:rPr>
               <a:t> 진행</a:t>
-            </a:r>
-            <a:r>
-              <a:rPr lang="ko-KR" altLang="en-US">
-                <a:effectLst/>
-              </a:rPr>
-              <a:t>함</a:t>
-            </a:r>
-            <a:r>
-              <a:rPr lang="en-US" altLang="ko-KR" b="1">
-                <a:effectLst/>
-              </a:rPr>
-              <a:t>.</a:t>
             </a:r>
             <a:endParaRPr lang="ko-KR" altLang="en-US" b="1"/>
           </a:p>
@@ -12225,9 +12059,9 @@
         <p:grpSpPr>
           <a:xfrm>
             <a:off x="492575" y="3634284"/>
-            <a:ext cx="7320643" cy="912712"/>
+            <a:ext cx="7008058" cy="912712"/>
             <a:chOff x="492575" y="4496793"/>
-            <a:chExt cx="7320643" cy="912712"/>
+            <a:chExt cx="7008058" cy="912712"/>
           </a:xfrm>
         </p:grpSpPr>
         <p:sp>
@@ -12280,7 +12114,7 @@
           <p:spPr>
             <a:xfrm>
               <a:off x="860674" y="4955213"/>
-              <a:ext cx="6952544" cy="454292"/>
+              <a:ext cx="6639959" cy="454292"/>
             </a:xfrm>
             <a:prstGeom prst="rect">
               <a:avLst/>
@@ -12322,12 +12156,9 @@
               </a:r>
               <a:r>
                 <a:rPr lang="ko-KR" altLang="en-US"/>
-                <a:t> 등이 일사량 예측 모델 구성에 중요한 변수임</a:t>
+                <a:t> 등이 일사량 예측 모델 구성에 중요한 변수</a:t>
               </a:r>
-              <a:r>
-                <a:rPr lang="en-US" altLang="ko-KR"/>
-                <a:t>.</a:t>
-              </a:r>
+              <a:endParaRPr lang="en-US" altLang="ko-KR"/>
             </a:p>
           </p:txBody>
         </p:sp>
@@ -12865,7 +12696,7 @@
         <p:spPr>
           <a:xfrm>
             <a:off x="798349" y="4059057"/>
-            <a:ext cx="4395755" cy="454292"/>
+            <a:ext cx="4113627" cy="454292"/>
           </a:xfrm>
           <a:prstGeom prst="rect">
             <a:avLst/>
@@ -12891,12 +12722,9 @@
             </a:r>
             <a:r>
               <a:rPr lang="ko-KR" altLang="en-US"/>
-              <a:t>예측 모델 구성에 중요한 변수임</a:t>
-            </a:r>
-            <a:r>
-              <a:rPr lang="en-US" altLang="ko-KR"/>
-              <a:t>.</a:t>
-            </a:r>
+              <a:t>예측 모델 구성에 중요한 변수</a:t>
+            </a:r>
+            <a:endParaRPr lang="en-US" altLang="ko-KR"/>
           </a:p>
         </p:txBody>
       </p:sp>

--- a/KICS_PT/[KICS] 동향 poster.pptx
+++ b/KICS_PT/[KICS] 동향 poster.pptx
@@ -212,7 +212,7 @@
           <a:p>
             <a:fld id="{EB511D2E-08D4-4358-8013-0B8E9796F08D}" type="datetimeFigureOut">
               <a:rPr lang="ko-KR" altLang="en-US" smtClean="0"/>
-              <a:t>2022-11-09</a:t>
+              <a:t>2022-11-11</a:t>
             </a:fld>
             <a:endParaRPr lang="ko-KR" altLang="en-US"/>
           </a:p>
@@ -794,7 +794,7 @@
           <a:p>
             <a:fld id="{B1A85668-658F-4FC8-8F81-563F46575ADE}" type="datetimeFigureOut">
               <a:rPr lang="ko-KR" altLang="en-US" smtClean="0"/>
-              <a:t>2022-11-09</a:t>
+              <a:t>2022-11-11</a:t>
             </a:fld>
             <a:endParaRPr lang="ko-KR" altLang="en-US"/>
           </a:p>
@@ -992,7 +992,7 @@
           <a:p>
             <a:fld id="{B1A85668-658F-4FC8-8F81-563F46575ADE}" type="datetimeFigureOut">
               <a:rPr lang="ko-KR" altLang="en-US" smtClean="0"/>
-              <a:t>2022-11-09</a:t>
+              <a:t>2022-11-11</a:t>
             </a:fld>
             <a:endParaRPr lang="ko-KR" altLang="en-US"/>
           </a:p>
@@ -1200,7 +1200,7 @@
           <a:p>
             <a:fld id="{B1A85668-658F-4FC8-8F81-563F46575ADE}" type="datetimeFigureOut">
               <a:rPr lang="ko-KR" altLang="en-US" smtClean="0"/>
-              <a:t>2022-11-09</a:t>
+              <a:t>2022-11-11</a:t>
             </a:fld>
             <a:endParaRPr lang="ko-KR" altLang="en-US"/>
           </a:p>
@@ -1398,7 +1398,7 @@
           <a:p>
             <a:fld id="{B1A85668-658F-4FC8-8F81-563F46575ADE}" type="datetimeFigureOut">
               <a:rPr lang="ko-KR" altLang="en-US" smtClean="0"/>
-              <a:t>2022-11-09</a:t>
+              <a:t>2022-11-11</a:t>
             </a:fld>
             <a:endParaRPr lang="ko-KR" altLang="en-US"/>
           </a:p>
@@ -1673,7 +1673,7 @@
           <a:p>
             <a:fld id="{B1A85668-658F-4FC8-8F81-563F46575ADE}" type="datetimeFigureOut">
               <a:rPr lang="ko-KR" altLang="en-US" smtClean="0"/>
-              <a:t>2022-11-09</a:t>
+              <a:t>2022-11-11</a:t>
             </a:fld>
             <a:endParaRPr lang="ko-KR" altLang="en-US"/>
           </a:p>
@@ -1938,7 +1938,7 @@
           <a:p>
             <a:fld id="{B1A85668-658F-4FC8-8F81-563F46575ADE}" type="datetimeFigureOut">
               <a:rPr lang="ko-KR" altLang="en-US" smtClean="0"/>
-              <a:t>2022-11-09</a:t>
+              <a:t>2022-11-11</a:t>
             </a:fld>
             <a:endParaRPr lang="ko-KR" altLang="en-US"/>
           </a:p>
@@ -2350,7 +2350,7 @@
           <a:p>
             <a:fld id="{B1A85668-658F-4FC8-8F81-563F46575ADE}" type="datetimeFigureOut">
               <a:rPr lang="ko-KR" altLang="en-US" smtClean="0"/>
-              <a:t>2022-11-09</a:t>
+              <a:t>2022-11-11</a:t>
             </a:fld>
             <a:endParaRPr lang="ko-KR" altLang="en-US"/>
           </a:p>
@@ -2491,7 +2491,7 @@
           <a:p>
             <a:fld id="{B1A85668-658F-4FC8-8F81-563F46575ADE}" type="datetimeFigureOut">
               <a:rPr lang="ko-KR" altLang="en-US" smtClean="0"/>
-              <a:t>2022-11-09</a:t>
+              <a:t>2022-11-11</a:t>
             </a:fld>
             <a:endParaRPr lang="ko-KR" altLang="en-US"/>
           </a:p>
@@ -2604,7 +2604,7 @@
           <a:p>
             <a:fld id="{B1A85668-658F-4FC8-8F81-563F46575ADE}" type="datetimeFigureOut">
               <a:rPr lang="ko-KR" altLang="en-US" smtClean="0"/>
-              <a:t>2022-11-09</a:t>
+              <a:t>2022-11-11</a:t>
             </a:fld>
             <a:endParaRPr lang="ko-KR" altLang="en-US"/>
           </a:p>
@@ -2915,7 +2915,7 @@
           <a:p>
             <a:fld id="{B1A85668-658F-4FC8-8F81-563F46575ADE}" type="datetimeFigureOut">
               <a:rPr lang="ko-KR" altLang="en-US" smtClean="0"/>
-              <a:t>2022-11-09</a:t>
+              <a:t>2022-11-11</a:t>
             </a:fld>
             <a:endParaRPr lang="ko-KR" altLang="en-US"/>
           </a:p>
@@ -3203,7 +3203,7 @@
           <a:p>
             <a:fld id="{B1A85668-658F-4FC8-8F81-563F46575ADE}" type="datetimeFigureOut">
               <a:rPr lang="ko-KR" altLang="en-US" smtClean="0"/>
-              <a:t>2022-11-09</a:t>
+              <a:t>2022-11-11</a:t>
             </a:fld>
             <a:endParaRPr lang="ko-KR" altLang="en-US"/>
           </a:p>
@@ -3444,7 +3444,7 @@
           <a:p>
             <a:fld id="{B1A85668-658F-4FC8-8F81-563F46575ADE}" type="datetimeFigureOut">
               <a:rPr lang="ko-KR" altLang="en-US" smtClean="0"/>
-              <a:t>2022-11-09</a:t>
+              <a:t>2022-11-11</a:t>
             </a:fld>
             <a:endParaRPr lang="ko-KR" altLang="en-US"/>
           </a:p>
@@ -4839,9 +4839,9 @@
         <p:grpSpPr>
           <a:xfrm>
             <a:off x="430250" y="2431855"/>
-            <a:ext cx="4524144" cy="1943577"/>
+            <a:ext cx="5272745" cy="1943577"/>
             <a:chOff x="430250" y="1178351"/>
-            <a:chExt cx="4524144" cy="1943577"/>
+            <a:chExt cx="5272745" cy="1943577"/>
           </a:xfrm>
         </p:grpSpPr>
         <p:sp>
@@ -4859,7 +4859,7 @@
           <p:spPr>
             <a:xfrm>
               <a:off x="430250" y="1178351"/>
-              <a:ext cx="2507418" cy="369332"/>
+              <a:ext cx="3925113" cy="369332"/>
             </a:xfrm>
             <a:prstGeom prst="rect">
               <a:avLst/>
@@ -4873,9 +4873,26 @@
             <a:lstStyle/>
             <a:p>
               <a:r>
+                <a:rPr lang="en-US" altLang="ko-KR" b="1"/>
+                <a:t>Tree </a:t>
+              </a:r>
+              <a:r>
+                <a:rPr lang="ko-KR" altLang="en-US" b="1"/>
+                <a:t>일사량 </a:t>
+              </a:r>
+              <a:r>
                 <a:rPr lang="ko-KR" altLang="en-US" b="1" dirty="0"/>
-                <a:t>일사량 예측 모델 구성</a:t>
-              </a:r>
+                <a:t>예측 </a:t>
+              </a:r>
+              <a:r>
+                <a:rPr lang="ko-KR" altLang="en-US" b="1"/>
+                <a:t>모델 구성 </a:t>
+              </a:r>
+              <a:r>
+                <a:rPr lang="en-US" altLang="ko-KR" sz="1600" b="1"/>
+                <a:t>(RMSE)</a:t>
+              </a:r>
+              <a:endParaRPr lang="ko-KR" altLang="en-US" sz="1600" b="1" dirty="0"/>
             </a:p>
           </p:txBody>
         </p:sp>
@@ -4894,7 +4911,7 @@
           <p:spPr>
             <a:xfrm>
               <a:off x="810887" y="1599908"/>
-              <a:ext cx="4143507" cy="1522020"/>
+              <a:ext cx="4892108" cy="1522020"/>
             </a:xfrm>
             <a:prstGeom prst="rect">
               <a:avLst/>
@@ -4920,7 +4937,11 @@
               </a:r>
               <a:r>
                 <a:rPr lang="en-US" altLang="ko-KR" sz="1600"/>
-                <a:t>( Random Forest RF )</a:t>
+                <a:t>(Random Forest : RF) </a:t>
+              </a:r>
+              <a:r>
+                <a:rPr lang="en-US" altLang="ko-KR" sz="1600" b="1"/>
+                <a:t>(0.302)</a:t>
               </a:r>
             </a:p>
             <a:p>
@@ -4933,7 +4954,11 @@
               </a:pPr>
               <a:r>
                 <a:rPr lang="en-US" altLang="ko-KR" sz="1600"/>
-                <a:t>GBM ( Gradient Boosting Machine )</a:t>
+                <a:t>GBM (Gradient Boosting Machine) </a:t>
+              </a:r>
+              <a:r>
+                <a:rPr lang="en-US" altLang="ko-KR" sz="1600" b="1"/>
+                <a:t>(0.288)</a:t>
               </a:r>
             </a:p>
             <a:p>
@@ -4946,7 +4971,11 @@
               </a:pPr>
               <a:r>
                 <a:rPr lang="en-US" altLang="ko-KR" sz="1600"/>
-                <a:t>XGBoost ( eXtreme Gradient Boosting )</a:t>
+                <a:t>XGBoost (eXtreme Gradient Boosting) </a:t>
+              </a:r>
+              <a:r>
+                <a:rPr lang="en-US" altLang="ko-KR" sz="1600" b="1"/>
+                <a:t>(0.289)</a:t>
               </a:r>
             </a:p>
             <a:p>
@@ -4959,7 +4988,7 @@
               </a:pPr>
               <a:r>
                 <a:rPr lang="en-US" altLang="ko-KR" sz="1600" b="1"/>
-                <a:t>LightGBM ( Light GBM ) </a:t>
+                <a:t>LightGBM (Light GBM) (0.285)</a:t>
               </a:r>
               <a:endParaRPr lang="en-US" altLang="ko-KR" sz="1600" b="1" dirty="0"/>
             </a:p>
@@ -4980,8 +5009,8 @@
         </p:nvGrpSpPr>
         <p:grpSpPr>
           <a:xfrm>
-            <a:off x="6590614" y="2759268"/>
-            <a:ext cx="3887290" cy="2299234"/>
+            <a:off x="7312797" y="4531422"/>
+            <a:ext cx="3037239" cy="1796450"/>
             <a:chOff x="6590614" y="2348722"/>
             <a:chExt cx="3887290" cy="2299234"/>
           </a:xfrm>
@@ -5175,6 +5204,167 @@
                 <a:t> 손실을 줄일 수 있음</a:t>
               </a:r>
               <a:endParaRPr lang="en-US" altLang="ko-KR" sz="1000" dirty="0"/>
+            </a:p>
+          </p:txBody>
+        </p:sp>
+      </p:grpSp>
+      <p:grpSp>
+        <p:nvGrpSpPr>
+          <p:cNvPr id="6" name="그룹 5">
+            <a:extLst>
+              <a:ext uri="{FF2B5EF4-FFF2-40B4-BE49-F238E27FC236}">
+                <a16:creationId xmlns:a16="http://schemas.microsoft.com/office/drawing/2014/main" id="{2B7B542F-B30A-5580-B216-AEFEF82BA1F6}"/>
+              </a:ext>
+            </a:extLst>
+          </p:cNvPr>
+          <p:cNvGrpSpPr/>
+          <p:nvPr/>
+        </p:nvGrpSpPr>
+        <p:grpSpPr>
+          <a:xfrm>
+            <a:off x="6240579" y="2431855"/>
+            <a:ext cx="5181675" cy="1943577"/>
+            <a:chOff x="430250" y="1178351"/>
+            <a:chExt cx="5181675" cy="1943577"/>
+          </a:xfrm>
+        </p:grpSpPr>
+        <p:sp>
+          <p:nvSpPr>
+            <p:cNvPr id="7" name="TextBox 6">
+              <a:extLst>
+                <a:ext uri="{FF2B5EF4-FFF2-40B4-BE49-F238E27FC236}">
+                  <a16:creationId xmlns:a16="http://schemas.microsoft.com/office/drawing/2014/main" id="{8124F6E0-D361-9420-A8A3-49F1D64AD912}"/>
+                </a:ext>
+              </a:extLst>
+            </p:cNvPr>
+            <p:cNvSpPr txBox="1"/>
+            <p:nvPr/>
+          </p:nvSpPr>
+          <p:spPr>
+            <a:xfrm>
+              <a:off x="430250" y="1178351"/>
+              <a:ext cx="5181675" cy="369332"/>
+            </a:xfrm>
+            <a:prstGeom prst="rect">
+              <a:avLst/>
+            </a:prstGeom>
+            <a:noFill/>
+          </p:spPr>
+          <p:txBody>
+            <a:bodyPr wrap="none" rtlCol="0">
+              <a:spAutoFit/>
+            </a:bodyPr>
+            <a:lstStyle/>
+            <a:p>
+              <a:r>
+                <a:rPr lang="en-US" altLang="ko-KR" b="1"/>
+                <a:t>Neural network </a:t>
+              </a:r>
+              <a:r>
+                <a:rPr lang="ko-KR" altLang="en-US" b="1"/>
+                <a:t>일사량 </a:t>
+              </a:r>
+              <a:r>
+                <a:rPr lang="ko-KR" altLang="en-US" b="1" dirty="0"/>
+                <a:t>예측 </a:t>
+              </a:r>
+              <a:r>
+                <a:rPr lang="ko-KR" altLang="en-US" b="1"/>
+                <a:t>모델 구성 </a:t>
+              </a:r>
+              <a:r>
+                <a:rPr lang="en-US" altLang="ko-KR" sz="1600" b="1"/>
+                <a:t>(RMSE)</a:t>
+              </a:r>
+              <a:endParaRPr lang="ko-KR" altLang="en-US" sz="1600" b="1" dirty="0"/>
+            </a:p>
+          </p:txBody>
+        </p:sp>
+        <p:sp>
+          <p:nvSpPr>
+            <p:cNvPr id="11" name="TextBox 10">
+              <a:extLst>
+                <a:ext uri="{FF2B5EF4-FFF2-40B4-BE49-F238E27FC236}">
+                  <a16:creationId xmlns:a16="http://schemas.microsoft.com/office/drawing/2014/main" id="{AD394A7F-CE7A-230F-C5E3-524400AB0654}"/>
+                </a:ext>
+              </a:extLst>
+            </p:cNvPr>
+            <p:cNvSpPr txBox="1"/>
+            <p:nvPr/>
+          </p:nvSpPr>
+          <p:spPr>
+            <a:xfrm>
+              <a:off x="810887" y="1599908"/>
+              <a:ext cx="4685898" cy="1522020"/>
+            </a:xfrm>
+            <a:prstGeom prst="rect">
+              <a:avLst/>
+            </a:prstGeom>
+            <a:noFill/>
+          </p:spPr>
+          <p:txBody>
+            <a:bodyPr wrap="none" rtlCol="0">
+              <a:spAutoFit/>
+            </a:bodyPr>
+            <a:lstStyle/>
+            <a:p>
+              <a:pPr marL="285750" indent="-285750">
+                <a:lnSpc>
+                  <a:spcPct val="150000"/>
+                </a:lnSpc>
+                <a:buFont typeface="Wingdings" panose="05000000000000000000" pitchFamily="2" charset="2"/>
+                <a:buChar char="§"/>
+              </a:pPr>
+              <a:r>
+                <a:rPr lang="en-US" altLang="ko-KR" sz="1600" i="0">
+                  <a:effectLst/>
+                  <a:latin typeface="Poppins" panose="020B0502040204020203" pitchFamily="2" charset="0"/>
+                </a:rPr>
+                <a:t>Single-Layer Neural Network (SNN) </a:t>
+              </a:r>
+              <a:r>
+                <a:rPr lang="en-US" altLang="ko-KR" sz="1600"/>
+                <a:t>(0.588)</a:t>
+              </a:r>
+            </a:p>
+            <a:p>
+              <a:pPr marL="285750" indent="-285750">
+                <a:lnSpc>
+                  <a:spcPct val="150000"/>
+                </a:lnSpc>
+                <a:buFont typeface="Wingdings" panose="05000000000000000000" pitchFamily="2" charset="2"/>
+                <a:buChar char="§"/>
+              </a:pPr>
+              <a:r>
+                <a:rPr lang="en-US" altLang="ko-KR" sz="1600"/>
+                <a:t>Deep Neural Network (DNN) (0.545)</a:t>
+              </a:r>
+            </a:p>
+            <a:p>
+              <a:pPr marL="285750" indent="-285750">
+                <a:lnSpc>
+                  <a:spcPct val="150000"/>
+                </a:lnSpc>
+                <a:buFont typeface="Wingdings" panose="05000000000000000000" pitchFamily="2" charset="2"/>
+                <a:buChar char="§"/>
+              </a:pPr>
+              <a:r>
+                <a:rPr lang="en-US" altLang="ko-KR" sz="1600"/>
+                <a:t>Logn short-term memory (LSTM) (0.544)</a:t>
+              </a:r>
+            </a:p>
+            <a:p>
+              <a:pPr marL="285750" indent="-285750">
+                <a:lnSpc>
+                  <a:spcPct val="150000"/>
+                </a:lnSpc>
+                <a:buFont typeface="Wingdings" panose="05000000000000000000" pitchFamily="2" charset="2"/>
+                <a:buChar char="§"/>
+              </a:pPr>
+              <a:r>
+                <a:rPr lang="en-US" altLang="ko-KR" sz="1600"/>
+                <a:t>Attention Mechanism (ATT-LSTM) (0.381)</a:t>
+              </a:r>
             </a:p>
           </p:txBody>
         </p:sp>
@@ -5628,7 +5818,7 @@
         </p:nvGrpSpPr>
         <p:grpSpPr>
           <a:xfrm>
-            <a:off x="430250" y="4532377"/>
+            <a:off x="430250" y="4731687"/>
             <a:ext cx="5810521" cy="840093"/>
             <a:chOff x="492575" y="4496793"/>
             <a:chExt cx="5810521" cy="840093"/>
@@ -5731,10 +5921,10 @@
         </p:nvGrpSpPr>
         <p:grpSpPr>
           <a:xfrm>
-            <a:off x="430250" y="2301366"/>
-            <a:ext cx="6429665" cy="1943577"/>
+            <a:off x="430250" y="2216355"/>
+            <a:ext cx="7223151" cy="2312909"/>
             <a:chOff x="430250" y="1178351"/>
-            <a:chExt cx="6429665" cy="1943577"/>
+            <a:chExt cx="7223151" cy="2312909"/>
           </a:xfrm>
         </p:grpSpPr>
         <p:sp>
@@ -5752,7 +5942,7 @@
           <p:spPr>
             <a:xfrm>
               <a:off x="430250" y="1178351"/>
-              <a:ext cx="2507418" cy="369332"/>
+              <a:ext cx="3384260" cy="369332"/>
             </a:xfrm>
             <a:prstGeom prst="rect">
               <a:avLst/>
@@ -5767,8 +5957,17 @@
             <a:p>
               <a:r>
                 <a:rPr lang="ko-KR" altLang="en-US" b="1" dirty="0"/>
-                <a:t>일사량 예측 모델 구성</a:t>
-              </a:r>
+                <a:t>일사량 예측 </a:t>
+              </a:r>
+              <a:r>
+                <a:rPr lang="ko-KR" altLang="en-US" b="1"/>
+                <a:t>모델 구성 </a:t>
+              </a:r>
+              <a:r>
+                <a:rPr lang="en-US" altLang="ko-KR" sz="1800" b="1"/>
+                <a:t>(RMSE)</a:t>
+              </a:r>
+              <a:endParaRPr lang="ko-KR" altLang="en-US" b="1" dirty="0"/>
             </a:p>
           </p:txBody>
         </p:sp>
@@ -5787,7 +5986,7 @@
           <p:spPr>
             <a:xfrm>
               <a:off x="810887" y="1599908"/>
-              <a:ext cx="6049028" cy="1522020"/>
+              <a:ext cx="6842514" cy="1891352"/>
             </a:xfrm>
             <a:prstGeom prst="rect">
               <a:avLst/>
@@ -5813,7 +6012,7 @@
               </a:r>
               <a:r>
                 <a:rPr lang="en-US" altLang="ko-KR" sz="1600" b="1"/>
-                <a:t>( Conditional Random Forests CRF )</a:t>
+                <a:t>(Conditional Random Forests : CRF) (166.08)</a:t>
               </a:r>
             </a:p>
             <a:p>
@@ -5826,11 +6025,11 @@
               </a:pPr>
               <a:r>
                 <a:rPr lang="ko-KR" altLang="en-US" sz="1600"/>
-                <a:t>랜덤 포레스트 </a:t>
+                <a:t>다중 선형 회귀 </a:t>
               </a:r>
               <a:r>
                 <a:rPr lang="en-US" altLang="ko-KR" sz="1600"/>
-                <a:t>( Random Forest RF )</a:t>
+                <a:t>(Multiple Linear Regression : MLR) (296.39)</a:t>
               </a:r>
             </a:p>
             <a:p>
@@ -5843,24 +6042,11 @@
               </a:pPr>
               <a:r>
                 <a:rPr lang="ko-KR" altLang="en-US" sz="1600"/>
-                <a:t>의사결정 나무</a:t>
+                <a:t>랜덤 포레스트 </a:t>
               </a:r>
               <a:r>
                 <a:rPr lang="en-US" altLang="ko-KR" sz="1600"/>
-                <a:t> ( </a:t>
-              </a:r>
-              <a:r>
-                <a:rPr lang="en-US" altLang="ko-KR" sz="1600">
-                  <a:solidFill>
-                    <a:srgbClr val="000000"/>
-                  </a:solidFill>
-                  <a:latin typeface="noto"/>
-                </a:rPr>
-                <a:t>Decision Tree</a:t>
-              </a:r>
-              <a:r>
-                <a:rPr lang="en-US" altLang="ko-KR" sz="1600"/>
-                <a:t> )</a:t>
+                <a:t>(Random Forest : RF) (182.75)</a:t>
               </a:r>
             </a:p>
             <a:p>
@@ -5872,8 +6058,38 @@
                 <a:buChar char="§"/>
               </a:pPr>
               <a:r>
+                <a:rPr lang="ko-KR" altLang="en-US" sz="1600"/>
+                <a:t>의사결정 나무</a:t>
+              </a:r>
+              <a:r>
                 <a:rPr lang="en-US" altLang="ko-KR" sz="1600"/>
-                <a:t>GBM ( Gradient Boosting Machine )</a:t>
+                <a:t> (</a:t>
+              </a:r>
+              <a:r>
+                <a:rPr lang="en-US" altLang="ko-KR" sz="1600">
+                  <a:solidFill>
+                    <a:srgbClr val="000000"/>
+                  </a:solidFill>
+                  <a:latin typeface="noto"/>
+                </a:rPr>
+                <a:t>Decision Tree : DT</a:t>
+              </a:r>
+              <a:r>
+                <a:rPr lang="en-US" altLang="ko-KR" sz="1600"/>
+                <a:t>) (219.90)</a:t>
+              </a:r>
+            </a:p>
+            <a:p>
+              <a:pPr marL="285750" indent="-285750">
+                <a:lnSpc>
+                  <a:spcPct val="150000"/>
+                </a:lnSpc>
+                <a:buFont typeface="Wingdings" panose="05000000000000000000" pitchFamily="2" charset="2"/>
+                <a:buChar char="§"/>
+              </a:pPr>
+              <a:r>
+                <a:rPr lang="en-US" altLang="ko-KR" sz="1600"/>
+                <a:t>GBM (Gradient Boosting Machine) (176.74)</a:t>
               </a:r>
               <a:endParaRPr lang="en-US" altLang="ko-KR" sz="1600" dirty="0"/>
             </a:p>
@@ -5894,7 +6110,7 @@
         </p:nvGrpSpPr>
         <p:grpSpPr>
           <a:xfrm>
-            <a:off x="430250" y="5659903"/>
+            <a:off x="430250" y="5774203"/>
             <a:ext cx="6222728" cy="715247"/>
             <a:chOff x="430250" y="1239312"/>
             <a:chExt cx="6222728" cy="715247"/>
@@ -6026,8 +6242,8 @@
         </p:nvGrpSpPr>
         <p:grpSpPr>
           <a:xfrm>
-            <a:off x="7098366" y="2925380"/>
-            <a:ext cx="4663384" cy="1836856"/>
+            <a:off x="7785924" y="3456496"/>
+            <a:ext cx="3438844" cy="1354523"/>
             <a:chOff x="7098366" y="2720108"/>
             <a:chExt cx="4663384" cy="1836856"/>
           </a:xfrm>
@@ -6148,9 +6364,9 @@
         <p:grpSpPr>
           <a:xfrm>
             <a:off x="430250" y="1178351"/>
-            <a:ext cx="7759580" cy="835581"/>
+            <a:ext cx="7721108" cy="835581"/>
             <a:chOff x="430250" y="1178351"/>
-            <a:chExt cx="7759580" cy="835581"/>
+            <a:chExt cx="7721108" cy="835581"/>
           </a:xfrm>
         </p:grpSpPr>
         <p:sp>
@@ -6204,7 +6420,7 @@
           <p:spPr>
             <a:xfrm>
               <a:off x="810887" y="1599908"/>
-              <a:ext cx="7378943" cy="414024"/>
+              <a:ext cx="7340471" cy="414024"/>
             </a:xfrm>
             <a:prstGeom prst="rect">
               <a:avLst/>
@@ -6238,7 +6454,23 @@
               </a:r>
               <a:r>
                 <a:rPr lang="ko-KR" altLang="en-US" sz="1600"/>
-                <a:t>년 까지의 영암 발전소 근처의 목포 시간별 기상데이터 사용</a:t>
+                <a:t>년</a:t>
+              </a:r>
+              <a:r>
+                <a:rPr lang="en-US" altLang="ko-KR" sz="1600"/>
+                <a:t>(3</a:t>
+              </a:r>
+              <a:r>
+                <a:rPr lang="ko-KR" altLang="en-US" sz="1600"/>
+                <a:t>년</a:t>
+              </a:r>
+              <a:r>
+                <a:rPr lang="en-US" altLang="ko-KR" sz="1600"/>
+                <a:t>)</a:t>
+              </a:r>
+              <a:r>
+                <a:rPr lang="ko-KR" altLang="en-US" sz="1600"/>
+                <a:t>의 영암 발전소 근처의 목포 시간별 기상데이터 사용</a:t>
               </a:r>
               <a:endParaRPr lang="en-US" altLang="ko-KR" sz="1600" dirty="0"/>
             </a:p>
@@ -6560,9 +6792,9 @@
         <p:grpSpPr>
           <a:xfrm>
             <a:off x="430250" y="2301366"/>
-            <a:ext cx="4729841" cy="1574245"/>
+            <a:ext cx="5911254" cy="1574245"/>
             <a:chOff x="430250" y="1178351"/>
-            <a:chExt cx="4729841" cy="1574245"/>
+            <a:chExt cx="5911254" cy="1574245"/>
           </a:xfrm>
         </p:grpSpPr>
         <p:sp>
@@ -6580,7 +6812,7 @@
           <p:spPr>
             <a:xfrm>
               <a:off x="430250" y="1178351"/>
-              <a:ext cx="2507418" cy="369332"/>
+              <a:ext cx="3384260" cy="369332"/>
             </a:xfrm>
             <a:prstGeom prst="rect">
               <a:avLst/>
@@ -6595,8 +6827,17 @@
             <a:p>
               <a:r>
                 <a:rPr lang="ko-KR" altLang="en-US" b="1" dirty="0"/>
-                <a:t>일사량 예측 모델 구성</a:t>
-              </a:r>
+                <a:t>일사량 예측 </a:t>
+              </a:r>
+              <a:r>
+                <a:rPr lang="ko-KR" altLang="en-US" b="1"/>
+                <a:t>모델 구성 </a:t>
+              </a:r>
+              <a:r>
+                <a:rPr lang="en-US" altLang="ko-KR" sz="1800" b="1"/>
+                <a:t>(RMSE)</a:t>
+              </a:r>
+              <a:endParaRPr lang="ko-KR" altLang="en-US" b="1" dirty="0"/>
             </a:p>
           </p:txBody>
         </p:sp>
@@ -6615,7 +6856,7 @@
           <p:spPr>
             <a:xfrm>
               <a:off x="810887" y="1599908"/>
-              <a:ext cx="4349204" cy="1152688"/>
+              <a:ext cx="5530617" cy="1152688"/>
             </a:xfrm>
             <a:prstGeom prst="rect">
               <a:avLst/>
@@ -6641,7 +6882,7 @@
               </a:r>
               <a:r>
                 <a:rPr lang="en-US" altLang="ko-KR" sz="1600"/>
-                <a:t>( Deep neural networks )</a:t>
+                <a:t>(Deep neural networks : DNN) (0.227)</a:t>
               </a:r>
             </a:p>
             <a:p>
@@ -6658,7 +6899,7 @@
               </a:r>
               <a:r>
                 <a:rPr lang="en-US" altLang="ko-KR" sz="1600"/>
-                <a:t>( Recurrent Neural Network )</a:t>
+                <a:t>(Recurrent Neural Network : RNN) (0.147)</a:t>
               </a:r>
             </a:p>
             <a:p>
@@ -6671,7 +6912,7 @@
               </a:pPr>
               <a:r>
                 <a:rPr lang="en-US" altLang="ko-KR" sz="1600" b="1"/>
-                <a:t>LSTM ( Long Short – Term Memory )</a:t>
+                <a:t>LSTM (Long short–term memory) (0.145)</a:t>
               </a:r>
               <a:endParaRPr lang="en-US" altLang="ko-KR" sz="1600" b="1" dirty="0"/>
             </a:p>
@@ -7132,7 +7373,7 @@
         <p:spPr>
           <a:xfrm>
             <a:off x="727172" y="2676548"/>
-            <a:ext cx="4063933" cy="414024"/>
+            <a:ext cx="4136069" cy="414024"/>
           </a:xfrm>
           <a:prstGeom prst="rect">
             <a:avLst/>
@@ -7153,8 +7394,12 @@
               <a:buChar char="§"/>
             </a:pPr>
             <a:r>
+              <a:rPr lang="en-US" altLang="ko-KR" sz="1600" b="1"/>
+              <a:t>CNN (</a:t>
+            </a:r>
+            <a:r>
               <a:rPr lang="en-US" altLang="ko-KR" sz="1600" b="1" dirty="0"/>
-              <a:t>CNN(Convolutional Neural Network)</a:t>
+              <a:t>Convolutional Neural Network)</a:t>
             </a:r>
           </a:p>
         </p:txBody>
@@ -7804,7 +8049,7 @@
         <p:spPr>
           <a:xfrm>
             <a:off x="868831" y="2921058"/>
-            <a:ext cx="3937103" cy="1522020"/>
+            <a:ext cx="4677884" cy="1522020"/>
           </a:xfrm>
           <a:prstGeom prst="rect">
             <a:avLst/>
@@ -7826,12 +8071,9 @@
             </a:pPr>
             <a:r>
               <a:rPr lang="en-US" altLang="ko-KR" sz="1600" b="1"/>
-              <a:t>ATT-LSTM ( Attention Mechanism </a:t>
-            </a:r>
-            <a:r>
-              <a:rPr lang="en-US" altLang="ko-KR" sz="1600" b="1" dirty="0"/>
-              <a:t>)</a:t>
-            </a:r>
+              <a:t>ATT-LSTM (Attention Mechanism) (0.394)</a:t>
+            </a:r>
+            <a:endParaRPr lang="en-US" altLang="ko-KR" sz="1600" b="1" dirty="0"/>
           </a:p>
           <a:p>
             <a:pPr marL="285750" indent="-285750">
@@ -7842,9 +8084,10 @@
               <a:buChar char="§"/>
             </a:pPr>
             <a:r>
-              <a:rPr lang="en-US" altLang="ko-KR" sz="1600" dirty="0"/>
-              <a:t>LSTM ( Long Short – Term Memory )</a:t>
-            </a:r>
+              <a:rPr lang="en-US" altLang="ko-KR" sz="1600"/>
+              <a:t>LSTM (Long Short – Term Memory) (0.482)</a:t>
+            </a:r>
+            <a:endParaRPr lang="en-US" altLang="ko-KR" sz="1600" dirty="0"/>
           </a:p>
           <a:p>
             <a:pPr marL="285750" indent="-285750">
@@ -7855,9 +8098,21 @@
               <a:buChar char="§"/>
             </a:pPr>
             <a:r>
-              <a:rPr lang="en-US" altLang="ko-KR" sz="1600" dirty="0"/>
-              <a:t>SNN ( Spiking neural network )</a:t>
-            </a:r>
+              <a:rPr lang="en-US" altLang="ko-KR" sz="1600"/>
+              <a:t>SNN (</a:t>
+            </a:r>
+            <a:r>
+              <a:rPr lang="en-US" altLang="ko-KR" sz="1600" i="0">
+                <a:effectLst/>
+                <a:latin typeface="Poppins" panose="020B0502040204020203" pitchFamily="2" charset="0"/>
+              </a:rPr>
+              <a:t>Single-Layer Neural Network</a:t>
+            </a:r>
+            <a:r>
+              <a:rPr lang="en-US" altLang="ko-KR" sz="1600"/>
+              <a:t>) (0.521)</a:t>
+            </a:r>
+            <a:endParaRPr lang="en-US" altLang="ko-KR" sz="1600" dirty="0"/>
           </a:p>
           <a:p>
             <a:pPr marL="285750" indent="-285750">
@@ -7868,9 +8123,10 @@
               <a:buChar char="§"/>
             </a:pPr>
             <a:r>
-              <a:rPr lang="en-US" altLang="ko-KR" sz="1600" dirty="0"/>
-              <a:t>DNN ( Deep Neural Network )</a:t>
-            </a:r>
+              <a:rPr lang="en-US" altLang="ko-KR" sz="1600"/>
+              <a:t>DNN (Deep Neural Network) (0.492)</a:t>
+            </a:r>
+            <a:endParaRPr lang="en-US" altLang="ko-KR" sz="1600" dirty="0"/>
           </a:p>
         </p:txBody>
       </p:sp>
@@ -8139,7 +8395,7 @@
         </p:nvGrpSpPr>
         <p:grpSpPr>
           <a:xfrm>
-            <a:off x="5749108" y="2313365"/>
+            <a:off x="5853883" y="2313365"/>
             <a:ext cx="5804193" cy="2383452"/>
             <a:chOff x="5749108" y="2136082"/>
             <a:chExt cx="5804193" cy="2383452"/>
@@ -8533,7 +8789,7 @@
                 <a:effectLst/>
                 <a:latin typeface="Source Sans Pro" panose="020B0604020202020204" pitchFamily="34" charset="0"/>
               </a:rPr>
-              <a:t> 여러개 모델을 조합하여 더 정확한 예측에 도움을 주는</a:t>
+              <a:t> 여러 개 모델을 조합하여 더 정확한 예측에 도움을 주는</a:t>
             </a:r>
             <a:r>
               <a:rPr lang="ko-KR" altLang="en-US" b="0" i="0">
@@ -8633,7 +8889,19 @@
               <a:rPr lang="ko-KR" altLang="en-US" dirty="0">
                 <a:effectLst/>
               </a:rPr>
-              <a:t>은 이미지와 같이 테이블형식이 아닌 데이터에서도 </a:t>
+              <a:t>은 이미지와 </a:t>
+            </a:r>
+            <a:r>
+              <a:rPr lang="ko-KR" altLang="en-US">
+                <a:effectLst/>
+              </a:rPr>
+              <a:t>같이 테이블 형식이 </a:t>
+            </a:r>
+            <a:r>
+              <a:rPr lang="ko-KR" altLang="en-US" dirty="0">
+                <a:effectLst/>
+              </a:rPr>
+              <a:t>아닌 데이터에서도 </a:t>
             </a:r>
             <a:r>
               <a:rPr lang="ko-KR" altLang="en-US" b="1" dirty="0">
@@ -9248,7 +9516,7 @@
         <p:spPr>
           <a:xfrm>
             <a:off x="430250" y="1178351"/>
-            <a:ext cx="1834156" cy="4649478"/>
+            <a:ext cx="3106941" cy="4649478"/>
           </a:xfrm>
           <a:prstGeom prst="rect">
             <a:avLst/>
@@ -9310,13 +9578,18 @@
               <a:t>3-1. </a:t>
             </a:r>
             <a:r>
-              <a:rPr lang="ko-KR" altLang="en-US" sz="2000" dirty="0"/>
+              <a:rPr lang="ko-KR" altLang="en-US" sz="2000"/>
               <a:t>논문</a:t>
             </a:r>
             <a:r>
-              <a:rPr lang="en-US" altLang="ko-KR" sz="2000" dirty="0"/>
-              <a:t>1</a:t>
-            </a:r>
+              <a:rPr lang="en-US" altLang="ko-KR" sz="2000"/>
+              <a:t>1 </a:t>
+            </a:r>
+            <a:r>
+              <a:rPr lang="en-US" altLang="ko-KR" sz="1600"/>
+              <a:t>(2018)</a:t>
+            </a:r>
+            <a:endParaRPr lang="en-US" altLang="ko-KR" sz="1600" dirty="0"/>
           </a:p>
           <a:p>
             <a:pPr lvl="1">
@@ -9329,13 +9602,18 @@
               <a:t>3-2. </a:t>
             </a:r>
             <a:r>
-              <a:rPr lang="ko-KR" altLang="en-US" sz="2000" dirty="0"/>
+              <a:rPr lang="ko-KR" altLang="en-US" sz="2000"/>
               <a:t>논문</a:t>
             </a:r>
             <a:r>
-              <a:rPr lang="en-US" altLang="ko-KR" sz="2000" dirty="0"/>
-              <a:t>2</a:t>
-            </a:r>
+              <a:rPr lang="en-US" altLang="ko-KR" sz="2000"/>
+              <a:t>2 </a:t>
+            </a:r>
+            <a:r>
+              <a:rPr lang="en-US" altLang="ko-KR" sz="1600"/>
+              <a:t>(2020)</a:t>
+            </a:r>
+            <a:endParaRPr lang="en-US" altLang="ko-KR" sz="1600" dirty="0"/>
           </a:p>
           <a:p>
             <a:pPr lvl="1">
@@ -9345,16 +9623,25 @@
             </a:pPr>
             <a:r>
               <a:rPr lang="en-US" altLang="ko-KR" sz="2000" dirty="0"/>
-              <a:t>3-3. </a:t>
-            </a:r>
-            <a:r>
-              <a:rPr lang="ko-KR" altLang="en-US" sz="2000" dirty="0"/>
-              <a:t>논문</a:t>
-            </a:r>
-            <a:r>
-              <a:rPr lang="en-US" altLang="ko-KR" sz="2000" dirty="0"/>
-              <a:t>3</a:t>
-            </a:r>
+              <a:t>3-3</a:t>
+            </a:r>
+            <a:r>
+              <a:rPr lang="en-US" altLang="ko-KR" sz="2000"/>
+              <a:t>. </a:t>
+            </a:r>
+            <a:r>
+              <a:rPr lang="ko-KR" altLang="en-US" sz="2000"/>
+              <a:t>특허 논문</a:t>
+            </a:r>
+            <a:r>
+              <a:rPr lang="en-US" altLang="ko-KR" sz="2000"/>
+              <a:t>3 </a:t>
+            </a:r>
+            <a:r>
+              <a:rPr lang="en-US" altLang="ko-KR" sz="1600"/>
+              <a:t>(2022)</a:t>
+            </a:r>
+            <a:endParaRPr lang="en-US" altLang="ko-KR" sz="1600" dirty="0"/>
           </a:p>
           <a:p>
             <a:pPr lvl="1">
@@ -9367,13 +9654,18 @@
               <a:t>3-4. </a:t>
             </a:r>
             <a:r>
-              <a:rPr lang="ko-KR" altLang="en-US" sz="2000" dirty="0"/>
+              <a:rPr lang="ko-KR" altLang="en-US" sz="2000"/>
               <a:t>논문</a:t>
             </a:r>
             <a:r>
-              <a:rPr lang="en-US" altLang="ko-KR" sz="2000" dirty="0"/>
-              <a:t>4</a:t>
-            </a:r>
+              <a:rPr lang="en-US" altLang="ko-KR" sz="2000"/>
+              <a:t>4 </a:t>
+            </a:r>
+            <a:r>
+              <a:rPr lang="en-US" altLang="ko-KR" sz="1600"/>
+              <a:t>(2018)</a:t>
+            </a:r>
+            <a:endParaRPr lang="en-US" altLang="ko-KR" sz="1600" dirty="0"/>
           </a:p>
           <a:p>
             <a:pPr lvl="1">
@@ -9386,13 +9678,18 @@
               <a:t>3-5. </a:t>
             </a:r>
             <a:r>
-              <a:rPr lang="ko-KR" altLang="en-US" sz="2000" dirty="0"/>
+              <a:rPr lang="ko-KR" altLang="en-US" sz="2000"/>
               <a:t>논문</a:t>
             </a:r>
             <a:r>
-              <a:rPr lang="en-US" altLang="ko-KR" sz="2000" dirty="0"/>
-              <a:t>5</a:t>
-            </a:r>
+              <a:rPr lang="en-US" altLang="ko-KR" sz="2000"/>
+              <a:t>5 </a:t>
+            </a:r>
+            <a:r>
+              <a:rPr lang="en-US" altLang="ko-KR" sz="1600"/>
+              <a:t>(2019)</a:t>
+            </a:r>
+            <a:endParaRPr lang="en-US" altLang="ko-KR" sz="1600" dirty="0"/>
           </a:p>
           <a:p>
             <a:pPr lvl="1">
@@ -9405,13 +9702,18 @@
               <a:t>3-6. </a:t>
             </a:r>
             <a:r>
-              <a:rPr lang="ko-KR" altLang="en-US" sz="2000" dirty="0"/>
+              <a:rPr lang="ko-KR" altLang="en-US" sz="2000"/>
               <a:t>특허</a:t>
             </a:r>
             <a:r>
-              <a:rPr lang="en-US" altLang="ko-KR" sz="2000" dirty="0"/>
-              <a:t>6</a:t>
-            </a:r>
+              <a:rPr lang="en-US" altLang="ko-KR" sz="2000"/>
+              <a:t>6 </a:t>
+            </a:r>
+            <a:r>
+              <a:rPr lang="en-US" altLang="ko-KR" sz="1600"/>
+              <a:t>(2021)</a:t>
+            </a:r>
+            <a:endParaRPr lang="en-US" altLang="ko-KR" sz="1600" dirty="0"/>
           </a:p>
           <a:p>
             <a:pPr marL="342900" indent="-342900">
@@ -10119,7 +10421,7 @@
         <p:spPr>
           <a:xfrm>
             <a:off x="810887" y="1599908"/>
-            <a:ext cx="11404084" cy="1152688"/>
+            <a:ext cx="11532324" cy="1152688"/>
           </a:xfrm>
           <a:prstGeom prst="rect">
             <a:avLst/>
@@ -10164,37 +10466,37 @@
               <a:buChar char="§"/>
             </a:pPr>
             <a:r>
-              <a:rPr lang="ko-KR" altLang="en-US" sz="1600" b="0" i="0" dirty="0">
+              <a:rPr lang="ko-KR" altLang="en-US" sz="1600" b="0" i="0">
                 <a:effectLst/>
               </a:rPr>
               <a:t>산업화 이전</a:t>
             </a:r>
             <a:r>
-              <a:rPr lang="en-US" altLang="ko-KR" sz="1600" b="0" i="0" dirty="0">
+              <a:rPr lang="en-US" altLang="ko-KR" sz="1600" b="0" i="0">
                 <a:effectLst/>
               </a:rPr>
               <a:t>(1980</a:t>
             </a:r>
             <a:r>
-              <a:rPr lang="ko-KR" altLang="en-US" sz="1600" b="0" i="0" dirty="0">
+              <a:rPr lang="ko-KR" altLang="en-US" sz="1600" b="0" i="0">
                 <a:effectLst/>
               </a:rPr>
               <a:t>년</a:t>
             </a:r>
             <a:r>
-              <a:rPr lang="en-US" altLang="ko-KR" sz="1600" b="0" i="0" dirty="0">
+              <a:rPr lang="en-US" altLang="ko-KR" sz="1600" b="0" i="0">
                 <a:effectLst/>
               </a:rPr>
               <a:t>~1900</a:t>
             </a:r>
             <a:r>
-              <a:rPr lang="ko-KR" altLang="en-US" sz="1600" b="0" i="0" dirty="0">
+              <a:rPr lang="ko-KR" altLang="en-US" sz="1600" b="0" i="0">
                 <a:effectLst/>
               </a:rPr>
               <a:t>년</a:t>
             </a:r>
             <a:r>
-              <a:rPr lang="en-US" altLang="ko-KR" sz="1600" b="0" i="0" dirty="0">
+              <a:rPr lang="en-US" altLang="ko-KR" sz="1600" b="0" i="0">
                 <a:effectLst/>
               </a:rPr>
               <a:t>) </a:t>
@@ -10236,85 +10538,85 @@
               <a:buChar char="§"/>
             </a:pPr>
             <a:r>
+              <a:rPr lang="en-US" altLang="ko-KR" sz="1600" b="0" i="0">
+                <a:solidFill>
+                  <a:srgbClr val="222222"/>
+                </a:solidFill>
+                <a:effectLst/>
+              </a:rPr>
+              <a:t>1991</a:t>
+            </a:r>
+            <a:r>
+              <a:rPr lang="ko-KR" altLang="en-US" sz="1600" b="0" i="0">
+                <a:solidFill>
+                  <a:srgbClr val="222222"/>
+                </a:solidFill>
+                <a:effectLst/>
+              </a:rPr>
+              <a:t>년부터 </a:t>
+            </a:r>
+            <a:r>
+              <a:rPr lang="en-US" altLang="ko-KR" sz="1600" b="0" i="0">
+                <a:solidFill>
+                  <a:srgbClr val="222222"/>
+                </a:solidFill>
+                <a:effectLst/>
+              </a:rPr>
+              <a:t>~ 2020</a:t>
+            </a:r>
+            <a:r>
+              <a:rPr lang="ko-KR" altLang="en-US" sz="1600" b="0" i="0">
+                <a:solidFill>
+                  <a:srgbClr val="222222"/>
+                </a:solidFill>
+                <a:effectLst/>
+              </a:rPr>
+              <a:t>년까지</a:t>
+            </a:r>
+            <a:r>
+              <a:rPr lang="en-US" altLang="ko-KR" sz="1600" b="0" i="0">
+                <a:solidFill>
+                  <a:srgbClr val="222222"/>
+                </a:solidFill>
+                <a:effectLst/>
+              </a:rPr>
+              <a:t>(30</a:t>
+            </a:r>
+            <a:r>
+              <a:rPr lang="ko-KR" altLang="en-US" sz="1600" b="0" i="0">
+                <a:solidFill>
+                  <a:srgbClr val="222222"/>
+                </a:solidFill>
+                <a:effectLst/>
+              </a:rPr>
+              <a:t>년</a:t>
+            </a:r>
+            <a:r>
+              <a:rPr lang="en-US" altLang="ko-KR" sz="1600" b="0" i="0">
+                <a:solidFill>
+                  <a:srgbClr val="222222"/>
+                </a:solidFill>
+                <a:effectLst/>
+              </a:rPr>
+              <a:t>)</a:t>
+            </a:r>
+            <a:r>
+              <a:rPr lang="ko-KR" altLang="en-US" sz="1600" b="0" i="0">
+                <a:solidFill>
+                  <a:srgbClr val="222222"/>
+                </a:solidFill>
+                <a:effectLst/>
+              </a:rPr>
+              <a:t> </a:t>
+            </a:r>
+            <a:r>
               <a:rPr lang="ko-KR" altLang="en-US" sz="1600" b="0" i="0" dirty="0">
                 <a:solidFill>
                   <a:srgbClr val="222222"/>
                 </a:solidFill>
                 <a:effectLst/>
               </a:rPr>
-              <a:t>지난 </a:t>
-            </a:r>
-            <a:r>
-              <a:rPr lang="en-US" altLang="ko-KR" sz="1600" b="0" i="0" dirty="0">
-                <a:solidFill>
-                  <a:srgbClr val="222222"/>
-                </a:solidFill>
-                <a:effectLst/>
-              </a:rPr>
-              <a:t>30</a:t>
-            </a:r>
-            <a:r>
-              <a:rPr lang="ko-KR" altLang="en-US" sz="1600" b="0" i="0" dirty="0">
-                <a:solidFill>
-                  <a:srgbClr val="222222"/>
-                </a:solidFill>
-                <a:effectLst/>
-              </a:rPr>
-              <a:t>년</a:t>
-            </a:r>
-            <a:r>
-              <a:rPr lang="en-US" altLang="ko-KR" sz="1600" b="0" i="0" dirty="0">
-                <a:solidFill>
-                  <a:srgbClr val="222222"/>
-                </a:solidFill>
-                <a:effectLst/>
-              </a:rPr>
-              <a:t>(1991</a:t>
-            </a:r>
-            <a:r>
-              <a:rPr lang="ko-KR" altLang="en-US" sz="1600" b="0" i="0" dirty="0">
-                <a:solidFill>
-                  <a:srgbClr val="222222"/>
-                </a:solidFill>
-                <a:effectLst/>
-              </a:rPr>
-              <a:t>년</a:t>
-            </a:r>
-            <a:r>
-              <a:rPr lang="en-US" altLang="ko-KR" sz="1600" b="0" i="0" dirty="0">
-                <a:solidFill>
-                  <a:srgbClr val="222222"/>
-                </a:solidFill>
-                <a:effectLst/>
-              </a:rPr>
-              <a:t>~2020</a:t>
-            </a:r>
-            <a:r>
-              <a:rPr lang="ko-KR" altLang="en-US" sz="1600" b="0" i="0" dirty="0">
-                <a:solidFill>
-                  <a:srgbClr val="222222"/>
-                </a:solidFill>
-                <a:effectLst/>
-              </a:rPr>
-              <a:t>년</a:t>
-            </a:r>
-            <a:r>
-              <a:rPr lang="en-US" altLang="ko-KR" sz="1600" b="0" i="0" dirty="0">
-                <a:solidFill>
-                  <a:srgbClr val="222222"/>
-                </a:solidFill>
-                <a:effectLst/>
-              </a:rPr>
-              <a:t>)</a:t>
-            </a:r>
-            <a:r>
-              <a:rPr lang="ko-KR" altLang="en-US" sz="1600" b="0" i="0" dirty="0">
-                <a:solidFill>
-                  <a:srgbClr val="222222"/>
-                </a:solidFill>
-                <a:effectLst/>
-              </a:rPr>
-              <a:t>간 우리나라 전 연안의 평균 </a:t>
+              <a:t>우리나라 전 연안의 평균 </a:t>
             </a:r>
             <a:r>
               <a:rPr lang="ko-KR" altLang="en-US" sz="1600" b="1" i="0" dirty="0">
@@ -10967,7 +11269,7 @@
         <p:spPr>
           <a:xfrm>
             <a:off x="810887" y="1599908"/>
-            <a:ext cx="10886313" cy="883127"/>
+            <a:ext cx="11160428" cy="883127"/>
           </a:xfrm>
           <a:prstGeom prst="rect">
             <a:avLst/>
@@ -11084,13 +11386,40 @@
               <a:t>국제 재생 에너지 기구</a:t>
             </a:r>
             <a:r>
+              <a:rPr lang="en-US" altLang="ko-KR" sz="1600">
+                <a:solidFill>
+                  <a:srgbClr val="333333"/>
+                </a:solidFill>
+                <a:latin typeface="맑은고딕"/>
+              </a:rPr>
+              <a:t>) </a:t>
+            </a:r>
+            <a:r>
+              <a:rPr lang="ko-KR" altLang="en-US" sz="1600">
+                <a:solidFill>
+                  <a:srgbClr val="333333"/>
+                </a:solidFill>
+                <a:latin typeface="맑은고딕"/>
+              </a:rPr>
+              <a:t>신재생 에너지 분야 </a:t>
+            </a:r>
+            <a:r>
+              <a:rPr lang="ko-KR" altLang="en-US" sz="1600" dirty="0">
+                <a:solidFill>
+                  <a:srgbClr val="333333"/>
+                </a:solidFill>
+                <a:latin typeface="맑은고딕"/>
+              </a:rPr>
+              <a:t>고용은 </a:t>
+            </a:r>
+            <a:r>
               <a:rPr lang="en-US" altLang="ko-KR" sz="1600" dirty="0">
                 <a:solidFill>
                   <a:srgbClr val="333333"/>
                 </a:solidFill>
                 <a:latin typeface="맑은고딕"/>
               </a:rPr>
-              <a:t>) </a:t>
+              <a:t>2012</a:t>
             </a:r>
             <a:r>
               <a:rPr lang="ko-KR" altLang="en-US" sz="1600" dirty="0">
@@ -11099,7 +11428,34 @@
                 </a:solidFill>
                 <a:latin typeface="맑은고딕"/>
               </a:rPr>
-              <a:t>신재생에너지분야 고용은 </a:t>
+              <a:t>년 약 </a:t>
+            </a:r>
+            <a:r>
+              <a:rPr lang="en-US" altLang="ko-KR" sz="1600" b="1">
+                <a:solidFill>
+                  <a:srgbClr val="333333"/>
+                </a:solidFill>
+                <a:latin typeface="맑은고딕"/>
+              </a:rPr>
+              <a:t>730</a:t>
+            </a:r>
+            <a:r>
+              <a:rPr lang="ko-KR" altLang="en-US" sz="1600" b="1">
+                <a:solidFill>
+                  <a:srgbClr val="333333"/>
+                </a:solidFill>
+                <a:latin typeface="맑은고딕"/>
+              </a:rPr>
+              <a:t>만 명</a:t>
+            </a:r>
+            <a:r>
+              <a:rPr lang="ko-KR" altLang="en-US" sz="1600">
+                <a:solidFill>
+                  <a:srgbClr val="333333"/>
+                </a:solidFill>
+                <a:latin typeface="맑은고딕"/>
+              </a:rPr>
+              <a:t>에서 </a:t>
             </a:r>
             <a:r>
               <a:rPr lang="en-US" altLang="ko-KR" sz="1600" dirty="0">
@@ -11108,7 +11464,7 @@
                 </a:solidFill>
                 <a:latin typeface="맑은고딕"/>
               </a:rPr>
-              <a:t>2012</a:t>
+              <a:t>2020</a:t>
             </a:r>
             <a:r>
               <a:rPr lang="ko-KR" altLang="en-US" sz="1600" dirty="0">
@@ -11120,13 +11476,22 @@
               <a:t>년 약 </a:t>
             </a:r>
             <a:r>
-              <a:rPr lang="en-US" altLang="ko-KR" sz="1600" b="1" dirty="0">
+              <a:rPr lang="en-US" altLang="ko-KR" sz="1600" b="1">
                 <a:solidFill>
                   <a:srgbClr val="333333"/>
                 </a:solidFill>
                 <a:latin typeface="맑은고딕"/>
               </a:rPr>
-              <a:t>730</a:t>
+              <a:t>1,200</a:t>
+            </a:r>
+            <a:r>
+              <a:rPr lang="ko-KR" altLang="en-US" sz="1600" b="1">
+                <a:solidFill>
+                  <a:srgbClr val="333333"/>
+                </a:solidFill>
+                <a:latin typeface="맑은고딕"/>
+              </a:rPr>
+              <a:t>만 명으로 </a:t>
             </a:r>
             <a:r>
               <a:rPr lang="ko-KR" altLang="en-US" sz="1600" b="1" dirty="0">
@@ -11135,52 +11500,7 @@
                 </a:solidFill>
                 <a:latin typeface="맑은고딕"/>
               </a:rPr>
-              <a:t>만명</a:t>
-            </a:r>
-            <a:r>
-              <a:rPr lang="ko-KR" altLang="en-US" sz="1600" dirty="0">
-                <a:solidFill>
-                  <a:srgbClr val="333333"/>
-                </a:solidFill>
-                <a:latin typeface="맑은고딕"/>
-              </a:rPr>
-              <a:t>에서 </a:t>
-            </a:r>
-            <a:r>
-              <a:rPr lang="en-US" altLang="ko-KR" sz="1600" dirty="0">
-                <a:solidFill>
-                  <a:srgbClr val="333333"/>
-                </a:solidFill>
-                <a:latin typeface="맑은고딕"/>
-              </a:rPr>
-              <a:t>2020</a:t>
-            </a:r>
-            <a:r>
-              <a:rPr lang="ko-KR" altLang="en-US" sz="1600" dirty="0">
-                <a:solidFill>
-                  <a:srgbClr val="333333"/>
-                </a:solidFill>
-                <a:latin typeface="맑은고딕"/>
-              </a:rPr>
-              <a:t>년 약 </a:t>
-            </a:r>
-            <a:r>
-              <a:rPr lang="en-US" altLang="ko-KR" sz="1600" b="1" dirty="0">
-                <a:solidFill>
-                  <a:srgbClr val="333333"/>
-                </a:solidFill>
-                <a:latin typeface="맑은고딕"/>
-              </a:rPr>
-              <a:t>1,200</a:t>
-            </a:r>
-            <a:r>
-              <a:rPr lang="ko-KR" altLang="en-US" sz="1600" b="1" dirty="0">
-                <a:solidFill>
-                  <a:srgbClr val="333333"/>
-                </a:solidFill>
-                <a:latin typeface="맑은고딕"/>
-              </a:rPr>
-              <a:t>만명으로 증가</a:t>
+              <a:t>증가</a:t>
             </a:r>
             <a:endParaRPr lang="en-US" altLang="ko-KR" sz="1600" dirty="0">
               <a:solidFill>
@@ -11272,7 +11592,7 @@
                 </a:solidFill>
                 <a:latin typeface="맑은고딕"/>
               </a:rPr>
-              <a:t>년 국내 신재생 </a:t>
+              <a:t>년 국내 신재생 에너지 </a:t>
             </a:r>
             <a:r>
               <a:rPr lang="ko-KR" altLang="en-US" sz="1600" dirty="0">
@@ -11281,7 +11601,7 @@
                 </a:solidFill>
                 <a:latin typeface="맑은고딕"/>
               </a:rPr>
-              <a:t>에너지 비중 </a:t>
+              <a:t>비중 </a:t>
             </a:r>
             <a:r>
               <a:rPr lang="ko-KR" altLang="en-US" sz="1600" b="1" dirty="0">
@@ -13380,8 +13700,12 @@
               <a:buChar char="§"/>
             </a:pPr>
             <a:r>
+              <a:rPr lang="ko-KR" altLang="en-US" sz="1600"/>
+              <a:t>태양광 발전 </a:t>
+            </a:r>
+            <a:r>
               <a:rPr lang="ko-KR" altLang="en-US" sz="1600" dirty="0"/>
-              <a:t>태양광 발전 시스템 운영을 위해서는 </a:t>
+              <a:t>시스템 운영을 위해서는 </a:t>
             </a:r>
             <a:r>
               <a:rPr lang="ko-KR" altLang="en-US" sz="1600" b="1" dirty="0"/>
@@ -13406,12 +13730,20 @@
               <a:buChar char="§"/>
             </a:pPr>
             <a:r>
+              <a:rPr lang="ko-KR" altLang="en-US" sz="1600"/>
+              <a:t>태양광 발전량 </a:t>
+            </a:r>
+            <a:r>
               <a:rPr lang="ko-KR" altLang="en-US" sz="1600" dirty="0"/>
-              <a:t>태양광 발전량 예측 모델의 주요 요인인 </a:t>
+              <a:t>예측 모델의 주요 요인인 </a:t>
             </a:r>
             <a:r>
               <a:rPr lang="ko-KR" altLang="en-US" sz="1600" b="1" dirty="0"/>
-              <a:t>일사량 정보를 수집하는 것이 필수요소</a:t>
+              <a:t>일사량 정보를 수집하는 </a:t>
+            </a:r>
+            <a:r>
+              <a:rPr lang="ko-KR" altLang="en-US" sz="1600" b="1"/>
+              <a:t>것이 필수 요소</a:t>
             </a:r>
             <a:endParaRPr lang="en-US" altLang="ko-KR" sz="1600" b="1" dirty="0"/>
           </a:p>
@@ -13822,7 +14154,7 @@
               <a:rPr lang="ko-KR" altLang="en-US" sz="1600" b="1">
                 <a:latin typeface="맑은고딕"/>
               </a:rPr>
-              <a:t>년 부터 </a:t>
+              <a:t>년부터 </a:t>
             </a:r>
             <a:r>
               <a:rPr lang="en-US" altLang="ko-KR" sz="1600" b="1">
@@ -13834,13 +14166,13 @@
               <a:rPr lang="ko-KR" altLang="en-US" sz="1600" b="1">
                 <a:latin typeface="맑은고딕"/>
               </a:rPr>
-              <a:t>년</a:t>
+              <a:t>년까지</a:t>
             </a:r>
             <a:r>
               <a:rPr lang="ko-KR" altLang="en-US" sz="1600">
                 <a:latin typeface="맑은고딕"/>
               </a:rPr>
-              <a:t> 까지의 </a:t>
+              <a:t>의 </a:t>
             </a:r>
             <a:r>
               <a:rPr lang="ko-KR" altLang="en-US" sz="1600" b="1">
@@ -14527,9 +14859,9 @@
         <p:grpSpPr>
           <a:xfrm>
             <a:off x="430250" y="2431855"/>
-            <a:ext cx="5610338" cy="1574245"/>
+            <a:ext cx="6520844" cy="1574245"/>
             <a:chOff x="430250" y="1178351"/>
-            <a:chExt cx="5610338" cy="1574245"/>
+            <a:chExt cx="6520844" cy="1574245"/>
           </a:xfrm>
         </p:grpSpPr>
         <p:sp>
@@ -14547,7 +14879,7 @@
           <p:spPr>
             <a:xfrm>
               <a:off x="430250" y="1178351"/>
-              <a:ext cx="2507418" cy="369332"/>
+              <a:ext cx="3567002" cy="369332"/>
             </a:xfrm>
             <a:prstGeom prst="rect">
               <a:avLst/>
@@ -14562,8 +14894,25 @@
             <a:p>
               <a:r>
                 <a:rPr lang="ko-KR" altLang="en-US" b="1" dirty="0"/>
-                <a:t>일사량 예측 모델 구성</a:t>
-              </a:r>
+                <a:t>일사량 예측 </a:t>
+              </a:r>
+              <a:r>
+                <a:rPr lang="ko-KR" altLang="en-US" b="1"/>
+                <a:t>모델 구성 </a:t>
+              </a:r>
+              <a:r>
+                <a:rPr lang="en-US" altLang="ko-KR" sz="1600" b="1"/>
+                <a:t>(MAPE</a:t>
+              </a:r>
+              <a:r>
+                <a:rPr lang="ko-KR" altLang="en-US" sz="1600" b="1"/>
+                <a:t> </a:t>
+              </a:r>
+              <a:r>
+                <a:rPr lang="en-US" altLang="ko-KR" sz="1600" b="1"/>
+                <a:t>%)</a:t>
+              </a:r>
+              <a:endParaRPr lang="ko-KR" altLang="en-US" sz="1600" b="1" dirty="0"/>
             </a:p>
           </p:txBody>
         </p:sp>
@@ -14582,7 +14931,7 @@
           <p:spPr>
             <a:xfrm>
               <a:off x="810887" y="1599908"/>
-              <a:ext cx="5229701" cy="1152688"/>
+              <a:ext cx="6140207" cy="1152688"/>
             </a:xfrm>
             <a:prstGeom prst="rect">
               <a:avLst/>
@@ -14607,17 +14956,18 @@
                 <a:t>랜덤 </a:t>
               </a:r>
               <a:r>
-                <a:rPr lang="ko-KR" altLang="en-US" sz="1600" b="1" dirty="0" err="1"/>
+                <a:rPr lang="ko-KR" altLang="en-US" sz="1600" b="1" err="1"/>
                 <a:t>포레스트</a:t>
               </a:r>
               <a:r>
-                <a:rPr lang="ko-KR" altLang="en-US" sz="1600" b="1" dirty="0"/>
+                <a:rPr lang="ko-KR" altLang="en-US" sz="1600" b="1"/>
                 <a:t> </a:t>
               </a:r>
               <a:r>
-                <a:rPr lang="en-US" altLang="ko-KR" sz="1600" b="1" dirty="0"/>
-                <a:t>( Random Forest RF )</a:t>
-              </a:r>
+                <a:rPr lang="en-US" altLang="ko-KR" sz="1600" b="1"/>
+                <a:t>(Random Forest : RF) (12.94%)</a:t>
+              </a:r>
+              <a:endParaRPr lang="en-US" altLang="ko-KR" sz="1600" b="1" dirty="0"/>
             </a:p>
             <a:p>
               <a:pPr marL="342900" indent="-342900">
@@ -14629,12 +14979,25 @@
               </a:pPr>
               <a:r>
                 <a:rPr lang="ko-KR" altLang="en-US" sz="1600" dirty="0"/>
-                <a:t>서포트 벡터 머신 </a:t>
-              </a:r>
-              <a:r>
-                <a:rPr lang="en-US" altLang="ko-KR" sz="1600" dirty="0"/>
-                <a:t>( Support Vector Machine SVM )</a:t>
-              </a:r>
+                <a:t>서포트 벡터 </a:t>
+              </a:r>
+              <a:r>
+                <a:rPr lang="ko-KR" altLang="en-US" sz="1600"/>
+                <a:t>머신 </a:t>
+              </a:r>
+              <a:r>
+                <a:rPr lang="en-US" altLang="ko-KR" sz="1600"/>
+                <a:t>(Support Vector Machine</a:t>
+              </a:r>
+              <a:r>
+                <a:rPr lang="en-US" altLang="ko-KR" sz="1600" b="1"/>
+                <a:t> : </a:t>
+              </a:r>
+              <a:r>
+                <a:rPr lang="en-US" altLang="ko-KR" sz="1600"/>
+                <a:t>SVM) (27.62%)</a:t>
+              </a:r>
+              <a:endParaRPr lang="en-US" altLang="ko-KR" sz="1600" dirty="0"/>
             </a:p>
             <a:p>
               <a:pPr marL="342900" indent="-342900">
@@ -14646,11 +15009,15 @@
               </a:pPr>
               <a:r>
                 <a:rPr lang="ko-KR" altLang="en-US" sz="1600" dirty="0"/>
-                <a:t>인공 신경망</a:t>
-              </a:r>
-              <a:r>
-                <a:rPr lang="en-US" altLang="ko-KR" sz="1600" dirty="0"/>
-                <a:t> ( Artificial Neural Network ANN )</a:t>
+                <a:t>인공 </a:t>
+              </a:r>
+              <a:r>
+                <a:rPr lang="ko-KR" altLang="en-US" sz="1600"/>
+                <a:t>신경망</a:t>
+              </a:r>
+              <a:r>
+                <a:rPr lang="en-US" altLang="ko-KR" sz="1600"/>
+                <a:t> (Artificial Neural Network : ANN) (30.69%)</a:t>
               </a:r>
             </a:p>
           </p:txBody>
@@ -14670,7 +15037,7 @@
         </p:nvGrpSpPr>
         <p:grpSpPr>
           <a:xfrm>
-            <a:off x="6848007" y="2345176"/>
+            <a:off x="6981357" y="2345176"/>
             <a:ext cx="4936043" cy="3202169"/>
             <a:chOff x="6848007" y="2055923"/>
             <a:chExt cx="4936043" cy="3202169"/>

--- a/KICS_PT/[KICS] 동향 poster.pptx
+++ b/KICS_PT/[KICS] 동향 poster.pptx
@@ -212,7 +212,7 @@
           <a:p>
             <a:fld id="{EB511D2E-08D4-4358-8013-0B8E9796F08D}" type="datetimeFigureOut">
               <a:rPr lang="ko-KR" altLang="en-US" smtClean="0"/>
-              <a:t>2022-11-11</a:t>
+              <a:t>2022-11-17</a:t>
             </a:fld>
             <a:endParaRPr lang="ko-KR" altLang="en-US"/>
           </a:p>
@@ -523,7 +523,49 @@
           <a:bodyPr/>
           <a:lstStyle/>
           <a:p>
-            <a:endParaRPr lang="ko-KR" altLang="en-US"/>
+            <a:r>
+              <a:rPr lang="ko-KR" altLang="en-US" dirty="0"/>
+              <a:t>네 안녕하세요</a:t>
+            </a:r>
+            <a:r>
+              <a:rPr lang="en-US" altLang="ko-KR" dirty="0"/>
+              <a:t>.</a:t>
+            </a:r>
+          </a:p>
+          <a:p>
+            <a:endParaRPr lang="en-US" altLang="ko-KR" dirty="0"/>
+          </a:p>
+          <a:p>
+            <a:r>
+              <a:rPr lang="ko-KR" altLang="en-US" dirty="0"/>
+              <a:t>기계학습을 기반한 일사량 예측 기법의 연구동향 분석의 발표를 맞게 된</a:t>
+            </a:r>
+            <a:endParaRPr lang="en-US" altLang="ko-KR" dirty="0"/>
+          </a:p>
+          <a:p>
+            <a:endParaRPr lang="en-US" altLang="ko-KR" dirty="0"/>
+          </a:p>
+          <a:p>
+            <a:r>
+              <a:rPr lang="ko-KR" altLang="en-US" dirty="0" err="1"/>
+              <a:t>순쳔향대학교</a:t>
+            </a:r>
+            <a:r>
+              <a:rPr lang="ko-KR" altLang="en-US" dirty="0"/>
+              <a:t> </a:t>
+            </a:r>
+            <a:r>
+              <a:rPr lang="ko-KR" altLang="en-US" dirty="0" err="1"/>
+              <a:t>빅데이터공학과</a:t>
+            </a:r>
+            <a:r>
+              <a:rPr lang="ko-KR" altLang="en-US" dirty="0"/>
+              <a:t> 한태규 입니다</a:t>
+            </a:r>
+            <a:r>
+              <a:rPr lang="en-US" altLang="ko-KR" dirty="0"/>
+              <a:t>.</a:t>
+            </a:r>
           </a:p>
         </p:txBody>
       </p:sp>
@@ -544,7 +586,7 @@
           <a:p>
             <a:fld id="{93AB681D-CBF1-45F1-B896-A0DDF762AAAD}" type="slidenum">
               <a:rPr lang="ko-KR" altLang="en-US" smtClean="0"/>
-              <a:t>8</a:t>
+              <a:t>1</a:t>
             </a:fld>
             <a:endParaRPr lang="ko-KR" altLang="en-US"/>
           </a:p>
@@ -553,7 +595,1204 @@
     </p:spTree>
     <p:extLst>
       <p:ext uri="{BB962C8B-B14F-4D97-AF65-F5344CB8AC3E}">
-        <p14:creationId xmlns:p14="http://schemas.microsoft.com/office/powerpoint/2010/main" val="1965701134"/>
+        <p14:creationId xmlns:p14="http://schemas.microsoft.com/office/powerpoint/2010/main" val="1309724551"/>
+      </p:ext>
+    </p:extLst>
+  </p:cSld>
+  <p:clrMapOvr>
+    <a:masterClrMapping/>
+  </p:clrMapOvr>
+</p:notes>
+</file>
+
+<file path=ppt/notesSlides/notesSlide10.xml><?xml version="1.0" encoding="utf-8"?>
+<p:notes xmlns:a="http://schemas.openxmlformats.org/drawingml/2006/main" xmlns:r="http://schemas.openxmlformats.org/officeDocument/2006/relationships" xmlns:p="http://schemas.openxmlformats.org/presentationml/2006/main">
+  <p:cSld>
+    <p:spTree>
+      <p:nvGrpSpPr>
+        <p:cNvPr id="1" name=""/>
+        <p:cNvGrpSpPr/>
+        <p:nvPr/>
+      </p:nvGrpSpPr>
+      <p:grpSpPr>
+        <a:xfrm>
+          <a:off x="0" y="0"/>
+          <a:ext cx="0" cy="0"/>
+          <a:chOff x="0" y="0"/>
+          <a:chExt cx="0" cy="0"/>
+        </a:xfrm>
+      </p:grpSpPr>
+      <p:sp>
+        <p:nvSpPr>
+          <p:cNvPr id="2" name="슬라이드 이미지 개체 틀 1"/>
+          <p:cNvSpPr>
+            <a:spLocks noGrp="1" noRot="1" noChangeAspect="1"/>
+          </p:cNvSpPr>
+          <p:nvPr>
+            <p:ph type="sldImg"/>
+          </p:nvPr>
+        </p:nvSpPr>
+        <p:spPr/>
+      </p:sp>
+      <p:sp>
+        <p:nvSpPr>
+          <p:cNvPr id="3" name="슬라이드 노트 개체 틀 2"/>
+          <p:cNvSpPr>
+            <a:spLocks noGrp="1"/>
+          </p:cNvSpPr>
+          <p:nvPr>
+            <p:ph type="body" idx="1"/>
+          </p:nvPr>
+        </p:nvSpPr>
+        <p:spPr/>
+        <p:txBody>
+          <a:bodyPr/>
+          <a:lstStyle/>
+          <a:p>
+            <a:r>
+              <a:rPr lang="ko-KR" altLang="en-US" dirty="0" err="1"/>
+              <a:t>두번쨰</a:t>
+            </a:r>
+            <a:r>
+              <a:rPr lang="ko-KR" altLang="en-US" dirty="0"/>
+              <a:t> 논문에서는</a:t>
+            </a:r>
+            <a:endParaRPr lang="en-US" altLang="ko-KR" dirty="0"/>
+          </a:p>
+          <a:p>
+            <a:endParaRPr lang="en-US" altLang="ko-KR" dirty="0"/>
+          </a:p>
+          <a:p>
+            <a:r>
+              <a:rPr lang="ko-KR" altLang="en-US" dirty="0" err="1"/>
+              <a:t>제주특벌자치도의</a:t>
+            </a:r>
+            <a:r>
+              <a:rPr lang="ko-KR" altLang="en-US" dirty="0"/>
+              <a:t> </a:t>
+            </a:r>
+            <a:r>
+              <a:rPr lang="en-US" altLang="ko-KR" dirty="0"/>
+              <a:t>2011</a:t>
+            </a:r>
+            <a:r>
+              <a:rPr lang="ko-KR" altLang="en-US" dirty="0"/>
+              <a:t>년 부터 </a:t>
+            </a:r>
+            <a:r>
+              <a:rPr lang="en-US" altLang="ko-KR" dirty="0"/>
+              <a:t>2018</a:t>
+            </a:r>
+            <a:r>
+              <a:rPr lang="ko-KR" altLang="en-US" dirty="0"/>
+              <a:t>년 총 </a:t>
+            </a:r>
+            <a:r>
+              <a:rPr lang="en-US" altLang="ko-KR" dirty="0"/>
+              <a:t>8</a:t>
+            </a:r>
+            <a:r>
+              <a:rPr lang="ko-KR" altLang="en-US" dirty="0"/>
+              <a:t>년의 기상관측 데이터를 사용하였으며</a:t>
+            </a:r>
+            <a:endParaRPr lang="en-US" altLang="ko-KR" dirty="0"/>
+          </a:p>
+          <a:p>
+            <a:endParaRPr lang="en-US" altLang="ko-KR" dirty="0"/>
+          </a:p>
+          <a:p>
+            <a:r>
+              <a:rPr lang="en-US" altLang="ko-KR" dirty="0"/>
+              <a:t>Tree </a:t>
+            </a:r>
+            <a:r>
+              <a:rPr lang="ko-KR" altLang="en-US" dirty="0"/>
+              <a:t>형 </a:t>
+            </a:r>
+            <a:r>
+              <a:rPr lang="en-US" altLang="ko-KR" dirty="0"/>
+              <a:t>4</a:t>
+            </a:r>
+            <a:r>
+              <a:rPr lang="ko-KR" altLang="en-US" dirty="0"/>
+              <a:t>개의 모델과</a:t>
+            </a:r>
+            <a:r>
+              <a:rPr lang="en-US" altLang="ko-KR" dirty="0"/>
+              <a:t>, </a:t>
+            </a:r>
+            <a:r>
+              <a:rPr lang="ko-KR" altLang="en-US" dirty="0"/>
+              <a:t>네트워크 </a:t>
+            </a:r>
+            <a:r>
+              <a:rPr lang="en-US" altLang="ko-KR" dirty="0"/>
+              <a:t>4</a:t>
+            </a:r>
+            <a:r>
+              <a:rPr lang="ko-KR" altLang="en-US" dirty="0"/>
+              <a:t>개의 모델을 비교한 결과에서</a:t>
+            </a:r>
+            <a:endParaRPr lang="en-US" altLang="ko-KR" dirty="0"/>
+          </a:p>
+          <a:p>
+            <a:endParaRPr lang="en-US" altLang="ko-KR" dirty="0"/>
+          </a:p>
+          <a:p>
+            <a:r>
+              <a:rPr lang="en-US" altLang="ko-KR" dirty="0"/>
+              <a:t>Tree</a:t>
+            </a:r>
+            <a:r>
+              <a:rPr lang="ko-KR" altLang="en-US" dirty="0"/>
+              <a:t>형 모델의 결과가 네트워크 모델보다 높은 성능을 보인다는 것을 확인했습니다</a:t>
+            </a:r>
+            <a:r>
+              <a:rPr lang="en-US" altLang="ko-KR" dirty="0"/>
+              <a:t>.</a:t>
+            </a:r>
+          </a:p>
+          <a:p>
+            <a:endParaRPr lang="en-US" altLang="ko-KR" dirty="0"/>
+          </a:p>
+          <a:p>
+            <a:r>
+              <a:rPr lang="ko-KR" altLang="en-US" dirty="0"/>
+              <a:t>변수 중요도로는 </a:t>
+            </a:r>
+            <a:r>
+              <a:rPr lang="en-US" altLang="ko-KR" dirty="0"/>
+              <a:t>, </a:t>
+            </a:r>
+            <a:r>
+              <a:rPr lang="ko-KR" altLang="en-US" dirty="0"/>
+              <a:t>습도가 예측 모델 구성에 중요한 변수임을 확인했습니다</a:t>
+            </a:r>
+            <a:r>
+              <a:rPr lang="en-US" altLang="ko-KR" dirty="0"/>
+              <a:t>.</a:t>
+            </a:r>
+          </a:p>
+          <a:p>
+            <a:endParaRPr lang="en-US" altLang="ko-KR" dirty="0"/>
+          </a:p>
+          <a:p>
+            <a:endParaRPr lang="ko-KR" altLang="en-US" dirty="0"/>
+          </a:p>
+        </p:txBody>
+      </p:sp>
+      <p:sp>
+        <p:nvSpPr>
+          <p:cNvPr id="4" name="슬라이드 번호 개체 틀 3"/>
+          <p:cNvSpPr>
+            <a:spLocks noGrp="1"/>
+          </p:cNvSpPr>
+          <p:nvPr>
+            <p:ph type="sldNum" sz="quarter" idx="5"/>
+          </p:nvPr>
+        </p:nvSpPr>
+        <p:spPr/>
+        <p:txBody>
+          <a:bodyPr/>
+          <a:lstStyle/>
+          <a:p>
+            <a:fld id="{93AB681D-CBF1-45F1-B896-A0DDF762AAAD}" type="slidenum">
+              <a:rPr lang="ko-KR" altLang="en-US" smtClean="0"/>
+              <a:t>10</a:t>
+            </a:fld>
+            <a:endParaRPr lang="ko-KR" altLang="en-US"/>
+          </a:p>
+        </p:txBody>
+      </p:sp>
+    </p:spTree>
+    <p:extLst>
+      <p:ext uri="{BB962C8B-B14F-4D97-AF65-F5344CB8AC3E}">
+        <p14:creationId xmlns:p14="http://schemas.microsoft.com/office/powerpoint/2010/main" val="2856822322"/>
+      </p:ext>
+    </p:extLst>
+  </p:cSld>
+  <p:clrMapOvr>
+    <a:masterClrMapping/>
+  </p:clrMapOvr>
+</p:notes>
+</file>
+
+<file path=ppt/notesSlides/notesSlide11.xml><?xml version="1.0" encoding="utf-8"?>
+<p:notes xmlns:a="http://schemas.openxmlformats.org/drawingml/2006/main" xmlns:r="http://schemas.openxmlformats.org/officeDocument/2006/relationships" xmlns:p="http://schemas.openxmlformats.org/presentationml/2006/main">
+  <p:cSld>
+    <p:spTree>
+      <p:nvGrpSpPr>
+        <p:cNvPr id="1" name=""/>
+        <p:cNvGrpSpPr/>
+        <p:nvPr/>
+      </p:nvGrpSpPr>
+      <p:grpSpPr>
+        <a:xfrm>
+          <a:off x="0" y="0"/>
+          <a:ext cx="0" cy="0"/>
+          <a:chOff x="0" y="0"/>
+          <a:chExt cx="0" cy="0"/>
+        </a:xfrm>
+      </p:grpSpPr>
+      <p:sp>
+        <p:nvSpPr>
+          <p:cNvPr id="2" name="슬라이드 이미지 개체 틀 1"/>
+          <p:cNvSpPr>
+            <a:spLocks noGrp="1" noRot="1" noChangeAspect="1"/>
+          </p:cNvSpPr>
+          <p:nvPr>
+            <p:ph type="sldImg"/>
+          </p:nvPr>
+        </p:nvSpPr>
+        <p:spPr/>
+      </p:sp>
+      <p:sp>
+        <p:nvSpPr>
+          <p:cNvPr id="3" name="슬라이드 노트 개체 틀 2"/>
+          <p:cNvSpPr>
+            <a:spLocks noGrp="1"/>
+          </p:cNvSpPr>
+          <p:nvPr>
+            <p:ph type="body" idx="1"/>
+          </p:nvPr>
+        </p:nvSpPr>
+        <p:spPr/>
+        <p:txBody>
+          <a:bodyPr/>
+          <a:lstStyle/>
+          <a:p>
+            <a:r>
+              <a:rPr lang="ko-KR" altLang="en-US" dirty="0"/>
+              <a:t>세번째 논문입니다</a:t>
+            </a:r>
+            <a:r>
+              <a:rPr lang="en-US" altLang="ko-KR" dirty="0"/>
+              <a:t>.</a:t>
+            </a:r>
+          </a:p>
+          <a:p>
+            <a:endParaRPr lang="en-US" altLang="ko-KR" dirty="0"/>
+          </a:p>
+          <a:p>
+            <a:r>
+              <a:rPr lang="ko-KR" altLang="en-US" dirty="0"/>
+              <a:t>대전광역시 </a:t>
+            </a:r>
+            <a:r>
+              <a:rPr lang="en-US" altLang="ko-KR" dirty="0"/>
+              <a:t>2018</a:t>
+            </a:r>
+            <a:r>
+              <a:rPr lang="ko-KR" altLang="en-US" dirty="0"/>
+              <a:t>년 </a:t>
+            </a:r>
+            <a:r>
+              <a:rPr lang="en-US" altLang="ko-KR" dirty="0"/>
+              <a:t>6</a:t>
+            </a:r>
+            <a:r>
+              <a:rPr lang="ko-KR" altLang="en-US" dirty="0"/>
+              <a:t>월 기상요인 데이터를 사용했으며 기간은 </a:t>
+            </a:r>
+            <a:r>
+              <a:rPr lang="en-US" altLang="ko-KR" dirty="0"/>
+              <a:t>1</a:t>
+            </a:r>
+            <a:r>
+              <a:rPr lang="ko-KR" altLang="en-US" dirty="0"/>
+              <a:t>달입니다</a:t>
+            </a:r>
+            <a:r>
+              <a:rPr lang="en-US" altLang="ko-KR" dirty="0"/>
+              <a:t>.</a:t>
+            </a:r>
+          </a:p>
+          <a:p>
+            <a:endParaRPr lang="en-US" altLang="ko-KR" dirty="0"/>
+          </a:p>
+          <a:p>
+            <a:r>
+              <a:rPr lang="ko-KR" altLang="en-US" dirty="0"/>
+              <a:t>비교한 모델은 </a:t>
+            </a:r>
+            <a:r>
+              <a:rPr lang="en-US" altLang="ko-KR" dirty="0"/>
+              <a:t>5</a:t>
+            </a:r>
+            <a:r>
+              <a:rPr lang="ko-KR" altLang="en-US" dirty="0"/>
+              <a:t>개의 모델을 비교하였으며</a:t>
+            </a:r>
+            <a:endParaRPr lang="en-US" altLang="ko-KR" dirty="0"/>
+          </a:p>
+          <a:p>
+            <a:endParaRPr lang="en-US" altLang="ko-KR" dirty="0"/>
+          </a:p>
+          <a:p>
+            <a:r>
+              <a:rPr lang="ko-KR" altLang="en-US" dirty="0"/>
+              <a:t>시계열 교차 검증을 적용한 조건부 </a:t>
+            </a:r>
+            <a:r>
+              <a:rPr lang="ko-KR" altLang="en-US" dirty="0" err="1"/>
+              <a:t>랜덤포레스트가</a:t>
+            </a:r>
+            <a:r>
+              <a:rPr lang="ko-KR" altLang="en-US" dirty="0"/>
+              <a:t> 다른 비교모델보다 더 좋은 성능이 나오는 것을</a:t>
+            </a:r>
+            <a:endParaRPr lang="en-US" altLang="ko-KR" dirty="0"/>
+          </a:p>
+          <a:p>
+            <a:r>
+              <a:rPr lang="ko-KR" altLang="en-US" dirty="0"/>
+              <a:t>확인했습니다</a:t>
+            </a:r>
+            <a:r>
+              <a:rPr lang="en-US" altLang="ko-KR" dirty="0"/>
+              <a:t>.</a:t>
+            </a:r>
+          </a:p>
+          <a:p>
+            <a:endParaRPr lang="en-US" altLang="ko-KR" dirty="0"/>
+          </a:p>
+          <a:p>
+            <a:r>
+              <a:rPr lang="ko-KR" altLang="en-US" dirty="0"/>
+              <a:t>변수중요도는</a:t>
+            </a:r>
+            <a:r>
+              <a:rPr lang="en-US" altLang="ko-KR" dirty="0"/>
+              <a:t> </a:t>
+            </a:r>
+            <a:r>
+              <a:rPr lang="ko-KR" altLang="en-US" dirty="0"/>
+              <a:t>과거의 일사량 데이터</a:t>
+            </a:r>
+            <a:r>
+              <a:rPr lang="en-US" altLang="ko-KR" dirty="0"/>
+              <a:t>, </a:t>
+            </a:r>
+            <a:r>
+              <a:rPr lang="ko-KR" altLang="en-US" dirty="0"/>
+              <a:t>기온</a:t>
+            </a:r>
+            <a:r>
+              <a:rPr lang="en-US" altLang="ko-KR" dirty="0"/>
+              <a:t>, </a:t>
+            </a:r>
+            <a:r>
+              <a:rPr lang="ko-KR" altLang="en-US" dirty="0"/>
+              <a:t>하늘상태가 높은 변수 중요도를 가지고 있는 것을 확인했습니다</a:t>
+            </a:r>
+            <a:r>
+              <a:rPr lang="en-US" altLang="ko-KR" dirty="0"/>
+              <a:t>.</a:t>
+            </a:r>
+          </a:p>
+          <a:p>
+            <a:endParaRPr lang="en-US" altLang="ko-KR" dirty="0"/>
+          </a:p>
+          <a:p>
+            <a:endParaRPr lang="en-US" altLang="ko-KR" dirty="0"/>
+          </a:p>
+          <a:p>
+            <a:endParaRPr lang="en-US" altLang="ko-KR" dirty="0"/>
+          </a:p>
+          <a:p>
+            <a:endParaRPr lang="en-US" altLang="ko-KR" dirty="0"/>
+          </a:p>
+          <a:p>
+            <a:endParaRPr lang="ko-KR" altLang="en-US" dirty="0"/>
+          </a:p>
+        </p:txBody>
+      </p:sp>
+      <p:sp>
+        <p:nvSpPr>
+          <p:cNvPr id="4" name="슬라이드 번호 개체 틀 3"/>
+          <p:cNvSpPr>
+            <a:spLocks noGrp="1"/>
+          </p:cNvSpPr>
+          <p:nvPr>
+            <p:ph type="sldNum" sz="quarter" idx="5"/>
+          </p:nvPr>
+        </p:nvSpPr>
+        <p:spPr/>
+        <p:txBody>
+          <a:bodyPr/>
+          <a:lstStyle/>
+          <a:p>
+            <a:fld id="{93AB681D-CBF1-45F1-B896-A0DDF762AAAD}" type="slidenum">
+              <a:rPr lang="ko-KR" altLang="en-US" smtClean="0"/>
+              <a:t>11</a:t>
+            </a:fld>
+            <a:endParaRPr lang="ko-KR" altLang="en-US"/>
+          </a:p>
+        </p:txBody>
+      </p:sp>
+    </p:spTree>
+    <p:extLst>
+      <p:ext uri="{BB962C8B-B14F-4D97-AF65-F5344CB8AC3E}">
+        <p14:creationId xmlns:p14="http://schemas.microsoft.com/office/powerpoint/2010/main" val="1229486264"/>
+      </p:ext>
+    </p:extLst>
+  </p:cSld>
+  <p:clrMapOvr>
+    <a:masterClrMapping/>
+  </p:clrMapOvr>
+</p:notes>
+</file>
+
+<file path=ppt/notesSlides/notesSlide12.xml><?xml version="1.0" encoding="utf-8"?>
+<p:notes xmlns:a="http://schemas.openxmlformats.org/drawingml/2006/main" xmlns:r="http://schemas.openxmlformats.org/officeDocument/2006/relationships" xmlns:p="http://schemas.openxmlformats.org/presentationml/2006/main">
+  <p:cSld>
+    <p:spTree>
+      <p:nvGrpSpPr>
+        <p:cNvPr id="1" name=""/>
+        <p:cNvGrpSpPr/>
+        <p:nvPr/>
+      </p:nvGrpSpPr>
+      <p:grpSpPr>
+        <a:xfrm>
+          <a:off x="0" y="0"/>
+          <a:ext cx="0" cy="0"/>
+          <a:chOff x="0" y="0"/>
+          <a:chExt cx="0" cy="0"/>
+        </a:xfrm>
+      </p:grpSpPr>
+      <p:sp>
+        <p:nvSpPr>
+          <p:cNvPr id="2" name="슬라이드 이미지 개체 틀 1"/>
+          <p:cNvSpPr>
+            <a:spLocks noGrp="1" noRot="1" noChangeAspect="1"/>
+          </p:cNvSpPr>
+          <p:nvPr>
+            <p:ph type="sldImg"/>
+          </p:nvPr>
+        </p:nvSpPr>
+        <p:spPr/>
+      </p:sp>
+      <p:sp>
+        <p:nvSpPr>
+          <p:cNvPr id="3" name="슬라이드 노트 개체 틀 2"/>
+          <p:cNvSpPr>
+            <a:spLocks noGrp="1"/>
+          </p:cNvSpPr>
+          <p:nvPr>
+            <p:ph type="body" idx="1"/>
+          </p:nvPr>
+        </p:nvSpPr>
+        <p:spPr/>
+        <p:txBody>
+          <a:bodyPr/>
+          <a:lstStyle/>
+          <a:p>
+            <a:r>
+              <a:rPr lang="ko-KR" altLang="en-US" dirty="0"/>
+              <a:t>네번째 논문에서는</a:t>
+            </a:r>
+            <a:endParaRPr lang="en-US" altLang="ko-KR" dirty="0"/>
+          </a:p>
+          <a:p>
+            <a:r>
+              <a:rPr lang="en-US" altLang="ko-KR" dirty="0"/>
+              <a:t>2013</a:t>
+            </a:r>
+            <a:r>
+              <a:rPr lang="ko-KR" altLang="en-US" dirty="0"/>
+              <a:t>년부터 </a:t>
+            </a:r>
+            <a:r>
+              <a:rPr lang="en-US" altLang="ko-KR" dirty="0"/>
+              <a:t>2015</a:t>
+            </a:r>
+            <a:r>
+              <a:rPr lang="ko-KR" altLang="en-US" dirty="0"/>
+              <a:t>년까지 </a:t>
+            </a:r>
+            <a:r>
+              <a:rPr lang="en-US" altLang="ko-KR" dirty="0"/>
+              <a:t>3</a:t>
+            </a:r>
+            <a:r>
+              <a:rPr lang="ko-KR" altLang="en-US" dirty="0"/>
+              <a:t>년의 영암 발전소 근처의 목표 시간별 기상데이터를 사용하였으며</a:t>
+            </a:r>
+            <a:endParaRPr lang="en-US" altLang="ko-KR" dirty="0"/>
+          </a:p>
+          <a:p>
+            <a:endParaRPr lang="en-US" altLang="ko-KR" dirty="0"/>
+          </a:p>
+          <a:p>
+            <a:r>
+              <a:rPr lang="ko-KR" altLang="en-US" dirty="0"/>
+              <a:t>모델은 </a:t>
+            </a:r>
+            <a:r>
+              <a:rPr lang="en-US" altLang="ko-KR" dirty="0"/>
+              <a:t>3</a:t>
+            </a:r>
+            <a:r>
+              <a:rPr lang="ko-KR" altLang="en-US" dirty="0"/>
+              <a:t>개의 네트워크 모델을 비교하였습니다</a:t>
+            </a:r>
+            <a:r>
+              <a:rPr lang="en-US" altLang="ko-KR" dirty="0"/>
+              <a:t>.</a:t>
+            </a:r>
+          </a:p>
+          <a:p>
+            <a:endParaRPr lang="en-US" altLang="ko-KR" dirty="0"/>
+          </a:p>
+          <a:p>
+            <a:r>
+              <a:rPr lang="ko-KR" altLang="en-US" dirty="0"/>
+              <a:t>결과로는 </a:t>
+            </a:r>
+            <a:r>
+              <a:rPr lang="en-US" altLang="ko-KR" dirty="0"/>
+              <a:t>LSTM</a:t>
+            </a:r>
+            <a:r>
+              <a:rPr lang="ko-KR" altLang="en-US" dirty="0"/>
+              <a:t>의 성능이 가장 높게 </a:t>
+            </a:r>
+            <a:r>
+              <a:rPr lang="ko-KR" altLang="en-US" dirty="0" err="1"/>
+              <a:t>나온것</a:t>
+            </a:r>
+            <a:r>
+              <a:rPr lang="ko-KR" altLang="en-US" dirty="0"/>
+              <a:t> 을 확인했습니다</a:t>
+            </a:r>
+            <a:r>
+              <a:rPr lang="en-US" altLang="ko-KR" dirty="0"/>
+              <a:t>.</a:t>
+            </a:r>
+            <a:endParaRPr lang="ko-KR" altLang="en-US" dirty="0"/>
+          </a:p>
+        </p:txBody>
+      </p:sp>
+      <p:sp>
+        <p:nvSpPr>
+          <p:cNvPr id="4" name="슬라이드 번호 개체 틀 3"/>
+          <p:cNvSpPr>
+            <a:spLocks noGrp="1"/>
+          </p:cNvSpPr>
+          <p:nvPr>
+            <p:ph type="sldNum" sz="quarter" idx="5"/>
+          </p:nvPr>
+        </p:nvSpPr>
+        <p:spPr/>
+        <p:txBody>
+          <a:bodyPr/>
+          <a:lstStyle/>
+          <a:p>
+            <a:fld id="{93AB681D-CBF1-45F1-B896-A0DDF762AAAD}" type="slidenum">
+              <a:rPr lang="ko-KR" altLang="en-US" smtClean="0"/>
+              <a:t>12</a:t>
+            </a:fld>
+            <a:endParaRPr lang="ko-KR" altLang="en-US"/>
+          </a:p>
+        </p:txBody>
+      </p:sp>
+    </p:spTree>
+    <p:extLst>
+      <p:ext uri="{BB962C8B-B14F-4D97-AF65-F5344CB8AC3E}">
+        <p14:creationId xmlns:p14="http://schemas.microsoft.com/office/powerpoint/2010/main" val="1562482684"/>
+      </p:ext>
+    </p:extLst>
+  </p:cSld>
+  <p:clrMapOvr>
+    <a:masterClrMapping/>
+  </p:clrMapOvr>
+</p:notes>
+</file>
+
+<file path=ppt/notesSlides/notesSlide13.xml><?xml version="1.0" encoding="utf-8"?>
+<p:notes xmlns:a="http://schemas.openxmlformats.org/drawingml/2006/main" xmlns:r="http://schemas.openxmlformats.org/officeDocument/2006/relationships" xmlns:p="http://schemas.openxmlformats.org/presentationml/2006/main">
+  <p:cSld>
+    <p:spTree>
+      <p:nvGrpSpPr>
+        <p:cNvPr id="1" name=""/>
+        <p:cNvGrpSpPr/>
+        <p:nvPr/>
+      </p:nvGrpSpPr>
+      <p:grpSpPr>
+        <a:xfrm>
+          <a:off x="0" y="0"/>
+          <a:ext cx="0" cy="0"/>
+          <a:chOff x="0" y="0"/>
+          <a:chExt cx="0" cy="0"/>
+        </a:xfrm>
+      </p:grpSpPr>
+      <p:sp>
+        <p:nvSpPr>
+          <p:cNvPr id="2" name="슬라이드 이미지 개체 틀 1"/>
+          <p:cNvSpPr>
+            <a:spLocks noGrp="1" noRot="1" noChangeAspect="1"/>
+          </p:cNvSpPr>
+          <p:nvPr>
+            <p:ph type="sldImg"/>
+          </p:nvPr>
+        </p:nvSpPr>
+        <p:spPr/>
+      </p:sp>
+      <p:sp>
+        <p:nvSpPr>
+          <p:cNvPr id="3" name="슬라이드 노트 개체 틀 2"/>
+          <p:cNvSpPr>
+            <a:spLocks noGrp="1"/>
+          </p:cNvSpPr>
+          <p:nvPr>
+            <p:ph type="body" idx="1"/>
+          </p:nvPr>
+        </p:nvSpPr>
+        <p:spPr/>
+        <p:txBody>
+          <a:bodyPr/>
+          <a:lstStyle/>
+          <a:p>
+            <a:r>
+              <a:rPr lang="en-US" altLang="ko-KR" dirty="0"/>
+              <a:t>5</a:t>
+            </a:r>
+            <a:r>
+              <a:rPr lang="ko-KR" altLang="en-US" dirty="0"/>
+              <a:t>번째 논문은 </a:t>
+            </a:r>
+            <a:endParaRPr lang="en-US" altLang="ko-KR" dirty="0"/>
+          </a:p>
+          <a:p>
+            <a:endParaRPr lang="en-US" altLang="ko-KR" dirty="0"/>
+          </a:p>
+          <a:p>
+            <a:r>
+              <a:rPr lang="en-US" altLang="ko-KR" dirty="0"/>
+              <a:t>2011</a:t>
+            </a:r>
+            <a:r>
+              <a:rPr lang="ko-KR" altLang="en-US" dirty="0"/>
+              <a:t>년부터 </a:t>
+            </a:r>
+            <a:r>
+              <a:rPr lang="en-US" altLang="ko-KR" dirty="0"/>
+              <a:t>2017</a:t>
+            </a:r>
+            <a:r>
+              <a:rPr lang="ko-KR" altLang="en-US" dirty="0"/>
+              <a:t>년 까지의 국가 위성센터에서 제공하는 표면도달 일사량 이미지를 사용하였고</a:t>
+            </a:r>
+            <a:endParaRPr lang="en-US" altLang="ko-KR" dirty="0"/>
+          </a:p>
+          <a:p>
+            <a:endParaRPr lang="en-US" altLang="ko-KR" dirty="0"/>
+          </a:p>
+          <a:p>
+            <a:r>
+              <a:rPr lang="en-US" altLang="ko-KR" dirty="0"/>
+              <a:t>CNN</a:t>
+            </a:r>
+            <a:r>
+              <a:rPr lang="ko-KR" altLang="en-US" dirty="0"/>
+              <a:t>의 모델로 일사량을 예측하는 방법을 제시하였습니다</a:t>
+            </a:r>
+            <a:r>
+              <a:rPr lang="en-US" altLang="ko-KR" dirty="0"/>
+              <a:t>.</a:t>
+            </a:r>
+          </a:p>
+          <a:p>
+            <a:endParaRPr lang="en-US" altLang="ko-KR" dirty="0"/>
+          </a:p>
+          <a:p>
+            <a:r>
+              <a:rPr lang="ko-KR" altLang="en-US" dirty="0"/>
+              <a:t>결과의 오차율은 </a:t>
+            </a:r>
+            <a:r>
+              <a:rPr lang="en-US" altLang="ko-KR" dirty="0"/>
+              <a:t>0.58%, </a:t>
+            </a:r>
+            <a:r>
+              <a:rPr lang="ko-KR" altLang="en-US" dirty="0"/>
+              <a:t>적중률은 </a:t>
+            </a:r>
+            <a:r>
+              <a:rPr lang="en-US" altLang="ko-KR" dirty="0"/>
+              <a:t>0.98%</a:t>
+            </a:r>
+            <a:r>
+              <a:rPr lang="ko-KR" altLang="en-US" dirty="0"/>
+              <a:t>로 높은 성능을 보인 것을 확인했습니다</a:t>
+            </a:r>
+            <a:r>
+              <a:rPr lang="en-US" altLang="ko-KR" dirty="0"/>
+              <a:t>.</a:t>
+            </a:r>
+          </a:p>
+          <a:p>
+            <a:endParaRPr lang="en-US" altLang="ko-KR" dirty="0"/>
+          </a:p>
+        </p:txBody>
+      </p:sp>
+      <p:sp>
+        <p:nvSpPr>
+          <p:cNvPr id="4" name="슬라이드 번호 개체 틀 3"/>
+          <p:cNvSpPr>
+            <a:spLocks noGrp="1"/>
+          </p:cNvSpPr>
+          <p:nvPr>
+            <p:ph type="sldNum" sz="quarter" idx="5"/>
+          </p:nvPr>
+        </p:nvSpPr>
+        <p:spPr/>
+        <p:txBody>
+          <a:bodyPr/>
+          <a:lstStyle/>
+          <a:p>
+            <a:fld id="{93AB681D-CBF1-45F1-B896-A0DDF762AAAD}" type="slidenum">
+              <a:rPr lang="ko-KR" altLang="en-US" smtClean="0"/>
+              <a:t>13</a:t>
+            </a:fld>
+            <a:endParaRPr lang="ko-KR" altLang="en-US"/>
+          </a:p>
+        </p:txBody>
+      </p:sp>
+    </p:spTree>
+    <p:extLst>
+      <p:ext uri="{BB962C8B-B14F-4D97-AF65-F5344CB8AC3E}">
+        <p14:creationId xmlns:p14="http://schemas.microsoft.com/office/powerpoint/2010/main" val="3508081133"/>
+      </p:ext>
+    </p:extLst>
+  </p:cSld>
+  <p:clrMapOvr>
+    <a:masterClrMapping/>
+  </p:clrMapOvr>
+</p:notes>
+</file>
+
+<file path=ppt/notesSlides/notesSlide14.xml><?xml version="1.0" encoding="utf-8"?>
+<p:notes xmlns:a="http://schemas.openxmlformats.org/drawingml/2006/main" xmlns:r="http://schemas.openxmlformats.org/officeDocument/2006/relationships" xmlns:p="http://schemas.openxmlformats.org/presentationml/2006/main">
+  <p:cSld>
+    <p:spTree>
+      <p:nvGrpSpPr>
+        <p:cNvPr id="1" name=""/>
+        <p:cNvGrpSpPr/>
+        <p:nvPr/>
+      </p:nvGrpSpPr>
+      <p:grpSpPr>
+        <a:xfrm>
+          <a:off x="0" y="0"/>
+          <a:ext cx="0" cy="0"/>
+          <a:chOff x="0" y="0"/>
+          <a:chExt cx="0" cy="0"/>
+        </a:xfrm>
+      </p:grpSpPr>
+      <p:sp>
+        <p:nvSpPr>
+          <p:cNvPr id="2" name="슬라이드 이미지 개체 틀 1"/>
+          <p:cNvSpPr>
+            <a:spLocks noGrp="1" noRot="1" noChangeAspect="1"/>
+          </p:cNvSpPr>
+          <p:nvPr>
+            <p:ph type="sldImg"/>
+          </p:nvPr>
+        </p:nvSpPr>
+        <p:spPr/>
+      </p:sp>
+      <p:sp>
+        <p:nvSpPr>
+          <p:cNvPr id="3" name="슬라이드 노트 개체 틀 2"/>
+          <p:cNvSpPr>
+            <a:spLocks noGrp="1"/>
+          </p:cNvSpPr>
+          <p:nvPr>
+            <p:ph type="body" idx="1"/>
+          </p:nvPr>
+        </p:nvSpPr>
+        <p:spPr/>
+        <p:txBody>
+          <a:bodyPr/>
+          <a:lstStyle/>
+          <a:p>
+            <a:r>
+              <a:rPr lang="ko-KR" altLang="en-US" dirty="0"/>
+              <a:t>마지막으로 </a:t>
+            </a:r>
+            <a:r>
+              <a:rPr lang="en-US" altLang="ko-KR" dirty="0"/>
+              <a:t>6</a:t>
+            </a:r>
+            <a:r>
+              <a:rPr lang="ko-KR" altLang="en-US" dirty="0"/>
+              <a:t>번째 논문입니다</a:t>
+            </a:r>
+            <a:r>
+              <a:rPr lang="en-US" altLang="ko-KR" dirty="0"/>
+              <a:t>.</a:t>
+            </a:r>
+          </a:p>
+          <a:p>
+            <a:endParaRPr lang="en-US" altLang="ko-KR" dirty="0"/>
+          </a:p>
+          <a:p>
+            <a:r>
+              <a:rPr lang="ko-KR" altLang="en-US" dirty="0"/>
+              <a:t>데이터는 </a:t>
+            </a:r>
+            <a:r>
+              <a:rPr lang="en-US" altLang="ko-KR" dirty="0"/>
+              <a:t>2011</a:t>
+            </a:r>
+            <a:r>
+              <a:rPr lang="ko-KR" altLang="en-US" dirty="0"/>
+              <a:t>년부터 </a:t>
+            </a:r>
+            <a:r>
+              <a:rPr lang="en-US" altLang="ko-KR" dirty="0"/>
+              <a:t>2018</a:t>
+            </a:r>
+            <a:r>
+              <a:rPr lang="ko-KR" altLang="en-US" dirty="0"/>
+              <a:t>년 까지의 제주도지역의 기상자료 </a:t>
+            </a:r>
+            <a:r>
+              <a:rPr lang="ko-KR" altLang="en-US" dirty="0" err="1"/>
+              <a:t>개방포털의</a:t>
+            </a:r>
+            <a:r>
+              <a:rPr lang="ko-KR" altLang="en-US" dirty="0"/>
+              <a:t> 기상요인 데이터를 사용했으며</a:t>
+            </a:r>
+            <a:endParaRPr lang="en-US" altLang="ko-KR" dirty="0"/>
+          </a:p>
+          <a:p>
+            <a:endParaRPr lang="en-US" altLang="ko-KR" dirty="0"/>
+          </a:p>
+          <a:p>
+            <a:r>
+              <a:rPr lang="en-US" altLang="ko-KR" dirty="0"/>
+              <a:t>4</a:t>
+            </a:r>
+            <a:r>
+              <a:rPr lang="ko-KR" altLang="en-US" dirty="0"/>
+              <a:t>개의 네트워크 </a:t>
+            </a:r>
+            <a:r>
+              <a:rPr lang="ko-KR" altLang="en-US" dirty="0" err="1"/>
+              <a:t>모델중</a:t>
+            </a:r>
+            <a:r>
+              <a:rPr lang="ko-KR" altLang="en-US" dirty="0"/>
+              <a:t> 모델의 </a:t>
+            </a:r>
+            <a:r>
+              <a:rPr lang="ko-KR" altLang="en-US" dirty="0" err="1"/>
+              <a:t>디코더</a:t>
+            </a:r>
+            <a:r>
+              <a:rPr lang="ko-KR" altLang="en-US" dirty="0"/>
+              <a:t> 부분에서 인코더와 높은 유사도를 갖는 벡터에 집중 적으로 학습하는 </a:t>
+            </a:r>
+            <a:endParaRPr lang="en-US" altLang="ko-KR" dirty="0"/>
+          </a:p>
+          <a:p>
+            <a:r>
+              <a:rPr lang="en-US" altLang="ko-KR" dirty="0"/>
+              <a:t>ATT-LSTM</a:t>
+            </a:r>
+            <a:r>
+              <a:rPr lang="ko-KR" altLang="en-US" dirty="0"/>
+              <a:t>의 모델의 성능이 가장 높은 것을 확인하였습니다</a:t>
+            </a:r>
+            <a:r>
+              <a:rPr lang="en-US" altLang="ko-KR" dirty="0"/>
+              <a:t>.</a:t>
+            </a:r>
+            <a:endParaRPr lang="ko-KR" altLang="en-US" dirty="0"/>
+          </a:p>
+        </p:txBody>
+      </p:sp>
+      <p:sp>
+        <p:nvSpPr>
+          <p:cNvPr id="4" name="슬라이드 번호 개체 틀 3"/>
+          <p:cNvSpPr>
+            <a:spLocks noGrp="1"/>
+          </p:cNvSpPr>
+          <p:nvPr>
+            <p:ph type="sldNum" sz="quarter" idx="5"/>
+          </p:nvPr>
+        </p:nvSpPr>
+        <p:spPr/>
+        <p:txBody>
+          <a:bodyPr/>
+          <a:lstStyle/>
+          <a:p>
+            <a:fld id="{93AB681D-CBF1-45F1-B896-A0DDF762AAAD}" type="slidenum">
+              <a:rPr lang="ko-KR" altLang="en-US" smtClean="0"/>
+              <a:t>14</a:t>
+            </a:fld>
+            <a:endParaRPr lang="ko-KR" altLang="en-US"/>
+          </a:p>
+        </p:txBody>
+      </p:sp>
+    </p:spTree>
+    <p:extLst>
+      <p:ext uri="{BB962C8B-B14F-4D97-AF65-F5344CB8AC3E}">
+        <p14:creationId xmlns:p14="http://schemas.microsoft.com/office/powerpoint/2010/main" val="2759526591"/>
+      </p:ext>
+    </p:extLst>
+  </p:cSld>
+  <p:clrMapOvr>
+    <a:masterClrMapping/>
+  </p:clrMapOvr>
+</p:notes>
+</file>
+
+<file path=ppt/notesSlides/notesSlide15.xml><?xml version="1.0" encoding="utf-8"?>
+<p:notes xmlns:a="http://schemas.openxmlformats.org/drawingml/2006/main" xmlns:r="http://schemas.openxmlformats.org/officeDocument/2006/relationships" xmlns:p="http://schemas.openxmlformats.org/presentationml/2006/main">
+  <p:cSld>
+    <p:spTree>
+      <p:nvGrpSpPr>
+        <p:cNvPr id="1" name=""/>
+        <p:cNvGrpSpPr/>
+        <p:nvPr/>
+      </p:nvGrpSpPr>
+      <p:grpSpPr>
+        <a:xfrm>
+          <a:off x="0" y="0"/>
+          <a:ext cx="0" cy="0"/>
+          <a:chOff x="0" y="0"/>
+          <a:chExt cx="0" cy="0"/>
+        </a:xfrm>
+      </p:grpSpPr>
+      <p:sp>
+        <p:nvSpPr>
+          <p:cNvPr id="2" name="슬라이드 이미지 개체 틀 1"/>
+          <p:cNvSpPr>
+            <a:spLocks noGrp="1" noRot="1" noChangeAspect="1"/>
+          </p:cNvSpPr>
+          <p:nvPr>
+            <p:ph type="sldImg"/>
+          </p:nvPr>
+        </p:nvSpPr>
+        <p:spPr/>
+      </p:sp>
+      <p:sp>
+        <p:nvSpPr>
+          <p:cNvPr id="3" name="슬라이드 노트 개체 틀 2"/>
+          <p:cNvSpPr>
+            <a:spLocks noGrp="1"/>
+          </p:cNvSpPr>
+          <p:nvPr>
+            <p:ph type="body" idx="1"/>
+          </p:nvPr>
+        </p:nvSpPr>
+        <p:spPr/>
+        <p:txBody>
+          <a:bodyPr/>
+          <a:lstStyle/>
+          <a:p>
+            <a:r>
+              <a:rPr lang="ko-KR" altLang="en-US" dirty="0"/>
+              <a:t>결론입니다</a:t>
+            </a:r>
+            <a:r>
+              <a:rPr lang="en-US" altLang="ko-KR" dirty="0"/>
+              <a:t>.</a:t>
+            </a:r>
+          </a:p>
+          <a:p>
+            <a:endParaRPr lang="en-US" altLang="ko-KR" dirty="0"/>
+          </a:p>
+          <a:p>
+            <a:r>
+              <a:rPr lang="ko-KR" altLang="en-US" dirty="0"/>
+              <a:t>본 논문에서는 시스템의 효과적인 운영 계획을 수립하기 위해 기계학습 기반의 일사량 예측 모델 구성에</a:t>
+            </a:r>
+            <a:endParaRPr lang="en-US" altLang="ko-KR" dirty="0"/>
+          </a:p>
+          <a:p>
+            <a:r>
+              <a:rPr lang="ko-KR" altLang="en-US" dirty="0"/>
+              <a:t>관한 사례를 소개했습니다</a:t>
+            </a:r>
+            <a:r>
+              <a:rPr lang="en-US" altLang="ko-KR" dirty="0"/>
+              <a:t>.</a:t>
+            </a:r>
+          </a:p>
+          <a:p>
+            <a:endParaRPr lang="en-US" altLang="ko-KR" dirty="0"/>
+          </a:p>
+          <a:p>
+            <a:r>
+              <a:rPr lang="ko-KR" altLang="en-US" dirty="0"/>
+              <a:t>모델 중 앙상블 학습 기법은 우수한 예측 성능을 도출할 수 있을 뿐만 아니라 변수 중요도를 통해</a:t>
+            </a:r>
+            <a:endParaRPr lang="en-US" altLang="ko-KR" dirty="0"/>
+          </a:p>
+          <a:p>
+            <a:r>
+              <a:rPr lang="ko-KR" altLang="en-US" dirty="0"/>
+              <a:t>어떤 독립 변수가 모델 구성에 중요한지를 해석할 수 있다는 장점이 있음을 확인했습니다</a:t>
+            </a:r>
+            <a:r>
+              <a:rPr lang="en-US" altLang="ko-KR" dirty="0"/>
+              <a:t>.</a:t>
+            </a:r>
+          </a:p>
+          <a:p>
+            <a:endParaRPr lang="en-US" altLang="ko-KR" dirty="0"/>
+          </a:p>
+          <a:p>
+            <a:r>
+              <a:rPr lang="ko-KR" altLang="en-US" dirty="0"/>
+              <a:t>심층 학습은 이미지와 같이 테이블 형식이 아닌 데이터에서도 특징을 추출하여 정확한 일사량 예측을 수행</a:t>
+            </a:r>
+            <a:endParaRPr lang="en-US" altLang="ko-KR" dirty="0"/>
+          </a:p>
+          <a:p>
+            <a:r>
+              <a:rPr lang="ko-KR" altLang="en-US" dirty="0"/>
+              <a:t>할 수 있음을 확인했습니다</a:t>
+            </a:r>
+            <a:r>
+              <a:rPr lang="en-US" altLang="ko-KR" dirty="0"/>
+              <a:t>.</a:t>
+            </a:r>
+            <a:endParaRPr lang="ko-KR" altLang="en-US" dirty="0"/>
+          </a:p>
+        </p:txBody>
+      </p:sp>
+      <p:sp>
+        <p:nvSpPr>
+          <p:cNvPr id="4" name="슬라이드 번호 개체 틀 3"/>
+          <p:cNvSpPr>
+            <a:spLocks noGrp="1"/>
+          </p:cNvSpPr>
+          <p:nvPr>
+            <p:ph type="sldNum" sz="quarter" idx="5"/>
+          </p:nvPr>
+        </p:nvSpPr>
+        <p:spPr/>
+        <p:txBody>
+          <a:bodyPr/>
+          <a:lstStyle/>
+          <a:p>
+            <a:fld id="{93AB681D-CBF1-45F1-B896-A0DDF762AAAD}" type="slidenum">
+              <a:rPr lang="ko-KR" altLang="en-US" smtClean="0"/>
+              <a:t>15</a:t>
+            </a:fld>
+            <a:endParaRPr lang="ko-KR" altLang="en-US"/>
+          </a:p>
+        </p:txBody>
+      </p:sp>
+    </p:spTree>
+    <p:extLst>
+      <p:ext uri="{BB962C8B-B14F-4D97-AF65-F5344CB8AC3E}">
+        <p14:creationId xmlns:p14="http://schemas.microsoft.com/office/powerpoint/2010/main" val="214874624"/>
+      </p:ext>
+    </p:extLst>
+  </p:cSld>
+  <p:clrMapOvr>
+    <a:masterClrMapping/>
+  </p:clrMapOvr>
+</p:notes>
+</file>
+
+<file path=ppt/notesSlides/notesSlide16.xml><?xml version="1.0" encoding="utf-8"?>
+<p:notes xmlns:a="http://schemas.openxmlformats.org/drawingml/2006/main" xmlns:r="http://schemas.openxmlformats.org/officeDocument/2006/relationships" xmlns:p="http://schemas.openxmlformats.org/presentationml/2006/main">
+  <p:cSld>
+    <p:spTree>
+      <p:nvGrpSpPr>
+        <p:cNvPr id="1" name=""/>
+        <p:cNvGrpSpPr/>
+        <p:nvPr/>
+      </p:nvGrpSpPr>
+      <p:grpSpPr>
+        <a:xfrm>
+          <a:off x="0" y="0"/>
+          <a:ext cx="0" cy="0"/>
+          <a:chOff x="0" y="0"/>
+          <a:chExt cx="0" cy="0"/>
+        </a:xfrm>
+      </p:grpSpPr>
+      <p:sp>
+        <p:nvSpPr>
+          <p:cNvPr id="2" name="슬라이드 이미지 개체 틀 1"/>
+          <p:cNvSpPr>
+            <a:spLocks noGrp="1" noRot="1" noChangeAspect="1"/>
+          </p:cNvSpPr>
+          <p:nvPr>
+            <p:ph type="sldImg"/>
+          </p:nvPr>
+        </p:nvSpPr>
+        <p:spPr/>
+      </p:sp>
+      <p:sp>
+        <p:nvSpPr>
+          <p:cNvPr id="3" name="슬라이드 노트 개체 틀 2"/>
+          <p:cNvSpPr>
+            <a:spLocks noGrp="1"/>
+          </p:cNvSpPr>
+          <p:nvPr>
+            <p:ph type="body" idx="1"/>
+          </p:nvPr>
+        </p:nvSpPr>
+        <p:spPr/>
+        <p:txBody>
+          <a:bodyPr/>
+          <a:lstStyle/>
+          <a:p>
+            <a:r>
+              <a:rPr lang="ko-KR" altLang="en-US" dirty="0"/>
+              <a:t>이상으로 발표 마치겠습니다</a:t>
+            </a:r>
+            <a:r>
+              <a:rPr lang="en-US" altLang="ko-KR" dirty="0"/>
+              <a:t>. </a:t>
+            </a:r>
+            <a:r>
+              <a:rPr lang="ko-KR" altLang="en-US" dirty="0"/>
+              <a:t>감사합니다</a:t>
+            </a:r>
+            <a:r>
+              <a:rPr lang="en-US" altLang="ko-KR" dirty="0"/>
+              <a:t>.</a:t>
+            </a:r>
+            <a:endParaRPr lang="ko-KR" altLang="en-US" dirty="0"/>
+          </a:p>
+        </p:txBody>
+      </p:sp>
+      <p:sp>
+        <p:nvSpPr>
+          <p:cNvPr id="4" name="슬라이드 번호 개체 틀 3"/>
+          <p:cNvSpPr>
+            <a:spLocks noGrp="1"/>
+          </p:cNvSpPr>
+          <p:nvPr>
+            <p:ph type="sldNum" sz="quarter" idx="5"/>
+          </p:nvPr>
+        </p:nvSpPr>
+        <p:spPr/>
+        <p:txBody>
+          <a:bodyPr/>
+          <a:lstStyle/>
+          <a:p>
+            <a:fld id="{93AB681D-CBF1-45F1-B896-A0DDF762AAAD}" type="slidenum">
+              <a:rPr lang="ko-KR" altLang="en-US" smtClean="0"/>
+              <a:t>16</a:t>
+            </a:fld>
+            <a:endParaRPr lang="ko-KR" altLang="en-US"/>
+          </a:p>
+        </p:txBody>
+      </p:sp>
+    </p:spTree>
+    <p:extLst>
+      <p:ext uri="{BB962C8B-B14F-4D97-AF65-F5344CB8AC3E}">
+        <p14:creationId xmlns:p14="http://schemas.microsoft.com/office/powerpoint/2010/main" val="1798580050"/>
       </p:ext>
     </p:extLst>
   </p:cSld>
@@ -607,7 +1846,60 @@
           <a:bodyPr/>
           <a:lstStyle/>
           <a:p>
-            <a:endParaRPr lang="ko-KR" altLang="en-US"/>
+            <a:r>
+              <a:rPr lang="ko-KR" altLang="en-US" dirty="0"/>
+              <a:t>발표 순서는 다음과 같습니다</a:t>
+            </a:r>
+            <a:r>
+              <a:rPr lang="en-US" altLang="ko-KR" dirty="0"/>
+              <a:t>.</a:t>
+            </a:r>
+          </a:p>
+          <a:p>
+            <a:endParaRPr lang="en-US" altLang="ko-KR" dirty="0"/>
+          </a:p>
+          <a:p>
+            <a:r>
+              <a:rPr lang="ko-KR" altLang="en-US" dirty="0"/>
+              <a:t>연구 배경과 분석 목적을 설명 후</a:t>
+            </a:r>
+            <a:r>
+              <a:rPr lang="en-US" altLang="ko-KR" dirty="0"/>
+              <a:t>,</a:t>
+            </a:r>
+          </a:p>
+          <a:p>
+            <a:r>
+              <a:rPr lang="ko-KR" altLang="en-US" dirty="0"/>
+              <a:t>본론으로 </a:t>
+            </a:r>
+            <a:r>
+              <a:rPr lang="en-US" altLang="ko-KR" dirty="0"/>
+              <a:t>4</a:t>
+            </a:r>
+            <a:r>
+              <a:rPr lang="ko-KR" altLang="en-US" dirty="0"/>
+              <a:t>개의 논문과 </a:t>
+            </a:r>
+            <a:r>
+              <a:rPr lang="en-US" altLang="ko-KR" dirty="0"/>
+              <a:t>2</a:t>
+            </a:r>
+            <a:r>
+              <a:rPr lang="ko-KR" altLang="en-US" dirty="0"/>
+              <a:t>개의 특허논문의 기계학습 모델을 파악한 뒤</a:t>
+            </a:r>
+            <a:endParaRPr lang="en-US" altLang="ko-KR" dirty="0"/>
+          </a:p>
+          <a:p>
+            <a:r>
+              <a:rPr lang="ko-KR" altLang="en-US" dirty="0"/>
+              <a:t>결론으로 발표를 마무리 하겠습니다</a:t>
+            </a:r>
+            <a:r>
+              <a:rPr lang="en-US" altLang="ko-KR" dirty="0"/>
+              <a:t>.</a:t>
+            </a:r>
           </a:p>
         </p:txBody>
       </p:sp>
@@ -628,7 +1920,7 @@
           <a:p>
             <a:fld id="{93AB681D-CBF1-45F1-B896-A0DDF762AAAD}" type="slidenum">
               <a:rPr lang="ko-KR" altLang="en-US" smtClean="0"/>
-              <a:t>14</a:t>
+              <a:t>2</a:t>
             </a:fld>
             <a:endParaRPr lang="ko-KR" altLang="en-US"/>
           </a:p>
@@ -637,7 +1929,1124 @@
     </p:spTree>
     <p:extLst>
       <p:ext uri="{BB962C8B-B14F-4D97-AF65-F5344CB8AC3E}">
-        <p14:creationId xmlns:p14="http://schemas.microsoft.com/office/powerpoint/2010/main" val="2759526591"/>
+        <p14:creationId xmlns:p14="http://schemas.microsoft.com/office/powerpoint/2010/main" val="2382110037"/>
+      </p:ext>
+    </p:extLst>
+  </p:cSld>
+  <p:clrMapOvr>
+    <a:masterClrMapping/>
+  </p:clrMapOvr>
+</p:notes>
+</file>
+
+<file path=ppt/notesSlides/notesSlide3.xml><?xml version="1.0" encoding="utf-8"?>
+<p:notes xmlns:a="http://schemas.openxmlformats.org/drawingml/2006/main" xmlns:r="http://schemas.openxmlformats.org/officeDocument/2006/relationships" xmlns:p="http://schemas.openxmlformats.org/presentationml/2006/main">
+  <p:cSld>
+    <p:spTree>
+      <p:nvGrpSpPr>
+        <p:cNvPr id="1" name=""/>
+        <p:cNvGrpSpPr/>
+        <p:nvPr/>
+      </p:nvGrpSpPr>
+      <p:grpSpPr>
+        <a:xfrm>
+          <a:off x="0" y="0"/>
+          <a:ext cx="0" cy="0"/>
+          <a:chOff x="0" y="0"/>
+          <a:chExt cx="0" cy="0"/>
+        </a:xfrm>
+      </p:grpSpPr>
+      <p:sp>
+        <p:nvSpPr>
+          <p:cNvPr id="2" name="슬라이드 이미지 개체 틀 1"/>
+          <p:cNvSpPr>
+            <a:spLocks noGrp="1" noRot="1" noChangeAspect="1"/>
+          </p:cNvSpPr>
+          <p:nvPr>
+            <p:ph type="sldImg"/>
+          </p:nvPr>
+        </p:nvSpPr>
+        <p:spPr/>
+      </p:sp>
+      <p:sp>
+        <p:nvSpPr>
+          <p:cNvPr id="3" name="슬라이드 노트 개체 틀 2"/>
+          <p:cNvSpPr>
+            <a:spLocks noGrp="1"/>
+          </p:cNvSpPr>
+          <p:nvPr>
+            <p:ph type="body" idx="1"/>
+          </p:nvPr>
+        </p:nvSpPr>
+        <p:spPr/>
+        <p:txBody>
+          <a:bodyPr/>
+          <a:lstStyle/>
+          <a:p>
+            <a:r>
+              <a:rPr lang="ko-KR" altLang="en-US" dirty="0"/>
+              <a:t>연구배경 입니다</a:t>
+            </a:r>
+            <a:r>
+              <a:rPr lang="en-US" altLang="ko-KR" dirty="0"/>
+              <a:t>.</a:t>
+            </a:r>
+          </a:p>
+          <a:p>
+            <a:endParaRPr lang="en-US" altLang="ko-KR" dirty="0"/>
+          </a:p>
+          <a:p>
+            <a:r>
+              <a:rPr lang="ko-KR" altLang="en-US" dirty="0"/>
+              <a:t>산업화혁명 이후 인구수 증가와 산업화에 의한 화석연료 사용이 증가해</a:t>
+            </a:r>
+            <a:r>
+              <a:rPr lang="en-US" altLang="ko-KR" dirty="0"/>
+              <a:t>,</a:t>
+            </a:r>
+          </a:p>
+          <a:p>
+            <a:r>
+              <a:rPr lang="ko-KR" altLang="en-US" dirty="0"/>
+              <a:t>대기 중 온실가스 농도가 높아져 지구온난화가 발생하고 있습니다</a:t>
+            </a:r>
+            <a:r>
+              <a:rPr lang="en-US" altLang="ko-KR" dirty="0"/>
+              <a:t>.</a:t>
+            </a:r>
+          </a:p>
+          <a:p>
+            <a:endParaRPr lang="en-US" altLang="ko-KR" dirty="0"/>
+          </a:p>
+          <a:p>
+            <a:r>
+              <a:rPr lang="ko-KR" altLang="en-US" dirty="0"/>
+              <a:t>산업화 이전 대비 기온 </a:t>
+            </a:r>
+            <a:r>
+              <a:rPr lang="en-US" altLang="ko-KR" dirty="0"/>
+              <a:t>1.1</a:t>
+            </a:r>
+            <a:r>
+              <a:rPr lang="ko-KR" altLang="en-US" dirty="0"/>
+              <a:t>도가 증가 하였으며</a:t>
+            </a:r>
+            <a:endParaRPr lang="en-US" altLang="ko-KR" dirty="0"/>
+          </a:p>
+          <a:p>
+            <a:endParaRPr lang="en-US" altLang="ko-KR" dirty="0"/>
+          </a:p>
+          <a:p>
+            <a:r>
+              <a:rPr lang="en-US" altLang="ko-KR" dirty="0"/>
+              <a:t>1991</a:t>
+            </a:r>
+            <a:r>
+              <a:rPr lang="ko-KR" altLang="en-US" dirty="0"/>
+              <a:t>년부터 </a:t>
+            </a:r>
+            <a:r>
+              <a:rPr lang="en-US" altLang="ko-KR" dirty="0"/>
+              <a:t>2020</a:t>
+            </a:r>
+            <a:r>
+              <a:rPr lang="ko-KR" altLang="en-US" dirty="0"/>
+              <a:t>년까지 우리나라 전 연안 해안 평균 해수면이 매년 </a:t>
+            </a:r>
+            <a:r>
+              <a:rPr lang="en-US" altLang="ko-KR" dirty="0"/>
+              <a:t>3.03mm</a:t>
+            </a:r>
+            <a:r>
+              <a:rPr lang="ko-KR" altLang="en-US" dirty="0"/>
+              <a:t>씩 높아져 평균 </a:t>
+            </a:r>
+            <a:r>
+              <a:rPr lang="en-US" altLang="ko-KR" dirty="0"/>
+              <a:t>9.1cm</a:t>
+            </a:r>
+            <a:r>
+              <a:rPr lang="ko-KR" altLang="en-US" dirty="0"/>
+              <a:t>가량 상승하였습니다</a:t>
+            </a:r>
+            <a:r>
+              <a:rPr lang="en-US" altLang="ko-KR" dirty="0"/>
+              <a:t>.</a:t>
+            </a:r>
+          </a:p>
+          <a:p>
+            <a:endParaRPr lang="en-US" altLang="ko-KR" dirty="0"/>
+          </a:p>
+          <a:p>
+            <a:endParaRPr lang="ko-KR" altLang="en-US" dirty="0"/>
+          </a:p>
+        </p:txBody>
+      </p:sp>
+      <p:sp>
+        <p:nvSpPr>
+          <p:cNvPr id="4" name="슬라이드 번호 개체 틀 3"/>
+          <p:cNvSpPr>
+            <a:spLocks noGrp="1"/>
+          </p:cNvSpPr>
+          <p:nvPr>
+            <p:ph type="sldNum" sz="quarter" idx="5"/>
+          </p:nvPr>
+        </p:nvSpPr>
+        <p:spPr/>
+        <p:txBody>
+          <a:bodyPr/>
+          <a:lstStyle/>
+          <a:p>
+            <a:fld id="{93AB681D-CBF1-45F1-B896-A0DDF762AAAD}" type="slidenum">
+              <a:rPr lang="ko-KR" altLang="en-US" smtClean="0"/>
+              <a:t>3</a:t>
+            </a:fld>
+            <a:endParaRPr lang="ko-KR" altLang="en-US"/>
+          </a:p>
+        </p:txBody>
+      </p:sp>
+    </p:spTree>
+    <p:extLst>
+      <p:ext uri="{BB962C8B-B14F-4D97-AF65-F5344CB8AC3E}">
+        <p14:creationId xmlns:p14="http://schemas.microsoft.com/office/powerpoint/2010/main" val="1126755923"/>
+      </p:ext>
+    </p:extLst>
+  </p:cSld>
+  <p:clrMapOvr>
+    <a:masterClrMapping/>
+  </p:clrMapOvr>
+</p:notes>
+</file>
+
+<file path=ppt/notesSlides/notesSlide4.xml><?xml version="1.0" encoding="utf-8"?>
+<p:notes xmlns:a="http://schemas.openxmlformats.org/drawingml/2006/main" xmlns:r="http://schemas.openxmlformats.org/officeDocument/2006/relationships" xmlns:p="http://schemas.openxmlformats.org/presentationml/2006/main">
+  <p:cSld>
+    <p:spTree>
+      <p:nvGrpSpPr>
+        <p:cNvPr id="1" name=""/>
+        <p:cNvGrpSpPr/>
+        <p:nvPr/>
+      </p:nvGrpSpPr>
+      <p:grpSpPr>
+        <a:xfrm>
+          <a:off x="0" y="0"/>
+          <a:ext cx="0" cy="0"/>
+          <a:chOff x="0" y="0"/>
+          <a:chExt cx="0" cy="0"/>
+        </a:xfrm>
+      </p:grpSpPr>
+      <p:sp>
+        <p:nvSpPr>
+          <p:cNvPr id="2" name="슬라이드 이미지 개체 틀 1"/>
+          <p:cNvSpPr>
+            <a:spLocks noGrp="1" noRot="1" noChangeAspect="1"/>
+          </p:cNvSpPr>
+          <p:nvPr>
+            <p:ph type="sldImg"/>
+          </p:nvPr>
+        </p:nvSpPr>
+        <p:spPr/>
+      </p:sp>
+      <p:sp>
+        <p:nvSpPr>
+          <p:cNvPr id="3" name="슬라이드 노트 개체 틀 2"/>
+          <p:cNvSpPr>
+            <a:spLocks noGrp="1"/>
+          </p:cNvSpPr>
+          <p:nvPr>
+            <p:ph type="body" idx="1"/>
+          </p:nvPr>
+        </p:nvSpPr>
+        <p:spPr/>
+        <p:txBody>
+          <a:bodyPr/>
+          <a:lstStyle/>
+          <a:p>
+            <a:r>
+              <a:rPr lang="ko-KR" altLang="en-US" dirty="0"/>
+              <a:t>국제 에너지 기구 통계에 따르면 지금까지 코로나 </a:t>
+            </a:r>
+            <a:r>
+              <a:rPr lang="ko-KR" altLang="en-US" dirty="0" err="1"/>
+              <a:t>펜데믹을</a:t>
+            </a:r>
+            <a:r>
+              <a:rPr lang="ko-KR" altLang="en-US" dirty="0"/>
+              <a:t> 제외한 이산화 탄소 배출량이 꾸준하게 증가하였고</a:t>
+            </a:r>
+            <a:endParaRPr lang="en-US" altLang="ko-KR" dirty="0"/>
+          </a:p>
+          <a:p>
+            <a:endParaRPr lang="en-US" altLang="ko-KR" dirty="0"/>
+          </a:p>
+          <a:p>
+            <a:r>
+              <a:rPr lang="ko-KR" altLang="en-US" dirty="0" err="1"/>
+              <a:t>그로인해</a:t>
+            </a:r>
+            <a:r>
+              <a:rPr lang="ko-KR" altLang="en-US" dirty="0"/>
+              <a:t> 신재생 에너지 분야 고용수가 </a:t>
+            </a:r>
+            <a:r>
+              <a:rPr lang="en-US" altLang="ko-KR" dirty="0"/>
+              <a:t>2012</a:t>
+            </a:r>
+            <a:r>
+              <a:rPr lang="ko-KR" altLang="en-US" dirty="0"/>
+              <a:t>년 </a:t>
+            </a:r>
+            <a:r>
+              <a:rPr lang="en-US" altLang="ko-KR" dirty="0"/>
+              <a:t>730</a:t>
+            </a:r>
+            <a:r>
+              <a:rPr lang="ko-KR" altLang="en-US" dirty="0"/>
+              <a:t>만명에서 </a:t>
+            </a:r>
+            <a:r>
+              <a:rPr lang="en-US" altLang="ko-KR" dirty="0"/>
+              <a:t>1200</a:t>
+            </a:r>
+            <a:r>
+              <a:rPr lang="ko-KR" altLang="en-US" dirty="0"/>
+              <a:t>만명으로</a:t>
+            </a:r>
+            <a:r>
+              <a:rPr lang="en-US" altLang="ko-KR" dirty="0"/>
+              <a:t>, </a:t>
+            </a:r>
+            <a:r>
+              <a:rPr lang="ko-KR" altLang="en-US" dirty="0"/>
+              <a:t>시장이 확장되는 것을 확인 하였습니다</a:t>
+            </a:r>
+            <a:r>
+              <a:rPr lang="en-US" altLang="ko-KR" dirty="0"/>
+              <a:t>.</a:t>
+            </a:r>
+            <a:endParaRPr lang="ko-KR" altLang="en-US" dirty="0"/>
+          </a:p>
+        </p:txBody>
+      </p:sp>
+      <p:sp>
+        <p:nvSpPr>
+          <p:cNvPr id="4" name="슬라이드 번호 개체 틀 3"/>
+          <p:cNvSpPr>
+            <a:spLocks noGrp="1"/>
+          </p:cNvSpPr>
+          <p:nvPr>
+            <p:ph type="sldNum" sz="quarter" idx="5"/>
+          </p:nvPr>
+        </p:nvSpPr>
+        <p:spPr/>
+        <p:txBody>
+          <a:bodyPr/>
+          <a:lstStyle/>
+          <a:p>
+            <a:fld id="{93AB681D-CBF1-45F1-B896-A0DDF762AAAD}" type="slidenum">
+              <a:rPr lang="ko-KR" altLang="en-US" smtClean="0"/>
+              <a:t>4</a:t>
+            </a:fld>
+            <a:endParaRPr lang="ko-KR" altLang="en-US"/>
+          </a:p>
+        </p:txBody>
+      </p:sp>
+    </p:spTree>
+    <p:extLst>
+      <p:ext uri="{BB962C8B-B14F-4D97-AF65-F5344CB8AC3E}">
+        <p14:creationId xmlns:p14="http://schemas.microsoft.com/office/powerpoint/2010/main" val="3512149938"/>
+      </p:ext>
+    </p:extLst>
+  </p:cSld>
+  <p:clrMapOvr>
+    <a:masterClrMapping/>
+  </p:clrMapOvr>
+</p:notes>
+</file>
+
+<file path=ppt/notesSlides/notesSlide5.xml><?xml version="1.0" encoding="utf-8"?>
+<p:notes xmlns:a="http://schemas.openxmlformats.org/drawingml/2006/main" xmlns:r="http://schemas.openxmlformats.org/officeDocument/2006/relationships" xmlns:p="http://schemas.openxmlformats.org/presentationml/2006/main">
+  <p:cSld>
+    <p:spTree>
+      <p:nvGrpSpPr>
+        <p:cNvPr id="1" name=""/>
+        <p:cNvGrpSpPr/>
+        <p:nvPr/>
+      </p:nvGrpSpPr>
+      <p:grpSpPr>
+        <a:xfrm>
+          <a:off x="0" y="0"/>
+          <a:ext cx="0" cy="0"/>
+          <a:chOff x="0" y="0"/>
+          <a:chExt cx="0" cy="0"/>
+        </a:xfrm>
+      </p:grpSpPr>
+      <p:sp>
+        <p:nvSpPr>
+          <p:cNvPr id="2" name="슬라이드 이미지 개체 틀 1"/>
+          <p:cNvSpPr>
+            <a:spLocks noGrp="1" noRot="1" noChangeAspect="1"/>
+          </p:cNvSpPr>
+          <p:nvPr>
+            <p:ph type="sldImg"/>
+          </p:nvPr>
+        </p:nvSpPr>
+        <p:spPr/>
+      </p:sp>
+      <p:sp>
+        <p:nvSpPr>
+          <p:cNvPr id="3" name="슬라이드 노트 개체 틀 2"/>
+          <p:cNvSpPr>
+            <a:spLocks noGrp="1"/>
+          </p:cNvSpPr>
+          <p:nvPr>
+            <p:ph type="body" idx="1"/>
+          </p:nvPr>
+        </p:nvSpPr>
+        <p:spPr/>
+        <p:txBody>
+          <a:bodyPr/>
+          <a:lstStyle/>
+          <a:p>
+            <a:r>
+              <a:rPr lang="en-US" altLang="ko-KR" dirty="0"/>
+              <a:t>2022</a:t>
+            </a:r>
+            <a:r>
+              <a:rPr lang="ko-KR" altLang="en-US" dirty="0"/>
+              <a:t>년 국내 </a:t>
+            </a:r>
+            <a:r>
+              <a:rPr lang="ko-KR" altLang="en-US" dirty="0" err="1"/>
+              <a:t>신재셍</a:t>
+            </a:r>
+            <a:r>
+              <a:rPr lang="ko-KR" altLang="en-US" dirty="0"/>
+              <a:t> 에너지 비율의 정부 통계자료를 확인하였을 때 </a:t>
+            </a:r>
+            <a:br>
+              <a:rPr lang="en-US" altLang="ko-KR" dirty="0"/>
+            </a:br>
+            <a:r>
+              <a:rPr lang="ko-KR" altLang="en-US" dirty="0"/>
+              <a:t>태양광</a:t>
+            </a:r>
+            <a:r>
+              <a:rPr lang="en-US" altLang="ko-KR" dirty="0"/>
+              <a:t>, </a:t>
+            </a:r>
+            <a:r>
+              <a:rPr lang="ko-KR" altLang="en-US" dirty="0"/>
+              <a:t>바이오</a:t>
+            </a:r>
+            <a:r>
+              <a:rPr lang="en-US" altLang="ko-KR" dirty="0"/>
+              <a:t>, </a:t>
+            </a:r>
+            <a:r>
+              <a:rPr lang="ko-KR" altLang="en-US" dirty="0"/>
+              <a:t>풍력순으로 비율이 가장 높았음을 확인할 수 있었습니다</a:t>
+            </a:r>
+            <a:r>
+              <a:rPr lang="en-US" altLang="ko-KR" dirty="0"/>
+              <a:t>.</a:t>
+            </a:r>
+            <a:endParaRPr lang="ko-KR" altLang="en-US" dirty="0"/>
+          </a:p>
+        </p:txBody>
+      </p:sp>
+      <p:sp>
+        <p:nvSpPr>
+          <p:cNvPr id="4" name="슬라이드 번호 개체 틀 3"/>
+          <p:cNvSpPr>
+            <a:spLocks noGrp="1"/>
+          </p:cNvSpPr>
+          <p:nvPr>
+            <p:ph type="sldNum" sz="quarter" idx="5"/>
+          </p:nvPr>
+        </p:nvSpPr>
+        <p:spPr/>
+        <p:txBody>
+          <a:bodyPr/>
+          <a:lstStyle/>
+          <a:p>
+            <a:fld id="{93AB681D-CBF1-45F1-B896-A0DDF762AAAD}" type="slidenum">
+              <a:rPr lang="ko-KR" altLang="en-US" smtClean="0"/>
+              <a:t>5</a:t>
+            </a:fld>
+            <a:endParaRPr lang="ko-KR" altLang="en-US"/>
+          </a:p>
+        </p:txBody>
+      </p:sp>
+    </p:spTree>
+    <p:extLst>
+      <p:ext uri="{BB962C8B-B14F-4D97-AF65-F5344CB8AC3E}">
+        <p14:creationId xmlns:p14="http://schemas.microsoft.com/office/powerpoint/2010/main" val="4265595472"/>
+      </p:ext>
+    </p:extLst>
+  </p:cSld>
+  <p:clrMapOvr>
+    <a:masterClrMapping/>
+  </p:clrMapOvr>
+</p:notes>
+</file>
+
+<file path=ppt/notesSlides/notesSlide6.xml><?xml version="1.0" encoding="utf-8"?>
+<p:notes xmlns:a="http://schemas.openxmlformats.org/drawingml/2006/main" xmlns:r="http://schemas.openxmlformats.org/officeDocument/2006/relationships" xmlns:p="http://schemas.openxmlformats.org/presentationml/2006/main">
+  <p:cSld>
+    <p:spTree>
+      <p:nvGrpSpPr>
+        <p:cNvPr id="1" name=""/>
+        <p:cNvGrpSpPr/>
+        <p:nvPr/>
+      </p:nvGrpSpPr>
+      <p:grpSpPr>
+        <a:xfrm>
+          <a:off x="0" y="0"/>
+          <a:ext cx="0" cy="0"/>
+          <a:chOff x="0" y="0"/>
+          <a:chExt cx="0" cy="0"/>
+        </a:xfrm>
+      </p:grpSpPr>
+      <p:sp>
+        <p:nvSpPr>
+          <p:cNvPr id="2" name="슬라이드 이미지 개체 틀 1"/>
+          <p:cNvSpPr>
+            <a:spLocks noGrp="1" noRot="1" noChangeAspect="1"/>
+          </p:cNvSpPr>
+          <p:nvPr>
+            <p:ph type="sldImg"/>
+          </p:nvPr>
+        </p:nvSpPr>
+        <p:spPr/>
+      </p:sp>
+      <p:sp>
+        <p:nvSpPr>
+          <p:cNvPr id="3" name="슬라이드 노트 개체 틀 2"/>
+          <p:cNvSpPr>
+            <a:spLocks noGrp="1"/>
+          </p:cNvSpPr>
+          <p:nvPr>
+            <p:ph type="body" idx="1"/>
+          </p:nvPr>
+        </p:nvSpPr>
+        <p:spPr/>
+        <p:txBody>
+          <a:bodyPr/>
+          <a:lstStyle/>
+          <a:p>
+            <a:r>
+              <a:rPr lang="ko-KR" altLang="en-US" dirty="0"/>
+              <a:t>태양광  발전의 비율이 가장 높은 이유로는</a:t>
+            </a:r>
+            <a:endParaRPr lang="en-US" altLang="ko-KR" dirty="0"/>
+          </a:p>
+          <a:p>
+            <a:r>
+              <a:rPr lang="ko-KR" altLang="en-US" dirty="0"/>
+              <a:t>풍력발전보다 설치 면적이 작으며</a:t>
+            </a:r>
+            <a:endParaRPr lang="en-US" altLang="ko-KR" dirty="0"/>
+          </a:p>
+          <a:p>
+            <a:r>
+              <a:rPr lang="ko-KR" altLang="en-US" dirty="0"/>
+              <a:t>유지 보수 비용과 소음 적고</a:t>
+            </a:r>
+            <a:endParaRPr lang="en-US" altLang="ko-KR" dirty="0"/>
+          </a:p>
+          <a:p>
+            <a:r>
+              <a:rPr lang="ko-KR" altLang="en-US" dirty="0"/>
+              <a:t>무한한 자원 태양광을 사용한다는 이유가 확인되었습니다</a:t>
+            </a:r>
+            <a:r>
+              <a:rPr lang="en-US" altLang="ko-KR" dirty="0"/>
+              <a:t>.</a:t>
+            </a:r>
+            <a:endParaRPr lang="ko-KR" altLang="en-US" dirty="0"/>
+          </a:p>
+        </p:txBody>
+      </p:sp>
+      <p:sp>
+        <p:nvSpPr>
+          <p:cNvPr id="4" name="슬라이드 번호 개체 틀 3"/>
+          <p:cNvSpPr>
+            <a:spLocks noGrp="1"/>
+          </p:cNvSpPr>
+          <p:nvPr>
+            <p:ph type="sldNum" sz="quarter" idx="5"/>
+          </p:nvPr>
+        </p:nvSpPr>
+        <p:spPr/>
+        <p:txBody>
+          <a:bodyPr/>
+          <a:lstStyle/>
+          <a:p>
+            <a:fld id="{93AB681D-CBF1-45F1-B896-A0DDF762AAAD}" type="slidenum">
+              <a:rPr lang="ko-KR" altLang="en-US" smtClean="0"/>
+              <a:t>6</a:t>
+            </a:fld>
+            <a:endParaRPr lang="ko-KR" altLang="en-US"/>
+          </a:p>
+        </p:txBody>
+      </p:sp>
+    </p:spTree>
+    <p:extLst>
+      <p:ext uri="{BB962C8B-B14F-4D97-AF65-F5344CB8AC3E}">
+        <p14:creationId xmlns:p14="http://schemas.microsoft.com/office/powerpoint/2010/main" val="2091237888"/>
+      </p:ext>
+    </p:extLst>
+  </p:cSld>
+  <p:clrMapOvr>
+    <a:masterClrMapping/>
+  </p:clrMapOvr>
+</p:notes>
+</file>
+
+<file path=ppt/notesSlides/notesSlide7.xml><?xml version="1.0" encoding="utf-8"?>
+<p:notes xmlns:a="http://schemas.openxmlformats.org/drawingml/2006/main" xmlns:r="http://schemas.openxmlformats.org/officeDocument/2006/relationships" xmlns:p="http://schemas.openxmlformats.org/presentationml/2006/main">
+  <p:cSld>
+    <p:spTree>
+      <p:nvGrpSpPr>
+        <p:cNvPr id="1" name=""/>
+        <p:cNvGrpSpPr/>
+        <p:nvPr/>
+      </p:nvGrpSpPr>
+      <p:grpSpPr>
+        <a:xfrm>
+          <a:off x="0" y="0"/>
+          <a:ext cx="0" cy="0"/>
+          <a:chOff x="0" y="0"/>
+          <a:chExt cx="0" cy="0"/>
+        </a:xfrm>
+      </p:grpSpPr>
+      <p:sp>
+        <p:nvSpPr>
+          <p:cNvPr id="2" name="슬라이드 이미지 개체 틀 1"/>
+          <p:cNvSpPr>
+            <a:spLocks noGrp="1" noRot="1" noChangeAspect="1"/>
+          </p:cNvSpPr>
+          <p:nvPr>
+            <p:ph type="sldImg"/>
+          </p:nvPr>
+        </p:nvSpPr>
+        <p:spPr/>
+      </p:sp>
+      <p:sp>
+        <p:nvSpPr>
+          <p:cNvPr id="3" name="슬라이드 노트 개체 틀 2"/>
+          <p:cNvSpPr>
+            <a:spLocks noGrp="1"/>
+          </p:cNvSpPr>
+          <p:nvPr>
+            <p:ph type="body" idx="1"/>
+          </p:nvPr>
+        </p:nvSpPr>
+        <p:spPr/>
+        <p:txBody>
+          <a:bodyPr/>
+          <a:lstStyle/>
+          <a:p>
+            <a:r>
+              <a:rPr lang="ko-KR" altLang="en-US" dirty="0"/>
+              <a:t>분석 목적입니다</a:t>
+            </a:r>
+            <a:r>
+              <a:rPr lang="en-US" altLang="ko-KR" dirty="0"/>
+              <a:t>.</a:t>
+            </a:r>
+          </a:p>
+          <a:p>
+            <a:endParaRPr lang="en-US" altLang="ko-KR" dirty="0"/>
+          </a:p>
+          <a:p>
+            <a:r>
+              <a:rPr lang="ko-KR" altLang="en-US" dirty="0"/>
+              <a:t>결국 태양광 발전 시스템 운영을 위해서는 사전에 정확한 단기 태양광 발전량을 예측하는 것이 중요하며</a:t>
+            </a:r>
+            <a:endParaRPr lang="en-US" altLang="ko-KR" dirty="0"/>
+          </a:p>
+          <a:p>
+            <a:endParaRPr lang="en-US" altLang="ko-KR" dirty="0"/>
+          </a:p>
+          <a:p>
+            <a:r>
+              <a:rPr lang="ko-KR" altLang="en-US" dirty="0"/>
+              <a:t>태양광 발전량 예측 모델의 주요 요인인 일사량 정보를 수집하는 것이 필수 요소로 확인되었습니다</a:t>
+            </a:r>
+            <a:r>
+              <a:rPr lang="en-US" altLang="ko-KR" dirty="0"/>
+              <a:t>.</a:t>
+            </a:r>
+          </a:p>
+          <a:p>
+            <a:endParaRPr lang="en-US" altLang="ko-KR" dirty="0"/>
+          </a:p>
+          <a:p>
+            <a:r>
+              <a:rPr lang="ko-KR" altLang="en-US" dirty="0"/>
+              <a:t>하지만 기상청 동네예보의 기록에는 기온</a:t>
+            </a:r>
+            <a:r>
+              <a:rPr lang="en-US" altLang="ko-KR" dirty="0"/>
+              <a:t>, </a:t>
+            </a:r>
+            <a:r>
+              <a:rPr lang="ko-KR" altLang="en-US" dirty="0"/>
+              <a:t>습도와 같은 예측 값은 제공하나</a:t>
+            </a:r>
+            <a:r>
+              <a:rPr lang="en-US" altLang="ko-KR" dirty="0"/>
+              <a:t>, </a:t>
+            </a:r>
+            <a:r>
+              <a:rPr lang="ko-KR" altLang="en-US" dirty="0"/>
+              <a:t>일사량에 대한 예측 값은 제공하지 않았습니다</a:t>
+            </a:r>
+            <a:r>
+              <a:rPr lang="en-US" altLang="ko-KR" dirty="0"/>
+              <a:t>.</a:t>
+            </a:r>
+          </a:p>
+          <a:p>
+            <a:endParaRPr lang="en-US" altLang="ko-KR" dirty="0"/>
+          </a:p>
+          <a:p>
+            <a:r>
+              <a:rPr lang="ko-KR" altLang="en-US" dirty="0"/>
+              <a:t>따라서 정확한 단기 일사량 예측 모델이 필요하다는 것을 확인했으며</a:t>
+            </a:r>
+            <a:endParaRPr lang="en-US" altLang="ko-KR" dirty="0"/>
+          </a:p>
+          <a:p>
+            <a:endParaRPr lang="en-US" altLang="ko-KR" dirty="0"/>
+          </a:p>
+          <a:p>
+            <a:r>
+              <a:rPr lang="ko-KR" altLang="en-US" dirty="0"/>
+              <a:t>국내 여러 기관에서 기계학습을 기반으로 일사량을 예측하는 모델을 보고하려 합니다</a:t>
+            </a:r>
+            <a:r>
+              <a:rPr lang="en-US" altLang="ko-KR" dirty="0"/>
+              <a:t>.</a:t>
+            </a:r>
+          </a:p>
+          <a:p>
+            <a:endParaRPr lang="en-US" altLang="ko-KR" dirty="0"/>
+          </a:p>
+          <a:p>
+            <a:endParaRPr lang="ko-KR" altLang="en-US" dirty="0"/>
+          </a:p>
+        </p:txBody>
+      </p:sp>
+      <p:sp>
+        <p:nvSpPr>
+          <p:cNvPr id="4" name="슬라이드 번호 개체 틀 3"/>
+          <p:cNvSpPr>
+            <a:spLocks noGrp="1"/>
+          </p:cNvSpPr>
+          <p:nvPr>
+            <p:ph type="sldNum" sz="quarter" idx="5"/>
+          </p:nvPr>
+        </p:nvSpPr>
+        <p:spPr/>
+        <p:txBody>
+          <a:bodyPr/>
+          <a:lstStyle/>
+          <a:p>
+            <a:fld id="{93AB681D-CBF1-45F1-B896-A0DDF762AAAD}" type="slidenum">
+              <a:rPr lang="ko-KR" altLang="en-US" smtClean="0"/>
+              <a:t>7</a:t>
+            </a:fld>
+            <a:endParaRPr lang="ko-KR" altLang="en-US"/>
+          </a:p>
+        </p:txBody>
+      </p:sp>
+    </p:spTree>
+    <p:extLst>
+      <p:ext uri="{BB962C8B-B14F-4D97-AF65-F5344CB8AC3E}">
+        <p14:creationId xmlns:p14="http://schemas.microsoft.com/office/powerpoint/2010/main" val="1148644902"/>
+      </p:ext>
+    </p:extLst>
+  </p:cSld>
+  <p:clrMapOvr>
+    <a:masterClrMapping/>
+  </p:clrMapOvr>
+</p:notes>
+</file>
+
+<file path=ppt/notesSlides/notesSlide8.xml><?xml version="1.0" encoding="utf-8"?>
+<p:notes xmlns:a="http://schemas.openxmlformats.org/drawingml/2006/main" xmlns:r="http://schemas.openxmlformats.org/officeDocument/2006/relationships" xmlns:p="http://schemas.openxmlformats.org/presentationml/2006/main">
+  <p:cSld>
+    <p:spTree>
+      <p:nvGrpSpPr>
+        <p:cNvPr id="1" name=""/>
+        <p:cNvGrpSpPr/>
+        <p:nvPr/>
+      </p:nvGrpSpPr>
+      <p:grpSpPr>
+        <a:xfrm>
+          <a:off x="0" y="0"/>
+          <a:ext cx="0" cy="0"/>
+          <a:chOff x="0" y="0"/>
+          <a:chExt cx="0" cy="0"/>
+        </a:xfrm>
+      </p:grpSpPr>
+      <p:sp>
+        <p:nvSpPr>
+          <p:cNvPr id="2" name="슬라이드 이미지 개체 틀 1"/>
+          <p:cNvSpPr>
+            <a:spLocks noGrp="1" noRot="1" noChangeAspect="1"/>
+          </p:cNvSpPr>
+          <p:nvPr>
+            <p:ph type="sldImg"/>
+          </p:nvPr>
+        </p:nvSpPr>
+        <p:spPr/>
+      </p:sp>
+      <p:sp>
+        <p:nvSpPr>
+          <p:cNvPr id="3" name="슬라이드 노트 개체 틀 2"/>
+          <p:cNvSpPr>
+            <a:spLocks noGrp="1"/>
+          </p:cNvSpPr>
+          <p:nvPr>
+            <p:ph type="body" idx="1"/>
+          </p:nvPr>
+        </p:nvSpPr>
+        <p:spPr/>
+        <p:txBody>
+          <a:bodyPr/>
+          <a:lstStyle/>
+          <a:p>
+            <a:r>
+              <a:rPr lang="ko-KR" altLang="en-US" dirty="0"/>
+              <a:t>본론의 내용은 </a:t>
+            </a:r>
+            <a:r>
+              <a:rPr lang="en-US" altLang="ko-KR" dirty="0"/>
+              <a:t>2018</a:t>
+            </a:r>
+            <a:r>
+              <a:rPr lang="ko-KR" altLang="en-US" dirty="0"/>
+              <a:t>년부터 </a:t>
+            </a:r>
+            <a:r>
+              <a:rPr lang="en-US" altLang="ko-KR" dirty="0"/>
+              <a:t>2022</a:t>
+            </a:r>
+            <a:r>
+              <a:rPr lang="ko-KR" altLang="en-US" dirty="0"/>
+              <a:t>년 까지의 기계학습 기법을 이용한 예측 모델 구성 사례를 소개합니다</a:t>
+            </a:r>
+            <a:r>
+              <a:rPr lang="en-US" altLang="ko-KR" dirty="0"/>
+              <a:t>.</a:t>
+            </a:r>
+            <a:endParaRPr lang="ko-KR" altLang="en-US" dirty="0"/>
+          </a:p>
+        </p:txBody>
+      </p:sp>
+      <p:sp>
+        <p:nvSpPr>
+          <p:cNvPr id="4" name="슬라이드 번호 개체 틀 3"/>
+          <p:cNvSpPr>
+            <a:spLocks noGrp="1"/>
+          </p:cNvSpPr>
+          <p:nvPr>
+            <p:ph type="sldNum" sz="quarter" idx="5"/>
+          </p:nvPr>
+        </p:nvSpPr>
+        <p:spPr/>
+        <p:txBody>
+          <a:bodyPr/>
+          <a:lstStyle/>
+          <a:p>
+            <a:fld id="{93AB681D-CBF1-45F1-B896-A0DDF762AAAD}" type="slidenum">
+              <a:rPr lang="ko-KR" altLang="en-US" smtClean="0"/>
+              <a:t>8</a:t>
+            </a:fld>
+            <a:endParaRPr lang="ko-KR" altLang="en-US"/>
+          </a:p>
+        </p:txBody>
+      </p:sp>
+    </p:spTree>
+    <p:extLst>
+      <p:ext uri="{BB962C8B-B14F-4D97-AF65-F5344CB8AC3E}">
+        <p14:creationId xmlns:p14="http://schemas.microsoft.com/office/powerpoint/2010/main" val="1965701134"/>
+      </p:ext>
+    </p:extLst>
+  </p:cSld>
+  <p:clrMapOvr>
+    <a:masterClrMapping/>
+  </p:clrMapOvr>
+</p:notes>
+</file>
+
+<file path=ppt/notesSlides/notesSlide9.xml><?xml version="1.0" encoding="utf-8"?>
+<p:notes xmlns:a="http://schemas.openxmlformats.org/drawingml/2006/main" xmlns:r="http://schemas.openxmlformats.org/officeDocument/2006/relationships" xmlns:p="http://schemas.openxmlformats.org/presentationml/2006/main">
+  <p:cSld>
+    <p:spTree>
+      <p:nvGrpSpPr>
+        <p:cNvPr id="1" name=""/>
+        <p:cNvGrpSpPr/>
+        <p:nvPr/>
+      </p:nvGrpSpPr>
+      <p:grpSpPr>
+        <a:xfrm>
+          <a:off x="0" y="0"/>
+          <a:ext cx="0" cy="0"/>
+          <a:chOff x="0" y="0"/>
+          <a:chExt cx="0" cy="0"/>
+        </a:xfrm>
+      </p:grpSpPr>
+      <p:sp>
+        <p:nvSpPr>
+          <p:cNvPr id="2" name="슬라이드 이미지 개체 틀 1"/>
+          <p:cNvSpPr>
+            <a:spLocks noGrp="1" noRot="1" noChangeAspect="1"/>
+          </p:cNvSpPr>
+          <p:nvPr>
+            <p:ph type="sldImg"/>
+          </p:nvPr>
+        </p:nvSpPr>
+        <p:spPr/>
+      </p:sp>
+      <p:sp>
+        <p:nvSpPr>
+          <p:cNvPr id="3" name="슬라이드 노트 개체 틀 2"/>
+          <p:cNvSpPr>
+            <a:spLocks noGrp="1"/>
+          </p:cNvSpPr>
+          <p:nvPr>
+            <p:ph type="body" idx="1"/>
+          </p:nvPr>
+        </p:nvSpPr>
+        <p:spPr/>
+        <p:txBody>
+          <a:bodyPr/>
+          <a:lstStyle/>
+          <a:p>
+            <a:r>
+              <a:rPr lang="ko-KR" altLang="en-US" dirty="0"/>
+              <a:t>첫번쨰 논문 입니다</a:t>
+            </a:r>
+            <a:r>
+              <a:rPr lang="en-US" altLang="ko-KR" dirty="0"/>
+              <a:t>.</a:t>
+            </a:r>
+          </a:p>
+          <a:p>
+            <a:endParaRPr lang="en-US" altLang="ko-KR" dirty="0"/>
+          </a:p>
+          <a:p>
+            <a:r>
+              <a:rPr lang="ko-KR" altLang="en-US" dirty="0"/>
+              <a:t>첫번째 논문에서는</a:t>
+            </a:r>
+            <a:endParaRPr lang="en-US" altLang="ko-KR" dirty="0"/>
+          </a:p>
+          <a:p>
+            <a:endParaRPr lang="en-US" altLang="ko-KR" dirty="0"/>
+          </a:p>
+          <a:p>
+            <a:r>
+              <a:rPr lang="ko-KR" altLang="en-US" dirty="0"/>
+              <a:t>경기도 용인시 기상예보 </a:t>
+            </a:r>
+            <a:r>
+              <a:rPr lang="en-US" altLang="ko-KR" dirty="0"/>
+              <a:t>2016</a:t>
+            </a:r>
+            <a:r>
+              <a:rPr lang="ko-KR" altLang="en-US" dirty="0"/>
+              <a:t>년 </a:t>
+            </a:r>
+            <a:r>
+              <a:rPr lang="en-US" altLang="ko-KR" dirty="0"/>
+              <a:t>12</a:t>
+            </a:r>
+            <a:r>
+              <a:rPr lang="ko-KR" altLang="en-US" dirty="0"/>
+              <a:t>월 </a:t>
+            </a:r>
+            <a:r>
+              <a:rPr lang="en-US" altLang="ko-KR" dirty="0"/>
+              <a:t>1</a:t>
+            </a:r>
+            <a:r>
+              <a:rPr lang="ko-KR" altLang="en-US" dirty="0"/>
+              <a:t>일부터 </a:t>
+            </a:r>
+            <a:r>
+              <a:rPr lang="en-US" altLang="ko-KR" dirty="0"/>
+              <a:t>2016</a:t>
+            </a:r>
+            <a:r>
+              <a:rPr lang="ko-KR" altLang="en-US" dirty="0"/>
+              <a:t>년 </a:t>
+            </a:r>
+            <a:r>
+              <a:rPr lang="en-US" altLang="ko-KR" dirty="0"/>
+              <a:t>12</a:t>
+            </a:r>
+            <a:r>
+              <a:rPr lang="ko-KR" altLang="en-US" dirty="0"/>
+              <a:t>월 </a:t>
+            </a:r>
+            <a:r>
+              <a:rPr lang="en-US" altLang="ko-KR" dirty="0"/>
+              <a:t>31</a:t>
+            </a:r>
+            <a:r>
+              <a:rPr lang="ko-KR" altLang="en-US" dirty="0"/>
+              <a:t>일까지의 </a:t>
+            </a:r>
+            <a:r>
+              <a:rPr lang="en-US" altLang="ko-KR" dirty="0"/>
+              <a:t>1</a:t>
+            </a:r>
+            <a:r>
+              <a:rPr lang="ko-KR" altLang="en-US" dirty="0"/>
+              <a:t>개월 간의 데이터를 사용하여</a:t>
+            </a:r>
+            <a:endParaRPr lang="en-US" altLang="ko-KR" dirty="0"/>
+          </a:p>
+          <a:p>
+            <a:endParaRPr lang="en-US" altLang="ko-KR" dirty="0"/>
+          </a:p>
+          <a:p>
+            <a:r>
+              <a:rPr lang="ko-KR" altLang="en-US" dirty="0" err="1"/>
+              <a:t>랜덤포레스트</a:t>
+            </a:r>
+            <a:r>
+              <a:rPr lang="en-US" altLang="ko-KR" dirty="0"/>
+              <a:t>, </a:t>
+            </a:r>
+            <a:r>
+              <a:rPr lang="ko-KR" altLang="en-US" dirty="0"/>
+              <a:t>서포트 </a:t>
+            </a:r>
+            <a:r>
+              <a:rPr lang="ko-KR" altLang="en-US" dirty="0" err="1"/>
+              <a:t>벡터머신</a:t>
+            </a:r>
+            <a:r>
+              <a:rPr lang="en-US" altLang="ko-KR" dirty="0"/>
+              <a:t>, </a:t>
+            </a:r>
+            <a:r>
+              <a:rPr lang="ko-KR" altLang="en-US" dirty="0"/>
+              <a:t>인공신경망과의 </a:t>
+            </a:r>
+            <a:r>
+              <a:rPr lang="en-US" altLang="ko-KR" dirty="0"/>
+              <a:t>3</a:t>
+            </a:r>
+            <a:r>
+              <a:rPr lang="ko-KR" altLang="en-US" dirty="0"/>
+              <a:t>개의 모델을 비교하였고</a:t>
+            </a:r>
+            <a:endParaRPr lang="en-US" altLang="ko-KR" dirty="0"/>
+          </a:p>
+          <a:p>
+            <a:endParaRPr lang="en-US" altLang="ko-KR" dirty="0"/>
+          </a:p>
+          <a:p>
+            <a:r>
+              <a:rPr lang="ko-KR" altLang="en-US" dirty="0"/>
+              <a:t>그 중에서는 평균 절대 백분율 오차 </a:t>
+            </a:r>
+            <a:r>
+              <a:rPr lang="en-US" altLang="ko-KR" dirty="0"/>
+              <a:t>12.94%</a:t>
+            </a:r>
+            <a:r>
+              <a:rPr lang="ko-KR" altLang="en-US" dirty="0"/>
+              <a:t>의 성능을 보인 랜덤 </a:t>
+            </a:r>
+            <a:r>
+              <a:rPr lang="ko-KR" altLang="en-US" dirty="0" err="1"/>
+              <a:t>포레스트가</a:t>
+            </a:r>
+            <a:r>
+              <a:rPr lang="ko-KR" altLang="en-US" dirty="0"/>
+              <a:t> 가장 높은 성능을 </a:t>
+            </a:r>
+            <a:r>
+              <a:rPr lang="ko-KR" altLang="en-US" dirty="0" err="1"/>
+              <a:t>보인것을</a:t>
+            </a:r>
+            <a:r>
+              <a:rPr lang="ko-KR" altLang="en-US" dirty="0"/>
+              <a:t> 확인하였습니다</a:t>
+            </a:r>
+            <a:r>
+              <a:rPr lang="en-US" altLang="ko-KR" dirty="0"/>
+              <a:t>.</a:t>
+            </a:r>
+          </a:p>
+          <a:p>
+            <a:endParaRPr lang="en-US" altLang="ko-KR" dirty="0"/>
+          </a:p>
+          <a:p>
+            <a:r>
+              <a:rPr lang="ko-KR" altLang="en-US" dirty="0"/>
+              <a:t>변수 중요도로는 습도</a:t>
+            </a:r>
+            <a:r>
+              <a:rPr lang="en-US" altLang="ko-KR" dirty="0"/>
+              <a:t>, </a:t>
+            </a:r>
+            <a:r>
+              <a:rPr lang="ko-KR" altLang="en-US" dirty="0"/>
+              <a:t>풍속</a:t>
+            </a:r>
+            <a:r>
+              <a:rPr lang="en-US" altLang="ko-KR" dirty="0"/>
+              <a:t>, </a:t>
+            </a:r>
+            <a:r>
+              <a:rPr lang="ko-KR" altLang="en-US" dirty="0"/>
+              <a:t>기온의 변수가 중요한 변수임을 확인할 수 있었습니다</a:t>
+            </a:r>
+            <a:r>
+              <a:rPr lang="en-US" altLang="ko-KR" dirty="0"/>
+              <a:t>.</a:t>
+            </a:r>
+            <a:endParaRPr lang="ko-KR" altLang="en-US" dirty="0"/>
+          </a:p>
+        </p:txBody>
+      </p:sp>
+      <p:sp>
+        <p:nvSpPr>
+          <p:cNvPr id="4" name="슬라이드 번호 개체 틀 3"/>
+          <p:cNvSpPr>
+            <a:spLocks noGrp="1"/>
+          </p:cNvSpPr>
+          <p:nvPr>
+            <p:ph type="sldNum" sz="quarter" idx="5"/>
+          </p:nvPr>
+        </p:nvSpPr>
+        <p:spPr/>
+        <p:txBody>
+          <a:bodyPr/>
+          <a:lstStyle/>
+          <a:p>
+            <a:fld id="{93AB681D-CBF1-45F1-B896-A0DDF762AAAD}" type="slidenum">
+              <a:rPr lang="ko-KR" altLang="en-US" smtClean="0"/>
+              <a:t>9</a:t>
+            </a:fld>
+            <a:endParaRPr lang="ko-KR" altLang="en-US"/>
+          </a:p>
+        </p:txBody>
+      </p:sp>
+    </p:spTree>
+    <p:extLst>
+      <p:ext uri="{BB962C8B-B14F-4D97-AF65-F5344CB8AC3E}">
+        <p14:creationId xmlns:p14="http://schemas.microsoft.com/office/powerpoint/2010/main" val="1378396809"/>
       </p:ext>
     </p:extLst>
   </p:cSld>
@@ -794,7 +3203,7 @@
           <a:p>
             <a:fld id="{B1A85668-658F-4FC8-8F81-563F46575ADE}" type="datetimeFigureOut">
               <a:rPr lang="ko-KR" altLang="en-US" smtClean="0"/>
-              <a:t>2022-11-11</a:t>
+              <a:t>2022-11-17</a:t>
             </a:fld>
             <a:endParaRPr lang="ko-KR" altLang="en-US"/>
           </a:p>
@@ -992,7 +3401,7 @@
           <a:p>
             <a:fld id="{B1A85668-658F-4FC8-8F81-563F46575ADE}" type="datetimeFigureOut">
               <a:rPr lang="ko-KR" altLang="en-US" smtClean="0"/>
-              <a:t>2022-11-11</a:t>
+              <a:t>2022-11-17</a:t>
             </a:fld>
             <a:endParaRPr lang="ko-KR" altLang="en-US"/>
           </a:p>
@@ -1200,7 +3609,7 @@
           <a:p>
             <a:fld id="{B1A85668-658F-4FC8-8F81-563F46575ADE}" type="datetimeFigureOut">
               <a:rPr lang="ko-KR" altLang="en-US" smtClean="0"/>
-              <a:t>2022-11-11</a:t>
+              <a:t>2022-11-17</a:t>
             </a:fld>
             <a:endParaRPr lang="ko-KR" altLang="en-US"/>
           </a:p>
@@ -1398,7 +3807,7 @@
           <a:p>
             <a:fld id="{B1A85668-658F-4FC8-8F81-563F46575ADE}" type="datetimeFigureOut">
               <a:rPr lang="ko-KR" altLang="en-US" smtClean="0"/>
-              <a:t>2022-11-11</a:t>
+              <a:t>2022-11-17</a:t>
             </a:fld>
             <a:endParaRPr lang="ko-KR" altLang="en-US"/>
           </a:p>
@@ -1673,7 +4082,7 @@
           <a:p>
             <a:fld id="{B1A85668-658F-4FC8-8F81-563F46575ADE}" type="datetimeFigureOut">
               <a:rPr lang="ko-KR" altLang="en-US" smtClean="0"/>
-              <a:t>2022-11-11</a:t>
+              <a:t>2022-11-17</a:t>
             </a:fld>
             <a:endParaRPr lang="ko-KR" altLang="en-US"/>
           </a:p>
@@ -1938,7 +4347,7 @@
           <a:p>
             <a:fld id="{B1A85668-658F-4FC8-8F81-563F46575ADE}" type="datetimeFigureOut">
               <a:rPr lang="ko-KR" altLang="en-US" smtClean="0"/>
-              <a:t>2022-11-11</a:t>
+              <a:t>2022-11-17</a:t>
             </a:fld>
             <a:endParaRPr lang="ko-KR" altLang="en-US"/>
           </a:p>
@@ -2350,7 +4759,7 @@
           <a:p>
             <a:fld id="{B1A85668-658F-4FC8-8F81-563F46575ADE}" type="datetimeFigureOut">
               <a:rPr lang="ko-KR" altLang="en-US" smtClean="0"/>
-              <a:t>2022-11-11</a:t>
+              <a:t>2022-11-17</a:t>
             </a:fld>
             <a:endParaRPr lang="ko-KR" altLang="en-US"/>
           </a:p>
@@ -2491,7 +4900,7 @@
           <a:p>
             <a:fld id="{B1A85668-658F-4FC8-8F81-563F46575ADE}" type="datetimeFigureOut">
               <a:rPr lang="ko-KR" altLang="en-US" smtClean="0"/>
-              <a:t>2022-11-11</a:t>
+              <a:t>2022-11-17</a:t>
             </a:fld>
             <a:endParaRPr lang="ko-KR" altLang="en-US"/>
           </a:p>
@@ -2604,7 +5013,7 @@
           <a:p>
             <a:fld id="{B1A85668-658F-4FC8-8F81-563F46575ADE}" type="datetimeFigureOut">
               <a:rPr lang="ko-KR" altLang="en-US" smtClean="0"/>
-              <a:t>2022-11-11</a:t>
+              <a:t>2022-11-17</a:t>
             </a:fld>
             <a:endParaRPr lang="ko-KR" altLang="en-US"/>
           </a:p>
@@ -2915,7 +5324,7 @@
           <a:p>
             <a:fld id="{B1A85668-658F-4FC8-8F81-563F46575ADE}" type="datetimeFigureOut">
               <a:rPr lang="ko-KR" altLang="en-US" smtClean="0"/>
-              <a:t>2022-11-11</a:t>
+              <a:t>2022-11-17</a:t>
             </a:fld>
             <a:endParaRPr lang="ko-KR" altLang="en-US"/>
           </a:p>
@@ -3203,7 +5612,7 @@
           <a:p>
             <a:fld id="{B1A85668-658F-4FC8-8F81-563F46575ADE}" type="datetimeFigureOut">
               <a:rPr lang="ko-KR" altLang="en-US" smtClean="0"/>
-              <a:t>2022-11-11</a:t>
+              <a:t>2022-11-17</a:t>
             </a:fld>
             <a:endParaRPr lang="ko-KR" altLang="en-US"/>
           </a:p>
@@ -3444,7 +5853,7 @@
           <a:p>
             <a:fld id="{B1A85668-658F-4FC8-8F81-563F46575ADE}" type="datetimeFigureOut">
               <a:rPr lang="ko-KR" altLang="en-US" smtClean="0"/>
-              <a:t>2022-11-11</a:t>
+              <a:t>2022-11-17</a:t>
             </a:fld>
             <a:endParaRPr lang="ko-KR" altLang="en-US"/>
           </a:p>
@@ -4022,7 +6431,7 @@
           <p:nvPr/>
         </p:nvPicPr>
         <p:blipFill rotWithShape="1">
-          <a:blip r:embed="rId2">
+          <a:blip r:embed="rId3">
             <a:extLst>
               <a:ext uri="{28A0092B-C50C-407E-A947-70E740481C1C}">
                 <a14:useLocalDpi xmlns:a14="http://schemas.microsoft.com/office/drawing/2010/main" val="0"/>
@@ -4057,7 +6466,7 @@
           <p:nvPr/>
         </p:nvPicPr>
         <p:blipFill>
-          <a:blip r:embed="rId3" cstate="hqprint">
+          <a:blip r:embed="rId4" cstate="hqprint">
             <a:extLst>
               <a:ext uri="{28A0092B-C50C-407E-A947-70E740481C1C}">
                 <a14:useLocalDpi xmlns:a14="http://schemas.microsoft.com/office/drawing/2010/main" val="0"/>
@@ -4664,7 +7073,7 @@
             <p:nvPr/>
           </p:nvPicPr>
           <p:blipFill rotWithShape="1">
-            <a:blip r:embed="rId2">
+            <a:blip r:embed="rId3">
               <a:extLst>
                 <a:ext uri="{28A0092B-C50C-407E-A947-70E740481C1C}">
                   <a14:useLocalDpi xmlns:a14="http://schemas.microsoft.com/office/drawing/2010/main" val="0"/>
@@ -4699,7 +7108,7 @@
             <p:nvPr/>
           </p:nvPicPr>
           <p:blipFill>
-            <a:blip r:embed="rId3" cstate="hqprint">
+            <a:blip r:embed="rId4" cstate="hqprint">
               <a:extLst>
                 <a:ext uri="{28A0092B-C50C-407E-A947-70E740481C1C}">
                   <a14:useLocalDpi xmlns:a14="http://schemas.microsoft.com/office/drawing/2010/main" val="0"/>
@@ -4839,9 +7248,9 @@
         <p:grpSpPr>
           <a:xfrm>
             <a:off x="430250" y="2431855"/>
-            <a:ext cx="5272745" cy="1943577"/>
+            <a:ext cx="5488041" cy="1943577"/>
             <a:chOff x="430250" y="1178351"/>
-            <a:chExt cx="5272745" cy="1943577"/>
+            <a:chExt cx="5488041" cy="1943577"/>
           </a:xfrm>
         </p:grpSpPr>
         <p:sp>
@@ -4859,7 +7268,7 @@
           <p:spPr>
             <a:xfrm>
               <a:off x="430250" y="1178351"/>
-              <a:ext cx="3925113" cy="369332"/>
+              <a:ext cx="5488041" cy="369332"/>
             </a:xfrm>
             <a:prstGeom prst="rect">
               <a:avLst/>
@@ -4873,24 +7282,24 @@
             <a:lstStyle/>
             <a:p>
               <a:r>
-                <a:rPr lang="en-US" altLang="ko-KR" b="1"/>
+                <a:rPr lang="en-US" altLang="ko-KR" b="1" dirty="0"/>
                 <a:t>Tree </a:t>
               </a:r>
               <a:r>
-                <a:rPr lang="ko-KR" altLang="en-US" b="1"/>
-                <a:t>일사량 </a:t>
+                <a:rPr lang="ko-KR" altLang="en-US" b="1" dirty="0"/>
+                <a:t>일사량 예측 모델 구성 </a:t>
               </a:r>
               <a:r>
-                <a:rPr lang="ko-KR" altLang="en-US" b="1" dirty="0"/>
-                <a:t>예측 </a:t>
+                <a:rPr lang="en-US" altLang="ko-KR" sz="1600" b="1" dirty="0"/>
+                <a:t>(</a:t>
               </a:r>
               <a:r>
-                <a:rPr lang="ko-KR" altLang="en-US" b="1"/>
-                <a:t>모델 구성 </a:t>
+                <a:rPr lang="ko-KR" altLang="en-US" sz="1600" b="1" dirty="0"/>
+                <a:t>평균 제곱근 오차 </a:t>
               </a:r>
               <a:r>
-                <a:rPr lang="en-US" altLang="ko-KR" sz="1600" b="1"/>
-                <a:t>(RMSE)</a:t>
+                <a:rPr lang="en-US" altLang="ko-KR" sz="1600" b="1" dirty="0"/>
+                <a:t>RMSE)</a:t>
               </a:r>
               <a:endParaRPr lang="ko-KR" altLang="en-US" sz="1600" b="1" dirty="0"/>
             </a:p>
@@ -4932,15 +7341,15 @@
                 <a:buChar char="§"/>
               </a:pPr>
               <a:r>
-                <a:rPr lang="ko-KR" altLang="en-US" sz="1600"/>
+                <a:rPr lang="ko-KR" altLang="en-US" sz="1600" dirty="0"/>
                 <a:t>랜덤 포레스트 </a:t>
               </a:r>
               <a:r>
-                <a:rPr lang="en-US" altLang="ko-KR" sz="1600"/>
+                <a:rPr lang="en-US" altLang="ko-KR" sz="1600" dirty="0"/>
                 <a:t>(Random Forest : RF) </a:t>
               </a:r>
               <a:r>
-                <a:rPr lang="en-US" altLang="ko-KR" sz="1600" b="1"/>
+                <a:rPr lang="en-US" altLang="ko-KR" sz="1600" b="1" dirty="0"/>
                 <a:t>(0.302)</a:t>
               </a:r>
             </a:p>
@@ -4953,11 +7362,11 @@
                 <a:buChar char="§"/>
               </a:pPr>
               <a:r>
-                <a:rPr lang="en-US" altLang="ko-KR" sz="1600"/>
+                <a:rPr lang="en-US" altLang="ko-KR" sz="1600" dirty="0"/>
                 <a:t>GBM (Gradient Boosting Machine) </a:t>
               </a:r>
               <a:r>
-                <a:rPr lang="en-US" altLang="ko-KR" sz="1600" b="1"/>
+                <a:rPr lang="en-US" altLang="ko-KR" sz="1600" b="1" dirty="0"/>
                 <a:t>(0.288)</a:t>
               </a:r>
             </a:p>
@@ -4970,11 +7379,23 @@
                 <a:buChar char="§"/>
               </a:pPr>
               <a:r>
-                <a:rPr lang="en-US" altLang="ko-KR" sz="1600"/>
-                <a:t>XGBoost (eXtreme Gradient Boosting) </a:t>
+                <a:rPr lang="en-US" altLang="ko-KR" sz="1600" dirty="0" err="1"/>
+                <a:t>XGBoost</a:t>
               </a:r>
               <a:r>
-                <a:rPr lang="en-US" altLang="ko-KR" sz="1600" b="1"/>
+                <a:rPr lang="en-US" altLang="ko-KR" sz="1600" dirty="0"/>
+                <a:t> (</a:t>
+              </a:r>
+              <a:r>
+                <a:rPr lang="en-US" altLang="ko-KR" sz="1600" dirty="0" err="1"/>
+                <a:t>eXtreme</a:t>
+              </a:r>
+              <a:r>
+                <a:rPr lang="en-US" altLang="ko-KR" sz="1600" dirty="0"/>
+                <a:t> Gradient Boosting) </a:t>
+              </a:r>
+              <a:r>
+                <a:rPr lang="en-US" altLang="ko-KR" sz="1600" b="1" dirty="0"/>
                 <a:t>(0.289)</a:t>
               </a:r>
             </a:p>
@@ -4987,10 +7408,13 @@
                 <a:buChar char="§"/>
               </a:pPr>
               <a:r>
-                <a:rPr lang="en-US" altLang="ko-KR" sz="1600" b="1"/>
-                <a:t>LightGBM (Light GBM) (0.285)</a:t>
+                <a:rPr lang="en-US" altLang="ko-KR" sz="1600" b="1" dirty="0" err="1"/>
+                <a:t>LightGBM</a:t>
               </a:r>
-              <a:endParaRPr lang="en-US" altLang="ko-KR" sz="1600" b="1" dirty="0"/>
+              <a:r>
+                <a:rPr lang="en-US" altLang="ko-KR" sz="1600" b="1" dirty="0"/>
+                <a:t> (Light GBM) (0.285)</a:t>
+              </a:r>
             </a:p>
           </p:txBody>
         </p:sp>
@@ -5009,7 +7433,7 @@
         </p:nvGrpSpPr>
         <p:grpSpPr>
           <a:xfrm>
-            <a:off x="7312797" y="4531422"/>
+            <a:off x="8310327" y="4531422"/>
             <a:ext cx="3037239" cy="1796450"/>
             <a:chOff x="6590614" y="2348722"/>
             <a:chExt cx="3887290" cy="2299234"/>
@@ -5030,7 +7454,7 @@
             <p:nvPr/>
           </p:nvPicPr>
           <p:blipFill rotWithShape="1">
-            <a:blip r:embed="rId4">
+            <a:blip r:embed="rId5">
               <a:extLst>
                 <a:ext uri="{28A0092B-C50C-407E-A947-70E740481C1C}">
                   <a14:useLocalDpi xmlns:a14="http://schemas.microsoft.com/office/drawing/2010/main" val="0"/>
@@ -5111,9 +7535,9 @@
         <p:grpSpPr>
           <a:xfrm>
             <a:off x="430250" y="5659903"/>
-            <a:ext cx="5682517" cy="715247"/>
+            <a:ext cx="8441605" cy="835857"/>
             <a:chOff x="430250" y="1239312"/>
-            <a:chExt cx="5682517" cy="715247"/>
+            <a:chExt cx="8441605" cy="835857"/>
           </a:xfrm>
         </p:grpSpPr>
         <p:sp>
@@ -5167,7 +7591,7 @@
           <p:spPr>
             <a:xfrm>
               <a:off x="806506" y="1661145"/>
-              <a:ext cx="5306261" cy="293414"/>
+              <a:ext cx="8065349" cy="414024"/>
             </a:xfrm>
             <a:prstGeom prst="rect">
               <a:avLst/>
@@ -5188,22 +7612,22 @@
                 <a:buChar char="§"/>
               </a:pPr>
               <a:r>
-                <a:rPr lang="en-US" altLang="ko-KR" sz="1000"/>
+                <a:rPr lang="en-US" altLang="ko-KR" sz="1600" dirty="0"/>
                 <a:t>Tree</a:t>
               </a:r>
               <a:r>
-                <a:rPr lang="ko-KR" altLang="en-US" sz="1000"/>
+                <a:rPr lang="ko-KR" altLang="en-US" sz="1600" dirty="0"/>
                 <a:t>가 수직적으로 확장되는 방식 일반 트리보다 더 많은 </a:t>
               </a:r>
               <a:r>
-                <a:rPr lang="en-US" altLang="ko-KR" sz="1000"/>
+                <a:rPr lang="en-US" altLang="ko-KR" sz="1600" dirty="0"/>
                 <a:t>loss,</a:t>
               </a:r>
               <a:r>
-                <a:rPr lang="ko-KR" altLang="en-US" sz="1000"/>
+                <a:rPr lang="ko-KR" altLang="en-US" sz="1600" dirty="0"/>
                 <a:t> 손실을 줄일 수 있음</a:t>
               </a:r>
-              <a:endParaRPr lang="en-US" altLang="ko-KR" sz="1000" dirty="0"/>
+              <a:endParaRPr lang="en-US" altLang="ko-KR" sz="1600" dirty="0"/>
             </a:p>
           </p:txBody>
         </p:sp>
@@ -5295,7 +7719,7 @@
           <p:spPr>
             <a:xfrm>
               <a:off x="810887" y="1599908"/>
-              <a:ext cx="4685898" cy="1522020"/>
+              <a:ext cx="4297715" cy="1522020"/>
             </a:xfrm>
             <a:prstGeom prst="rect">
               <a:avLst/>
@@ -5316,14 +7740,14 @@
                 <a:buChar char="§"/>
               </a:pPr>
               <a:r>
-                <a:rPr lang="en-US" altLang="ko-KR" sz="1600" i="0">
+                <a:rPr lang="en-US" altLang="ko-KR" sz="1600" i="0" dirty="0">
                   <a:effectLst/>
                   <a:latin typeface="Poppins" panose="020B0502040204020203" pitchFamily="2" charset="0"/>
                 </a:rPr>
-                <a:t>Single-Layer Neural Network (SNN) </a:t>
+                <a:t>Shallow Neural Network (SNN) </a:t>
               </a:r>
               <a:r>
-                <a:rPr lang="en-US" altLang="ko-KR" sz="1600"/>
+                <a:rPr lang="en-US" altLang="ko-KR" sz="1600" dirty="0"/>
                 <a:t>(0.588)</a:t>
               </a:r>
             </a:p>
@@ -5336,7 +7760,7 @@
                 <a:buChar char="§"/>
               </a:pPr>
               <a:r>
-                <a:rPr lang="en-US" altLang="ko-KR" sz="1600"/>
+                <a:rPr lang="en-US" altLang="ko-KR" sz="1600" dirty="0"/>
                 <a:t>Deep Neural Network (DNN) (0.545)</a:t>
               </a:r>
             </a:p>
@@ -5349,8 +7773,12 @@
                 <a:buChar char="§"/>
               </a:pPr>
               <a:r>
-                <a:rPr lang="en-US" altLang="ko-KR" sz="1600"/>
-                <a:t>Logn short-term memory (LSTM) (0.544)</a:t>
+                <a:rPr lang="en-US" altLang="ko-KR" sz="1600" dirty="0" err="1"/>
+                <a:t>Logn</a:t>
+              </a:r>
+              <a:r>
+                <a:rPr lang="en-US" altLang="ko-KR" sz="1600" dirty="0"/>
+                <a:t> short-term memory (LSTM) (0.544)</a:t>
               </a:r>
             </a:p>
             <a:p>
@@ -5362,7 +7790,7 @@
                 <a:buChar char="§"/>
               </a:pPr>
               <a:r>
-                <a:rPr lang="en-US" altLang="ko-KR" sz="1600"/>
+                <a:rPr lang="en-US" altLang="ko-KR" sz="1600" dirty="0"/>
                 <a:t>Attention Mechanism (ATT-LSTM) (0.381)</a:t>
               </a:r>
             </a:p>
@@ -5747,7 +8175,7 @@
             <p:nvPr/>
           </p:nvPicPr>
           <p:blipFill rotWithShape="1">
-            <a:blip r:embed="rId2">
+            <a:blip r:embed="rId3">
               <a:extLst>
                 <a:ext uri="{28A0092B-C50C-407E-A947-70E740481C1C}">
                   <a14:useLocalDpi xmlns:a14="http://schemas.microsoft.com/office/drawing/2010/main" val="0"/>
@@ -5782,7 +8210,7 @@
             <p:nvPr/>
           </p:nvPicPr>
           <p:blipFill>
-            <a:blip r:embed="rId3" cstate="hqprint">
+            <a:blip r:embed="rId4" cstate="hqprint">
               <a:extLst>
                 <a:ext uri="{28A0092B-C50C-407E-A947-70E740481C1C}">
                   <a14:useLocalDpi xmlns:a14="http://schemas.microsoft.com/office/drawing/2010/main" val="0"/>
@@ -5819,9 +8247,9 @@
         <p:grpSpPr>
           <a:xfrm>
             <a:off x="430250" y="4731687"/>
-            <a:ext cx="5810521" cy="840093"/>
+            <a:ext cx="7758169" cy="840093"/>
             <a:chOff x="492575" y="4496793"/>
-            <a:chExt cx="5810521" cy="840093"/>
+            <a:chExt cx="7758169" cy="840093"/>
           </a:xfrm>
         </p:grpSpPr>
         <p:sp>
@@ -5874,7 +8302,7 @@
           <p:spPr>
             <a:xfrm>
               <a:off x="810887" y="4922862"/>
-              <a:ext cx="5492209" cy="414024"/>
+              <a:ext cx="7439857" cy="414024"/>
             </a:xfrm>
             <a:prstGeom prst="rect">
               <a:avLst/>
@@ -5895,12 +8323,28 @@
                 <a:buChar char="§"/>
               </a:pPr>
               <a:r>
-                <a:rPr lang="ko-KR" altLang="en-US" sz="1600" b="1"/>
-                <a:t>강수량</a:t>
+                <a:rPr lang="ko-KR" altLang="en-US" sz="1600" b="1" dirty="0"/>
+                <a:t>과거 일사량과</a:t>
               </a:r>
               <a:r>
-                <a:rPr lang="ko-KR" altLang="en-US" sz="1600"/>
-                <a:t>의 학습 유무에 따라 변수 중요도가 달라짐 확인</a:t>
+                <a:rPr lang="en-US" altLang="ko-KR" sz="1600" dirty="0"/>
+                <a:t>, </a:t>
+              </a:r>
+              <a:r>
+                <a:rPr lang="ko-KR" altLang="en-US" sz="1600" b="1" dirty="0"/>
+                <a:t>기온</a:t>
+              </a:r>
+              <a:r>
+                <a:rPr lang="en-US" altLang="ko-KR" sz="1600" dirty="0"/>
+                <a:t>, </a:t>
+              </a:r>
+              <a:r>
+                <a:rPr lang="ko-KR" altLang="en-US" sz="1600" b="1" dirty="0"/>
+                <a:t>하늘상태</a:t>
+              </a:r>
+              <a:r>
+                <a:rPr lang="ko-KR" altLang="en-US" sz="1600" dirty="0"/>
+                <a:t>가 높은 변수 중요도를 가지고 있는 것을 확인</a:t>
               </a:r>
               <a:endParaRPr lang="en-US" altLang="ko-KR" sz="1600" dirty="0"/>
             </a:p>
@@ -6007,11 +8451,11 @@
                 <a:buChar char="§"/>
               </a:pPr>
               <a:r>
-                <a:rPr lang="ko-KR" altLang="en-US" sz="1600" b="1"/>
+                <a:rPr lang="ko-KR" altLang="en-US" sz="1600" b="1" dirty="0"/>
                 <a:t>조건부 랜덤 포레스트 </a:t>
               </a:r>
               <a:r>
-                <a:rPr lang="en-US" altLang="ko-KR" sz="1600" b="1"/>
+                <a:rPr lang="en-US" altLang="ko-KR" sz="1600" b="1" dirty="0"/>
                 <a:t>(Conditional Random Forests : CRF) (166.08)</a:t>
               </a:r>
             </a:p>
@@ -6024,11 +8468,11 @@
                 <a:buChar char="§"/>
               </a:pPr>
               <a:r>
-                <a:rPr lang="ko-KR" altLang="en-US" sz="1600"/>
+                <a:rPr lang="ko-KR" altLang="en-US" sz="1600" dirty="0"/>
                 <a:t>다중 선형 회귀 </a:t>
               </a:r>
               <a:r>
-                <a:rPr lang="en-US" altLang="ko-KR" sz="1600"/>
+                <a:rPr lang="en-US" altLang="ko-KR" sz="1600" dirty="0"/>
                 <a:t>(Multiple Linear Regression : MLR) (296.39)</a:t>
               </a:r>
             </a:p>
@@ -6041,11 +8485,11 @@
                 <a:buChar char="§"/>
               </a:pPr>
               <a:r>
-                <a:rPr lang="ko-KR" altLang="en-US" sz="1600"/>
+                <a:rPr lang="ko-KR" altLang="en-US" sz="1600" dirty="0"/>
                 <a:t>랜덤 포레스트 </a:t>
               </a:r>
               <a:r>
-                <a:rPr lang="en-US" altLang="ko-KR" sz="1600"/>
+                <a:rPr lang="en-US" altLang="ko-KR" sz="1600" dirty="0"/>
                 <a:t>(Random Forest : RF) (182.75)</a:t>
               </a:r>
             </a:p>
@@ -6058,15 +8502,15 @@
                 <a:buChar char="§"/>
               </a:pPr>
               <a:r>
-                <a:rPr lang="ko-KR" altLang="en-US" sz="1600"/>
+                <a:rPr lang="ko-KR" altLang="en-US" sz="1600" dirty="0"/>
                 <a:t>의사결정 나무</a:t>
               </a:r>
               <a:r>
-                <a:rPr lang="en-US" altLang="ko-KR" sz="1600"/>
+                <a:rPr lang="en-US" altLang="ko-KR" sz="1600" dirty="0"/>
                 <a:t> (</a:t>
               </a:r>
               <a:r>
-                <a:rPr lang="en-US" altLang="ko-KR" sz="1600">
+                <a:rPr lang="en-US" altLang="ko-KR" sz="1600" dirty="0">
                   <a:solidFill>
                     <a:srgbClr val="000000"/>
                   </a:solidFill>
@@ -6075,7 +8519,7 @@
                 <a:t>Decision Tree : DT</a:t>
               </a:r>
               <a:r>
-                <a:rPr lang="en-US" altLang="ko-KR" sz="1600"/>
+                <a:rPr lang="en-US" altLang="ko-KR" sz="1600" dirty="0"/>
                 <a:t>) (219.90)</a:t>
               </a:r>
             </a:p>
@@ -6088,10 +8532,9 @@
                 <a:buChar char="§"/>
               </a:pPr>
               <a:r>
-                <a:rPr lang="en-US" altLang="ko-KR" sz="1600"/>
+                <a:rPr lang="en-US" altLang="ko-KR" sz="1600" dirty="0"/>
                 <a:t>GBM (Gradient Boosting Machine) (176.74)</a:t>
               </a:r>
-              <a:endParaRPr lang="en-US" altLang="ko-KR" sz="1600" dirty="0"/>
             </a:p>
           </p:txBody>
         </p:sp>
@@ -6111,9 +8554,9 @@
         <p:grpSpPr>
           <a:xfrm>
             <a:off x="430250" y="5774203"/>
-            <a:ext cx="6222728" cy="715247"/>
+            <a:ext cx="9451176" cy="835857"/>
             <a:chOff x="430250" y="1239312"/>
-            <a:chExt cx="6222728" cy="715247"/>
+            <a:chExt cx="9451176" cy="835857"/>
           </a:xfrm>
         </p:grpSpPr>
         <p:sp>
@@ -6179,7 +8622,7 @@
           <p:spPr>
             <a:xfrm>
               <a:off x="806506" y="1661145"/>
-              <a:ext cx="5846472" cy="293414"/>
+              <a:ext cx="9074920" cy="414024"/>
             </a:xfrm>
             <a:prstGeom prst="rect">
               <a:avLst/>
@@ -6200,30 +8643,30 @@
                 <a:buChar char="§"/>
               </a:pPr>
               <a:r>
-                <a:rPr lang="ko-KR" altLang="en-US" sz="1000" dirty="0"/>
+                <a:rPr lang="ko-KR" altLang="en-US" sz="1600" dirty="0"/>
                 <a:t>데이터 부족 문제 해결하기 위해 </a:t>
               </a:r>
               <a:r>
-                <a:rPr lang="ko-KR" altLang="en-US" sz="1000" b="1" dirty="0"/>
+                <a:rPr lang="ko-KR" altLang="en-US" sz="1600" b="1" dirty="0"/>
                 <a:t>시계열 교차 검증 </a:t>
               </a:r>
               <a:r>
-                <a:rPr lang="ko-KR" altLang="en-US" sz="1000" dirty="0"/>
+                <a:rPr lang="ko-KR" altLang="en-US" sz="1600" dirty="0"/>
                 <a:t>을 적용한 </a:t>
               </a:r>
               <a:r>
-                <a:rPr lang="ko-KR" altLang="en-US" sz="1000" b="1" dirty="0"/>
+                <a:rPr lang="ko-KR" altLang="en-US" sz="1600" b="1" dirty="0"/>
                 <a:t>조건부 랜덤 </a:t>
               </a:r>
               <a:r>
-                <a:rPr lang="ko-KR" altLang="en-US" sz="1000" b="1" dirty="0" err="1"/>
+                <a:rPr lang="ko-KR" altLang="en-US" sz="1600" b="1" dirty="0" err="1"/>
                 <a:t>포레스트</a:t>
               </a:r>
               <a:r>
-                <a:rPr lang="ko-KR" altLang="en-US" sz="1000" dirty="0"/>
+                <a:rPr lang="ko-KR" altLang="en-US" sz="1600" dirty="0"/>
                 <a:t> 모델 구성</a:t>
               </a:r>
-              <a:endParaRPr lang="en-US" altLang="ko-KR" sz="1000" dirty="0"/>
+              <a:endParaRPr lang="en-US" altLang="ko-KR" sz="1600" dirty="0"/>
             </a:p>
           </p:txBody>
         </p:sp>
@@ -6263,7 +8706,7 @@
             <p:nvPr/>
           </p:nvPicPr>
           <p:blipFill>
-            <a:blip r:embed="rId4"/>
+            <a:blip r:embed="rId5"/>
             <a:stretch>
               <a:fillRect/>
             </a:stretch>
@@ -6720,7 +9163,7 @@
             <p:nvPr/>
           </p:nvPicPr>
           <p:blipFill rotWithShape="1">
-            <a:blip r:embed="rId2">
+            <a:blip r:embed="rId3">
               <a:extLst>
                 <a:ext uri="{28A0092B-C50C-407E-A947-70E740481C1C}">
                   <a14:useLocalDpi xmlns:a14="http://schemas.microsoft.com/office/drawing/2010/main" val="0"/>
@@ -6755,7 +9198,7 @@
             <p:nvPr/>
           </p:nvPicPr>
           <p:blipFill>
-            <a:blip r:embed="rId3" cstate="hqprint">
+            <a:blip r:embed="rId4" cstate="hqprint">
               <a:extLst>
                 <a:ext uri="{28A0092B-C50C-407E-A947-70E740481C1C}">
                   <a14:useLocalDpi xmlns:a14="http://schemas.microsoft.com/office/drawing/2010/main" val="0"/>
@@ -6954,7 +9397,7 @@
             <p:nvPr/>
           </p:nvPicPr>
           <p:blipFill>
-            <a:blip r:embed="rId4">
+            <a:blip r:embed="rId5">
               <a:extLst>
                 <a:ext uri="{28A0092B-C50C-407E-A947-70E740481C1C}">
                   <a14:useLocalDpi xmlns:a14="http://schemas.microsoft.com/office/drawing/2010/main" val="0"/>
@@ -7267,7 +9710,7 @@
           <p:nvPr/>
         </p:nvPicPr>
         <p:blipFill rotWithShape="1">
-          <a:blip r:embed="rId2">
+          <a:blip r:embed="rId3">
             <a:extLst>
               <a:ext uri="{28A0092B-C50C-407E-A947-70E740481C1C}">
                 <a14:useLocalDpi xmlns:a14="http://schemas.microsoft.com/office/drawing/2010/main" val="0"/>
@@ -7302,7 +9745,7 @@
           <p:nvPr/>
         </p:nvPicPr>
         <p:blipFill>
-          <a:blip r:embed="rId3" cstate="hqprint">
+          <a:blip r:embed="rId4" cstate="hqprint">
             <a:extLst>
               <a:ext uri="{28A0092B-C50C-407E-A947-70E740481C1C}">
                 <a14:useLocalDpi xmlns:a14="http://schemas.microsoft.com/office/drawing/2010/main" val="0"/>
@@ -7644,7 +10087,7 @@
             <p:nvPr/>
           </p:nvPicPr>
           <p:blipFill>
-            <a:blip r:embed="rId4"/>
+            <a:blip r:embed="rId5"/>
             <a:stretch>
               <a:fillRect/>
             </a:stretch>
@@ -8181,7 +10624,7 @@
         <p:spPr>
           <a:xfrm>
             <a:off x="810887" y="5248445"/>
-            <a:ext cx="10698763" cy="293414"/>
+            <a:ext cx="9049080" cy="783356"/>
           </a:xfrm>
           <a:prstGeom prst="rect">
             <a:avLst/>
@@ -8202,58 +10645,78 @@
               <a:buChar char="§"/>
             </a:pPr>
             <a:r>
-              <a:rPr lang="en-US" altLang="ko-KR" sz="1000"/>
-              <a:t>-</a:t>
-            </a:r>
-            <a:r>
-              <a:rPr lang="ko-KR" altLang="en-US" sz="1000"/>
+              <a:rPr lang="ko-KR" altLang="en-US" sz="1600" dirty="0"/>
               <a:t> </a:t>
             </a:r>
             <a:r>
-              <a:rPr lang="ko-KR" altLang="en-US" sz="1000" b="1"/>
+              <a:rPr lang="ko-KR" altLang="en-US" sz="1600" b="1" dirty="0"/>
               <a:t>주의 집중 메커니즘</a:t>
             </a:r>
             <a:r>
-              <a:rPr lang="en-US" altLang="ko-KR" sz="1000" b="1"/>
+              <a:rPr lang="en-US" altLang="ko-KR" sz="1600" b="1" dirty="0"/>
               <a:t>(Attention Mechanism)</a:t>
             </a:r>
             <a:r>
-              <a:rPr lang="ko-KR" altLang="en-US" sz="1000"/>
+              <a:rPr lang="ko-KR" altLang="en-US" sz="1600" b="1" dirty="0"/>
+              <a:t>모델</a:t>
+            </a:r>
+            <a:r>
+              <a:rPr lang="ko-KR" altLang="en-US" sz="1600" dirty="0"/>
               <a:t>은 인코더</a:t>
             </a:r>
             <a:r>
-              <a:rPr lang="en-US" altLang="ko-KR" sz="1000"/>
+              <a:rPr lang="en-US" altLang="ko-KR" sz="1600" dirty="0"/>
               <a:t>(Encoder)</a:t>
             </a:r>
             <a:r>
-              <a:rPr lang="ko-KR" altLang="en-US" sz="1000"/>
-              <a:t> 디코더</a:t>
-            </a:r>
-            <a:r>
-              <a:rPr lang="en-US" altLang="ko-KR" sz="1000"/>
+              <a:rPr lang="ko-KR" altLang="en-US" sz="1600" dirty="0"/>
+              <a:t> </a:t>
+            </a:r>
+            <a:r>
+              <a:rPr lang="ko-KR" altLang="en-US" sz="1600" dirty="0" err="1"/>
+              <a:t>디코더</a:t>
+            </a:r>
+            <a:r>
+              <a:rPr lang="en-US" altLang="ko-KR" sz="1600" dirty="0"/>
               <a:t>(Decoder)</a:t>
             </a:r>
             <a:r>
-              <a:rPr lang="ko-KR" altLang="en-US" sz="1000"/>
+              <a:rPr lang="ko-KR" altLang="en-US" sz="1600" dirty="0"/>
               <a:t>로 구성</a:t>
             </a:r>
             <a:r>
-              <a:rPr lang="en-US" altLang="ko-KR" sz="1000"/>
+              <a:rPr lang="en-US" altLang="ko-KR" sz="1600" dirty="0"/>
               <a:t>,</a:t>
             </a:r>
             <a:r>
-              <a:rPr lang="ko-KR" altLang="en-US" sz="1000"/>
-              <a:t> 디코더 부분에서 인코더와 </a:t>
-            </a:r>
-            <a:r>
-              <a:rPr lang="ko-KR" altLang="en-US" sz="1000" b="1"/>
+              <a:rPr lang="ko-KR" altLang="en-US" sz="1600" dirty="0"/>
+              <a:t> </a:t>
+            </a:r>
+            <a:endParaRPr lang="en-US" altLang="ko-KR" sz="1600" dirty="0"/>
+          </a:p>
+          <a:p>
+            <a:pPr lvl="1">
+              <a:lnSpc>
+                <a:spcPct val="150000"/>
+              </a:lnSpc>
+            </a:pPr>
+            <a:r>
+              <a:rPr lang="ko-KR" altLang="en-US" sz="1600" dirty="0" err="1"/>
+              <a:t>디코더</a:t>
+            </a:r>
+            <a:r>
+              <a:rPr lang="ko-KR" altLang="en-US" sz="1600" dirty="0"/>
+              <a:t> 부분에서 인코더와 </a:t>
+            </a:r>
+            <a:r>
+              <a:rPr lang="ko-KR" altLang="en-US" sz="1600" b="1" dirty="0"/>
               <a:t>높은 유사도를 갖는 벡터에 집중적으로 학습</a:t>
             </a:r>
             <a:r>
-              <a:rPr lang="ko-KR" altLang="en-US" sz="1000"/>
+              <a:rPr lang="ko-KR" altLang="en-US" sz="1600" dirty="0"/>
               <a:t> 하여 정확한 성능</a:t>
             </a:r>
-            <a:endParaRPr lang="en-US" altLang="ko-KR" sz="1000" dirty="0"/>
+            <a:endParaRPr lang="en-US" altLang="ko-KR" sz="1600" dirty="0"/>
           </a:p>
         </p:txBody>
       </p:sp>
@@ -8307,7 +10770,7 @@
         <p:spPr>
           <a:xfrm>
             <a:off x="810887" y="1561661"/>
-            <a:ext cx="5115503" cy="783356"/>
+            <a:ext cx="5187639" cy="783356"/>
           </a:xfrm>
           <a:prstGeom prst="rect">
             <a:avLst/>
@@ -8328,7 +10791,7 @@
               <a:buChar char="§"/>
             </a:pPr>
             <a:r>
-              <a:rPr lang="ko-KR" altLang="en-US" sz="1600"/>
+              <a:rPr lang="ko-KR" altLang="en-US" sz="1600" dirty="0"/>
               <a:t>제주도 지역</a:t>
             </a:r>
             <a:r>
@@ -8336,8 +10799,12 @@
               <a:t>, </a:t>
             </a:r>
             <a:r>
+              <a:rPr lang="ko-KR" altLang="en-US" sz="1600" dirty="0"/>
+              <a:t>기상자료 </a:t>
+            </a:r>
+            <a:r>
               <a:rPr lang="ko-KR" altLang="en-US" sz="1600" dirty="0" err="1"/>
-              <a:t>기상자료개방포털의</a:t>
+              <a:t>개방포털의</a:t>
             </a:r>
             <a:r>
               <a:rPr lang="ko-KR" altLang="en-US" sz="1600" dirty="0"/>
@@ -8358,11 +10825,11 @@
               <a:t>2011</a:t>
             </a:r>
             <a:r>
-              <a:rPr lang="ko-KR" altLang="en-US" sz="1600"/>
+              <a:rPr lang="ko-KR" altLang="en-US" sz="1600" dirty="0"/>
               <a:t>년 </a:t>
             </a:r>
             <a:r>
-              <a:rPr lang="en-US" altLang="ko-KR" sz="1600"/>
+              <a:rPr lang="en-US" altLang="ko-KR" sz="1600" dirty="0"/>
               <a:t>~ 2018</a:t>
             </a:r>
             <a:r>
@@ -8681,7 +11148,7 @@
           <p:nvPr/>
         </p:nvPicPr>
         <p:blipFill rotWithShape="1">
-          <a:blip r:embed="rId2">
+          <a:blip r:embed="rId3">
             <a:extLst>
               <a:ext uri="{28A0092B-C50C-407E-A947-70E740481C1C}">
                 <a14:useLocalDpi xmlns:a14="http://schemas.microsoft.com/office/drawing/2010/main" val="0"/>
@@ -8940,7 +11407,7 @@
           <p:nvPr/>
         </p:nvPicPr>
         <p:blipFill>
-          <a:blip r:embed="rId3" cstate="hqprint">
+          <a:blip r:embed="rId4" cstate="hqprint">
             <a:extLst>
               <a:ext uri="{28A0092B-C50C-407E-A947-70E740481C1C}">
                 <a14:useLocalDpi xmlns:a14="http://schemas.microsoft.com/office/drawing/2010/main" val="0"/>
@@ -9006,7 +11473,7 @@
           <p:nvPr/>
         </p:nvPicPr>
         <p:blipFill rotWithShape="1">
-          <a:blip r:embed="rId2">
+          <a:blip r:embed="rId3">
             <a:extLst>
               <a:ext uri="{28A0092B-C50C-407E-A947-70E740481C1C}">
                 <a14:useLocalDpi xmlns:a14="http://schemas.microsoft.com/office/drawing/2010/main" val="0"/>
@@ -9041,7 +11508,7 @@
           <p:nvPr/>
         </p:nvPicPr>
         <p:blipFill>
-          <a:blip r:embed="rId3" cstate="hqprint">
+          <a:blip r:embed="rId4" cstate="hqprint">
             <a:extLst>
               <a:ext uri="{28A0092B-C50C-407E-A947-70E740481C1C}">
                 <a14:useLocalDpi xmlns:a14="http://schemas.microsoft.com/office/drawing/2010/main" val="0"/>
@@ -9444,7 +11911,7 @@
             <p:nvPr/>
           </p:nvPicPr>
           <p:blipFill rotWithShape="1">
-            <a:blip r:embed="rId2">
+            <a:blip r:embed="rId3">
               <a:extLst>
                 <a:ext uri="{28A0092B-C50C-407E-A947-70E740481C1C}">
                   <a14:useLocalDpi xmlns:a14="http://schemas.microsoft.com/office/drawing/2010/main" val="0"/>
@@ -9479,7 +11946,7 @@
             <p:nvPr/>
           </p:nvPicPr>
           <p:blipFill>
-            <a:blip r:embed="rId3" cstate="hqprint">
+            <a:blip r:embed="rId4" cstate="hqprint">
               <a:extLst>
                 <a:ext uri="{28A0092B-C50C-407E-A947-70E740481C1C}">
                   <a14:useLocalDpi xmlns:a14="http://schemas.microsoft.com/office/drawing/2010/main" val="0"/>
@@ -9516,7 +11983,7 @@
         <p:spPr>
           <a:xfrm>
             <a:off x="430250" y="1178351"/>
-            <a:ext cx="3106941" cy="4649478"/>
+            <a:ext cx="3204723" cy="4649478"/>
           </a:xfrm>
           <a:prstGeom prst="rect">
             <a:avLst/>
@@ -9550,7 +12017,7 @@
             </a:pPr>
             <a:r>
               <a:rPr lang="ko-KR" altLang="en-US" sz="2000" dirty="0"/>
-              <a:t>목적</a:t>
+              <a:t>분석 목적</a:t>
             </a:r>
             <a:endParaRPr lang="en-US" altLang="ko-KR" sz="2000" dirty="0"/>
           </a:p>
@@ -9563,9 +12030,28 @@
             </a:pPr>
             <a:r>
               <a:rPr lang="ko-KR" altLang="en-US" sz="2000" dirty="0"/>
-              <a:t>본론</a:t>
-            </a:r>
-            <a:endParaRPr lang="en-US" altLang="ko-KR" sz="2000" dirty="0"/>
+              <a:t>본론 </a:t>
+            </a:r>
+            <a:r>
+              <a:rPr lang="en-US" altLang="ko-KR" sz="1500" dirty="0"/>
+              <a:t>(4</a:t>
+            </a:r>
+            <a:r>
+              <a:rPr lang="ko-KR" altLang="en-US" sz="1500" dirty="0"/>
+              <a:t>개의 논문 </a:t>
+            </a:r>
+            <a:r>
+              <a:rPr lang="en-US" altLang="ko-KR" sz="1500" dirty="0"/>
+              <a:t>2</a:t>
+            </a:r>
+            <a:r>
+              <a:rPr lang="ko-KR" altLang="en-US" sz="1500" dirty="0"/>
+              <a:t>개의 특허</a:t>
+            </a:r>
+            <a:r>
+              <a:rPr lang="en-US" altLang="ko-KR" sz="1500" dirty="0"/>
+              <a:t>)</a:t>
+            </a:r>
           </a:p>
           <a:p>
             <a:pPr lvl="1">
@@ -9578,18 +12064,17 @@
               <a:t>3-1. </a:t>
             </a:r>
             <a:r>
-              <a:rPr lang="ko-KR" altLang="en-US" sz="2000"/>
+              <a:rPr lang="ko-KR" altLang="en-US" sz="2000" dirty="0"/>
               <a:t>논문</a:t>
             </a:r>
             <a:r>
-              <a:rPr lang="en-US" altLang="ko-KR" sz="2000"/>
+              <a:rPr lang="en-US" altLang="ko-KR" sz="2000" dirty="0"/>
               <a:t>1 </a:t>
             </a:r>
             <a:r>
-              <a:rPr lang="en-US" altLang="ko-KR" sz="1600"/>
+              <a:rPr lang="en-US" altLang="ko-KR" sz="1600" dirty="0"/>
               <a:t>(2018)</a:t>
             </a:r>
-            <a:endParaRPr lang="en-US" altLang="ko-KR" sz="1600" dirty="0"/>
           </a:p>
           <a:p>
             <a:pPr lvl="1">
@@ -9602,18 +12087,17 @@
               <a:t>3-2. </a:t>
             </a:r>
             <a:r>
-              <a:rPr lang="ko-KR" altLang="en-US" sz="2000"/>
+              <a:rPr lang="ko-KR" altLang="en-US" sz="2000" dirty="0"/>
               <a:t>논문</a:t>
             </a:r>
             <a:r>
-              <a:rPr lang="en-US" altLang="ko-KR" sz="2000"/>
+              <a:rPr lang="en-US" altLang="ko-KR" sz="2000" dirty="0"/>
               <a:t>2 </a:t>
             </a:r>
             <a:r>
-              <a:rPr lang="en-US" altLang="ko-KR" sz="1600"/>
+              <a:rPr lang="en-US" altLang="ko-KR" sz="1600" dirty="0"/>
               <a:t>(2020)</a:t>
             </a:r>
-            <a:endParaRPr lang="en-US" altLang="ko-KR" sz="1600" dirty="0"/>
           </a:p>
           <a:p>
             <a:pPr lvl="1">
@@ -9623,25 +12107,20 @@
             </a:pPr>
             <a:r>
               <a:rPr lang="en-US" altLang="ko-KR" sz="2000" dirty="0"/>
-              <a:t>3-3</a:t>
-            </a:r>
-            <a:r>
-              <a:rPr lang="en-US" altLang="ko-KR" sz="2000"/>
-              <a:t>. </a:t>
-            </a:r>
-            <a:r>
-              <a:rPr lang="ko-KR" altLang="en-US" sz="2000"/>
+              <a:t>3-3. </a:t>
+            </a:r>
+            <a:r>
+              <a:rPr lang="ko-KR" altLang="en-US" sz="2000" dirty="0"/>
               <a:t>특허 논문</a:t>
             </a:r>
             <a:r>
-              <a:rPr lang="en-US" altLang="ko-KR" sz="2000"/>
+              <a:rPr lang="en-US" altLang="ko-KR" sz="2000" dirty="0"/>
               <a:t>3 </a:t>
             </a:r>
             <a:r>
-              <a:rPr lang="en-US" altLang="ko-KR" sz="1600"/>
+              <a:rPr lang="en-US" altLang="ko-KR" sz="1600" dirty="0"/>
               <a:t>(2022)</a:t>
             </a:r>
-            <a:endParaRPr lang="en-US" altLang="ko-KR" sz="1600" dirty="0"/>
           </a:p>
           <a:p>
             <a:pPr lvl="1">
@@ -9654,18 +12133,17 @@
               <a:t>3-4. </a:t>
             </a:r>
             <a:r>
-              <a:rPr lang="ko-KR" altLang="en-US" sz="2000"/>
+              <a:rPr lang="ko-KR" altLang="en-US" sz="2000" dirty="0"/>
               <a:t>논문</a:t>
             </a:r>
             <a:r>
-              <a:rPr lang="en-US" altLang="ko-KR" sz="2000"/>
+              <a:rPr lang="en-US" altLang="ko-KR" sz="2000" dirty="0"/>
               <a:t>4 </a:t>
             </a:r>
             <a:r>
-              <a:rPr lang="en-US" altLang="ko-KR" sz="1600"/>
+              <a:rPr lang="en-US" altLang="ko-KR" sz="1600" dirty="0"/>
               <a:t>(2018)</a:t>
             </a:r>
-            <a:endParaRPr lang="en-US" altLang="ko-KR" sz="1600" dirty="0"/>
           </a:p>
           <a:p>
             <a:pPr lvl="1">
@@ -9678,18 +12156,17 @@
               <a:t>3-5. </a:t>
             </a:r>
             <a:r>
-              <a:rPr lang="ko-KR" altLang="en-US" sz="2000"/>
+              <a:rPr lang="ko-KR" altLang="en-US" sz="2000" dirty="0"/>
               <a:t>논문</a:t>
             </a:r>
             <a:r>
-              <a:rPr lang="en-US" altLang="ko-KR" sz="2000"/>
+              <a:rPr lang="en-US" altLang="ko-KR" sz="2000" dirty="0"/>
               <a:t>5 </a:t>
             </a:r>
             <a:r>
-              <a:rPr lang="en-US" altLang="ko-KR" sz="1600"/>
+              <a:rPr lang="en-US" altLang="ko-KR" sz="1600" dirty="0"/>
               <a:t>(2019)</a:t>
             </a:r>
-            <a:endParaRPr lang="en-US" altLang="ko-KR" sz="1600" dirty="0"/>
           </a:p>
           <a:p>
             <a:pPr lvl="1">
@@ -9702,18 +12179,17 @@
               <a:t>3-6. </a:t>
             </a:r>
             <a:r>
-              <a:rPr lang="ko-KR" altLang="en-US" sz="2000"/>
+              <a:rPr lang="ko-KR" altLang="en-US" sz="2000" dirty="0"/>
               <a:t>특허</a:t>
             </a:r>
             <a:r>
-              <a:rPr lang="en-US" altLang="ko-KR" sz="2000"/>
+              <a:rPr lang="en-US" altLang="ko-KR" sz="2000" dirty="0"/>
               <a:t>6 </a:t>
             </a:r>
             <a:r>
-              <a:rPr lang="en-US" altLang="ko-KR" sz="1600"/>
+              <a:rPr lang="en-US" altLang="ko-KR" sz="1600" dirty="0"/>
               <a:t>(2021)</a:t>
             </a:r>
-            <a:endParaRPr lang="en-US" altLang="ko-KR" sz="1600" dirty="0"/>
           </a:p>
           <a:p>
             <a:pPr marL="342900" indent="-342900">
@@ -9776,7 +12252,7 @@
         <p:spPr>
           <a:xfrm>
             <a:off x="492575" y="391668"/>
-            <a:ext cx="1793875" cy="513080"/>
+            <a:ext cx="3301096" cy="505267"/>
           </a:xfrm>
           <a:prstGeom prst="rect">
             <a:avLst/>
@@ -9819,7 +12295,7 @@
               <a:defRPr/>
             </a:pPr>
             <a:r>
-              <a:rPr kumimoji="0" lang="ko-KR" altLang="en-US" sz="3200" b="1" i="0" u="none" strike="noStrike" kern="0" cap="none" spc="-25" normalizeH="0" baseline="0" noProof="0">
+              <a:rPr kumimoji="0" lang="ko-KR" altLang="en-US" sz="3200" b="1" i="0" u="none" strike="noStrike" kern="0" cap="none" spc="-25" normalizeH="0" baseline="0" noProof="0" dirty="0">
                 <a:ln>
                   <a:noFill/>
                 </a:ln>
@@ -9835,7 +12311,7 @@
               <a:t>연구</a:t>
             </a:r>
             <a:r>
-              <a:rPr kumimoji="0" lang="ko-KR" altLang="en-US" sz="3200" b="1" i="0" u="none" strike="noStrike" kern="0" cap="none" spc="0" normalizeH="0" baseline="0" noProof="0">
+              <a:rPr kumimoji="0" lang="ko-KR" altLang="en-US" sz="3200" b="1" i="0" u="none" strike="noStrike" kern="0" cap="none" spc="0" normalizeH="0" baseline="0" noProof="0" dirty="0">
                 <a:ln>
                   <a:noFill/>
                 </a:ln>
@@ -9851,7 +12327,7 @@
               <a:t>	</a:t>
             </a:r>
             <a:r>
-              <a:rPr kumimoji="0" lang="ko-KR" altLang="en-US" sz="3200" b="1" i="0" u="none" strike="noStrike" kern="0" cap="none" spc="-25" normalizeH="0" baseline="0" noProof="0">
+              <a:rPr kumimoji="0" lang="ko-KR" altLang="en-US" sz="3200" b="1" i="0" u="none" strike="noStrike" kern="0" cap="none" spc="-25" normalizeH="0" baseline="0" noProof="0" dirty="0">
                 <a:ln>
                   <a:noFill/>
                 </a:ln>
@@ -9864,7 +12340,23 @@
                 <a:latin typeface="Malgun Gothic"/>
                 <a:ea typeface="맑은 고딕" panose="020B0503020000020004" pitchFamily="50" charset="-127"/>
               </a:rPr>
-              <a:t>배경</a:t>
+              <a:t>배경 </a:t>
+            </a:r>
+            <a:r>
+              <a:rPr kumimoji="0" lang="en-US" altLang="ko-KR" sz="3200" b="1" i="0" u="none" strike="noStrike" kern="0" cap="none" spc="-25" normalizeH="0" baseline="0" noProof="0" dirty="0">
+                <a:ln>
+                  <a:noFill/>
+                </a:ln>
+                <a:solidFill>
+                  <a:srgbClr val="001F60"/>
+                </a:solidFill>
+                <a:effectLst/>
+                <a:uLnTx/>
+                <a:uFillTx/>
+                <a:latin typeface="Malgun Gothic"/>
+                <a:ea typeface="맑은 고딕" panose="020B0503020000020004" pitchFamily="50" charset="-127"/>
+              </a:rPr>
+              <a:t>(1/4)</a:t>
             </a:r>
             <a:endParaRPr kumimoji="0" lang="ko-KR" altLang="en-US" sz="3200" b="1" i="0" u="none" strike="noStrike" kern="0" cap="none" spc="0" normalizeH="0" baseline="0" noProof="0" dirty="0">
               <a:ln>
@@ -10000,7 +12492,7 @@
             <p:nvPr/>
           </p:nvPicPr>
           <p:blipFill rotWithShape="1">
-            <a:blip r:embed="rId2">
+            <a:blip r:embed="rId3">
               <a:extLst>
                 <a:ext uri="{28A0092B-C50C-407E-A947-70E740481C1C}">
                   <a14:useLocalDpi xmlns:a14="http://schemas.microsoft.com/office/drawing/2010/main" val="0"/>
@@ -10035,7 +12527,7 @@
             <p:nvPr/>
           </p:nvPicPr>
           <p:blipFill>
-            <a:blip r:embed="rId3" cstate="hqprint">
+            <a:blip r:embed="rId4" cstate="hqprint">
               <a:extLst>
                 <a:ext uri="{28A0092B-C50C-407E-A947-70E740481C1C}">
                   <a14:useLocalDpi xmlns:a14="http://schemas.microsoft.com/office/drawing/2010/main" val="0"/>
@@ -10127,7 +12619,7 @@
             <p:nvPr/>
           </p:nvPicPr>
           <p:blipFill rotWithShape="1">
-            <a:blip r:embed="rId4">
+            <a:blip r:embed="rId5">
               <a:extLst>
                 <a:ext uri="{28A0092B-C50C-407E-A947-70E740481C1C}">
                   <a14:useLocalDpi xmlns:a14="http://schemas.microsoft.com/office/drawing/2010/main" val="0"/>
@@ -10279,7 +12771,7 @@
             <p:nvPr/>
           </p:nvPicPr>
           <p:blipFill>
-            <a:blip r:embed="rId5">
+            <a:blip r:embed="rId6">
               <a:extLst>
                 <a:ext uri="{28A0092B-C50C-407E-A947-70E740481C1C}">
                   <a14:useLocalDpi xmlns:a14="http://schemas.microsoft.com/office/drawing/2010/main" val="0"/>
@@ -10421,7 +12913,7 @@
         <p:spPr>
           <a:xfrm>
             <a:off x="810887" y="1599908"/>
-            <a:ext cx="11532324" cy="1152688"/>
+            <a:ext cx="11198900" cy="1152688"/>
           </a:xfrm>
           <a:prstGeom prst="rect">
             <a:avLst/>
@@ -10445,7 +12937,17 @@
               <a:rPr lang="ko-KR" altLang="en-US" sz="1600" b="0" i="0" dirty="0">
                 <a:effectLst/>
               </a:rPr>
-              <a:t>산업혁명 이수 인구증가와 산업화에 의해 화석연료 사용 등으로 대기 중 온실가스 농도가 높아지면서 </a:t>
+              <a:t>산업혁명 이수 인구증가와 산업화에 의한 화석연료 </a:t>
+            </a:r>
+            <a:r>
+              <a:rPr lang="ko-KR" altLang="en-US" sz="1600" dirty="0"/>
+              <a:t>사용이 증가해 </a:t>
+            </a:r>
+            <a:r>
+              <a:rPr lang="ko-KR" altLang="en-US" sz="1600" b="0" i="0" dirty="0">
+                <a:effectLst/>
+              </a:rPr>
+              <a:t>대기 중 온실가스 농도가 높아져 </a:t>
             </a:r>
             <a:r>
               <a:rPr lang="ko-KR" altLang="en-US" sz="1600" b="1" i="0" dirty="0">
@@ -10466,37 +12968,37 @@
               <a:buChar char="§"/>
             </a:pPr>
             <a:r>
-              <a:rPr lang="ko-KR" altLang="en-US" sz="1600" b="0" i="0">
+              <a:rPr lang="ko-KR" altLang="en-US" sz="1600" b="0" i="0" dirty="0">
                 <a:effectLst/>
               </a:rPr>
               <a:t>산업화 이전</a:t>
             </a:r>
             <a:r>
-              <a:rPr lang="en-US" altLang="ko-KR" sz="1600" b="0" i="0">
+              <a:rPr lang="en-US" altLang="ko-KR" sz="1600" b="0" i="0" dirty="0">
                 <a:effectLst/>
               </a:rPr>
               <a:t>(1980</a:t>
             </a:r>
             <a:r>
-              <a:rPr lang="ko-KR" altLang="en-US" sz="1600" b="0" i="0">
+              <a:rPr lang="ko-KR" altLang="en-US" sz="1600" b="0" i="0" dirty="0">
                 <a:effectLst/>
               </a:rPr>
               <a:t>년</a:t>
             </a:r>
             <a:r>
-              <a:rPr lang="en-US" altLang="ko-KR" sz="1600" b="0" i="0">
+              <a:rPr lang="en-US" altLang="ko-KR" sz="1600" b="0" i="0" dirty="0">
                 <a:effectLst/>
               </a:rPr>
               <a:t>~1900</a:t>
             </a:r>
             <a:r>
-              <a:rPr lang="ko-KR" altLang="en-US" sz="1600" b="0" i="0">
+              <a:rPr lang="ko-KR" altLang="en-US" sz="1600" b="0" i="0" dirty="0">
                 <a:effectLst/>
               </a:rPr>
               <a:t>년</a:t>
             </a:r>
             <a:r>
-              <a:rPr lang="en-US" altLang="ko-KR" sz="1600" b="0" i="0">
+              <a:rPr lang="en-US" altLang="ko-KR" sz="1600" b="0" i="0" dirty="0">
                 <a:effectLst/>
               </a:rPr>
               <a:t>) </a:t>
@@ -10538,76 +13040,13 @@
               <a:buChar char="§"/>
             </a:pPr>
             <a:r>
-              <a:rPr lang="en-US" altLang="ko-KR" sz="1600" b="0" i="0">
+              <a:rPr lang="en-US" altLang="ko-KR" sz="1600" b="0" i="0" dirty="0">
                 <a:solidFill>
                   <a:srgbClr val="222222"/>
                 </a:solidFill>
                 <a:effectLst/>
               </a:rPr>
               <a:t>1991</a:t>
-            </a:r>
-            <a:r>
-              <a:rPr lang="ko-KR" altLang="en-US" sz="1600" b="0" i="0">
-                <a:solidFill>
-                  <a:srgbClr val="222222"/>
-                </a:solidFill>
-                <a:effectLst/>
-              </a:rPr>
-              <a:t>년부터 </a:t>
-            </a:r>
-            <a:r>
-              <a:rPr lang="en-US" altLang="ko-KR" sz="1600" b="0" i="0">
-                <a:solidFill>
-                  <a:srgbClr val="222222"/>
-                </a:solidFill>
-                <a:effectLst/>
-              </a:rPr>
-              <a:t>~ 2020</a:t>
-            </a:r>
-            <a:r>
-              <a:rPr lang="ko-KR" altLang="en-US" sz="1600" b="0" i="0">
-                <a:solidFill>
-                  <a:srgbClr val="222222"/>
-                </a:solidFill>
-                <a:effectLst/>
-              </a:rPr>
-              <a:t>년까지</a:t>
-            </a:r>
-            <a:r>
-              <a:rPr lang="en-US" altLang="ko-KR" sz="1600" b="0" i="0">
-                <a:solidFill>
-                  <a:srgbClr val="222222"/>
-                </a:solidFill>
-                <a:effectLst/>
-              </a:rPr>
-              <a:t>(30</a:t>
-            </a:r>
-            <a:r>
-              <a:rPr lang="ko-KR" altLang="en-US" sz="1600" b="0" i="0">
-                <a:solidFill>
-                  <a:srgbClr val="222222"/>
-                </a:solidFill>
-                <a:effectLst/>
-              </a:rPr>
-              <a:t>년</a:t>
-            </a:r>
-            <a:r>
-              <a:rPr lang="en-US" altLang="ko-KR" sz="1600" b="0" i="0">
-                <a:solidFill>
-                  <a:srgbClr val="222222"/>
-                </a:solidFill>
-                <a:effectLst/>
-              </a:rPr>
-              <a:t>)</a:t>
-            </a:r>
-            <a:r>
-              <a:rPr lang="ko-KR" altLang="en-US" sz="1600" b="0" i="0">
-                <a:solidFill>
-                  <a:srgbClr val="222222"/>
-                </a:solidFill>
-                <a:effectLst/>
-              </a:rPr>
-              <a:t> </a:t>
             </a:r>
             <a:r>
               <a:rPr lang="ko-KR" altLang="en-US" sz="1600" b="0" i="0" dirty="0">
@@ -10616,7 +13055,61 @@
                 </a:solidFill>
                 <a:effectLst/>
               </a:rPr>
-              <a:t>우리나라 전 연안의 평균 </a:t>
+              <a:t>년부터 </a:t>
+            </a:r>
+            <a:r>
+              <a:rPr lang="en-US" altLang="ko-KR" sz="1600" b="0" i="0" dirty="0">
+                <a:solidFill>
+                  <a:srgbClr val="222222"/>
+                </a:solidFill>
+                <a:effectLst/>
+              </a:rPr>
+              <a:t>~ 2020</a:t>
+            </a:r>
+            <a:r>
+              <a:rPr lang="ko-KR" altLang="en-US" sz="1600" b="0" i="0" dirty="0">
+                <a:solidFill>
+                  <a:srgbClr val="222222"/>
+                </a:solidFill>
+                <a:effectLst/>
+              </a:rPr>
+              <a:t>년까지</a:t>
+            </a:r>
+            <a:r>
+              <a:rPr lang="en-US" altLang="ko-KR" sz="1600" b="0" i="0" dirty="0">
+                <a:solidFill>
+                  <a:srgbClr val="222222"/>
+                </a:solidFill>
+                <a:effectLst/>
+              </a:rPr>
+              <a:t>(30</a:t>
+            </a:r>
+            <a:r>
+              <a:rPr lang="ko-KR" altLang="en-US" sz="1600" b="0" i="0" dirty="0">
+                <a:solidFill>
+                  <a:srgbClr val="222222"/>
+                </a:solidFill>
+                <a:effectLst/>
+              </a:rPr>
+              <a:t>년</a:t>
+            </a:r>
+            <a:r>
+              <a:rPr lang="en-US" altLang="ko-KR" sz="1600" b="0" i="0" dirty="0">
+                <a:solidFill>
+                  <a:srgbClr val="222222"/>
+                </a:solidFill>
+                <a:effectLst/>
+              </a:rPr>
+              <a:t>)</a:t>
+            </a:r>
+            <a:r>
+              <a:rPr lang="ko-KR" altLang="en-US" sz="1600" b="0" i="0" dirty="0">
+                <a:solidFill>
+                  <a:srgbClr val="222222"/>
+                </a:solidFill>
+                <a:effectLst/>
+              </a:rPr>
+              <a:t> 우리나라 전 연안의 평균 </a:t>
             </a:r>
             <a:r>
               <a:rPr lang="ko-KR" altLang="en-US" sz="1600" b="1" i="0" dirty="0">
@@ -10723,7 +13216,7 @@
         <p:spPr>
           <a:xfrm>
             <a:off x="492575" y="391668"/>
-            <a:ext cx="1793875" cy="513080"/>
+            <a:ext cx="3369741" cy="505267"/>
           </a:xfrm>
           <a:prstGeom prst="rect">
             <a:avLst/>
@@ -10766,7 +13259,7 @@
               <a:defRPr/>
             </a:pPr>
             <a:r>
-              <a:rPr kumimoji="0" lang="ko-KR" altLang="en-US" sz="3200" b="1" i="0" u="none" strike="noStrike" kern="0" cap="none" spc="-25" normalizeH="0" baseline="0" noProof="0">
+              <a:rPr kumimoji="0" lang="ko-KR" altLang="en-US" sz="3200" b="1" i="0" u="none" strike="noStrike" kern="0" cap="none" spc="-25" normalizeH="0" baseline="0" noProof="0" dirty="0">
                 <a:ln>
                   <a:noFill/>
                 </a:ln>
@@ -10782,7 +13275,7 @@
               <a:t>연구</a:t>
             </a:r>
             <a:r>
-              <a:rPr kumimoji="0" lang="ko-KR" altLang="en-US" sz="3200" b="1" i="0" u="none" strike="noStrike" kern="0" cap="none" spc="0" normalizeH="0" baseline="0" noProof="0">
+              <a:rPr kumimoji="0" lang="ko-KR" altLang="en-US" sz="3200" b="1" i="0" u="none" strike="noStrike" kern="0" cap="none" spc="0" normalizeH="0" baseline="0" noProof="0" dirty="0">
                 <a:ln>
                   <a:noFill/>
                 </a:ln>
@@ -10798,7 +13291,7 @@
               <a:t>	</a:t>
             </a:r>
             <a:r>
-              <a:rPr kumimoji="0" lang="ko-KR" altLang="en-US" sz="3200" b="1" i="0" u="none" strike="noStrike" kern="0" cap="none" spc="-25" normalizeH="0" baseline="0" noProof="0">
+              <a:rPr kumimoji="0" lang="ko-KR" altLang="en-US" sz="3200" b="1" i="0" u="none" strike="noStrike" kern="0" cap="none" spc="-25" normalizeH="0" baseline="0" noProof="0" dirty="0">
                 <a:ln>
                   <a:noFill/>
                 </a:ln>
@@ -10811,7 +13304,23 @@
                 <a:latin typeface="Malgun Gothic"/>
                 <a:ea typeface="맑은 고딕" panose="020B0503020000020004" pitchFamily="50" charset="-127"/>
               </a:rPr>
-              <a:t>배경</a:t>
+              <a:t>배경 </a:t>
+            </a:r>
+            <a:r>
+              <a:rPr kumimoji="0" lang="en-US" altLang="ko-KR" sz="3200" b="1" i="0" u="none" strike="noStrike" kern="0" cap="none" spc="-25" normalizeH="0" baseline="0" noProof="0" dirty="0">
+                <a:ln>
+                  <a:noFill/>
+                </a:ln>
+                <a:solidFill>
+                  <a:srgbClr val="001F60"/>
+                </a:solidFill>
+                <a:effectLst/>
+                <a:uLnTx/>
+                <a:uFillTx/>
+                <a:latin typeface="Malgun Gothic"/>
+                <a:ea typeface="맑은 고딕" panose="020B0503020000020004" pitchFamily="50" charset="-127"/>
+              </a:rPr>
+              <a:t>(2/4)</a:t>
             </a:r>
             <a:endParaRPr kumimoji="0" lang="ko-KR" altLang="en-US" sz="3200" b="1" i="0" u="none" strike="noStrike" kern="0" cap="none" spc="0" normalizeH="0" baseline="0" noProof="0" dirty="0">
               <a:ln>
@@ -10947,7 +13456,7 @@
             <p:nvPr/>
           </p:nvPicPr>
           <p:blipFill rotWithShape="1">
-            <a:blip r:embed="rId2">
+            <a:blip r:embed="rId3">
               <a:extLst>
                 <a:ext uri="{28A0092B-C50C-407E-A947-70E740481C1C}">
                   <a14:useLocalDpi xmlns:a14="http://schemas.microsoft.com/office/drawing/2010/main" val="0"/>
@@ -10982,7 +13491,7 @@
             <p:nvPr/>
           </p:nvPicPr>
           <p:blipFill>
-            <a:blip r:embed="rId3" cstate="hqprint">
+            <a:blip r:embed="rId4" cstate="hqprint">
               <a:extLst>
                 <a:ext uri="{28A0092B-C50C-407E-A947-70E740481C1C}">
                   <a14:useLocalDpi xmlns:a14="http://schemas.microsoft.com/office/drawing/2010/main" val="0"/>
@@ -11082,7 +13591,7 @@
             <p:nvPr/>
           </p:nvPicPr>
           <p:blipFill rotWithShape="1">
-            <a:blip r:embed="rId4">
+            <a:blip r:embed="rId5">
               <a:extLst>
                 <a:ext uri="{28A0092B-C50C-407E-A947-70E740481C1C}">
                   <a14:useLocalDpi xmlns:a14="http://schemas.microsoft.com/office/drawing/2010/main" val="0"/>
@@ -11233,7 +13742,7 @@
             <p:nvPr/>
           </p:nvPicPr>
           <p:blipFill rotWithShape="1">
-            <a:blip r:embed="rId5">
+            <a:blip r:embed="rId6">
               <a:extLst>
                 <a:ext uri="{28A0092B-C50C-407E-A947-70E740481C1C}">
                   <a14:useLocalDpi xmlns:a14="http://schemas.microsoft.com/office/drawing/2010/main" val="0"/>
@@ -11683,7 +14192,7 @@
         <p:spPr>
           <a:xfrm>
             <a:off x="492575" y="391668"/>
-            <a:ext cx="1793875" cy="513080"/>
+            <a:ext cx="3124082" cy="505267"/>
           </a:xfrm>
           <a:prstGeom prst="rect">
             <a:avLst/>
@@ -11726,7 +14235,7 @@
               <a:defRPr/>
             </a:pPr>
             <a:r>
-              <a:rPr kumimoji="0" lang="ko-KR" altLang="en-US" sz="3200" b="1" i="0" u="none" strike="noStrike" kern="0" cap="none" spc="-25" normalizeH="0" baseline="0" noProof="0">
+              <a:rPr kumimoji="0" lang="ko-KR" altLang="en-US" sz="3200" b="1" i="0" u="none" strike="noStrike" kern="0" cap="none" spc="-25" normalizeH="0" baseline="0" noProof="0" dirty="0">
                 <a:ln>
                   <a:noFill/>
                 </a:ln>
@@ -11742,7 +14251,7 @@
               <a:t>연구</a:t>
             </a:r>
             <a:r>
-              <a:rPr kumimoji="0" lang="ko-KR" altLang="en-US" sz="3200" b="1" i="0" u="none" strike="noStrike" kern="0" cap="none" spc="0" normalizeH="0" baseline="0" noProof="0">
+              <a:rPr kumimoji="0" lang="ko-KR" altLang="en-US" sz="3200" b="1" i="0" u="none" strike="noStrike" kern="0" cap="none" spc="0" normalizeH="0" baseline="0" noProof="0" dirty="0">
                 <a:ln>
                   <a:noFill/>
                 </a:ln>
@@ -11758,7 +14267,7 @@
               <a:t>	</a:t>
             </a:r>
             <a:r>
-              <a:rPr kumimoji="0" lang="ko-KR" altLang="en-US" sz="3200" b="1" i="0" u="none" strike="noStrike" kern="0" cap="none" spc="-25" normalizeH="0" baseline="0" noProof="0">
+              <a:rPr kumimoji="0" lang="ko-KR" altLang="en-US" sz="3200" b="1" i="0" u="none" strike="noStrike" kern="0" cap="none" spc="-25" normalizeH="0" baseline="0" noProof="0" dirty="0">
                 <a:ln>
                   <a:noFill/>
                 </a:ln>
@@ -11771,7 +14280,23 @@
                 <a:latin typeface="Malgun Gothic"/>
                 <a:ea typeface="맑은 고딕" panose="020B0503020000020004" pitchFamily="50" charset="-127"/>
               </a:rPr>
-              <a:t>배경</a:t>
+              <a:t>배경 </a:t>
+            </a:r>
+            <a:r>
+              <a:rPr kumimoji="0" lang="en-US" altLang="ko-KR" sz="3200" b="1" i="0" u="none" strike="noStrike" kern="0" cap="none" spc="-25" normalizeH="0" baseline="0" noProof="0" dirty="0">
+                <a:ln>
+                  <a:noFill/>
+                </a:ln>
+                <a:solidFill>
+                  <a:srgbClr val="001F60"/>
+                </a:solidFill>
+                <a:effectLst/>
+                <a:uLnTx/>
+                <a:uFillTx/>
+                <a:latin typeface="Malgun Gothic"/>
+                <a:ea typeface="맑은 고딕" panose="020B0503020000020004" pitchFamily="50" charset="-127"/>
+              </a:rPr>
+              <a:t>(3/4)</a:t>
             </a:r>
             <a:endParaRPr kumimoji="0" lang="ko-KR" altLang="en-US" sz="3200" b="1" i="0" u="none" strike="noStrike" kern="0" cap="none" spc="0" normalizeH="0" baseline="0" noProof="0" dirty="0">
               <a:ln>
@@ -11907,7 +14432,7 @@
             <p:nvPr/>
           </p:nvPicPr>
           <p:blipFill rotWithShape="1">
-            <a:blip r:embed="rId2">
+            <a:blip r:embed="rId3">
               <a:extLst>
                 <a:ext uri="{28A0092B-C50C-407E-A947-70E740481C1C}">
                   <a14:useLocalDpi xmlns:a14="http://schemas.microsoft.com/office/drawing/2010/main" val="0"/>
@@ -11942,7 +14467,7 @@
             <p:nvPr/>
           </p:nvPicPr>
           <p:blipFill>
-            <a:blip r:embed="rId3" cstate="hqprint">
+            <a:blip r:embed="rId4" cstate="hqprint">
               <a:extLst>
                 <a:ext uri="{28A0092B-C50C-407E-A947-70E740481C1C}">
                   <a14:useLocalDpi xmlns:a14="http://schemas.microsoft.com/office/drawing/2010/main" val="0"/>
@@ -12014,7 +14539,7 @@
           <p:nvPr/>
         </p:nvPicPr>
         <p:blipFill rotWithShape="1">
-          <a:blip r:embed="rId4">
+          <a:blip r:embed="rId5">
             <a:extLst>
               <a:ext uri="{28A0092B-C50C-407E-A947-70E740481C1C}">
                 <a14:useLocalDpi xmlns:a14="http://schemas.microsoft.com/office/drawing/2010/main" val="0"/>
@@ -12112,7 +14637,7 @@
             <a:avLst/>
           </a:prstGeom>
           <a:blipFill dpi="0" rotWithShape="1">
-            <a:blip r:embed="rId5">
+            <a:blip r:embed="rId6">
               <a:extLst>
                 <a:ext uri="{28A0092B-C50C-407E-A947-70E740481C1C}">
                   <a14:useLocalDpi xmlns:a14="http://schemas.microsoft.com/office/drawing/2010/main" val="0"/>
@@ -12251,7 +14776,7 @@
               <a:avLst/>
             </a:prstGeom>
             <a:blipFill dpi="0" rotWithShape="1">
-              <a:blip r:embed="rId6">
+              <a:blip r:embed="rId7">
                 <a:extLst>
                   <a:ext uri="{28A0092B-C50C-407E-A947-70E740481C1C}">
                     <a14:useLocalDpi xmlns:a14="http://schemas.microsoft.com/office/drawing/2010/main" val="0"/>
@@ -12354,7 +14879,7 @@
             <a:avLst/>
           </a:prstGeom>
           <a:blipFill dpi="0" rotWithShape="1">
-            <a:blip r:embed="rId7">
+            <a:blip r:embed="rId8">
               <a:extLst>
                 <a:ext uri="{28A0092B-C50C-407E-A947-70E740481C1C}">
                   <a14:useLocalDpi xmlns:a14="http://schemas.microsoft.com/office/drawing/2010/main" val="0"/>
@@ -12601,7 +15126,7 @@
         <p:spPr>
           <a:xfrm>
             <a:off x="492575" y="391668"/>
-            <a:ext cx="1793875" cy="513080"/>
+            <a:ext cx="3232167" cy="505267"/>
           </a:xfrm>
           <a:prstGeom prst="rect">
             <a:avLst/>
@@ -12644,7 +15169,7 @@
               <a:defRPr/>
             </a:pPr>
             <a:r>
-              <a:rPr kumimoji="0" lang="ko-KR" altLang="en-US" sz="3200" b="1" i="0" u="none" strike="noStrike" kern="0" cap="none" spc="-25" normalizeH="0" baseline="0" noProof="0">
+              <a:rPr kumimoji="0" lang="ko-KR" altLang="en-US" sz="3200" b="1" i="0" u="none" strike="noStrike" kern="0" cap="none" spc="-25" normalizeH="0" baseline="0" noProof="0" dirty="0">
                 <a:ln>
                   <a:noFill/>
                 </a:ln>
@@ -12660,7 +15185,7 @@
               <a:t>연구</a:t>
             </a:r>
             <a:r>
-              <a:rPr kumimoji="0" lang="ko-KR" altLang="en-US" sz="3200" b="1" i="0" u="none" strike="noStrike" kern="0" cap="none" spc="0" normalizeH="0" baseline="0" noProof="0">
+              <a:rPr kumimoji="0" lang="ko-KR" altLang="en-US" sz="3200" b="1" i="0" u="none" strike="noStrike" kern="0" cap="none" spc="0" normalizeH="0" baseline="0" noProof="0" dirty="0">
                 <a:ln>
                   <a:noFill/>
                 </a:ln>
@@ -12676,7 +15201,7 @@
               <a:t>	</a:t>
             </a:r>
             <a:r>
-              <a:rPr kumimoji="0" lang="ko-KR" altLang="en-US" sz="3200" b="1" i="0" u="none" strike="noStrike" kern="0" cap="none" spc="-25" normalizeH="0" baseline="0" noProof="0">
+              <a:rPr kumimoji="0" lang="ko-KR" altLang="en-US" sz="3200" b="1" i="0" u="none" strike="noStrike" kern="0" cap="none" spc="-25" normalizeH="0" baseline="0" noProof="0" dirty="0">
                 <a:ln>
                   <a:noFill/>
                 </a:ln>
@@ -12689,7 +15214,23 @@
                 <a:latin typeface="Malgun Gothic"/>
                 <a:ea typeface="맑은 고딕" panose="020B0503020000020004" pitchFamily="50" charset="-127"/>
               </a:rPr>
-              <a:t>배경</a:t>
+              <a:t>배경 </a:t>
+            </a:r>
+            <a:r>
+              <a:rPr kumimoji="0" lang="en-US" altLang="ko-KR" sz="3200" b="1" i="0" u="none" strike="noStrike" kern="0" cap="none" spc="-25" normalizeH="0" baseline="0" noProof="0" dirty="0">
+                <a:ln>
+                  <a:noFill/>
+                </a:ln>
+                <a:solidFill>
+                  <a:srgbClr val="001F60"/>
+                </a:solidFill>
+                <a:effectLst/>
+                <a:uLnTx/>
+                <a:uFillTx/>
+                <a:latin typeface="Malgun Gothic"/>
+                <a:ea typeface="맑은 고딕" panose="020B0503020000020004" pitchFamily="50" charset="-127"/>
+              </a:rPr>
+              <a:t>(4/4)</a:t>
             </a:r>
             <a:endParaRPr kumimoji="0" lang="ko-KR" altLang="en-US" sz="3200" b="1" i="0" u="none" strike="noStrike" kern="0" cap="none" spc="0" normalizeH="0" baseline="0" noProof="0" dirty="0">
               <a:ln>
@@ -12825,7 +15366,7 @@
             <p:nvPr/>
           </p:nvPicPr>
           <p:blipFill rotWithShape="1">
-            <a:blip r:embed="rId2">
+            <a:blip r:embed="rId3">
               <a:extLst>
                 <a:ext uri="{28A0092B-C50C-407E-A947-70E740481C1C}">
                   <a14:useLocalDpi xmlns:a14="http://schemas.microsoft.com/office/drawing/2010/main" val="0"/>
@@ -12860,7 +15401,7 @@
             <p:nvPr/>
           </p:nvPicPr>
           <p:blipFill>
-            <a:blip r:embed="rId3" cstate="hqprint">
+            <a:blip r:embed="rId4" cstate="hqprint">
               <a:extLst>
                 <a:ext uri="{28A0092B-C50C-407E-A947-70E740481C1C}">
                   <a14:useLocalDpi xmlns:a14="http://schemas.microsoft.com/office/drawing/2010/main" val="0"/>
@@ -12981,7 +15522,7 @@
               <p:nvPr/>
             </p:nvPicPr>
             <p:blipFill>
-              <a:blip r:embed="rId4">
+              <a:blip r:embed="rId5">
                 <a:extLst>
                   <a:ext uri="{28A0092B-C50C-407E-A947-70E740481C1C}">
                     <a14:useLocalDpi xmlns:a14="http://schemas.microsoft.com/office/drawing/2010/main" val="0"/>
@@ -13074,7 +15615,7 @@
               <p:nvPr/>
             </p:nvPicPr>
             <p:blipFill>
-              <a:blip r:embed="rId5">
+              <a:blip r:embed="rId6">
                 <a:extLst>
                   <a:ext uri="{28A0092B-C50C-407E-A947-70E740481C1C}">
                     <a14:useLocalDpi xmlns:a14="http://schemas.microsoft.com/office/drawing/2010/main" val="0"/>
@@ -13231,7 +15772,7 @@
               <a:defRPr/>
             </a:pPr>
             <a:r>
-              <a:rPr kumimoji="0" lang="ko-KR" altLang="en-US" sz="3200" b="1" i="0" u="none" strike="noStrike" kern="0" cap="none" spc="-25" normalizeH="0" baseline="0" noProof="0">
+              <a:rPr kumimoji="0" lang="ko-KR" altLang="en-US" sz="3200" b="1" i="0" u="none" strike="noStrike" kern="0" cap="none" spc="-25" normalizeH="0" baseline="0" noProof="0" dirty="0">
                 <a:ln>
                   <a:noFill/>
                 </a:ln>
@@ -13244,7 +15785,7 @@
                 <a:latin typeface="Malgun Gothic"/>
                 <a:ea typeface="맑은 고딕" panose="020B0503020000020004" pitchFamily="50" charset="-127"/>
               </a:rPr>
-              <a:t>목적</a:t>
+              <a:t>분석 목적</a:t>
             </a:r>
             <a:endParaRPr kumimoji="0" lang="ko-KR" altLang="en-US" sz="3200" b="1" i="0" u="none" strike="noStrike" kern="0" cap="none" spc="0" normalizeH="0" baseline="0" noProof="0" dirty="0">
               <a:ln>
@@ -13380,7 +15921,7 @@
             <p:nvPr/>
           </p:nvPicPr>
           <p:blipFill rotWithShape="1">
-            <a:blip r:embed="rId2">
+            <a:blip r:embed="rId3">
               <a:extLst>
                 <a:ext uri="{28A0092B-C50C-407E-A947-70E740481C1C}">
                   <a14:useLocalDpi xmlns:a14="http://schemas.microsoft.com/office/drawing/2010/main" val="0"/>
@@ -13415,7 +15956,7 @@
             <p:nvPr/>
           </p:nvPicPr>
           <p:blipFill>
-            <a:blip r:embed="rId3" cstate="hqprint">
+            <a:blip r:embed="rId4" cstate="hqprint">
               <a:extLst>
                 <a:ext uri="{28A0092B-C50C-407E-A947-70E740481C1C}">
                   <a14:useLocalDpi xmlns:a14="http://schemas.microsoft.com/office/drawing/2010/main" val="0"/>
@@ -13558,7 +16099,15 @@
             </a:pPr>
             <a:r>
               <a:rPr lang="ko-KR" altLang="en-US" sz="1600" dirty="0"/>
-              <a:t>따라서 정확한 단기 일사량 예측 모델이 요구 </a:t>
+              <a:t>따라서 정확한 단기 일사량 예측 모델이 요구</a:t>
+            </a:r>
+            <a:r>
+              <a:rPr lang="en-US" altLang="ko-KR" sz="1600" dirty="0"/>
+              <a:t>,</a:t>
+            </a:r>
+            <a:r>
+              <a:rPr lang="ko-KR" altLang="en-US" sz="1600" dirty="0"/>
+              <a:t> </a:t>
             </a:r>
             <a:r>
               <a:rPr lang="ko-KR" altLang="en-US" sz="1600" b="1" dirty="0">
@@ -13576,7 +16125,7 @@
               <a:rPr lang="ko-KR" altLang="en-US" sz="1600" b="1" dirty="0">
                 <a:effectLst/>
               </a:rPr>
-              <a:t>기계학습을 기반으로 일사량 예측 모델들을 보고</a:t>
+              <a:t>기계학습을 기반으로 일사량 예측 모델을 보고</a:t>
             </a:r>
             <a:r>
               <a:rPr lang="ko-KR" altLang="en-US" sz="1600" dirty="0">
@@ -14668,7 +17217,7 @@
             <p:nvPr/>
           </p:nvPicPr>
           <p:blipFill rotWithShape="1">
-            <a:blip r:embed="rId2">
+            <a:blip r:embed="rId3">
               <a:extLst>
                 <a:ext uri="{28A0092B-C50C-407E-A947-70E740481C1C}">
                   <a14:useLocalDpi xmlns:a14="http://schemas.microsoft.com/office/drawing/2010/main" val="0"/>
@@ -14703,7 +17252,7 @@
             <p:nvPr/>
           </p:nvPicPr>
           <p:blipFill>
-            <a:blip r:embed="rId3" cstate="hqprint">
+            <a:blip r:embed="rId4" cstate="hqprint">
               <a:extLst>
                 <a:ext uri="{28A0092B-C50C-407E-A947-70E740481C1C}">
                   <a14:useLocalDpi xmlns:a14="http://schemas.microsoft.com/office/drawing/2010/main" val="0"/>
@@ -14879,7 +17428,7 @@
           <p:spPr>
             <a:xfrm>
               <a:off x="430250" y="1178351"/>
-              <a:ext cx="3567002" cy="369332"/>
+              <a:ext cx="5702202" cy="369332"/>
             </a:xfrm>
             <a:prstGeom prst="rect">
               <a:avLst/>
@@ -14894,22 +17443,26 @@
             <a:p>
               <a:r>
                 <a:rPr lang="ko-KR" altLang="en-US" b="1" dirty="0"/>
-                <a:t>일사량 예측 </a:t>
+                <a:t>일사량 예측 모델 구성 </a:t>
               </a:r>
               <a:r>
-                <a:rPr lang="ko-KR" altLang="en-US" b="1"/>
-                <a:t>모델 구성 </a:t>
+                <a:rPr lang="en-US" altLang="ko-KR" sz="1600" b="1" dirty="0"/>
+                <a:t>(</a:t>
               </a:r>
               <a:r>
-                <a:rPr lang="en-US" altLang="ko-KR" sz="1600" b="1"/>
-                <a:t>(MAPE</a:t>
+                <a:rPr lang="ko-KR" altLang="en-US" sz="1600" b="1" dirty="0"/>
+                <a:t>평균 절대 백분율 오차 </a:t>
               </a:r>
               <a:r>
-                <a:rPr lang="ko-KR" altLang="en-US" sz="1600" b="1"/>
+                <a:rPr lang="en-US" altLang="ko-KR" sz="1600" b="1" dirty="0"/>
+                <a:t>MAPE</a:t>
+              </a:r>
+              <a:r>
+                <a:rPr lang="ko-KR" altLang="en-US" sz="1600" b="1" dirty="0"/>
                 <a:t> </a:t>
               </a:r>
               <a:r>
-                <a:rPr lang="en-US" altLang="ko-KR" sz="1600" b="1"/>
+                <a:rPr lang="en-US" altLang="ko-KR" sz="1600" b="1" dirty="0"/>
                 <a:t>%)</a:t>
               </a:r>
               <a:endParaRPr lang="ko-KR" altLang="en-US" sz="1600" b="1" dirty="0"/>
@@ -15058,7 +17611,7 @@
             <p:nvPr/>
           </p:nvPicPr>
           <p:blipFill>
-            <a:blip r:embed="rId4">
+            <a:blip r:embed="rId5">
               <a:extLst>
                 <a:ext uri="{28A0092B-C50C-407E-A947-70E740481C1C}">
                   <a14:useLocalDpi xmlns:a14="http://schemas.microsoft.com/office/drawing/2010/main" val="0"/>
